--- a/Chinook_Presentation/Project_Future_Chinook_Presentation.pptx
+++ b/Chinook_Presentation/Project_Future_Chinook_Presentation.pptx
@@ -8,26 +8,27 @@
     <p:sldMasterId id="2147483816" r:id="rId4"/>
   </p:sldMasterIdLst>
   <p:notesMasterIdLst>
-    <p:notesMasterId r:id="rId22"/>
+    <p:notesMasterId r:id="rId23"/>
   </p:notesMasterIdLst>
   <p:sldIdLst>
     <p:sldId id="257" r:id="rId5"/>
     <p:sldId id="273" r:id="rId6"/>
     <p:sldId id="280" r:id="rId7"/>
     <p:sldId id="264" r:id="rId8"/>
-    <p:sldId id="279" r:id="rId9"/>
-    <p:sldId id="274" r:id="rId10"/>
-    <p:sldId id="275" r:id="rId11"/>
+    <p:sldId id="283" r:id="rId9"/>
+    <p:sldId id="285" r:id="rId10"/>
+    <p:sldId id="286" r:id="rId11"/>
     <p:sldId id="277" r:id="rId12"/>
-    <p:sldId id="266" r:id="rId13"/>
-    <p:sldId id="263" r:id="rId14"/>
-    <p:sldId id="267" r:id="rId15"/>
-    <p:sldId id="268" r:id="rId16"/>
-    <p:sldId id="278" r:id="rId17"/>
-    <p:sldId id="281" r:id="rId18"/>
-    <p:sldId id="269" r:id="rId19"/>
-    <p:sldId id="270" r:id="rId20"/>
-    <p:sldId id="258" r:id="rId21"/>
+    <p:sldId id="287" r:id="rId13"/>
+    <p:sldId id="288" r:id="rId14"/>
+    <p:sldId id="263" r:id="rId15"/>
+    <p:sldId id="267" r:id="rId16"/>
+    <p:sldId id="268" r:id="rId17"/>
+    <p:sldId id="278" r:id="rId18"/>
+    <p:sldId id="281" r:id="rId19"/>
+    <p:sldId id="269" r:id="rId20"/>
+    <p:sldId id="270" r:id="rId21"/>
+    <p:sldId id="258" r:id="rId22"/>
   </p:sldIdLst>
   <p:sldSz cx="12192000" cy="6858000"/>
   <p:notesSz cx="6858000" cy="9144000"/>
@@ -128,7 +129,18 @@
   </p:defaultTextStyle>
   <p:extLst>
     <p:ext uri="{EFAFB233-063F-42B5-8137-9DF3F51BA10A}">
-      <p15:sldGuideLst xmlns:p15="http://schemas.microsoft.com/office/powerpoint/2012/main"/>
+      <p15:sldGuideLst xmlns:p15="http://schemas.microsoft.com/office/powerpoint/2012/main">
+        <p15:guide id="1" orient="horz" pos="2160" userDrawn="1">
+          <p15:clr>
+            <a:srgbClr val="A4A3A4"/>
+          </p15:clr>
+        </p15:guide>
+        <p15:guide id="2" pos="3840" userDrawn="1">
+          <p15:clr>
+            <a:srgbClr val="A4A3A4"/>
+          </p15:clr>
+        </p15:guide>
+      </p15:sldGuideLst>
     </p:ext>
   </p:extLst>
 </p:presentation>
@@ -1055,927 +1067,6 @@
 </dgm:colorsDef>
 </file>
 
-<file path=ppt/diagrams/colors2.xml><?xml version="1.0" encoding="utf-8"?>
-<dgm:colorsDef xmlns:dgm="http://schemas.openxmlformats.org/drawingml/2006/diagram" xmlns:a="http://schemas.openxmlformats.org/drawingml/2006/main" uniqueId="urn:microsoft.com/office/officeart/2018/5/colors/Iconchunking_neutralbg_colorful1">
-  <dgm:title val=""/>
-  <dgm:desc val=""/>
-  <dgm:catLst>
-    <dgm:cat type="colorful" pri="10100"/>
-  </dgm:catLst>
-  <dgm:styleLbl name="node0">
-    <dgm:fillClrLst meth="repeat">
-      <a:schemeClr val="accent1"/>
-    </dgm:fillClrLst>
-    <dgm:linClrLst meth="repeat">
-      <a:schemeClr val="lt1"/>
-    </dgm:linClrLst>
-    <dgm:effectClrLst/>
-    <dgm:txLinClrLst/>
-    <dgm:txFillClrLst/>
-    <dgm:txEffectClrLst/>
-  </dgm:styleLbl>
-  <dgm:styleLbl name="node1">
-    <dgm:fillClrLst meth="repeat">
-      <a:schemeClr val="accent2"/>
-      <a:schemeClr val="accent3"/>
-      <a:schemeClr val="accent4"/>
-      <a:schemeClr val="accent5"/>
-      <a:schemeClr val="accent6"/>
-    </dgm:fillClrLst>
-    <dgm:linClrLst meth="repeat">
-      <a:schemeClr val="lt1">
-        <a:alpha val="0"/>
-      </a:schemeClr>
-    </dgm:linClrLst>
-    <dgm:effectClrLst/>
-    <dgm:txLinClrLst/>
-    <dgm:txFillClrLst/>
-    <dgm:txEffectClrLst/>
-  </dgm:styleLbl>
-  <dgm:styleLbl name="alignNode1">
-    <dgm:fillClrLst meth="repeat">
-      <a:schemeClr val="accent2"/>
-      <a:schemeClr val="accent3"/>
-      <a:schemeClr val="accent4"/>
-      <a:schemeClr val="accent5"/>
-      <a:schemeClr val="accent6"/>
-    </dgm:fillClrLst>
-    <dgm:linClrLst meth="repeat">
-      <a:schemeClr val="accent2"/>
-      <a:schemeClr val="accent3"/>
-      <a:schemeClr val="accent4"/>
-      <a:schemeClr val="accent5"/>
-      <a:schemeClr val="accent6"/>
-    </dgm:linClrLst>
-    <dgm:effectClrLst/>
-    <dgm:txLinClrLst/>
-    <dgm:txFillClrLst/>
-    <dgm:txEffectClrLst/>
-  </dgm:styleLbl>
-  <dgm:styleLbl name="lnNode1">
-    <dgm:fillClrLst meth="repeat">
-      <a:schemeClr val="accent2"/>
-      <a:schemeClr val="accent3"/>
-      <a:schemeClr val="accent4"/>
-      <a:schemeClr val="accent5"/>
-      <a:schemeClr val="accent6"/>
-    </dgm:fillClrLst>
-    <dgm:linClrLst meth="repeat">
-      <a:schemeClr val="lt1"/>
-    </dgm:linClrLst>
-    <dgm:effectClrLst/>
-    <dgm:txLinClrLst/>
-    <dgm:txFillClrLst/>
-    <dgm:txEffectClrLst/>
-  </dgm:styleLbl>
-  <dgm:styleLbl name="vennNode1">
-    <dgm:fillClrLst meth="repeat">
-      <a:schemeClr val="accent2">
-        <a:alpha val="50000"/>
-      </a:schemeClr>
-      <a:schemeClr val="accent3">
-        <a:alpha val="50000"/>
-      </a:schemeClr>
-      <a:schemeClr val="accent4">
-        <a:alpha val="50000"/>
-      </a:schemeClr>
-      <a:schemeClr val="accent5">
-        <a:alpha val="50000"/>
-      </a:schemeClr>
-      <a:schemeClr val="accent6">
-        <a:alpha val="50000"/>
-      </a:schemeClr>
-    </dgm:fillClrLst>
-    <dgm:linClrLst meth="repeat">
-      <a:schemeClr val="lt1"/>
-    </dgm:linClrLst>
-    <dgm:effectClrLst/>
-    <dgm:txLinClrLst/>
-    <dgm:txFillClrLst/>
-    <dgm:txEffectClrLst/>
-  </dgm:styleLbl>
-  <dgm:styleLbl name="node2">
-    <dgm:fillClrLst>
-      <a:schemeClr val="accent2"/>
-    </dgm:fillClrLst>
-    <dgm:linClrLst meth="repeat">
-      <a:schemeClr val="lt1"/>
-    </dgm:linClrLst>
-    <dgm:effectClrLst/>
-    <dgm:txLinClrLst/>
-    <dgm:txFillClrLst/>
-    <dgm:txEffectClrLst/>
-  </dgm:styleLbl>
-  <dgm:styleLbl name="node3">
-    <dgm:fillClrLst>
-      <a:schemeClr val="accent3"/>
-    </dgm:fillClrLst>
-    <dgm:linClrLst meth="repeat">
-      <a:schemeClr val="lt1"/>
-    </dgm:linClrLst>
-    <dgm:effectClrLst/>
-    <dgm:txLinClrLst/>
-    <dgm:txFillClrLst/>
-    <dgm:txEffectClrLst/>
-  </dgm:styleLbl>
-  <dgm:styleLbl name="node4">
-    <dgm:fillClrLst>
-      <a:schemeClr val="accent4"/>
-    </dgm:fillClrLst>
-    <dgm:linClrLst meth="repeat">
-      <a:schemeClr val="lt1"/>
-    </dgm:linClrLst>
-    <dgm:effectClrLst/>
-    <dgm:txLinClrLst/>
-    <dgm:txFillClrLst/>
-    <dgm:txEffectClrLst/>
-  </dgm:styleLbl>
-  <dgm:styleLbl name="fgImgPlace1">
-    <dgm:fillClrLst meth="repeat">
-      <a:schemeClr val="accent2">
-        <a:tint val="50000"/>
-      </a:schemeClr>
-      <a:schemeClr val="accent3">
-        <a:tint val="50000"/>
-      </a:schemeClr>
-      <a:schemeClr val="accent4">
-        <a:tint val="50000"/>
-      </a:schemeClr>
-      <a:schemeClr val="accent5">
-        <a:tint val="50000"/>
-      </a:schemeClr>
-      <a:schemeClr val="accent6">
-        <a:tint val="50000"/>
-      </a:schemeClr>
-    </dgm:fillClrLst>
-    <dgm:linClrLst meth="repeat">
-      <a:schemeClr val="lt1"/>
-    </dgm:linClrLst>
-    <dgm:effectClrLst/>
-    <dgm:txLinClrLst/>
-    <dgm:txFillClrLst meth="repeat">
-      <a:schemeClr val="lt1"/>
-    </dgm:txFillClrLst>
-    <dgm:txEffectClrLst/>
-  </dgm:styleLbl>
-  <dgm:styleLbl name="alignImgPlace1">
-    <dgm:fillClrLst>
-      <a:schemeClr val="accent1">
-        <a:tint val="50000"/>
-      </a:schemeClr>
-      <a:schemeClr val="accent2">
-        <a:tint val="20000"/>
-      </a:schemeClr>
-    </dgm:fillClrLst>
-    <dgm:linClrLst meth="repeat">
-      <a:schemeClr val="lt1"/>
-    </dgm:linClrLst>
-    <dgm:effectClrLst/>
-    <dgm:txLinClrLst/>
-    <dgm:txFillClrLst meth="repeat">
-      <a:schemeClr val="lt1"/>
-    </dgm:txFillClrLst>
-    <dgm:txEffectClrLst/>
-  </dgm:styleLbl>
-  <dgm:styleLbl name="bgImgPlace1">
-    <dgm:fillClrLst>
-      <a:schemeClr val="accent1">
-        <a:tint val="50000"/>
-      </a:schemeClr>
-      <a:schemeClr val="accent2">
-        <a:tint val="20000"/>
-      </a:schemeClr>
-    </dgm:fillClrLst>
-    <dgm:linClrLst meth="repeat">
-      <a:schemeClr val="lt1"/>
-    </dgm:linClrLst>
-    <dgm:effectClrLst/>
-    <dgm:txLinClrLst/>
-    <dgm:txFillClrLst meth="repeat">
-      <a:schemeClr val="lt1"/>
-    </dgm:txFillClrLst>
-    <dgm:txEffectClrLst/>
-  </dgm:styleLbl>
-  <dgm:styleLbl name="sibTrans2D1">
-    <dgm:fillClrLst meth="repeat">
-      <a:schemeClr val="accent2"/>
-      <a:schemeClr val="accent3"/>
-      <a:schemeClr val="accent4"/>
-      <a:schemeClr val="accent5"/>
-      <a:schemeClr val="accent6"/>
-    </dgm:fillClrLst>
-    <dgm:linClrLst meth="cycle">
-      <a:schemeClr val="lt1"/>
-    </dgm:linClrLst>
-    <dgm:effectClrLst/>
-    <dgm:txLinClrLst/>
-    <dgm:txFillClrLst/>
-    <dgm:txEffectClrLst/>
-  </dgm:styleLbl>
-  <dgm:styleLbl name="fgSibTrans2D1">
-    <dgm:fillClrLst meth="repeat">
-      <a:schemeClr val="accent2"/>
-      <a:schemeClr val="accent3"/>
-      <a:schemeClr val="accent4"/>
-      <a:schemeClr val="accent5"/>
-      <a:schemeClr val="accent6"/>
-    </dgm:fillClrLst>
-    <dgm:linClrLst meth="cycle">
-      <a:schemeClr val="lt1"/>
-    </dgm:linClrLst>
-    <dgm:effectClrLst/>
-    <dgm:txLinClrLst/>
-    <dgm:txFillClrLst meth="repeat">
-      <a:schemeClr val="lt1"/>
-    </dgm:txFillClrLst>
-    <dgm:txEffectClrLst/>
-  </dgm:styleLbl>
-  <dgm:styleLbl name="bgSibTrans2D1">
-    <dgm:fillClrLst meth="repeat">
-      <a:schemeClr val="accent2"/>
-      <a:schemeClr val="accent3"/>
-      <a:schemeClr val="accent4"/>
-      <a:schemeClr val="accent5"/>
-      <a:schemeClr val="accent6"/>
-    </dgm:fillClrLst>
-    <dgm:linClrLst meth="cycle">
-      <a:schemeClr val="lt1"/>
-    </dgm:linClrLst>
-    <dgm:effectClrLst/>
-    <dgm:txLinClrLst/>
-    <dgm:txFillClrLst meth="repeat">
-      <a:schemeClr val="lt1"/>
-    </dgm:txFillClrLst>
-    <dgm:txEffectClrLst/>
-  </dgm:styleLbl>
-  <dgm:styleLbl name="sibTrans1D1">
-    <dgm:fillClrLst meth="repeat">
-      <a:schemeClr val="accent2"/>
-      <a:schemeClr val="accent3"/>
-      <a:schemeClr val="accent4"/>
-      <a:schemeClr val="accent5"/>
-      <a:schemeClr val="accent6"/>
-    </dgm:fillClrLst>
-    <dgm:linClrLst meth="repeat">
-      <a:schemeClr val="accent2"/>
-      <a:schemeClr val="accent3"/>
-      <a:schemeClr val="accent4"/>
-      <a:schemeClr val="accent5"/>
-      <a:schemeClr val="accent6"/>
-    </dgm:linClrLst>
-    <dgm:effectClrLst/>
-    <dgm:txLinClrLst/>
-    <dgm:txFillClrLst meth="repeat">
-      <a:schemeClr val="tx1"/>
-    </dgm:txFillClrLst>
-    <dgm:txEffectClrLst/>
-  </dgm:styleLbl>
-  <dgm:styleLbl name="callout">
-    <dgm:fillClrLst meth="repeat">
-      <a:schemeClr val="accent2"/>
-    </dgm:fillClrLst>
-    <dgm:linClrLst meth="repeat">
-      <a:schemeClr val="accent2">
-        <a:tint val="50000"/>
-      </a:schemeClr>
-    </dgm:linClrLst>
-    <dgm:effectClrLst/>
-    <dgm:txLinClrLst/>
-    <dgm:txFillClrLst meth="repeat">
-      <a:schemeClr val="tx1"/>
-    </dgm:txFillClrLst>
-    <dgm:txEffectClrLst/>
-  </dgm:styleLbl>
-  <dgm:styleLbl name="asst0">
-    <dgm:fillClrLst meth="repeat">
-      <a:schemeClr val="accent1"/>
-    </dgm:fillClrLst>
-    <dgm:linClrLst meth="repeat">
-      <a:schemeClr val="lt1"/>
-    </dgm:linClrLst>
-    <dgm:effectClrLst/>
-    <dgm:txLinClrLst/>
-    <dgm:txFillClrLst/>
-    <dgm:txEffectClrLst/>
-  </dgm:styleLbl>
-  <dgm:styleLbl name="asst1">
-    <dgm:fillClrLst meth="repeat">
-      <a:schemeClr val="accent2"/>
-    </dgm:fillClrLst>
-    <dgm:linClrLst meth="repeat">
-      <a:schemeClr val="lt1"/>
-    </dgm:linClrLst>
-    <dgm:effectClrLst/>
-    <dgm:txLinClrLst/>
-    <dgm:txFillClrLst/>
-    <dgm:txEffectClrLst/>
-  </dgm:styleLbl>
-  <dgm:styleLbl name="asst2">
-    <dgm:fillClrLst>
-      <a:schemeClr val="accent3"/>
-    </dgm:fillClrLst>
-    <dgm:linClrLst meth="repeat">
-      <a:schemeClr val="lt1"/>
-    </dgm:linClrLst>
-    <dgm:effectClrLst/>
-    <dgm:txLinClrLst/>
-    <dgm:txFillClrLst/>
-    <dgm:txEffectClrLst/>
-  </dgm:styleLbl>
-  <dgm:styleLbl name="asst3">
-    <dgm:fillClrLst>
-      <a:schemeClr val="accent4"/>
-    </dgm:fillClrLst>
-    <dgm:linClrLst meth="repeat">
-      <a:schemeClr val="lt1"/>
-    </dgm:linClrLst>
-    <dgm:effectClrLst/>
-    <dgm:txLinClrLst/>
-    <dgm:txFillClrLst/>
-    <dgm:txEffectClrLst/>
-  </dgm:styleLbl>
-  <dgm:styleLbl name="asst4">
-    <dgm:fillClrLst>
-      <a:schemeClr val="accent5"/>
-    </dgm:fillClrLst>
-    <dgm:linClrLst meth="repeat">
-      <a:schemeClr val="lt1"/>
-    </dgm:linClrLst>
-    <dgm:effectClrLst/>
-    <dgm:txLinClrLst/>
-    <dgm:txFillClrLst/>
-    <dgm:txEffectClrLst/>
-  </dgm:styleLbl>
-  <dgm:styleLbl name="parChTrans2D1">
-    <dgm:fillClrLst meth="repeat">
-      <a:schemeClr val="accent2"/>
-    </dgm:fillClrLst>
-    <dgm:linClrLst meth="repeat">
-      <a:schemeClr val="lt1"/>
-    </dgm:linClrLst>
-    <dgm:effectClrLst/>
-    <dgm:txLinClrLst/>
-    <dgm:txFillClrLst meth="repeat">
-      <a:schemeClr val="lt1"/>
-    </dgm:txFillClrLst>
-    <dgm:txEffectClrLst/>
-  </dgm:styleLbl>
-  <dgm:styleLbl name="parChTrans2D2">
-    <dgm:fillClrLst meth="repeat">
-      <a:schemeClr val="accent3"/>
-    </dgm:fillClrLst>
-    <dgm:linClrLst meth="repeat">
-      <a:schemeClr val="lt1"/>
-    </dgm:linClrLst>
-    <dgm:effectClrLst/>
-    <dgm:txLinClrLst/>
-    <dgm:txFillClrLst/>
-    <dgm:txEffectClrLst/>
-  </dgm:styleLbl>
-  <dgm:styleLbl name="parChTrans2D3">
-    <dgm:fillClrLst meth="repeat">
-      <a:schemeClr val="accent4"/>
-    </dgm:fillClrLst>
-    <dgm:linClrLst meth="repeat">
-      <a:schemeClr val="lt1"/>
-    </dgm:linClrLst>
-    <dgm:effectClrLst/>
-    <dgm:txLinClrLst/>
-    <dgm:txFillClrLst/>
-    <dgm:txEffectClrLst/>
-  </dgm:styleLbl>
-  <dgm:styleLbl name="parChTrans2D4">
-    <dgm:fillClrLst meth="repeat">
-      <a:schemeClr val="accent5"/>
-    </dgm:fillClrLst>
-    <dgm:linClrLst meth="repeat">
-      <a:schemeClr val="lt1"/>
-    </dgm:linClrLst>
-    <dgm:effectClrLst/>
-    <dgm:txLinClrLst/>
-    <dgm:txFillClrLst meth="repeat">
-      <a:schemeClr val="lt1"/>
-    </dgm:txFillClrLst>
-    <dgm:txEffectClrLst/>
-  </dgm:styleLbl>
-  <dgm:styleLbl name="parChTrans1D1">
-    <dgm:fillClrLst meth="repeat">
-      <a:schemeClr val="accent2"/>
-    </dgm:fillClrLst>
-    <dgm:linClrLst meth="repeat">
-      <a:schemeClr val="accent1"/>
-    </dgm:linClrLst>
-    <dgm:effectClrLst/>
-    <dgm:txLinClrLst/>
-    <dgm:txFillClrLst meth="repeat">
-      <a:schemeClr val="tx1"/>
-    </dgm:txFillClrLst>
-    <dgm:txEffectClrLst/>
-  </dgm:styleLbl>
-  <dgm:styleLbl name="parChTrans1D2">
-    <dgm:fillClrLst meth="repeat">
-      <a:schemeClr val="accent3">
-        <a:tint val="90000"/>
-      </a:schemeClr>
-    </dgm:fillClrLst>
-    <dgm:linClrLst meth="repeat">
-      <a:schemeClr val="accent2"/>
-    </dgm:linClrLst>
-    <dgm:effectClrLst/>
-    <dgm:txLinClrLst/>
-    <dgm:txFillClrLst meth="repeat">
-      <a:schemeClr val="tx1"/>
-    </dgm:txFillClrLst>
-    <dgm:txEffectClrLst/>
-  </dgm:styleLbl>
-  <dgm:styleLbl name="parChTrans1D3">
-    <dgm:fillClrLst meth="repeat">
-      <a:schemeClr val="accent4">
-        <a:tint val="70000"/>
-      </a:schemeClr>
-    </dgm:fillClrLst>
-    <dgm:linClrLst meth="repeat">
-      <a:schemeClr val="accent3"/>
-    </dgm:linClrLst>
-    <dgm:effectClrLst/>
-    <dgm:txLinClrLst/>
-    <dgm:txFillClrLst meth="repeat">
-      <a:schemeClr val="tx1"/>
-    </dgm:txFillClrLst>
-    <dgm:txEffectClrLst/>
-  </dgm:styleLbl>
-  <dgm:styleLbl name="parChTrans1D4">
-    <dgm:fillClrLst meth="repeat">
-      <a:schemeClr val="accent5">
-        <a:tint val="50000"/>
-      </a:schemeClr>
-    </dgm:fillClrLst>
-    <dgm:linClrLst meth="repeat">
-      <a:schemeClr val="accent4"/>
-    </dgm:linClrLst>
-    <dgm:effectClrLst/>
-    <dgm:txLinClrLst/>
-    <dgm:txFillClrLst meth="repeat">
-      <a:schemeClr val="tx1"/>
-    </dgm:txFillClrLst>
-    <dgm:txEffectClrLst/>
-  </dgm:styleLbl>
-  <dgm:styleLbl name="fgAcc1">
-    <dgm:fillClrLst meth="repeat">
-      <a:schemeClr val="lt1">
-        <a:alpha val="90000"/>
-      </a:schemeClr>
-    </dgm:fillClrLst>
-    <dgm:linClrLst meth="repeat">
-      <a:schemeClr val="accent2"/>
-      <a:schemeClr val="accent3"/>
-      <a:schemeClr val="accent4"/>
-      <a:schemeClr val="accent5"/>
-      <a:schemeClr val="accent6"/>
-    </dgm:linClrLst>
-    <dgm:effectClrLst/>
-    <dgm:txLinClrLst/>
-    <dgm:txFillClrLst meth="repeat">
-      <a:schemeClr val="dk1"/>
-    </dgm:txFillClrLst>
-    <dgm:txEffectClrLst/>
-  </dgm:styleLbl>
-  <dgm:styleLbl name="conFgAcc1">
-    <dgm:fillClrLst meth="repeat">
-      <a:schemeClr val="lt1">
-        <a:alpha val="90000"/>
-      </a:schemeClr>
-    </dgm:fillClrLst>
-    <dgm:linClrLst meth="repeat">
-      <a:schemeClr val="accent2"/>
-      <a:schemeClr val="accent3"/>
-      <a:schemeClr val="accent4"/>
-      <a:schemeClr val="accent5"/>
-      <a:schemeClr val="accent6"/>
-    </dgm:linClrLst>
-    <dgm:effectClrLst/>
-    <dgm:txLinClrLst/>
-    <dgm:txFillClrLst meth="repeat">
-      <a:schemeClr val="dk1"/>
-    </dgm:txFillClrLst>
-    <dgm:txEffectClrLst/>
-  </dgm:styleLbl>
-  <dgm:styleLbl name="alignAcc1">
-    <dgm:fillClrLst meth="repeat">
-      <a:schemeClr val="lt1">
-        <a:alpha val="90000"/>
-      </a:schemeClr>
-    </dgm:fillClrLst>
-    <dgm:linClrLst meth="repeat">
-      <a:schemeClr val="accent2"/>
-      <a:schemeClr val="accent3"/>
-      <a:schemeClr val="accent4"/>
-      <a:schemeClr val="accent5"/>
-      <a:schemeClr val="accent6"/>
-    </dgm:linClrLst>
-    <dgm:effectClrLst/>
-    <dgm:txLinClrLst/>
-    <dgm:txFillClrLst meth="repeat">
-      <a:schemeClr val="dk1"/>
-    </dgm:txFillClrLst>
-    <dgm:txEffectClrLst/>
-  </dgm:styleLbl>
-  <dgm:styleLbl name="trAlignAcc1">
-    <dgm:fillClrLst meth="repeat">
-      <a:schemeClr val="lt1">
-        <a:alpha val="40000"/>
-      </a:schemeClr>
-    </dgm:fillClrLst>
-    <dgm:linClrLst meth="repeat">
-      <a:schemeClr val="accent1"/>
-    </dgm:linClrLst>
-    <dgm:effectClrLst/>
-    <dgm:txLinClrLst/>
-    <dgm:txFillClrLst meth="repeat">
-      <a:schemeClr val="dk1"/>
-    </dgm:txFillClrLst>
-    <dgm:txEffectClrLst/>
-  </dgm:styleLbl>
-  <dgm:styleLbl name="bgAcc1">
-    <dgm:fillClrLst meth="repeat">
-      <a:schemeClr val="lt1">
-        <a:alpha val="90000"/>
-      </a:schemeClr>
-    </dgm:fillClrLst>
-    <dgm:linClrLst meth="repeat">
-      <a:schemeClr val="accent2"/>
-      <a:schemeClr val="accent3"/>
-      <a:schemeClr val="accent4"/>
-      <a:schemeClr val="accent5"/>
-      <a:schemeClr val="accent6"/>
-    </dgm:linClrLst>
-    <dgm:effectClrLst/>
-    <dgm:txLinClrLst/>
-    <dgm:txFillClrLst meth="repeat">
-      <a:schemeClr val="dk1"/>
-    </dgm:txFillClrLst>
-    <dgm:txEffectClrLst/>
-  </dgm:styleLbl>
-  <dgm:styleLbl name="solidFgAcc1">
-    <dgm:fillClrLst meth="repeat">
-      <a:schemeClr val="lt1"/>
-    </dgm:fillClrLst>
-    <dgm:linClrLst meth="repeat">
-      <a:schemeClr val="accent2"/>
-      <a:schemeClr val="accent3"/>
-      <a:schemeClr val="accent4"/>
-      <a:schemeClr val="accent5"/>
-      <a:schemeClr val="accent6"/>
-    </dgm:linClrLst>
-    <dgm:effectClrLst/>
-    <dgm:txLinClrLst/>
-    <dgm:txFillClrLst meth="repeat">
-      <a:schemeClr val="dk1"/>
-    </dgm:txFillClrLst>
-    <dgm:txEffectClrLst/>
-  </dgm:styleLbl>
-  <dgm:styleLbl name="solidAlignAcc1">
-    <dgm:fillClrLst meth="repeat">
-      <a:schemeClr val="lt1"/>
-    </dgm:fillClrLst>
-    <dgm:linClrLst meth="repeat">
-      <a:schemeClr val="accent2"/>
-      <a:schemeClr val="accent3"/>
-      <a:schemeClr val="accent4"/>
-      <a:schemeClr val="accent5"/>
-      <a:schemeClr val="accent6"/>
-    </dgm:linClrLst>
-    <dgm:effectClrLst/>
-    <dgm:txLinClrLst/>
-    <dgm:txFillClrLst meth="repeat">
-      <a:schemeClr val="dk1"/>
-    </dgm:txFillClrLst>
-    <dgm:txEffectClrLst/>
-  </dgm:styleLbl>
-  <dgm:styleLbl name="solidBgAcc1">
-    <dgm:fillClrLst meth="repeat">
-      <a:schemeClr val="lt1"/>
-    </dgm:fillClrLst>
-    <dgm:linClrLst meth="repeat">
-      <a:schemeClr val="accent2"/>
-      <a:schemeClr val="accent3"/>
-      <a:schemeClr val="accent4"/>
-      <a:schemeClr val="accent5"/>
-      <a:schemeClr val="accent6"/>
-    </dgm:linClrLst>
-    <dgm:effectClrLst/>
-    <dgm:txLinClrLst/>
-    <dgm:txFillClrLst meth="repeat">
-      <a:schemeClr val="dk1"/>
-    </dgm:txFillClrLst>
-    <dgm:txEffectClrLst/>
-  </dgm:styleLbl>
-  <dgm:styleLbl name="fgAccFollowNode1">
-    <dgm:fillClrLst meth="repeat">
-      <a:schemeClr val="accent2">
-        <a:tint val="40000"/>
-        <a:alpha val="90000"/>
-      </a:schemeClr>
-      <a:schemeClr val="accent3">
-        <a:tint val="40000"/>
-        <a:alpha val="90000"/>
-      </a:schemeClr>
-      <a:schemeClr val="accent4">
-        <a:tint val="40000"/>
-        <a:alpha val="90000"/>
-      </a:schemeClr>
-      <a:schemeClr val="accent5">
-        <a:tint val="40000"/>
-        <a:alpha val="90000"/>
-      </a:schemeClr>
-      <a:schemeClr val="accent6">
-        <a:tint val="40000"/>
-        <a:alpha val="90000"/>
-      </a:schemeClr>
-    </dgm:fillClrLst>
-    <dgm:linClrLst meth="repeat">
-      <a:schemeClr val="accent2">
-        <a:tint val="40000"/>
-        <a:alpha val="90000"/>
-      </a:schemeClr>
-      <a:schemeClr val="accent3">
-        <a:tint val="40000"/>
-        <a:alpha val="90000"/>
-      </a:schemeClr>
-      <a:schemeClr val="accent4">
-        <a:tint val="40000"/>
-        <a:alpha val="90000"/>
-      </a:schemeClr>
-      <a:schemeClr val="accent5">
-        <a:tint val="40000"/>
-        <a:alpha val="90000"/>
-      </a:schemeClr>
-      <a:schemeClr val="accent6">
-        <a:tint val="40000"/>
-        <a:alpha val="90000"/>
-      </a:schemeClr>
-    </dgm:linClrLst>
-    <dgm:effectClrLst/>
-    <dgm:txLinClrLst/>
-    <dgm:txFillClrLst meth="repeat">
-      <a:schemeClr val="dk1"/>
-    </dgm:txFillClrLst>
-    <dgm:txEffectClrLst/>
-  </dgm:styleLbl>
-  <dgm:styleLbl name="alignAccFollowNode1">
-    <dgm:fillClrLst meth="repeat">
-      <a:schemeClr val="accent2">
-        <a:tint val="40000"/>
-        <a:alpha val="90000"/>
-      </a:schemeClr>
-      <a:schemeClr val="accent3">
-        <a:tint val="40000"/>
-        <a:alpha val="90000"/>
-      </a:schemeClr>
-      <a:schemeClr val="accent4">
-        <a:tint val="40000"/>
-        <a:alpha val="90000"/>
-      </a:schemeClr>
-      <a:schemeClr val="accent5">
-        <a:tint val="40000"/>
-        <a:alpha val="90000"/>
-      </a:schemeClr>
-      <a:schemeClr val="accent6">
-        <a:tint val="40000"/>
-        <a:alpha val="90000"/>
-      </a:schemeClr>
-    </dgm:fillClrLst>
-    <dgm:linClrLst meth="repeat">
-      <a:schemeClr val="accent2">
-        <a:tint val="40000"/>
-        <a:alpha val="90000"/>
-      </a:schemeClr>
-      <a:schemeClr val="accent3">
-        <a:tint val="40000"/>
-        <a:alpha val="90000"/>
-      </a:schemeClr>
-      <a:schemeClr val="accent4">
-        <a:tint val="40000"/>
-        <a:alpha val="90000"/>
-      </a:schemeClr>
-      <a:schemeClr val="accent5">
-        <a:tint val="40000"/>
-        <a:alpha val="90000"/>
-      </a:schemeClr>
-      <a:schemeClr val="accent6">
-        <a:tint val="40000"/>
-        <a:alpha val="90000"/>
-      </a:schemeClr>
-    </dgm:linClrLst>
-    <dgm:effectClrLst/>
-    <dgm:txLinClrLst/>
-    <dgm:txFillClrLst meth="repeat">
-      <a:schemeClr val="dk1"/>
-    </dgm:txFillClrLst>
-    <dgm:txEffectClrLst/>
-  </dgm:styleLbl>
-  <dgm:styleLbl name="bgAccFollowNode1">
-    <dgm:fillClrLst meth="repeat">
-      <a:schemeClr val="accent2">
-        <a:tint val="40000"/>
-        <a:alpha val="90000"/>
-      </a:schemeClr>
-      <a:schemeClr val="accent3">
-        <a:tint val="40000"/>
-        <a:alpha val="90000"/>
-      </a:schemeClr>
-      <a:schemeClr val="accent4">
-        <a:tint val="40000"/>
-        <a:alpha val="90000"/>
-      </a:schemeClr>
-      <a:schemeClr val="accent5">
-        <a:tint val="40000"/>
-        <a:alpha val="90000"/>
-      </a:schemeClr>
-      <a:schemeClr val="accent6">
-        <a:tint val="40000"/>
-        <a:alpha val="90000"/>
-      </a:schemeClr>
-    </dgm:fillClrLst>
-    <dgm:linClrLst meth="repeat">
-      <a:schemeClr val="accent2">
-        <a:tint val="40000"/>
-        <a:alpha val="90000"/>
-      </a:schemeClr>
-      <a:schemeClr val="accent3">
-        <a:tint val="40000"/>
-        <a:alpha val="90000"/>
-      </a:schemeClr>
-      <a:schemeClr val="accent4">
-        <a:tint val="40000"/>
-        <a:alpha val="90000"/>
-      </a:schemeClr>
-      <a:schemeClr val="accent5">
-        <a:tint val="40000"/>
-        <a:alpha val="90000"/>
-      </a:schemeClr>
-      <a:schemeClr val="accent6">
-        <a:tint val="40000"/>
-        <a:alpha val="90000"/>
-      </a:schemeClr>
-    </dgm:linClrLst>
-    <dgm:effectClrLst/>
-    <dgm:txLinClrLst/>
-    <dgm:txFillClrLst meth="repeat">
-      <a:schemeClr val="dk1"/>
-    </dgm:txFillClrLst>
-    <dgm:txEffectClrLst/>
-  </dgm:styleLbl>
-  <dgm:styleLbl name="fgAcc0">
-    <dgm:fillClrLst meth="repeat">
-      <a:schemeClr val="lt1">
-        <a:alpha val="90000"/>
-      </a:schemeClr>
-    </dgm:fillClrLst>
-    <dgm:linClrLst>
-      <a:schemeClr val="accent1"/>
-    </dgm:linClrLst>
-    <dgm:effectClrLst/>
-    <dgm:txLinClrLst/>
-    <dgm:txFillClrLst meth="repeat">
-      <a:schemeClr val="dk1"/>
-    </dgm:txFillClrLst>
-    <dgm:txEffectClrLst/>
-  </dgm:styleLbl>
-  <dgm:styleLbl name="fgAcc2">
-    <dgm:fillClrLst meth="repeat">
-      <a:schemeClr val="lt1">
-        <a:alpha val="90000"/>
-      </a:schemeClr>
-    </dgm:fillClrLst>
-    <dgm:linClrLst>
-      <a:schemeClr val="accent2"/>
-    </dgm:linClrLst>
-    <dgm:effectClrLst/>
-    <dgm:txLinClrLst/>
-    <dgm:txFillClrLst meth="repeat">
-      <a:schemeClr val="dk1"/>
-    </dgm:txFillClrLst>
-    <dgm:txEffectClrLst/>
-  </dgm:styleLbl>
-  <dgm:styleLbl name="fgAcc3">
-    <dgm:fillClrLst meth="repeat">
-      <a:schemeClr val="lt1">
-        <a:alpha val="90000"/>
-      </a:schemeClr>
-    </dgm:fillClrLst>
-    <dgm:linClrLst>
-      <a:schemeClr val="accent3"/>
-    </dgm:linClrLst>
-    <dgm:effectClrLst/>
-    <dgm:txLinClrLst/>
-    <dgm:txFillClrLst meth="repeat">
-      <a:schemeClr val="dk1"/>
-    </dgm:txFillClrLst>
-    <dgm:txEffectClrLst/>
-  </dgm:styleLbl>
-  <dgm:styleLbl name="fgAcc4">
-    <dgm:fillClrLst meth="repeat">
-      <a:schemeClr val="lt1">
-        <a:alpha val="90000"/>
-      </a:schemeClr>
-    </dgm:fillClrLst>
-    <dgm:linClrLst>
-      <a:schemeClr val="accent4"/>
-    </dgm:linClrLst>
-    <dgm:effectClrLst/>
-    <dgm:txLinClrLst/>
-    <dgm:txFillClrLst meth="repeat">
-      <a:schemeClr val="dk1"/>
-    </dgm:txFillClrLst>
-    <dgm:txEffectClrLst/>
-  </dgm:styleLbl>
-  <dgm:styleLbl name="bgShp">
-    <dgm:fillClrLst meth="repeat">
-      <a:schemeClr val="bg1">
-        <a:lumMod val="95000"/>
-      </a:schemeClr>
-    </dgm:fillClrLst>
-    <dgm:linClrLst meth="repeat">
-      <a:schemeClr val="dk1"/>
-    </dgm:linClrLst>
-    <dgm:effectClrLst/>
-    <dgm:txLinClrLst/>
-    <dgm:txFillClrLst meth="repeat">
-      <a:schemeClr val="dk1"/>
-    </dgm:txFillClrLst>
-    <dgm:txEffectClrLst/>
-  </dgm:styleLbl>
-  <dgm:styleLbl name="dkBgShp">
-    <dgm:fillClrLst meth="repeat">
-      <a:schemeClr val="accent2">
-        <a:shade val="90000"/>
-      </a:schemeClr>
-    </dgm:fillClrLst>
-    <dgm:linClrLst meth="repeat">
-      <a:schemeClr val="dk1"/>
-    </dgm:linClrLst>
-    <dgm:effectClrLst/>
-    <dgm:txLinClrLst/>
-    <dgm:txFillClrLst meth="repeat">
-      <a:schemeClr val="lt1"/>
-    </dgm:txFillClrLst>
-    <dgm:txEffectClrLst/>
-  </dgm:styleLbl>
-  <dgm:styleLbl name="trBgShp">
-    <dgm:fillClrLst meth="repeat">
-      <a:schemeClr val="accent1">
-        <a:tint val="50000"/>
-        <a:alpha val="40000"/>
-      </a:schemeClr>
-    </dgm:fillClrLst>
-    <dgm:linClrLst meth="repeat">
-      <a:schemeClr val="accent2"/>
-    </dgm:linClrLst>
-    <dgm:effectClrLst/>
-    <dgm:txLinClrLst/>
-    <dgm:txFillClrLst meth="repeat">
-      <a:schemeClr val="lt1"/>
-    </dgm:txFillClrLst>
-    <dgm:txEffectClrLst/>
-  </dgm:styleLbl>
-  <dgm:styleLbl name="fgShp">
-    <dgm:fillClrLst meth="repeat">
-      <a:schemeClr val="accent2">
-        <a:tint val="40000"/>
-      </a:schemeClr>
-    </dgm:fillClrLst>
-    <dgm:linClrLst meth="repeat">
-      <a:schemeClr val="lt1"/>
-    </dgm:linClrLst>
-    <dgm:effectClrLst/>
-    <dgm:txLinClrLst/>
-    <dgm:txFillClrLst meth="repeat">
-      <a:schemeClr val="dk1"/>
-    </dgm:txFillClrLst>
-    <dgm:txEffectClrLst/>
-  </dgm:styleLbl>
-  <dgm:styleLbl name="revTx">
-    <dgm:fillClrLst meth="repeat">
-      <a:schemeClr val="lt1">
-        <a:alpha val="0"/>
-      </a:schemeClr>
-    </dgm:fillClrLst>
-    <dgm:linClrLst meth="repeat">
-      <a:schemeClr val="dk1">
-        <a:alpha val="0"/>
-      </a:schemeClr>
-    </dgm:linClrLst>
-    <dgm:effectClrLst/>
-    <dgm:txLinClrLst/>
-    <dgm:txFillClrLst meth="repeat">
-      <a:schemeClr val="tx1"/>
-    </dgm:txFillClrLst>
-    <dgm:txEffectClrLst/>
-  </dgm:styleLbl>
-</dgm:colorsDef>
-</file>
-
 <file path=ppt/diagrams/data1.xml><?xml version="1.0" encoding="utf-8"?>
 <dgm:dataModel xmlns:dgm="http://schemas.openxmlformats.org/drawingml/2006/diagram" xmlns:a="http://schemas.openxmlformats.org/drawingml/2006/main">
   <dgm:ptLst>
@@ -2004,8 +1095,12 @@
             <a:defRPr cap="all"/>
           </a:pPr>
           <a:r>
-            <a:rPr lang="en-US"/>
-            <a:t>Establish SQL Integration. </a:t>
+            <a:rPr lang="en-US" dirty="0" err="1"/>
+            <a:t>OLTP</a:t>
+          </a:r>
+          <a:r>
+            <a:rPr lang="en-US" dirty="0"/>
+            <a:t> DATABASE MIGRATION</a:t>
           </a:r>
         </a:p>
       </dgm:t>
@@ -2046,8 +1141,8 @@
             <a:defRPr cap="all"/>
           </a:pPr>
           <a:r>
-            <a:rPr lang="en-US"/>
-            <a:t>Design a Star Schema.</a:t>
+            <a:rPr lang="en-US" dirty="0"/>
+            <a:t>Data warehouse design.</a:t>
           </a:r>
         </a:p>
       </dgm:t>
@@ -2130,8 +1225,8 @@
             <a:defRPr cap="all"/>
           </a:pPr>
           <a:r>
-            <a:rPr lang="en-US"/>
-            <a:t>Create Power BI Insights. </a:t>
+            <a:rPr lang="en-US" dirty="0"/>
+            <a:t>Power BI Insights. </a:t>
           </a:r>
         </a:p>
       </dgm:t>
@@ -2409,578 +1504,6 @@
     <dgm:cxn modelId="{B487CD07-8CB1-8F4F-8528-EB9B0D150574}" type="presParOf" srcId="{AA6EB718-B788-47A3-A4AE-CDE536279E80}" destId="{3318A629-6EDB-4E4E-85D2-175B0D815697}" srcOrd="1" destOrd="0" presId="urn:microsoft.com/office/officeart/2018/5/layout/IconCircleLabelList"/>
     <dgm:cxn modelId="{3199A6E6-A796-344A-A935-202E282120B5}" type="presParOf" srcId="{AA6EB718-B788-47A3-A4AE-CDE536279E80}" destId="{456D66BE-19D3-450A-B71B-C84A26BB2D80}" srcOrd="2" destOrd="0" presId="urn:microsoft.com/office/officeart/2018/5/layout/IconCircleLabelList"/>
     <dgm:cxn modelId="{C704E425-0908-1D4D-8DCF-51D1ECA1828A}" type="presParOf" srcId="{AA6EB718-B788-47A3-A4AE-CDE536279E80}" destId="{44D97E9E-29E7-4827-B9E8-529BC3B18186}" srcOrd="3" destOrd="0" presId="urn:microsoft.com/office/officeart/2018/5/layout/IconCircleLabelList"/>
-  </dgm:cxnLst>
-  <dgm:bg/>
-  <dgm:whole/>
-  <dgm:extLst>
-    <a:ext uri="http://schemas.microsoft.com/office/drawing/2008/diagram">
-      <dsp:dataModelExt xmlns:dsp="http://schemas.microsoft.com/office/drawing/2008/diagram" relId="rId6" minVer="http://schemas.openxmlformats.org/drawingml/2006/diagram"/>
-    </a:ext>
-  </dgm:extLst>
-</dgm:dataModel>
-</file>
-
-<file path=ppt/diagrams/data2.xml><?xml version="1.0" encoding="utf-8"?>
-<dgm:dataModel xmlns:dgm="http://schemas.openxmlformats.org/drawingml/2006/diagram" xmlns:a="http://schemas.openxmlformats.org/drawingml/2006/main">
-  <dgm:ptLst>
-    <dgm:pt modelId="{150024E8-5C6D-4D75-A5B9-CFD62CB27F50}" type="doc">
-      <dgm:prSet loTypeId="urn:microsoft.com/office/officeart/2018/5/layout/IconLeafLabelList" loCatId="icon" qsTypeId="urn:microsoft.com/office/officeart/2005/8/quickstyle/simple1" qsCatId="simple" csTypeId="urn:microsoft.com/office/officeart/2018/5/colors/Iconchunking_neutralbg_colorful1" csCatId="colorful" phldr="1"/>
-      <dgm:spPr/>
-      <dgm:t>
-        <a:bodyPr/>
-        <a:lstStyle/>
-        <a:p>
-          <a:endParaRPr lang="en-US"/>
-        </a:p>
-      </dgm:t>
-    </dgm:pt>
-    <dgm:pt modelId="{AC3F34F5-CFB2-465B-B398-0E2AA4DDF251}">
-      <dgm:prSet/>
-      <dgm:spPr/>
-      <dgm:t>
-        <a:bodyPr/>
-        <a:lstStyle/>
-        <a:p>
-          <a:pPr>
-            <a:defRPr cap="all"/>
-          </a:pPr>
-          <a:r>
-            <a:rPr lang="en-US" b="1"/>
-            <a:t>Employee Performance Classification</a:t>
-          </a:r>
-          <a:endParaRPr lang="en-US"/>
-        </a:p>
-      </dgm:t>
-    </dgm:pt>
-    <dgm:pt modelId="{3247501B-A3AE-4556-BA3B-79E61712BB73}" type="parTrans" cxnId="{5DCD7172-D959-4967-9A28-D57A0CA1C5BD}">
-      <dgm:prSet/>
-      <dgm:spPr/>
-      <dgm:t>
-        <a:bodyPr/>
-        <a:lstStyle/>
-        <a:p>
-          <a:endParaRPr lang="en-US"/>
-        </a:p>
-      </dgm:t>
-    </dgm:pt>
-    <dgm:pt modelId="{107B5E45-3699-406B-A35D-92228DAFBC74}" type="sibTrans" cxnId="{5DCD7172-D959-4967-9A28-D57A0CA1C5BD}">
-      <dgm:prSet/>
-      <dgm:spPr/>
-      <dgm:t>
-        <a:bodyPr/>
-        <a:lstStyle/>
-        <a:p>
-          <a:endParaRPr lang="en-US"/>
-        </a:p>
-      </dgm:t>
-    </dgm:pt>
-    <dgm:pt modelId="{9ABCB354-EC91-4926-AF9F-235E34DFFF2E}">
-      <dgm:prSet/>
-      <dgm:spPr/>
-      <dgm:t>
-        <a:bodyPr/>
-        <a:lstStyle/>
-        <a:p>
-          <a:pPr>
-            <a:defRPr cap="all"/>
-          </a:pPr>
-          <a:r>
-            <a:rPr lang="en-US" b="1"/>
-            <a:t>Feature Engineering and Data Preparation</a:t>
-          </a:r>
-          <a:endParaRPr lang="en-US"/>
-        </a:p>
-      </dgm:t>
-    </dgm:pt>
-    <dgm:pt modelId="{4D1E04DA-888C-407A-833B-649431A2236E}" type="parTrans" cxnId="{E087E33B-C36A-43A1-A91F-35ECF79C62D5}">
-      <dgm:prSet/>
-      <dgm:spPr/>
-      <dgm:t>
-        <a:bodyPr/>
-        <a:lstStyle/>
-        <a:p>
-          <a:endParaRPr lang="en-US"/>
-        </a:p>
-      </dgm:t>
-    </dgm:pt>
-    <dgm:pt modelId="{D587F8E2-CF8C-40FC-BCEF-F14784B1C8C3}" type="sibTrans" cxnId="{E087E33B-C36A-43A1-A91F-35ECF79C62D5}">
-      <dgm:prSet/>
-      <dgm:spPr/>
-      <dgm:t>
-        <a:bodyPr/>
-        <a:lstStyle/>
-        <a:p>
-          <a:endParaRPr lang="en-US"/>
-        </a:p>
-      </dgm:t>
-    </dgm:pt>
-    <dgm:pt modelId="{92A74BB4-55F9-4712-84A0-C110D4EA7AB7}">
-      <dgm:prSet/>
-      <dgm:spPr/>
-      <dgm:t>
-        <a:bodyPr/>
-        <a:lstStyle/>
-        <a:p>
-          <a:pPr>
-            <a:defRPr cap="all"/>
-          </a:pPr>
-          <a:r>
-            <a:rPr lang="en-US" b="1"/>
-            <a:t>Machine Learning Model Development</a:t>
-          </a:r>
-          <a:endParaRPr lang="en-US"/>
-        </a:p>
-      </dgm:t>
-    </dgm:pt>
-    <dgm:pt modelId="{418182DF-6BEC-402E-BEE1-C15B2A755C47}" type="parTrans" cxnId="{B713EAF4-F1F5-4600-AC69-6E6CB6B66846}">
-      <dgm:prSet/>
-      <dgm:spPr/>
-      <dgm:t>
-        <a:bodyPr/>
-        <a:lstStyle/>
-        <a:p>
-          <a:endParaRPr lang="en-US"/>
-        </a:p>
-      </dgm:t>
-    </dgm:pt>
-    <dgm:pt modelId="{8ED84D1E-EBE3-4954-9176-CA8C63B2E010}" type="sibTrans" cxnId="{B713EAF4-F1F5-4600-AC69-6E6CB6B66846}">
-      <dgm:prSet/>
-      <dgm:spPr/>
-      <dgm:t>
-        <a:bodyPr/>
-        <a:lstStyle/>
-        <a:p>
-          <a:endParaRPr lang="en-US"/>
-        </a:p>
-      </dgm:t>
-    </dgm:pt>
-    <dgm:pt modelId="{D627F679-DB6D-4067-9989-B00341229F15}">
-      <dgm:prSet/>
-      <dgm:spPr/>
-      <dgm:t>
-        <a:bodyPr/>
-        <a:lstStyle/>
-        <a:p>
-          <a:pPr>
-            <a:defRPr cap="all"/>
-          </a:pPr>
-          <a:r>
-            <a:rPr lang="en-US" b="1"/>
-            <a:t>Performance Insights and Analysis</a:t>
-          </a:r>
-          <a:endParaRPr lang="en-US"/>
-        </a:p>
-      </dgm:t>
-    </dgm:pt>
-    <dgm:pt modelId="{27DB06B6-263D-401A-B554-6F94BF44F0A5}" type="parTrans" cxnId="{49F554FB-310A-4AF9-8482-6218EF7E9AFC}">
-      <dgm:prSet/>
-      <dgm:spPr/>
-      <dgm:t>
-        <a:bodyPr/>
-        <a:lstStyle/>
-        <a:p>
-          <a:endParaRPr lang="en-US"/>
-        </a:p>
-      </dgm:t>
-    </dgm:pt>
-    <dgm:pt modelId="{E9928504-9949-47EA-9FDF-6BD6EB56A8E0}" type="sibTrans" cxnId="{49F554FB-310A-4AF9-8482-6218EF7E9AFC}">
-      <dgm:prSet/>
-      <dgm:spPr/>
-      <dgm:t>
-        <a:bodyPr/>
-        <a:lstStyle/>
-        <a:p>
-          <a:endParaRPr lang="en-US"/>
-        </a:p>
-      </dgm:t>
-    </dgm:pt>
-    <dgm:pt modelId="{4654815A-47EA-4389-9330-D30901910B5D}">
-      <dgm:prSet/>
-      <dgm:spPr/>
-      <dgm:t>
-        <a:bodyPr/>
-        <a:lstStyle/>
-        <a:p>
-          <a:pPr>
-            <a:defRPr cap="all"/>
-          </a:pPr>
-          <a:r>
-            <a:rPr lang="en-US" b="1"/>
-            <a:t>Visualization and Reporting</a:t>
-          </a:r>
-          <a:endParaRPr lang="en-US"/>
-        </a:p>
-      </dgm:t>
-    </dgm:pt>
-    <dgm:pt modelId="{7C537352-B09C-4168-AD06-8EFB005A9985}" type="parTrans" cxnId="{2E5BC62A-69A5-4A8D-9898-8628D36F2925}">
-      <dgm:prSet/>
-      <dgm:spPr/>
-      <dgm:t>
-        <a:bodyPr/>
-        <a:lstStyle/>
-        <a:p>
-          <a:endParaRPr lang="en-US"/>
-        </a:p>
-      </dgm:t>
-    </dgm:pt>
-    <dgm:pt modelId="{578C73EC-17A5-4C87-A7DA-B1C8A4054D3E}" type="sibTrans" cxnId="{2E5BC62A-69A5-4A8D-9898-8628D36F2925}">
-      <dgm:prSet/>
-      <dgm:spPr/>
-      <dgm:t>
-        <a:bodyPr/>
-        <a:lstStyle/>
-        <a:p>
-          <a:endParaRPr lang="en-US"/>
-        </a:p>
-      </dgm:t>
-    </dgm:pt>
-    <dgm:pt modelId="{F2E1B87C-B94D-434A-91C9-1DD811CA2187}" type="pres">
-      <dgm:prSet presAssocID="{150024E8-5C6D-4D75-A5B9-CFD62CB27F50}" presName="root" presStyleCnt="0">
-        <dgm:presLayoutVars>
-          <dgm:dir/>
-          <dgm:resizeHandles val="exact"/>
-        </dgm:presLayoutVars>
-      </dgm:prSet>
-      <dgm:spPr/>
-    </dgm:pt>
-    <dgm:pt modelId="{7F7F5433-BC44-4B9E-BC10-6CAC577671DC}" type="pres">
-      <dgm:prSet presAssocID="{AC3F34F5-CFB2-465B-B398-0E2AA4DDF251}" presName="compNode" presStyleCnt="0"/>
-      <dgm:spPr/>
-    </dgm:pt>
-    <dgm:pt modelId="{4B798747-25D4-4CEE-A4F5-21367919F25A}" type="pres">
-      <dgm:prSet presAssocID="{AC3F34F5-CFB2-465B-B398-0E2AA4DDF251}" presName="iconBgRect" presStyleLbl="bgShp" presStyleIdx="0" presStyleCnt="5"/>
-      <dgm:spPr>
-        <a:prstGeom prst="round2DiagRect">
-          <a:avLst>
-            <a:gd name="adj1" fmla="val 29727"/>
-            <a:gd name="adj2" fmla="val 0"/>
-          </a:avLst>
-        </a:prstGeom>
-      </dgm:spPr>
-    </dgm:pt>
-    <dgm:pt modelId="{5F5674C9-5F82-477B-B2B8-D06AD89C34AC}" type="pres">
-      <dgm:prSet presAssocID="{AC3F34F5-CFB2-465B-B398-0E2AA4DDF251}" presName="iconRect" presStyleLbl="node1" presStyleIdx="0" presStyleCnt="5"/>
-      <dgm:spPr>
-        <a:blipFill>
-          <a:blip xmlns:r="http://schemas.openxmlformats.org/officeDocument/2006/relationships" r:embed="rId1">
-            <a:extLst>
-              <a:ext uri="{28A0092B-C50C-407E-A947-70E740481C1C}">
-                <a14:useLocalDpi xmlns:a14="http://schemas.microsoft.com/office/drawing/2010/main" val="0"/>
-              </a:ext>
-              <a:ext uri="{96DAC541-7B7A-43D3-8B79-37D633B846F1}">
-                <asvg:svgBlip xmlns:asvg="http://schemas.microsoft.com/office/drawing/2016/SVG/main" r:embed="rId2"/>
-              </a:ext>
-            </a:extLst>
-          </a:blip>
-          <a:stretch>
-            <a:fillRect/>
-          </a:stretch>
-        </a:blipFill>
-        <a:ln>
-          <a:noFill/>
-        </a:ln>
-      </dgm:spPr>
-      <dgm:extLst>
-        <a:ext uri="{E40237B7-FDA0-4F09-8148-C483321AD2D9}">
-          <dgm14:cNvPr xmlns:dgm14="http://schemas.microsoft.com/office/drawing/2010/diagram" id="0" name="" descr="User"/>
-        </a:ext>
-      </dgm:extLst>
-    </dgm:pt>
-    <dgm:pt modelId="{C9C5EC22-0075-41C8-B6AE-1618F3A1D1A1}" type="pres">
-      <dgm:prSet presAssocID="{AC3F34F5-CFB2-465B-B398-0E2AA4DDF251}" presName="spaceRect" presStyleCnt="0"/>
-      <dgm:spPr/>
-    </dgm:pt>
-    <dgm:pt modelId="{D8AAA2C0-6D15-45A6-B09C-C6C160CE3AE4}" type="pres">
-      <dgm:prSet presAssocID="{AC3F34F5-CFB2-465B-B398-0E2AA4DDF251}" presName="textRect" presStyleLbl="revTx" presStyleIdx="0" presStyleCnt="5">
-        <dgm:presLayoutVars>
-          <dgm:chMax val="1"/>
-          <dgm:chPref val="1"/>
-        </dgm:presLayoutVars>
-      </dgm:prSet>
-      <dgm:spPr/>
-    </dgm:pt>
-    <dgm:pt modelId="{2FCF047F-A1CC-4BA0-90D6-362FB83F5193}" type="pres">
-      <dgm:prSet presAssocID="{107B5E45-3699-406B-A35D-92228DAFBC74}" presName="sibTrans" presStyleCnt="0"/>
-      <dgm:spPr/>
-    </dgm:pt>
-    <dgm:pt modelId="{60C489B4-8A78-4969-91BF-25C50DEB6386}" type="pres">
-      <dgm:prSet presAssocID="{9ABCB354-EC91-4926-AF9F-235E34DFFF2E}" presName="compNode" presStyleCnt="0"/>
-      <dgm:spPr/>
-    </dgm:pt>
-    <dgm:pt modelId="{3C3915D1-02BF-4126-A5C4-FB94594C94AA}" type="pres">
-      <dgm:prSet presAssocID="{9ABCB354-EC91-4926-AF9F-235E34DFFF2E}" presName="iconBgRect" presStyleLbl="bgShp" presStyleIdx="1" presStyleCnt="5"/>
-      <dgm:spPr>
-        <a:prstGeom prst="round2DiagRect">
-          <a:avLst>
-            <a:gd name="adj1" fmla="val 29727"/>
-            <a:gd name="adj2" fmla="val 0"/>
-          </a:avLst>
-        </a:prstGeom>
-      </dgm:spPr>
-    </dgm:pt>
-    <dgm:pt modelId="{B71878F6-C9A1-48F2-80A1-2812A2219FD7}" type="pres">
-      <dgm:prSet presAssocID="{9ABCB354-EC91-4926-AF9F-235E34DFFF2E}" presName="iconRect" presStyleLbl="node1" presStyleIdx="1" presStyleCnt="5"/>
-      <dgm:spPr>
-        <a:blipFill>
-          <a:blip xmlns:r="http://schemas.openxmlformats.org/officeDocument/2006/relationships" r:embed="rId3">
-            <a:extLst>
-              <a:ext uri="{28A0092B-C50C-407E-A947-70E740481C1C}">
-                <a14:useLocalDpi xmlns:a14="http://schemas.microsoft.com/office/drawing/2010/main" val="0"/>
-              </a:ext>
-              <a:ext uri="{96DAC541-7B7A-43D3-8B79-37D633B846F1}">
-                <asvg:svgBlip xmlns:asvg="http://schemas.microsoft.com/office/drawing/2016/SVG/main" r:embed="rId4"/>
-              </a:ext>
-            </a:extLst>
-          </a:blip>
-          <a:stretch>
-            <a:fillRect/>
-          </a:stretch>
-        </a:blipFill>
-        <a:ln>
-          <a:noFill/>
-        </a:ln>
-      </dgm:spPr>
-      <dgm:extLst>
-        <a:ext uri="{E40237B7-FDA0-4F09-8148-C483321AD2D9}">
-          <dgm14:cNvPr xmlns:dgm14="http://schemas.microsoft.com/office/drawing/2010/diagram" id="0" name="" descr="Gears"/>
-        </a:ext>
-      </dgm:extLst>
-    </dgm:pt>
-    <dgm:pt modelId="{39146D87-65EF-4FAF-B607-431B2AF816A4}" type="pres">
-      <dgm:prSet presAssocID="{9ABCB354-EC91-4926-AF9F-235E34DFFF2E}" presName="spaceRect" presStyleCnt="0"/>
-      <dgm:spPr/>
-    </dgm:pt>
-    <dgm:pt modelId="{A8881297-5F79-4250-B7DE-7F8F9BFF0004}" type="pres">
-      <dgm:prSet presAssocID="{9ABCB354-EC91-4926-AF9F-235E34DFFF2E}" presName="textRect" presStyleLbl="revTx" presStyleIdx="1" presStyleCnt="5">
-        <dgm:presLayoutVars>
-          <dgm:chMax val="1"/>
-          <dgm:chPref val="1"/>
-        </dgm:presLayoutVars>
-      </dgm:prSet>
-      <dgm:spPr/>
-    </dgm:pt>
-    <dgm:pt modelId="{097CD794-28E2-49D3-896C-8F15D5C47041}" type="pres">
-      <dgm:prSet presAssocID="{D587F8E2-CF8C-40FC-BCEF-F14784B1C8C3}" presName="sibTrans" presStyleCnt="0"/>
-      <dgm:spPr/>
-    </dgm:pt>
-    <dgm:pt modelId="{D3527D82-0A03-4BF3-A73D-90F854632330}" type="pres">
-      <dgm:prSet presAssocID="{92A74BB4-55F9-4712-84A0-C110D4EA7AB7}" presName="compNode" presStyleCnt="0"/>
-      <dgm:spPr/>
-    </dgm:pt>
-    <dgm:pt modelId="{7555D3C5-17A8-4FEA-A49D-1357BE246F30}" type="pres">
-      <dgm:prSet presAssocID="{92A74BB4-55F9-4712-84A0-C110D4EA7AB7}" presName="iconBgRect" presStyleLbl="bgShp" presStyleIdx="2" presStyleCnt="5"/>
-      <dgm:spPr>
-        <a:prstGeom prst="round2DiagRect">
-          <a:avLst>
-            <a:gd name="adj1" fmla="val 29727"/>
-            <a:gd name="adj2" fmla="val 0"/>
-          </a:avLst>
-        </a:prstGeom>
-      </dgm:spPr>
-    </dgm:pt>
-    <dgm:pt modelId="{ADD24DDB-20FE-4762-893F-BA43C28324B3}" type="pres">
-      <dgm:prSet presAssocID="{92A74BB4-55F9-4712-84A0-C110D4EA7AB7}" presName="iconRect" presStyleLbl="node1" presStyleIdx="2" presStyleCnt="5"/>
-      <dgm:spPr>
-        <a:blipFill>
-          <a:blip xmlns:r="http://schemas.openxmlformats.org/officeDocument/2006/relationships" r:embed="rId5">
-            <a:extLst>
-              <a:ext uri="{28A0092B-C50C-407E-A947-70E740481C1C}">
-                <a14:useLocalDpi xmlns:a14="http://schemas.microsoft.com/office/drawing/2010/main" val="0"/>
-              </a:ext>
-              <a:ext uri="{96DAC541-7B7A-43D3-8B79-37D633B846F1}">
-                <asvg:svgBlip xmlns:asvg="http://schemas.microsoft.com/office/drawing/2016/SVG/main" r:embed="rId6"/>
-              </a:ext>
-            </a:extLst>
-          </a:blip>
-          <a:stretch>
-            <a:fillRect/>
-          </a:stretch>
-        </a:blipFill>
-        <a:ln>
-          <a:noFill/>
-        </a:ln>
-      </dgm:spPr>
-      <dgm:extLst>
-        <a:ext uri="{E40237B7-FDA0-4F09-8148-C483321AD2D9}">
-          <dgm14:cNvPr xmlns:dgm14="http://schemas.microsoft.com/office/drawing/2010/diagram" id="0" name="" descr="Head with Gears"/>
-        </a:ext>
-      </dgm:extLst>
-    </dgm:pt>
-    <dgm:pt modelId="{2FC36185-A5CB-4C76-AE62-769247C28DC0}" type="pres">
-      <dgm:prSet presAssocID="{92A74BB4-55F9-4712-84A0-C110D4EA7AB7}" presName="spaceRect" presStyleCnt="0"/>
-      <dgm:spPr/>
-    </dgm:pt>
-    <dgm:pt modelId="{05E607D2-4EA5-4AA0-B1D3-EE34EC99EC96}" type="pres">
-      <dgm:prSet presAssocID="{92A74BB4-55F9-4712-84A0-C110D4EA7AB7}" presName="textRect" presStyleLbl="revTx" presStyleIdx="2" presStyleCnt="5">
-        <dgm:presLayoutVars>
-          <dgm:chMax val="1"/>
-          <dgm:chPref val="1"/>
-        </dgm:presLayoutVars>
-      </dgm:prSet>
-      <dgm:spPr/>
-    </dgm:pt>
-    <dgm:pt modelId="{B7B228E6-E6FF-4404-A3F3-93DFBA7A98F0}" type="pres">
-      <dgm:prSet presAssocID="{8ED84D1E-EBE3-4954-9176-CA8C63B2E010}" presName="sibTrans" presStyleCnt="0"/>
-      <dgm:spPr/>
-    </dgm:pt>
-    <dgm:pt modelId="{75C5B6C1-31A6-4609-A721-676EA4B64ED9}" type="pres">
-      <dgm:prSet presAssocID="{D627F679-DB6D-4067-9989-B00341229F15}" presName="compNode" presStyleCnt="0"/>
-      <dgm:spPr/>
-    </dgm:pt>
-    <dgm:pt modelId="{13D1AC6C-F870-46B1-BB4E-46FBB74CA923}" type="pres">
-      <dgm:prSet presAssocID="{D627F679-DB6D-4067-9989-B00341229F15}" presName="iconBgRect" presStyleLbl="bgShp" presStyleIdx="3" presStyleCnt="5"/>
-      <dgm:spPr>
-        <a:prstGeom prst="round2DiagRect">
-          <a:avLst>
-            <a:gd name="adj1" fmla="val 29727"/>
-            <a:gd name="adj2" fmla="val 0"/>
-          </a:avLst>
-        </a:prstGeom>
-      </dgm:spPr>
-    </dgm:pt>
-    <dgm:pt modelId="{BD346478-466F-42F9-921B-F406F5976994}" type="pres">
-      <dgm:prSet presAssocID="{D627F679-DB6D-4067-9989-B00341229F15}" presName="iconRect" presStyleLbl="node1" presStyleIdx="3" presStyleCnt="5"/>
-      <dgm:spPr>
-        <a:blipFill>
-          <a:blip xmlns:r="http://schemas.openxmlformats.org/officeDocument/2006/relationships" r:embed="rId7">
-            <a:extLst>
-              <a:ext uri="{28A0092B-C50C-407E-A947-70E740481C1C}">
-                <a14:useLocalDpi xmlns:a14="http://schemas.microsoft.com/office/drawing/2010/main" val="0"/>
-              </a:ext>
-              <a:ext uri="{96DAC541-7B7A-43D3-8B79-37D633B846F1}">
-                <asvg:svgBlip xmlns:asvg="http://schemas.microsoft.com/office/drawing/2016/SVG/main" r:embed="rId8"/>
-              </a:ext>
-            </a:extLst>
-          </a:blip>
-          <a:stretch>
-            <a:fillRect/>
-          </a:stretch>
-        </a:blipFill>
-        <a:ln>
-          <a:noFill/>
-        </a:ln>
-      </dgm:spPr>
-      <dgm:extLst>
-        <a:ext uri="{E40237B7-FDA0-4F09-8148-C483321AD2D9}">
-          <dgm14:cNvPr xmlns:dgm14="http://schemas.microsoft.com/office/drawing/2010/diagram" id="0" name="" descr="Bar chart"/>
-        </a:ext>
-      </dgm:extLst>
-    </dgm:pt>
-    <dgm:pt modelId="{1B78CE76-3A0F-48B5-A726-A046102604C4}" type="pres">
-      <dgm:prSet presAssocID="{D627F679-DB6D-4067-9989-B00341229F15}" presName="spaceRect" presStyleCnt="0"/>
-      <dgm:spPr/>
-    </dgm:pt>
-    <dgm:pt modelId="{68E2142C-109D-48E1-A74C-638A6261509C}" type="pres">
-      <dgm:prSet presAssocID="{D627F679-DB6D-4067-9989-B00341229F15}" presName="textRect" presStyleLbl="revTx" presStyleIdx="3" presStyleCnt="5">
-        <dgm:presLayoutVars>
-          <dgm:chMax val="1"/>
-          <dgm:chPref val="1"/>
-        </dgm:presLayoutVars>
-      </dgm:prSet>
-      <dgm:spPr/>
-    </dgm:pt>
-    <dgm:pt modelId="{6C391133-8C43-4057-8B4B-444BEA701B16}" type="pres">
-      <dgm:prSet presAssocID="{E9928504-9949-47EA-9FDF-6BD6EB56A8E0}" presName="sibTrans" presStyleCnt="0"/>
-      <dgm:spPr/>
-    </dgm:pt>
-    <dgm:pt modelId="{2EC1C549-D0FC-4526-AAD4-B15EF6548959}" type="pres">
-      <dgm:prSet presAssocID="{4654815A-47EA-4389-9330-D30901910B5D}" presName="compNode" presStyleCnt="0"/>
-      <dgm:spPr/>
-    </dgm:pt>
-    <dgm:pt modelId="{5C10DB71-2C55-44CE-BBA5-05E4FE9A2D79}" type="pres">
-      <dgm:prSet presAssocID="{4654815A-47EA-4389-9330-D30901910B5D}" presName="iconBgRect" presStyleLbl="bgShp" presStyleIdx="4" presStyleCnt="5"/>
-      <dgm:spPr>
-        <a:prstGeom prst="round2DiagRect">
-          <a:avLst>
-            <a:gd name="adj1" fmla="val 29727"/>
-            <a:gd name="adj2" fmla="val 0"/>
-          </a:avLst>
-        </a:prstGeom>
-      </dgm:spPr>
-    </dgm:pt>
-    <dgm:pt modelId="{8F82BFB2-0B0B-44E2-9510-1367C9EE9DC3}" type="pres">
-      <dgm:prSet presAssocID="{4654815A-47EA-4389-9330-D30901910B5D}" presName="iconRect" presStyleLbl="node1" presStyleIdx="4" presStyleCnt="5"/>
-      <dgm:spPr>
-        <a:blipFill>
-          <a:blip xmlns:r="http://schemas.openxmlformats.org/officeDocument/2006/relationships" r:embed="rId9">
-            <a:extLst>
-              <a:ext uri="{28A0092B-C50C-407E-A947-70E740481C1C}">
-                <a14:useLocalDpi xmlns:a14="http://schemas.microsoft.com/office/drawing/2010/main" val="0"/>
-              </a:ext>
-              <a:ext uri="{96DAC541-7B7A-43D3-8B79-37D633B846F1}">
-                <asvg:svgBlip xmlns:asvg="http://schemas.microsoft.com/office/drawing/2016/SVG/main" r:embed="rId10"/>
-              </a:ext>
-            </a:extLst>
-          </a:blip>
-          <a:stretch>
-            <a:fillRect/>
-          </a:stretch>
-        </a:blipFill>
-        <a:ln>
-          <a:noFill/>
-        </a:ln>
-      </dgm:spPr>
-      <dgm:extLst>
-        <a:ext uri="{E40237B7-FDA0-4F09-8148-C483321AD2D9}">
-          <dgm14:cNvPr xmlns:dgm14="http://schemas.microsoft.com/office/drawing/2010/diagram" id="0" name="" descr="Upward trend"/>
-        </a:ext>
-      </dgm:extLst>
-    </dgm:pt>
-    <dgm:pt modelId="{60B7DC92-C404-4A1D-B8A6-A1BD0F3756F5}" type="pres">
-      <dgm:prSet presAssocID="{4654815A-47EA-4389-9330-D30901910B5D}" presName="spaceRect" presStyleCnt="0"/>
-      <dgm:spPr/>
-    </dgm:pt>
-    <dgm:pt modelId="{85EFDEF8-7808-43AC-9C44-D4A4F55E61E7}" type="pres">
-      <dgm:prSet presAssocID="{4654815A-47EA-4389-9330-D30901910B5D}" presName="textRect" presStyleLbl="revTx" presStyleIdx="4" presStyleCnt="5">
-        <dgm:presLayoutVars>
-          <dgm:chMax val="1"/>
-          <dgm:chPref val="1"/>
-        </dgm:presLayoutVars>
-      </dgm:prSet>
-      <dgm:spPr/>
-    </dgm:pt>
-  </dgm:ptLst>
-  <dgm:cxnLst>
-    <dgm:cxn modelId="{F57DAA0E-CCF4-4442-9B7B-F95C2FCDB2BD}" type="presOf" srcId="{4654815A-47EA-4389-9330-D30901910B5D}" destId="{85EFDEF8-7808-43AC-9C44-D4A4F55E61E7}" srcOrd="0" destOrd="0" presId="urn:microsoft.com/office/officeart/2018/5/layout/IconLeafLabelList"/>
-    <dgm:cxn modelId="{97223211-6B9D-4CA8-A9D6-55566A9256D3}" type="presOf" srcId="{D627F679-DB6D-4067-9989-B00341229F15}" destId="{68E2142C-109D-48E1-A74C-638A6261509C}" srcOrd="0" destOrd="0" presId="urn:microsoft.com/office/officeart/2018/5/layout/IconLeafLabelList"/>
-    <dgm:cxn modelId="{2E5BC62A-69A5-4A8D-9898-8628D36F2925}" srcId="{150024E8-5C6D-4D75-A5B9-CFD62CB27F50}" destId="{4654815A-47EA-4389-9330-D30901910B5D}" srcOrd="4" destOrd="0" parTransId="{7C537352-B09C-4168-AD06-8EFB005A9985}" sibTransId="{578C73EC-17A5-4C87-A7DA-B1C8A4054D3E}"/>
-    <dgm:cxn modelId="{3EC6002F-1DC7-4D31-A0DB-2BECCD126263}" type="presOf" srcId="{92A74BB4-55F9-4712-84A0-C110D4EA7AB7}" destId="{05E607D2-4EA5-4AA0-B1D3-EE34EC99EC96}" srcOrd="0" destOrd="0" presId="urn:microsoft.com/office/officeart/2018/5/layout/IconLeafLabelList"/>
-    <dgm:cxn modelId="{E087E33B-C36A-43A1-A91F-35ECF79C62D5}" srcId="{150024E8-5C6D-4D75-A5B9-CFD62CB27F50}" destId="{9ABCB354-EC91-4926-AF9F-235E34DFFF2E}" srcOrd="1" destOrd="0" parTransId="{4D1E04DA-888C-407A-833B-649431A2236E}" sibTransId="{D587F8E2-CF8C-40FC-BCEF-F14784B1C8C3}"/>
-    <dgm:cxn modelId="{5DCD7172-D959-4967-9A28-D57A0CA1C5BD}" srcId="{150024E8-5C6D-4D75-A5B9-CFD62CB27F50}" destId="{AC3F34F5-CFB2-465B-B398-0E2AA4DDF251}" srcOrd="0" destOrd="0" parTransId="{3247501B-A3AE-4556-BA3B-79E61712BB73}" sibTransId="{107B5E45-3699-406B-A35D-92228DAFBC74}"/>
-    <dgm:cxn modelId="{ACF05675-0519-4BEE-9EE8-9F3FE2B26B23}" type="presOf" srcId="{9ABCB354-EC91-4926-AF9F-235E34DFFF2E}" destId="{A8881297-5F79-4250-B7DE-7F8F9BFF0004}" srcOrd="0" destOrd="0" presId="urn:microsoft.com/office/officeart/2018/5/layout/IconLeafLabelList"/>
-    <dgm:cxn modelId="{B1E44C9F-773D-4F5A-89DA-CD4E8F06A840}" type="presOf" srcId="{150024E8-5C6D-4D75-A5B9-CFD62CB27F50}" destId="{F2E1B87C-B94D-434A-91C9-1DD811CA2187}" srcOrd="0" destOrd="0" presId="urn:microsoft.com/office/officeart/2018/5/layout/IconLeafLabelList"/>
-    <dgm:cxn modelId="{190467CD-9CD4-488C-ADDE-4F4AF8F3FBDB}" type="presOf" srcId="{AC3F34F5-CFB2-465B-B398-0E2AA4DDF251}" destId="{D8AAA2C0-6D15-45A6-B09C-C6C160CE3AE4}" srcOrd="0" destOrd="0" presId="urn:microsoft.com/office/officeart/2018/5/layout/IconLeafLabelList"/>
-    <dgm:cxn modelId="{B713EAF4-F1F5-4600-AC69-6E6CB6B66846}" srcId="{150024E8-5C6D-4D75-A5B9-CFD62CB27F50}" destId="{92A74BB4-55F9-4712-84A0-C110D4EA7AB7}" srcOrd="2" destOrd="0" parTransId="{418182DF-6BEC-402E-BEE1-C15B2A755C47}" sibTransId="{8ED84D1E-EBE3-4954-9176-CA8C63B2E010}"/>
-    <dgm:cxn modelId="{49F554FB-310A-4AF9-8482-6218EF7E9AFC}" srcId="{150024E8-5C6D-4D75-A5B9-CFD62CB27F50}" destId="{D627F679-DB6D-4067-9989-B00341229F15}" srcOrd="3" destOrd="0" parTransId="{27DB06B6-263D-401A-B554-6F94BF44F0A5}" sibTransId="{E9928504-9949-47EA-9FDF-6BD6EB56A8E0}"/>
-    <dgm:cxn modelId="{195BCDF4-972C-4A3E-803E-62A161C5A3DC}" type="presParOf" srcId="{F2E1B87C-B94D-434A-91C9-1DD811CA2187}" destId="{7F7F5433-BC44-4B9E-BC10-6CAC577671DC}" srcOrd="0" destOrd="0" presId="urn:microsoft.com/office/officeart/2018/5/layout/IconLeafLabelList"/>
-    <dgm:cxn modelId="{90E8E83E-3F66-422D-85FE-F406E1D4844E}" type="presParOf" srcId="{7F7F5433-BC44-4B9E-BC10-6CAC577671DC}" destId="{4B798747-25D4-4CEE-A4F5-21367919F25A}" srcOrd="0" destOrd="0" presId="urn:microsoft.com/office/officeart/2018/5/layout/IconLeafLabelList"/>
-    <dgm:cxn modelId="{30E2A0D7-D879-4BD2-B95F-87FD55B89C59}" type="presParOf" srcId="{7F7F5433-BC44-4B9E-BC10-6CAC577671DC}" destId="{5F5674C9-5F82-477B-B2B8-D06AD89C34AC}" srcOrd="1" destOrd="0" presId="urn:microsoft.com/office/officeart/2018/5/layout/IconLeafLabelList"/>
-    <dgm:cxn modelId="{22FC341C-6248-4A45-BC7F-BD2378E7C85A}" type="presParOf" srcId="{7F7F5433-BC44-4B9E-BC10-6CAC577671DC}" destId="{C9C5EC22-0075-41C8-B6AE-1618F3A1D1A1}" srcOrd="2" destOrd="0" presId="urn:microsoft.com/office/officeart/2018/5/layout/IconLeafLabelList"/>
-    <dgm:cxn modelId="{1DB9141A-2958-4053-8674-37541680A386}" type="presParOf" srcId="{7F7F5433-BC44-4B9E-BC10-6CAC577671DC}" destId="{D8AAA2C0-6D15-45A6-B09C-C6C160CE3AE4}" srcOrd="3" destOrd="0" presId="urn:microsoft.com/office/officeart/2018/5/layout/IconLeafLabelList"/>
-    <dgm:cxn modelId="{37B635ED-B6A5-4732-A801-12F468374FD5}" type="presParOf" srcId="{F2E1B87C-B94D-434A-91C9-1DD811CA2187}" destId="{2FCF047F-A1CC-4BA0-90D6-362FB83F5193}" srcOrd="1" destOrd="0" presId="urn:microsoft.com/office/officeart/2018/5/layout/IconLeafLabelList"/>
-    <dgm:cxn modelId="{DF874C87-F616-4D6B-96E7-190BAC0CDD7C}" type="presParOf" srcId="{F2E1B87C-B94D-434A-91C9-1DD811CA2187}" destId="{60C489B4-8A78-4969-91BF-25C50DEB6386}" srcOrd="2" destOrd="0" presId="urn:microsoft.com/office/officeart/2018/5/layout/IconLeafLabelList"/>
-    <dgm:cxn modelId="{D568B98C-7297-47BA-A9DA-3307E19744C3}" type="presParOf" srcId="{60C489B4-8A78-4969-91BF-25C50DEB6386}" destId="{3C3915D1-02BF-4126-A5C4-FB94594C94AA}" srcOrd="0" destOrd="0" presId="urn:microsoft.com/office/officeart/2018/5/layout/IconLeafLabelList"/>
-    <dgm:cxn modelId="{351B0B6E-6068-4183-B0BA-3CA89665185C}" type="presParOf" srcId="{60C489B4-8A78-4969-91BF-25C50DEB6386}" destId="{B71878F6-C9A1-48F2-80A1-2812A2219FD7}" srcOrd="1" destOrd="0" presId="urn:microsoft.com/office/officeart/2018/5/layout/IconLeafLabelList"/>
-    <dgm:cxn modelId="{DBF7EDE1-D859-4960-87DD-A38AD4F3EDC6}" type="presParOf" srcId="{60C489B4-8A78-4969-91BF-25C50DEB6386}" destId="{39146D87-65EF-4FAF-B607-431B2AF816A4}" srcOrd="2" destOrd="0" presId="urn:microsoft.com/office/officeart/2018/5/layout/IconLeafLabelList"/>
-    <dgm:cxn modelId="{0BB8F555-4E59-4083-83E3-417B7C3F7364}" type="presParOf" srcId="{60C489B4-8A78-4969-91BF-25C50DEB6386}" destId="{A8881297-5F79-4250-B7DE-7F8F9BFF0004}" srcOrd="3" destOrd="0" presId="urn:microsoft.com/office/officeart/2018/5/layout/IconLeafLabelList"/>
-    <dgm:cxn modelId="{246A7A1F-D2A0-4C13-A9E2-5C2D3D95A91E}" type="presParOf" srcId="{F2E1B87C-B94D-434A-91C9-1DD811CA2187}" destId="{097CD794-28E2-49D3-896C-8F15D5C47041}" srcOrd="3" destOrd="0" presId="urn:microsoft.com/office/officeart/2018/5/layout/IconLeafLabelList"/>
-    <dgm:cxn modelId="{AAE206B5-DE20-4730-B58F-BB881B1EFB46}" type="presParOf" srcId="{F2E1B87C-B94D-434A-91C9-1DD811CA2187}" destId="{D3527D82-0A03-4BF3-A73D-90F854632330}" srcOrd="4" destOrd="0" presId="urn:microsoft.com/office/officeart/2018/5/layout/IconLeafLabelList"/>
-    <dgm:cxn modelId="{9AE47FEE-D0F3-4267-89D2-609E37CC8F47}" type="presParOf" srcId="{D3527D82-0A03-4BF3-A73D-90F854632330}" destId="{7555D3C5-17A8-4FEA-A49D-1357BE246F30}" srcOrd="0" destOrd="0" presId="urn:microsoft.com/office/officeart/2018/5/layout/IconLeafLabelList"/>
-    <dgm:cxn modelId="{9EB7A039-B172-4645-979B-FCF899087EC1}" type="presParOf" srcId="{D3527D82-0A03-4BF3-A73D-90F854632330}" destId="{ADD24DDB-20FE-4762-893F-BA43C28324B3}" srcOrd="1" destOrd="0" presId="urn:microsoft.com/office/officeart/2018/5/layout/IconLeafLabelList"/>
-    <dgm:cxn modelId="{82256002-4545-49F9-B1B3-82F052E4775A}" type="presParOf" srcId="{D3527D82-0A03-4BF3-A73D-90F854632330}" destId="{2FC36185-A5CB-4C76-AE62-769247C28DC0}" srcOrd="2" destOrd="0" presId="urn:microsoft.com/office/officeart/2018/5/layout/IconLeafLabelList"/>
-    <dgm:cxn modelId="{3C678832-D533-42F9-8A4B-9B1EB1E24F91}" type="presParOf" srcId="{D3527D82-0A03-4BF3-A73D-90F854632330}" destId="{05E607D2-4EA5-4AA0-B1D3-EE34EC99EC96}" srcOrd="3" destOrd="0" presId="urn:microsoft.com/office/officeart/2018/5/layout/IconLeafLabelList"/>
-    <dgm:cxn modelId="{DDAFAF89-601C-4D53-854E-45515D12B300}" type="presParOf" srcId="{F2E1B87C-B94D-434A-91C9-1DD811CA2187}" destId="{B7B228E6-E6FF-4404-A3F3-93DFBA7A98F0}" srcOrd="5" destOrd="0" presId="urn:microsoft.com/office/officeart/2018/5/layout/IconLeafLabelList"/>
-    <dgm:cxn modelId="{5674BEA3-B7D3-4AC6-A2D2-5730C35F8AEA}" type="presParOf" srcId="{F2E1B87C-B94D-434A-91C9-1DD811CA2187}" destId="{75C5B6C1-31A6-4609-A721-676EA4B64ED9}" srcOrd="6" destOrd="0" presId="urn:microsoft.com/office/officeart/2018/5/layout/IconLeafLabelList"/>
-    <dgm:cxn modelId="{C12C69F4-742B-4B31-A850-9C66FF7D983B}" type="presParOf" srcId="{75C5B6C1-31A6-4609-A721-676EA4B64ED9}" destId="{13D1AC6C-F870-46B1-BB4E-46FBB74CA923}" srcOrd="0" destOrd="0" presId="urn:microsoft.com/office/officeart/2018/5/layout/IconLeafLabelList"/>
-    <dgm:cxn modelId="{BA3FD6D5-44A7-4A61-80BC-3A0B29E8FB34}" type="presParOf" srcId="{75C5B6C1-31A6-4609-A721-676EA4B64ED9}" destId="{BD346478-466F-42F9-921B-F406F5976994}" srcOrd="1" destOrd="0" presId="urn:microsoft.com/office/officeart/2018/5/layout/IconLeafLabelList"/>
-    <dgm:cxn modelId="{F6E37F46-DF07-497C-8CFC-E7CB9A3F8063}" type="presParOf" srcId="{75C5B6C1-31A6-4609-A721-676EA4B64ED9}" destId="{1B78CE76-3A0F-48B5-A726-A046102604C4}" srcOrd="2" destOrd="0" presId="urn:microsoft.com/office/officeart/2018/5/layout/IconLeafLabelList"/>
-    <dgm:cxn modelId="{777FC339-6C42-4B2D-86B1-D0D32BF398E9}" type="presParOf" srcId="{75C5B6C1-31A6-4609-A721-676EA4B64ED9}" destId="{68E2142C-109D-48E1-A74C-638A6261509C}" srcOrd="3" destOrd="0" presId="urn:microsoft.com/office/officeart/2018/5/layout/IconLeafLabelList"/>
-    <dgm:cxn modelId="{A5CDC311-F141-407B-B4EA-4A82E62BBF8C}" type="presParOf" srcId="{F2E1B87C-B94D-434A-91C9-1DD811CA2187}" destId="{6C391133-8C43-4057-8B4B-444BEA701B16}" srcOrd="7" destOrd="0" presId="urn:microsoft.com/office/officeart/2018/5/layout/IconLeafLabelList"/>
-    <dgm:cxn modelId="{EE12E457-9CC1-44F9-BA49-589837F08C60}" type="presParOf" srcId="{F2E1B87C-B94D-434A-91C9-1DD811CA2187}" destId="{2EC1C549-D0FC-4526-AAD4-B15EF6548959}" srcOrd="8" destOrd="0" presId="urn:microsoft.com/office/officeart/2018/5/layout/IconLeafLabelList"/>
-    <dgm:cxn modelId="{822CAAA3-EFD1-4AB5-8A3C-E25679E57FAF}" type="presParOf" srcId="{2EC1C549-D0FC-4526-AAD4-B15EF6548959}" destId="{5C10DB71-2C55-44CE-BBA5-05E4FE9A2D79}" srcOrd="0" destOrd="0" presId="urn:microsoft.com/office/officeart/2018/5/layout/IconLeafLabelList"/>
-    <dgm:cxn modelId="{0A6FD3CD-F69D-4B2D-B588-BF6F1D19E3F1}" type="presParOf" srcId="{2EC1C549-D0FC-4526-AAD4-B15EF6548959}" destId="{8F82BFB2-0B0B-44E2-9510-1367C9EE9DC3}" srcOrd="1" destOrd="0" presId="urn:microsoft.com/office/officeart/2018/5/layout/IconLeafLabelList"/>
-    <dgm:cxn modelId="{3BBE058B-5469-4F90-B397-E3C938C7CA7C}" type="presParOf" srcId="{2EC1C549-D0FC-4526-AAD4-B15EF6548959}" destId="{60B7DC92-C404-4A1D-B8A6-A1BD0F3756F5}" srcOrd="2" destOrd="0" presId="urn:microsoft.com/office/officeart/2018/5/layout/IconLeafLabelList"/>
-    <dgm:cxn modelId="{3CE04F56-96AD-4B08-8AF4-D90BCE8F056B}" type="presParOf" srcId="{2EC1C549-D0FC-4526-AAD4-B15EF6548959}" destId="{85EFDEF8-7808-43AC-9C44-D4A4F55E61E7}" srcOrd="3" destOrd="0" presId="urn:microsoft.com/office/officeart/2018/5/layout/IconLeafLabelList"/>
   </dgm:cxnLst>
   <dgm:bg/>
   <dgm:whole/>
@@ -3140,8 +1663,12 @@
             <a:defRPr cap="all"/>
           </a:pPr>
           <a:r>
-            <a:rPr lang="en-US" sz="1900" kern="1200"/>
-            <a:t>Establish SQL Integration. </a:t>
+            <a:rPr lang="en-US" sz="1900" kern="1200" dirty="0" err="1"/>
+            <a:t>OLTP</a:t>
+          </a:r>
+          <a:r>
+            <a:rPr lang="en-US" sz="1900" kern="1200" dirty="0"/>
+            <a:t> DATABASE MIGRATION</a:t>
           </a:r>
         </a:p>
       </dsp:txBody>
@@ -3290,8 +1817,8 @@
             <a:defRPr cap="all"/>
           </a:pPr>
           <a:r>
-            <a:rPr lang="en-US" sz="1900" kern="1200"/>
-            <a:t>Design a Star Schema.</a:t>
+            <a:rPr lang="en-US" sz="1900" kern="1200" dirty="0"/>
+            <a:t>Data warehouse design.</a:t>
           </a:r>
         </a:p>
       </dsp:txBody>
@@ -3590,801 +2117,14 @@
             <a:defRPr cap="all"/>
           </a:pPr>
           <a:r>
-            <a:rPr lang="en-US" sz="1900" kern="1200"/>
-            <a:t>Create Power BI Insights. </a:t>
+            <a:rPr lang="en-US" sz="1900" kern="1200" dirty="0"/>
+            <a:t>Power BI Insights. </a:t>
           </a:r>
         </a:p>
       </dsp:txBody>
       <dsp:txXfrm>
         <a:off x="7721242" y="2632529"/>
         <a:ext cx="2063504" cy="720000"/>
-      </dsp:txXfrm>
-    </dsp:sp>
-  </dsp:spTree>
-</dsp:drawing>
-</file>
-
-<file path=ppt/diagrams/drawing2.xml><?xml version="1.0" encoding="utf-8"?>
-<dsp:drawing xmlns:dgm="http://schemas.openxmlformats.org/drawingml/2006/diagram" xmlns:dsp="http://schemas.microsoft.com/office/drawing/2008/diagram" xmlns:a="http://schemas.openxmlformats.org/drawingml/2006/main">
-  <dsp:spTree>
-    <dsp:nvGrpSpPr>
-      <dsp:cNvPr id="0" name=""/>
-      <dsp:cNvGrpSpPr/>
-    </dsp:nvGrpSpPr>
-    <dsp:grpSpPr/>
-    <dsp:sp modelId="{4B798747-25D4-4CEE-A4F5-21367919F25A}">
-      <dsp:nvSpPr>
-        <dsp:cNvPr id="0" name=""/>
-        <dsp:cNvSpPr/>
-      </dsp:nvSpPr>
-      <dsp:spPr>
-        <a:xfrm>
-          <a:off x="478800" y="1096272"/>
-          <a:ext cx="1098000" cy="1098000"/>
-        </a:xfrm>
-        <a:prstGeom prst="round2DiagRect">
-          <a:avLst>
-            <a:gd name="adj1" fmla="val 29727"/>
-            <a:gd name="adj2" fmla="val 0"/>
-          </a:avLst>
-        </a:prstGeom>
-        <a:solidFill>
-          <a:schemeClr val="bg1">
-            <a:lumMod val="95000"/>
-            <a:hueOff val="0"/>
-            <a:satOff val="0"/>
-            <a:lumOff val="0"/>
-            <a:alphaOff val="0"/>
-          </a:schemeClr>
-        </a:solidFill>
-        <a:ln>
-          <a:noFill/>
-        </a:ln>
-        <a:effectLst/>
-      </dsp:spPr>
-      <dsp:style>
-        <a:lnRef idx="0">
-          <a:scrgbClr r="0" g="0" b="0"/>
-        </a:lnRef>
-        <a:fillRef idx="1">
-          <a:scrgbClr r="0" g="0" b="0"/>
-        </a:fillRef>
-        <a:effectRef idx="0">
-          <a:scrgbClr r="0" g="0" b="0"/>
-        </a:effectRef>
-        <a:fontRef idx="minor"/>
-      </dsp:style>
-    </dsp:sp>
-    <dsp:sp modelId="{5F5674C9-5F82-477B-B2B8-D06AD89C34AC}">
-      <dsp:nvSpPr>
-        <dsp:cNvPr id="0" name=""/>
-        <dsp:cNvSpPr/>
-      </dsp:nvSpPr>
-      <dsp:spPr>
-        <a:xfrm>
-          <a:off x="712800" y="1330272"/>
-          <a:ext cx="630000" cy="630000"/>
-        </a:xfrm>
-        <a:prstGeom prst="rect">
-          <a:avLst/>
-        </a:prstGeom>
-        <a:blipFill>
-          <a:blip xmlns:r="http://schemas.openxmlformats.org/officeDocument/2006/relationships" r:embed="rId1">
-            <a:extLst>
-              <a:ext uri="{28A0092B-C50C-407E-A947-70E740481C1C}">
-                <a14:useLocalDpi xmlns:a14="http://schemas.microsoft.com/office/drawing/2010/main" val="0"/>
-              </a:ext>
-              <a:ext uri="{96DAC541-7B7A-43D3-8B79-37D633B846F1}">
-                <asvg:svgBlip xmlns:asvg="http://schemas.microsoft.com/office/drawing/2016/SVG/main" r:embed="rId2"/>
-              </a:ext>
-            </a:extLst>
-          </a:blip>
-          <a:stretch>
-            <a:fillRect/>
-          </a:stretch>
-        </a:blipFill>
-        <a:ln w="19050" cap="flat" cmpd="sng" algn="ctr">
-          <a:noFill/>
-          <a:prstDash val="solid"/>
-          <a:miter lim="800000"/>
-        </a:ln>
-        <a:effectLst/>
-      </dsp:spPr>
-      <dsp:style>
-        <a:lnRef idx="2">
-          <a:scrgbClr r="0" g="0" b="0"/>
-        </a:lnRef>
-        <a:fillRef idx="1">
-          <a:scrgbClr r="0" g="0" b="0"/>
-        </a:fillRef>
-        <a:effectRef idx="0">
-          <a:scrgbClr r="0" g="0" b="0"/>
-        </a:effectRef>
-        <a:fontRef idx="minor">
-          <a:schemeClr val="lt1"/>
-        </a:fontRef>
-      </dsp:style>
-    </dsp:sp>
-    <dsp:sp modelId="{D8AAA2C0-6D15-45A6-B09C-C6C160CE3AE4}">
-      <dsp:nvSpPr>
-        <dsp:cNvPr id="0" name=""/>
-        <dsp:cNvSpPr/>
-      </dsp:nvSpPr>
-      <dsp:spPr>
-        <a:xfrm>
-          <a:off x="127800" y="2536272"/>
-          <a:ext cx="1800000" cy="720000"/>
-        </a:xfrm>
-        <a:prstGeom prst="rect">
-          <a:avLst/>
-        </a:prstGeom>
-        <a:noFill/>
-        <a:ln>
-          <a:noFill/>
-        </a:ln>
-        <a:effectLst/>
-      </dsp:spPr>
-      <dsp:style>
-        <a:lnRef idx="0">
-          <a:scrgbClr r="0" g="0" b="0"/>
-        </a:lnRef>
-        <a:fillRef idx="0">
-          <a:scrgbClr r="0" g="0" b="0"/>
-        </a:fillRef>
-        <a:effectRef idx="0">
-          <a:scrgbClr r="0" g="0" b="0"/>
-        </a:effectRef>
-        <a:fontRef idx="minor"/>
-      </dsp:style>
-      <dsp:txBody>
-        <a:bodyPr spcFirstLastPara="0" vert="horz" wrap="square" lIns="0" tIns="0" rIns="0" bIns="0" numCol="1" spcCol="1270" anchor="t" anchorCtr="0">
-          <a:noAutofit/>
-        </a:bodyPr>
-        <a:lstStyle/>
-        <a:p>
-          <a:pPr marL="0" lvl="0" indent="0" algn="ctr" defTabSz="666750">
-            <a:lnSpc>
-              <a:spcPct val="90000"/>
-            </a:lnSpc>
-            <a:spcBef>
-              <a:spcPct val="0"/>
-            </a:spcBef>
-            <a:spcAft>
-              <a:spcPct val="35000"/>
-            </a:spcAft>
-            <a:buNone/>
-            <a:defRPr cap="all"/>
-          </a:pPr>
-          <a:r>
-            <a:rPr lang="en-US" sz="1500" b="1" kern="1200"/>
-            <a:t>Employee Performance Classification</a:t>
-          </a:r>
-          <a:endParaRPr lang="en-US" sz="1500" kern="1200"/>
-        </a:p>
-      </dsp:txBody>
-      <dsp:txXfrm>
-        <a:off x="127800" y="2536272"/>
-        <a:ext cx="1800000" cy="720000"/>
-      </dsp:txXfrm>
-    </dsp:sp>
-    <dsp:sp modelId="{3C3915D1-02BF-4126-A5C4-FB94594C94AA}">
-      <dsp:nvSpPr>
-        <dsp:cNvPr id="0" name=""/>
-        <dsp:cNvSpPr/>
-      </dsp:nvSpPr>
-      <dsp:spPr>
-        <a:xfrm>
-          <a:off x="2593800" y="1096272"/>
-          <a:ext cx="1098000" cy="1098000"/>
-        </a:xfrm>
-        <a:prstGeom prst="round2DiagRect">
-          <a:avLst>
-            <a:gd name="adj1" fmla="val 29727"/>
-            <a:gd name="adj2" fmla="val 0"/>
-          </a:avLst>
-        </a:prstGeom>
-        <a:solidFill>
-          <a:schemeClr val="bg1">
-            <a:lumMod val="95000"/>
-            <a:hueOff val="0"/>
-            <a:satOff val="0"/>
-            <a:lumOff val="0"/>
-            <a:alphaOff val="0"/>
-          </a:schemeClr>
-        </a:solidFill>
-        <a:ln>
-          <a:noFill/>
-        </a:ln>
-        <a:effectLst/>
-      </dsp:spPr>
-      <dsp:style>
-        <a:lnRef idx="0">
-          <a:scrgbClr r="0" g="0" b="0"/>
-        </a:lnRef>
-        <a:fillRef idx="1">
-          <a:scrgbClr r="0" g="0" b="0"/>
-        </a:fillRef>
-        <a:effectRef idx="0">
-          <a:scrgbClr r="0" g="0" b="0"/>
-        </a:effectRef>
-        <a:fontRef idx="minor"/>
-      </dsp:style>
-    </dsp:sp>
-    <dsp:sp modelId="{B71878F6-C9A1-48F2-80A1-2812A2219FD7}">
-      <dsp:nvSpPr>
-        <dsp:cNvPr id="0" name=""/>
-        <dsp:cNvSpPr/>
-      </dsp:nvSpPr>
-      <dsp:spPr>
-        <a:xfrm>
-          <a:off x="2827800" y="1330272"/>
-          <a:ext cx="630000" cy="630000"/>
-        </a:xfrm>
-        <a:prstGeom prst="rect">
-          <a:avLst/>
-        </a:prstGeom>
-        <a:blipFill>
-          <a:blip xmlns:r="http://schemas.openxmlformats.org/officeDocument/2006/relationships" r:embed="rId3">
-            <a:extLst>
-              <a:ext uri="{28A0092B-C50C-407E-A947-70E740481C1C}">
-                <a14:useLocalDpi xmlns:a14="http://schemas.microsoft.com/office/drawing/2010/main" val="0"/>
-              </a:ext>
-              <a:ext uri="{96DAC541-7B7A-43D3-8B79-37D633B846F1}">
-                <asvg:svgBlip xmlns:asvg="http://schemas.microsoft.com/office/drawing/2016/SVG/main" r:embed="rId4"/>
-              </a:ext>
-            </a:extLst>
-          </a:blip>
-          <a:stretch>
-            <a:fillRect/>
-          </a:stretch>
-        </a:blipFill>
-        <a:ln w="19050" cap="flat" cmpd="sng" algn="ctr">
-          <a:noFill/>
-          <a:prstDash val="solid"/>
-          <a:miter lim="800000"/>
-        </a:ln>
-        <a:effectLst/>
-      </dsp:spPr>
-      <dsp:style>
-        <a:lnRef idx="2">
-          <a:scrgbClr r="0" g="0" b="0"/>
-        </a:lnRef>
-        <a:fillRef idx="1">
-          <a:scrgbClr r="0" g="0" b="0"/>
-        </a:fillRef>
-        <a:effectRef idx="0">
-          <a:scrgbClr r="0" g="0" b="0"/>
-        </a:effectRef>
-        <a:fontRef idx="minor">
-          <a:schemeClr val="lt1"/>
-        </a:fontRef>
-      </dsp:style>
-    </dsp:sp>
-    <dsp:sp modelId="{A8881297-5F79-4250-B7DE-7F8F9BFF0004}">
-      <dsp:nvSpPr>
-        <dsp:cNvPr id="0" name=""/>
-        <dsp:cNvSpPr/>
-      </dsp:nvSpPr>
-      <dsp:spPr>
-        <a:xfrm>
-          <a:off x="2242800" y="2536272"/>
-          <a:ext cx="1800000" cy="720000"/>
-        </a:xfrm>
-        <a:prstGeom prst="rect">
-          <a:avLst/>
-        </a:prstGeom>
-        <a:noFill/>
-        <a:ln>
-          <a:noFill/>
-        </a:ln>
-        <a:effectLst/>
-      </dsp:spPr>
-      <dsp:style>
-        <a:lnRef idx="0">
-          <a:scrgbClr r="0" g="0" b="0"/>
-        </a:lnRef>
-        <a:fillRef idx="0">
-          <a:scrgbClr r="0" g="0" b="0"/>
-        </a:fillRef>
-        <a:effectRef idx="0">
-          <a:scrgbClr r="0" g="0" b="0"/>
-        </a:effectRef>
-        <a:fontRef idx="minor"/>
-      </dsp:style>
-      <dsp:txBody>
-        <a:bodyPr spcFirstLastPara="0" vert="horz" wrap="square" lIns="0" tIns="0" rIns="0" bIns="0" numCol="1" spcCol="1270" anchor="t" anchorCtr="0">
-          <a:noAutofit/>
-        </a:bodyPr>
-        <a:lstStyle/>
-        <a:p>
-          <a:pPr marL="0" lvl="0" indent="0" algn="ctr" defTabSz="666750">
-            <a:lnSpc>
-              <a:spcPct val="90000"/>
-            </a:lnSpc>
-            <a:spcBef>
-              <a:spcPct val="0"/>
-            </a:spcBef>
-            <a:spcAft>
-              <a:spcPct val="35000"/>
-            </a:spcAft>
-            <a:buNone/>
-            <a:defRPr cap="all"/>
-          </a:pPr>
-          <a:r>
-            <a:rPr lang="en-US" sz="1500" b="1" kern="1200"/>
-            <a:t>Feature Engineering and Data Preparation</a:t>
-          </a:r>
-          <a:endParaRPr lang="en-US" sz="1500" kern="1200"/>
-        </a:p>
-      </dsp:txBody>
-      <dsp:txXfrm>
-        <a:off x="2242800" y="2536272"/>
-        <a:ext cx="1800000" cy="720000"/>
-      </dsp:txXfrm>
-    </dsp:sp>
-    <dsp:sp modelId="{7555D3C5-17A8-4FEA-A49D-1357BE246F30}">
-      <dsp:nvSpPr>
-        <dsp:cNvPr id="0" name=""/>
-        <dsp:cNvSpPr/>
-      </dsp:nvSpPr>
-      <dsp:spPr>
-        <a:xfrm>
-          <a:off x="4708800" y="1096272"/>
-          <a:ext cx="1098000" cy="1098000"/>
-        </a:xfrm>
-        <a:prstGeom prst="round2DiagRect">
-          <a:avLst>
-            <a:gd name="adj1" fmla="val 29727"/>
-            <a:gd name="adj2" fmla="val 0"/>
-          </a:avLst>
-        </a:prstGeom>
-        <a:solidFill>
-          <a:schemeClr val="bg1">
-            <a:lumMod val="95000"/>
-            <a:hueOff val="0"/>
-            <a:satOff val="0"/>
-            <a:lumOff val="0"/>
-            <a:alphaOff val="0"/>
-          </a:schemeClr>
-        </a:solidFill>
-        <a:ln>
-          <a:noFill/>
-        </a:ln>
-        <a:effectLst/>
-      </dsp:spPr>
-      <dsp:style>
-        <a:lnRef idx="0">
-          <a:scrgbClr r="0" g="0" b="0"/>
-        </a:lnRef>
-        <a:fillRef idx="1">
-          <a:scrgbClr r="0" g="0" b="0"/>
-        </a:fillRef>
-        <a:effectRef idx="0">
-          <a:scrgbClr r="0" g="0" b="0"/>
-        </a:effectRef>
-        <a:fontRef idx="minor"/>
-      </dsp:style>
-    </dsp:sp>
-    <dsp:sp modelId="{ADD24DDB-20FE-4762-893F-BA43C28324B3}">
-      <dsp:nvSpPr>
-        <dsp:cNvPr id="0" name=""/>
-        <dsp:cNvSpPr/>
-      </dsp:nvSpPr>
-      <dsp:spPr>
-        <a:xfrm>
-          <a:off x="4942800" y="1330272"/>
-          <a:ext cx="630000" cy="630000"/>
-        </a:xfrm>
-        <a:prstGeom prst="rect">
-          <a:avLst/>
-        </a:prstGeom>
-        <a:blipFill>
-          <a:blip xmlns:r="http://schemas.openxmlformats.org/officeDocument/2006/relationships" r:embed="rId5">
-            <a:extLst>
-              <a:ext uri="{28A0092B-C50C-407E-A947-70E740481C1C}">
-                <a14:useLocalDpi xmlns:a14="http://schemas.microsoft.com/office/drawing/2010/main" val="0"/>
-              </a:ext>
-              <a:ext uri="{96DAC541-7B7A-43D3-8B79-37D633B846F1}">
-                <asvg:svgBlip xmlns:asvg="http://schemas.microsoft.com/office/drawing/2016/SVG/main" r:embed="rId6"/>
-              </a:ext>
-            </a:extLst>
-          </a:blip>
-          <a:stretch>
-            <a:fillRect/>
-          </a:stretch>
-        </a:blipFill>
-        <a:ln w="19050" cap="flat" cmpd="sng" algn="ctr">
-          <a:noFill/>
-          <a:prstDash val="solid"/>
-          <a:miter lim="800000"/>
-        </a:ln>
-        <a:effectLst/>
-      </dsp:spPr>
-      <dsp:style>
-        <a:lnRef idx="2">
-          <a:scrgbClr r="0" g="0" b="0"/>
-        </a:lnRef>
-        <a:fillRef idx="1">
-          <a:scrgbClr r="0" g="0" b="0"/>
-        </a:fillRef>
-        <a:effectRef idx="0">
-          <a:scrgbClr r="0" g="0" b="0"/>
-        </a:effectRef>
-        <a:fontRef idx="minor">
-          <a:schemeClr val="lt1"/>
-        </a:fontRef>
-      </dsp:style>
-    </dsp:sp>
-    <dsp:sp modelId="{05E607D2-4EA5-4AA0-B1D3-EE34EC99EC96}">
-      <dsp:nvSpPr>
-        <dsp:cNvPr id="0" name=""/>
-        <dsp:cNvSpPr/>
-      </dsp:nvSpPr>
-      <dsp:spPr>
-        <a:xfrm>
-          <a:off x="4357800" y="2536272"/>
-          <a:ext cx="1800000" cy="720000"/>
-        </a:xfrm>
-        <a:prstGeom prst="rect">
-          <a:avLst/>
-        </a:prstGeom>
-        <a:noFill/>
-        <a:ln>
-          <a:noFill/>
-        </a:ln>
-        <a:effectLst/>
-      </dsp:spPr>
-      <dsp:style>
-        <a:lnRef idx="0">
-          <a:scrgbClr r="0" g="0" b="0"/>
-        </a:lnRef>
-        <a:fillRef idx="0">
-          <a:scrgbClr r="0" g="0" b="0"/>
-        </a:fillRef>
-        <a:effectRef idx="0">
-          <a:scrgbClr r="0" g="0" b="0"/>
-        </a:effectRef>
-        <a:fontRef idx="minor"/>
-      </dsp:style>
-      <dsp:txBody>
-        <a:bodyPr spcFirstLastPara="0" vert="horz" wrap="square" lIns="0" tIns="0" rIns="0" bIns="0" numCol="1" spcCol="1270" anchor="t" anchorCtr="0">
-          <a:noAutofit/>
-        </a:bodyPr>
-        <a:lstStyle/>
-        <a:p>
-          <a:pPr marL="0" lvl="0" indent="0" algn="ctr" defTabSz="666750">
-            <a:lnSpc>
-              <a:spcPct val="90000"/>
-            </a:lnSpc>
-            <a:spcBef>
-              <a:spcPct val="0"/>
-            </a:spcBef>
-            <a:spcAft>
-              <a:spcPct val="35000"/>
-            </a:spcAft>
-            <a:buNone/>
-            <a:defRPr cap="all"/>
-          </a:pPr>
-          <a:r>
-            <a:rPr lang="en-US" sz="1500" b="1" kern="1200"/>
-            <a:t>Machine Learning Model Development</a:t>
-          </a:r>
-          <a:endParaRPr lang="en-US" sz="1500" kern="1200"/>
-        </a:p>
-      </dsp:txBody>
-      <dsp:txXfrm>
-        <a:off x="4357800" y="2536272"/>
-        <a:ext cx="1800000" cy="720000"/>
-      </dsp:txXfrm>
-    </dsp:sp>
-    <dsp:sp modelId="{13D1AC6C-F870-46B1-BB4E-46FBB74CA923}">
-      <dsp:nvSpPr>
-        <dsp:cNvPr id="0" name=""/>
-        <dsp:cNvSpPr/>
-      </dsp:nvSpPr>
-      <dsp:spPr>
-        <a:xfrm>
-          <a:off x="6823800" y="1096272"/>
-          <a:ext cx="1098000" cy="1098000"/>
-        </a:xfrm>
-        <a:prstGeom prst="round2DiagRect">
-          <a:avLst>
-            <a:gd name="adj1" fmla="val 29727"/>
-            <a:gd name="adj2" fmla="val 0"/>
-          </a:avLst>
-        </a:prstGeom>
-        <a:solidFill>
-          <a:schemeClr val="bg1">
-            <a:lumMod val="95000"/>
-            <a:hueOff val="0"/>
-            <a:satOff val="0"/>
-            <a:lumOff val="0"/>
-            <a:alphaOff val="0"/>
-          </a:schemeClr>
-        </a:solidFill>
-        <a:ln>
-          <a:noFill/>
-        </a:ln>
-        <a:effectLst/>
-      </dsp:spPr>
-      <dsp:style>
-        <a:lnRef idx="0">
-          <a:scrgbClr r="0" g="0" b="0"/>
-        </a:lnRef>
-        <a:fillRef idx="1">
-          <a:scrgbClr r="0" g="0" b="0"/>
-        </a:fillRef>
-        <a:effectRef idx="0">
-          <a:scrgbClr r="0" g="0" b="0"/>
-        </a:effectRef>
-        <a:fontRef idx="minor"/>
-      </dsp:style>
-    </dsp:sp>
-    <dsp:sp modelId="{BD346478-466F-42F9-921B-F406F5976994}">
-      <dsp:nvSpPr>
-        <dsp:cNvPr id="0" name=""/>
-        <dsp:cNvSpPr/>
-      </dsp:nvSpPr>
-      <dsp:spPr>
-        <a:xfrm>
-          <a:off x="7057800" y="1330272"/>
-          <a:ext cx="630000" cy="630000"/>
-        </a:xfrm>
-        <a:prstGeom prst="rect">
-          <a:avLst/>
-        </a:prstGeom>
-        <a:blipFill>
-          <a:blip xmlns:r="http://schemas.openxmlformats.org/officeDocument/2006/relationships" r:embed="rId7">
-            <a:extLst>
-              <a:ext uri="{28A0092B-C50C-407E-A947-70E740481C1C}">
-                <a14:useLocalDpi xmlns:a14="http://schemas.microsoft.com/office/drawing/2010/main" val="0"/>
-              </a:ext>
-              <a:ext uri="{96DAC541-7B7A-43D3-8B79-37D633B846F1}">
-                <asvg:svgBlip xmlns:asvg="http://schemas.microsoft.com/office/drawing/2016/SVG/main" r:embed="rId8"/>
-              </a:ext>
-            </a:extLst>
-          </a:blip>
-          <a:stretch>
-            <a:fillRect/>
-          </a:stretch>
-        </a:blipFill>
-        <a:ln w="19050" cap="flat" cmpd="sng" algn="ctr">
-          <a:noFill/>
-          <a:prstDash val="solid"/>
-          <a:miter lim="800000"/>
-        </a:ln>
-        <a:effectLst/>
-      </dsp:spPr>
-      <dsp:style>
-        <a:lnRef idx="2">
-          <a:scrgbClr r="0" g="0" b="0"/>
-        </a:lnRef>
-        <a:fillRef idx="1">
-          <a:scrgbClr r="0" g="0" b="0"/>
-        </a:fillRef>
-        <a:effectRef idx="0">
-          <a:scrgbClr r="0" g="0" b="0"/>
-        </a:effectRef>
-        <a:fontRef idx="minor">
-          <a:schemeClr val="lt1"/>
-        </a:fontRef>
-      </dsp:style>
-    </dsp:sp>
-    <dsp:sp modelId="{68E2142C-109D-48E1-A74C-638A6261509C}">
-      <dsp:nvSpPr>
-        <dsp:cNvPr id="0" name=""/>
-        <dsp:cNvSpPr/>
-      </dsp:nvSpPr>
-      <dsp:spPr>
-        <a:xfrm>
-          <a:off x="6472800" y="2536272"/>
-          <a:ext cx="1800000" cy="720000"/>
-        </a:xfrm>
-        <a:prstGeom prst="rect">
-          <a:avLst/>
-        </a:prstGeom>
-        <a:noFill/>
-        <a:ln>
-          <a:noFill/>
-        </a:ln>
-        <a:effectLst/>
-      </dsp:spPr>
-      <dsp:style>
-        <a:lnRef idx="0">
-          <a:scrgbClr r="0" g="0" b="0"/>
-        </a:lnRef>
-        <a:fillRef idx="0">
-          <a:scrgbClr r="0" g="0" b="0"/>
-        </a:fillRef>
-        <a:effectRef idx="0">
-          <a:scrgbClr r="0" g="0" b="0"/>
-        </a:effectRef>
-        <a:fontRef idx="minor"/>
-      </dsp:style>
-      <dsp:txBody>
-        <a:bodyPr spcFirstLastPara="0" vert="horz" wrap="square" lIns="0" tIns="0" rIns="0" bIns="0" numCol="1" spcCol="1270" anchor="t" anchorCtr="0">
-          <a:noAutofit/>
-        </a:bodyPr>
-        <a:lstStyle/>
-        <a:p>
-          <a:pPr marL="0" lvl="0" indent="0" algn="ctr" defTabSz="666750">
-            <a:lnSpc>
-              <a:spcPct val="90000"/>
-            </a:lnSpc>
-            <a:spcBef>
-              <a:spcPct val="0"/>
-            </a:spcBef>
-            <a:spcAft>
-              <a:spcPct val="35000"/>
-            </a:spcAft>
-            <a:buNone/>
-            <a:defRPr cap="all"/>
-          </a:pPr>
-          <a:r>
-            <a:rPr lang="en-US" sz="1500" b="1" kern="1200"/>
-            <a:t>Performance Insights and Analysis</a:t>
-          </a:r>
-          <a:endParaRPr lang="en-US" sz="1500" kern="1200"/>
-        </a:p>
-      </dsp:txBody>
-      <dsp:txXfrm>
-        <a:off x="6472800" y="2536272"/>
-        <a:ext cx="1800000" cy="720000"/>
-      </dsp:txXfrm>
-    </dsp:sp>
-    <dsp:sp modelId="{5C10DB71-2C55-44CE-BBA5-05E4FE9A2D79}">
-      <dsp:nvSpPr>
-        <dsp:cNvPr id="0" name=""/>
-        <dsp:cNvSpPr/>
-      </dsp:nvSpPr>
-      <dsp:spPr>
-        <a:xfrm>
-          <a:off x="8938800" y="1096272"/>
-          <a:ext cx="1098000" cy="1098000"/>
-        </a:xfrm>
-        <a:prstGeom prst="round2DiagRect">
-          <a:avLst>
-            <a:gd name="adj1" fmla="val 29727"/>
-            <a:gd name="adj2" fmla="val 0"/>
-          </a:avLst>
-        </a:prstGeom>
-        <a:solidFill>
-          <a:schemeClr val="bg1">
-            <a:lumMod val="95000"/>
-            <a:hueOff val="0"/>
-            <a:satOff val="0"/>
-            <a:lumOff val="0"/>
-            <a:alphaOff val="0"/>
-          </a:schemeClr>
-        </a:solidFill>
-        <a:ln>
-          <a:noFill/>
-        </a:ln>
-        <a:effectLst/>
-      </dsp:spPr>
-      <dsp:style>
-        <a:lnRef idx="0">
-          <a:scrgbClr r="0" g="0" b="0"/>
-        </a:lnRef>
-        <a:fillRef idx="1">
-          <a:scrgbClr r="0" g="0" b="0"/>
-        </a:fillRef>
-        <a:effectRef idx="0">
-          <a:scrgbClr r="0" g="0" b="0"/>
-        </a:effectRef>
-        <a:fontRef idx="minor"/>
-      </dsp:style>
-    </dsp:sp>
-    <dsp:sp modelId="{8F82BFB2-0B0B-44E2-9510-1367C9EE9DC3}">
-      <dsp:nvSpPr>
-        <dsp:cNvPr id="0" name=""/>
-        <dsp:cNvSpPr/>
-      </dsp:nvSpPr>
-      <dsp:spPr>
-        <a:xfrm>
-          <a:off x="9172800" y="1330272"/>
-          <a:ext cx="630000" cy="630000"/>
-        </a:xfrm>
-        <a:prstGeom prst="rect">
-          <a:avLst/>
-        </a:prstGeom>
-        <a:blipFill>
-          <a:blip xmlns:r="http://schemas.openxmlformats.org/officeDocument/2006/relationships" r:embed="rId9">
-            <a:extLst>
-              <a:ext uri="{28A0092B-C50C-407E-A947-70E740481C1C}">
-                <a14:useLocalDpi xmlns:a14="http://schemas.microsoft.com/office/drawing/2010/main" val="0"/>
-              </a:ext>
-              <a:ext uri="{96DAC541-7B7A-43D3-8B79-37D633B846F1}">
-                <asvg:svgBlip xmlns:asvg="http://schemas.microsoft.com/office/drawing/2016/SVG/main" r:embed="rId10"/>
-              </a:ext>
-            </a:extLst>
-          </a:blip>
-          <a:stretch>
-            <a:fillRect/>
-          </a:stretch>
-        </a:blipFill>
-        <a:ln w="19050" cap="flat" cmpd="sng" algn="ctr">
-          <a:noFill/>
-          <a:prstDash val="solid"/>
-          <a:miter lim="800000"/>
-        </a:ln>
-        <a:effectLst/>
-      </dsp:spPr>
-      <dsp:style>
-        <a:lnRef idx="2">
-          <a:scrgbClr r="0" g="0" b="0"/>
-        </a:lnRef>
-        <a:fillRef idx="1">
-          <a:scrgbClr r="0" g="0" b="0"/>
-        </a:fillRef>
-        <a:effectRef idx="0">
-          <a:scrgbClr r="0" g="0" b="0"/>
-        </a:effectRef>
-        <a:fontRef idx="minor">
-          <a:schemeClr val="lt1"/>
-        </a:fontRef>
-      </dsp:style>
-    </dsp:sp>
-    <dsp:sp modelId="{85EFDEF8-7808-43AC-9C44-D4A4F55E61E7}">
-      <dsp:nvSpPr>
-        <dsp:cNvPr id="0" name=""/>
-        <dsp:cNvSpPr/>
-      </dsp:nvSpPr>
-      <dsp:spPr>
-        <a:xfrm>
-          <a:off x="8587800" y="2536272"/>
-          <a:ext cx="1800000" cy="720000"/>
-        </a:xfrm>
-        <a:prstGeom prst="rect">
-          <a:avLst/>
-        </a:prstGeom>
-        <a:noFill/>
-        <a:ln>
-          <a:noFill/>
-        </a:ln>
-        <a:effectLst/>
-      </dsp:spPr>
-      <dsp:style>
-        <a:lnRef idx="0">
-          <a:scrgbClr r="0" g="0" b="0"/>
-        </a:lnRef>
-        <a:fillRef idx="0">
-          <a:scrgbClr r="0" g="0" b="0"/>
-        </a:fillRef>
-        <a:effectRef idx="0">
-          <a:scrgbClr r="0" g="0" b="0"/>
-        </a:effectRef>
-        <a:fontRef idx="minor"/>
-      </dsp:style>
-      <dsp:txBody>
-        <a:bodyPr spcFirstLastPara="0" vert="horz" wrap="square" lIns="0" tIns="0" rIns="0" bIns="0" numCol="1" spcCol="1270" anchor="t" anchorCtr="0">
-          <a:noAutofit/>
-        </a:bodyPr>
-        <a:lstStyle/>
-        <a:p>
-          <a:pPr marL="0" lvl="0" indent="0" algn="ctr" defTabSz="666750">
-            <a:lnSpc>
-              <a:spcPct val="90000"/>
-            </a:lnSpc>
-            <a:spcBef>
-              <a:spcPct val="0"/>
-            </a:spcBef>
-            <a:spcAft>
-              <a:spcPct val="35000"/>
-            </a:spcAft>
-            <a:buNone/>
-            <a:defRPr cap="all"/>
-          </a:pPr>
-          <a:r>
-            <a:rPr lang="en-US" sz="1500" b="1" kern="1200"/>
-            <a:t>Visualization and Reporting</a:t>
-          </a:r>
-          <a:endParaRPr lang="en-US" sz="1500" kern="1200"/>
-        </a:p>
-      </dsp:txBody>
-      <dsp:txXfrm>
-        <a:off x="8587800" y="2536272"/>
-        <a:ext cx="1800000" cy="720000"/>
       </dsp:txXfrm>
     </dsp:sp>
   </dsp:spTree>
@@ -4531,233 +2271,6 @@
           <dgm:alg type="sp"/>
           <dgm:shape xmlns:r="http://schemas.openxmlformats.org/officeDocument/2006/relationships" type="ellipse" r:blip="">
             <dgm:adjLst/>
-          </dgm:shape>
-          <dgm:presOf/>
-          <dgm:constrLst/>
-          <dgm:ruleLst/>
-        </dgm:layoutNode>
-        <dgm:layoutNode name="iconRect" styleLbl="node1">
-          <dgm:alg type="sp"/>
-          <dgm:shape xmlns:r="http://schemas.openxmlformats.org/officeDocument/2006/relationships" type="rect" r:blip="" blipPhldr="1">
-            <dgm:adjLst/>
-          </dgm:shape>
-          <dgm:presOf/>
-          <dgm:constrLst/>
-          <dgm:ruleLst/>
-        </dgm:layoutNode>
-        <dgm:layoutNode name="spaceRect">
-          <dgm:alg type="sp"/>
-          <dgm:shape xmlns:r="http://schemas.openxmlformats.org/officeDocument/2006/relationships" r:blip="">
-            <dgm:adjLst/>
-          </dgm:shape>
-          <dgm:presOf/>
-          <dgm:constrLst/>
-          <dgm:ruleLst/>
-        </dgm:layoutNode>
-        <dgm:layoutNode name="textRect" styleLbl="revTx">
-          <dgm:varLst>
-            <dgm:chMax val="1"/>
-            <dgm:chPref val="1"/>
-          </dgm:varLst>
-          <dgm:alg type="tx">
-            <dgm:param type="txAnchorVert" val="t"/>
-          </dgm:alg>
-          <dgm:shape xmlns:r="http://schemas.openxmlformats.org/officeDocument/2006/relationships" type="rect" r:blip="">
-            <dgm:adjLst/>
-          </dgm:shape>
-          <dgm:presOf axis="self" ptType="node"/>
-          <dgm:constrLst>
-            <dgm:constr type="lMarg"/>
-            <dgm:constr type="rMarg"/>
-            <dgm:constr type="tMarg"/>
-            <dgm:constr type="bMarg"/>
-          </dgm:constrLst>
-          <dgm:ruleLst>
-            <dgm:rule type="primFontSz" val="11" fact="NaN" max="NaN"/>
-            <dgm:rule type="h" val="INF" fact="NaN" max="NaN"/>
-          </dgm:ruleLst>
-        </dgm:layoutNode>
-      </dgm:layoutNode>
-      <dgm:forEach name="Name9" axis="followSib" ptType="sibTrans" cnt="1">
-        <dgm:layoutNode name="sibTrans">
-          <dgm:alg type="sp"/>
-          <dgm:shape xmlns:r="http://schemas.openxmlformats.org/officeDocument/2006/relationships" r:blip="">
-            <dgm:adjLst/>
-          </dgm:shape>
-          <dgm:presOf axis="self"/>
-          <dgm:constrLst/>
-          <dgm:ruleLst/>
-        </dgm:layoutNode>
-      </dgm:forEach>
-    </dgm:forEach>
-  </dgm:layoutNode>
-  <dgm:extLst>
-    <a:ext uri="{68A01E43-0DF5-4B5B-8FA6-DAF915123BFB}">
-      <dgm1612:lstStyle xmlns:dgm1612="http://schemas.microsoft.com/office/drawing/2016/12/diagram">
-        <a:lvl1pPr>
-          <a:lnSpc>
-            <a:spcPct val="100000"/>
-          </a:lnSpc>
-          <a:defRPr cap="all"/>
-        </a:lvl1pPr>
-      </dgm1612:lstStyle>
-    </a:ext>
-  </dgm:extLst>
-</dgm:layoutDef>
-</file>
-
-<file path=ppt/diagrams/layout2.xml><?xml version="1.0" encoding="utf-8"?>
-<dgm:layoutDef xmlns:dgm="http://schemas.openxmlformats.org/drawingml/2006/diagram" xmlns:a="http://schemas.openxmlformats.org/drawingml/2006/main" uniqueId="urn:microsoft.com/office/officeart/2018/5/layout/IconLeafLabelList">
-  <dgm:title val="Icon Leaf Label List"/>
-  <dgm:desc val="Use to show non-sequential or grouped chunks of information accompanied by a related visuals. Works best with icons or small pictures with short text captions."/>
-  <dgm:catLst>
-    <dgm:cat type="icon" pri="500"/>
-  </dgm:catLst>
-  <dgm:sampData useDef="1">
-    <dgm:dataModel>
-      <dgm:ptLst/>
-      <dgm:bg/>
-      <dgm:whole/>
-    </dgm:dataModel>
-  </dgm:sampData>
-  <dgm:styleData useDef="1">
-    <dgm:dataModel>
-      <dgm:ptLst/>
-      <dgm:bg/>
-      <dgm:whole/>
-    </dgm:dataModel>
-  </dgm:styleData>
-  <dgm:clrData useDef="1">
-    <dgm:dataModel>
-      <dgm:ptLst/>
-      <dgm:bg/>
-      <dgm:whole/>
-    </dgm:dataModel>
-  </dgm:clrData>
-  <dgm:layoutNode name="root">
-    <dgm:varLst>
-      <dgm:dir/>
-      <dgm:resizeHandles val="exact"/>
-    </dgm:varLst>
-    <dgm:choose name="Name0">
-      <dgm:if name="Name1" axis="self" func="var" arg="dir" op="equ" val="norm">
-        <dgm:alg type="snake">
-          <dgm:param type="grDir" val="tL"/>
-          <dgm:param type="flowDir" val="row"/>
-          <dgm:param type="contDir" val="sameDir"/>
-          <dgm:param type="off" val="ctr"/>
-          <dgm:param type="vertAlign" val="mid"/>
-          <dgm:param type="horzAlign" val="ctr"/>
-        </dgm:alg>
-      </dgm:if>
-      <dgm:else name="Name2">
-        <dgm:alg type="snake">
-          <dgm:param type="grDir" val="tR"/>
-          <dgm:param type="flowDir" val="row"/>
-          <dgm:param type="contDir" val="sameDir"/>
-          <dgm:param type="off" val="ctr"/>
-          <dgm:param type="vertAlign" val="mid"/>
-          <dgm:param type="horzAlign" val="ctr"/>
-        </dgm:alg>
-      </dgm:else>
-    </dgm:choose>
-    <dgm:shape xmlns:r="http://schemas.openxmlformats.org/officeDocument/2006/relationships" r:blip="">
-      <dgm:adjLst/>
-    </dgm:shape>
-    <dgm:presOf/>
-    <dgm:choose name="Name3">
-      <dgm:if name="Name4" axis="ch" ptType="node" func="cnt" op="lte" val="2">
-        <dgm:constrLst>
-          <dgm:constr type="h" for="ch" forName="compNode" refType="h" fact="0.4"/>
-          <dgm:constr type="w" for="ch" forName="compNode" val="100"/>
-          <dgm:constr type="w" for="ch" forName="sibTrans" refType="w" refFor="ch" refForName="compNode" fact="0.175"/>
-          <dgm:constr type="sp" refType="w" refFor="ch" refForName="compNode" op="equ" fact="0.25"/>
-          <dgm:constr type="primFontSz" for="des" ptType="node" op="equ" val="44"/>
-          <dgm:constr type="h" for="des" forName="compNode" op="equ"/>
-          <dgm:constr type="h" for="des" forName="textRect" op="equ"/>
-        </dgm:constrLst>
-      </dgm:if>
-      <dgm:if name="Name5" axis="ch" ptType="node" func="cnt" op="lte" val="3">
-        <dgm:constrLst>
-          <dgm:constr type="h" for="ch" forName="compNode" refType="h" fact="0.4"/>
-          <dgm:constr type="w" for="ch" forName="compNode" val="100"/>
-          <dgm:constr type="w" for="ch" forName="sibTrans" refType="w" refFor="ch" refForName="compNode" fact="0.175"/>
-          <dgm:constr type="sp" refType="w" refFor="ch" refForName="compNode" op="equ" fact="0.25"/>
-          <dgm:constr type="primFontSz" for="des" ptType="node" op="equ" val="40"/>
-          <dgm:constr type="h" for="des" forName="compNode" op="equ"/>
-          <dgm:constr type="h" for="des" forName="textRect" op="equ"/>
-        </dgm:constrLst>
-      </dgm:if>
-      <dgm:if name="Name6" axis="ch" ptType="node" func="cnt" op="lte" val="4">
-        <dgm:constrLst>
-          <dgm:constr type="h" for="ch" forName="compNode" refType="h" fact="0.4"/>
-          <dgm:constr type="w" for="ch" forName="compNode" refType="w"/>
-          <dgm:constr type="w" for="ch" forName="sibTrans" refType="w" refFor="ch" refForName="compNode" fact="0.175"/>
-          <dgm:constr type="sp" refType="w" refFor="ch" refForName="compNode" op="equ" fact="0.25"/>
-          <dgm:constr type="primFontSz" for="des" ptType="node" op="equ" val="32"/>
-          <dgm:constr type="h" for="des" forName="compNode" op="equ"/>
-          <dgm:constr type="h" for="des" forName="textRect" op="equ"/>
-        </dgm:constrLst>
-      </dgm:if>
-      <dgm:else name="Name7">
-        <dgm:constrLst>
-          <dgm:constr type="h" for="ch" forName="compNode" refType="h" fact="0.4"/>
-          <dgm:constr type="w" for="ch" forName="compNode" refType="w"/>
-          <dgm:constr type="w" for="ch" forName="sibTrans" refType="w" refFor="ch" refForName="compNode" fact="0.175"/>
-          <dgm:constr type="sp" refType="w" refFor="ch" refForName="compNode" op="equ" fact="0.25"/>
-          <dgm:constr type="primFontSz" for="des" ptType="node" op="equ" val="24"/>
-          <dgm:constr type="h" for="des" forName="compNode" op="equ"/>
-          <dgm:constr type="h" for="des" forName="textRect" op="equ"/>
-        </dgm:constrLst>
-      </dgm:else>
-    </dgm:choose>
-    <dgm:ruleLst>
-      <dgm:rule type="w" for="ch" forName="compNode" val="50" fact="NaN" max="NaN"/>
-    </dgm:ruleLst>
-    <dgm:forEach name="Name8" axis="ch" ptType="node">
-      <dgm:layoutNode name="compNode">
-        <dgm:alg type="composite"/>
-        <dgm:shape xmlns:r="http://schemas.openxmlformats.org/officeDocument/2006/relationships" r:blip="">
-          <dgm:adjLst/>
-        </dgm:shape>
-        <dgm:presOf axis="self"/>
-        <dgm:constrLst>
-          <dgm:constr type="w" for="ch" forName="iconBgRect" refType="w" fact="0.61"/>
-          <dgm:constr type="h" for="ch" forName="iconBgRect" refType="w" refFor="ch" refForName="iconBgRect"/>
-          <dgm:constr type="t" for="ch" forName="iconBgRect"/>
-          <dgm:constr type="ctrX" for="ch" forName="iconBgRect" refType="w" fact="0.5"/>
-          <dgm:constr type="w" for="ch" forName="iconRect" refType="w" fact="0.35"/>
-          <dgm:constr type="h" for="ch" forName="iconRect" refType="w" refFor="ch" refForName="iconRect"/>
-          <dgm:constr type="ctrX" for="ch" forName="iconRect" refType="ctrX" refFor="ch" refForName="iconBgRect"/>
-          <dgm:constr type="ctrY" for="ch" forName="iconRect" refType="ctrY" refFor="ch" refForName="iconBgRect"/>
-          <dgm:constr type="h" for="ch" forName="spaceRect" refType="w" fact="0.19"/>
-          <dgm:constr type="w" for="ch" forName="spaceRect" refType="w"/>
-          <dgm:constr type="l" for="ch" forName="spaceRect"/>
-          <dgm:constr type="t" for="ch" forName="spaceRect" refType="b" refFor="ch" refForName="iconBgRect"/>
-          <dgm:constr type="h" for="ch" forName="textRect" val="20"/>
-          <dgm:constr type="w" for="ch" forName="textRect" refType="w"/>
-          <dgm:constr type="l" for="ch" forName="textRect"/>
-          <dgm:constr type="t" for="ch" forName="textRect" refType="b" refFor="ch" refForName="spaceRect"/>
-        </dgm:constrLst>
-        <dgm:ruleLst>
-          <dgm:rule type="h" val="INF" fact="NaN" max="NaN"/>
-        </dgm:ruleLst>
-        <dgm:layoutNode name="iconBgRect" styleLbl="bgShp">
-          <dgm:alg type="sp"/>
-          <dgm:shape xmlns:r="http://schemas.openxmlformats.org/officeDocument/2006/relationships" type="round2DiagRect" r:blip="">
-            <dgm:adjLst/>
-            <dgm:extLst>
-              <a:ext uri="{B698B0E9-8C71-41B9-8309-B3DCBF30829C}">
-                <dgm1612:spPr xmlns:dgm1612="http://schemas.microsoft.com/office/drawing/2016/12/diagram">
-                  <a:prstGeom prst="round2DiagRect">
-                    <a:avLst>
-                      <a:gd name="adj1" fmla="val 29727"/>
-                      <a:gd name="adj2" fmla="val 0"/>
-                    </a:avLst>
-                  </a:prstGeom>
-                </dgm1612:spPr>
-              </a:ext>
-            </dgm:extLst>
           </dgm:shape>
           <dgm:presOf/>
           <dgm:constrLst/>
@@ -5867,1040 +3380,6 @@
 </dgm:styleDef>
 </file>
 
-<file path=ppt/diagrams/quickStyle2.xml><?xml version="1.0" encoding="utf-8"?>
-<dgm:styleDef xmlns:dgm="http://schemas.openxmlformats.org/drawingml/2006/diagram" xmlns:a="http://schemas.openxmlformats.org/drawingml/2006/main" uniqueId="urn:microsoft.com/office/officeart/2005/8/quickstyle/simple1">
-  <dgm:title val=""/>
-  <dgm:desc val=""/>
-  <dgm:catLst>
-    <dgm:cat type="simple" pri="10100"/>
-  </dgm:catLst>
-  <dgm:scene3d>
-    <a:camera prst="orthographicFront"/>
-    <a:lightRig rig="threePt" dir="t"/>
-  </dgm:scene3d>
-  <dgm:styleLbl name="node0">
-    <dgm:scene3d>
-      <a:camera prst="orthographicFront"/>
-      <a:lightRig rig="threePt" dir="t"/>
-    </dgm:scene3d>
-    <dgm:sp3d/>
-    <dgm:txPr/>
-    <dgm:style>
-      <a:lnRef idx="2">
-        <a:scrgbClr r="0" g="0" b="0"/>
-      </a:lnRef>
-      <a:fillRef idx="1">
-        <a:scrgbClr r="0" g="0" b="0"/>
-      </a:fillRef>
-      <a:effectRef idx="0">
-        <a:scrgbClr r="0" g="0" b="0"/>
-      </a:effectRef>
-      <a:fontRef idx="minor">
-        <a:schemeClr val="lt1"/>
-      </a:fontRef>
-    </dgm:style>
-  </dgm:styleLbl>
-  <dgm:styleLbl name="lnNode1">
-    <dgm:scene3d>
-      <a:camera prst="orthographicFront"/>
-      <a:lightRig rig="threePt" dir="t"/>
-    </dgm:scene3d>
-    <dgm:sp3d/>
-    <dgm:txPr/>
-    <dgm:style>
-      <a:lnRef idx="2">
-        <a:scrgbClr r="0" g="0" b="0"/>
-      </a:lnRef>
-      <a:fillRef idx="1">
-        <a:scrgbClr r="0" g="0" b="0"/>
-      </a:fillRef>
-      <a:effectRef idx="0">
-        <a:scrgbClr r="0" g="0" b="0"/>
-      </a:effectRef>
-      <a:fontRef idx="minor">
-        <a:schemeClr val="lt1"/>
-      </a:fontRef>
-    </dgm:style>
-  </dgm:styleLbl>
-  <dgm:styleLbl name="vennNode1">
-    <dgm:scene3d>
-      <a:camera prst="orthographicFront"/>
-      <a:lightRig rig="threePt" dir="t"/>
-    </dgm:scene3d>
-    <dgm:sp3d/>
-    <dgm:txPr/>
-    <dgm:style>
-      <a:lnRef idx="2">
-        <a:scrgbClr r="0" g="0" b="0"/>
-      </a:lnRef>
-      <a:fillRef idx="1">
-        <a:scrgbClr r="0" g="0" b="0"/>
-      </a:fillRef>
-      <a:effectRef idx="0">
-        <a:scrgbClr r="0" g="0" b="0"/>
-      </a:effectRef>
-      <a:fontRef idx="minor">
-        <a:schemeClr val="tx1"/>
-      </a:fontRef>
-    </dgm:style>
-  </dgm:styleLbl>
-  <dgm:styleLbl name="alignNode1">
-    <dgm:scene3d>
-      <a:camera prst="orthographicFront"/>
-      <a:lightRig rig="threePt" dir="t"/>
-    </dgm:scene3d>
-    <dgm:sp3d/>
-    <dgm:txPr/>
-    <dgm:style>
-      <a:lnRef idx="2">
-        <a:scrgbClr r="0" g="0" b="0"/>
-      </a:lnRef>
-      <a:fillRef idx="1">
-        <a:scrgbClr r="0" g="0" b="0"/>
-      </a:fillRef>
-      <a:effectRef idx="0">
-        <a:scrgbClr r="0" g="0" b="0"/>
-      </a:effectRef>
-      <a:fontRef idx="minor">
-        <a:schemeClr val="lt1"/>
-      </a:fontRef>
-    </dgm:style>
-  </dgm:styleLbl>
-  <dgm:styleLbl name="node1">
-    <dgm:scene3d>
-      <a:camera prst="orthographicFront"/>
-      <a:lightRig rig="threePt" dir="t"/>
-    </dgm:scene3d>
-    <dgm:sp3d/>
-    <dgm:txPr/>
-    <dgm:style>
-      <a:lnRef idx="2">
-        <a:scrgbClr r="0" g="0" b="0"/>
-      </a:lnRef>
-      <a:fillRef idx="1">
-        <a:scrgbClr r="0" g="0" b="0"/>
-      </a:fillRef>
-      <a:effectRef idx="0">
-        <a:scrgbClr r="0" g="0" b="0"/>
-      </a:effectRef>
-      <a:fontRef idx="minor">
-        <a:schemeClr val="lt1"/>
-      </a:fontRef>
-    </dgm:style>
-  </dgm:styleLbl>
-  <dgm:styleLbl name="node2">
-    <dgm:scene3d>
-      <a:camera prst="orthographicFront"/>
-      <a:lightRig rig="threePt" dir="t"/>
-    </dgm:scene3d>
-    <dgm:sp3d/>
-    <dgm:txPr/>
-    <dgm:style>
-      <a:lnRef idx="2">
-        <a:scrgbClr r="0" g="0" b="0"/>
-      </a:lnRef>
-      <a:fillRef idx="1">
-        <a:scrgbClr r="0" g="0" b="0"/>
-      </a:fillRef>
-      <a:effectRef idx="0">
-        <a:scrgbClr r="0" g="0" b="0"/>
-      </a:effectRef>
-      <a:fontRef idx="minor">
-        <a:schemeClr val="lt1"/>
-      </a:fontRef>
-    </dgm:style>
-  </dgm:styleLbl>
-  <dgm:styleLbl name="node3">
-    <dgm:scene3d>
-      <a:camera prst="orthographicFront"/>
-      <a:lightRig rig="threePt" dir="t"/>
-    </dgm:scene3d>
-    <dgm:sp3d/>
-    <dgm:txPr/>
-    <dgm:style>
-      <a:lnRef idx="2">
-        <a:scrgbClr r="0" g="0" b="0"/>
-      </a:lnRef>
-      <a:fillRef idx="1">
-        <a:scrgbClr r="0" g="0" b="0"/>
-      </a:fillRef>
-      <a:effectRef idx="0">
-        <a:scrgbClr r="0" g="0" b="0"/>
-      </a:effectRef>
-      <a:fontRef idx="minor">
-        <a:schemeClr val="lt1"/>
-      </a:fontRef>
-    </dgm:style>
-  </dgm:styleLbl>
-  <dgm:styleLbl name="node4">
-    <dgm:scene3d>
-      <a:camera prst="orthographicFront"/>
-      <a:lightRig rig="threePt" dir="t"/>
-    </dgm:scene3d>
-    <dgm:sp3d/>
-    <dgm:txPr/>
-    <dgm:style>
-      <a:lnRef idx="2">
-        <a:scrgbClr r="0" g="0" b="0"/>
-      </a:lnRef>
-      <a:fillRef idx="1">
-        <a:scrgbClr r="0" g="0" b="0"/>
-      </a:fillRef>
-      <a:effectRef idx="0">
-        <a:scrgbClr r="0" g="0" b="0"/>
-      </a:effectRef>
-      <a:fontRef idx="minor">
-        <a:schemeClr val="lt1"/>
-      </a:fontRef>
-    </dgm:style>
-  </dgm:styleLbl>
-  <dgm:styleLbl name="fgImgPlace1">
-    <dgm:scene3d>
-      <a:camera prst="orthographicFront"/>
-      <a:lightRig rig="threePt" dir="t"/>
-    </dgm:scene3d>
-    <dgm:sp3d/>
-    <dgm:txPr/>
-    <dgm:style>
-      <a:lnRef idx="2">
-        <a:scrgbClr r="0" g="0" b="0"/>
-      </a:lnRef>
-      <a:fillRef idx="1">
-        <a:scrgbClr r="0" g="0" b="0"/>
-      </a:fillRef>
-      <a:effectRef idx="0">
-        <a:scrgbClr r="0" g="0" b="0"/>
-      </a:effectRef>
-      <a:fontRef idx="minor"/>
-    </dgm:style>
-  </dgm:styleLbl>
-  <dgm:styleLbl name="alignImgPlace1">
-    <dgm:scene3d>
-      <a:camera prst="orthographicFront"/>
-      <a:lightRig rig="threePt" dir="t"/>
-    </dgm:scene3d>
-    <dgm:sp3d/>
-    <dgm:txPr/>
-    <dgm:style>
-      <a:lnRef idx="2">
-        <a:scrgbClr r="0" g="0" b="0"/>
-      </a:lnRef>
-      <a:fillRef idx="1">
-        <a:scrgbClr r="0" g="0" b="0"/>
-      </a:fillRef>
-      <a:effectRef idx="0">
-        <a:scrgbClr r="0" g="0" b="0"/>
-      </a:effectRef>
-      <a:fontRef idx="minor"/>
-    </dgm:style>
-  </dgm:styleLbl>
-  <dgm:styleLbl name="bgImgPlace1">
-    <dgm:scene3d>
-      <a:camera prst="orthographicFront"/>
-      <a:lightRig rig="threePt" dir="t"/>
-    </dgm:scene3d>
-    <dgm:sp3d/>
-    <dgm:txPr/>
-    <dgm:style>
-      <a:lnRef idx="2">
-        <a:scrgbClr r="0" g="0" b="0"/>
-      </a:lnRef>
-      <a:fillRef idx="1">
-        <a:scrgbClr r="0" g="0" b="0"/>
-      </a:fillRef>
-      <a:effectRef idx="0">
-        <a:scrgbClr r="0" g="0" b="0"/>
-      </a:effectRef>
-      <a:fontRef idx="minor"/>
-    </dgm:style>
-  </dgm:styleLbl>
-  <dgm:styleLbl name="sibTrans2D1">
-    <dgm:scene3d>
-      <a:camera prst="orthographicFront"/>
-      <a:lightRig rig="threePt" dir="t"/>
-    </dgm:scene3d>
-    <dgm:sp3d/>
-    <dgm:txPr/>
-    <dgm:style>
-      <a:lnRef idx="0">
-        <a:scrgbClr r="0" g="0" b="0"/>
-      </a:lnRef>
-      <a:fillRef idx="1">
-        <a:scrgbClr r="0" g="0" b="0"/>
-      </a:fillRef>
-      <a:effectRef idx="0">
-        <a:scrgbClr r="0" g="0" b="0"/>
-      </a:effectRef>
-      <a:fontRef idx="minor">
-        <a:schemeClr val="lt1"/>
-      </a:fontRef>
-    </dgm:style>
-  </dgm:styleLbl>
-  <dgm:styleLbl name="fgSibTrans2D1">
-    <dgm:scene3d>
-      <a:camera prst="orthographicFront"/>
-      <a:lightRig rig="threePt" dir="t"/>
-    </dgm:scene3d>
-    <dgm:sp3d/>
-    <dgm:txPr/>
-    <dgm:style>
-      <a:lnRef idx="0">
-        <a:scrgbClr r="0" g="0" b="0"/>
-      </a:lnRef>
-      <a:fillRef idx="1">
-        <a:scrgbClr r="0" g="0" b="0"/>
-      </a:fillRef>
-      <a:effectRef idx="0">
-        <a:scrgbClr r="0" g="0" b="0"/>
-      </a:effectRef>
-      <a:fontRef idx="minor">
-        <a:schemeClr val="lt1"/>
-      </a:fontRef>
-    </dgm:style>
-  </dgm:styleLbl>
-  <dgm:styleLbl name="bgSibTrans2D1">
-    <dgm:scene3d>
-      <a:camera prst="orthographicFront"/>
-      <a:lightRig rig="threePt" dir="t"/>
-    </dgm:scene3d>
-    <dgm:sp3d/>
-    <dgm:txPr/>
-    <dgm:style>
-      <a:lnRef idx="0">
-        <a:scrgbClr r="0" g="0" b="0"/>
-      </a:lnRef>
-      <a:fillRef idx="1">
-        <a:scrgbClr r="0" g="0" b="0"/>
-      </a:fillRef>
-      <a:effectRef idx="0">
-        <a:scrgbClr r="0" g="0" b="0"/>
-      </a:effectRef>
-      <a:fontRef idx="minor">
-        <a:schemeClr val="lt1"/>
-      </a:fontRef>
-    </dgm:style>
-  </dgm:styleLbl>
-  <dgm:styleLbl name="sibTrans1D1">
-    <dgm:scene3d>
-      <a:camera prst="orthographicFront"/>
-      <a:lightRig rig="threePt" dir="t"/>
-    </dgm:scene3d>
-    <dgm:sp3d/>
-    <dgm:txPr/>
-    <dgm:style>
-      <a:lnRef idx="1">
-        <a:scrgbClr r="0" g="0" b="0"/>
-      </a:lnRef>
-      <a:fillRef idx="0">
-        <a:scrgbClr r="0" g="0" b="0"/>
-      </a:fillRef>
-      <a:effectRef idx="0">
-        <a:scrgbClr r="0" g="0" b="0"/>
-      </a:effectRef>
-      <a:fontRef idx="minor"/>
-    </dgm:style>
-  </dgm:styleLbl>
-  <dgm:styleLbl name="callout">
-    <dgm:scene3d>
-      <a:camera prst="orthographicFront"/>
-      <a:lightRig rig="threePt" dir="t"/>
-    </dgm:scene3d>
-    <dgm:sp3d/>
-    <dgm:txPr/>
-    <dgm:style>
-      <a:lnRef idx="2">
-        <a:scrgbClr r="0" g="0" b="0"/>
-      </a:lnRef>
-      <a:fillRef idx="1">
-        <a:scrgbClr r="0" g="0" b="0"/>
-      </a:fillRef>
-      <a:effectRef idx="0">
-        <a:scrgbClr r="0" g="0" b="0"/>
-      </a:effectRef>
-      <a:fontRef idx="minor"/>
-    </dgm:style>
-  </dgm:styleLbl>
-  <dgm:styleLbl name="asst0">
-    <dgm:scene3d>
-      <a:camera prst="orthographicFront"/>
-      <a:lightRig rig="threePt" dir="t"/>
-    </dgm:scene3d>
-    <dgm:sp3d/>
-    <dgm:txPr/>
-    <dgm:style>
-      <a:lnRef idx="2">
-        <a:scrgbClr r="0" g="0" b="0"/>
-      </a:lnRef>
-      <a:fillRef idx="1">
-        <a:scrgbClr r="0" g="0" b="0"/>
-      </a:fillRef>
-      <a:effectRef idx="0">
-        <a:scrgbClr r="0" g="0" b="0"/>
-      </a:effectRef>
-      <a:fontRef idx="minor">
-        <a:schemeClr val="lt1"/>
-      </a:fontRef>
-    </dgm:style>
-  </dgm:styleLbl>
-  <dgm:styleLbl name="asst1">
-    <dgm:scene3d>
-      <a:camera prst="orthographicFront"/>
-      <a:lightRig rig="threePt" dir="t"/>
-    </dgm:scene3d>
-    <dgm:sp3d/>
-    <dgm:txPr/>
-    <dgm:style>
-      <a:lnRef idx="2">
-        <a:scrgbClr r="0" g="0" b="0"/>
-      </a:lnRef>
-      <a:fillRef idx="1">
-        <a:scrgbClr r="0" g="0" b="0"/>
-      </a:fillRef>
-      <a:effectRef idx="0">
-        <a:scrgbClr r="0" g="0" b="0"/>
-      </a:effectRef>
-      <a:fontRef idx="minor">
-        <a:schemeClr val="lt1"/>
-      </a:fontRef>
-    </dgm:style>
-  </dgm:styleLbl>
-  <dgm:styleLbl name="asst2">
-    <dgm:scene3d>
-      <a:camera prst="orthographicFront"/>
-      <a:lightRig rig="threePt" dir="t"/>
-    </dgm:scene3d>
-    <dgm:sp3d/>
-    <dgm:txPr/>
-    <dgm:style>
-      <a:lnRef idx="2">
-        <a:scrgbClr r="0" g="0" b="0"/>
-      </a:lnRef>
-      <a:fillRef idx="1">
-        <a:scrgbClr r="0" g="0" b="0"/>
-      </a:fillRef>
-      <a:effectRef idx="0">
-        <a:scrgbClr r="0" g="0" b="0"/>
-      </a:effectRef>
-      <a:fontRef idx="minor">
-        <a:schemeClr val="lt1"/>
-      </a:fontRef>
-    </dgm:style>
-  </dgm:styleLbl>
-  <dgm:styleLbl name="asst3">
-    <dgm:scene3d>
-      <a:camera prst="orthographicFront"/>
-      <a:lightRig rig="threePt" dir="t"/>
-    </dgm:scene3d>
-    <dgm:sp3d/>
-    <dgm:txPr/>
-    <dgm:style>
-      <a:lnRef idx="2">
-        <a:scrgbClr r="0" g="0" b="0"/>
-      </a:lnRef>
-      <a:fillRef idx="1">
-        <a:scrgbClr r="0" g="0" b="0"/>
-      </a:fillRef>
-      <a:effectRef idx="0">
-        <a:scrgbClr r="0" g="0" b="0"/>
-      </a:effectRef>
-      <a:fontRef idx="minor">
-        <a:schemeClr val="lt1"/>
-      </a:fontRef>
-    </dgm:style>
-  </dgm:styleLbl>
-  <dgm:styleLbl name="asst4">
-    <dgm:scene3d>
-      <a:camera prst="orthographicFront"/>
-      <a:lightRig rig="threePt" dir="t"/>
-    </dgm:scene3d>
-    <dgm:sp3d/>
-    <dgm:txPr/>
-    <dgm:style>
-      <a:lnRef idx="2">
-        <a:scrgbClr r="0" g="0" b="0"/>
-      </a:lnRef>
-      <a:fillRef idx="1">
-        <a:scrgbClr r="0" g="0" b="0"/>
-      </a:fillRef>
-      <a:effectRef idx="0">
-        <a:scrgbClr r="0" g="0" b="0"/>
-      </a:effectRef>
-      <a:fontRef idx="minor">
-        <a:schemeClr val="lt1"/>
-      </a:fontRef>
-    </dgm:style>
-  </dgm:styleLbl>
-  <dgm:styleLbl name="parChTrans2D1">
-    <dgm:scene3d>
-      <a:camera prst="orthographicFront"/>
-      <a:lightRig rig="threePt" dir="t"/>
-    </dgm:scene3d>
-    <dgm:sp3d/>
-    <dgm:txPr/>
-    <dgm:style>
-      <a:lnRef idx="2">
-        <a:scrgbClr r="0" g="0" b="0"/>
-      </a:lnRef>
-      <a:fillRef idx="1">
-        <a:scrgbClr r="0" g="0" b="0"/>
-      </a:fillRef>
-      <a:effectRef idx="0">
-        <a:scrgbClr r="0" g="0" b="0"/>
-      </a:effectRef>
-      <a:fontRef idx="minor">
-        <a:schemeClr val="lt1"/>
-      </a:fontRef>
-    </dgm:style>
-  </dgm:styleLbl>
-  <dgm:styleLbl name="parChTrans2D2">
-    <dgm:scene3d>
-      <a:camera prst="orthographicFront"/>
-      <a:lightRig rig="threePt" dir="t"/>
-    </dgm:scene3d>
-    <dgm:sp3d/>
-    <dgm:txPr/>
-    <dgm:style>
-      <a:lnRef idx="2">
-        <a:scrgbClr r="0" g="0" b="0"/>
-      </a:lnRef>
-      <a:fillRef idx="1">
-        <a:scrgbClr r="0" g="0" b="0"/>
-      </a:fillRef>
-      <a:effectRef idx="0">
-        <a:scrgbClr r="0" g="0" b="0"/>
-      </a:effectRef>
-      <a:fontRef idx="minor">
-        <a:schemeClr val="lt1"/>
-      </a:fontRef>
-    </dgm:style>
-  </dgm:styleLbl>
-  <dgm:styleLbl name="parChTrans2D3">
-    <dgm:scene3d>
-      <a:camera prst="orthographicFront"/>
-      <a:lightRig rig="threePt" dir="t"/>
-    </dgm:scene3d>
-    <dgm:sp3d/>
-    <dgm:txPr/>
-    <dgm:style>
-      <a:lnRef idx="2">
-        <a:scrgbClr r="0" g="0" b="0"/>
-      </a:lnRef>
-      <a:fillRef idx="1">
-        <a:scrgbClr r="0" g="0" b="0"/>
-      </a:fillRef>
-      <a:effectRef idx="0">
-        <a:scrgbClr r="0" g="0" b="0"/>
-      </a:effectRef>
-      <a:fontRef idx="minor">
-        <a:schemeClr val="lt1"/>
-      </a:fontRef>
-    </dgm:style>
-  </dgm:styleLbl>
-  <dgm:styleLbl name="parChTrans2D4">
-    <dgm:scene3d>
-      <a:camera prst="orthographicFront"/>
-      <a:lightRig rig="threePt" dir="t"/>
-    </dgm:scene3d>
-    <dgm:sp3d/>
-    <dgm:txPr/>
-    <dgm:style>
-      <a:lnRef idx="2">
-        <a:scrgbClr r="0" g="0" b="0"/>
-      </a:lnRef>
-      <a:fillRef idx="1">
-        <a:scrgbClr r="0" g="0" b="0"/>
-      </a:fillRef>
-      <a:effectRef idx="0">
-        <a:scrgbClr r="0" g="0" b="0"/>
-      </a:effectRef>
-      <a:fontRef idx="minor">
-        <a:schemeClr val="lt1"/>
-      </a:fontRef>
-    </dgm:style>
-  </dgm:styleLbl>
-  <dgm:styleLbl name="parChTrans1D1">
-    <dgm:scene3d>
-      <a:camera prst="orthographicFront"/>
-      <a:lightRig rig="threePt" dir="t"/>
-    </dgm:scene3d>
-    <dgm:sp3d/>
-    <dgm:txPr/>
-    <dgm:style>
-      <a:lnRef idx="2">
-        <a:scrgbClr r="0" g="0" b="0"/>
-      </a:lnRef>
-      <a:fillRef idx="0">
-        <a:scrgbClr r="0" g="0" b="0"/>
-      </a:fillRef>
-      <a:effectRef idx="0">
-        <a:scrgbClr r="0" g="0" b="0"/>
-      </a:effectRef>
-      <a:fontRef idx="minor"/>
-    </dgm:style>
-  </dgm:styleLbl>
-  <dgm:styleLbl name="parChTrans1D2">
-    <dgm:scene3d>
-      <a:camera prst="orthographicFront"/>
-      <a:lightRig rig="threePt" dir="t"/>
-    </dgm:scene3d>
-    <dgm:sp3d/>
-    <dgm:txPr/>
-    <dgm:style>
-      <a:lnRef idx="2">
-        <a:scrgbClr r="0" g="0" b="0"/>
-      </a:lnRef>
-      <a:fillRef idx="0">
-        <a:scrgbClr r="0" g="0" b="0"/>
-      </a:fillRef>
-      <a:effectRef idx="0">
-        <a:scrgbClr r="0" g="0" b="0"/>
-      </a:effectRef>
-      <a:fontRef idx="minor"/>
-    </dgm:style>
-  </dgm:styleLbl>
-  <dgm:styleLbl name="parChTrans1D3">
-    <dgm:scene3d>
-      <a:camera prst="orthographicFront"/>
-      <a:lightRig rig="threePt" dir="t"/>
-    </dgm:scene3d>
-    <dgm:sp3d/>
-    <dgm:txPr/>
-    <dgm:style>
-      <a:lnRef idx="2">
-        <a:scrgbClr r="0" g="0" b="0"/>
-      </a:lnRef>
-      <a:fillRef idx="0">
-        <a:scrgbClr r="0" g="0" b="0"/>
-      </a:fillRef>
-      <a:effectRef idx="0">
-        <a:scrgbClr r="0" g="0" b="0"/>
-      </a:effectRef>
-      <a:fontRef idx="minor"/>
-    </dgm:style>
-  </dgm:styleLbl>
-  <dgm:styleLbl name="parChTrans1D4">
-    <dgm:scene3d>
-      <a:camera prst="orthographicFront"/>
-      <a:lightRig rig="threePt" dir="t"/>
-    </dgm:scene3d>
-    <dgm:sp3d/>
-    <dgm:txPr/>
-    <dgm:style>
-      <a:lnRef idx="2">
-        <a:scrgbClr r="0" g="0" b="0"/>
-      </a:lnRef>
-      <a:fillRef idx="0">
-        <a:scrgbClr r="0" g="0" b="0"/>
-      </a:fillRef>
-      <a:effectRef idx="0">
-        <a:scrgbClr r="0" g="0" b="0"/>
-      </a:effectRef>
-      <a:fontRef idx="minor"/>
-    </dgm:style>
-  </dgm:styleLbl>
-  <dgm:styleLbl name="fgAcc1">
-    <dgm:scene3d>
-      <a:camera prst="orthographicFront"/>
-      <a:lightRig rig="threePt" dir="t"/>
-    </dgm:scene3d>
-    <dgm:sp3d/>
-    <dgm:txPr/>
-    <dgm:style>
-      <a:lnRef idx="2">
-        <a:scrgbClr r="0" g="0" b="0"/>
-      </a:lnRef>
-      <a:fillRef idx="1">
-        <a:scrgbClr r="0" g="0" b="0"/>
-      </a:fillRef>
-      <a:effectRef idx="0">
-        <a:scrgbClr r="0" g="0" b="0"/>
-      </a:effectRef>
-      <a:fontRef idx="minor"/>
-    </dgm:style>
-  </dgm:styleLbl>
-  <dgm:styleLbl name="conFgAcc1">
-    <dgm:scene3d>
-      <a:camera prst="orthographicFront"/>
-      <a:lightRig rig="threePt" dir="t"/>
-    </dgm:scene3d>
-    <dgm:sp3d/>
-    <dgm:txPr/>
-    <dgm:style>
-      <a:lnRef idx="2">
-        <a:scrgbClr r="0" g="0" b="0"/>
-      </a:lnRef>
-      <a:fillRef idx="1">
-        <a:scrgbClr r="0" g="0" b="0"/>
-      </a:fillRef>
-      <a:effectRef idx="0">
-        <a:scrgbClr r="0" g="0" b="0"/>
-      </a:effectRef>
-      <a:fontRef idx="minor"/>
-    </dgm:style>
-  </dgm:styleLbl>
-  <dgm:styleLbl name="alignAcc1">
-    <dgm:scene3d>
-      <a:camera prst="orthographicFront"/>
-      <a:lightRig rig="threePt" dir="t"/>
-    </dgm:scene3d>
-    <dgm:sp3d/>
-    <dgm:txPr/>
-    <dgm:style>
-      <a:lnRef idx="2">
-        <a:scrgbClr r="0" g="0" b="0"/>
-      </a:lnRef>
-      <a:fillRef idx="1">
-        <a:scrgbClr r="0" g="0" b="0"/>
-      </a:fillRef>
-      <a:effectRef idx="0">
-        <a:scrgbClr r="0" g="0" b="0"/>
-      </a:effectRef>
-      <a:fontRef idx="minor"/>
-    </dgm:style>
-  </dgm:styleLbl>
-  <dgm:styleLbl name="trAlignAcc1">
-    <dgm:scene3d>
-      <a:camera prst="orthographicFront"/>
-      <a:lightRig rig="threePt" dir="t"/>
-    </dgm:scene3d>
-    <dgm:sp3d/>
-    <dgm:txPr/>
-    <dgm:style>
-      <a:lnRef idx="1">
-        <a:scrgbClr r="0" g="0" b="0"/>
-      </a:lnRef>
-      <a:fillRef idx="1">
-        <a:scrgbClr r="0" g="0" b="0"/>
-      </a:fillRef>
-      <a:effectRef idx="0">
-        <a:scrgbClr r="0" g="0" b="0"/>
-      </a:effectRef>
-      <a:fontRef idx="minor"/>
-    </dgm:style>
-  </dgm:styleLbl>
-  <dgm:styleLbl name="bgAcc1">
-    <dgm:scene3d>
-      <a:camera prst="orthographicFront"/>
-      <a:lightRig rig="threePt" dir="t"/>
-    </dgm:scene3d>
-    <dgm:sp3d/>
-    <dgm:txPr/>
-    <dgm:style>
-      <a:lnRef idx="2">
-        <a:scrgbClr r="0" g="0" b="0"/>
-      </a:lnRef>
-      <a:fillRef idx="1">
-        <a:scrgbClr r="0" g="0" b="0"/>
-      </a:fillRef>
-      <a:effectRef idx="0">
-        <a:scrgbClr r="0" g="0" b="0"/>
-      </a:effectRef>
-      <a:fontRef idx="minor"/>
-    </dgm:style>
-  </dgm:styleLbl>
-  <dgm:styleLbl name="solidFgAcc1">
-    <dgm:scene3d>
-      <a:camera prst="orthographicFront"/>
-      <a:lightRig rig="threePt" dir="t"/>
-    </dgm:scene3d>
-    <dgm:sp3d/>
-    <dgm:txPr/>
-    <dgm:style>
-      <a:lnRef idx="2">
-        <a:scrgbClr r="0" g="0" b="0"/>
-      </a:lnRef>
-      <a:fillRef idx="1">
-        <a:scrgbClr r="0" g="0" b="0"/>
-      </a:fillRef>
-      <a:effectRef idx="0">
-        <a:scrgbClr r="0" g="0" b="0"/>
-      </a:effectRef>
-      <a:fontRef idx="minor"/>
-    </dgm:style>
-  </dgm:styleLbl>
-  <dgm:styleLbl name="solidAlignAcc1">
-    <dgm:scene3d>
-      <a:camera prst="orthographicFront"/>
-      <a:lightRig rig="threePt" dir="t"/>
-    </dgm:scene3d>
-    <dgm:sp3d/>
-    <dgm:txPr/>
-    <dgm:style>
-      <a:lnRef idx="2">
-        <a:scrgbClr r="0" g="0" b="0"/>
-      </a:lnRef>
-      <a:fillRef idx="1">
-        <a:scrgbClr r="0" g="0" b="0"/>
-      </a:fillRef>
-      <a:effectRef idx="0">
-        <a:scrgbClr r="0" g="0" b="0"/>
-      </a:effectRef>
-      <a:fontRef idx="minor"/>
-    </dgm:style>
-  </dgm:styleLbl>
-  <dgm:styleLbl name="solidBgAcc1">
-    <dgm:scene3d>
-      <a:camera prst="orthographicFront"/>
-      <a:lightRig rig="threePt" dir="t"/>
-    </dgm:scene3d>
-    <dgm:sp3d/>
-    <dgm:txPr/>
-    <dgm:style>
-      <a:lnRef idx="2">
-        <a:scrgbClr r="0" g="0" b="0"/>
-      </a:lnRef>
-      <a:fillRef idx="1">
-        <a:scrgbClr r="0" g="0" b="0"/>
-      </a:fillRef>
-      <a:effectRef idx="0">
-        <a:scrgbClr r="0" g="0" b="0"/>
-      </a:effectRef>
-      <a:fontRef idx="minor"/>
-    </dgm:style>
-  </dgm:styleLbl>
-  <dgm:styleLbl name="fgAccFollowNode1">
-    <dgm:scene3d>
-      <a:camera prst="orthographicFront"/>
-      <a:lightRig rig="threePt" dir="t"/>
-    </dgm:scene3d>
-    <dgm:sp3d/>
-    <dgm:txPr/>
-    <dgm:style>
-      <a:lnRef idx="2">
-        <a:scrgbClr r="0" g="0" b="0"/>
-      </a:lnRef>
-      <a:fillRef idx="1">
-        <a:scrgbClr r="0" g="0" b="0"/>
-      </a:fillRef>
-      <a:effectRef idx="0">
-        <a:scrgbClr r="0" g="0" b="0"/>
-      </a:effectRef>
-      <a:fontRef idx="minor"/>
-    </dgm:style>
-  </dgm:styleLbl>
-  <dgm:styleLbl name="alignAccFollowNode1">
-    <dgm:scene3d>
-      <a:camera prst="orthographicFront"/>
-      <a:lightRig rig="threePt" dir="t"/>
-    </dgm:scene3d>
-    <dgm:sp3d/>
-    <dgm:txPr/>
-    <dgm:style>
-      <a:lnRef idx="2">
-        <a:scrgbClr r="0" g="0" b="0"/>
-      </a:lnRef>
-      <a:fillRef idx="1">
-        <a:scrgbClr r="0" g="0" b="0"/>
-      </a:fillRef>
-      <a:effectRef idx="0">
-        <a:scrgbClr r="0" g="0" b="0"/>
-      </a:effectRef>
-      <a:fontRef idx="minor"/>
-    </dgm:style>
-  </dgm:styleLbl>
-  <dgm:styleLbl name="bgAccFollowNode1">
-    <dgm:scene3d>
-      <a:camera prst="orthographicFront"/>
-      <a:lightRig rig="threePt" dir="t"/>
-    </dgm:scene3d>
-    <dgm:sp3d/>
-    <dgm:txPr/>
-    <dgm:style>
-      <a:lnRef idx="2">
-        <a:scrgbClr r="0" g="0" b="0"/>
-      </a:lnRef>
-      <a:fillRef idx="1">
-        <a:scrgbClr r="0" g="0" b="0"/>
-      </a:fillRef>
-      <a:effectRef idx="0">
-        <a:scrgbClr r="0" g="0" b="0"/>
-      </a:effectRef>
-      <a:fontRef idx="minor"/>
-    </dgm:style>
-  </dgm:styleLbl>
-  <dgm:styleLbl name="fgAcc0">
-    <dgm:scene3d>
-      <a:camera prst="orthographicFront"/>
-      <a:lightRig rig="threePt" dir="t"/>
-    </dgm:scene3d>
-    <dgm:sp3d/>
-    <dgm:txPr/>
-    <dgm:style>
-      <a:lnRef idx="2">
-        <a:scrgbClr r="0" g="0" b="0"/>
-      </a:lnRef>
-      <a:fillRef idx="1">
-        <a:scrgbClr r="0" g="0" b="0"/>
-      </a:fillRef>
-      <a:effectRef idx="0">
-        <a:scrgbClr r="0" g="0" b="0"/>
-      </a:effectRef>
-      <a:fontRef idx="minor"/>
-    </dgm:style>
-  </dgm:styleLbl>
-  <dgm:styleLbl name="fgAcc2">
-    <dgm:scene3d>
-      <a:camera prst="orthographicFront"/>
-      <a:lightRig rig="threePt" dir="t"/>
-    </dgm:scene3d>
-    <dgm:sp3d/>
-    <dgm:txPr/>
-    <dgm:style>
-      <a:lnRef idx="2">
-        <a:scrgbClr r="0" g="0" b="0"/>
-      </a:lnRef>
-      <a:fillRef idx="1">
-        <a:scrgbClr r="0" g="0" b="0"/>
-      </a:fillRef>
-      <a:effectRef idx="0">
-        <a:scrgbClr r="0" g="0" b="0"/>
-      </a:effectRef>
-      <a:fontRef idx="minor"/>
-    </dgm:style>
-  </dgm:styleLbl>
-  <dgm:styleLbl name="fgAcc3">
-    <dgm:scene3d>
-      <a:camera prst="orthographicFront"/>
-      <a:lightRig rig="threePt" dir="t"/>
-    </dgm:scene3d>
-    <dgm:sp3d/>
-    <dgm:txPr/>
-    <dgm:style>
-      <a:lnRef idx="2">
-        <a:scrgbClr r="0" g="0" b="0"/>
-      </a:lnRef>
-      <a:fillRef idx="1">
-        <a:scrgbClr r="0" g="0" b="0"/>
-      </a:fillRef>
-      <a:effectRef idx="0">
-        <a:scrgbClr r="0" g="0" b="0"/>
-      </a:effectRef>
-      <a:fontRef idx="minor"/>
-    </dgm:style>
-  </dgm:styleLbl>
-  <dgm:styleLbl name="fgAcc4">
-    <dgm:scene3d>
-      <a:camera prst="orthographicFront"/>
-      <a:lightRig rig="threePt" dir="t"/>
-    </dgm:scene3d>
-    <dgm:sp3d/>
-    <dgm:txPr/>
-    <dgm:style>
-      <a:lnRef idx="2">
-        <a:scrgbClr r="0" g="0" b="0"/>
-      </a:lnRef>
-      <a:fillRef idx="1">
-        <a:scrgbClr r="0" g="0" b="0"/>
-      </a:fillRef>
-      <a:effectRef idx="0">
-        <a:scrgbClr r="0" g="0" b="0"/>
-      </a:effectRef>
-      <a:fontRef idx="minor"/>
-    </dgm:style>
-  </dgm:styleLbl>
-  <dgm:styleLbl name="bgShp">
-    <dgm:scene3d>
-      <a:camera prst="orthographicFront"/>
-      <a:lightRig rig="threePt" dir="t"/>
-    </dgm:scene3d>
-    <dgm:sp3d/>
-    <dgm:txPr/>
-    <dgm:style>
-      <a:lnRef idx="0">
-        <a:scrgbClr r="0" g="0" b="0"/>
-      </a:lnRef>
-      <a:fillRef idx="1">
-        <a:scrgbClr r="0" g="0" b="0"/>
-      </a:fillRef>
-      <a:effectRef idx="0">
-        <a:scrgbClr r="0" g="0" b="0"/>
-      </a:effectRef>
-      <a:fontRef idx="minor"/>
-    </dgm:style>
-  </dgm:styleLbl>
-  <dgm:styleLbl name="dkBgShp">
-    <dgm:scene3d>
-      <a:camera prst="orthographicFront"/>
-      <a:lightRig rig="threePt" dir="t"/>
-    </dgm:scene3d>
-    <dgm:sp3d/>
-    <dgm:txPr/>
-    <dgm:style>
-      <a:lnRef idx="0">
-        <a:scrgbClr r="0" g="0" b="0"/>
-      </a:lnRef>
-      <a:fillRef idx="1">
-        <a:scrgbClr r="0" g="0" b="0"/>
-      </a:fillRef>
-      <a:effectRef idx="0">
-        <a:scrgbClr r="0" g="0" b="0"/>
-      </a:effectRef>
-      <a:fontRef idx="minor"/>
-    </dgm:style>
-  </dgm:styleLbl>
-  <dgm:styleLbl name="trBgShp">
-    <dgm:scene3d>
-      <a:camera prst="orthographicFront"/>
-      <a:lightRig rig="threePt" dir="t"/>
-    </dgm:scene3d>
-    <dgm:sp3d/>
-    <dgm:txPr/>
-    <dgm:style>
-      <a:lnRef idx="0">
-        <a:scrgbClr r="0" g="0" b="0"/>
-      </a:lnRef>
-      <a:fillRef idx="1">
-        <a:scrgbClr r="0" g="0" b="0"/>
-      </a:fillRef>
-      <a:effectRef idx="0">
-        <a:scrgbClr r="0" g="0" b="0"/>
-      </a:effectRef>
-      <a:fontRef idx="minor"/>
-    </dgm:style>
-  </dgm:styleLbl>
-  <dgm:styleLbl name="fgShp">
-    <dgm:scene3d>
-      <a:camera prst="orthographicFront"/>
-      <a:lightRig rig="threePt" dir="t"/>
-    </dgm:scene3d>
-    <dgm:sp3d/>
-    <dgm:txPr/>
-    <dgm:style>
-      <a:lnRef idx="2">
-        <a:scrgbClr r="0" g="0" b="0"/>
-      </a:lnRef>
-      <a:fillRef idx="1">
-        <a:scrgbClr r="0" g="0" b="0"/>
-      </a:fillRef>
-      <a:effectRef idx="0">
-        <a:scrgbClr r="0" g="0" b="0"/>
-      </a:effectRef>
-      <a:fontRef idx="minor"/>
-    </dgm:style>
-  </dgm:styleLbl>
-  <dgm:styleLbl name="revTx">
-    <dgm:scene3d>
-      <a:camera prst="orthographicFront"/>
-      <a:lightRig rig="threePt" dir="t"/>
-    </dgm:scene3d>
-    <dgm:sp3d/>
-    <dgm:txPr/>
-    <dgm:style>
-      <a:lnRef idx="0">
-        <a:scrgbClr r="0" g="0" b="0"/>
-      </a:lnRef>
-      <a:fillRef idx="0">
-        <a:scrgbClr r="0" g="0" b="0"/>
-      </a:fillRef>
-      <a:effectRef idx="0">
-        <a:scrgbClr r="0" g="0" b="0"/>
-      </a:effectRef>
-      <a:fontRef idx="minor"/>
-    </dgm:style>
-  </dgm:styleLbl>
-</dgm:styleDef>
-</file>
-
 <file path=ppt/notesMasters/notesMaster1.xml><?xml version="1.0" encoding="utf-8"?>
 <p:notesMaster xmlns:a="http://schemas.openxmlformats.org/drawingml/2006/main" xmlns:r="http://schemas.openxmlformats.org/officeDocument/2006/relationships" xmlns:p="http://schemas.openxmlformats.org/presentationml/2006/main">
   <p:cSld>
@@ -7248,6 +3727,90 @@
     </a:lvl9pPr>
   </p:notesStyle>
 </p:notesMaster>
+</file>
+
+<file path=ppt/notesSlides/notesSlide1.xml><?xml version="1.0" encoding="utf-8"?>
+<p:notes xmlns:a="http://schemas.openxmlformats.org/drawingml/2006/main" xmlns:r="http://schemas.openxmlformats.org/officeDocument/2006/relationships" xmlns:p="http://schemas.openxmlformats.org/presentationml/2006/main">
+  <p:cSld>
+    <p:spTree>
+      <p:nvGrpSpPr>
+        <p:cNvPr id="1" name=""/>
+        <p:cNvGrpSpPr/>
+        <p:nvPr/>
+      </p:nvGrpSpPr>
+      <p:grpSpPr>
+        <a:xfrm>
+          <a:off x="0" y="0"/>
+          <a:ext cx="0" cy="0"/>
+          <a:chOff x="0" y="0"/>
+          <a:chExt cx="0" cy="0"/>
+        </a:xfrm>
+      </p:grpSpPr>
+      <p:sp>
+        <p:nvSpPr>
+          <p:cNvPr id="2" name="Slide Image Placeholder 1"/>
+          <p:cNvSpPr>
+            <a:spLocks noGrp="1" noRot="1" noChangeAspect="1"/>
+          </p:cNvSpPr>
+          <p:nvPr>
+            <p:ph type="sldImg"/>
+          </p:nvPr>
+        </p:nvSpPr>
+        <p:spPr/>
+      </p:sp>
+      <p:sp>
+        <p:nvSpPr>
+          <p:cNvPr id="3" name="Notes Placeholder 2"/>
+          <p:cNvSpPr>
+            <a:spLocks noGrp="1"/>
+          </p:cNvSpPr>
+          <p:nvPr>
+            <p:ph type="body" idx="1"/>
+          </p:nvPr>
+        </p:nvSpPr>
+        <p:spPr/>
+        <p:txBody>
+          <a:bodyPr/>
+          <a:lstStyle/>
+          <a:p>
+            <a:endParaRPr lang="en-US" dirty="0"/>
+          </a:p>
+        </p:txBody>
+      </p:sp>
+      <p:sp>
+        <p:nvSpPr>
+          <p:cNvPr id="4" name="Slide Number Placeholder 3"/>
+          <p:cNvSpPr>
+            <a:spLocks noGrp="1"/>
+          </p:cNvSpPr>
+          <p:nvPr>
+            <p:ph type="sldNum" sz="quarter" idx="5"/>
+          </p:nvPr>
+        </p:nvSpPr>
+        <p:spPr/>
+        <p:txBody>
+          <a:bodyPr/>
+          <a:lstStyle/>
+          <a:p>
+            <a:fld id="{23E63491-AE0B-41C0-8B99-58EBAEC6807D}" type="slidenum">
+              <a:rPr lang="en-US" smtClean="0"/>
+              <a:t>6</a:t>
+            </a:fld>
+            <a:endParaRPr lang="en-US"/>
+          </a:p>
+        </p:txBody>
+      </p:sp>
+    </p:spTree>
+    <p:extLst>
+      <p:ext uri="{BB962C8B-B14F-4D97-AF65-F5344CB8AC3E}">
+        <p14:creationId xmlns:p14="http://schemas.microsoft.com/office/powerpoint/2010/main" val="3289668798"/>
+      </p:ext>
+    </p:extLst>
+  </p:cSld>
+  <p:clrMapOvr>
+    <a:masterClrMapping/>
+  </p:clrMapOvr>
+</p:notes>
 </file>
 
 <file path=ppt/slideLayouts/slideLayout1.xml><?xml version="1.0" encoding="utf-8"?>
@@ -22250,6 +18813,619 @@
 <file path=ppt/slides/slide10.xml><?xml version="1.0" encoding="utf-8"?>
 <p:sld xmlns:a="http://schemas.openxmlformats.org/drawingml/2006/main" xmlns:r="http://schemas.openxmlformats.org/officeDocument/2006/relationships" xmlns:p="http://schemas.openxmlformats.org/presentationml/2006/main">
   <p:cSld>
+    <p:bg>
+      <p:bgPr>
+        <a:solidFill>
+          <a:schemeClr val="bg1"/>
+        </a:solidFill>
+        <a:effectLst/>
+      </p:bgPr>
+    </p:bg>
+    <p:spTree>
+      <p:nvGrpSpPr>
+        <p:cNvPr id="1" name="">
+          <a:extLst>
+            <a:ext uri="{FF2B5EF4-FFF2-40B4-BE49-F238E27FC236}">
+              <a16:creationId xmlns:a16="http://schemas.microsoft.com/office/drawing/2014/main" id="{5D1DF203-3A1F-52BD-4AA2-CC48D658AB8E}"/>
+            </a:ext>
+          </a:extLst>
+        </p:cNvPr>
+        <p:cNvGrpSpPr/>
+        <p:nvPr/>
+      </p:nvGrpSpPr>
+      <p:grpSpPr>
+        <a:xfrm>
+          <a:off x="0" y="0"/>
+          <a:ext cx="0" cy="0"/>
+          <a:chOff x="0" y="0"/>
+          <a:chExt cx="0" cy="0"/>
+        </a:xfrm>
+      </p:grpSpPr>
+      <p:sp useBgFill="1">
+        <p:nvSpPr>
+          <p:cNvPr id="21" name="Rectangle 20">
+            <a:extLst>
+              <a:ext uri="{FF2B5EF4-FFF2-40B4-BE49-F238E27FC236}">
+                <a16:creationId xmlns:a16="http://schemas.microsoft.com/office/drawing/2014/main" id="{7D7F22AC-66E9-85EE-A6C2-7EBA52C7B9A0}"/>
+              </a:ext>
+              <a:ext uri="{C183D7F6-B498-43B3-948B-1728B52AA6E4}">
+                <adec:decorative xmlns:adec="http://schemas.microsoft.com/office/drawing/2017/decorative" val="1"/>
+              </a:ext>
+            </a:extLst>
+          </p:cNvPr>
+          <p:cNvSpPr>
+            <a:spLocks noGrp="1" noRot="1" noChangeAspect="1" noMove="1" noResize="1" noEditPoints="1" noAdjustHandles="1" noChangeArrowheads="1" noChangeShapeType="1" noTextEdit="1"/>
+          </p:cNvSpPr>
+          <p:nvPr>
+            <p:extLst>
+              <p:ext uri="{386F3935-93C4-4BCD-93E2-E3B085C9AB24}">
+                <p16:designElem xmlns:p16="http://schemas.microsoft.com/office/powerpoint/2015/main" val="1"/>
+              </p:ext>
+            </p:extLst>
+          </p:nvPr>
+        </p:nvSpPr>
+        <p:spPr>
+          <a:xfrm>
+            <a:off x="0" y="0"/>
+            <a:ext cx="12192000" cy="6858000"/>
+          </a:xfrm>
+          <a:prstGeom prst="rect">
+            <a:avLst/>
+          </a:prstGeom>
+          <a:ln>
+            <a:noFill/>
+          </a:ln>
+        </p:spPr>
+        <p:style>
+          <a:lnRef idx="2">
+            <a:schemeClr val="accent1">
+              <a:shade val="50000"/>
+            </a:schemeClr>
+          </a:lnRef>
+          <a:fillRef idx="1">
+            <a:schemeClr val="accent1"/>
+          </a:fillRef>
+          <a:effectRef idx="0">
+            <a:schemeClr val="accent1"/>
+          </a:effectRef>
+          <a:fontRef idx="minor">
+            <a:schemeClr val="lt1"/>
+          </a:fontRef>
+        </p:style>
+        <p:txBody>
+          <a:bodyPr rtlCol="0" anchor="ctr"/>
+          <a:lstStyle/>
+          <a:p>
+            <a:pPr algn="ctr"/>
+            <a:endParaRPr lang="en-US"/>
+          </a:p>
+        </p:txBody>
+      </p:sp>
+      <p:sp useBgFill="1">
+        <p:nvSpPr>
+          <p:cNvPr id="22" name="Rectangle 21">
+            <a:extLst>
+              <a:ext uri="{FF2B5EF4-FFF2-40B4-BE49-F238E27FC236}">
+                <a16:creationId xmlns:a16="http://schemas.microsoft.com/office/drawing/2014/main" id="{C0C0CFC6-85AB-6D9E-255D-8CF6D35881E0}"/>
+              </a:ext>
+              <a:ext uri="{C183D7F6-B498-43B3-948B-1728B52AA6E4}">
+                <adec:decorative xmlns:adec="http://schemas.microsoft.com/office/drawing/2017/decorative" val="1"/>
+              </a:ext>
+            </a:extLst>
+          </p:cNvPr>
+          <p:cNvSpPr>
+            <a:spLocks noGrp="1" noRot="1" noChangeAspect="1" noMove="1" noResize="1" noEditPoints="1" noAdjustHandles="1" noChangeArrowheads="1" noChangeShapeType="1" noTextEdit="1"/>
+          </p:cNvSpPr>
+          <p:nvPr>
+            <p:extLst>
+              <p:ext uri="{386F3935-93C4-4BCD-93E2-E3B085C9AB24}">
+                <p16:designElem xmlns:p16="http://schemas.microsoft.com/office/powerpoint/2015/main" val="1"/>
+              </p:ext>
+            </p:extLst>
+          </p:nvPr>
+        </p:nvSpPr>
+        <p:spPr>
+          <a:xfrm>
+            <a:off x="558209" y="0"/>
+            <a:ext cx="11167447" cy="2018806"/>
+          </a:xfrm>
+          <a:prstGeom prst="rect">
+            <a:avLst/>
+          </a:prstGeom>
+          <a:ln w="9525">
+            <a:solidFill>
+              <a:srgbClr val="E1E1E1"/>
+            </a:solidFill>
+          </a:ln>
+          <a:effectLst>
+            <a:outerShdw blurRad="50800" dist="38100" dir="2700000" algn="tl" rotWithShape="0">
+              <a:schemeClr val="bg1">
+                <a:lumMod val="85000"/>
+                <a:alpha val="50000"/>
+              </a:schemeClr>
+            </a:outerShdw>
+          </a:effectLst>
+        </p:spPr>
+        <p:style>
+          <a:lnRef idx="2">
+            <a:schemeClr val="accent1">
+              <a:shade val="50000"/>
+            </a:schemeClr>
+          </a:lnRef>
+          <a:fillRef idx="1">
+            <a:schemeClr val="accent1"/>
+          </a:fillRef>
+          <a:effectRef idx="0">
+            <a:schemeClr val="accent1"/>
+          </a:effectRef>
+          <a:fontRef idx="minor">
+            <a:schemeClr val="lt1"/>
+          </a:fontRef>
+        </p:style>
+        <p:txBody>
+          <a:bodyPr rtlCol="0" anchor="ctr"/>
+          <a:lstStyle/>
+          <a:p>
+            <a:pPr marL="0" marR="0" lvl="0" indent="0" algn="ctr" defTabSz="914400" rtl="0" eaLnBrk="1" fontAlgn="auto" latinLnBrk="0" hangingPunct="1">
+              <a:lnSpc>
+                <a:spcPct val="100000"/>
+              </a:lnSpc>
+              <a:spcBef>
+                <a:spcPts val="0"/>
+              </a:spcBef>
+              <a:spcAft>
+                <a:spcPts val="0"/>
+              </a:spcAft>
+              <a:buClrTx/>
+              <a:buSzTx/>
+              <a:buFontTx/>
+              <a:buNone/>
+              <a:tabLst/>
+              <a:defRPr/>
+            </a:pPr>
+            <a:endParaRPr kumimoji="0" lang="en-US" sz="1800" b="0" i="0" u="none" strike="noStrike" kern="1200" cap="none" spc="0" normalizeH="0" baseline="0" noProof="0">
+              <a:ln>
+                <a:noFill/>
+              </a:ln>
+              <a:solidFill>
+                <a:prstClr val="white"/>
+              </a:solidFill>
+              <a:effectLst/>
+              <a:uLnTx/>
+              <a:uFillTx/>
+              <a:latin typeface="Calibri" panose="020F0502020204030204"/>
+              <a:ea typeface="+mn-ea"/>
+              <a:cs typeface="+mn-cs"/>
+            </a:endParaRPr>
+          </a:p>
+        </p:txBody>
+      </p:sp>
+      <p:sp useBgFill="1">
+        <p:nvSpPr>
+          <p:cNvPr id="23" name="Rectangle 22">
+            <a:extLst>
+              <a:ext uri="{FF2B5EF4-FFF2-40B4-BE49-F238E27FC236}">
+                <a16:creationId xmlns:a16="http://schemas.microsoft.com/office/drawing/2014/main" id="{713BFBCA-BE53-5125-F235-88E7642628FE}"/>
+              </a:ext>
+              <a:ext uri="{C183D7F6-B498-43B3-948B-1728B52AA6E4}">
+                <adec:decorative xmlns:adec="http://schemas.microsoft.com/office/drawing/2017/decorative" val="1"/>
+              </a:ext>
+            </a:extLst>
+          </p:cNvPr>
+          <p:cNvSpPr>
+            <a:spLocks noGrp="1" noRot="1" noChangeAspect="1" noMove="1" noResize="1" noEditPoints="1" noAdjustHandles="1" noChangeArrowheads="1" noChangeShapeType="1" noTextEdit="1"/>
+          </p:cNvSpPr>
+          <p:nvPr>
+            <p:extLst>
+              <p:ext uri="{386F3935-93C4-4BCD-93E2-E3B085C9AB24}">
+                <p16:designElem xmlns:p16="http://schemas.microsoft.com/office/powerpoint/2015/main" val="1"/>
+              </p:ext>
+            </p:extLst>
+          </p:nvPr>
+        </p:nvSpPr>
+        <p:spPr>
+          <a:xfrm>
+            <a:off x="566928" y="0"/>
+            <a:ext cx="11155680" cy="2011680"/>
+          </a:xfrm>
+          <a:prstGeom prst="rect">
+            <a:avLst/>
+          </a:prstGeom>
+          <a:ln w="9525">
+            <a:noFill/>
+          </a:ln>
+          <a:effectLst/>
+        </p:spPr>
+        <p:style>
+          <a:lnRef idx="2">
+            <a:schemeClr val="accent1">
+              <a:shade val="50000"/>
+            </a:schemeClr>
+          </a:lnRef>
+          <a:fillRef idx="1">
+            <a:schemeClr val="accent1"/>
+          </a:fillRef>
+          <a:effectRef idx="0">
+            <a:schemeClr val="accent1"/>
+          </a:effectRef>
+          <a:fontRef idx="minor">
+            <a:schemeClr val="lt1"/>
+          </a:fontRef>
+        </p:style>
+        <p:txBody>
+          <a:bodyPr rtlCol="0" anchor="ctr"/>
+          <a:lstStyle/>
+          <a:p>
+            <a:pPr marL="0" marR="0" lvl="0" indent="0" algn="ctr" defTabSz="914400" rtl="0" eaLnBrk="1" fontAlgn="auto" latinLnBrk="0" hangingPunct="1">
+              <a:lnSpc>
+                <a:spcPct val="100000"/>
+              </a:lnSpc>
+              <a:spcBef>
+                <a:spcPts val="0"/>
+              </a:spcBef>
+              <a:spcAft>
+                <a:spcPts val="0"/>
+              </a:spcAft>
+              <a:buClrTx/>
+              <a:buSzTx/>
+              <a:buFontTx/>
+              <a:buNone/>
+              <a:tabLst/>
+              <a:defRPr/>
+            </a:pPr>
+            <a:endParaRPr kumimoji="0" lang="en-US" sz="1800" b="0" i="0" u="none" strike="noStrike" kern="1200" cap="none" spc="0" normalizeH="0" baseline="0" noProof="0">
+              <a:ln>
+                <a:noFill/>
+              </a:ln>
+              <a:solidFill>
+                <a:prstClr val="white"/>
+              </a:solidFill>
+              <a:effectLst/>
+              <a:uLnTx/>
+              <a:uFillTx/>
+              <a:latin typeface="Calibri" panose="020F0502020204030204"/>
+              <a:ea typeface="+mn-ea"/>
+              <a:cs typeface="+mn-cs"/>
+            </a:endParaRPr>
+          </a:p>
+        </p:txBody>
+      </p:sp>
+      <p:sp>
+        <p:nvSpPr>
+          <p:cNvPr id="3" name="Title 2">
+            <a:extLst>
+              <a:ext uri="{FF2B5EF4-FFF2-40B4-BE49-F238E27FC236}">
+                <a16:creationId xmlns:a16="http://schemas.microsoft.com/office/drawing/2014/main" id="{91601202-5C10-5838-DE95-334786873625}"/>
+              </a:ext>
+            </a:extLst>
+          </p:cNvPr>
+          <p:cNvSpPr>
+            <a:spLocks noGrp="1"/>
+          </p:cNvSpPr>
+          <p:nvPr>
+            <p:ph type="ctrTitle"/>
+          </p:nvPr>
+        </p:nvSpPr>
+        <p:spPr>
+          <a:xfrm>
+            <a:off x="1115568" y="548640"/>
+            <a:ext cx="10168128" cy="1179576"/>
+          </a:xfrm>
+        </p:spPr>
+        <p:txBody>
+          <a:bodyPr vert="horz" lIns="91440" tIns="45720" rIns="91440" bIns="45720" rtlCol="0" anchor="ctr">
+            <a:normAutofit/>
+          </a:bodyPr>
+          <a:lstStyle/>
+          <a:p>
+            <a:r>
+              <a:rPr lang="en-US" kern="1200" dirty="0" err="1">
+                <a:solidFill>
+                  <a:schemeClr val="tx1"/>
+                </a:solidFill>
+                <a:latin typeface="+mj-lt"/>
+                <a:ea typeface="+mj-ea"/>
+                <a:cs typeface="+mj-cs"/>
+              </a:rPr>
+              <a:t>PowerBI</a:t>
+            </a:r>
+            <a:r>
+              <a:rPr lang="en-US" kern="1200" dirty="0">
+                <a:solidFill>
+                  <a:schemeClr val="tx1"/>
+                </a:solidFill>
+                <a:latin typeface="+mj-lt"/>
+                <a:ea typeface="+mj-ea"/>
+                <a:cs typeface="+mj-cs"/>
+              </a:rPr>
+              <a:t> Insights</a:t>
+            </a:r>
+          </a:p>
+        </p:txBody>
+      </p:sp>
+      <p:sp>
+        <p:nvSpPr>
+          <p:cNvPr id="20" name="Rectangle 19">
+            <a:extLst>
+              <a:ext uri="{FF2B5EF4-FFF2-40B4-BE49-F238E27FC236}">
+                <a16:creationId xmlns:a16="http://schemas.microsoft.com/office/drawing/2014/main" id="{ECB59F04-D10D-852E-26BA-BB0727B4052D}"/>
+              </a:ext>
+              <a:ext uri="{C183D7F6-B498-43B3-948B-1728B52AA6E4}">
+                <adec:decorative xmlns:adec="http://schemas.microsoft.com/office/drawing/2017/decorative" val="1"/>
+              </a:ext>
+            </a:extLst>
+          </p:cNvPr>
+          <p:cNvSpPr>
+            <a:spLocks noGrp="1" noRot="1" noChangeAspect="1" noMove="1" noResize="1" noEditPoints="1" noAdjustHandles="1" noChangeArrowheads="1" noChangeShapeType="1" noTextEdit="1"/>
+          </p:cNvSpPr>
+          <p:nvPr>
+            <p:extLst>
+              <p:ext uri="{386F3935-93C4-4BCD-93E2-E3B085C9AB24}">
+                <p16:designElem xmlns:p16="http://schemas.microsoft.com/office/powerpoint/2015/main" val="1"/>
+              </p:ext>
+            </p:extLst>
+          </p:nvPr>
+        </p:nvSpPr>
+        <p:spPr>
+          <a:xfrm>
+            <a:off x="498834" y="758952"/>
+            <a:ext cx="128016" cy="704088"/>
+          </a:xfrm>
+          <a:prstGeom prst="rect">
+            <a:avLst/>
+          </a:prstGeom>
+          <a:solidFill>
+            <a:schemeClr val="accent2"/>
+          </a:solidFill>
+          <a:ln>
+            <a:noFill/>
+          </a:ln>
+        </p:spPr>
+        <p:style>
+          <a:lnRef idx="2">
+            <a:schemeClr val="accent1">
+              <a:shade val="50000"/>
+            </a:schemeClr>
+          </a:lnRef>
+          <a:fillRef idx="1">
+            <a:schemeClr val="accent1"/>
+          </a:fillRef>
+          <a:effectRef idx="0">
+            <a:schemeClr val="accent1"/>
+          </a:effectRef>
+          <a:fontRef idx="minor">
+            <a:schemeClr val="lt1"/>
+          </a:fontRef>
+        </p:style>
+        <p:txBody>
+          <a:bodyPr rtlCol="0" anchor="ctr"/>
+          <a:lstStyle/>
+          <a:p>
+            <a:pPr algn="ctr"/>
+            <a:endParaRPr lang="en-US">
+              <a:solidFill>
+                <a:prstClr val="white"/>
+              </a:solidFill>
+              <a:latin typeface="Calibri" panose="020F0502020204030204"/>
+            </a:endParaRPr>
+          </a:p>
+        </p:txBody>
+      </p:sp>
+      <p:pic>
+        <p:nvPicPr>
+          <p:cNvPr id="5" name="Picture 4" descr="A screenshot of a computer&#10;&#10;Description automatically generated">
+            <a:extLst>
+              <a:ext uri="{FF2B5EF4-FFF2-40B4-BE49-F238E27FC236}">
+                <a16:creationId xmlns:a16="http://schemas.microsoft.com/office/drawing/2014/main" id="{8C4033EC-D9A4-61B8-5D49-8498E951031D}"/>
+              </a:ext>
+            </a:extLst>
+          </p:cNvPr>
+          <p:cNvPicPr>
+            <a:picLocks noChangeAspect="1"/>
+          </p:cNvPicPr>
+          <p:nvPr/>
+        </p:nvPicPr>
+        <p:blipFill>
+          <a:blip r:embed="rId2">
+            <a:extLst>
+              <a:ext uri="{28A0092B-C50C-407E-A947-70E740481C1C}">
+                <a14:useLocalDpi xmlns:a14="http://schemas.microsoft.com/office/drawing/2010/main" val="0"/>
+              </a:ext>
+            </a:extLst>
+          </a:blip>
+          <a:stretch>
+            <a:fillRect/>
+          </a:stretch>
+        </p:blipFill>
+        <p:spPr>
+          <a:xfrm>
+            <a:off x="3989341" y="2188924"/>
+            <a:ext cx="8202660" cy="4669076"/>
+          </a:xfrm>
+          <a:prstGeom prst="rect">
+            <a:avLst/>
+          </a:prstGeom>
+        </p:spPr>
+      </p:pic>
+      <p:sp>
+        <p:nvSpPr>
+          <p:cNvPr id="6" name="TextBox 5">
+            <a:extLst>
+              <a:ext uri="{FF2B5EF4-FFF2-40B4-BE49-F238E27FC236}">
+                <a16:creationId xmlns:a16="http://schemas.microsoft.com/office/drawing/2014/main" id="{DFA1DC9F-07E9-1580-18A6-4F1400E7DD62}"/>
+              </a:ext>
+            </a:extLst>
+          </p:cNvPr>
+          <p:cNvSpPr txBox="1"/>
+          <p:nvPr/>
+        </p:nvSpPr>
+        <p:spPr>
+          <a:xfrm>
+            <a:off x="469392" y="2560320"/>
+            <a:ext cx="3050556" cy="3749040"/>
+          </a:xfrm>
+          <a:prstGeom prst="rect">
+            <a:avLst/>
+          </a:prstGeom>
+        </p:spPr>
+        <p:txBody>
+          <a:bodyPr vert="horz" lIns="91440" tIns="45720" rIns="91440" bIns="45720" rtlCol="0">
+            <a:normAutofit/>
+          </a:bodyPr>
+          <a:lstStyle/>
+          <a:p>
+            <a:pPr>
+              <a:lnSpc>
+                <a:spcPct val="90000"/>
+              </a:lnSpc>
+              <a:spcAft>
+                <a:spcPts val="600"/>
+              </a:spcAft>
+            </a:pPr>
+            <a:r>
+              <a:rPr lang="en-US" sz="2200" i="1" dirty="0"/>
+              <a:t>Comments</a:t>
+            </a:r>
+            <a:r>
+              <a:rPr lang="en-US" sz="2200" dirty="0"/>
+              <a:t>:</a:t>
+            </a:r>
+          </a:p>
+          <a:p>
+            <a:pPr>
+              <a:lnSpc>
+                <a:spcPct val="90000"/>
+              </a:lnSpc>
+              <a:spcAft>
+                <a:spcPts val="600"/>
+              </a:spcAft>
+            </a:pPr>
+            <a:endParaRPr lang="en-US" sz="2200" dirty="0"/>
+          </a:p>
+          <a:p>
+            <a:pPr marL="342900" indent="-342900">
+              <a:lnSpc>
+                <a:spcPct val="90000"/>
+              </a:lnSpc>
+              <a:spcAft>
+                <a:spcPts val="600"/>
+              </a:spcAft>
+              <a:buFont typeface="Arial" panose="020B0604020202020204" pitchFamily="34" charset="0"/>
+              <a:buChar char="•"/>
+            </a:pPr>
+            <a:r>
+              <a:rPr lang="en-US" sz="2000" dirty="0"/>
+              <a:t>Dashboards for a comprehensive analysis</a:t>
+            </a:r>
+          </a:p>
+          <a:p>
+            <a:pPr marL="342900" indent="-342900">
+              <a:lnSpc>
+                <a:spcPct val="90000"/>
+              </a:lnSpc>
+              <a:spcAft>
+                <a:spcPts val="600"/>
+              </a:spcAft>
+              <a:buFont typeface="Arial" panose="020B0604020202020204" pitchFamily="34" charset="0"/>
+              <a:buChar char="•"/>
+            </a:pPr>
+            <a:r>
+              <a:rPr lang="en-US" sz="2000" dirty="0"/>
+              <a:t>Slicers usage for customized results</a:t>
+            </a:r>
+          </a:p>
+          <a:p>
+            <a:pPr marL="342900" indent="-342900">
+              <a:lnSpc>
+                <a:spcPct val="90000"/>
+              </a:lnSpc>
+              <a:spcAft>
+                <a:spcPts val="600"/>
+              </a:spcAft>
+              <a:buFont typeface="Arial" panose="020B0604020202020204" pitchFamily="34" charset="0"/>
+              <a:buChar char="•"/>
+            </a:pPr>
+            <a:r>
+              <a:rPr lang="en-US" sz="2000" dirty="0"/>
+              <a:t>Cards to portray key analytics </a:t>
+            </a:r>
+          </a:p>
+          <a:p>
+            <a:pPr marL="342900" indent="-342900">
+              <a:lnSpc>
+                <a:spcPct val="90000"/>
+              </a:lnSpc>
+              <a:spcAft>
+                <a:spcPts val="600"/>
+              </a:spcAft>
+              <a:buFont typeface="Arial" panose="020B0604020202020204" pitchFamily="34" charset="0"/>
+              <a:buChar char="•"/>
+            </a:pPr>
+            <a:r>
+              <a:rPr lang="en-US" sz="2000" dirty="0"/>
+              <a:t>Variety on Visual Reports</a:t>
+            </a:r>
+          </a:p>
+          <a:p>
+            <a:pPr marL="342900" indent="-342900">
+              <a:lnSpc>
+                <a:spcPct val="90000"/>
+              </a:lnSpc>
+              <a:spcAft>
+                <a:spcPts val="600"/>
+              </a:spcAft>
+              <a:buFont typeface="Arial" panose="020B0604020202020204" pitchFamily="34" charset="0"/>
+              <a:buChar char="•"/>
+            </a:pPr>
+            <a:endParaRPr lang="en-US" sz="2000" dirty="0"/>
+          </a:p>
+          <a:p>
+            <a:pPr marL="514350" indent="-228600">
+              <a:lnSpc>
+                <a:spcPct val="90000"/>
+              </a:lnSpc>
+              <a:spcAft>
+                <a:spcPts val="600"/>
+              </a:spcAft>
+              <a:buFont typeface="Arial" panose="020B0604020202020204" pitchFamily="34" charset="0"/>
+              <a:buChar char="•"/>
+            </a:pPr>
+            <a:endParaRPr lang="en-US" sz="2200" dirty="0"/>
+          </a:p>
+          <a:p>
+            <a:pPr indent="-228600">
+              <a:lnSpc>
+                <a:spcPct val="90000"/>
+              </a:lnSpc>
+              <a:spcAft>
+                <a:spcPts val="600"/>
+              </a:spcAft>
+              <a:buFont typeface="Arial" panose="020B0604020202020204" pitchFamily="34" charset="0"/>
+              <a:buChar char="•"/>
+            </a:pPr>
+            <a:endParaRPr lang="en-US" sz="2200" dirty="0"/>
+          </a:p>
+        </p:txBody>
+      </p:sp>
+    </p:spTree>
+    <p:extLst>
+      <p:ext uri="{BB962C8B-B14F-4D97-AF65-F5344CB8AC3E}">
+        <p14:creationId xmlns:p14="http://schemas.microsoft.com/office/powerpoint/2010/main" val="4130244948"/>
+      </p:ext>
+    </p:extLst>
+  </p:cSld>
+  <p:clrMapOvr>
+    <a:masterClrMapping/>
+  </p:clrMapOvr>
+  <p:transition spd="slow">
+    <p:wipe/>
+  </p:transition>
+</p:sld>
+</file>
+
+<file path=ppt/slides/slide11.xml><?xml version="1.0" encoding="utf-8"?>
+<p:sld xmlns:a="http://schemas.openxmlformats.org/drawingml/2006/main" xmlns:r="http://schemas.openxmlformats.org/officeDocument/2006/relationships" xmlns:p="http://schemas.openxmlformats.org/presentationml/2006/main">
+  <p:cSld>
     <p:spTree>
       <p:nvGrpSpPr>
         <p:cNvPr id="1" name="">
@@ -22370,7 +19546,7 @@
 </p:sld>
 </file>
 
-<file path=ppt/slides/slide11.xml><?xml version="1.0" encoding="utf-8"?>
+<file path=ppt/slides/slide12.xml><?xml version="1.0" encoding="utf-8"?>
 <p:sld xmlns:a="http://schemas.openxmlformats.org/drawingml/2006/main" xmlns:r="http://schemas.openxmlformats.org/officeDocument/2006/relationships" xmlns:p="http://schemas.openxmlformats.org/presentationml/2006/main">
   <p:cSld>
     <p:bg>
@@ -22877,7 +20053,7 @@
 </p:sld>
 </file>
 
-<file path=ppt/slides/slide12.xml><?xml version="1.0" encoding="utf-8"?>
+<file path=ppt/slides/slide13.xml><?xml version="1.0" encoding="utf-8"?>
 <p:sld xmlns:a="http://schemas.openxmlformats.org/drawingml/2006/main" xmlns:r="http://schemas.openxmlformats.org/officeDocument/2006/relationships" xmlns:p="http://schemas.openxmlformats.org/presentationml/2006/main">
   <p:cSld>
     <p:bg>
@@ -23367,7 +20543,7 @@
 </p:sld>
 </file>
 
-<file path=ppt/slides/slide13.xml><?xml version="1.0" encoding="utf-8"?>
+<file path=ppt/slides/slide14.xml><?xml version="1.0" encoding="utf-8"?>
 <p:sld xmlns:a="http://schemas.openxmlformats.org/drawingml/2006/main" xmlns:r="http://schemas.openxmlformats.org/officeDocument/2006/relationships" xmlns:p="http://schemas.openxmlformats.org/presentationml/2006/main">
   <p:cSld>
     <p:bg>
@@ -23487,7 +20663,7 @@
           <a:lstStyle/>
           <a:p>
             <a:r>
-              <a:rPr lang="en-US" sz="4800">
+              <a:rPr lang="en-US" sz="4800" dirty="0">
                 <a:solidFill>
                   <a:schemeClr val="tx1"/>
                 </a:solidFill>
@@ -23748,7 +20924,7 @@
           </a:bodyPr>
           <a:lstStyle/>
           <a:p>
-            <a:endParaRPr lang="en-US" sz="2200"/>
+            <a:endParaRPr lang="en-US" sz="2200" dirty="0"/>
           </a:p>
         </p:txBody>
       </p:sp>
@@ -23842,7 +21018,7 @@
 </p:sld>
 </file>
 
-<file path=ppt/slides/slide14.xml><?xml version="1.0" encoding="utf-8"?>
+<file path=ppt/slides/slide15.xml><?xml version="1.0" encoding="utf-8"?>
 <p:sld xmlns:a="http://schemas.openxmlformats.org/drawingml/2006/main" xmlns:r="http://schemas.openxmlformats.org/officeDocument/2006/relationships" xmlns:p="http://schemas.openxmlformats.org/presentationml/2006/main">
   <p:cSld>
     <p:bg>
@@ -23955,7 +21131,7 @@
           </a:bodyPr>
           <a:lstStyle/>
           <a:p>
-            <a:endParaRPr lang="en-US" sz="3400" kern="1200">
+            <a:endParaRPr lang="en-US" sz="3400" kern="1200" dirty="0">
               <a:solidFill>
                 <a:schemeClr val="tx1"/>
               </a:solidFill>
@@ -24195,7 +21371,7 @@
 </p:sld>
 </file>
 
-<file path=ppt/slides/slide15.xml><?xml version="1.0" encoding="utf-8"?>
+<file path=ppt/slides/slide16.xml><?xml version="1.0" encoding="utf-8"?>
 <p:sld xmlns:a="http://schemas.openxmlformats.org/drawingml/2006/main" xmlns:r="http://schemas.openxmlformats.org/officeDocument/2006/relationships" xmlns:p="http://schemas.openxmlformats.org/presentationml/2006/main">
   <p:cSld>
     <p:bg>
@@ -24671,7 +21847,7 @@
 </p:sld>
 </file>
 
-<file path=ppt/slides/slide16.xml><?xml version="1.0" encoding="utf-8"?>
+<file path=ppt/slides/slide17.xml><?xml version="1.0" encoding="utf-8"?>
 <p:sld xmlns:a="http://schemas.openxmlformats.org/drawingml/2006/main" xmlns:r="http://schemas.openxmlformats.org/officeDocument/2006/relationships" xmlns:p="http://schemas.openxmlformats.org/presentationml/2006/main">
   <p:cSld>
     <p:bg>
@@ -25142,7 +22318,7 @@
 </p:sld>
 </file>
 
-<file path=ppt/slides/slide17.xml><?xml version="1.0" encoding="utf-8"?>
+<file path=ppt/slides/slide18.xml><?xml version="1.0" encoding="utf-8"?>
 <p:sld xmlns:a="http://schemas.openxmlformats.org/drawingml/2006/main" xmlns:r="http://schemas.openxmlformats.org/officeDocument/2006/relationships" xmlns:p="http://schemas.openxmlformats.org/presentationml/2006/main">
   <p:cSld>
     <p:bg>
@@ -25651,7 +22827,7 @@
           <a:lstStyle/>
           <a:p>
             <a:r>
-              <a:rPr lang="en-US" sz="2200" dirty="0">
+              <a:rPr lang="en-US" sz="2200" u="sng" dirty="0">
                 <a:solidFill>
                   <a:srgbClr val="FFFFFF"/>
                 </a:solidFill>
@@ -25698,87 +22874,6 @@
               </a:rPr>
               <a:t>Nikos Antoniou</a:t>
             </a:r>
-          </a:p>
-        </p:txBody>
-      </p:sp>
-      <p:sp>
-        <p:nvSpPr>
-          <p:cNvPr id="6" name="TextBox 5">
-            <a:extLst>
-              <a:ext uri="{FF2B5EF4-FFF2-40B4-BE49-F238E27FC236}">
-                <a16:creationId xmlns:a16="http://schemas.microsoft.com/office/drawing/2014/main" id="{5F600E29-9CC7-2EA8-1105-FBDBCCC62D81}"/>
-              </a:ext>
-            </a:extLst>
-          </p:cNvPr>
-          <p:cNvSpPr txBox="1"/>
-          <p:nvPr/>
-        </p:nvSpPr>
-        <p:spPr>
-          <a:xfrm>
-            <a:off x="9759924" y="6657945"/>
-            <a:ext cx="2432076" cy="200055"/>
-          </a:xfrm>
-          <a:prstGeom prst="rect">
-            <a:avLst/>
-          </a:prstGeom>
-          <a:solidFill>
-            <a:srgbClr val="000000"/>
-          </a:solidFill>
-        </p:spPr>
-        <p:txBody>
-          <a:bodyPr wrap="none" rtlCol="0">
-            <a:spAutoFit/>
-          </a:bodyPr>
-          <a:lstStyle/>
-          <a:p>
-            <a:pPr algn="r">
-              <a:spcAft>
-                <a:spcPts val="600"/>
-              </a:spcAft>
-            </a:pPr>
-            <a:r>
-              <a:rPr lang="en-GR" sz="700">
-                <a:solidFill>
-                  <a:srgbClr val="FFFFFF"/>
-                </a:solidFill>
-                <a:hlinkClick r:id="rId4" tooltip="https://iabac.org/blog/exploring-real-world-applications-of-machine-learning-in-data-science">
-                  <a:extLst>
-                    <a:ext uri="{A12FA001-AC4F-418D-AE19-62706E023703}">
-                      <ahyp:hlinkClr xmlns:ahyp="http://schemas.microsoft.com/office/drawing/2018/hyperlinkcolor" val="tx"/>
-                    </a:ext>
-                  </a:extLst>
-                </a:hlinkClick>
-              </a:rPr>
-              <a:t>This Photo</a:t>
-            </a:r>
-            <a:r>
-              <a:rPr lang="en-GR" sz="700">
-                <a:solidFill>
-                  <a:srgbClr val="FFFFFF"/>
-                </a:solidFill>
-              </a:rPr>
-              <a:t> by Unknown Author is licensed under </a:t>
-            </a:r>
-            <a:r>
-              <a:rPr lang="en-GR" sz="700">
-                <a:solidFill>
-                  <a:srgbClr val="FFFFFF"/>
-                </a:solidFill>
-                <a:hlinkClick r:id="rId5" tooltip="https://creativecommons.org/licenses/by-sa/3.0/">
-                  <a:extLst>
-                    <a:ext uri="{A12FA001-AC4F-418D-AE19-62706E023703}">
-                      <ahyp:hlinkClr xmlns:ahyp="http://schemas.microsoft.com/office/drawing/2018/hyperlinkcolor" val="tx"/>
-                    </a:ext>
-                  </a:extLst>
-                </a:hlinkClick>
-              </a:rPr>
-              <a:t>CC BY-SA</a:t>
-            </a:r>
-            <a:endParaRPr lang="en-GR" sz="700">
-              <a:solidFill>
-                <a:srgbClr val="FFFFFF"/>
-              </a:solidFill>
-            </a:endParaRPr>
           </a:p>
         </p:txBody>
       </p:sp>
@@ -26123,7 +23218,7 @@
             <p:ph sz="quarter" idx="14"/>
             <p:extLst>
               <p:ext uri="{D42A27DB-BD31-4B8C-83A1-F6EECF244321}">
-                <p14:modId xmlns:p14="http://schemas.microsoft.com/office/powerpoint/2010/main" val="472259908"/>
+                <p14:modId xmlns:p14="http://schemas.microsoft.com/office/powerpoint/2010/main" val="144652141"/>
               </p:ext>
             </p:extLst>
           </p:nvPr>
@@ -26296,8 +23391,8 @@
         </p:nvSpPr>
         <p:spPr>
           <a:xfrm>
-            <a:off x="841248" y="2254737"/>
-            <a:ext cx="3441994" cy="865134"/>
+            <a:off x="841247" y="2254737"/>
+            <a:ext cx="3838907" cy="865134"/>
           </a:xfrm>
           <a:solidFill>
             <a:schemeClr val="bg1">
@@ -26317,7 +23412,7 @@
                   <a:schemeClr val="tx1"/>
                 </a:solidFill>
               </a:rPr>
-              <a:t>SQL Script</a:t>
+              <a:t>SQL Scripts</a:t>
             </a:r>
             <a:endParaRPr lang="en-US" sz="5000" dirty="0">
               <a:solidFill>
@@ -26507,7 +23602,7 @@
         <p:spPr>
           <a:xfrm>
             <a:off x="841248" y="3502152"/>
-            <a:ext cx="10506456" cy="1781007"/>
+            <a:ext cx="10662494" cy="2426700"/>
           </a:xfrm>
           <a:solidFill>
             <a:schemeClr val="bg1">
@@ -26535,19 +23630,67 @@
           <a:p>
             <a:r>
               <a:rPr lang="en-US" sz="2000" dirty="0"/>
-              <a:t>Developed SQL scripts to extract, transform, and load data from the OLTP Chinook database into the Data Warehouse.</a:t>
-            </a:r>
-          </a:p>
-          <a:p>
+              <a:t>To Develop a Staging Area from the </a:t>
+            </a:r>
+            <a:r>
+              <a:rPr lang="en-US" sz="2000" dirty="0" err="1"/>
+              <a:t>OLTP</a:t>
+            </a:r>
             <a:r>
               <a:rPr lang="en-US" sz="2000" dirty="0"/>
-              <a:t>Loaded essential tables and transformed raw OLTP data into structured Data Warehouse format for analysis.</a:t>
-            </a:r>
-          </a:p>
-          <a:p>
+              <a:t> Database (“</a:t>
+            </a:r>
+            <a:r>
+              <a:rPr lang="en-US" sz="2000" dirty="0" err="1"/>
+              <a:t>ChinookStaging</a:t>
+            </a:r>
             <a:r>
               <a:rPr lang="en-US" sz="2000" dirty="0"/>
-              <a:t>Ensured efficient data transfer and query performance through optimized SQL operations.</a:t>
+              <a:t>”).</a:t>
+            </a:r>
+          </a:p>
+          <a:p>
+            <a:r>
+              <a:rPr lang="en-US" sz="2000" dirty="0"/>
+              <a:t>To Design the </a:t>
+            </a:r>
+            <a:r>
+              <a:rPr lang="en-US" sz="2000" dirty="0" err="1"/>
+              <a:t>ERD</a:t>
+            </a:r>
+            <a:r>
+              <a:rPr lang="en-US" sz="2000" dirty="0"/>
+              <a:t> Schemas and define the final Star Schema of the Data Warehouse.</a:t>
+            </a:r>
+          </a:p>
+          <a:p>
+            <a:r>
+              <a:rPr lang="en-US" sz="2000" dirty="0"/>
+              <a:t>To Establish the connections to the main Fact Table “</a:t>
+            </a:r>
+            <a:r>
+              <a:rPr lang="en-US" sz="2000" dirty="0" err="1"/>
+              <a:t>Dim_Fact_Sales</a:t>
+            </a:r>
+            <a:r>
+              <a:rPr lang="en-US" sz="2000" dirty="0"/>
+              <a:t>”.</a:t>
+            </a:r>
+          </a:p>
+          <a:p>
+            <a:r>
+              <a:rPr lang="en-US" sz="2000" dirty="0"/>
+              <a:t>To Extract, Transform, Load data from the Staging Area into the Data Warehouse.</a:t>
+            </a:r>
+          </a:p>
+          <a:p>
+            <a:r>
+              <a:rPr lang="en-US" sz="2000"/>
+              <a:t>To Ensure </a:t>
+            </a:r>
+            <a:r>
+              <a:rPr lang="en-US" sz="2000" dirty="0"/>
+              <a:t>efficient data transfer and query performance through optimized SQL operations.</a:t>
             </a:r>
           </a:p>
           <a:p>
@@ -26872,29 +24015,47 @@
           <a:p>
             <a:pPr marL="0"/>
             <a:r>
-              <a:rPr lang="en-US" sz="1800"/>
+              <a:rPr lang="en-US" sz="1800" dirty="0"/>
               <a:t>Star Schema</a:t>
             </a:r>
           </a:p>
           <a:p>
+            <a:pPr marL="0" indent="0">
+              <a:buNone/>
+            </a:pPr>
+            <a:endParaRPr lang="en-US" sz="1800" dirty="0"/>
+          </a:p>
+          <a:p>
             <a:pPr marL="0"/>
-            <a:endParaRPr lang="en-US" sz="1800"/>
+            <a:r>
+              <a:rPr lang="en-US" sz="1800" dirty="0"/>
+              <a:t>5 Dimension Tables</a:t>
+            </a:r>
           </a:p>
           <a:p>
             <a:pPr marL="0"/>
-            <a:r>
-              <a:rPr lang="en-US" sz="1800"/>
-              <a:t>Main Focus : Fact_Sales</a:t>
-            </a:r>
+            <a:endParaRPr lang="en-US" sz="1800" dirty="0"/>
           </a:p>
           <a:p>
             <a:pPr marL="0"/>
-            <a:endParaRPr lang="en-US" sz="1800"/>
+            <a:r>
+              <a:rPr lang="en-US" sz="1800" dirty="0"/>
+              <a:t>Main Focus : </a:t>
+            </a:r>
+            <a:r>
+              <a:rPr lang="en-US" sz="1800" dirty="0" err="1"/>
+              <a:t>Fact_Sales</a:t>
+            </a:r>
+            <a:endParaRPr lang="en-US" sz="1800" dirty="0"/>
           </a:p>
           <a:p>
             <a:pPr marL="0"/>
-            <a:r>
-              <a:rPr lang="en-US" sz="1800"/>
+            <a:endParaRPr lang="en-US" sz="1800" dirty="0"/>
+          </a:p>
+          <a:p>
+            <a:pPr marL="0"/>
+            <a:r>
+              <a:rPr lang="en-US" sz="1800" dirty="0"/>
               <a:t>Connections with primary keys</a:t>
             </a:r>
           </a:p>
@@ -26902,7 +24063,7 @@
       </p:sp>
       <p:pic>
         <p:nvPicPr>
-          <p:cNvPr id="6" name="Picture Placeholder 5" descr="A screenshot of a computer&#10;&#10;AI-generated content may be incorrect.">
+          <p:cNvPr id="6" name="Picture Placeholder 5">
             <a:extLst>
               <a:ext uri="{FF2B5EF4-FFF2-40B4-BE49-F238E27FC236}">
                 <a16:creationId xmlns:a16="http://schemas.microsoft.com/office/drawing/2014/main" id="{22ED9C04-902D-5D9A-8DF4-1C43B9ACC3EB}"/>
@@ -26924,13 +24085,13 @@
               </a:ext>
             </a:extLst>
           </a:blip>
-          <a:srcRect r="3" b="7792"/>
+          <a:srcRect l="-12273" t="-4146" r="-10093" b="-4352"/>
           <a:stretch/>
         </p:blipFill>
         <p:spPr>
           <a:xfrm>
-            <a:off x="5308052" y="0"/>
-            <a:ext cx="6883948" cy="6857990"/>
+            <a:off x="5212080" y="-110701"/>
+            <a:ext cx="7257243" cy="7229877"/>
           </a:xfrm>
           <a:custGeom>
             <a:avLst/>
@@ -26998,9 +24159,23 @@
 <file path=ppt/slides/slide5.xml><?xml version="1.0" encoding="utf-8"?>
 <p:sld xmlns:a="http://schemas.openxmlformats.org/drawingml/2006/main" xmlns:r="http://schemas.openxmlformats.org/officeDocument/2006/relationships" xmlns:p="http://schemas.openxmlformats.org/presentationml/2006/main">
   <p:cSld>
+    <p:bg>
+      <p:bgPr>
+        <a:solidFill>
+          <a:schemeClr val="bg1"/>
+        </a:solidFill>
+        <a:effectLst/>
+      </p:bgPr>
+    </p:bg>
     <p:spTree>
       <p:nvGrpSpPr>
-        <p:cNvPr id="1" name=""/>
+        <p:cNvPr id="1" name="">
+          <a:extLst>
+            <a:ext uri="{FF2B5EF4-FFF2-40B4-BE49-F238E27FC236}">
+              <a16:creationId xmlns:a16="http://schemas.microsoft.com/office/drawing/2014/main" id="{B24C40BE-CA6F-0148-EC40-151B61FBC1CB}"/>
+            </a:ext>
+          </a:extLst>
+        </p:cNvPr>
         <p:cNvGrpSpPr/>
         <p:nvPr/>
       </p:nvGrpSpPr>
@@ -27012,66 +24187,576 @@
           <a:chExt cx="0" cy="0"/>
         </a:xfrm>
       </p:grpSpPr>
-      <p:sp>
-        <p:nvSpPr>
-          <p:cNvPr id="2" name="Title 1">
-            <a:extLst>
-              <a:ext uri="{FF2B5EF4-FFF2-40B4-BE49-F238E27FC236}">
-                <a16:creationId xmlns:a16="http://schemas.microsoft.com/office/drawing/2014/main" id="{F358A0DC-A062-4FA4-EACC-226BB9505362}"/>
-              </a:ext>
-            </a:extLst>
-          </p:cNvPr>
-          <p:cNvSpPr>
-            <a:spLocks noGrp="1"/>
-          </p:cNvSpPr>
-          <p:nvPr>
-            <p:ph type="title"/>
-          </p:nvPr>
-        </p:nvSpPr>
-        <p:spPr/>
-        <p:txBody>
-          <a:bodyPr/>
-          <a:lstStyle/>
-          <a:p>
-            <a:r>
-              <a:rPr lang="en-GR" dirty="0"/>
+      <p:sp useBgFill="1">
+        <p:nvSpPr>
+          <p:cNvPr id="21" name="Rectangle 20">
+            <a:extLst>
+              <a:ext uri="{FF2B5EF4-FFF2-40B4-BE49-F238E27FC236}">
+                <a16:creationId xmlns:a16="http://schemas.microsoft.com/office/drawing/2014/main" id="{B460E6ED-A790-B1F2-3951-10AA4DBA5989}"/>
+              </a:ext>
+              <a:ext uri="{C183D7F6-B498-43B3-948B-1728B52AA6E4}">
+                <adec:decorative xmlns:adec="http://schemas.microsoft.com/office/drawing/2017/decorative" val="1"/>
+              </a:ext>
+            </a:extLst>
+          </p:cNvPr>
+          <p:cNvSpPr>
+            <a:spLocks noGrp="1" noRot="1" noChangeAspect="1" noMove="1" noResize="1" noEditPoints="1" noAdjustHandles="1" noChangeArrowheads="1" noChangeShapeType="1" noTextEdit="1"/>
+          </p:cNvSpPr>
+          <p:nvPr>
+            <p:extLst>
+              <p:ext uri="{386F3935-93C4-4BCD-93E2-E3B085C9AB24}">
+                <p16:designElem xmlns:p16="http://schemas.microsoft.com/office/powerpoint/2015/main" val="1"/>
+              </p:ext>
+            </p:extLst>
+          </p:nvPr>
+        </p:nvSpPr>
+        <p:spPr>
+          <a:xfrm>
+            <a:off x="0" y="0"/>
+            <a:ext cx="12192000" cy="6858000"/>
+          </a:xfrm>
+          <a:prstGeom prst="rect">
+            <a:avLst/>
+          </a:prstGeom>
+          <a:ln>
+            <a:noFill/>
+          </a:ln>
+        </p:spPr>
+        <p:style>
+          <a:lnRef idx="2">
+            <a:schemeClr val="accent1">
+              <a:shade val="50000"/>
+            </a:schemeClr>
+          </a:lnRef>
+          <a:fillRef idx="1">
+            <a:schemeClr val="accent1"/>
+          </a:fillRef>
+          <a:effectRef idx="0">
+            <a:schemeClr val="accent1"/>
+          </a:effectRef>
+          <a:fontRef idx="minor">
+            <a:schemeClr val="lt1"/>
+          </a:fontRef>
+        </p:style>
+        <p:txBody>
+          <a:bodyPr rtlCol="0" anchor="ctr"/>
+          <a:lstStyle/>
+          <a:p>
+            <a:pPr algn="ctr"/>
+            <a:endParaRPr lang="en-US"/>
+          </a:p>
+        </p:txBody>
+      </p:sp>
+      <p:sp useBgFill="1">
+        <p:nvSpPr>
+          <p:cNvPr id="22" name="Rectangle 21">
+            <a:extLst>
+              <a:ext uri="{FF2B5EF4-FFF2-40B4-BE49-F238E27FC236}">
+                <a16:creationId xmlns:a16="http://schemas.microsoft.com/office/drawing/2014/main" id="{E27D7C7C-80C1-52D7-7909-8AD67593ACEA}"/>
+              </a:ext>
+              <a:ext uri="{C183D7F6-B498-43B3-948B-1728B52AA6E4}">
+                <adec:decorative xmlns:adec="http://schemas.microsoft.com/office/drawing/2017/decorative" val="1"/>
+              </a:ext>
+            </a:extLst>
+          </p:cNvPr>
+          <p:cNvSpPr>
+            <a:spLocks noGrp="1" noRot="1" noChangeAspect="1" noMove="1" noResize="1" noEditPoints="1" noAdjustHandles="1" noChangeArrowheads="1" noChangeShapeType="1" noTextEdit="1"/>
+          </p:cNvSpPr>
+          <p:nvPr>
+            <p:extLst>
+              <p:ext uri="{386F3935-93C4-4BCD-93E2-E3B085C9AB24}">
+                <p16:designElem xmlns:p16="http://schemas.microsoft.com/office/powerpoint/2015/main" val="1"/>
+              </p:ext>
+            </p:extLst>
+          </p:nvPr>
+        </p:nvSpPr>
+        <p:spPr>
+          <a:xfrm>
+            <a:off x="558209" y="0"/>
+            <a:ext cx="11167447" cy="2018806"/>
+          </a:xfrm>
+          <a:prstGeom prst="rect">
+            <a:avLst/>
+          </a:prstGeom>
+          <a:ln w="9525">
+            <a:solidFill>
+              <a:srgbClr val="E1E1E1"/>
+            </a:solidFill>
+          </a:ln>
+          <a:effectLst>
+            <a:outerShdw blurRad="50800" dist="38100" dir="2700000" algn="tl" rotWithShape="0">
+              <a:schemeClr val="bg1">
+                <a:lumMod val="85000"/>
+                <a:alpha val="50000"/>
+              </a:schemeClr>
+            </a:outerShdw>
+          </a:effectLst>
+        </p:spPr>
+        <p:style>
+          <a:lnRef idx="2">
+            <a:schemeClr val="accent1">
+              <a:shade val="50000"/>
+            </a:schemeClr>
+          </a:lnRef>
+          <a:fillRef idx="1">
+            <a:schemeClr val="accent1"/>
+          </a:fillRef>
+          <a:effectRef idx="0">
+            <a:schemeClr val="accent1"/>
+          </a:effectRef>
+          <a:fontRef idx="minor">
+            <a:schemeClr val="lt1"/>
+          </a:fontRef>
+        </p:style>
+        <p:txBody>
+          <a:bodyPr rtlCol="0" anchor="ctr"/>
+          <a:lstStyle/>
+          <a:p>
+            <a:pPr marL="0" marR="0" lvl="0" indent="0" algn="ctr" defTabSz="914400" rtl="0" eaLnBrk="1" fontAlgn="auto" latinLnBrk="0" hangingPunct="1">
+              <a:lnSpc>
+                <a:spcPct val="100000"/>
+              </a:lnSpc>
+              <a:spcBef>
+                <a:spcPts val="0"/>
+              </a:spcBef>
+              <a:spcAft>
+                <a:spcPts val="0"/>
+              </a:spcAft>
+              <a:buClrTx/>
+              <a:buSzTx/>
+              <a:buFontTx/>
+              <a:buNone/>
+              <a:tabLst/>
+              <a:defRPr/>
+            </a:pPr>
+            <a:endParaRPr kumimoji="0" lang="en-US" sz="1800" b="0" i="0" u="none" strike="noStrike" kern="1200" cap="none" spc="0" normalizeH="0" baseline="0" noProof="0">
+              <a:ln>
+                <a:noFill/>
+              </a:ln>
+              <a:solidFill>
+                <a:prstClr val="white"/>
+              </a:solidFill>
+              <a:effectLst/>
+              <a:uLnTx/>
+              <a:uFillTx/>
+              <a:latin typeface="Calibri" panose="020F0502020204030204"/>
+              <a:ea typeface="+mn-ea"/>
+              <a:cs typeface="+mn-cs"/>
+            </a:endParaRPr>
+          </a:p>
+        </p:txBody>
+      </p:sp>
+      <p:sp useBgFill="1">
+        <p:nvSpPr>
+          <p:cNvPr id="23" name="Rectangle 22">
+            <a:extLst>
+              <a:ext uri="{FF2B5EF4-FFF2-40B4-BE49-F238E27FC236}">
+                <a16:creationId xmlns:a16="http://schemas.microsoft.com/office/drawing/2014/main" id="{DD745228-F58F-F3E1-B5AE-CDDAF4100F09}"/>
+              </a:ext>
+              <a:ext uri="{C183D7F6-B498-43B3-948B-1728B52AA6E4}">
+                <adec:decorative xmlns:adec="http://schemas.microsoft.com/office/drawing/2017/decorative" val="1"/>
+              </a:ext>
+            </a:extLst>
+          </p:cNvPr>
+          <p:cNvSpPr>
+            <a:spLocks noGrp="1" noRot="1" noChangeAspect="1" noMove="1" noResize="1" noEditPoints="1" noAdjustHandles="1" noChangeArrowheads="1" noChangeShapeType="1" noTextEdit="1"/>
+          </p:cNvSpPr>
+          <p:nvPr>
+            <p:extLst>
+              <p:ext uri="{386F3935-93C4-4BCD-93E2-E3B085C9AB24}">
+                <p16:designElem xmlns:p16="http://schemas.microsoft.com/office/powerpoint/2015/main" val="1"/>
+              </p:ext>
+            </p:extLst>
+          </p:nvPr>
+        </p:nvSpPr>
+        <p:spPr>
+          <a:xfrm>
+            <a:off x="566928" y="0"/>
+            <a:ext cx="11155680" cy="2011680"/>
+          </a:xfrm>
+          <a:prstGeom prst="rect">
+            <a:avLst/>
+          </a:prstGeom>
+          <a:ln w="9525">
+            <a:noFill/>
+          </a:ln>
+          <a:effectLst/>
+        </p:spPr>
+        <p:style>
+          <a:lnRef idx="2">
+            <a:schemeClr val="accent1">
+              <a:shade val="50000"/>
+            </a:schemeClr>
+          </a:lnRef>
+          <a:fillRef idx="1">
+            <a:schemeClr val="accent1"/>
+          </a:fillRef>
+          <a:effectRef idx="0">
+            <a:schemeClr val="accent1"/>
+          </a:effectRef>
+          <a:fontRef idx="minor">
+            <a:schemeClr val="lt1"/>
+          </a:fontRef>
+        </p:style>
+        <p:txBody>
+          <a:bodyPr rtlCol="0" anchor="ctr"/>
+          <a:lstStyle/>
+          <a:p>
+            <a:pPr marL="0" marR="0" lvl="0" indent="0" algn="ctr" defTabSz="914400" rtl="0" eaLnBrk="1" fontAlgn="auto" latinLnBrk="0" hangingPunct="1">
+              <a:lnSpc>
+                <a:spcPct val="100000"/>
+              </a:lnSpc>
+              <a:spcBef>
+                <a:spcPts val="0"/>
+              </a:spcBef>
+              <a:spcAft>
+                <a:spcPts val="0"/>
+              </a:spcAft>
+              <a:buClrTx/>
+              <a:buSzTx/>
+              <a:buFontTx/>
+              <a:buNone/>
+              <a:tabLst/>
+              <a:defRPr/>
+            </a:pPr>
+            <a:endParaRPr kumimoji="0" lang="en-US" sz="1800" b="0" i="0" u="none" strike="noStrike" kern="1200" cap="none" spc="0" normalizeH="0" baseline="0" noProof="0">
+              <a:ln>
+                <a:noFill/>
+              </a:ln>
+              <a:solidFill>
+                <a:prstClr val="white"/>
+              </a:solidFill>
+              <a:effectLst/>
+              <a:uLnTx/>
+              <a:uFillTx/>
+              <a:latin typeface="Calibri" panose="020F0502020204030204"/>
+              <a:ea typeface="+mn-ea"/>
+              <a:cs typeface="+mn-cs"/>
+            </a:endParaRPr>
+          </a:p>
+        </p:txBody>
+      </p:sp>
+      <p:sp>
+        <p:nvSpPr>
+          <p:cNvPr id="3" name="Title 2">
+            <a:extLst>
+              <a:ext uri="{FF2B5EF4-FFF2-40B4-BE49-F238E27FC236}">
+                <a16:creationId xmlns:a16="http://schemas.microsoft.com/office/drawing/2014/main" id="{AD66626C-9924-8C68-1ED1-5C14C370F3E6}"/>
+              </a:ext>
+            </a:extLst>
+          </p:cNvPr>
+          <p:cNvSpPr>
+            <a:spLocks noGrp="1"/>
+          </p:cNvSpPr>
+          <p:nvPr>
+            <p:ph type="ctrTitle"/>
+          </p:nvPr>
+        </p:nvSpPr>
+        <p:spPr>
+          <a:xfrm>
+            <a:off x="1115568" y="548640"/>
+            <a:ext cx="10168128" cy="1179576"/>
+          </a:xfrm>
+        </p:spPr>
+        <p:txBody>
+          <a:bodyPr vert="horz" lIns="91440" tIns="45720" rIns="91440" bIns="45720" rtlCol="0" anchor="ctr">
+            <a:normAutofit/>
+          </a:bodyPr>
+          <a:lstStyle/>
+          <a:p>
+            <a:r>
+              <a:rPr lang="en-US" kern="1200" dirty="0" err="1">
+                <a:solidFill>
+                  <a:schemeClr val="tx1"/>
+                </a:solidFill>
+                <a:latin typeface="+mj-lt"/>
+                <a:ea typeface="+mj-ea"/>
+                <a:cs typeface="+mj-cs"/>
+              </a:rPr>
               <a:t>PowerBI</a:t>
             </a:r>
-          </a:p>
-        </p:txBody>
-      </p:sp>
-      <p:sp>
-        <p:nvSpPr>
-          <p:cNvPr id="3" name="Content Placeholder 2">
-            <a:extLst>
-              <a:ext uri="{FF2B5EF4-FFF2-40B4-BE49-F238E27FC236}">
-                <a16:creationId xmlns:a16="http://schemas.microsoft.com/office/drawing/2014/main" id="{9B91D415-5F86-8CD1-34E0-361BA814ED3A}"/>
-              </a:ext>
-            </a:extLst>
-          </p:cNvPr>
-          <p:cNvSpPr>
-            <a:spLocks noGrp="1"/>
-          </p:cNvSpPr>
-          <p:nvPr>
-            <p:ph idx="1"/>
-          </p:nvPr>
-        </p:nvSpPr>
-        <p:spPr/>
-        <p:txBody>
-          <a:bodyPr/>
-          <a:lstStyle/>
-          <a:p>
-            <a:endParaRPr lang="en-US" sz="2800" dirty="0"/>
-          </a:p>
-          <a:p>
-            <a:endParaRPr lang="en-GR" dirty="0"/>
-          </a:p>
-        </p:txBody>
-      </p:sp>
+            <a:r>
+              <a:rPr lang="en-US" kern="1200" dirty="0">
+                <a:solidFill>
+                  <a:schemeClr val="tx1"/>
+                </a:solidFill>
+                <a:latin typeface="+mj-lt"/>
+                <a:ea typeface="+mj-ea"/>
+                <a:cs typeface="+mj-cs"/>
+              </a:rPr>
+              <a:t> Insights</a:t>
+            </a:r>
+          </a:p>
+        </p:txBody>
+      </p:sp>
+      <p:sp>
+        <p:nvSpPr>
+          <p:cNvPr id="20" name="Rectangle 19">
+            <a:extLst>
+              <a:ext uri="{FF2B5EF4-FFF2-40B4-BE49-F238E27FC236}">
+                <a16:creationId xmlns:a16="http://schemas.microsoft.com/office/drawing/2014/main" id="{C7906E12-097D-65B4-6D57-03DE42B70A96}"/>
+              </a:ext>
+              <a:ext uri="{C183D7F6-B498-43B3-948B-1728B52AA6E4}">
+                <adec:decorative xmlns:adec="http://schemas.microsoft.com/office/drawing/2017/decorative" val="1"/>
+              </a:ext>
+            </a:extLst>
+          </p:cNvPr>
+          <p:cNvSpPr>
+            <a:spLocks noGrp="1" noRot="1" noChangeAspect="1" noMove="1" noResize="1" noEditPoints="1" noAdjustHandles="1" noChangeArrowheads="1" noChangeShapeType="1" noTextEdit="1"/>
+          </p:cNvSpPr>
+          <p:nvPr>
+            <p:extLst>
+              <p:ext uri="{386F3935-93C4-4BCD-93E2-E3B085C9AB24}">
+                <p16:designElem xmlns:p16="http://schemas.microsoft.com/office/powerpoint/2015/main" val="1"/>
+              </p:ext>
+            </p:extLst>
+          </p:nvPr>
+        </p:nvSpPr>
+        <p:spPr>
+          <a:xfrm>
+            <a:off x="498834" y="758952"/>
+            <a:ext cx="128016" cy="704088"/>
+          </a:xfrm>
+          <a:prstGeom prst="rect">
+            <a:avLst/>
+          </a:prstGeom>
+          <a:solidFill>
+            <a:schemeClr val="accent2"/>
+          </a:solidFill>
+          <a:ln>
+            <a:noFill/>
+          </a:ln>
+        </p:spPr>
+        <p:style>
+          <a:lnRef idx="2">
+            <a:schemeClr val="accent1">
+              <a:shade val="50000"/>
+            </a:schemeClr>
+          </a:lnRef>
+          <a:fillRef idx="1">
+            <a:schemeClr val="accent1"/>
+          </a:fillRef>
+          <a:effectRef idx="0">
+            <a:schemeClr val="accent1"/>
+          </a:effectRef>
+          <a:fontRef idx="minor">
+            <a:schemeClr val="lt1"/>
+          </a:fontRef>
+        </p:style>
+        <p:txBody>
+          <a:bodyPr rtlCol="0" anchor="ctr"/>
+          <a:lstStyle/>
+          <a:p>
+            <a:pPr algn="ctr"/>
+            <a:endParaRPr lang="en-US">
+              <a:solidFill>
+                <a:prstClr val="white"/>
+              </a:solidFill>
+              <a:latin typeface="Calibri" panose="020F0502020204030204"/>
+            </a:endParaRPr>
+          </a:p>
+        </p:txBody>
+      </p:sp>
+      <p:sp>
+        <p:nvSpPr>
+          <p:cNvPr id="9" name="TextBox 8">
+            <a:extLst>
+              <a:ext uri="{FF2B5EF4-FFF2-40B4-BE49-F238E27FC236}">
+                <a16:creationId xmlns:a16="http://schemas.microsoft.com/office/drawing/2014/main" id="{E8989892-381A-EF9B-7AB8-DF03AFC293A3}"/>
+              </a:ext>
+            </a:extLst>
+          </p:cNvPr>
+          <p:cNvSpPr txBox="1"/>
+          <p:nvPr/>
+        </p:nvSpPr>
+        <p:spPr>
+          <a:xfrm>
+            <a:off x="469392" y="2560320"/>
+            <a:ext cx="3050556" cy="3749040"/>
+          </a:xfrm>
+          <a:prstGeom prst="rect">
+            <a:avLst/>
+          </a:prstGeom>
+        </p:spPr>
+        <p:txBody>
+          <a:bodyPr vert="horz" lIns="91440" tIns="45720" rIns="91440" bIns="45720" rtlCol="0">
+            <a:normAutofit/>
+          </a:bodyPr>
+          <a:lstStyle/>
+          <a:p>
+            <a:pPr>
+              <a:lnSpc>
+                <a:spcPct val="90000"/>
+              </a:lnSpc>
+              <a:spcAft>
+                <a:spcPts val="600"/>
+              </a:spcAft>
+            </a:pPr>
+            <a:r>
+              <a:rPr lang="en-US" sz="2200" i="1" dirty="0"/>
+              <a:t>Comments</a:t>
+            </a:r>
+            <a:r>
+              <a:rPr lang="en-US" sz="2200" dirty="0"/>
+              <a:t>:</a:t>
+            </a:r>
+          </a:p>
+          <a:p>
+            <a:pPr>
+              <a:lnSpc>
+                <a:spcPct val="90000"/>
+              </a:lnSpc>
+              <a:spcAft>
+                <a:spcPts val="600"/>
+              </a:spcAft>
+            </a:pPr>
+            <a:endParaRPr lang="en-US" sz="2200" dirty="0"/>
+          </a:p>
+          <a:p>
+            <a:pPr marL="342900" indent="-342900">
+              <a:lnSpc>
+                <a:spcPct val="90000"/>
+              </a:lnSpc>
+              <a:spcAft>
+                <a:spcPts val="600"/>
+              </a:spcAft>
+              <a:buFont typeface="Arial" panose="020B0604020202020204" pitchFamily="34" charset="0"/>
+              <a:buChar char="•"/>
+            </a:pPr>
+            <a:r>
+              <a:rPr lang="en-US" sz="2000" dirty="0"/>
+              <a:t>Dashboards for a comprehensive analysis</a:t>
+            </a:r>
+          </a:p>
+          <a:p>
+            <a:pPr marL="342900" indent="-342900">
+              <a:lnSpc>
+                <a:spcPct val="90000"/>
+              </a:lnSpc>
+              <a:spcAft>
+                <a:spcPts val="600"/>
+              </a:spcAft>
+              <a:buFont typeface="Arial" panose="020B0604020202020204" pitchFamily="34" charset="0"/>
+              <a:buChar char="•"/>
+            </a:pPr>
+            <a:r>
+              <a:rPr lang="en-US" sz="2000" dirty="0"/>
+              <a:t>Slicers usage for customized results</a:t>
+            </a:r>
+          </a:p>
+          <a:p>
+            <a:pPr marL="342900" indent="-342900">
+              <a:lnSpc>
+                <a:spcPct val="90000"/>
+              </a:lnSpc>
+              <a:spcAft>
+                <a:spcPts val="600"/>
+              </a:spcAft>
+              <a:buFont typeface="Arial" panose="020B0604020202020204" pitchFamily="34" charset="0"/>
+              <a:buChar char="•"/>
+            </a:pPr>
+            <a:r>
+              <a:rPr lang="en-US" sz="2000" dirty="0"/>
+              <a:t>Cards to portray key analytics </a:t>
+            </a:r>
+          </a:p>
+          <a:p>
+            <a:pPr marL="342900" indent="-342900">
+              <a:lnSpc>
+                <a:spcPct val="90000"/>
+              </a:lnSpc>
+              <a:spcAft>
+                <a:spcPts val="600"/>
+              </a:spcAft>
+              <a:buFont typeface="Arial" panose="020B0604020202020204" pitchFamily="34" charset="0"/>
+              <a:buChar char="•"/>
+            </a:pPr>
+            <a:r>
+              <a:rPr lang="en-US" sz="2000" dirty="0"/>
+              <a:t>Variety on Visual Reports</a:t>
+            </a:r>
+          </a:p>
+          <a:p>
+            <a:pPr marL="342900" indent="-342900">
+              <a:lnSpc>
+                <a:spcPct val="90000"/>
+              </a:lnSpc>
+              <a:spcAft>
+                <a:spcPts val="600"/>
+              </a:spcAft>
+              <a:buFont typeface="Arial" panose="020B0604020202020204" pitchFamily="34" charset="0"/>
+              <a:buChar char="•"/>
+            </a:pPr>
+            <a:endParaRPr lang="en-US" sz="2000" dirty="0"/>
+          </a:p>
+          <a:p>
+            <a:pPr marL="514350" indent="-228600">
+              <a:lnSpc>
+                <a:spcPct val="90000"/>
+              </a:lnSpc>
+              <a:spcAft>
+                <a:spcPts val="600"/>
+              </a:spcAft>
+              <a:buFont typeface="Arial" panose="020B0604020202020204" pitchFamily="34" charset="0"/>
+              <a:buChar char="•"/>
+            </a:pPr>
+            <a:endParaRPr lang="en-US" sz="2200" dirty="0"/>
+          </a:p>
+          <a:p>
+            <a:pPr indent="-228600">
+              <a:lnSpc>
+                <a:spcPct val="90000"/>
+              </a:lnSpc>
+              <a:spcAft>
+                <a:spcPts val="600"/>
+              </a:spcAft>
+              <a:buFont typeface="Arial" panose="020B0604020202020204" pitchFamily="34" charset="0"/>
+              <a:buChar char="•"/>
+            </a:pPr>
+            <a:endParaRPr lang="en-US" sz="2200" dirty="0"/>
+          </a:p>
+        </p:txBody>
+      </p:sp>
+      <p:pic>
+        <p:nvPicPr>
+          <p:cNvPr id="4" name="Picture 3" descr="A screenshot of a computer&#10;&#10;Description automatically generated">
+            <a:extLst>
+              <a:ext uri="{FF2B5EF4-FFF2-40B4-BE49-F238E27FC236}">
+                <a16:creationId xmlns:a16="http://schemas.microsoft.com/office/drawing/2014/main" id="{07015F71-217A-E334-6D2F-542C0AE3A387}"/>
+              </a:ext>
+            </a:extLst>
+          </p:cNvPr>
+          <p:cNvPicPr>
+            <a:picLocks noChangeAspect="1"/>
+          </p:cNvPicPr>
+          <p:nvPr/>
+        </p:nvPicPr>
+        <p:blipFill>
+          <a:blip r:embed="rId2">
+            <a:extLst>
+              <a:ext uri="{28A0092B-C50C-407E-A947-70E740481C1C}">
+                <a14:useLocalDpi xmlns:a14="http://schemas.microsoft.com/office/drawing/2010/main" val="0"/>
+              </a:ext>
+            </a:extLst>
+          </a:blip>
+          <a:stretch>
+            <a:fillRect/>
+          </a:stretch>
+        </p:blipFill>
+        <p:spPr>
+          <a:xfrm>
+            <a:off x="3890865" y="2154881"/>
+            <a:ext cx="8301135" cy="4703120"/>
+          </a:xfrm>
+          <a:prstGeom prst="rect">
+            <a:avLst/>
+          </a:prstGeom>
+        </p:spPr>
+      </p:pic>
     </p:spTree>
     <p:extLst>
       <p:ext uri="{BB962C8B-B14F-4D97-AF65-F5344CB8AC3E}">
-        <p14:creationId xmlns:p14="http://schemas.microsoft.com/office/powerpoint/2010/main" val="4118688316"/>
+        <p14:creationId xmlns:p14="http://schemas.microsoft.com/office/powerpoint/2010/main" val="2047170612"/>
       </p:ext>
     </p:extLst>
   </p:cSld>
@@ -27087,12 +24772,20 @@
 <file path=ppt/slides/slide6.xml><?xml version="1.0" encoding="utf-8"?>
 <p:sld xmlns:a="http://schemas.openxmlformats.org/drawingml/2006/main" xmlns:r="http://schemas.openxmlformats.org/officeDocument/2006/relationships" xmlns:p="http://schemas.openxmlformats.org/presentationml/2006/main">
   <p:cSld>
+    <p:bg>
+      <p:bgPr>
+        <a:solidFill>
+          <a:schemeClr val="bg1"/>
+        </a:solidFill>
+        <a:effectLst/>
+      </p:bgPr>
+    </p:bg>
     <p:spTree>
       <p:nvGrpSpPr>
         <p:cNvPr id="1" name="">
           <a:extLst>
             <a:ext uri="{FF2B5EF4-FFF2-40B4-BE49-F238E27FC236}">
-              <a16:creationId xmlns:a16="http://schemas.microsoft.com/office/drawing/2014/main" id="{74B8F4C7-4A30-8E5E-084A-E5FD69B73E91}"/>
+              <a16:creationId xmlns:a16="http://schemas.microsoft.com/office/drawing/2014/main" id="{C8A749BC-3162-1374-CBE7-3BA3A182D33A}"/>
             </a:ext>
           </a:extLst>
         </p:cNvPr>
@@ -27107,28 +24800,252 @@
           <a:chExt cx="0" cy="0"/>
         </a:xfrm>
       </p:grpSpPr>
-      <p:sp>
-        <p:nvSpPr>
-          <p:cNvPr id="2" name="Picture Placeholder 1">
-            <a:extLst>
-              <a:ext uri="{FF2B5EF4-FFF2-40B4-BE49-F238E27FC236}">
-                <a16:creationId xmlns:a16="http://schemas.microsoft.com/office/drawing/2014/main" id="{7BE88E1E-5D98-41C0-9FA0-26ABE6701440}"/>
-              </a:ext>
-            </a:extLst>
-          </p:cNvPr>
-          <p:cNvSpPr>
-            <a:spLocks noGrp="1"/>
-          </p:cNvSpPr>
-          <p:nvPr>
-            <p:ph type="pic" sz="quarter" idx="13"/>
-          </p:nvPr>
-        </p:nvSpPr>
-        <p:spPr/>
-        <p:txBody>
-          <a:bodyPr/>
-          <a:lstStyle/>
-          <a:p>
-            <a:endParaRPr lang="en-GR"/>
+      <p:sp useBgFill="1">
+        <p:nvSpPr>
+          <p:cNvPr id="21" name="Rectangle 20">
+            <a:extLst>
+              <a:ext uri="{FF2B5EF4-FFF2-40B4-BE49-F238E27FC236}">
+                <a16:creationId xmlns:a16="http://schemas.microsoft.com/office/drawing/2014/main" id="{24C01CB6-AF16-E58D-D24C-63CDF3B7EAC6}"/>
+              </a:ext>
+              <a:ext uri="{C183D7F6-B498-43B3-948B-1728B52AA6E4}">
+                <adec:decorative xmlns:adec="http://schemas.microsoft.com/office/drawing/2017/decorative" val="1"/>
+              </a:ext>
+            </a:extLst>
+          </p:cNvPr>
+          <p:cNvSpPr>
+            <a:spLocks noGrp="1" noRot="1" noChangeAspect="1" noMove="1" noResize="1" noEditPoints="1" noAdjustHandles="1" noChangeArrowheads="1" noChangeShapeType="1" noTextEdit="1"/>
+          </p:cNvSpPr>
+          <p:nvPr>
+            <p:extLst>
+              <p:ext uri="{386F3935-93C4-4BCD-93E2-E3B085C9AB24}">
+                <p16:designElem xmlns:p16="http://schemas.microsoft.com/office/powerpoint/2015/main" val="1"/>
+              </p:ext>
+            </p:extLst>
+          </p:nvPr>
+        </p:nvSpPr>
+        <p:spPr>
+          <a:xfrm>
+            <a:off x="0" y="0"/>
+            <a:ext cx="12192000" cy="6858000"/>
+          </a:xfrm>
+          <a:prstGeom prst="rect">
+            <a:avLst/>
+          </a:prstGeom>
+          <a:ln>
+            <a:noFill/>
+          </a:ln>
+        </p:spPr>
+        <p:style>
+          <a:lnRef idx="2">
+            <a:schemeClr val="accent1">
+              <a:shade val="50000"/>
+            </a:schemeClr>
+          </a:lnRef>
+          <a:fillRef idx="1">
+            <a:schemeClr val="accent1"/>
+          </a:fillRef>
+          <a:effectRef idx="0">
+            <a:schemeClr val="accent1"/>
+          </a:effectRef>
+          <a:fontRef idx="minor">
+            <a:schemeClr val="lt1"/>
+          </a:fontRef>
+        </p:style>
+        <p:txBody>
+          <a:bodyPr rtlCol="0" anchor="ctr"/>
+          <a:lstStyle/>
+          <a:p>
+            <a:pPr algn="ctr"/>
+            <a:endParaRPr lang="en-US"/>
+          </a:p>
+        </p:txBody>
+      </p:sp>
+      <p:sp useBgFill="1">
+        <p:nvSpPr>
+          <p:cNvPr id="22" name="Rectangle 21">
+            <a:extLst>
+              <a:ext uri="{FF2B5EF4-FFF2-40B4-BE49-F238E27FC236}">
+                <a16:creationId xmlns:a16="http://schemas.microsoft.com/office/drawing/2014/main" id="{144AC5E2-FA1B-102C-2645-F56D341D99F7}"/>
+              </a:ext>
+              <a:ext uri="{C183D7F6-B498-43B3-948B-1728B52AA6E4}">
+                <adec:decorative xmlns:adec="http://schemas.microsoft.com/office/drawing/2017/decorative" val="1"/>
+              </a:ext>
+            </a:extLst>
+          </p:cNvPr>
+          <p:cNvSpPr>
+            <a:spLocks noGrp="1" noRot="1" noChangeAspect="1" noMove="1" noResize="1" noEditPoints="1" noAdjustHandles="1" noChangeArrowheads="1" noChangeShapeType="1" noTextEdit="1"/>
+          </p:cNvSpPr>
+          <p:nvPr>
+            <p:extLst>
+              <p:ext uri="{386F3935-93C4-4BCD-93E2-E3B085C9AB24}">
+                <p16:designElem xmlns:p16="http://schemas.microsoft.com/office/powerpoint/2015/main" val="1"/>
+              </p:ext>
+            </p:extLst>
+          </p:nvPr>
+        </p:nvSpPr>
+        <p:spPr>
+          <a:xfrm>
+            <a:off x="558209" y="0"/>
+            <a:ext cx="11167447" cy="2018806"/>
+          </a:xfrm>
+          <a:prstGeom prst="rect">
+            <a:avLst/>
+          </a:prstGeom>
+          <a:ln w="9525">
+            <a:solidFill>
+              <a:srgbClr val="E1E1E1"/>
+            </a:solidFill>
+          </a:ln>
+          <a:effectLst>
+            <a:outerShdw blurRad="50800" dist="38100" dir="2700000" algn="tl" rotWithShape="0">
+              <a:schemeClr val="bg1">
+                <a:lumMod val="85000"/>
+                <a:alpha val="50000"/>
+              </a:schemeClr>
+            </a:outerShdw>
+          </a:effectLst>
+        </p:spPr>
+        <p:style>
+          <a:lnRef idx="2">
+            <a:schemeClr val="accent1">
+              <a:shade val="50000"/>
+            </a:schemeClr>
+          </a:lnRef>
+          <a:fillRef idx="1">
+            <a:schemeClr val="accent1"/>
+          </a:fillRef>
+          <a:effectRef idx="0">
+            <a:schemeClr val="accent1"/>
+          </a:effectRef>
+          <a:fontRef idx="minor">
+            <a:schemeClr val="lt1"/>
+          </a:fontRef>
+        </p:style>
+        <p:txBody>
+          <a:bodyPr rtlCol="0" anchor="ctr"/>
+          <a:lstStyle/>
+          <a:p>
+            <a:pPr marL="0" marR="0" lvl="0" indent="0" algn="ctr" defTabSz="914400" rtl="0" eaLnBrk="1" fontAlgn="auto" latinLnBrk="0" hangingPunct="1">
+              <a:lnSpc>
+                <a:spcPct val="100000"/>
+              </a:lnSpc>
+              <a:spcBef>
+                <a:spcPts val="0"/>
+              </a:spcBef>
+              <a:spcAft>
+                <a:spcPts val="0"/>
+              </a:spcAft>
+              <a:buClrTx/>
+              <a:buSzTx/>
+              <a:buFontTx/>
+              <a:buNone/>
+              <a:tabLst/>
+              <a:defRPr/>
+            </a:pPr>
+            <a:endParaRPr kumimoji="0" lang="en-US" sz="1800" b="0" i="0" u="none" strike="noStrike" kern="1200" cap="none" spc="0" normalizeH="0" baseline="0" noProof="0">
+              <a:ln>
+                <a:noFill/>
+              </a:ln>
+              <a:solidFill>
+                <a:prstClr val="white"/>
+              </a:solidFill>
+              <a:effectLst/>
+              <a:uLnTx/>
+              <a:uFillTx/>
+              <a:latin typeface="Calibri" panose="020F0502020204030204"/>
+              <a:ea typeface="+mn-ea"/>
+              <a:cs typeface="+mn-cs"/>
+            </a:endParaRPr>
+          </a:p>
+        </p:txBody>
+      </p:sp>
+      <p:sp useBgFill="1">
+        <p:nvSpPr>
+          <p:cNvPr id="23" name="Rectangle 22">
+            <a:extLst>
+              <a:ext uri="{FF2B5EF4-FFF2-40B4-BE49-F238E27FC236}">
+                <a16:creationId xmlns:a16="http://schemas.microsoft.com/office/drawing/2014/main" id="{D6FDAE4A-FCB8-53DB-DA2E-C21F95C6EDA0}"/>
+              </a:ext>
+              <a:ext uri="{C183D7F6-B498-43B3-948B-1728B52AA6E4}">
+                <adec:decorative xmlns:adec="http://schemas.microsoft.com/office/drawing/2017/decorative" val="1"/>
+              </a:ext>
+            </a:extLst>
+          </p:cNvPr>
+          <p:cNvSpPr>
+            <a:spLocks noGrp="1" noRot="1" noChangeAspect="1" noMove="1" noResize="1" noEditPoints="1" noAdjustHandles="1" noChangeArrowheads="1" noChangeShapeType="1" noTextEdit="1"/>
+          </p:cNvSpPr>
+          <p:nvPr>
+            <p:extLst>
+              <p:ext uri="{386F3935-93C4-4BCD-93E2-E3B085C9AB24}">
+                <p16:designElem xmlns:p16="http://schemas.microsoft.com/office/powerpoint/2015/main" val="1"/>
+              </p:ext>
+            </p:extLst>
+          </p:nvPr>
+        </p:nvSpPr>
+        <p:spPr>
+          <a:xfrm>
+            <a:off x="566928" y="0"/>
+            <a:ext cx="11155680" cy="2011680"/>
+          </a:xfrm>
+          <a:prstGeom prst="rect">
+            <a:avLst/>
+          </a:prstGeom>
+          <a:ln w="9525">
+            <a:noFill/>
+          </a:ln>
+          <a:effectLst/>
+        </p:spPr>
+        <p:style>
+          <a:lnRef idx="2">
+            <a:schemeClr val="accent1">
+              <a:shade val="50000"/>
+            </a:schemeClr>
+          </a:lnRef>
+          <a:fillRef idx="1">
+            <a:schemeClr val="accent1"/>
+          </a:fillRef>
+          <a:effectRef idx="0">
+            <a:schemeClr val="accent1"/>
+          </a:effectRef>
+          <a:fontRef idx="minor">
+            <a:schemeClr val="lt1"/>
+          </a:fontRef>
+        </p:style>
+        <p:txBody>
+          <a:bodyPr rtlCol="0" anchor="ctr"/>
+          <a:lstStyle/>
+          <a:p>
+            <a:pPr marL="0" marR="0" lvl="0" indent="0" algn="ctr" defTabSz="914400" rtl="0" eaLnBrk="1" fontAlgn="auto" latinLnBrk="0" hangingPunct="1">
+              <a:lnSpc>
+                <a:spcPct val="100000"/>
+              </a:lnSpc>
+              <a:spcBef>
+                <a:spcPts val="0"/>
+              </a:spcBef>
+              <a:spcAft>
+                <a:spcPts val="0"/>
+              </a:spcAft>
+              <a:buClrTx/>
+              <a:buSzTx/>
+              <a:buFontTx/>
+              <a:buNone/>
+              <a:tabLst/>
+              <a:defRPr/>
+            </a:pPr>
+            <a:endParaRPr kumimoji="0" lang="en-US" sz="1800" b="0" i="0" u="none" strike="noStrike" kern="1200" cap="none" spc="0" normalizeH="0" baseline="0" noProof="0">
+              <a:ln>
+                <a:noFill/>
+              </a:ln>
+              <a:solidFill>
+                <a:prstClr val="white"/>
+              </a:solidFill>
+              <a:effectLst/>
+              <a:uLnTx/>
+              <a:uFillTx/>
+              <a:latin typeface="Calibri" panose="020F0502020204030204"/>
+              <a:ea typeface="+mn-ea"/>
+              <a:cs typeface="+mn-cs"/>
+            </a:endParaRPr>
           </a:p>
         </p:txBody>
       </p:sp>
@@ -27137,7 +25054,7 @@
           <p:cNvPr id="3" name="Title 2">
             <a:extLst>
               <a:ext uri="{FF2B5EF4-FFF2-40B4-BE49-F238E27FC236}">
-                <a16:creationId xmlns:a16="http://schemas.microsoft.com/office/drawing/2014/main" id="{3E726368-37AB-C5C0-224B-3A4CA6A8B66B}"/>
+                <a16:creationId xmlns:a16="http://schemas.microsoft.com/office/drawing/2014/main" id="{0DF57FAA-C4E0-EC8F-7656-9D6196926AE6}"/>
               </a:ext>
             </a:extLst>
           </p:cNvPr>
@@ -27148,57 +25065,311 @@
             <p:ph type="ctrTitle"/>
           </p:nvPr>
         </p:nvSpPr>
-        <p:spPr/>
-        <p:txBody>
-          <a:bodyPr/>
-          <a:lstStyle/>
-          <a:p>
-            <a:r>
-              <a:rPr lang="en-US" dirty="0">
+        <p:spPr>
+          <a:xfrm>
+            <a:off x="1115568" y="548640"/>
+            <a:ext cx="10168128" cy="1179576"/>
+          </a:xfrm>
+        </p:spPr>
+        <p:txBody>
+          <a:bodyPr vert="horz" lIns="91440" tIns="45720" rIns="91440" bIns="45720" rtlCol="0" anchor="ctr">
+            <a:normAutofit/>
+          </a:bodyPr>
+          <a:lstStyle/>
+          <a:p>
+            <a:r>
+              <a:rPr lang="en-US" kern="1200" dirty="0" err="1">
                 <a:solidFill>
                   <a:schemeClr val="tx1"/>
                 </a:solidFill>
+                <a:latin typeface="+mj-lt"/>
+                <a:ea typeface="+mj-ea"/>
+                <a:cs typeface="+mj-cs"/>
               </a:rPr>
-              <a:t>Power BI</a:t>
-            </a:r>
-          </a:p>
-        </p:txBody>
-      </p:sp>
-      <p:sp>
-        <p:nvSpPr>
-          <p:cNvPr id="4" name="Content Placeholder 3">
-            <a:extLst>
-              <a:ext uri="{FF2B5EF4-FFF2-40B4-BE49-F238E27FC236}">
-                <a16:creationId xmlns:a16="http://schemas.microsoft.com/office/drawing/2014/main" id="{554E4C21-12DB-D89D-AA10-653FBA723C95}"/>
-              </a:ext>
-            </a:extLst>
-          </p:cNvPr>
-          <p:cNvSpPr>
-            <a:spLocks noGrp="1"/>
-          </p:cNvSpPr>
-          <p:nvPr>
-            <p:ph sz="quarter" idx="14"/>
-          </p:nvPr>
-        </p:nvSpPr>
-        <p:spPr/>
-        <p:txBody>
-          <a:bodyPr/>
-          <a:lstStyle/>
-          <a:p>
-            <a:pPr marL="0" indent="0">
-              <a:buNone/>
+              <a:t>PowerBI</a:t>
+            </a:r>
+            <a:r>
+              <a:rPr lang="en-US" kern="1200" dirty="0">
+                <a:solidFill>
+                  <a:schemeClr val="tx1"/>
+                </a:solidFill>
+                <a:latin typeface="+mj-lt"/>
+                <a:ea typeface="+mj-ea"/>
+                <a:cs typeface="+mj-cs"/>
+              </a:rPr>
+              <a:t> Insights</a:t>
+            </a:r>
+          </a:p>
+        </p:txBody>
+      </p:sp>
+      <p:sp>
+        <p:nvSpPr>
+          <p:cNvPr id="20" name="Rectangle 19">
+            <a:extLst>
+              <a:ext uri="{FF2B5EF4-FFF2-40B4-BE49-F238E27FC236}">
+                <a16:creationId xmlns:a16="http://schemas.microsoft.com/office/drawing/2014/main" id="{D083525F-07E3-FBCA-1C04-3D696CCAD399}"/>
+              </a:ext>
+              <a:ext uri="{C183D7F6-B498-43B3-948B-1728B52AA6E4}">
+                <adec:decorative xmlns:adec="http://schemas.microsoft.com/office/drawing/2017/decorative" val="1"/>
+              </a:ext>
+            </a:extLst>
+          </p:cNvPr>
+          <p:cNvSpPr>
+            <a:spLocks noGrp="1" noRot="1" noChangeAspect="1" noMove="1" noResize="1" noEditPoints="1" noAdjustHandles="1" noChangeArrowheads="1" noChangeShapeType="1" noTextEdit="1"/>
+          </p:cNvSpPr>
+          <p:nvPr>
+            <p:extLst>
+              <p:ext uri="{386F3935-93C4-4BCD-93E2-E3B085C9AB24}">
+                <p16:designElem xmlns:p16="http://schemas.microsoft.com/office/powerpoint/2015/main" val="1"/>
+              </p:ext>
+            </p:extLst>
+          </p:nvPr>
+        </p:nvSpPr>
+        <p:spPr>
+          <a:xfrm>
+            <a:off x="498834" y="758952"/>
+            <a:ext cx="128016" cy="704088"/>
+          </a:xfrm>
+          <a:prstGeom prst="rect">
+            <a:avLst/>
+          </a:prstGeom>
+          <a:solidFill>
+            <a:schemeClr val="accent2"/>
+          </a:solidFill>
+          <a:ln>
+            <a:noFill/>
+          </a:ln>
+        </p:spPr>
+        <p:style>
+          <a:lnRef idx="2">
+            <a:schemeClr val="accent1">
+              <a:shade val="50000"/>
+            </a:schemeClr>
+          </a:lnRef>
+          <a:fillRef idx="1">
+            <a:schemeClr val="accent1"/>
+          </a:fillRef>
+          <a:effectRef idx="0">
+            <a:schemeClr val="accent1"/>
+          </a:effectRef>
+          <a:fontRef idx="minor">
+            <a:schemeClr val="lt1"/>
+          </a:fontRef>
+        </p:style>
+        <p:txBody>
+          <a:bodyPr rtlCol="0" anchor="ctr"/>
+          <a:lstStyle/>
+          <a:p>
+            <a:pPr algn="ctr"/>
+            <a:endParaRPr lang="en-US">
+              <a:solidFill>
+                <a:prstClr val="white"/>
+              </a:solidFill>
+              <a:latin typeface="Calibri" panose="020F0502020204030204"/>
+            </a:endParaRPr>
+          </a:p>
+        </p:txBody>
+      </p:sp>
+      <p:pic>
+        <p:nvPicPr>
+          <p:cNvPr id="4" name="Picture 3" descr="A screenshot of a computer&#10;&#10;Description automatically generated">
+            <a:extLst>
+              <a:ext uri="{FF2B5EF4-FFF2-40B4-BE49-F238E27FC236}">
+                <a16:creationId xmlns:a16="http://schemas.microsoft.com/office/drawing/2014/main" id="{82E0B98A-5DB1-CAE1-018F-5C831BA37ACB}"/>
+              </a:ext>
+            </a:extLst>
+          </p:cNvPr>
+          <p:cNvPicPr>
+            <a:picLocks noChangeAspect="1"/>
+          </p:cNvPicPr>
+          <p:nvPr/>
+        </p:nvPicPr>
+        <p:blipFill>
+          <a:blip r:embed="rId3">
+            <a:extLst>
+              <a:ext uri="{28A0092B-C50C-407E-A947-70E740481C1C}">
+                <a14:useLocalDpi xmlns:a14="http://schemas.microsoft.com/office/drawing/2010/main" val="0"/>
+              </a:ext>
+            </a:extLst>
+          </a:blip>
+          <a:stretch>
+            <a:fillRect/>
+          </a:stretch>
+        </p:blipFill>
+        <p:spPr>
+          <a:xfrm>
+            <a:off x="3862873" y="2118127"/>
+            <a:ext cx="8329127" cy="4739874"/>
+          </a:xfrm>
+          <a:prstGeom prst="rect">
+            <a:avLst/>
+          </a:prstGeom>
+        </p:spPr>
+      </p:pic>
+      <p:sp>
+        <p:nvSpPr>
+          <p:cNvPr id="5" name="TextBox 4">
+            <a:extLst>
+              <a:ext uri="{FF2B5EF4-FFF2-40B4-BE49-F238E27FC236}">
+                <a16:creationId xmlns:a16="http://schemas.microsoft.com/office/drawing/2014/main" id="{E5FD51F2-1FDD-99DF-CB45-3543A3C1A6DF}"/>
+              </a:ext>
+            </a:extLst>
+          </p:cNvPr>
+          <p:cNvSpPr txBox="1"/>
+          <p:nvPr/>
+        </p:nvSpPr>
+        <p:spPr>
+          <a:xfrm>
+            <a:off x="469392" y="2560320"/>
+            <a:ext cx="3050556" cy="3749040"/>
+          </a:xfrm>
+          <a:prstGeom prst="rect">
+            <a:avLst/>
+          </a:prstGeom>
+        </p:spPr>
+        <p:txBody>
+          <a:bodyPr vert="horz" lIns="91440" tIns="45720" rIns="91440" bIns="45720" rtlCol="0">
+            <a:normAutofit/>
+          </a:bodyPr>
+          <a:lstStyle/>
+          <a:p>
+            <a:pPr>
+              <a:lnSpc>
+                <a:spcPct val="90000"/>
+              </a:lnSpc>
+              <a:spcAft>
+                <a:spcPts val="600"/>
+              </a:spcAft>
             </a:pPr>
             <a:r>
-              <a:rPr lang="en-US" dirty="0"/>
-              <a:t>Photo of a dashboard and comments on the analysis</a:t>
-            </a:r>
+              <a:rPr lang="en-US" sz="2200" i="1" dirty="0"/>
+              <a:t>Comments</a:t>
+            </a:r>
+            <a:r>
+              <a:rPr lang="en-US" sz="2200" dirty="0"/>
+              <a:t>:</a:t>
+            </a:r>
+          </a:p>
+          <a:p>
+            <a:pPr>
+              <a:lnSpc>
+                <a:spcPct val="90000"/>
+              </a:lnSpc>
+              <a:spcAft>
+                <a:spcPts val="600"/>
+              </a:spcAft>
+            </a:pPr>
+            <a:endParaRPr lang="en-US" sz="2200" dirty="0"/>
+          </a:p>
+          <a:p>
+            <a:pPr marL="342900" indent="-342900">
+              <a:lnSpc>
+                <a:spcPct val="90000"/>
+              </a:lnSpc>
+              <a:spcAft>
+                <a:spcPts val="600"/>
+              </a:spcAft>
+              <a:buFont typeface="Arial" panose="020B0604020202020204" pitchFamily="34" charset="0"/>
+              <a:buChar char="•"/>
+            </a:pPr>
+            <a:r>
+              <a:rPr lang="en-US" sz="2000" dirty="0"/>
+              <a:t>Dashboards for a comprehensive analysis</a:t>
+            </a:r>
+          </a:p>
+          <a:p>
+            <a:pPr marL="342900" indent="-342900">
+              <a:lnSpc>
+                <a:spcPct val="90000"/>
+              </a:lnSpc>
+              <a:spcAft>
+                <a:spcPts val="600"/>
+              </a:spcAft>
+              <a:buFont typeface="Arial" panose="020B0604020202020204" pitchFamily="34" charset="0"/>
+              <a:buChar char="•"/>
+            </a:pPr>
+            <a:r>
+              <a:rPr lang="en-US" sz="2000" dirty="0"/>
+              <a:t>Slicers usage for customized results</a:t>
+            </a:r>
+          </a:p>
+          <a:p>
+            <a:pPr marL="342900" indent="-342900">
+              <a:lnSpc>
+                <a:spcPct val="90000"/>
+              </a:lnSpc>
+              <a:spcAft>
+                <a:spcPts val="600"/>
+              </a:spcAft>
+              <a:buFont typeface="Arial" panose="020B0604020202020204" pitchFamily="34" charset="0"/>
+              <a:buChar char="•"/>
+            </a:pPr>
+            <a:r>
+              <a:rPr lang="en-US" sz="2000" dirty="0"/>
+              <a:t>Cards to portray key analytics </a:t>
+            </a:r>
+          </a:p>
+          <a:p>
+            <a:pPr marL="342900" indent="-342900">
+              <a:lnSpc>
+                <a:spcPct val="90000"/>
+              </a:lnSpc>
+              <a:spcAft>
+                <a:spcPts val="600"/>
+              </a:spcAft>
+              <a:buFont typeface="Arial" panose="020B0604020202020204" pitchFamily="34" charset="0"/>
+              <a:buChar char="•"/>
+            </a:pPr>
+            <a:r>
+              <a:rPr lang="en-US" sz="2000" dirty="0"/>
+              <a:t>Variety on Visual Reports</a:t>
+            </a:r>
+          </a:p>
+          <a:p>
+            <a:pPr marL="342900" indent="-342900">
+              <a:lnSpc>
+                <a:spcPct val="90000"/>
+              </a:lnSpc>
+              <a:spcAft>
+                <a:spcPts val="600"/>
+              </a:spcAft>
+              <a:buFont typeface="Arial" panose="020B0604020202020204" pitchFamily="34" charset="0"/>
+              <a:buChar char="•"/>
+            </a:pPr>
+            <a:endParaRPr lang="en-US" sz="2000" dirty="0"/>
+          </a:p>
+          <a:p>
+            <a:pPr marL="514350" indent="-228600">
+              <a:lnSpc>
+                <a:spcPct val="90000"/>
+              </a:lnSpc>
+              <a:spcAft>
+                <a:spcPts val="600"/>
+              </a:spcAft>
+              <a:buFont typeface="Arial" panose="020B0604020202020204" pitchFamily="34" charset="0"/>
+              <a:buChar char="•"/>
+            </a:pPr>
+            <a:endParaRPr lang="en-US" sz="2200" dirty="0"/>
+          </a:p>
+          <a:p>
+            <a:pPr indent="-228600">
+              <a:lnSpc>
+                <a:spcPct val="90000"/>
+              </a:lnSpc>
+              <a:spcAft>
+                <a:spcPts val="600"/>
+              </a:spcAft>
+              <a:buFont typeface="Arial" panose="020B0604020202020204" pitchFamily="34" charset="0"/>
+              <a:buChar char="•"/>
+            </a:pPr>
+            <a:endParaRPr lang="en-US" sz="2200" dirty="0"/>
           </a:p>
         </p:txBody>
       </p:sp>
     </p:spTree>
     <p:extLst>
       <p:ext uri="{BB962C8B-B14F-4D97-AF65-F5344CB8AC3E}">
-        <p14:creationId xmlns:p14="http://schemas.microsoft.com/office/powerpoint/2010/main" val="2479289069"/>
+        <p14:creationId xmlns:p14="http://schemas.microsoft.com/office/powerpoint/2010/main" val="3504525918"/>
       </p:ext>
     </p:extLst>
   </p:cSld>
@@ -27214,12 +25385,20 @@
 <file path=ppt/slides/slide7.xml><?xml version="1.0" encoding="utf-8"?>
 <p:sld xmlns:a="http://schemas.openxmlformats.org/drawingml/2006/main" xmlns:r="http://schemas.openxmlformats.org/officeDocument/2006/relationships" xmlns:p="http://schemas.openxmlformats.org/presentationml/2006/main">
   <p:cSld>
+    <p:bg>
+      <p:bgPr>
+        <a:solidFill>
+          <a:schemeClr val="bg1"/>
+        </a:solidFill>
+        <a:effectLst/>
+      </p:bgPr>
+    </p:bg>
     <p:spTree>
       <p:nvGrpSpPr>
         <p:cNvPr id="1" name="">
           <a:extLst>
             <a:ext uri="{FF2B5EF4-FFF2-40B4-BE49-F238E27FC236}">
-              <a16:creationId xmlns:a16="http://schemas.microsoft.com/office/drawing/2014/main" id="{6D8B738A-84C6-EFC2-EE01-4B828FF7CB90}"/>
+              <a16:creationId xmlns:a16="http://schemas.microsoft.com/office/drawing/2014/main" id="{1649AE68-BF97-7812-B658-58894045E0B4}"/>
             </a:ext>
           </a:extLst>
         </p:cNvPr>
@@ -27234,28 +25413,252 @@
           <a:chExt cx="0" cy="0"/>
         </a:xfrm>
       </p:grpSpPr>
-      <p:sp>
-        <p:nvSpPr>
-          <p:cNvPr id="2" name="Picture Placeholder 1">
-            <a:extLst>
-              <a:ext uri="{FF2B5EF4-FFF2-40B4-BE49-F238E27FC236}">
-                <a16:creationId xmlns:a16="http://schemas.microsoft.com/office/drawing/2014/main" id="{92A9E985-4A5E-97CC-EECB-EBE55346A928}"/>
-              </a:ext>
-            </a:extLst>
-          </p:cNvPr>
-          <p:cNvSpPr>
-            <a:spLocks noGrp="1"/>
-          </p:cNvSpPr>
-          <p:nvPr>
-            <p:ph type="pic" sz="quarter" idx="13"/>
-          </p:nvPr>
-        </p:nvSpPr>
-        <p:spPr/>
-        <p:txBody>
-          <a:bodyPr/>
-          <a:lstStyle/>
-          <a:p>
-            <a:endParaRPr lang="en-GR"/>
+      <p:sp useBgFill="1">
+        <p:nvSpPr>
+          <p:cNvPr id="21" name="Rectangle 20">
+            <a:extLst>
+              <a:ext uri="{FF2B5EF4-FFF2-40B4-BE49-F238E27FC236}">
+                <a16:creationId xmlns:a16="http://schemas.microsoft.com/office/drawing/2014/main" id="{A6E1FA9E-A093-D96C-D32F-420318C95039}"/>
+              </a:ext>
+              <a:ext uri="{C183D7F6-B498-43B3-948B-1728B52AA6E4}">
+                <adec:decorative xmlns:adec="http://schemas.microsoft.com/office/drawing/2017/decorative" val="1"/>
+              </a:ext>
+            </a:extLst>
+          </p:cNvPr>
+          <p:cNvSpPr>
+            <a:spLocks noGrp="1" noRot="1" noChangeAspect="1" noMove="1" noResize="1" noEditPoints="1" noAdjustHandles="1" noChangeArrowheads="1" noChangeShapeType="1" noTextEdit="1"/>
+          </p:cNvSpPr>
+          <p:nvPr>
+            <p:extLst>
+              <p:ext uri="{386F3935-93C4-4BCD-93E2-E3B085C9AB24}">
+                <p16:designElem xmlns:p16="http://schemas.microsoft.com/office/powerpoint/2015/main" val="1"/>
+              </p:ext>
+            </p:extLst>
+          </p:nvPr>
+        </p:nvSpPr>
+        <p:spPr>
+          <a:xfrm>
+            <a:off x="0" y="0"/>
+            <a:ext cx="12192000" cy="6858000"/>
+          </a:xfrm>
+          <a:prstGeom prst="rect">
+            <a:avLst/>
+          </a:prstGeom>
+          <a:ln>
+            <a:noFill/>
+          </a:ln>
+        </p:spPr>
+        <p:style>
+          <a:lnRef idx="2">
+            <a:schemeClr val="accent1">
+              <a:shade val="50000"/>
+            </a:schemeClr>
+          </a:lnRef>
+          <a:fillRef idx="1">
+            <a:schemeClr val="accent1"/>
+          </a:fillRef>
+          <a:effectRef idx="0">
+            <a:schemeClr val="accent1"/>
+          </a:effectRef>
+          <a:fontRef idx="minor">
+            <a:schemeClr val="lt1"/>
+          </a:fontRef>
+        </p:style>
+        <p:txBody>
+          <a:bodyPr rtlCol="0" anchor="ctr"/>
+          <a:lstStyle/>
+          <a:p>
+            <a:pPr algn="ctr"/>
+            <a:endParaRPr lang="en-US"/>
+          </a:p>
+        </p:txBody>
+      </p:sp>
+      <p:sp useBgFill="1">
+        <p:nvSpPr>
+          <p:cNvPr id="22" name="Rectangle 21">
+            <a:extLst>
+              <a:ext uri="{FF2B5EF4-FFF2-40B4-BE49-F238E27FC236}">
+                <a16:creationId xmlns:a16="http://schemas.microsoft.com/office/drawing/2014/main" id="{FF9C37E9-D5E1-7800-0D01-41B50B49B4DA}"/>
+              </a:ext>
+              <a:ext uri="{C183D7F6-B498-43B3-948B-1728B52AA6E4}">
+                <adec:decorative xmlns:adec="http://schemas.microsoft.com/office/drawing/2017/decorative" val="1"/>
+              </a:ext>
+            </a:extLst>
+          </p:cNvPr>
+          <p:cNvSpPr>
+            <a:spLocks noGrp="1" noRot="1" noChangeAspect="1" noMove="1" noResize="1" noEditPoints="1" noAdjustHandles="1" noChangeArrowheads="1" noChangeShapeType="1" noTextEdit="1"/>
+          </p:cNvSpPr>
+          <p:nvPr>
+            <p:extLst>
+              <p:ext uri="{386F3935-93C4-4BCD-93E2-E3B085C9AB24}">
+                <p16:designElem xmlns:p16="http://schemas.microsoft.com/office/powerpoint/2015/main" val="1"/>
+              </p:ext>
+            </p:extLst>
+          </p:nvPr>
+        </p:nvSpPr>
+        <p:spPr>
+          <a:xfrm>
+            <a:off x="558209" y="0"/>
+            <a:ext cx="11167447" cy="2018806"/>
+          </a:xfrm>
+          <a:prstGeom prst="rect">
+            <a:avLst/>
+          </a:prstGeom>
+          <a:ln w="9525">
+            <a:solidFill>
+              <a:srgbClr val="E1E1E1"/>
+            </a:solidFill>
+          </a:ln>
+          <a:effectLst>
+            <a:outerShdw blurRad="50800" dist="38100" dir="2700000" algn="tl" rotWithShape="0">
+              <a:schemeClr val="bg1">
+                <a:lumMod val="85000"/>
+                <a:alpha val="50000"/>
+              </a:schemeClr>
+            </a:outerShdw>
+          </a:effectLst>
+        </p:spPr>
+        <p:style>
+          <a:lnRef idx="2">
+            <a:schemeClr val="accent1">
+              <a:shade val="50000"/>
+            </a:schemeClr>
+          </a:lnRef>
+          <a:fillRef idx="1">
+            <a:schemeClr val="accent1"/>
+          </a:fillRef>
+          <a:effectRef idx="0">
+            <a:schemeClr val="accent1"/>
+          </a:effectRef>
+          <a:fontRef idx="minor">
+            <a:schemeClr val="lt1"/>
+          </a:fontRef>
+        </p:style>
+        <p:txBody>
+          <a:bodyPr rtlCol="0" anchor="ctr"/>
+          <a:lstStyle/>
+          <a:p>
+            <a:pPr marL="0" marR="0" lvl="0" indent="0" algn="ctr" defTabSz="914400" rtl="0" eaLnBrk="1" fontAlgn="auto" latinLnBrk="0" hangingPunct="1">
+              <a:lnSpc>
+                <a:spcPct val="100000"/>
+              </a:lnSpc>
+              <a:spcBef>
+                <a:spcPts val="0"/>
+              </a:spcBef>
+              <a:spcAft>
+                <a:spcPts val="0"/>
+              </a:spcAft>
+              <a:buClrTx/>
+              <a:buSzTx/>
+              <a:buFontTx/>
+              <a:buNone/>
+              <a:tabLst/>
+              <a:defRPr/>
+            </a:pPr>
+            <a:endParaRPr kumimoji="0" lang="en-US" sz="1800" b="0" i="0" u="none" strike="noStrike" kern="1200" cap="none" spc="0" normalizeH="0" baseline="0" noProof="0">
+              <a:ln>
+                <a:noFill/>
+              </a:ln>
+              <a:solidFill>
+                <a:prstClr val="white"/>
+              </a:solidFill>
+              <a:effectLst/>
+              <a:uLnTx/>
+              <a:uFillTx/>
+              <a:latin typeface="Calibri" panose="020F0502020204030204"/>
+              <a:ea typeface="+mn-ea"/>
+              <a:cs typeface="+mn-cs"/>
+            </a:endParaRPr>
+          </a:p>
+        </p:txBody>
+      </p:sp>
+      <p:sp useBgFill="1">
+        <p:nvSpPr>
+          <p:cNvPr id="23" name="Rectangle 22">
+            <a:extLst>
+              <a:ext uri="{FF2B5EF4-FFF2-40B4-BE49-F238E27FC236}">
+                <a16:creationId xmlns:a16="http://schemas.microsoft.com/office/drawing/2014/main" id="{84945DE9-6AF8-F466-E37B-74789F429A88}"/>
+              </a:ext>
+              <a:ext uri="{C183D7F6-B498-43B3-948B-1728B52AA6E4}">
+                <adec:decorative xmlns:adec="http://schemas.microsoft.com/office/drawing/2017/decorative" val="1"/>
+              </a:ext>
+            </a:extLst>
+          </p:cNvPr>
+          <p:cNvSpPr>
+            <a:spLocks noGrp="1" noRot="1" noChangeAspect="1" noMove="1" noResize="1" noEditPoints="1" noAdjustHandles="1" noChangeArrowheads="1" noChangeShapeType="1" noTextEdit="1"/>
+          </p:cNvSpPr>
+          <p:nvPr>
+            <p:extLst>
+              <p:ext uri="{386F3935-93C4-4BCD-93E2-E3B085C9AB24}">
+                <p16:designElem xmlns:p16="http://schemas.microsoft.com/office/powerpoint/2015/main" val="1"/>
+              </p:ext>
+            </p:extLst>
+          </p:nvPr>
+        </p:nvSpPr>
+        <p:spPr>
+          <a:xfrm>
+            <a:off x="566928" y="0"/>
+            <a:ext cx="11155680" cy="2011680"/>
+          </a:xfrm>
+          <a:prstGeom prst="rect">
+            <a:avLst/>
+          </a:prstGeom>
+          <a:ln w="9525">
+            <a:noFill/>
+          </a:ln>
+          <a:effectLst/>
+        </p:spPr>
+        <p:style>
+          <a:lnRef idx="2">
+            <a:schemeClr val="accent1">
+              <a:shade val="50000"/>
+            </a:schemeClr>
+          </a:lnRef>
+          <a:fillRef idx="1">
+            <a:schemeClr val="accent1"/>
+          </a:fillRef>
+          <a:effectRef idx="0">
+            <a:schemeClr val="accent1"/>
+          </a:effectRef>
+          <a:fontRef idx="minor">
+            <a:schemeClr val="lt1"/>
+          </a:fontRef>
+        </p:style>
+        <p:txBody>
+          <a:bodyPr rtlCol="0" anchor="ctr"/>
+          <a:lstStyle/>
+          <a:p>
+            <a:pPr marL="0" marR="0" lvl="0" indent="0" algn="ctr" defTabSz="914400" rtl="0" eaLnBrk="1" fontAlgn="auto" latinLnBrk="0" hangingPunct="1">
+              <a:lnSpc>
+                <a:spcPct val="100000"/>
+              </a:lnSpc>
+              <a:spcBef>
+                <a:spcPts val="0"/>
+              </a:spcBef>
+              <a:spcAft>
+                <a:spcPts val="0"/>
+              </a:spcAft>
+              <a:buClrTx/>
+              <a:buSzTx/>
+              <a:buFontTx/>
+              <a:buNone/>
+              <a:tabLst/>
+              <a:defRPr/>
+            </a:pPr>
+            <a:endParaRPr kumimoji="0" lang="en-US" sz="1800" b="0" i="0" u="none" strike="noStrike" kern="1200" cap="none" spc="0" normalizeH="0" baseline="0" noProof="0">
+              <a:ln>
+                <a:noFill/>
+              </a:ln>
+              <a:solidFill>
+                <a:prstClr val="white"/>
+              </a:solidFill>
+              <a:effectLst/>
+              <a:uLnTx/>
+              <a:uFillTx/>
+              <a:latin typeface="Calibri" panose="020F0502020204030204"/>
+              <a:ea typeface="+mn-ea"/>
+              <a:cs typeface="+mn-cs"/>
+            </a:endParaRPr>
           </a:p>
         </p:txBody>
       </p:sp>
@@ -27264,7 +25667,7 @@
           <p:cNvPr id="3" name="Title 2">
             <a:extLst>
               <a:ext uri="{FF2B5EF4-FFF2-40B4-BE49-F238E27FC236}">
-                <a16:creationId xmlns:a16="http://schemas.microsoft.com/office/drawing/2014/main" id="{6410CD16-D13C-2D30-AB4E-F39D629E4EFC}"/>
+                <a16:creationId xmlns:a16="http://schemas.microsoft.com/office/drawing/2014/main" id="{E6867675-4389-B256-A34F-488A20EABA3C}"/>
               </a:ext>
             </a:extLst>
           </p:cNvPr>
@@ -27275,57 +25678,311 @@
             <p:ph type="ctrTitle"/>
           </p:nvPr>
         </p:nvSpPr>
-        <p:spPr/>
-        <p:txBody>
-          <a:bodyPr/>
-          <a:lstStyle/>
-          <a:p>
-            <a:r>
-              <a:rPr lang="en-US" dirty="0">
+        <p:spPr>
+          <a:xfrm>
+            <a:off x="1115568" y="548640"/>
+            <a:ext cx="10168128" cy="1179576"/>
+          </a:xfrm>
+        </p:spPr>
+        <p:txBody>
+          <a:bodyPr vert="horz" lIns="91440" tIns="45720" rIns="91440" bIns="45720" rtlCol="0" anchor="ctr">
+            <a:normAutofit/>
+          </a:bodyPr>
+          <a:lstStyle/>
+          <a:p>
+            <a:r>
+              <a:rPr lang="en-US" kern="1200" dirty="0" err="1">
                 <a:solidFill>
                   <a:schemeClr val="tx1"/>
                 </a:solidFill>
+                <a:latin typeface="+mj-lt"/>
+                <a:ea typeface="+mj-ea"/>
+                <a:cs typeface="+mj-cs"/>
               </a:rPr>
-              <a:t>Power BI</a:t>
-            </a:r>
-          </a:p>
-        </p:txBody>
-      </p:sp>
-      <p:sp>
-        <p:nvSpPr>
-          <p:cNvPr id="4" name="Content Placeholder 3">
-            <a:extLst>
-              <a:ext uri="{FF2B5EF4-FFF2-40B4-BE49-F238E27FC236}">
-                <a16:creationId xmlns:a16="http://schemas.microsoft.com/office/drawing/2014/main" id="{241E0303-5349-C026-F119-89CA372EFDFB}"/>
-              </a:ext>
-            </a:extLst>
-          </p:cNvPr>
-          <p:cNvSpPr>
-            <a:spLocks noGrp="1"/>
-          </p:cNvSpPr>
-          <p:nvPr>
-            <p:ph sz="quarter" idx="14"/>
-          </p:nvPr>
-        </p:nvSpPr>
-        <p:spPr/>
-        <p:txBody>
-          <a:bodyPr/>
-          <a:lstStyle/>
-          <a:p>
-            <a:pPr marL="0" indent="0">
-              <a:buNone/>
+              <a:t>PowerBI</a:t>
+            </a:r>
+            <a:r>
+              <a:rPr lang="en-US" kern="1200" dirty="0">
+                <a:solidFill>
+                  <a:schemeClr val="tx1"/>
+                </a:solidFill>
+                <a:latin typeface="+mj-lt"/>
+                <a:ea typeface="+mj-ea"/>
+                <a:cs typeface="+mj-cs"/>
+              </a:rPr>
+              <a:t> Insights</a:t>
+            </a:r>
+          </a:p>
+        </p:txBody>
+      </p:sp>
+      <p:sp>
+        <p:nvSpPr>
+          <p:cNvPr id="20" name="Rectangle 19">
+            <a:extLst>
+              <a:ext uri="{FF2B5EF4-FFF2-40B4-BE49-F238E27FC236}">
+                <a16:creationId xmlns:a16="http://schemas.microsoft.com/office/drawing/2014/main" id="{ECBFD89E-663E-EA11-B119-10D7063F016E}"/>
+              </a:ext>
+              <a:ext uri="{C183D7F6-B498-43B3-948B-1728B52AA6E4}">
+                <adec:decorative xmlns:adec="http://schemas.microsoft.com/office/drawing/2017/decorative" val="1"/>
+              </a:ext>
+            </a:extLst>
+          </p:cNvPr>
+          <p:cNvSpPr>
+            <a:spLocks noGrp="1" noRot="1" noChangeAspect="1" noMove="1" noResize="1" noEditPoints="1" noAdjustHandles="1" noChangeArrowheads="1" noChangeShapeType="1" noTextEdit="1"/>
+          </p:cNvSpPr>
+          <p:nvPr>
+            <p:extLst>
+              <p:ext uri="{386F3935-93C4-4BCD-93E2-E3B085C9AB24}">
+                <p16:designElem xmlns:p16="http://schemas.microsoft.com/office/powerpoint/2015/main" val="1"/>
+              </p:ext>
+            </p:extLst>
+          </p:nvPr>
+        </p:nvSpPr>
+        <p:spPr>
+          <a:xfrm>
+            <a:off x="498834" y="758952"/>
+            <a:ext cx="128016" cy="704088"/>
+          </a:xfrm>
+          <a:prstGeom prst="rect">
+            <a:avLst/>
+          </a:prstGeom>
+          <a:solidFill>
+            <a:schemeClr val="accent2"/>
+          </a:solidFill>
+          <a:ln>
+            <a:noFill/>
+          </a:ln>
+        </p:spPr>
+        <p:style>
+          <a:lnRef idx="2">
+            <a:schemeClr val="accent1">
+              <a:shade val="50000"/>
+            </a:schemeClr>
+          </a:lnRef>
+          <a:fillRef idx="1">
+            <a:schemeClr val="accent1"/>
+          </a:fillRef>
+          <a:effectRef idx="0">
+            <a:schemeClr val="accent1"/>
+          </a:effectRef>
+          <a:fontRef idx="minor">
+            <a:schemeClr val="lt1"/>
+          </a:fontRef>
+        </p:style>
+        <p:txBody>
+          <a:bodyPr rtlCol="0" anchor="ctr"/>
+          <a:lstStyle/>
+          <a:p>
+            <a:pPr algn="ctr"/>
+            <a:endParaRPr lang="en-US">
+              <a:solidFill>
+                <a:prstClr val="white"/>
+              </a:solidFill>
+              <a:latin typeface="Calibri" panose="020F0502020204030204"/>
+            </a:endParaRPr>
+          </a:p>
+        </p:txBody>
+      </p:sp>
+      <p:pic>
+        <p:nvPicPr>
+          <p:cNvPr id="5" name="Picture 4" descr="A screenshot of a computer&#10;&#10;Description automatically generated">
+            <a:extLst>
+              <a:ext uri="{FF2B5EF4-FFF2-40B4-BE49-F238E27FC236}">
+                <a16:creationId xmlns:a16="http://schemas.microsoft.com/office/drawing/2014/main" id="{F5EA1F4B-2DB3-C7F3-7D69-D63C0AF420E1}"/>
+              </a:ext>
+            </a:extLst>
+          </p:cNvPr>
+          <p:cNvPicPr>
+            <a:picLocks noChangeAspect="1"/>
+          </p:cNvPicPr>
+          <p:nvPr/>
+        </p:nvPicPr>
+        <p:blipFill>
+          <a:blip r:embed="rId2">
+            <a:extLst>
+              <a:ext uri="{28A0092B-C50C-407E-A947-70E740481C1C}">
+                <a14:useLocalDpi xmlns:a14="http://schemas.microsoft.com/office/drawing/2010/main" val="0"/>
+              </a:ext>
+            </a:extLst>
+          </a:blip>
+          <a:stretch>
+            <a:fillRect/>
+          </a:stretch>
+        </p:blipFill>
+        <p:spPr>
+          <a:xfrm>
+            <a:off x="3989341" y="2188924"/>
+            <a:ext cx="8202660" cy="4669076"/>
+          </a:xfrm>
+          <a:prstGeom prst="rect">
+            <a:avLst/>
+          </a:prstGeom>
+        </p:spPr>
+      </p:pic>
+      <p:sp>
+        <p:nvSpPr>
+          <p:cNvPr id="6" name="TextBox 5">
+            <a:extLst>
+              <a:ext uri="{FF2B5EF4-FFF2-40B4-BE49-F238E27FC236}">
+                <a16:creationId xmlns:a16="http://schemas.microsoft.com/office/drawing/2014/main" id="{35066BB1-9BA4-FAA5-546B-072208D65DEB}"/>
+              </a:ext>
+            </a:extLst>
+          </p:cNvPr>
+          <p:cNvSpPr txBox="1"/>
+          <p:nvPr/>
+        </p:nvSpPr>
+        <p:spPr>
+          <a:xfrm>
+            <a:off x="469392" y="2560320"/>
+            <a:ext cx="3050556" cy="3749040"/>
+          </a:xfrm>
+          <a:prstGeom prst="rect">
+            <a:avLst/>
+          </a:prstGeom>
+        </p:spPr>
+        <p:txBody>
+          <a:bodyPr vert="horz" lIns="91440" tIns="45720" rIns="91440" bIns="45720" rtlCol="0">
+            <a:normAutofit/>
+          </a:bodyPr>
+          <a:lstStyle/>
+          <a:p>
+            <a:pPr>
+              <a:lnSpc>
+                <a:spcPct val="90000"/>
+              </a:lnSpc>
+              <a:spcAft>
+                <a:spcPts val="600"/>
+              </a:spcAft>
             </a:pPr>
             <a:r>
-              <a:rPr lang="en-US" dirty="0"/>
-              <a:t>Photo of a dashboard and comments on the analysis</a:t>
-            </a:r>
+              <a:rPr lang="en-US" sz="2200" i="1" dirty="0"/>
+              <a:t>Comments</a:t>
+            </a:r>
+            <a:r>
+              <a:rPr lang="en-US" sz="2200" dirty="0"/>
+              <a:t>:</a:t>
+            </a:r>
+          </a:p>
+          <a:p>
+            <a:pPr>
+              <a:lnSpc>
+                <a:spcPct val="90000"/>
+              </a:lnSpc>
+              <a:spcAft>
+                <a:spcPts val="600"/>
+              </a:spcAft>
+            </a:pPr>
+            <a:endParaRPr lang="en-US" sz="2200" dirty="0"/>
+          </a:p>
+          <a:p>
+            <a:pPr marL="342900" indent="-342900">
+              <a:lnSpc>
+                <a:spcPct val="90000"/>
+              </a:lnSpc>
+              <a:spcAft>
+                <a:spcPts val="600"/>
+              </a:spcAft>
+              <a:buFont typeface="Arial" panose="020B0604020202020204" pitchFamily="34" charset="0"/>
+              <a:buChar char="•"/>
+            </a:pPr>
+            <a:r>
+              <a:rPr lang="en-US" sz="2000" dirty="0"/>
+              <a:t>Dashboards for a comprehensive analysis</a:t>
+            </a:r>
+          </a:p>
+          <a:p>
+            <a:pPr marL="342900" indent="-342900">
+              <a:lnSpc>
+                <a:spcPct val="90000"/>
+              </a:lnSpc>
+              <a:spcAft>
+                <a:spcPts val="600"/>
+              </a:spcAft>
+              <a:buFont typeface="Arial" panose="020B0604020202020204" pitchFamily="34" charset="0"/>
+              <a:buChar char="•"/>
+            </a:pPr>
+            <a:r>
+              <a:rPr lang="en-US" sz="2000" dirty="0"/>
+              <a:t>Slicers usage for customized results</a:t>
+            </a:r>
+          </a:p>
+          <a:p>
+            <a:pPr marL="342900" indent="-342900">
+              <a:lnSpc>
+                <a:spcPct val="90000"/>
+              </a:lnSpc>
+              <a:spcAft>
+                <a:spcPts val="600"/>
+              </a:spcAft>
+              <a:buFont typeface="Arial" panose="020B0604020202020204" pitchFamily="34" charset="0"/>
+              <a:buChar char="•"/>
+            </a:pPr>
+            <a:r>
+              <a:rPr lang="en-US" sz="2000" dirty="0"/>
+              <a:t>Cards to portray key analytics </a:t>
+            </a:r>
+          </a:p>
+          <a:p>
+            <a:pPr marL="342900" indent="-342900">
+              <a:lnSpc>
+                <a:spcPct val="90000"/>
+              </a:lnSpc>
+              <a:spcAft>
+                <a:spcPts val="600"/>
+              </a:spcAft>
+              <a:buFont typeface="Arial" panose="020B0604020202020204" pitchFamily="34" charset="0"/>
+              <a:buChar char="•"/>
+            </a:pPr>
+            <a:r>
+              <a:rPr lang="en-US" sz="2000" dirty="0"/>
+              <a:t>Variety on Visual Reports</a:t>
+            </a:r>
+          </a:p>
+          <a:p>
+            <a:pPr marL="342900" indent="-342900">
+              <a:lnSpc>
+                <a:spcPct val="90000"/>
+              </a:lnSpc>
+              <a:spcAft>
+                <a:spcPts val="600"/>
+              </a:spcAft>
+              <a:buFont typeface="Arial" panose="020B0604020202020204" pitchFamily="34" charset="0"/>
+              <a:buChar char="•"/>
+            </a:pPr>
+            <a:endParaRPr lang="en-US" sz="2000" dirty="0"/>
+          </a:p>
+          <a:p>
+            <a:pPr marL="514350" indent="-228600">
+              <a:lnSpc>
+                <a:spcPct val="90000"/>
+              </a:lnSpc>
+              <a:spcAft>
+                <a:spcPts val="600"/>
+              </a:spcAft>
+              <a:buFont typeface="Arial" panose="020B0604020202020204" pitchFamily="34" charset="0"/>
+              <a:buChar char="•"/>
+            </a:pPr>
+            <a:endParaRPr lang="en-US" sz="2200" dirty="0"/>
+          </a:p>
+          <a:p>
+            <a:pPr indent="-228600">
+              <a:lnSpc>
+                <a:spcPct val="90000"/>
+              </a:lnSpc>
+              <a:spcAft>
+                <a:spcPts val="600"/>
+              </a:spcAft>
+              <a:buFont typeface="Arial" panose="020B0604020202020204" pitchFamily="34" charset="0"/>
+              <a:buChar char="•"/>
+            </a:pPr>
+            <a:endParaRPr lang="en-US" sz="2200" dirty="0"/>
           </a:p>
         </p:txBody>
       </p:sp>
     </p:spTree>
     <p:extLst>
       <p:ext uri="{BB962C8B-B14F-4D97-AF65-F5344CB8AC3E}">
-        <p14:creationId xmlns:p14="http://schemas.microsoft.com/office/powerpoint/2010/main" val="29665946"/>
+        <p14:creationId xmlns:p14="http://schemas.microsoft.com/office/powerpoint/2010/main" val="3482666337"/>
       </p:ext>
     </p:extLst>
   </p:cSld>
@@ -27598,37 +26255,1377 @@
           </a:p>
         </p:txBody>
       </p:sp>
-      <p:graphicFrame>
-        <p:nvGraphicFramePr>
-          <p:cNvPr id="8" name="Content Placeholder 3">
-            <a:extLst>
-              <a:ext uri="{FF2B5EF4-FFF2-40B4-BE49-F238E27FC236}">
-                <a16:creationId xmlns:a16="http://schemas.microsoft.com/office/drawing/2014/main" id="{CE6A2FFF-19A9-E65A-65F9-7ECFE57B5BFC}"/>
-              </a:ext>
-            </a:extLst>
-          </p:cNvPr>
-          <p:cNvGraphicFramePr>
-            <a:graphicFrameLocks noGrp="1"/>
-          </p:cNvGraphicFramePr>
-          <p:nvPr>
-            <p:ph sz="quarter" idx="14"/>
-            <p:extLst>
-              <p:ext uri="{D42A27DB-BD31-4B8C-83A1-F6EECF244321}">
-                <p14:modId xmlns:p14="http://schemas.microsoft.com/office/powerpoint/2010/main" val="2509581419"/>
-              </p:ext>
-            </p:extLst>
-          </p:nvPr>
-        </p:nvGraphicFramePr>
-        <p:xfrm>
-          <a:off x="838200" y="1828800"/>
-          <a:ext cx="10515600" cy="4352544"/>
-        </p:xfrm>
-        <a:graphic>
-          <a:graphicData uri="http://schemas.openxmlformats.org/drawingml/2006/diagram">
-            <dgm:relIds xmlns:dgm="http://schemas.openxmlformats.org/drawingml/2006/diagram" xmlns:r="http://schemas.openxmlformats.org/officeDocument/2006/relationships" r:dm="rId2" r:lo="rId3" r:qs="rId4" r:cs="rId5"/>
-          </a:graphicData>
-        </a:graphic>
-      </p:graphicFrame>
+      <p:grpSp>
+        <p:nvGrpSpPr>
+          <p:cNvPr id="2" name="Group 1">
+            <a:extLst>
+              <a:ext uri="{FF2B5EF4-FFF2-40B4-BE49-F238E27FC236}">
+                <a16:creationId xmlns:a16="http://schemas.microsoft.com/office/drawing/2014/main" id="{92BDFAEE-7E7B-2BEE-C9B6-299A7A37B0B0}"/>
+              </a:ext>
+            </a:extLst>
+          </p:cNvPr>
+          <p:cNvGrpSpPr/>
+          <p:nvPr/>
+        </p:nvGrpSpPr>
+        <p:grpSpPr>
+          <a:xfrm>
+            <a:off x="966000" y="2925071"/>
+            <a:ext cx="10260000" cy="2160001"/>
+            <a:chOff x="966000" y="2925071"/>
+            <a:chExt cx="10260000" cy="2160001"/>
+          </a:xfrm>
+        </p:grpSpPr>
+        <p:sp>
+          <p:nvSpPr>
+            <p:cNvPr id="15" name="Rectangle: Diagonal Corners Rounded 14">
+              <a:extLst>
+                <a:ext uri="{FF2B5EF4-FFF2-40B4-BE49-F238E27FC236}">
+                  <a16:creationId xmlns:a16="http://schemas.microsoft.com/office/drawing/2014/main" id="{F3D8F382-3F06-0B74-A0C0-FDF946F456A4}"/>
+                </a:ext>
+              </a:extLst>
+            </p:cNvPr>
+            <p:cNvSpPr/>
+            <p:nvPr/>
+          </p:nvSpPr>
+          <p:spPr>
+            <a:xfrm>
+              <a:off x="7662000" y="2925071"/>
+              <a:ext cx="1098000" cy="1098000"/>
+            </a:xfrm>
+            <a:prstGeom prst="round2DiagRect">
+              <a:avLst>
+                <a:gd name="adj1" fmla="val 29727"/>
+                <a:gd name="adj2" fmla="val 0"/>
+              </a:avLst>
+            </a:prstGeom>
+          </p:spPr>
+          <p:style>
+            <a:lnRef idx="0">
+              <a:schemeClr val="dk1">
+                <a:hueOff val="0"/>
+                <a:satOff val="0"/>
+                <a:lumOff val="0"/>
+                <a:alphaOff val="0"/>
+              </a:schemeClr>
+            </a:lnRef>
+            <a:fillRef idx="1">
+              <a:schemeClr val="bg1">
+                <a:lumMod val="95000"/>
+                <a:hueOff val="0"/>
+                <a:satOff val="0"/>
+                <a:lumOff val="0"/>
+                <a:alphaOff val="0"/>
+              </a:schemeClr>
+            </a:fillRef>
+            <a:effectRef idx="0">
+              <a:schemeClr val="bg1">
+                <a:lumMod val="95000"/>
+                <a:hueOff val="0"/>
+                <a:satOff val="0"/>
+                <a:lumOff val="0"/>
+                <a:alphaOff val="0"/>
+              </a:schemeClr>
+            </a:effectRef>
+            <a:fontRef idx="minor">
+              <a:schemeClr val="dk1">
+                <a:hueOff val="0"/>
+                <a:satOff val="0"/>
+                <a:lumOff val="0"/>
+                <a:alphaOff val="0"/>
+              </a:schemeClr>
+            </a:fontRef>
+          </p:style>
+          <p:txBody>
+            <a:bodyPr/>
+            <a:lstStyle/>
+            <a:p>
+              <a:endParaRPr lang="en-US"/>
+            </a:p>
+          </p:txBody>
+        </p:sp>
+        <p:sp>
+          <p:nvSpPr>
+            <p:cNvPr id="18" name="Rectangle: Diagonal Corners Rounded 17">
+              <a:extLst>
+                <a:ext uri="{FF2B5EF4-FFF2-40B4-BE49-F238E27FC236}">
+                  <a16:creationId xmlns:a16="http://schemas.microsoft.com/office/drawing/2014/main" id="{9ACADA94-9122-A213-3DA8-6A0D07321BD5}"/>
+                </a:ext>
+              </a:extLst>
+            </p:cNvPr>
+            <p:cNvSpPr/>
+            <p:nvPr/>
+          </p:nvSpPr>
+          <p:spPr>
+            <a:xfrm>
+              <a:off x="9777000" y="2925071"/>
+              <a:ext cx="1098000" cy="1098000"/>
+            </a:xfrm>
+            <a:prstGeom prst="round2DiagRect">
+              <a:avLst>
+                <a:gd name="adj1" fmla="val 29727"/>
+                <a:gd name="adj2" fmla="val 0"/>
+              </a:avLst>
+            </a:prstGeom>
+          </p:spPr>
+          <p:style>
+            <a:lnRef idx="0">
+              <a:schemeClr val="dk1">
+                <a:hueOff val="0"/>
+                <a:satOff val="0"/>
+                <a:lumOff val="0"/>
+                <a:alphaOff val="0"/>
+              </a:schemeClr>
+            </a:lnRef>
+            <a:fillRef idx="1">
+              <a:schemeClr val="bg1">
+                <a:lumMod val="95000"/>
+                <a:hueOff val="0"/>
+                <a:satOff val="0"/>
+                <a:lumOff val="0"/>
+                <a:alphaOff val="0"/>
+              </a:schemeClr>
+            </a:fillRef>
+            <a:effectRef idx="0">
+              <a:schemeClr val="bg1">
+                <a:lumMod val="95000"/>
+                <a:hueOff val="0"/>
+                <a:satOff val="0"/>
+                <a:lumOff val="0"/>
+                <a:alphaOff val="0"/>
+              </a:schemeClr>
+            </a:effectRef>
+            <a:fontRef idx="minor">
+              <a:schemeClr val="dk1">
+                <a:hueOff val="0"/>
+                <a:satOff val="0"/>
+                <a:lumOff val="0"/>
+                <a:alphaOff val="0"/>
+              </a:schemeClr>
+            </a:fontRef>
+          </p:style>
+          <p:txBody>
+            <a:bodyPr/>
+            <a:lstStyle/>
+            <a:p>
+              <a:endParaRPr lang="en-US"/>
+            </a:p>
+          </p:txBody>
+        </p:sp>
+        <p:sp>
+          <p:nvSpPr>
+            <p:cNvPr id="4" name="Rectangle: Diagonal Corners Rounded 3">
+              <a:extLst>
+                <a:ext uri="{FF2B5EF4-FFF2-40B4-BE49-F238E27FC236}">
+                  <a16:creationId xmlns:a16="http://schemas.microsoft.com/office/drawing/2014/main" id="{6C2AA114-2B46-C43A-0655-B068F5BDFF0E}"/>
+                </a:ext>
+              </a:extLst>
+            </p:cNvPr>
+            <p:cNvSpPr/>
+            <p:nvPr/>
+          </p:nvSpPr>
+          <p:spPr>
+            <a:xfrm>
+              <a:off x="1317000" y="2925071"/>
+              <a:ext cx="1098000" cy="1098000"/>
+            </a:xfrm>
+            <a:prstGeom prst="round2DiagRect">
+              <a:avLst>
+                <a:gd name="adj1" fmla="val 29727"/>
+                <a:gd name="adj2" fmla="val 0"/>
+              </a:avLst>
+            </a:prstGeom>
+          </p:spPr>
+          <p:style>
+            <a:lnRef idx="0">
+              <a:schemeClr val="dk1">
+                <a:hueOff val="0"/>
+                <a:satOff val="0"/>
+                <a:lumOff val="0"/>
+                <a:alphaOff val="0"/>
+              </a:schemeClr>
+            </a:lnRef>
+            <a:fillRef idx="1">
+              <a:schemeClr val="bg1">
+                <a:lumMod val="95000"/>
+                <a:hueOff val="0"/>
+                <a:satOff val="0"/>
+                <a:lumOff val="0"/>
+                <a:alphaOff val="0"/>
+              </a:schemeClr>
+            </a:fillRef>
+            <a:effectRef idx="0">
+              <a:schemeClr val="bg1">
+                <a:lumMod val="95000"/>
+                <a:hueOff val="0"/>
+                <a:satOff val="0"/>
+                <a:lumOff val="0"/>
+                <a:alphaOff val="0"/>
+              </a:schemeClr>
+            </a:effectRef>
+            <a:fontRef idx="minor">
+              <a:schemeClr val="dk1">
+                <a:hueOff val="0"/>
+                <a:satOff val="0"/>
+                <a:lumOff val="0"/>
+                <a:alphaOff val="0"/>
+              </a:schemeClr>
+            </a:fontRef>
+          </p:style>
+          <p:txBody>
+            <a:bodyPr/>
+            <a:lstStyle/>
+            <a:p>
+              <a:endParaRPr lang="en-US"/>
+            </a:p>
+          </p:txBody>
+        </p:sp>
+        <p:sp>
+          <p:nvSpPr>
+            <p:cNvPr id="5" name="Rectangle 4" descr="User">
+              <a:extLst>
+                <a:ext uri="{FF2B5EF4-FFF2-40B4-BE49-F238E27FC236}">
+                  <a16:creationId xmlns:a16="http://schemas.microsoft.com/office/drawing/2014/main" id="{412A43DA-D950-E080-254D-4B4481DC5518}"/>
+                </a:ext>
+              </a:extLst>
+            </p:cNvPr>
+            <p:cNvSpPr/>
+            <p:nvPr/>
+          </p:nvSpPr>
+          <p:spPr>
+            <a:xfrm>
+              <a:off x="1551000" y="3159072"/>
+              <a:ext cx="630000" cy="630000"/>
+            </a:xfrm>
+            <a:prstGeom prst="rect">
+              <a:avLst/>
+            </a:prstGeom>
+            <a:blipFill>
+              <a:blip r:embed="rId2">
+                <a:extLst>
+                  <a:ext uri="{28A0092B-C50C-407E-A947-70E740481C1C}">
+                    <a14:useLocalDpi xmlns:a14="http://schemas.microsoft.com/office/drawing/2010/main" val="0"/>
+                  </a:ext>
+                  <a:ext uri="{96DAC541-7B7A-43D3-8B79-37D633B846F1}">
+                    <asvg:svgBlip xmlns:asvg="http://schemas.microsoft.com/office/drawing/2016/SVG/main" r:embed="rId3"/>
+                  </a:ext>
+                </a:extLst>
+              </a:blip>
+              <a:stretch>
+                <a:fillRect/>
+              </a:stretch>
+            </a:blipFill>
+            <a:ln>
+              <a:noFill/>
+            </a:ln>
+          </p:spPr>
+          <p:style>
+            <a:lnRef idx="2">
+              <a:scrgbClr r="0" g="0" b="0"/>
+            </a:lnRef>
+            <a:fillRef idx="1">
+              <a:scrgbClr r="0" g="0" b="0"/>
+            </a:fillRef>
+            <a:effectRef idx="0">
+              <a:schemeClr val="accent2">
+                <a:hueOff val="0"/>
+                <a:satOff val="0"/>
+                <a:lumOff val="0"/>
+                <a:alphaOff val="0"/>
+              </a:schemeClr>
+            </a:effectRef>
+            <a:fontRef idx="minor">
+              <a:schemeClr val="lt1"/>
+            </a:fontRef>
+          </p:style>
+          <p:txBody>
+            <a:bodyPr/>
+            <a:lstStyle/>
+            <a:p>
+              <a:endParaRPr lang="en-US"/>
+            </a:p>
+          </p:txBody>
+        </p:sp>
+        <p:sp>
+          <p:nvSpPr>
+            <p:cNvPr id="7" name="Freeform: Shape 6">
+              <a:extLst>
+                <a:ext uri="{FF2B5EF4-FFF2-40B4-BE49-F238E27FC236}">
+                  <a16:creationId xmlns:a16="http://schemas.microsoft.com/office/drawing/2014/main" id="{764FCE13-5732-2020-1699-369D0DB00386}"/>
+                </a:ext>
+              </a:extLst>
+            </p:cNvPr>
+            <p:cNvSpPr/>
+            <p:nvPr/>
+          </p:nvSpPr>
+          <p:spPr>
+            <a:xfrm>
+              <a:off x="966000" y="4365072"/>
+              <a:ext cx="1800000" cy="720000"/>
+            </a:xfrm>
+            <a:custGeom>
+              <a:avLst/>
+              <a:gdLst>
+                <a:gd name="connsiteX0" fmla="*/ 0 w 1800000"/>
+                <a:gd name="connsiteY0" fmla="*/ 0 h 720000"/>
+                <a:gd name="connsiteX1" fmla="*/ 1800000 w 1800000"/>
+                <a:gd name="connsiteY1" fmla="*/ 0 h 720000"/>
+                <a:gd name="connsiteX2" fmla="*/ 1800000 w 1800000"/>
+                <a:gd name="connsiteY2" fmla="*/ 720000 h 720000"/>
+                <a:gd name="connsiteX3" fmla="*/ 0 w 1800000"/>
+                <a:gd name="connsiteY3" fmla="*/ 720000 h 720000"/>
+                <a:gd name="connsiteX4" fmla="*/ 0 w 1800000"/>
+                <a:gd name="connsiteY4" fmla="*/ 0 h 720000"/>
+              </a:gdLst>
+              <a:ahLst/>
+              <a:cxnLst>
+                <a:cxn ang="0">
+                  <a:pos x="connsiteX0" y="connsiteY0"/>
+                </a:cxn>
+                <a:cxn ang="0">
+                  <a:pos x="connsiteX1" y="connsiteY1"/>
+                </a:cxn>
+                <a:cxn ang="0">
+                  <a:pos x="connsiteX2" y="connsiteY2"/>
+                </a:cxn>
+                <a:cxn ang="0">
+                  <a:pos x="connsiteX3" y="connsiteY3"/>
+                </a:cxn>
+                <a:cxn ang="0">
+                  <a:pos x="connsiteX4" y="connsiteY4"/>
+                </a:cxn>
+              </a:cxnLst>
+              <a:rect l="l" t="t" r="r" b="b"/>
+              <a:pathLst>
+                <a:path w="1800000" h="720000">
+                  <a:moveTo>
+                    <a:pt x="0" y="0"/>
+                  </a:moveTo>
+                  <a:lnTo>
+                    <a:pt x="1800000" y="0"/>
+                  </a:lnTo>
+                  <a:lnTo>
+                    <a:pt x="1800000" y="720000"/>
+                  </a:lnTo>
+                  <a:lnTo>
+                    <a:pt x="0" y="720000"/>
+                  </a:lnTo>
+                  <a:lnTo>
+                    <a:pt x="0" y="0"/>
+                  </a:lnTo>
+                  <a:close/>
+                </a:path>
+              </a:pathLst>
+            </a:custGeom>
+          </p:spPr>
+          <p:style>
+            <a:lnRef idx="0">
+              <a:schemeClr val="dk1">
+                <a:alpha val="0"/>
+                <a:hueOff val="0"/>
+                <a:satOff val="0"/>
+                <a:lumOff val="0"/>
+                <a:alphaOff val="0"/>
+              </a:schemeClr>
+            </a:lnRef>
+            <a:fillRef idx="0">
+              <a:schemeClr val="lt1">
+                <a:alpha val="0"/>
+                <a:hueOff val="0"/>
+                <a:satOff val="0"/>
+                <a:lumOff val="0"/>
+                <a:alphaOff val="0"/>
+              </a:schemeClr>
+            </a:fillRef>
+            <a:effectRef idx="0">
+              <a:schemeClr val="lt1">
+                <a:alpha val="0"/>
+                <a:hueOff val="0"/>
+                <a:satOff val="0"/>
+                <a:lumOff val="0"/>
+                <a:alphaOff val="0"/>
+              </a:schemeClr>
+            </a:effectRef>
+            <a:fontRef idx="minor">
+              <a:schemeClr val="tx1">
+                <a:hueOff val="0"/>
+                <a:satOff val="0"/>
+                <a:lumOff val="0"/>
+                <a:alphaOff val="0"/>
+              </a:schemeClr>
+            </a:fontRef>
+          </p:style>
+          <p:txBody>
+            <a:bodyPr spcFirstLastPara="0" vert="horz" wrap="square" lIns="0" tIns="0" rIns="0" bIns="0" numCol="1" spcCol="1270" anchor="t" anchorCtr="0">
+              <a:noAutofit/>
+            </a:bodyPr>
+            <a:lstStyle/>
+            <a:p>
+              <a:pPr marL="0" lvl="0" indent="0" algn="ctr" defTabSz="711200">
+                <a:lnSpc>
+                  <a:spcPct val="90000"/>
+                </a:lnSpc>
+                <a:spcBef>
+                  <a:spcPct val="0"/>
+                </a:spcBef>
+                <a:spcAft>
+                  <a:spcPct val="35000"/>
+                </a:spcAft>
+                <a:buNone/>
+                <a:defRPr cap="all"/>
+              </a:pPr>
+              <a:r>
+                <a:rPr lang="en-US" sz="1600" b="1" kern="1200" dirty="0"/>
+                <a:t>Employee sales Performance classification</a:t>
+              </a:r>
+              <a:endParaRPr lang="en-US" sz="1600" kern="1200" dirty="0"/>
+            </a:p>
+          </p:txBody>
+        </p:sp>
+        <p:sp>
+          <p:nvSpPr>
+            <p:cNvPr id="9" name="Rectangle: Diagonal Corners Rounded 8">
+              <a:extLst>
+                <a:ext uri="{FF2B5EF4-FFF2-40B4-BE49-F238E27FC236}">
+                  <a16:creationId xmlns:a16="http://schemas.microsoft.com/office/drawing/2014/main" id="{8BCB9473-1BAD-EE49-AEBF-FB347E433479}"/>
+                </a:ext>
+              </a:extLst>
+            </p:cNvPr>
+            <p:cNvSpPr/>
+            <p:nvPr/>
+          </p:nvSpPr>
+          <p:spPr>
+            <a:xfrm>
+              <a:off x="3432000" y="2925071"/>
+              <a:ext cx="1098000" cy="1098000"/>
+            </a:xfrm>
+            <a:prstGeom prst="round2DiagRect">
+              <a:avLst>
+                <a:gd name="adj1" fmla="val 29727"/>
+                <a:gd name="adj2" fmla="val 0"/>
+              </a:avLst>
+            </a:prstGeom>
+          </p:spPr>
+          <p:style>
+            <a:lnRef idx="0">
+              <a:schemeClr val="dk1">
+                <a:hueOff val="0"/>
+                <a:satOff val="0"/>
+                <a:lumOff val="0"/>
+                <a:alphaOff val="0"/>
+              </a:schemeClr>
+            </a:lnRef>
+            <a:fillRef idx="1">
+              <a:schemeClr val="bg1">
+                <a:lumMod val="95000"/>
+                <a:hueOff val="0"/>
+                <a:satOff val="0"/>
+                <a:lumOff val="0"/>
+                <a:alphaOff val="0"/>
+              </a:schemeClr>
+            </a:fillRef>
+            <a:effectRef idx="0">
+              <a:schemeClr val="bg1">
+                <a:lumMod val="95000"/>
+                <a:hueOff val="0"/>
+                <a:satOff val="0"/>
+                <a:lumOff val="0"/>
+                <a:alphaOff val="0"/>
+              </a:schemeClr>
+            </a:effectRef>
+            <a:fontRef idx="minor">
+              <a:schemeClr val="dk1">
+                <a:hueOff val="0"/>
+                <a:satOff val="0"/>
+                <a:lumOff val="0"/>
+                <a:alphaOff val="0"/>
+              </a:schemeClr>
+            </a:fontRef>
+          </p:style>
+          <p:txBody>
+            <a:bodyPr/>
+            <a:lstStyle/>
+            <a:p>
+              <a:endParaRPr lang="en-US"/>
+            </a:p>
+          </p:txBody>
+        </p:sp>
+        <p:sp>
+          <p:nvSpPr>
+            <p:cNvPr id="10" name="Rectangle 9" descr="Gears">
+              <a:extLst>
+                <a:ext uri="{FF2B5EF4-FFF2-40B4-BE49-F238E27FC236}">
+                  <a16:creationId xmlns:a16="http://schemas.microsoft.com/office/drawing/2014/main" id="{B03F40D3-5867-2595-CAA2-0E0CDEABF508}"/>
+                </a:ext>
+              </a:extLst>
+            </p:cNvPr>
+            <p:cNvSpPr/>
+            <p:nvPr/>
+          </p:nvSpPr>
+          <p:spPr>
+            <a:xfrm>
+              <a:off x="3666000" y="3159072"/>
+              <a:ext cx="630000" cy="630000"/>
+            </a:xfrm>
+            <a:prstGeom prst="rect">
+              <a:avLst/>
+            </a:prstGeom>
+            <a:blipFill>
+              <a:blip r:embed="rId4">
+                <a:extLst>
+                  <a:ext uri="{28A0092B-C50C-407E-A947-70E740481C1C}">
+                    <a14:useLocalDpi xmlns:a14="http://schemas.microsoft.com/office/drawing/2010/main" val="0"/>
+                  </a:ext>
+                  <a:ext uri="{96DAC541-7B7A-43D3-8B79-37D633B846F1}">
+                    <asvg:svgBlip xmlns:asvg="http://schemas.microsoft.com/office/drawing/2016/SVG/main" r:embed="rId5"/>
+                  </a:ext>
+                </a:extLst>
+              </a:blip>
+              <a:stretch>
+                <a:fillRect/>
+              </a:stretch>
+            </a:blipFill>
+            <a:ln>
+              <a:noFill/>
+            </a:ln>
+          </p:spPr>
+          <p:style>
+            <a:lnRef idx="2">
+              <a:scrgbClr r="0" g="0" b="0"/>
+            </a:lnRef>
+            <a:fillRef idx="1">
+              <a:scrgbClr r="0" g="0" b="0"/>
+            </a:fillRef>
+            <a:effectRef idx="0">
+              <a:schemeClr val="accent3">
+                <a:hueOff val="0"/>
+                <a:satOff val="0"/>
+                <a:lumOff val="0"/>
+                <a:alphaOff val="0"/>
+              </a:schemeClr>
+            </a:effectRef>
+            <a:fontRef idx="minor">
+              <a:schemeClr val="lt1"/>
+            </a:fontRef>
+          </p:style>
+          <p:txBody>
+            <a:bodyPr/>
+            <a:lstStyle/>
+            <a:p>
+              <a:endParaRPr lang="en-US"/>
+            </a:p>
+          </p:txBody>
+        </p:sp>
+        <p:sp>
+          <p:nvSpPr>
+            <p:cNvPr id="11" name="Freeform: Shape 10">
+              <a:extLst>
+                <a:ext uri="{FF2B5EF4-FFF2-40B4-BE49-F238E27FC236}">
+                  <a16:creationId xmlns:a16="http://schemas.microsoft.com/office/drawing/2014/main" id="{0BB1F429-47EA-1E3F-72F8-7116BE7D835D}"/>
+                </a:ext>
+              </a:extLst>
+            </p:cNvPr>
+            <p:cNvSpPr/>
+            <p:nvPr/>
+          </p:nvSpPr>
+          <p:spPr>
+            <a:xfrm>
+              <a:off x="3081000" y="4365072"/>
+              <a:ext cx="1800000" cy="720000"/>
+            </a:xfrm>
+            <a:custGeom>
+              <a:avLst/>
+              <a:gdLst>
+                <a:gd name="connsiteX0" fmla="*/ 0 w 1800000"/>
+                <a:gd name="connsiteY0" fmla="*/ 0 h 720000"/>
+                <a:gd name="connsiteX1" fmla="*/ 1800000 w 1800000"/>
+                <a:gd name="connsiteY1" fmla="*/ 0 h 720000"/>
+                <a:gd name="connsiteX2" fmla="*/ 1800000 w 1800000"/>
+                <a:gd name="connsiteY2" fmla="*/ 720000 h 720000"/>
+                <a:gd name="connsiteX3" fmla="*/ 0 w 1800000"/>
+                <a:gd name="connsiteY3" fmla="*/ 720000 h 720000"/>
+                <a:gd name="connsiteX4" fmla="*/ 0 w 1800000"/>
+                <a:gd name="connsiteY4" fmla="*/ 0 h 720000"/>
+              </a:gdLst>
+              <a:ahLst/>
+              <a:cxnLst>
+                <a:cxn ang="0">
+                  <a:pos x="connsiteX0" y="connsiteY0"/>
+                </a:cxn>
+                <a:cxn ang="0">
+                  <a:pos x="connsiteX1" y="connsiteY1"/>
+                </a:cxn>
+                <a:cxn ang="0">
+                  <a:pos x="connsiteX2" y="connsiteY2"/>
+                </a:cxn>
+                <a:cxn ang="0">
+                  <a:pos x="connsiteX3" y="connsiteY3"/>
+                </a:cxn>
+                <a:cxn ang="0">
+                  <a:pos x="connsiteX4" y="connsiteY4"/>
+                </a:cxn>
+              </a:cxnLst>
+              <a:rect l="l" t="t" r="r" b="b"/>
+              <a:pathLst>
+                <a:path w="1800000" h="720000">
+                  <a:moveTo>
+                    <a:pt x="0" y="0"/>
+                  </a:moveTo>
+                  <a:lnTo>
+                    <a:pt x="1800000" y="0"/>
+                  </a:lnTo>
+                  <a:lnTo>
+                    <a:pt x="1800000" y="720000"/>
+                  </a:lnTo>
+                  <a:lnTo>
+                    <a:pt x="0" y="720000"/>
+                  </a:lnTo>
+                  <a:lnTo>
+                    <a:pt x="0" y="0"/>
+                  </a:lnTo>
+                  <a:close/>
+                </a:path>
+              </a:pathLst>
+            </a:custGeom>
+          </p:spPr>
+          <p:style>
+            <a:lnRef idx="0">
+              <a:schemeClr val="dk1">
+                <a:alpha val="0"/>
+                <a:hueOff val="0"/>
+                <a:satOff val="0"/>
+                <a:lumOff val="0"/>
+                <a:alphaOff val="0"/>
+              </a:schemeClr>
+            </a:lnRef>
+            <a:fillRef idx="0">
+              <a:schemeClr val="lt1">
+                <a:alpha val="0"/>
+                <a:hueOff val="0"/>
+                <a:satOff val="0"/>
+                <a:lumOff val="0"/>
+                <a:alphaOff val="0"/>
+              </a:schemeClr>
+            </a:fillRef>
+            <a:effectRef idx="0">
+              <a:schemeClr val="lt1">
+                <a:alpha val="0"/>
+                <a:hueOff val="0"/>
+                <a:satOff val="0"/>
+                <a:lumOff val="0"/>
+                <a:alphaOff val="0"/>
+              </a:schemeClr>
+            </a:effectRef>
+            <a:fontRef idx="minor">
+              <a:schemeClr val="tx1">
+                <a:hueOff val="0"/>
+                <a:satOff val="0"/>
+                <a:lumOff val="0"/>
+                <a:alphaOff val="0"/>
+              </a:schemeClr>
+            </a:fontRef>
+          </p:style>
+          <p:txBody>
+            <a:bodyPr spcFirstLastPara="0" vert="horz" wrap="square" lIns="0" tIns="0" rIns="0" bIns="0" numCol="1" spcCol="1270" anchor="t" anchorCtr="0">
+              <a:noAutofit/>
+            </a:bodyPr>
+            <a:lstStyle/>
+            <a:p>
+              <a:pPr marL="0" lvl="0" indent="0" algn="ctr" defTabSz="711200">
+                <a:lnSpc>
+                  <a:spcPct val="90000"/>
+                </a:lnSpc>
+                <a:spcBef>
+                  <a:spcPct val="0"/>
+                </a:spcBef>
+                <a:spcAft>
+                  <a:spcPct val="35000"/>
+                </a:spcAft>
+                <a:buNone/>
+                <a:defRPr cap="all"/>
+              </a:pPr>
+              <a:r>
+                <a:rPr lang="en-US" sz="1600" b="1" kern="1200" dirty="0"/>
+                <a:t>Preprocessing and Feature Engineering </a:t>
+              </a:r>
+              <a:endParaRPr lang="en-US" sz="1600" kern="1200" dirty="0"/>
+            </a:p>
+          </p:txBody>
+        </p:sp>
+        <p:sp>
+          <p:nvSpPr>
+            <p:cNvPr id="12" name="Rectangle: Diagonal Corners Rounded 11">
+              <a:extLst>
+                <a:ext uri="{FF2B5EF4-FFF2-40B4-BE49-F238E27FC236}">
+                  <a16:creationId xmlns:a16="http://schemas.microsoft.com/office/drawing/2014/main" id="{96777F80-4D2B-D693-A0C7-D586775ADE21}"/>
+                </a:ext>
+              </a:extLst>
+            </p:cNvPr>
+            <p:cNvSpPr/>
+            <p:nvPr/>
+          </p:nvSpPr>
+          <p:spPr>
+            <a:xfrm>
+              <a:off x="5547000" y="2925071"/>
+              <a:ext cx="1098000" cy="1098000"/>
+            </a:xfrm>
+            <a:prstGeom prst="round2DiagRect">
+              <a:avLst>
+                <a:gd name="adj1" fmla="val 29727"/>
+                <a:gd name="adj2" fmla="val 0"/>
+              </a:avLst>
+            </a:prstGeom>
+          </p:spPr>
+          <p:style>
+            <a:lnRef idx="0">
+              <a:schemeClr val="dk1">
+                <a:hueOff val="0"/>
+                <a:satOff val="0"/>
+                <a:lumOff val="0"/>
+                <a:alphaOff val="0"/>
+              </a:schemeClr>
+            </a:lnRef>
+            <a:fillRef idx="1">
+              <a:schemeClr val="bg1">
+                <a:lumMod val="95000"/>
+                <a:hueOff val="0"/>
+                <a:satOff val="0"/>
+                <a:lumOff val="0"/>
+                <a:alphaOff val="0"/>
+              </a:schemeClr>
+            </a:fillRef>
+            <a:effectRef idx="0">
+              <a:schemeClr val="bg1">
+                <a:lumMod val="95000"/>
+                <a:hueOff val="0"/>
+                <a:satOff val="0"/>
+                <a:lumOff val="0"/>
+                <a:alphaOff val="0"/>
+              </a:schemeClr>
+            </a:effectRef>
+            <a:fontRef idx="minor">
+              <a:schemeClr val="dk1">
+                <a:hueOff val="0"/>
+                <a:satOff val="0"/>
+                <a:lumOff val="0"/>
+                <a:alphaOff val="0"/>
+              </a:schemeClr>
+            </a:fontRef>
+          </p:style>
+          <p:txBody>
+            <a:bodyPr/>
+            <a:lstStyle/>
+            <a:p>
+              <a:endParaRPr lang="en-US"/>
+            </a:p>
+          </p:txBody>
+        </p:sp>
+        <p:sp>
+          <p:nvSpPr>
+            <p:cNvPr id="13" name="Rectangle 12" descr="Head with Gears">
+              <a:extLst>
+                <a:ext uri="{FF2B5EF4-FFF2-40B4-BE49-F238E27FC236}">
+                  <a16:creationId xmlns:a16="http://schemas.microsoft.com/office/drawing/2014/main" id="{871BF95E-BD4F-9124-3306-875C9F675585}"/>
+                </a:ext>
+              </a:extLst>
+            </p:cNvPr>
+            <p:cNvSpPr/>
+            <p:nvPr/>
+          </p:nvSpPr>
+          <p:spPr>
+            <a:xfrm>
+              <a:off x="7896000" y="3159071"/>
+              <a:ext cx="630000" cy="630000"/>
+            </a:xfrm>
+            <a:prstGeom prst="rect">
+              <a:avLst/>
+            </a:prstGeom>
+            <a:blipFill>
+              <a:blip r:embed="rId6">
+                <a:extLst>
+                  <a:ext uri="{28A0092B-C50C-407E-A947-70E740481C1C}">
+                    <a14:useLocalDpi xmlns:a14="http://schemas.microsoft.com/office/drawing/2010/main" val="0"/>
+                  </a:ext>
+                  <a:ext uri="{96DAC541-7B7A-43D3-8B79-37D633B846F1}">
+                    <asvg:svgBlip xmlns:asvg="http://schemas.microsoft.com/office/drawing/2016/SVG/main" r:embed="rId7"/>
+                  </a:ext>
+                </a:extLst>
+              </a:blip>
+              <a:stretch>
+                <a:fillRect/>
+              </a:stretch>
+            </a:blipFill>
+            <a:ln>
+              <a:noFill/>
+            </a:ln>
+          </p:spPr>
+          <p:style>
+            <a:lnRef idx="2">
+              <a:scrgbClr r="0" g="0" b="0"/>
+            </a:lnRef>
+            <a:fillRef idx="1">
+              <a:scrgbClr r="0" g="0" b="0"/>
+            </a:fillRef>
+            <a:effectRef idx="0">
+              <a:schemeClr val="accent4">
+                <a:hueOff val="0"/>
+                <a:satOff val="0"/>
+                <a:lumOff val="0"/>
+                <a:alphaOff val="0"/>
+              </a:schemeClr>
+            </a:effectRef>
+            <a:fontRef idx="minor">
+              <a:schemeClr val="lt1"/>
+            </a:fontRef>
+          </p:style>
+          <p:txBody>
+            <a:bodyPr/>
+            <a:lstStyle/>
+            <a:p>
+              <a:endParaRPr lang="en-US"/>
+            </a:p>
+          </p:txBody>
+        </p:sp>
+        <p:sp>
+          <p:nvSpPr>
+            <p:cNvPr id="14" name="Freeform: Shape 13">
+              <a:extLst>
+                <a:ext uri="{FF2B5EF4-FFF2-40B4-BE49-F238E27FC236}">
+                  <a16:creationId xmlns:a16="http://schemas.microsoft.com/office/drawing/2014/main" id="{BBEE1FCC-9209-AC4C-0161-045399FCF131}"/>
+                </a:ext>
+              </a:extLst>
+            </p:cNvPr>
+            <p:cNvSpPr/>
+            <p:nvPr/>
+          </p:nvSpPr>
+          <p:spPr>
+            <a:xfrm>
+              <a:off x="5196000" y="4365072"/>
+              <a:ext cx="1800000" cy="720000"/>
+            </a:xfrm>
+            <a:custGeom>
+              <a:avLst/>
+              <a:gdLst>
+                <a:gd name="connsiteX0" fmla="*/ 0 w 1800000"/>
+                <a:gd name="connsiteY0" fmla="*/ 0 h 720000"/>
+                <a:gd name="connsiteX1" fmla="*/ 1800000 w 1800000"/>
+                <a:gd name="connsiteY1" fmla="*/ 0 h 720000"/>
+                <a:gd name="connsiteX2" fmla="*/ 1800000 w 1800000"/>
+                <a:gd name="connsiteY2" fmla="*/ 720000 h 720000"/>
+                <a:gd name="connsiteX3" fmla="*/ 0 w 1800000"/>
+                <a:gd name="connsiteY3" fmla="*/ 720000 h 720000"/>
+                <a:gd name="connsiteX4" fmla="*/ 0 w 1800000"/>
+                <a:gd name="connsiteY4" fmla="*/ 0 h 720000"/>
+              </a:gdLst>
+              <a:ahLst/>
+              <a:cxnLst>
+                <a:cxn ang="0">
+                  <a:pos x="connsiteX0" y="connsiteY0"/>
+                </a:cxn>
+                <a:cxn ang="0">
+                  <a:pos x="connsiteX1" y="connsiteY1"/>
+                </a:cxn>
+                <a:cxn ang="0">
+                  <a:pos x="connsiteX2" y="connsiteY2"/>
+                </a:cxn>
+                <a:cxn ang="0">
+                  <a:pos x="connsiteX3" y="connsiteY3"/>
+                </a:cxn>
+                <a:cxn ang="0">
+                  <a:pos x="connsiteX4" y="connsiteY4"/>
+                </a:cxn>
+              </a:cxnLst>
+              <a:rect l="l" t="t" r="r" b="b"/>
+              <a:pathLst>
+                <a:path w="1800000" h="720000">
+                  <a:moveTo>
+                    <a:pt x="0" y="0"/>
+                  </a:moveTo>
+                  <a:lnTo>
+                    <a:pt x="1800000" y="0"/>
+                  </a:lnTo>
+                  <a:lnTo>
+                    <a:pt x="1800000" y="720000"/>
+                  </a:lnTo>
+                  <a:lnTo>
+                    <a:pt x="0" y="720000"/>
+                  </a:lnTo>
+                  <a:lnTo>
+                    <a:pt x="0" y="0"/>
+                  </a:lnTo>
+                  <a:close/>
+                </a:path>
+              </a:pathLst>
+            </a:custGeom>
+          </p:spPr>
+          <p:style>
+            <a:lnRef idx="0">
+              <a:schemeClr val="dk1">
+                <a:alpha val="0"/>
+                <a:hueOff val="0"/>
+                <a:satOff val="0"/>
+                <a:lumOff val="0"/>
+                <a:alphaOff val="0"/>
+              </a:schemeClr>
+            </a:lnRef>
+            <a:fillRef idx="0">
+              <a:schemeClr val="lt1">
+                <a:alpha val="0"/>
+                <a:hueOff val="0"/>
+                <a:satOff val="0"/>
+                <a:lumOff val="0"/>
+                <a:alphaOff val="0"/>
+              </a:schemeClr>
+            </a:fillRef>
+            <a:effectRef idx="0">
+              <a:schemeClr val="lt1">
+                <a:alpha val="0"/>
+                <a:hueOff val="0"/>
+                <a:satOff val="0"/>
+                <a:lumOff val="0"/>
+                <a:alphaOff val="0"/>
+              </a:schemeClr>
+            </a:effectRef>
+            <a:fontRef idx="minor">
+              <a:schemeClr val="tx1">
+                <a:hueOff val="0"/>
+                <a:satOff val="0"/>
+                <a:lumOff val="0"/>
+                <a:alphaOff val="0"/>
+              </a:schemeClr>
+            </a:fontRef>
+          </p:style>
+          <p:txBody>
+            <a:bodyPr spcFirstLastPara="0" vert="horz" wrap="square" lIns="0" tIns="0" rIns="0" bIns="0" numCol="1" spcCol="1270" anchor="t" anchorCtr="0">
+              <a:noAutofit/>
+            </a:bodyPr>
+            <a:lstStyle/>
+            <a:p>
+              <a:pPr marL="0" lvl="0" indent="0" algn="ctr" defTabSz="711200">
+                <a:lnSpc>
+                  <a:spcPct val="90000"/>
+                </a:lnSpc>
+                <a:spcBef>
+                  <a:spcPct val="0"/>
+                </a:spcBef>
+                <a:spcAft>
+                  <a:spcPct val="35000"/>
+                </a:spcAft>
+                <a:buNone/>
+                <a:defRPr cap="all"/>
+              </a:pPr>
+              <a:r>
+                <a:rPr lang="en-US" sz="1600" b="1" kern="1200" dirty="0"/>
+                <a:t>PERFORMANCE LABELING &amp; ENCODING</a:t>
+              </a:r>
+              <a:endParaRPr lang="en-US" sz="1600" kern="1200" dirty="0"/>
+            </a:p>
+          </p:txBody>
+        </p:sp>
+        <p:sp>
+          <p:nvSpPr>
+            <p:cNvPr id="16" name="Rectangle 15" descr="Bar chart">
+              <a:extLst>
+                <a:ext uri="{FF2B5EF4-FFF2-40B4-BE49-F238E27FC236}">
+                  <a16:creationId xmlns:a16="http://schemas.microsoft.com/office/drawing/2014/main" id="{14F6AA2F-BEEA-0B65-3A1D-3E96D174B219}"/>
+                </a:ext>
+              </a:extLst>
+            </p:cNvPr>
+            <p:cNvSpPr/>
+            <p:nvPr/>
+          </p:nvSpPr>
+          <p:spPr>
+            <a:xfrm>
+              <a:off x="10011000" y="3159072"/>
+              <a:ext cx="630000" cy="630000"/>
+            </a:xfrm>
+            <a:prstGeom prst="rect">
+              <a:avLst/>
+            </a:prstGeom>
+            <a:blipFill>
+              <a:blip r:embed="rId8">
+                <a:extLst>
+                  <a:ext uri="{28A0092B-C50C-407E-A947-70E740481C1C}">
+                    <a14:useLocalDpi xmlns:a14="http://schemas.microsoft.com/office/drawing/2010/main" val="0"/>
+                  </a:ext>
+                  <a:ext uri="{96DAC541-7B7A-43D3-8B79-37D633B846F1}">
+                    <asvg:svgBlip xmlns:asvg="http://schemas.microsoft.com/office/drawing/2016/SVG/main" r:embed="rId9"/>
+                  </a:ext>
+                </a:extLst>
+              </a:blip>
+              <a:stretch>
+                <a:fillRect/>
+              </a:stretch>
+            </a:blipFill>
+            <a:ln>
+              <a:noFill/>
+            </a:ln>
+          </p:spPr>
+          <p:style>
+            <a:lnRef idx="2">
+              <a:scrgbClr r="0" g="0" b="0"/>
+            </a:lnRef>
+            <a:fillRef idx="1">
+              <a:scrgbClr r="0" g="0" b="0"/>
+            </a:fillRef>
+            <a:effectRef idx="0">
+              <a:schemeClr val="accent5">
+                <a:hueOff val="0"/>
+                <a:satOff val="0"/>
+                <a:lumOff val="0"/>
+                <a:alphaOff val="0"/>
+              </a:schemeClr>
+            </a:effectRef>
+            <a:fontRef idx="minor">
+              <a:schemeClr val="lt1"/>
+            </a:fontRef>
+          </p:style>
+          <p:txBody>
+            <a:bodyPr/>
+            <a:lstStyle/>
+            <a:p>
+              <a:endParaRPr lang="en-US" dirty="0"/>
+            </a:p>
+          </p:txBody>
+        </p:sp>
+        <p:sp>
+          <p:nvSpPr>
+            <p:cNvPr id="17" name="Freeform: Shape 16">
+              <a:extLst>
+                <a:ext uri="{FF2B5EF4-FFF2-40B4-BE49-F238E27FC236}">
+                  <a16:creationId xmlns:a16="http://schemas.microsoft.com/office/drawing/2014/main" id="{4B305D40-C48B-52B3-BBA0-78162689C506}"/>
+                </a:ext>
+              </a:extLst>
+            </p:cNvPr>
+            <p:cNvSpPr/>
+            <p:nvPr/>
+          </p:nvSpPr>
+          <p:spPr>
+            <a:xfrm>
+              <a:off x="7311000" y="4365072"/>
+              <a:ext cx="1800000" cy="720000"/>
+            </a:xfrm>
+            <a:custGeom>
+              <a:avLst/>
+              <a:gdLst>
+                <a:gd name="connsiteX0" fmla="*/ 0 w 1800000"/>
+                <a:gd name="connsiteY0" fmla="*/ 0 h 720000"/>
+                <a:gd name="connsiteX1" fmla="*/ 1800000 w 1800000"/>
+                <a:gd name="connsiteY1" fmla="*/ 0 h 720000"/>
+                <a:gd name="connsiteX2" fmla="*/ 1800000 w 1800000"/>
+                <a:gd name="connsiteY2" fmla="*/ 720000 h 720000"/>
+                <a:gd name="connsiteX3" fmla="*/ 0 w 1800000"/>
+                <a:gd name="connsiteY3" fmla="*/ 720000 h 720000"/>
+                <a:gd name="connsiteX4" fmla="*/ 0 w 1800000"/>
+                <a:gd name="connsiteY4" fmla="*/ 0 h 720000"/>
+              </a:gdLst>
+              <a:ahLst/>
+              <a:cxnLst>
+                <a:cxn ang="0">
+                  <a:pos x="connsiteX0" y="connsiteY0"/>
+                </a:cxn>
+                <a:cxn ang="0">
+                  <a:pos x="connsiteX1" y="connsiteY1"/>
+                </a:cxn>
+                <a:cxn ang="0">
+                  <a:pos x="connsiteX2" y="connsiteY2"/>
+                </a:cxn>
+                <a:cxn ang="0">
+                  <a:pos x="connsiteX3" y="connsiteY3"/>
+                </a:cxn>
+                <a:cxn ang="0">
+                  <a:pos x="connsiteX4" y="connsiteY4"/>
+                </a:cxn>
+              </a:cxnLst>
+              <a:rect l="l" t="t" r="r" b="b"/>
+              <a:pathLst>
+                <a:path w="1800000" h="720000">
+                  <a:moveTo>
+                    <a:pt x="0" y="0"/>
+                  </a:moveTo>
+                  <a:lnTo>
+                    <a:pt x="1800000" y="0"/>
+                  </a:lnTo>
+                  <a:lnTo>
+                    <a:pt x="1800000" y="720000"/>
+                  </a:lnTo>
+                  <a:lnTo>
+                    <a:pt x="0" y="720000"/>
+                  </a:lnTo>
+                  <a:lnTo>
+                    <a:pt x="0" y="0"/>
+                  </a:lnTo>
+                  <a:close/>
+                </a:path>
+              </a:pathLst>
+            </a:custGeom>
+          </p:spPr>
+          <p:style>
+            <a:lnRef idx="0">
+              <a:schemeClr val="dk1">
+                <a:alpha val="0"/>
+                <a:hueOff val="0"/>
+                <a:satOff val="0"/>
+                <a:lumOff val="0"/>
+                <a:alphaOff val="0"/>
+              </a:schemeClr>
+            </a:lnRef>
+            <a:fillRef idx="0">
+              <a:schemeClr val="lt1">
+                <a:alpha val="0"/>
+                <a:hueOff val="0"/>
+                <a:satOff val="0"/>
+                <a:lumOff val="0"/>
+                <a:alphaOff val="0"/>
+              </a:schemeClr>
+            </a:fillRef>
+            <a:effectRef idx="0">
+              <a:schemeClr val="lt1">
+                <a:alpha val="0"/>
+                <a:hueOff val="0"/>
+                <a:satOff val="0"/>
+                <a:lumOff val="0"/>
+                <a:alphaOff val="0"/>
+              </a:schemeClr>
+            </a:effectRef>
+            <a:fontRef idx="minor">
+              <a:schemeClr val="tx1">
+                <a:hueOff val="0"/>
+                <a:satOff val="0"/>
+                <a:lumOff val="0"/>
+                <a:alphaOff val="0"/>
+              </a:schemeClr>
+            </a:fontRef>
+          </p:style>
+          <p:txBody>
+            <a:bodyPr spcFirstLastPara="0" vert="horz" wrap="square" lIns="0" tIns="0" rIns="0" bIns="0" numCol="1" spcCol="1270" anchor="t" anchorCtr="0">
+              <a:noAutofit/>
+            </a:bodyPr>
+            <a:lstStyle/>
+            <a:p>
+              <a:pPr marL="0" lvl="0" indent="0" algn="ctr" defTabSz="711200">
+                <a:lnSpc>
+                  <a:spcPct val="90000"/>
+                </a:lnSpc>
+                <a:spcBef>
+                  <a:spcPct val="0"/>
+                </a:spcBef>
+                <a:spcAft>
+                  <a:spcPct val="35000"/>
+                </a:spcAft>
+                <a:buNone/>
+                <a:defRPr cap="all"/>
+              </a:pPr>
+              <a:r>
+                <a:rPr lang="en-US" sz="1600" b="1" kern="1200" dirty="0"/>
+                <a:t>Machine Learning Model PIPELINE</a:t>
+              </a:r>
+              <a:endParaRPr lang="en-US" sz="1600" kern="1200" dirty="0"/>
+            </a:p>
+          </p:txBody>
+        </p:sp>
+        <p:sp>
+          <p:nvSpPr>
+            <p:cNvPr id="19" name="Rectangle 18" descr="Upward trend">
+              <a:extLst>
+                <a:ext uri="{FF2B5EF4-FFF2-40B4-BE49-F238E27FC236}">
+                  <a16:creationId xmlns:a16="http://schemas.microsoft.com/office/drawing/2014/main" id="{DD5F6158-5186-EEE2-166D-1FEC6D0E6A83}"/>
+                </a:ext>
+              </a:extLst>
+            </p:cNvPr>
+            <p:cNvSpPr/>
+            <p:nvPr/>
+          </p:nvSpPr>
+          <p:spPr>
+            <a:xfrm>
+              <a:off x="5781000" y="3159071"/>
+              <a:ext cx="630000" cy="630000"/>
+            </a:xfrm>
+            <a:prstGeom prst="rect">
+              <a:avLst/>
+            </a:prstGeom>
+            <a:blipFill>
+              <a:blip r:embed="rId10">
+                <a:extLst>
+                  <a:ext uri="{28A0092B-C50C-407E-A947-70E740481C1C}">
+                    <a14:useLocalDpi xmlns:a14="http://schemas.microsoft.com/office/drawing/2010/main" val="0"/>
+                  </a:ext>
+                  <a:ext uri="{96DAC541-7B7A-43D3-8B79-37D633B846F1}">
+                    <asvg:svgBlip xmlns:asvg="http://schemas.microsoft.com/office/drawing/2016/SVG/main" r:embed="rId11"/>
+                  </a:ext>
+                </a:extLst>
+              </a:blip>
+              <a:stretch>
+                <a:fillRect/>
+              </a:stretch>
+            </a:blipFill>
+            <a:ln>
+              <a:noFill/>
+            </a:ln>
+          </p:spPr>
+          <p:style>
+            <a:lnRef idx="2">
+              <a:scrgbClr r="0" g="0" b="0"/>
+            </a:lnRef>
+            <a:fillRef idx="1">
+              <a:scrgbClr r="0" g="0" b="0"/>
+            </a:fillRef>
+            <a:effectRef idx="0">
+              <a:schemeClr val="accent6">
+                <a:hueOff val="0"/>
+                <a:satOff val="0"/>
+                <a:lumOff val="0"/>
+                <a:alphaOff val="0"/>
+              </a:schemeClr>
+            </a:effectRef>
+            <a:fontRef idx="minor">
+              <a:schemeClr val="lt1"/>
+            </a:fontRef>
+          </p:style>
+          <p:txBody>
+            <a:bodyPr/>
+            <a:lstStyle/>
+            <a:p>
+              <a:endParaRPr lang="en-US" dirty="0"/>
+            </a:p>
+          </p:txBody>
+        </p:sp>
+        <p:sp>
+          <p:nvSpPr>
+            <p:cNvPr id="20" name="Freeform: Shape 19">
+              <a:extLst>
+                <a:ext uri="{FF2B5EF4-FFF2-40B4-BE49-F238E27FC236}">
+                  <a16:creationId xmlns:a16="http://schemas.microsoft.com/office/drawing/2014/main" id="{1EAB1CA7-86BB-B375-C0C8-6BF63F7694AE}"/>
+                </a:ext>
+              </a:extLst>
+            </p:cNvPr>
+            <p:cNvSpPr/>
+            <p:nvPr/>
+          </p:nvSpPr>
+          <p:spPr>
+            <a:xfrm>
+              <a:off x="9426000" y="4365072"/>
+              <a:ext cx="1800000" cy="720000"/>
+            </a:xfrm>
+            <a:custGeom>
+              <a:avLst/>
+              <a:gdLst>
+                <a:gd name="connsiteX0" fmla="*/ 0 w 1800000"/>
+                <a:gd name="connsiteY0" fmla="*/ 0 h 720000"/>
+                <a:gd name="connsiteX1" fmla="*/ 1800000 w 1800000"/>
+                <a:gd name="connsiteY1" fmla="*/ 0 h 720000"/>
+                <a:gd name="connsiteX2" fmla="*/ 1800000 w 1800000"/>
+                <a:gd name="connsiteY2" fmla="*/ 720000 h 720000"/>
+                <a:gd name="connsiteX3" fmla="*/ 0 w 1800000"/>
+                <a:gd name="connsiteY3" fmla="*/ 720000 h 720000"/>
+                <a:gd name="connsiteX4" fmla="*/ 0 w 1800000"/>
+                <a:gd name="connsiteY4" fmla="*/ 0 h 720000"/>
+              </a:gdLst>
+              <a:ahLst/>
+              <a:cxnLst>
+                <a:cxn ang="0">
+                  <a:pos x="connsiteX0" y="connsiteY0"/>
+                </a:cxn>
+                <a:cxn ang="0">
+                  <a:pos x="connsiteX1" y="connsiteY1"/>
+                </a:cxn>
+                <a:cxn ang="0">
+                  <a:pos x="connsiteX2" y="connsiteY2"/>
+                </a:cxn>
+                <a:cxn ang="0">
+                  <a:pos x="connsiteX3" y="connsiteY3"/>
+                </a:cxn>
+                <a:cxn ang="0">
+                  <a:pos x="connsiteX4" y="connsiteY4"/>
+                </a:cxn>
+              </a:cxnLst>
+              <a:rect l="l" t="t" r="r" b="b"/>
+              <a:pathLst>
+                <a:path w="1800000" h="720000">
+                  <a:moveTo>
+                    <a:pt x="0" y="0"/>
+                  </a:moveTo>
+                  <a:lnTo>
+                    <a:pt x="1800000" y="0"/>
+                  </a:lnTo>
+                  <a:lnTo>
+                    <a:pt x="1800000" y="720000"/>
+                  </a:lnTo>
+                  <a:lnTo>
+                    <a:pt x="0" y="720000"/>
+                  </a:lnTo>
+                  <a:lnTo>
+                    <a:pt x="0" y="0"/>
+                  </a:lnTo>
+                  <a:close/>
+                </a:path>
+              </a:pathLst>
+            </a:custGeom>
+          </p:spPr>
+          <p:style>
+            <a:lnRef idx="0">
+              <a:schemeClr val="dk1">
+                <a:alpha val="0"/>
+                <a:hueOff val="0"/>
+                <a:satOff val="0"/>
+                <a:lumOff val="0"/>
+                <a:alphaOff val="0"/>
+              </a:schemeClr>
+            </a:lnRef>
+            <a:fillRef idx="0">
+              <a:schemeClr val="lt1">
+                <a:alpha val="0"/>
+                <a:hueOff val="0"/>
+                <a:satOff val="0"/>
+                <a:lumOff val="0"/>
+                <a:alphaOff val="0"/>
+              </a:schemeClr>
+            </a:fillRef>
+            <a:effectRef idx="0">
+              <a:schemeClr val="lt1">
+                <a:alpha val="0"/>
+                <a:hueOff val="0"/>
+                <a:satOff val="0"/>
+                <a:lumOff val="0"/>
+                <a:alphaOff val="0"/>
+              </a:schemeClr>
+            </a:effectRef>
+            <a:fontRef idx="minor">
+              <a:schemeClr val="tx1">
+                <a:hueOff val="0"/>
+                <a:satOff val="0"/>
+                <a:lumOff val="0"/>
+                <a:alphaOff val="0"/>
+              </a:schemeClr>
+            </a:fontRef>
+          </p:style>
+          <p:txBody>
+            <a:bodyPr spcFirstLastPara="0" vert="horz" wrap="square" lIns="0" tIns="0" rIns="0" bIns="0" numCol="1" spcCol="1270" anchor="t" anchorCtr="0">
+              <a:noAutofit/>
+            </a:bodyPr>
+            <a:lstStyle/>
+            <a:p>
+              <a:pPr marL="0" lvl="0" indent="0" algn="ctr" defTabSz="711200">
+                <a:lnSpc>
+                  <a:spcPct val="90000"/>
+                </a:lnSpc>
+                <a:spcBef>
+                  <a:spcPct val="0"/>
+                </a:spcBef>
+                <a:spcAft>
+                  <a:spcPct val="35000"/>
+                </a:spcAft>
+                <a:buNone/>
+                <a:defRPr cap="all"/>
+              </a:pPr>
+              <a:r>
+                <a:rPr lang="en-US" sz="1600" b="1" kern="1200" dirty="0"/>
+                <a:t>EVALUATION Insights and Analysis</a:t>
+              </a:r>
+              <a:endParaRPr lang="en-US" sz="1600" kern="1200" dirty="0"/>
+            </a:p>
+          </p:txBody>
+        </p:sp>
+      </p:grpSp>
     </p:spTree>
     <p:extLst>
       <p:ext uri="{BB962C8B-B14F-4D97-AF65-F5344CB8AC3E}">
@@ -27670,7 +27667,7 @@
         <p:cNvPr id="1" name="">
           <a:extLst>
             <a:ext uri="{FF2B5EF4-FFF2-40B4-BE49-F238E27FC236}">
-              <a16:creationId xmlns:a16="http://schemas.microsoft.com/office/drawing/2014/main" id="{7EC8CBD1-15AA-AB84-F147-58779A75B5C2}"/>
+              <a16:creationId xmlns:a16="http://schemas.microsoft.com/office/drawing/2014/main" id="{D164E3BA-E922-03CE-12B5-09223F66A46B}"/>
             </a:ext>
           </a:extLst>
         </p:cNvPr>
@@ -27685,12 +27682,12 @@
           <a:chExt cx="0" cy="0"/>
         </a:xfrm>
       </p:grpSpPr>
-      <p:sp useBgFill="1">
-        <p:nvSpPr>
-          <p:cNvPr id="22" name="Rectangle 21">
-            <a:extLst>
-              <a:ext uri="{FF2B5EF4-FFF2-40B4-BE49-F238E27FC236}">
-                <a16:creationId xmlns:a16="http://schemas.microsoft.com/office/drawing/2014/main" id="{96CF2A2B-0745-440C-9224-C5C6A0A4286F}"/>
+      <p:sp>
+        <p:nvSpPr>
+          <p:cNvPr id="13" name="!!Rectangle">
+            <a:extLst>
+              <a:ext uri="{FF2B5EF4-FFF2-40B4-BE49-F238E27FC236}">
+                <a16:creationId xmlns:a16="http://schemas.microsoft.com/office/drawing/2014/main" id="{466A5F9A-1356-6A91-8500-BB0319D24FAE}"/>
               </a:ext>
               <a:ext uri="{C183D7F6-B498-43B3-948B-1728B52AA6E4}">
                 <adec:decorative xmlns:adec="http://schemas.microsoft.com/office/drawing/2017/decorative" val="1"/>
@@ -27710,15 +27707,297 @@
         </p:nvSpPr>
         <p:spPr>
           <a:xfrm>
-            <a:off x="0" y="-1"/>
-            <a:ext cx="12188952" cy="6858000"/>
+            <a:off x="0" y="0"/>
+            <a:ext cx="12192000" cy="6858000"/>
           </a:xfrm>
           <a:prstGeom prst="rect">
             <a:avLst/>
           </a:prstGeom>
+          <a:solidFill>
+            <a:schemeClr val="tx1"/>
+          </a:solidFill>
           <a:ln>
             <a:noFill/>
           </a:ln>
+        </p:spPr>
+        <p:style>
+          <a:lnRef idx="2">
+            <a:schemeClr val="accent1">
+              <a:shade val="50000"/>
+            </a:schemeClr>
+          </a:lnRef>
+          <a:fillRef idx="1">
+            <a:schemeClr val="accent1"/>
+          </a:fillRef>
+          <a:effectRef idx="0">
+            <a:schemeClr val="accent1"/>
+          </a:effectRef>
+          <a:fontRef idx="minor">
+            <a:schemeClr val="lt1"/>
+          </a:fontRef>
+        </p:style>
+        <p:txBody>
+          <a:bodyPr rtlCol="0" anchor="ctr"/>
+          <a:lstStyle/>
+          <a:p>
+            <a:pPr algn="ctr"/>
+            <a:endParaRPr lang="en-US"/>
+          </a:p>
+        </p:txBody>
+      </p:sp>
+      <p:pic>
+        <p:nvPicPr>
+          <p:cNvPr id="5" name="Picture 4" descr="A screenshot of a computer program&#10;&#10;Description automatically generated">
+            <a:extLst>
+              <a:ext uri="{FF2B5EF4-FFF2-40B4-BE49-F238E27FC236}">
+                <a16:creationId xmlns:a16="http://schemas.microsoft.com/office/drawing/2014/main" id="{AC917772-A878-0B32-E397-6010ECCBBAA4}"/>
+              </a:ext>
+            </a:extLst>
+          </p:cNvPr>
+          <p:cNvPicPr>
+            <a:picLocks noChangeAspect="1"/>
+          </p:cNvPicPr>
+          <p:nvPr/>
+        </p:nvPicPr>
+        <p:blipFill>
+          <a:blip r:embed="rId2">
+            <a:extLst>
+              <a:ext uri="{28A0092B-C50C-407E-A947-70E740481C1C}">
+                <a14:useLocalDpi xmlns:a14="http://schemas.microsoft.com/office/drawing/2010/main" val="0"/>
+              </a:ext>
+            </a:extLst>
+          </a:blip>
+          <a:stretch>
+            <a:fillRect/>
+          </a:stretch>
+        </p:blipFill>
+        <p:spPr>
+          <a:xfrm>
+            <a:off x="1524" y="0"/>
+            <a:ext cx="12190476" cy="6858000"/>
+          </a:xfrm>
+          <a:prstGeom prst="rect">
+            <a:avLst/>
+          </a:prstGeom>
+        </p:spPr>
+      </p:pic>
+      <p:sp>
+        <p:nvSpPr>
+          <p:cNvPr id="7" name="Rectangle 6">
+            <a:extLst>
+              <a:ext uri="{FF2B5EF4-FFF2-40B4-BE49-F238E27FC236}">
+                <a16:creationId xmlns:a16="http://schemas.microsoft.com/office/drawing/2014/main" id="{4EFB4A9E-38C4-090E-93FE-C5F247F25262}"/>
+              </a:ext>
+            </a:extLst>
+          </p:cNvPr>
+          <p:cNvSpPr/>
+          <p:nvPr/>
+        </p:nvSpPr>
+        <p:spPr>
+          <a:xfrm>
+            <a:off x="1524" y="-2433"/>
+            <a:ext cx="12190476" cy="6858020"/>
+          </a:xfrm>
+          <a:prstGeom prst="rect">
+            <a:avLst/>
+          </a:prstGeom>
+          <a:solidFill>
+            <a:schemeClr val="bg1">
+              <a:lumMod val="75000"/>
+              <a:alpha val="30196"/>
+            </a:schemeClr>
+          </a:solidFill>
+          <a:ln>
+            <a:noFill/>
+          </a:ln>
+        </p:spPr>
+        <p:style>
+          <a:lnRef idx="2">
+            <a:schemeClr val="accent1">
+              <a:shade val="15000"/>
+            </a:schemeClr>
+          </a:lnRef>
+          <a:fillRef idx="1">
+            <a:schemeClr val="accent1"/>
+          </a:fillRef>
+          <a:effectRef idx="0">
+            <a:schemeClr val="accent1"/>
+          </a:effectRef>
+          <a:fontRef idx="minor">
+            <a:schemeClr val="lt1"/>
+          </a:fontRef>
+        </p:style>
+        <p:txBody>
+          <a:bodyPr rtlCol="0" anchor="ctr"/>
+          <a:lstStyle/>
+          <a:p>
+            <a:pPr algn="ctr"/>
+            <a:endParaRPr lang="en-US" dirty="0">
+              <a:solidFill>
+                <a:schemeClr val="accent1">
+                  <a:lumMod val="60000"/>
+                  <a:lumOff val="40000"/>
+                </a:schemeClr>
+              </a:solidFill>
+            </a:endParaRPr>
+          </a:p>
+        </p:txBody>
+      </p:sp>
+      <p:sp>
+        <p:nvSpPr>
+          <p:cNvPr id="3" name="Title 2">
+            <a:extLst>
+              <a:ext uri="{FF2B5EF4-FFF2-40B4-BE49-F238E27FC236}">
+                <a16:creationId xmlns:a16="http://schemas.microsoft.com/office/drawing/2014/main" id="{B3FAE8D9-9CB0-8F23-51D6-33DBFFADB47B}"/>
+              </a:ext>
+            </a:extLst>
+          </p:cNvPr>
+          <p:cNvSpPr>
+            <a:spLocks noGrp="1"/>
+          </p:cNvSpPr>
+          <p:nvPr>
+            <p:ph type="ctrTitle"/>
+          </p:nvPr>
+        </p:nvSpPr>
+        <p:spPr>
+          <a:xfrm>
+            <a:off x="6172495" y="2314467"/>
+            <a:ext cx="5037039" cy="870074"/>
+          </a:xfrm>
+          <a:solidFill>
+            <a:schemeClr val="bg1">
+              <a:alpha val="53514"/>
+            </a:schemeClr>
+          </a:solidFill>
+        </p:spPr>
+        <p:txBody>
+          <a:bodyPr vert="horz" lIns="91440" tIns="45720" rIns="91440" bIns="45720" rtlCol="0" anchor="b">
+            <a:normAutofit/>
+          </a:bodyPr>
+          <a:lstStyle/>
+          <a:p>
+            <a:r>
+              <a:rPr lang="en-US" sz="5400" dirty="0">
+                <a:solidFill>
+                  <a:schemeClr val="tx1"/>
+                </a:solidFill>
+              </a:rPr>
+              <a:t>Python Scripts</a:t>
+            </a:r>
+            <a:endParaRPr lang="en-US" sz="5000" dirty="0">
+              <a:solidFill>
+                <a:schemeClr val="bg1"/>
+              </a:solidFill>
+            </a:endParaRPr>
+          </a:p>
+        </p:txBody>
+      </p:sp>
+      <p:sp>
+        <p:nvSpPr>
+          <p:cNvPr id="15" name="Rectangle 14">
+            <a:extLst>
+              <a:ext uri="{FF2B5EF4-FFF2-40B4-BE49-F238E27FC236}">
+                <a16:creationId xmlns:a16="http://schemas.microsoft.com/office/drawing/2014/main" id="{794D04BE-E836-1899-079B-65FF354637B3}"/>
+              </a:ext>
+              <a:ext uri="{C183D7F6-B498-43B3-948B-1728B52AA6E4}">
+                <adec:decorative xmlns:adec="http://schemas.microsoft.com/office/drawing/2017/decorative" val="1"/>
+              </a:ext>
+            </a:extLst>
+          </p:cNvPr>
+          <p:cNvSpPr>
+            <a:spLocks noGrp="1" noRot="1" noChangeAspect="1" noMove="1" noResize="1" noEditPoints="1" noAdjustHandles="1" noChangeArrowheads="1" noChangeShapeType="1" noTextEdit="1"/>
+          </p:cNvSpPr>
+          <p:nvPr>
+            <p:extLst>
+              <p:ext uri="{386F3935-93C4-4BCD-93E2-E3B085C9AB24}">
+                <p16:designElem xmlns:p16="http://schemas.microsoft.com/office/powerpoint/2015/main" val="1"/>
+              </p:ext>
+            </p:extLst>
+          </p:nvPr>
+        </p:nvSpPr>
+        <p:spPr>
+          <a:xfrm rot="5400000">
+            <a:off x="1120140" y="346791"/>
+            <a:ext cx="146304" cy="704088"/>
+          </a:xfrm>
+          <a:prstGeom prst="rect">
+            <a:avLst/>
+          </a:prstGeom>
+          <a:solidFill>
+            <a:schemeClr val="accent2"/>
+          </a:solidFill>
+          <a:ln>
+            <a:noFill/>
+          </a:ln>
+        </p:spPr>
+        <p:style>
+          <a:lnRef idx="2">
+            <a:schemeClr val="accent1">
+              <a:shade val="50000"/>
+            </a:schemeClr>
+          </a:lnRef>
+          <a:fillRef idx="1">
+            <a:schemeClr val="accent1"/>
+          </a:fillRef>
+          <a:effectRef idx="0">
+            <a:schemeClr val="accent1"/>
+          </a:effectRef>
+          <a:fontRef idx="minor">
+            <a:schemeClr val="lt1"/>
+          </a:fontRef>
+        </p:style>
+        <p:txBody>
+          <a:bodyPr rtlCol="0" anchor="ctr"/>
+          <a:lstStyle/>
+          <a:p>
+            <a:pPr algn="ctr"/>
+            <a:endParaRPr lang="en-US">
+              <a:solidFill>
+                <a:prstClr val="white"/>
+              </a:solidFill>
+              <a:latin typeface="Calibri" panose="020F0502020204030204"/>
+            </a:endParaRPr>
+          </a:p>
+        </p:txBody>
+      </p:sp>
+      <p:sp>
+        <p:nvSpPr>
+          <p:cNvPr id="17" name="Rectangle 16">
+            <a:extLst>
+              <a:ext uri="{FF2B5EF4-FFF2-40B4-BE49-F238E27FC236}">
+                <a16:creationId xmlns:a16="http://schemas.microsoft.com/office/drawing/2014/main" id="{565F2CB1-4019-21CF-00BB-F34B16711CD2}"/>
+              </a:ext>
+              <a:ext uri="{C183D7F6-B498-43B3-948B-1728B52AA6E4}">
+                <adec:decorative xmlns:adec="http://schemas.microsoft.com/office/drawing/2017/decorative" val="1"/>
+              </a:ext>
+            </a:extLst>
+          </p:cNvPr>
+          <p:cNvSpPr>
+            <a:spLocks noGrp="1" noRot="1" noChangeAspect="1" noMove="1" noResize="1" noEditPoints="1" noAdjustHandles="1" noChangeArrowheads="1" noChangeShapeType="1" noTextEdit="1"/>
+          </p:cNvSpPr>
+          <p:nvPr>
+            <p:extLst>
+              <p:ext uri="{386F3935-93C4-4BCD-93E2-E3B085C9AB24}">
+                <p16:designElem xmlns:p16="http://schemas.microsoft.com/office/powerpoint/2015/main" val="1"/>
+              </p:ext>
+            </p:extLst>
+          </p:nvPr>
+        </p:nvSpPr>
+        <p:spPr>
+          <a:xfrm>
+            <a:off x="841248" y="3241202"/>
+            <a:ext cx="10506456" cy="18288"/>
+          </a:xfrm>
+          <a:prstGeom prst="rect">
+            <a:avLst/>
+          </a:prstGeom>
+          <a:solidFill>
+            <a:schemeClr val="bg1"/>
+          </a:solidFill>
+          <a:ln w="3175">
+            <a:noFill/>
+          </a:ln>
+          <a:effectLst/>
         </p:spPr>
         <p:style>
           <a:lnRef idx="2">
@@ -27776,215 +28055,82 @@
       </p:sp>
       <p:sp>
         <p:nvSpPr>
-          <p:cNvPr id="23" name="Rectangle 22">
-            <a:extLst>
-              <a:ext uri="{FF2B5EF4-FFF2-40B4-BE49-F238E27FC236}">
-                <a16:creationId xmlns:a16="http://schemas.microsoft.com/office/drawing/2014/main" id="{75BE6D6B-84C9-4D2B-97EB-773B7369EF82}"/>
-              </a:ext>
-              <a:ext uri="{C183D7F6-B498-43B3-948B-1728B52AA6E4}">
-                <adec:decorative xmlns:adec="http://schemas.microsoft.com/office/drawing/2017/decorative" val="1"/>
-              </a:ext>
-            </a:extLst>
-          </p:cNvPr>
-          <p:cNvSpPr>
-            <a:spLocks noGrp="1" noRot="1" noChangeAspect="1" noMove="1" noResize="1" noEditPoints="1" noAdjustHandles="1" noChangeArrowheads="1" noChangeShapeType="1" noTextEdit="1"/>
-          </p:cNvSpPr>
-          <p:nvPr>
-            <p:extLst>
-              <p:ext uri="{386F3935-93C4-4BCD-93E2-E3B085C9AB24}">
-                <p16:designElem xmlns:p16="http://schemas.microsoft.com/office/powerpoint/2015/main" val="1"/>
-              </p:ext>
-            </p:extLst>
+          <p:cNvPr id="10" name="Content Placeholder 9">
+            <a:extLst>
+              <a:ext uri="{FF2B5EF4-FFF2-40B4-BE49-F238E27FC236}">
+                <a16:creationId xmlns:a16="http://schemas.microsoft.com/office/drawing/2014/main" id="{CC07DFEC-2358-907C-0302-CF5928EBC065}"/>
+              </a:ext>
+            </a:extLst>
+          </p:cNvPr>
+          <p:cNvSpPr>
+            <a:spLocks noGrp="1"/>
+          </p:cNvSpPr>
+          <p:nvPr>
+            <p:ph sz="quarter" idx="14"/>
           </p:nvPr>
         </p:nvSpPr>
         <p:spPr>
           <a:xfrm>
-            <a:off x="0" y="0"/>
-            <a:ext cx="12192000" cy="6858000"/>
+            <a:off x="763229" y="3598511"/>
+            <a:ext cx="10662494" cy="2426700"/>
           </a:xfrm>
-          <a:prstGeom prst="rect">
-            <a:avLst/>
-          </a:prstGeom>
           <a:solidFill>
-            <a:srgbClr val="000000"/>
+            <a:schemeClr val="bg1">
+              <a:alpha val="75314"/>
+            </a:schemeClr>
           </a:solidFill>
           <a:ln>
             <a:noFill/>
           </a:ln>
         </p:spPr>
-        <p:style>
-          <a:lnRef idx="2">
-            <a:schemeClr val="accent1">
-              <a:shade val="50000"/>
-            </a:schemeClr>
-          </a:lnRef>
-          <a:fillRef idx="1">
-            <a:schemeClr val="accent1"/>
-          </a:fillRef>
-          <a:effectRef idx="0">
-            <a:schemeClr val="accent1"/>
-          </a:effectRef>
-          <a:fontRef idx="minor">
-            <a:schemeClr val="lt1"/>
-          </a:fontRef>
-        </p:style>
-        <p:txBody>
-          <a:bodyPr rtlCol="0" anchor="ctr"/>
-          <a:lstStyle/>
-          <a:p>
-            <a:pPr marL="0" marR="0" lvl="0" indent="0" algn="ctr" defTabSz="914400" rtl="0" eaLnBrk="1" fontAlgn="auto" latinLnBrk="0" hangingPunct="1">
-              <a:lnSpc>
-                <a:spcPct val="100000"/>
-              </a:lnSpc>
-              <a:spcBef>
-                <a:spcPts val="0"/>
-              </a:spcBef>
-              <a:spcAft>
-                <a:spcPts val="0"/>
-              </a:spcAft>
-              <a:buClrTx/>
-              <a:buSzTx/>
-              <a:buFontTx/>
-              <a:buNone/>
-              <a:tabLst/>
-              <a:defRPr/>
-            </a:pPr>
-            <a:endParaRPr kumimoji="0" lang="en-US" sz="1800" b="0" i="0" u="none" strike="noStrike" kern="1200" cap="none" spc="0" normalizeH="0" baseline="0" noProof="0">
-              <a:ln>
-                <a:noFill/>
-              </a:ln>
-              <a:solidFill>
-                <a:srgbClr val="000000"/>
-              </a:solidFill>
-              <a:effectLst/>
-              <a:uLnTx/>
-              <a:uFillTx/>
-              <a:latin typeface="Calibri" panose="020F0502020204030204"/>
-              <a:ea typeface="+mn-ea"/>
-              <a:cs typeface="+mn-cs"/>
-            </a:endParaRPr>
-          </a:p>
-        </p:txBody>
-      </p:sp>
-      <p:pic>
-        <p:nvPicPr>
-          <p:cNvPr id="6" name="Picture Placeholder 5" descr="A screenshot of a computer program&#10;&#10;AI-generated content may be incorrect.">
-            <a:extLst>
-              <a:ext uri="{FF2B5EF4-FFF2-40B4-BE49-F238E27FC236}">
-                <a16:creationId xmlns:a16="http://schemas.microsoft.com/office/drawing/2014/main" id="{9579C1CB-3E5B-E0E4-D739-4268E2579EA6}"/>
-              </a:ext>
-            </a:extLst>
-          </p:cNvPr>
-          <p:cNvPicPr>
-            <a:picLocks noGrp="1" noChangeAspect="1"/>
-          </p:cNvPicPr>
-          <p:nvPr>
-            <p:ph type="pic" sz="quarter" idx="13"/>
-          </p:nvPr>
-        </p:nvPicPr>
-        <p:blipFill>
-          <a:blip r:embed="rId2">
-            <a:alphaModFix amt="60000"/>
-            <a:extLst>
-              <a:ext uri="{28A0092B-C50C-407E-A947-70E740481C1C}">
-                <a14:useLocalDpi xmlns:a14="http://schemas.microsoft.com/office/drawing/2010/main" val="0"/>
-              </a:ext>
-            </a:extLst>
-          </a:blip>
-          <a:srcRect/>
-          <a:stretch/>
-        </p:blipFill>
-        <p:spPr>
-          <a:xfrm>
-            <a:off x="-1" y="10"/>
-            <a:ext cx="12192001" cy="6857990"/>
-          </a:xfrm>
-          <a:prstGeom prst="rect">
-            <a:avLst/>
-          </a:prstGeom>
-        </p:spPr>
-      </p:pic>
-      <p:sp>
-        <p:nvSpPr>
-          <p:cNvPr id="3" name="Title 2">
-            <a:extLst>
-              <a:ext uri="{FF2B5EF4-FFF2-40B4-BE49-F238E27FC236}">
-                <a16:creationId xmlns:a16="http://schemas.microsoft.com/office/drawing/2014/main" id="{245567B9-FF87-2033-8673-879CD30E4526}"/>
-              </a:ext>
-            </a:extLst>
-          </p:cNvPr>
-          <p:cNvSpPr>
-            <a:spLocks noGrp="1"/>
-          </p:cNvSpPr>
-          <p:nvPr>
-            <p:ph type="ctrTitle"/>
-          </p:nvPr>
-        </p:nvSpPr>
-        <p:spPr>
-          <a:xfrm>
-            <a:off x="1198181" y="1625601"/>
-            <a:ext cx="2621979" cy="894080"/>
-          </a:xfrm>
-          <a:solidFill>
-            <a:schemeClr val="bg1">
-              <a:alpha val="53259"/>
-            </a:schemeClr>
-          </a:solidFill>
-        </p:spPr>
-        <p:txBody>
-          <a:bodyPr vert="horz" lIns="91440" tIns="45720" rIns="91440" bIns="45720" rtlCol="0" anchor="ctr">
-            <a:noAutofit/>
-          </a:bodyPr>
-          <a:lstStyle/>
-          <a:p>
-            <a:r>
-              <a:rPr lang="en-US" sz="5400" dirty="0">
-                <a:solidFill>
-                  <a:schemeClr val="tx1"/>
-                </a:solidFill>
-              </a:rPr>
-              <a:t>Python</a:t>
-            </a:r>
-          </a:p>
-        </p:txBody>
-      </p:sp>
-      <p:sp>
-        <p:nvSpPr>
-          <p:cNvPr id="4" name="Content Placeholder 3">
-            <a:extLst>
-              <a:ext uri="{FF2B5EF4-FFF2-40B4-BE49-F238E27FC236}">
-                <a16:creationId xmlns:a16="http://schemas.microsoft.com/office/drawing/2014/main" id="{0F917385-8B1C-3EF6-8124-20BD40B56F2D}"/>
-              </a:ext>
-            </a:extLst>
-          </p:cNvPr>
-          <p:cNvSpPr>
-            <a:spLocks noGrp="1"/>
-          </p:cNvSpPr>
-          <p:nvPr>
-            <p:ph sz="quarter" idx="14"/>
-          </p:nvPr>
-        </p:nvSpPr>
-        <p:spPr>
-          <a:xfrm>
-            <a:off x="1198181" y="2957665"/>
-            <a:ext cx="9792471" cy="3171423"/>
-          </a:xfrm>
-          <a:solidFill>
-            <a:schemeClr val="bg1">
-              <a:alpha val="58153"/>
-            </a:schemeClr>
-          </a:solidFill>
-        </p:spPr>
         <p:txBody>
           <a:bodyPr vert="horz" lIns="91440" tIns="45720" rIns="91440" bIns="45720" rtlCol="0">
             <a:normAutofit/>
+            <a:scene3d>
+              <a:camera prst="orthographicFront"/>
+              <a:lightRig rig="threePt" dir="t"/>
+            </a:scene3d>
+            <a:sp3d contourW="12700">
+              <a:contourClr>
+                <a:schemeClr val="tx1"/>
+              </a:contourClr>
+            </a:sp3d>
           </a:bodyPr>
           <a:lstStyle/>
           <a:p>
-            <a:pPr marL="0"/>
+            <a:r>
+              <a:rPr lang="en-US" sz="2000" dirty="0"/>
+              <a:t>To Calculate Employee Tenure, clean Nulls and remove Outliers.</a:t>
+            </a:r>
+          </a:p>
+          <a:p>
+            <a:r>
+              <a:rPr lang="en-US" sz="2000" dirty="0"/>
+              <a:t>To Create Correlation Plots and define the final features.</a:t>
+            </a:r>
+          </a:p>
+          <a:p>
+            <a:r>
+              <a:rPr lang="en-US" sz="2000" dirty="0"/>
+              <a:t>To Establish Performance Labels and Encode them.</a:t>
+            </a:r>
+          </a:p>
+          <a:p>
+            <a:r>
+              <a:rPr lang="en-US" sz="2000" dirty="0"/>
+              <a:t>To Set Hyperparameters for Optimization, Normalize features  and Split the Data Set.</a:t>
+            </a:r>
+          </a:p>
+          <a:p>
+            <a:r>
+              <a:rPr lang="en-US" sz="2000" dirty="0"/>
+              <a:t>Ensured efficient data transfer and query performance through optimized SQL operations.</a:t>
+            </a:r>
+          </a:p>
+          <a:p>
             <a:endParaRPr lang="en-US" sz="2000" dirty="0">
               <a:solidFill>
-                <a:srgbClr val="FFFFFF"/>
+                <a:schemeClr val="bg1"/>
               </a:solidFill>
             </a:endParaRPr>
           </a:p>
@@ -27993,7 +28139,7 @@
     </p:spTree>
     <p:extLst>
       <p:ext uri="{BB962C8B-B14F-4D97-AF65-F5344CB8AC3E}">
-        <p14:creationId xmlns:p14="http://schemas.microsoft.com/office/powerpoint/2010/main" val="2704224281"/>
+        <p14:creationId xmlns:p14="http://schemas.microsoft.com/office/powerpoint/2010/main" val="3480470147"/>
       </p:ext>
     </p:extLst>
   </p:cSld>

--- a/Chinook_Presentation/Project_Future_Chinook_Presentation.pptx
+++ b/Chinook_Presentation/Project_Future_Chinook_Presentation.pptx
@@ -8,7 +8,7 @@
     <p:sldMasterId id="2147483816" r:id="rId4"/>
   </p:sldMasterIdLst>
   <p:notesMasterIdLst>
-    <p:notesMasterId r:id="rId23"/>
+    <p:notesMasterId r:id="rId21"/>
   </p:notesMasterIdLst>
   <p:sldIdLst>
     <p:sldId id="257" r:id="rId5"/>
@@ -20,15 +20,13 @@
     <p:sldId id="286" r:id="rId11"/>
     <p:sldId id="277" r:id="rId12"/>
     <p:sldId id="287" r:id="rId13"/>
-    <p:sldId id="288" r:id="rId14"/>
-    <p:sldId id="263" r:id="rId15"/>
-    <p:sldId id="267" r:id="rId16"/>
-    <p:sldId id="268" r:id="rId17"/>
-    <p:sldId id="278" r:id="rId18"/>
-    <p:sldId id="281" r:id="rId19"/>
-    <p:sldId id="269" r:id="rId20"/>
-    <p:sldId id="270" r:id="rId21"/>
-    <p:sldId id="258" r:id="rId22"/>
+    <p:sldId id="281" r:id="rId14"/>
+    <p:sldId id="291" r:id="rId15"/>
+    <p:sldId id="292" r:id="rId16"/>
+    <p:sldId id="293" r:id="rId17"/>
+    <p:sldId id="294" r:id="rId18"/>
+    <p:sldId id="270" r:id="rId19"/>
+    <p:sldId id="258" r:id="rId20"/>
   </p:sldIdLst>
   <p:sldSz cx="12192000" cy="6858000"/>
   <p:notesSz cx="6858000" cy="9144000"/>
@@ -18823,13 +18821,7 @@
     </p:bg>
     <p:spTree>
       <p:nvGrpSpPr>
-        <p:cNvPr id="1" name="">
-          <a:extLst>
-            <a:ext uri="{FF2B5EF4-FFF2-40B4-BE49-F238E27FC236}">
-              <a16:creationId xmlns:a16="http://schemas.microsoft.com/office/drawing/2014/main" id="{5D1DF203-3A1F-52BD-4AA2-CC48D658AB8E}"/>
-            </a:ext>
-          </a:extLst>
-        </p:cNvPr>
+        <p:cNvPr id="1" name=""/>
         <p:cNvGrpSpPr/>
         <p:nvPr/>
       </p:nvGrpSpPr>
@@ -18843,10 +18835,10 @@
       </p:grpSpPr>
       <p:sp useBgFill="1">
         <p:nvSpPr>
-          <p:cNvPr id="21" name="Rectangle 20">
-            <a:extLst>
-              <a:ext uri="{FF2B5EF4-FFF2-40B4-BE49-F238E27FC236}">
-                <a16:creationId xmlns:a16="http://schemas.microsoft.com/office/drawing/2014/main" id="{7D7F22AC-66E9-85EE-A6C2-7EBA52C7B9A0}"/>
+          <p:cNvPr id="30" name="Rectangle 29">
+            <a:extLst>
+              <a:ext uri="{FF2B5EF4-FFF2-40B4-BE49-F238E27FC236}">
+                <a16:creationId xmlns:a16="http://schemas.microsoft.com/office/drawing/2014/main" id="{0B9EE3F3-89B7-43C3-8651-C4C96830993D}"/>
               </a:ext>
               <a:ext uri="{C183D7F6-B498-43B3-948B-1728B52AA6E4}">
                 <adec:decorative xmlns:adec="http://schemas.microsoft.com/office/drawing/2017/decorative" val="1"/>
@@ -18901,12 +18893,2283 @@
           </a:p>
         </p:txBody>
       </p:sp>
+      <p:sp>
+        <p:nvSpPr>
+          <p:cNvPr id="3" name="Title 2">
+            <a:extLst>
+              <a:ext uri="{FF2B5EF4-FFF2-40B4-BE49-F238E27FC236}">
+                <a16:creationId xmlns:a16="http://schemas.microsoft.com/office/drawing/2014/main" id="{9770651F-EB59-A472-4AF9-1683140C6B46}"/>
+              </a:ext>
+            </a:extLst>
+          </p:cNvPr>
+          <p:cNvSpPr>
+            <a:spLocks noGrp="1"/>
+          </p:cNvSpPr>
+          <p:nvPr>
+            <p:ph type="ctrTitle"/>
+          </p:nvPr>
+        </p:nvSpPr>
+        <p:spPr>
+          <a:xfrm>
+            <a:off x="411480" y="991443"/>
+            <a:ext cx="4443154" cy="1087819"/>
+          </a:xfrm>
+        </p:spPr>
+        <p:txBody>
+          <a:bodyPr vert="horz" lIns="91440" tIns="45720" rIns="91440" bIns="45720" rtlCol="0" anchor="b">
+            <a:normAutofit/>
+          </a:bodyPr>
+          <a:lstStyle/>
+          <a:p>
+            <a:r>
+              <a:rPr lang="en-US" sz="3400" kern="1200" dirty="0">
+                <a:solidFill>
+                  <a:schemeClr val="tx1"/>
+                </a:solidFill>
+                <a:latin typeface="+mj-lt"/>
+                <a:ea typeface="+mj-ea"/>
+                <a:cs typeface="+mj-cs"/>
+              </a:rPr>
+              <a:t>Pre-Processing &amp; Feature Engineering</a:t>
+            </a:r>
+          </a:p>
+        </p:txBody>
+      </p:sp>
+      <p:sp>
+        <p:nvSpPr>
+          <p:cNvPr id="31" name="Rectangle 30">
+            <a:extLst>
+              <a:ext uri="{FF2B5EF4-FFF2-40B4-BE49-F238E27FC236}">
+                <a16:creationId xmlns:a16="http://schemas.microsoft.com/office/drawing/2014/main" id="{33AE4636-AEEC-45D6-84D4-7AC2DA48ECF8}"/>
+              </a:ext>
+              <a:ext uri="{C183D7F6-B498-43B3-948B-1728B52AA6E4}">
+                <adec:decorative xmlns:adec="http://schemas.microsoft.com/office/drawing/2017/decorative" val="1"/>
+              </a:ext>
+            </a:extLst>
+          </p:cNvPr>
+          <p:cNvSpPr>
+            <a:spLocks noGrp="1" noRot="1" noChangeAspect="1" noMove="1" noResize="1" noEditPoints="1" noAdjustHandles="1" noChangeArrowheads="1" noChangeShapeType="1" noTextEdit="1"/>
+          </p:cNvSpPr>
+          <p:nvPr>
+            <p:extLst>
+              <p:ext uri="{386F3935-93C4-4BCD-93E2-E3B085C9AB24}">
+                <p16:designElem xmlns:p16="http://schemas.microsoft.com/office/powerpoint/2015/main" val="1"/>
+              </p:ext>
+            </p:extLst>
+          </p:nvPr>
+        </p:nvSpPr>
+        <p:spPr>
+          <a:xfrm rot="5400000">
+            <a:off x="649223" y="387939"/>
+            <a:ext cx="73152" cy="548640"/>
+          </a:xfrm>
+          <a:prstGeom prst="rect">
+            <a:avLst/>
+          </a:prstGeom>
+          <a:solidFill>
+            <a:schemeClr val="accent2"/>
+          </a:solidFill>
+          <a:ln>
+            <a:noFill/>
+          </a:ln>
+        </p:spPr>
+        <p:style>
+          <a:lnRef idx="2">
+            <a:schemeClr val="accent1">
+              <a:shade val="50000"/>
+            </a:schemeClr>
+          </a:lnRef>
+          <a:fillRef idx="1">
+            <a:schemeClr val="accent1"/>
+          </a:fillRef>
+          <a:effectRef idx="0">
+            <a:schemeClr val="accent1"/>
+          </a:effectRef>
+          <a:fontRef idx="minor">
+            <a:schemeClr val="lt1"/>
+          </a:fontRef>
+        </p:style>
+        <p:txBody>
+          <a:bodyPr rtlCol="0" anchor="ctr"/>
+          <a:lstStyle/>
+          <a:p>
+            <a:pPr algn="ctr"/>
+            <a:endParaRPr lang="en-US">
+              <a:solidFill>
+                <a:prstClr val="white"/>
+              </a:solidFill>
+              <a:latin typeface="Calibri" panose="020F0502020204030204"/>
+            </a:endParaRPr>
+          </a:p>
+        </p:txBody>
+      </p:sp>
+      <p:sp>
+        <p:nvSpPr>
+          <p:cNvPr id="32" name="Rectangle 31">
+            <a:extLst>
+              <a:ext uri="{FF2B5EF4-FFF2-40B4-BE49-F238E27FC236}">
+                <a16:creationId xmlns:a16="http://schemas.microsoft.com/office/drawing/2014/main" id="{8D9CE0F4-2EB2-4F1F-8AAC-DB3571D9FE10}"/>
+              </a:ext>
+              <a:ext uri="{C183D7F6-B498-43B3-948B-1728B52AA6E4}">
+                <adec:decorative xmlns:adec="http://schemas.microsoft.com/office/drawing/2017/decorative" val="1"/>
+              </a:ext>
+            </a:extLst>
+          </p:cNvPr>
+          <p:cNvSpPr>
+            <a:spLocks noGrp="1" noRot="1" noChangeAspect="1" noMove="1" noResize="1" noEditPoints="1" noAdjustHandles="1" noChangeArrowheads="1" noChangeShapeType="1" noTextEdit="1"/>
+          </p:cNvSpPr>
+          <p:nvPr>
+            <p:extLst>
+              <p:ext uri="{386F3935-93C4-4BCD-93E2-E3B085C9AB24}">
+                <p16:designElem xmlns:p16="http://schemas.microsoft.com/office/powerpoint/2015/main" val="1"/>
+              </p:ext>
+            </p:extLst>
+          </p:nvPr>
+        </p:nvSpPr>
+        <p:spPr>
+          <a:xfrm>
+            <a:off x="411480" y="2285541"/>
+            <a:ext cx="4389120" cy="18288"/>
+          </a:xfrm>
+          <a:prstGeom prst="rect">
+            <a:avLst/>
+          </a:prstGeom>
+          <a:solidFill>
+            <a:srgbClr val="D5D5D5"/>
+          </a:solidFill>
+          <a:ln w="3175">
+            <a:noFill/>
+          </a:ln>
+          <a:effectLst/>
+        </p:spPr>
+        <p:style>
+          <a:lnRef idx="2">
+            <a:schemeClr val="accent1">
+              <a:shade val="50000"/>
+            </a:schemeClr>
+          </a:lnRef>
+          <a:fillRef idx="1">
+            <a:schemeClr val="accent1"/>
+          </a:fillRef>
+          <a:effectRef idx="0">
+            <a:schemeClr val="accent1"/>
+          </a:effectRef>
+          <a:fontRef idx="minor">
+            <a:schemeClr val="lt1"/>
+          </a:fontRef>
+        </p:style>
+        <p:txBody>
+          <a:bodyPr rtlCol="0" anchor="ctr"/>
+          <a:lstStyle/>
+          <a:p>
+            <a:pPr algn="ctr"/>
+            <a:endParaRPr lang="en-US">
+              <a:solidFill>
+                <a:prstClr val="white"/>
+              </a:solidFill>
+              <a:latin typeface="Calibri" panose="020F0502020204030204"/>
+            </a:endParaRPr>
+          </a:p>
+        </p:txBody>
+      </p:sp>
+      <p:sp>
+        <p:nvSpPr>
+          <p:cNvPr id="4" name="Content Placeholder 3">
+            <a:extLst>
+              <a:ext uri="{FF2B5EF4-FFF2-40B4-BE49-F238E27FC236}">
+                <a16:creationId xmlns:a16="http://schemas.microsoft.com/office/drawing/2014/main" id="{DE3A8E7F-B9BE-15A5-3594-42F220C6F19B}"/>
+              </a:ext>
+            </a:extLst>
+          </p:cNvPr>
+          <p:cNvSpPr>
+            <a:spLocks noGrp="1"/>
+          </p:cNvSpPr>
+          <p:nvPr>
+            <p:ph sz="quarter" idx="14"/>
+          </p:nvPr>
+        </p:nvSpPr>
+        <p:spPr>
+          <a:xfrm>
+            <a:off x="411478" y="2510107"/>
+            <a:ext cx="5684521" cy="4199665"/>
+          </a:xfrm>
+        </p:spPr>
+        <p:txBody>
+          <a:bodyPr vert="horz" lIns="91440" tIns="45720" rIns="91440" bIns="45720" rtlCol="0">
+            <a:normAutofit/>
+          </a:bodyPr>
+          <a:lstStyle/>
+          <a:p>
+            <a:pPr marL="0" indent="0">
+              <a:buNone/>
+            </a:pPr>
+            <a:r>
+              <a:rPr lang="en-US" sz="2200" i="1" dirty="0"/>
+              <a:t>Comments</a:t>
+            </a:r>
+            <a:r>
+              <a:rPr lang="en-US" sz="2200" dirty="0"/>
+              <a:t>:</a:t>
+            </a:r>
+          </a:p>
+          <a:p>
+            <a:endParaRPr lang="en-US" sz="1800" dirty="0"/>
+          </a:p>
+          <a:p>
+            <a:r>
+              <a:rPr lang="en-US" sz="1800" dirty="0"/>
+              <a:t>Feature Selection based on High Correlation to the “Total Revenue” such as “Total Invoices”, “Annual Revenue”, “Average Revenue”</a:t>
+            </a:r>
+          </a:p>
+          <a:p>
+            <a:pPr marL="0" indent="0">
+              <a:buNone/>
+            </a:pPr>
+            <a:endParaRPr lang="en-US" sz="1800" dirty="0"/>
+          </a:p>
+          <a:p>
+            <a:r>
+              <a:rPr lang="en-US" sz="1800" dirty="0"/>
+              <a:t>Outliers Removal such as salesmen with “Total Revenue” more then 600 and employees who are not salesmen</a:t>
+            </a:r>
+          </a:p>
+          <a:p>
+            <a:endParaRPr lang="en-US" sz="1800" dirty="0"/>
+          </a:p>
+          <a:p>
+            <a:r>
+              <a:rPr lang="en-US" sz="1800" dirty="0"/>
+              <a:t>Sample Cleanup with NA filling and “Tenure” as well as “Annual Revenue” Feature calculation</a:t>
+            </a:r>
+          </a:p>
+          <a:p>
+            <a:endParaRPr lang="en-US" sz="1800" dirty="0"/>
+          </a:p>
+          <a:p>
+            <a:endParaRPr lang="en-US" sz="1800" dirty="0"/>
+          </a:p>
+          <a:p>
+            <a:endParaRPr lang="en-US" sz="1800" dirty="0"/>
+          </a:p>
+        </p:txBody>
+      </p:sp>
+      <p:pic>
+        <p:nvPicPr>
+          <p:cNvPr id="8" name="Picture 7" descr="A screenshot of a graph&#10;&#10;Description automatically generated">
+            <a:extLst>
+              <a:ext uri="{FF2B5EF4-FFF2-40B4-BE49-F238E27FC236}">
+                <a16:creationId xmlns:a16="http://schemas.microsoft.com/office/drawing/2014/main" id="{9FF4DC3F-1414-0DE8-6A62-7206AF413241}"/>
+              </a:ext>
+            </a:extLst>
+          </p:cNvPr>
+          <p:cNvPicPr>
+            <a:picLocks noChangeAspect="1"/>
+          </p:cNvPicPr>
+          <p:nvPr/>
+        </p:nvPicPr>
+        <p:blipFill>
+          <a:blip r:embed="rId2">
+            <a:clrChange>
+              <a:clrFrom>
+                <a:srgbClr val="FFFFFF"/>
+              </a:clrFrom>
+              <a:clrTo>
+                <a:srgbClr val="FFFFFF">
+                  <a:alpha val="0"/>
+                </a:srgbClr>
+              </a:clrTo>
+            </a:clrChange>
+            <a:extLst>
+              <a:ext uri="{28A0092B-C50C-407E-A947-70E740481C1C}">
+                <a14:useLocalDpi xmlns:a14="http://schemas.microsoft.com/office/drawing/2010/main" val="0"/>
+              </a:ext>
+            </a:extLst>
+          </a:blip>
+          <a:srcRect r="10015"/>
+          <a:stretch/>
+        </p:blipFill>
+        <p:spPr>
+          <a:xfrm>
+            <a:off x="6852370" y="3067791"/>
+            <a:ext cx="4928149" cy="3641982"/>
+          </a:xfrm>
+          <a:prstGeom prst="rect">
+            <a:avLst/>
+          </a:prstGeom>
+        </p:spPr>
+      </p:pic>
+      <p:pic>
+        <p:nvPicPr>
+          <p:cNvPr id="12" name="Picture 11" descr="A graph with a bar chart&#10;&#10;Description automatically generated with medium confidence">
+            <a:extLst>
+              <a:ext uri="{FF2B5EF4-FFF2-40B4-BE49-F238E27FC236}">
+                <a16:creationId xmlns:a16="http://schemas.microsoft.com/office/drawing/2014/main" id="{A5D71502-43B7-2C7F-C6A3-32C4F2894DD1}"/>
+              </a:ext>
+            </a:extLst>
+          </p:cNvPr>
+          <p:cNvPicPr>
+            <a:picLocks noChangeAspect="1"/>
+          </p:cNvPicPr>
+          <p:nvPr/>
+        </p:nvPicPr>
+        <p:blipFill>
+          <a:blip r:embed="rId3">
+            <a:extLst>
+              <a:ext uri="{28A0092B-C50C-407E-A947-70E740481C1C}">
+                <a14:useLocalDpi xmlns:a14="http://schemas.microsoft.com/office/drawing/2010/main" val="0"/>
+              </a:ext>
+            </a:extLst>
+          </a:blip>
+          <a:stretch>
+            <a:fillRect/>
+          </a:stretch>
+        </p:blipFill>
+        <p:spPr>
+          <a:xfrm>
+            <a:off x="6568104" y="0"/>
+            <a:ext cx="5212415" cy="3127449"/>
+          </a:xfrm>
+          <a:prstGeom prst="rect">
+            <a:avLst/>
+          </a:prstGeom>
+        </p:spPr>
+      </p:pic>
+    </p:spTree>
+    <p:extLst>
+      <p:ext uri="{BB962C8B-B14F-4D97-AF65-F5344CB8AC3E}">
+        <p14:creationId xmlns:p14="http://schemas.microsoft.com/office/powerpoint/2010/main" val="1840235258"/>
+      </p:ext>
+    </p:extLst>
+  </p:cSld>
+  <p:clrMapOvr>
+    <a:masterClrMapping/>
+  </p:clrMapOvr>
+  <p:transition spd="slow">
+    <p:wipe/>
+  </p:transition>
+</p:sld>
+</file>
+
+<file path=ppt/slides/slide11.xml><?xml version="1.0" encoding="utf-8"?>
+<p:sld xmlns:a="http://schemas.openxmlformats.org/drawingml/2006/main" xmlns:r="http://schemas.openxmlformats.org/officeDocument/2006/relationships" xmlns:p="http://schemas.openxmlformats.org/presentationml/2006/main">
+  <p:cSld>
+    <p:bg>
+      <p:bgPr>
+        <a:solidFill>
+          <a:schemeClr val="bg1"/>
+        </a:solidFill>
+        <a:effectLst/>
+      </p:bgPr>
+    </p:bg>
+    <p:spTree>
+      <p:nvGrpSpPr>
+        <p:cNvPr id="1" name="">
+          <a:extLst>
+            <a:ext uri="{FF2B5EF4-FFF2-40B4-BE49-F238E27FC236}">
+              <a16:creationId xmlns:a16="http://schemas.microsoft.com/office/drawing/2014/main" id="{FA25ACDA-5739-97E3-DBC1-593779311ED7}"/>
+            </a:ext>
+          </a:extLst>
+        </p:cNvPr>
+        <p:cNvGrpSpPr/>
+        <p:nvPr/>
+      </p:nvGrpSpPr>
+      <p:grpSpPr>
+        <a:xfrm>
+          <a:off x="0" y="0"/>
+          <a:ext cx="0" cy="0"/>
+          <a:chOff x="0" y="0"/>
+          <a:chExt cx="0" cy="0"/>
+        </a:xfrm>
+      </p:grpSpPr>
       <p:sp useBgFill="1">
         <p:nvSpPr>
-          <p:cNvPr id="22" name="Rectangle 21">
-            <a:extLst>
-              <a:ext uri="{FF2B5EF4-FFF2-40B4-BE49-F238E27FC236}">
-                <a16:creationId xmlns:a16="http://schemas.microsoft.com/office/drawing/2014/main" id="{C0C0CFC6-85AB-6D9E-255D-8CF6D35881E0}"/>
+          <p:cNvPr id="30" name="Rectangle 29">
+            <a:extLst>
+              <a:ext uri="{FF2B5EF4-FFF2-40B4-BE49-F238E27FC236}">
+                <a16:creationId xmlns:a16="http://schemas.microsoft.com/office/drawing/2014/main" id="{7E73AA34-C28D-D7C4-0E07-D90BCF441477}"/>
+              </a:ext>
+              <a:ext uri="{C183D7F6-B498-43B3-948B-1728B52AA6E4}">
+                <adec:decorative xmlns:adec="http://schemas.microsoft.com/office/drawing/2017/decorative" val="1"/>
+              </a:ext>
+            </a:extLst>
+          </p:cNvPr>
+          <p:cNvSpPr>
+            <a:spLocks noGrp="1" noRot="1" noChangeAspect="1" noMove="1" noResize="1" noEditPoints="1" noAdjustHandles="1" noChangeArrowheads="1" noChangeShapeType="1" noTextEdit="1"/>
+          </p:cNvSpPr>
+          <p:nvPr>
+            <p:extLst>
+              <p:ext uri="{386F3935-93C4-4BCD-93E2-E3B085C9AB24}">
+                <p16:designElem xmlns:p16="http://schemas.microsoft.com/office/powerpoint/2015/main" val="1"/>
+              </p:ext>
+            </p:extLst>
+          </p:nvPr>
+        </p:nvSpPr>
+        <p:spPr>
+          <a:xfrm>
+            <a:off x="0" y="0"/>
+            <a:ext cx="12192000" cy="6858000"/>
+          </a:xfrm>
+          <a:prstGeom prst="rect">
+            <a:avLst/>
+          </a:prstGeom>
+          <a:ln>
+            <a:noFill/>
+          </a:ln>
+        </p:spPr>
+        <p:style>
+          <a:lnRef idx="2">
+            <a:schemeClr val="accent1">
+              <a:shade val="50000"/>
+            </a:schemeClr>
+          </a:lnRef>
+          <a:fillRef idx="1">
+            <a:schemeClr val="accent1"/>
+          </a:fillRef>
+          <a:effectRef idx="0">
+            <a:schemeClr val="accent1"/>
+          </a:effectRef>
+          <a:fontRef idx="minor">
+            <a:schemeClr val="lt1"/>
+          </a:fontRef>
+        </p:style>
+        <p:txBody>
+          <a:bodyPr rtlCol="0" anchor="ctr"/>
+          <a:lstStyle/>
+          <a:p>
+            <a:pPr algn="ctr"/>
+            <a:endParaRPr lang="en-US"/>
+          </a:p>
+        </p:txBody>
+      </p:sp>
+      <p:sp>
+        <p:nvSpPr>
+          <p:cNvPr id="3" name="Title 2">
+            <a:extLst>
+              <a:ext uri="{FF2B5EF4-FFF2-40B4-BE49-F238E27FC236}">
+                <a16:creationId xmlns:a16="http://schemas.microsoft.com/office/drawing/2014/main" id="{367B154F-5616-93E6-9545-68E74101F790}"/>
+              </a:ext>
+            </a:extLst>
+          </p:cNvPr>
+          <p:cNvSpPr>
+            <a:spLocks noGrp="1"/>
+          </p:cNvSpPr>
+          <p:nvPr>
+            <p:ph type="ctrTitle"/>
+          </p:nvPr>
+        </p:nvSpPr>
+        <p:spPr>
+          <a:xfrm>
+            <a:off x="411480" y="991443"/>
+            <a:ext cx="4443154" cy="1087819"/>
+          </a:xfrm>
+        </p:spPr>
+        <p:txBody>
+          <a:bodyPr vert="horz" lIns="91440" tIns="45720" rIns="91440" bIns="45720" rtlCol="0" anchor="b">
+            <a:normAutofit/>
+          </a:bodyPr>
+          <a:lstStyle/>
+          <a:p>
+            <a:r>
+              <a:rPr lang="en-US" sz="3400" kern="1200" dirty="0">
+                <a:solidFill>
+                  <a:schemeClr val="tx1"/>
+                </a:solidFill>
+                <a:latin typeface="+mj-lt"/>
+                <a:ea typeface="+mj-ea"/>
+                <a:cs typeface="+mj-cs"/>
+              </a:rPr>
+              <a:t>Label Performance &amp; Encoding</a:t>
+            </a:r>
+          </a:p>
+        </p:txBody>
+      </p:sp>
+      <p:sp>
+        <p:nvSpPr>
+          <p:cNvPr id="31" name="Rectangle 30">
+            <a:extLst>
+              <a:ext uri="{FF2B5EF4-FFF2-40B4-BE49-F238E27FC236}">
+                <a16:creationId xmlns:a16="http://schemas.microsoft.com/office/drawing/2014/main" id="{60796870-D60A-E1C6-0F7F-6224FD7EA85A}"/>
+              </a:ext>
+              <a:ext uri="{C183D7F6-B498-43B3-948B-1728B52AA6E4}">
+                <adec:decorative xmlns:adec="http://schemas.microsoft.com/office/drawing/2017/decorative" val="1"/>
+              </a:ext>
+            </a:extLst>
+          </p:cNvPr>
+          <p:cNvSpPr>
+            <a:spLocks noGrp="1" noRot="1" noChangeAspect="1" noMove="1" noResize="1" noEditPoints="1" noAdjustHandles="1" noChangeArrowheads="1" noChangeShapeType="1" noTextEdit="1"/>
+          </p:cNvSpPr>
+          <p:nvPr>
+            <p:extLst>
+              <p:ext uri="{386F3935-93C4-4BCD-93E2-E3B085C9AB24}">
+                <p16:designElem xmlns:p16="http://schemas.microsoft.com/office/powerpoint/2015/main" val="1"/>
+              </p:ext>
+            </p:extLst>
+          </p:nvPr>
+        </p:nvSpPr>
+        <p:spPr>
+          <a:xfrm rot="5400000">
+            <a:off x="649223" y="387939"/>
+            <a:ext cx="73152" cy="548640"/>
+          </a:xfrm>
+          <a:prstGeom prst="rect">
+            <a:avLst/>
+          </a:prstGeom>
+          <a:solidFill>
+            <a:schemeClr val="accent2"/>
+          </a:solidFill>
+          <a:ln>
+            <a:noFill/>
+          </a:ln>
+        </p:spPr>
+        <p:style>
+          <a:lnRef idx="2">
+            <a:schemeClr val="accent1">
+              <a:shade val="50000"/>
+            </a:schemeClr>
+          </a:lnRef>
+          <a:fillRef idx="1">
+            <a:schemeClr val="accent1"/>
+          </a:fillRef>
+          <a:effectRef idx="0">
+            <a:schemeClr val="accent1"/>
+          </a:effectRef>
+          <a:fontRef idx="minor">
+            <a:schemeClr val="lt1"/>
+          </a:fontRef>
+        </p:style>
+        <p:txBody>
+          <a:bodyPr rtlCol="0" anchor="ctr"/>
+          <a:lstStyle/>
+          <a:p>
+            <a:pPr algn="ctr"/>
+            <a:endParaRPr lang="en-US">
+              <a:solidFill>
+                <a:prstClr val="white"/>
+              </a:solidFill>
+              <a:latin typeface="Calibri" panose="020F0502020204030204"/>
+            </a:endParaRPr>
+          </a:p>
+        </p:txBody>
+      </p:sp>
+      <p:sp>
+        <p:nvSpPr>
+          <p:cNvPr id="32" name="Rectangle 31">
+            <a:extLst>
+              <a:ext uri="{FF2B5EF4-FFF2-40B4-BE49-F238E27FC236}">
+                <a16:creationId xmlns:a16="http://schemas.microsoft.com/office/drawing/2014/main" id="{B5032518-EDE8-2B9B-C36A-6CEE6FC36C84}"/>
+              </a:ext>
+              <a:ext uri="{C183D7F6-B498-43B3-948B-1728B52AA6E4}">
+                <adec:decorative xmlns:adec="http://schemas.microsoft.com/office/drawing/2017/decorative" val="1"/>
+              </a:ext>
+            </a:extLst>
+          </p:cNvPr>
+          <p:cNvSpPr>
+            <a:spLocks noGrp="1" noRot="1" noChangeAspect="1" noMove="1" noResize="1" noEditPoints="1" noAdjustHandles="1" noChangeArrowheads="1" noChangeShapeType="1" noTextEdit="1"/>
+          </p:cNvSpPr>
+          <p:nvPr>
+            <p:extLst>
+              <p:ext uri="{386F3935-93C4-4BCD-93E2-E3B085C9AB24}">
+                <p16:designElem xmlns:p16="http://schemas.microsoft.com/office/powerpoint/2015/main" val="1"/>
+              </p:ext>
+            </p:extLst>
+          </p:nvPr>
+        </p:nvSpPr>
+        <p:spPr>
+          <a:xfrm>
+            <a:off x="411480" y="2285541"/>
+            <a:ext cx="4389120" cy="18288"/>
+          </a:xfrm>
+          <a:prstGeom prst="rect">
+            <a:avLst/>
+          </a:prstGeom>
+          <a:solidFill>
+            <a:srgbClr val="D5D5D5"/>
+          </a:solidFill>
+          <a:ln w="3175">
+            <a:noFill/>
+          </a:ln>
+          <a:effectLst/>
+        </p:spPr>
+        <p:style>
+          <a:lnRef idx="2">
+            <a:schemeClr val="accent1">
+              <a:shade val="50000"/>
+            </a:schemeClr>
+          </a:lnRef>
+          <a:fillRef idx="1">
+            <a:schemeClr val="accent1"/>
+          </a:fillRef>
+          <a:effectRef idx="0">
+            <a:schemeClr val="accent1"/>
+          </a:effectRef>
+          <a:fontRef idx="minor">
+            <a:schemeClr val="lt1"/>
+          </a:fontRef>
+        </p:style>
+        <p:txBody>
+          <a:bodyPr rtlCol="0" anchor="ctr"/>
+          <a:lstStyle/>
+          <a:p>
+            <a:pPr algn="ctr"/>
+            <a:endParaRPr lang="en-US">
+              <a:solidFill>
+                <a:prstClr val="white"/>
+              </a:solidFill>
+              <a:latin typeface="Calibri" panose="020F0502020204030204"/>
+            </a:endParaRPr>
+          </a:p>
+        </p:txBody>
+      </p:sp>
+      <p:sp>
+        <p:nvSpPr>
+          <p:cNvPr id="4" name="Content Placeholder 3">
+            <a:extLst>
+              <a:ext uri="{FF2B5EF4-FFF2-40B4-BE49-F238E27FC236}">
+                <a16:creationId xmlns:a16="http://schemas.microsoft.com/office/drawing/2014/main" id="{292F442B-A7CD-5954-4947-7CBC4F1AA1FB}"/>
+              </a:ext>
+            </a:extLst>
+          </p:cNvPr>
+          <p:cNvSpPr>
+            <a:spLocks noGrp="1"/>
+          </p:cNvSpPr>
+          <p:nvPr>
+            <p:ph sz="quarter" idx="14"/>
+          </p:nvPr>
+        </p:nvSpPr>
+        <p:spPr>
+          <a:xfrm>
+            <a:off x="411479" y="2510108"/>
+            <a:ext cx="4443154" cy="3492868"/>
+          </a:xfrm>
+        </p:spPr>
+        <p:txBody>
+          <a:bodyPr vert="horz" lIns="91440" tIns="45720" rIns="91440" bIns="45720" rtlCol="0">
+            <a:normAutofit/>
+          </a:bodyPr>
+          <a:lstStyle/>
+          <a:p>
+            <a:pPr marL="0" indent="0">
+              <a:buNone/>
+            </a:pPr>
+            <a:r>
+              <a:rPr lang="en-US" sz="2200" i="1" dirty="0"/>
+              <a:t>Comments</a:t>
+            </a:r>
+            <a:r>
+              <a:rPr lang="en-US" sz="2200" dirty="0"/>
+              <a:t>:</a:t>
+            </a:r>
+          </a:p>
+          <a:p>
+            <a:endParaRPr lang="en-US" sz="1800" dirty="0"/>
+          </a:p>
+          <a:p>
+            <a:r>
+              <a:rPr lang="en-US" sz="1800" dirty="0"/>
+              <a:t>Labeling based on Performance using Quantiles (High, Average, Low )</a:t>
+            </a:r>
+          </a:p>
+          <a:p>
+            <a:pPr marL="0" indent="0">
+              <a:buNone/>
+            </a:pPr>
+            <a:endParaRPr lang="en-US" sz="1800" dirty="0"/>
+          </a:p>
+          <a:p>
+            <a:r>
+              <a:rPr lang="en-US" sz="1800" dirty="0"/>
+              <a:t>Label Encoding manually with Pandas and label mapping</a:t>
+            </a:r>
+          </a:p>
+          <a:p>
+            <a:endParaRPr lang="en-US" sz="1800" dirty="0"/>
+          </a:p>
+        </p:txBody>
+      </p:sp>
+      <p:pic>
+        <p:nvPicPr>
+          <p:cNvPr id="5" name="Picture 4" descr="A bar chart with blue bars&#10;&#10;Description automatically generated">
+            <a:extLst>
+              <a:ext uri="{FF2B5EF4-FFF2-40B4-BE49-F238E27FC236}">
+                <a16:creationId xmlns:a16="http://schemas.microsoft.com/office/drawing/2014/main" id="{68957DC4-A47A-1291-D703-7B1223BB837B}"/>
+              </a:ext>
+            </a:extLst>
+          </p:cNvPr>
+          <p:cNvPicPr>
+            <a:picLocks noChangeAspect="1"/>
+          </p:cNvPicPr>
+          <p:nvPr/>
+        </p:nvPicPr>
+        <p:blipFill>
+          <a:blip r:embed="rId2">
+            <a:clrChange>
+              <a:clrFrom>
+                <a:srgbClr val="FFFFFF"/>
+              </a:clrFrom>
+              <a:clrTo>
+                <a:srgbClr val="FFFFFF">
+                  <a:alpha val="0"/>
+                </a:srgbClr>
+              </a:clrTo>
+            </a:clrChange>
+            <a:extLst>
+              <a:ext uri="{28A0092B-C50C-407E-A947-70E740481C1C}">
+                <a14:useLocalDpi xmlns:a14="http://schemas.microsoft.com/office/drawing/2010/main" val="0"/>
+              </a:ext>
+            </a:extLst>
+          </a:blip>
+          <a:srcRect r="5387"/>
+          <a:stretch/>
+        </p:blipFill>
+        <p:spPr>
+          <a:xfrm>
+            <a:off x="7226032" y="0"/>
+            <a:ext cx="4285871" cy="3397430"/>
+          </a:xfrm>
+          <a:prstGeom prst="rect">
+            <a:avLst/>
+          </a:prstGeom>
+        </p:spPr>
+      </p:pic>
+      <p:pic>
+        <p:nvPicPr>
+          <p:cNvPr id="10" name="Picture 9">
+            <a:extLst>
+              <a:ext uri="{FF2B5EF4-FFF2-40B4-BE49-F238E27FC236}">
+                <a16:creationId xmlns:a16="http://schemas.microsoft.com/office/drawing/2014/main" id="{5682820A-BEDB-6F6C-6BDB-D6E27317BB40}"/>
+              </a:ext>
+            </a:extLst>
+          </p:cNvPr>
+          <p:cNvPicPr>
+            <a:picLocks noChangeAspect="1"/>
+          </p:cNvPicPr>
+          <p:nvPr/>
+        </p:nvPicPr>
+        <p:blipFill>
+          <a:blip r:embed="rId3"/>
+          <a:stretch>
+            <a:fillRect/>
+          </a:stretch>
+        </p:blipFill>
+        <p:spPr>
+          <a:xfrm>
+            <a:off x="5739317" y="3648307"/>
+            <a:ext cx="6318383" cy="2958816"/>
+          </a:xfrm>
+          <a:prstGeom prst="rect">
+            <a:avLst/>
+          </a:prstGeom>
+        </p:spPr>
+      </p:pic>
+    </p:spTree>
+    <p:extLst>
+      <p:ext uri="{BB962C8B-B14F-4D97-AF65-F5344CB8AC3E}">
+        <p14:creationId xmlns:p14="http://schemas.microsoft.com/office/powerpoint/2010/main" val="745617321"/>
+      </p:ext>
+    </p:extLst>
+  </p:cSld>
+  <p:clrMapOvr>
+    <a:masterClrMapping/>
+  </p:clrMapOvr>
+  <p:transition spd="slow">
+    <p:wipe/>
+  </p:transition>
+</p:sld>
+</file>
+
+<file path=ppt/slides/slide12.xml><?xml version="1.0" encoding="utf-8"?>
+<p:sld xmlns:a="http://schemas.openxmlformats.org/drawingml/2006/main" xmlns:r="http://schemas.openxmlformats.org/officeDocument/2006/relationships" xmlns:p="http://schemas.openxmlformats.org/presentationml/2006/main">
+  <p:cSld>
+    <p:bg>
+      <p:bgPr>
+        <a:solidFill>
+          <a:schemeClr val="bg1"/>
+        </a:solidFill>
+        <a:effectLst/>
+      </p:bgPr>
+    </p:bg>
+    <p:spTree>
+      <p:nvGrpSpPr>
+        <p:cNvPr id="1" name="">
+          <a:extLst>
+            <a:ext uri="{FF2B5EF4-FFF2-40B4-BE49-F238E27FC236}">
+              <a16:creationId xmlns:a16="http://schemas.microsoft.com/office/drawing/2014/main" id="{0E629E1D-ECCA-F4C5-1D5D-468648D220A3}"/>
+            </a:ext>
+          </a:extLst>
+        </p:cNvPr>
+        <p:cNvGrpSpPr/>
+        <p:nvPr/>
+      </p:nvGrpSpPr>
+      <p:grpSpPr>
+        <a:xfrm>
+          <a:off x="0" y="0"/>
+          <a:ext cx="0" cy="0"/>
+          <a:chOff x="0" y="0"/>
+          <a:chExt cx="0" cy="0"/>
+        </a:xfrm>
+      </p:grpSpPr>
+      <p:sp useBgFill="1">
+        <p:nvSpPr>
+          <p:cNvPr id="30" name="Rectangle 29">
+            <a:extLst>
+              <a:ext uri="{FF2B5EF4-FFF2-40B4-BE49-F238E27FC236}">
+                <a16:creationId xmlns:a16="http://schemas.microsoft.com/office/drawing/2014/main" id="{312AA662-8790-5B46-981F-2C638BDE5495}"/>
+              </a:ext>
+              <a:ext uri="{C183D7F6-B498-43B3-948B-1728B52AA6E4}">
+                <adec:decorative xmlns:adec="http://schemas.microsoft.com/office/drawing/2017/decorative" val="1"/>
+              </a:ext>
+            </a:extLst>
+          </p:cNvPr>
+          <p:cNvSpPr>
+            <a:spLocks noGrp="1" noRot="1" noChangeAspect="1" noMove="1" noResize="1" noEditPoints="1" noAdjustHandles="1" noChangeArrowheads="1" noChangeShapeType="1" noTextEdit="1"/>
+          </p:cNvSpPr>
+          <p:nvPr>
+            <p:extLst>
+              <p:ext uri="{386F3935-93C4-4BCD-93E2-E3B085C9AB24}">
+                <p16:designElem xmlns:p16="http://schemas.microsoft.com/office/powerpoint/2015/main" val="1"/>
+              </p:ext>
+            </p:extLst>
+          </p:nvPr>
+        </p:nvSpPr>
+        <p:spPr>
+          <a:xfrm>
+            <a:off x="0" y="0"/>
+            <a:ext cx="12192000" cy="6858000"/>
+          </a:xfrm>
+          <a:prstGeom prst="rect">
+            <a:avLst/>
+          </a:prstGeom>
+          <a:ln>
+            <a:noFill/>
+          </a:ln>
+        </p:spPr>
+        <p:style>
+          <a:lnRef idx="2">
+            <a:schemeClr val="accent1">
+              <a:shade val="50000"/>
+            </a:schemeClr>
+          </a:lnRef>
+          <a:fillRef idx="1">
+            <a:schemeClr val="accent1"/>
+          </a:fillRef>
+          <a:effectRef idx="0">
+            <a:schemeClr val="accent1"/>
+          </a:effectRef>
+          <a:fontRef idx="minor">
+            <a:schemeClr val="lt1"/>
+          </a:fontRef>
+        </p:style>
+        <p:txBody>
+          <a:bodyPr rtlCol="0" anchor="ctr"/>
+          <a:lstStyle/>
+          <a:p>
+            <a:pPr algn="ctr"/>
+            <a:endParaRPr lang="en-US"/>
+          </a:p>
+        </p:txBody>
+      </p:sp>
+      <p:sp>
+        <p:nvSpPr>
+          <p:cNvPr id="3" name="Title 2">
+            <a:extLst>
+              <a:ext uri="{FF2B5EF4-FFF2-40B4-BE49-F238E27FC236}">
+                <a16:creationId xmlns:a16="http://schemas.microsoft.com/office/drawing/2014/main" id="{0AB67414-3D35-807E-25B5-703AA0E78CD3}"/>
+              </a:ext>
+            </a:extLst>
+          </p:cNvPr>
+          <p:cNvSpPr>
+            <a:spLocks noGrp="1"/>
+          </p:cNvSpPr>
+          <p:nvPr>
+            <p:ph type="ctrTitle"/>
+          </p:nvPr>
+        </p:nvSpPr>
+        <p:spPr>
+          <a:xfrm>
+            <a:off x="411480" y="991443"/>
+            <a:ext cx="4443154" cy="1087819"/>
+          </a:xfrm>
+        </p:spPr>
+        <p:txBody>
+          <a:bodyPr vert="horz" lIns="91440" tIns="45720" rIns="91440" bIns="45720" rtlCol="0" anchor="b">
+            <a:normAutofit/>
+          </a:bodyPr>
+          <a:lstStyle/>
+          <a:p>
+            <a:r>
+              <a:rPr lang="en-US" sz="3400" kern="1200" dirty="0">
+                <a:solidFill>
+                  <a:schemeClr val="tx1"/>
+                </a:solidFill>
+                <a:latin typeface="+mj-lt"/>
+                <a:ea typeface="+mj-ea"/>
+                <a:cs typeface="+mj-cs"/>
+              </a:rPr>
+              <a:t>Normalizati</a:t>
+            </a:r>
+            <a:r>
+              <a:rPr lang="en-US" sz="3400" dirty="0">
+                <a:solidFill>
+                  <a:schemeClr val="tx1"/>
+                </a:solidFill>
+              </a:rPr>
+              <a:t>on, </a:t>
+            </a:r>
+            <a:r>
+              <a:rPr lang="en-US" sz="3400" kern="1200" dirty="0">
+                <a:solidFill>
+                  <a:schemeClr val="tx1"/>
+                </a:solidFill>
+                <a:latin typeface="+mj-lt"/>
+                <a:ea typeface="+mj-ea"/>
+                <a:cs typeface="+mj-cs"/>
+              </a:rPr>
+              <a:t>Model Selection &amp; Training </a:t>
+            </a:r>
+          </a:p>
+        </p:txBody>
+      </p:sp>
+      <p:sp>
+        <p:nvSpPr>
+          <p:cNvPr id="31" name="Rectangle 30">
+            <a:extLst>
+              <a:ext uri="{FF2B5EF4-FFF2-40B4-BE49-F238E27FC236}">
+                <a16:creationId xmlns:a16="http://schemas.microsoft.com/office/drawing/2014/main" id="{832CCD62-1846-3B8D-863C-0BE3AE3E3B6C}"/>
+              </a:ext>
+              <a:ext uri="{C183D7F6-B498-43B3-948B-1728B52AA6E4}">
+                <adec:decorative xmlns:adec="http://schemas.microsoft.com/office/drawing/2017/decorative" val="1"/>
+              </a:ext>
+            </a:extLst>
+          </p:cNvPr>
+          <p:cNvSpPr>
+            <a:spLocks noGrp="1" noRot="1" noChangeAspect="1" noMove="1" noResize="1" noEditPoints="1" noAdjustHandles="1" noChangeArrowheads="1" noChangeShapeType="1" noTextEdit="1"/>
+          </p:cNvSpPr>
+          <p:nvPr>
+            <p:extLst>
+              <p:ext uri="{386F3935-93C4-4BCD-93E2-E3B085C9AB24}">
+                <p16:designElem xmlns:p16="http://schemas.microsoft.com/office/powerpoint/2015/main" val="1"/>
+              </p:ext>
+            </p:extLst>
+          </p:nvPr>
+        </p:nvSpPr>
+        <p:spPr>
+          <a:xfrm rot="5400000">
+            <a:off x="649223" y="387939"/>
+            <a:ext cx="73152" cy="548640"/>
+          </a:xfrm>
+          <a:prstGeom prst="rect">
+            <a:avLst/>
+          </a:prstGeom>
+          <a:solidFill>
+            <a:schemeClr val="accent2"/>
+          </a:solidFill>
+          <a:ln>
+            <a:noFill/>
+          </a:ln>
+        </p:spPr>
+        <p:style>
+          <a:lnRef idx="2">
+            <a:schemeClr val="accent1">
+              <a:shade val="50000"/>
+            </a:schemeClr>
+          </a:lnRef>
+          <a:fillRef idx="1">
+            <a:schemeClr val="accent1"/>
+          </a:fillRef>
+          <a:effectRef idx="0">
+            <a:schemeClr val="accent1"/>
+          </a:effectRef>
+          <a:fontRef idx="minor">
+            <a:schemeClr val="lt1"/>
+          </a:fontRef>
+        </p:style>
+        <p:txBody>
+          <a:bodyPr rtlCol="0" anchor="ctr"/>
+          <a:lstStyle/>
+          <a:p>
+            <a:pPr algn="ctr"/>
+            <a:endParaRPr lang="en-US">
+              <a:solidFill>
+                <a:prstClr val="white"/>
+              </a:solidFill>
+              <a:latin typeface="Calibri" panose="020F0502020204030204"/>
+            </a:endParaRPr>
+          </a:p>
+        </p:txBody>
+      </p:sp>
+      <p:sp>
+        <p:nvSpPr>
+          <p:cNvPr id="32" name="Rectangle 31">
+            <a:extLst>
+              <a:ext uri="{FF2B5EF4-FFF2-40B4-BE49-F238E27FC236}">
+                <a16:creationId xmlns:a16="http://schemas.microsoft.com/office/drawing/2014/main" id="{31859672-C097-B9C0-BBB9-208A679F9FDE}"/>
+              </a:ext>
+              <a:ext uri="{C183D7F6-B498-43B3-948B-1728B52AA6E4}">
+                <adec:decorative xmlns:adec="http://schemas.microsoft.com/office/drawing/2017/decorative" val="1"/>
+              </a:ext>
+            </a:extLst>
+          </p:cNvPr>
+          <p:cNvSpPr>
+            <a:spLocks noGrp="1" noRot="1" noChangeAspect="1" noMove="1" noResize="1" noEditPoints="1" noAdjustHandles="1" noChangeArrowheads="1" noChangeShapeType="1" noTextEdit="1"/>
+          </p:cNvSpPr>
+          <p:nvPr>
+            <p:extLst>
+              <p:ext uri="{386F3935-93C4-4BCD-93E2-E3B085C9AB24}">
+                <p16:designElem xmlns:p16="http://schemas.microsoft.com/office/powerpoint/2015/main" val="1"/>
+              </p:ext>
+            </p:extLst>
+          </p:nvPr>
+        </p:nvSpPr>
+        <p:spPr>
+          <a:xfrm>
+            <a:off x="411480" y="2285541"/>
+            <a:ext cx="4389120" cy="18288"/>
+          </a:xfrm>
+          <a:prstGeom prst="rect">
+            <a:avLst/>
+          </a:prstGeom>
+          <a:solidFill>
+            <a:srgbClr val="D5D5D5"/>
+          </a:solidFill>
+          <a:ln w="3175">
+            <a:noFill/>
+          </a:ln>
+          <a:effectLst/>
+        </p:spPr>
+        <p:style>
+          <a:lnRef idx="2">
+            <a:schemeClr val="accent1">
+              <a:shade val="50000"/>
+            </a:schemeClr>
+          </a:lnRef>
+          <a:fillRef idx="1">
+            <a:schemeClr val="accent1"/>
+          </a:fillRef>
+          <a:effectRef idx="0">
+            <a:schemeClr val="accent1"/>
+          </a:effectRef>
+          <a:fontRef idx="minor">
+            <a:schemeClr val="lt1"/>
+          </a:fontRef>
+        </p:style>
+        <p:txBody>
+          <a:bodyPr rtlCol="0" anchor="ctr"/>
+          <a:lstStyle/>
+          <a:p>
+            <a:pPr algn="ctr"/>
+            <a:endParaRPr lang="en-US">
+              <a:solidFill>
+                <a:prstClr val="white"/>
+              </a:solidFill>
+              <a:latin typeface="Calibri" panose="020F0502020204030204"/>
+            </a:endParaRPr>
+          </a:p>
+        </p:txBody>
+      </p:sp>
+      <p:sp>
+        <p:nvSpPr>
+          <p:cNvPr id="4" name="Content Placeholder 3">
+            <a:extLst>
+              <a:ext uri="{FF2B5EF4-FFF2-40B4-BE49-F238E27FC236}">
+                <a16:creationId xmlns:a16="http://schemas.microsoft.com/office/drawing/2014/main" id="{5F6D8824-B92D-0C1B-BB81-74664C696771}"/>
+              </a:ext>
+            </a:extLst>
+          </p:cNvPr>
+          <p:cNvSpPr>
+            <a:spLocks noGrp="1"/>
+          </p:cNvSpPr>
+          <p:nvPr>
+            <p:ph sz="quarter" idx="14"/>
+          </p:nvPr>
+        </p:nvSpPr>
+        <p:spPr>
+          <a:xfrm>
+            <a:off x="411479" y="2510107"/>
+            <a:ext cx="4443154" cy="4104701"/>
+          </a:xfrm>
+        </p:spPr>
+        <p:txBody>
+          <a:bodyPr vert="horz" lIns="91440" tIns="45720" rIns="91440" bIns="45720" rtlCol="0">
+            <a:normAutofit/>
+          </a:bodyPr>
+          <a:lstStyle/>
+          <a:p>
+            <a:pPr marL="0" indent="0">
+              <a:buNone/>
+            </a:pPr>
+            <a:r>
+              <a:rPr lang="en-US" sz="2200" i="1" dirty="0"/>
+              <a:t>Comments</a:t>
+            </a:r>
+            <a:r>
+              <a:rPr lang="en-US" sz="2200" dirty="0"/>
+              <a:t>:</a:t>
+            </a:r>
+          </a:p>
+          <a:p>
+            <a:endParaRPr lang="en-US" sz="1800" dirty="0"/>
+          </a:p>
+          <a:p>
+            <a:r>
+              <a:rPr lang="en-US" sz="1800" dirty="0"/>
+              <a:t>Feature Scaling of the Training Data with Standard Scaler</a:t>
+            </a:r>
+          </a:p>
+          <a:p>
+            <a:pPr marL="0" indent="0">
+              <a:buNone/>
+            </a:pPr>
+            <a:endParaRPr lang="en-US" sz="1800" dirty="0"/>
+          </a:p>
+          <a:p>
+            <a:r>
+              <a:rPr lang="en-US" sz="1800" dirty="0"/>
+              <a:t>Classification Models Selection for the training</a:t>
+            </a:r>
+          </a:p>
+          <a:p>
+            <a:endParaRPr lang="en-US" sz="1800" dirty="0"/>
+          </a:p>
+          <a:p>
+            <a:r>
+              <a:rPr lang="en-US" sz="1800" dirty="0"/>
+              <a:t>Set of Hyperparameters per Model using Stratified K-fold Cross Validation with </a:t>
+            </a:r>
+            <a:r>
+              <a:rPr lang="en-US" sz="1800" dirty="0" err="1"/>
+              <a:t>GridSearch</a:t>
+            </a:r>
+            <a:endParaRPr lang="en-US" sz="1800" dirty="0"/>
+          </a:p>
+          <a:p>
+            <a:endParaRPr lang="en-US" sz="1800" dirty="0"/>
+          </a:p>
+        </p:txBody>
+      </p:sp>
+      <p:pic>
+        <p:nvPicPr>
+          <p:cNvPr id="6" name="Picture 5" descr="A group of blue and white graphs&#10;&#10;Description automatically generated">
+            <a:extLst>
+              <a:ext uri="{FF2B5EF4-FFF2-40B4-BE49-F238E27FC236}">
+                <a16:creationId xmlns:a16="http://schemas.microsoft.com/office/drawing/2014/main" id="{3C1D5079-577A-3F02-0455-0C5CB70CCEF8}"/>
+              </a:ext>
+            </a:extLst>
+          </p:cNvPr>
+          <p:cNvPicPr>
+            <a:picLocks noChangeAspect="1"/>
+          </p:cNvPicPr>
+          <p:nvPr/>
+        </p:nvPicPr>
+        <p:blipFill>
+          <a:blip r:embed="rId2">
+            <a:clrChange>
+              <a:clrFrom>
+                <a:srgbClr val="FFFFFF"/>
+              </a:clrFrom>
+              <a:clrTo>
+                <a:srgbClr val="FFFFFF">
+                  <a:alpha val="0"/>
+                </a:srgbClr>
+              </a:clrTo>
+            </a:clrChange>
+            <a:extLst>
+              <a:ext uri="{28A0092B-C50C-407E-A947-70E740481C1C}">
+                <a14:useLocalDpi xmlns:a14="http://schemas.microsoft.com/office/drawing/2010/main" val="0"/>
+              </a:ext>
+            </a:extLst>
+          </a:blip>
+          <a:srcRect r="6236"/>
+          <a:stretch/>
+        </p:blipFill>
+        <p:spPr>
+          <a:xfrm>
+            <a:off x="5836943" y="3524009"/>
+            <a:ext cx="6186768" cy="3238984"/>
+          </a:xfrm>
+          <a:prstGeom prst="rect">
+            <a:avLst/>
+          </a:prstGeom>
+        </p:spPr>
+      </p:pic>
+      <p:pic>
+        <p:nvPicPr>
+          <p:cNvPr id="8" name="Picture 7" descr="A blue rectangular object with black text&#10;&#10;Description automatically generated with medium confidence">
+            <a:extLst>
+              <a:ext uri="{FF2B5EF4-FFF2-40B4-BE49-F238E27FC236}">
+                <a16:creationId xmlns:a16="http://schemas.microsoft.com/office/drawing/2014/main" id="{D1795415-A576-46B9-C013-472867B01DCF}"/>
+              </a:ext>
+            </a:extLst>
+          </p:cNvPr>
+          <p:cNvPicPr>
+            <a:picLocks noChangeAspect="1"/>
+          </p:cNvPicPr>
+          <p:nvPr/>
+        </p:nvPicPr>
+        <p:blipFill>
+          <a:blip r:embed="rId3">
+            <a:clrChange>
+              <a:clrFrom>
+                <a:srgbClr val="FFFFFF"/>
+              </a:clrFrom>
+              <a:clrTo>
+                <a:srgbClr val="FFFFFF">
+                  <a:alpha val="0"/>
+                </a:srgbClr>
+              </a:clrTo>
+            </a:clrChange>
+            <a:extLst>
+              <a:ext uri="{28A0092B-C50C-407E-A947-70E740481C1C}">
+                <a14:useLocalDpi xmlns:a14="http://schemas.microsoft.com/office/drawing/2010/main" val="0"/>
+              </a:ext>
+            </a:extLst>
+          </a:blip>
+          <a:srcRect r="6236"/>
+          <a:stretch/>
+        </p:blipFill>
+        <p:spPr>
+          <a:xfrm>
+            <a:off x="5836943" y="95008"/>
+            <a:ext cx="6186768" cy="3238984"/>
+          </a:xfrm>
+          <a:prstGeom prst="rect">
+            <a:avLst/>
+          </a:prstGeom>
+        </p:spPr>
+      </p:pic>
+    </p:spTree>
+    <p:extLst>
+      <p:ext uri="{BB962C8B-B14F-4D97-AF65-F5344CB8AC3E}">
+        <p14:creationId xmlns:p14="http://schemas.microsoft.com/office/powerpoint/2010/main" val="498305475"/>
+      </p:ext>
+    </p:extLst>
+  </p:cSld>
+  <p:clrMapOvr>
+    <a:masterClrMapping/>
+  </p:clrMapOvr>
+  <p:transition spd="slow">
+    <p:wipe/>
+  </p:transition>
+</p:sld>
+</file>
+
+<file path=ppt/slides/slide13.xml><?xml version="1.0" encoding="utf-8"?>
+<p:sld xmlns:a="http://schemas.openxmlformats.org/drawingml/2006/main" xmlns:r="http://schemas.openxmlformats.org/officeDocument/2006/relationships" xmlns:p="http://schemas.openxmlformats.org/presentationml/2006/main">
+  <p:cSld>
+    <p:bg>
+      <p:bgPr>
+        <a:solidFill>
+          <a:schemeClr val="bg1"/>
+        </a:solidFill>
+        <a:effectLst/>
+      </p:bgPr>
+    </p:bg>
+    <p:spTree>
+      <p:nvGrpSpPr>
+        <p:cNvPr id="1" name="">
+          <a:extLst>
+            <a:ext uri="{FF2B5EF4-FFF2-40B4-BE49-F238E27FC236}">
+              <a16:creationId xmlns:a16="http://schemas.microsoft.com/office/drawing/2014/main" id="{0C66AA52-059E-791A-E569-906461DD0996}"/>
+            </a:ext>
+          </a:extLst>
+        </p:cNvPr>
+        <p:cNvGrpSpPr/>
+        <p:nvPr/>
+      </p:nvGrpSpPr>
+      <p:grpSpPr>
+        <a:xfrm>
+          <a:off x="0" y="0"/>
+          <a:ext cx="0" cy="0"/>
+          <a:chOff x="0" y="0"/>
+          <a:chExt cx="0" cy="0"/>
+        </a:xfrm>
+      </p:grpSpPr>
+      <p:sp useBgFill="1">
+        <p:nvSpPr>
+          <p:cNvPr id="30" name="Rectangle 29">
+            <a:extLst>
+              <a:ext uri="{FF2B5EF4-FFF2-40B4-BE49-F238E27FC236}">
+                <a16:creationId xmlns:a16="http://schemas.microsoft.com/office/drawing/2014/main" id="{39EA7E48-931D-7D11-CBCB-2580743C69BE}"/>
+              </a:ext>
+              <a:ext uri="{C183D7F6-B498-43B3-948B-1728B52AA6E4}">
+                <adec:decorative xmlns:adec="http://schemas.microsoft.com/office/drawing/2017/decorative" val="1"/>
+              </a:ext>
+            </a:extLst>
+          </p:cNvPr>
+          <p:cNvSpPr>
+            <a:spLocks noGrp="1" noRot="1" noChangeAspect="1" noMove="1" noResize="1" noEditPoints="1" noAdjustHandles="1" noChangeArrowheads="1" noChangeShapeType="1" noTextEdit="1"/>
+          </p:cNvSpPr>
+          <p:nvPr>
+            <p:extLst>
+              <p:ext uri="{386F3935-93C4-4BCD-93E2-E3B085C9AB24}">
+                <p16:designElem xmlns:p16="http://schemas.microsoft.com/office/powerpoint/2015/main" val="1"/>
+              </p:ext>
+            </p:extLst>
+          </p:nvPr>
+        </p:nvSpPr>
+        <p:spPr>
+          <a:xfrm>
+            <a:off x="0" y="0"/>
+            <a:ext cx="12192000" cy="6858000"/>
+          </a:xfrm>
+          <a:prstGeom prst="rect">
+            <a:avLst/>
+          </a:prstGeom>
+          <a:ln>
+            <a:noFill/>
+          </a:ln>
+        </p:spPr>
+        <p:style>
+          <a:lnRef idx="2">
+            <a:schemeClr val="accent1">
+              <a:shade val="50000"/>
+            </a:schemeClr>
+          </a:lnRef>
+          <a:fillRef idx="1">
+            <a:schemeClr val="accent1"/>
+          </a:fillRef>
+          <a:effectRef idx="0">
+            <a:schemeClr val="accent1"/>
+          </a:effectRef>
+          <a:fontRef idx="minor">
+            <a:schemeClr val="lt1"/>
+          </a:fontRef>
+        </p:style>
+        <p:txBody>
+          <a:bodyPr rtlCol="0" anchor="ctr"/>
+          <a:lstStyle/>
+          <a:p>
+            <a:pPr algn="ctr"/>
+            <a:endParaRPr lang="en-US"/>
+          </a:p>
+        </p:txBody>
+      </p:sp>
+      <p:sp>
+        <p:nvSpPr>
+          <p:cNvPr id="3" name="Title 2">
+            <a:extLst>
+              <a:ext uri="{FF2B5EF4-FFF2-40B4-BE49-F238E27FC236}">
+                <a16:creationId xmlns:a16="http://schemas.microsoft.com/office/drawing/2014/main" id="{A1C02769-05F7-8F0D-39CE-E5C7290E1117}"/>
+              </a:ext>
+            </a:extLst>
+          </p:cNvPr>
+          <p:cNvSpPr>
+            <a:spLocks noGrp="1"/>
+          </p:cNvSpPr>
+          <p:nvPr>
+            <p:ph type="ctrTitle"/>
+          </p:nvPr>
+        </p:nvSpPr>
+        <p:spPr>
+          <a:xfrm>
+            <a:off x="411479" y="991443"/>
+            <a:ext cx="5191653" cy="1087819"/>
+          </a:xfrm>
+        </p:spPr>
+        <p:txBody>
+          <a:bodyPr vert="horz" lIns="91440" tIns="45720" rIns="91440" bIns="45720" rtlCol="0" anchor="b">
+            <a:normAutofit/>
+          </a:bodyPr>
+          <a:lstStyle/>
+          <a:p>
+            <a:r>
+              <a:rPr lang="en-US" sz="3400" kern="1200" dirty="0">
+                <a:solidFill>
+                  <a:schemeClr val="tx1"/>
+                </a:solidFill>
+                <a:latin typeface="+mj-lt"/>
+                <a:ea typeface="+mj-ea"/>
+                <a:cs typeface="+mj-cs"/>
+              </a:rPr>
+              <a:t>Model Evaluation, Metrics &amp; Confusion Matrix </a:t>
+            </a:r>
+            <a:r>
+              <a:rPr lang="en-US" sz="2000" b="0" kern="1200" dirty="0">
+                <a:solidFill>
+                  <a:schemeClr val="tx1"/>
+                </a:solidFill>
+                <a:latin typeface="+mj-lt"/>
+                <a:ea typeface="+mj-ea"/>
+                <a:cs typeface="+mj-cs"/>
+              </a:rPr>
+              <a:t>(Part I)</a:t>
+            </a:r>
+            <a:endParaRPr lang="en-US" sz="3400" b="0" kern="1200" dirty="0">
+              <a:solidFill>
+                <a:schemeClr val="tx1"/>
+              </a:solidFill>
+              <a:latin typeface="+mj-lt"/>
+              <a:ea typeface="+mj-ea"/>
+              <a:cs typeface="+mj-cs"/>
+            </a:endParaRPr>
+          </a:p>
+        </p:txBody>
+      </p:sp>
+      <p:sp>
+        <p:nvSpPr>
+          <p:cNvPr id="31" name="Rectangle 30">
+            <a:extLst>
+              <a:ext uri="{FF2B5EF4-FFF2-40B4-BE49-F238E27FC236}">
+                <a16:creationId xmlns:a16="http://schemas.microsoft.com/office/drawing/2014/main" id="{34D9ABB5-B503-3EB1-1914-D18AE09E06C6}"/>
+              </a:ext>
+              <a:ext uri="{C183D7F6-B498-43B3-948B-1728B52AA6E4}">
+                <adec:decorative xmlns:adec="http://schemas.microsoft.com/office/drawing/2017/decorative" val="1"/>
+              </a:ext>
+            </a:extLst>
+          </p:cNvPr>
+          <p:cNvSpPr>
+            <a:spLocks noGrp="1" noRot="1" noChangeAspect="1" noMove="1" noResize="1" noEditPoints="1" noAdjustHandles="1" noChangeArrowheads="1" noChangeShapeType="1" noTextEdit="1"/>
+          </p:cNvSpPr>
+          <p:nvPr>
+            <p:extLst>
+              <p:ext uri="{386F3935-93C4-4BCD-93E2-E3B085C9AB24}">
+                <p16:designElem xmlns:p16="http://schemas.microsoft.com/office/powerpoint/2015/main" val="1"/>
+              </p:ext>
+            </p:extLst>
+          </p:nvPr>
+        </p:nvSpPr>
+        <p:spPr>
+          <a:xfrm rot="5400000">
+            <a:off x="649223" y="387939"/>
+            <a:ext cx="73152" cy="548640"/>
+          </a:xfrm>
+          <a:prstGeom prst="rect">
+            <a:avLst/>
+          </a:prstGeom>
+          <a:solidFill>
+            <a:schemeClr val="accent2"/>
+          </a:solidFill>
+          <a:ln>
+            <a:noFill/>
+          </a:ln>
+        </p:spPr>
+        <p:style>
+          <a:lnRef idx="2">
+            <a:schemeClr val="accent1">
+              <a:shade val="50000"/>
+            </a:schemeClr>
+          </a:lnRef>
+          <a:fillRef idx="1">
+            <a:schemeClr val="accent1"/>
+          </a:fillRef>
+          <a:effectRef idx="0">
+            <a:schemeClr val="accent1"/>
+          </a:effectRef>
+          <a:fontRef idx="minor">
+            <a:schemeClr val="lt1"/>
+          </a:fontRef>
+        </p:style>
+        <p:txBody>
+          <a:bodyPr rtlCol="0" anchor="ctr"/>
+          <a:lstStyle/>
+          <a:p>
+            <a:pPr algn="ctr"/>
+            <a:endParaRPr lang="en-US">
+              <a:solidFill>
+                <a:prstClr val="white"/>
+              </a:solidFill>
+              <a:latin typeface="Calibri" panose="020F0502020204030204"/>
+            </a:endParaRPr>
+          </a:p>
+        </p:txBody>
+      </p:sp>
+      <p:sp>
+        <p:nvSpPr>
+          <p:cNvPr id="32" name="Rectangle 31">
+            <a:extLst>
+              <a:ext uri="{FF2B5EF4-FFF2-40B4-BE49-F238E27FC236}">
+                <a16:creationId xmlns:a16="http://schemas.microsoft.com/office/drawing/2014/main" id="{6AB5DF8B-DA1F-6AFE-E1ED-B583FADE8BCA}"/>
+              </a:ext>
+              <a:ext uri="{C183D7F6-B498-43B3-948B-1728B52AA6E4}">
+                <adec:decorative xmlns:adec="http://schemas.microsoft.com/office/drawing/2017/decorative" val="1"/>
+              </a:ext>
+            </a:extLst>
+          </p:cNvPr>
+          <p:cNvSpPr>
+            <a:spLocks noGrp="1" noRot="1" noChangeAspect="1" noMove="1" noResize="1" noEditPoints="1" noAdjustHandles="1" noChangeArrowheads="1" noChangeShapeType="1" noTextEdit="1"/>
+          </p:cNvSpPr>
+          <p:nvPr>
+            <p:extLst>
+              <p:ext uri="{386F3935-93C4-4BCD-93E2-E3B085C9AB24}">
+                <p16:designElem xmlns:p16="http://schemas.microsoft.com/office/powerpoint/2015/main" val="1"/>
+              </p:ext>
+            </p:extLst>
+          </p:nvPr>
+        </p:nvSpPr>
+        <p:spPr>
+          <a:xfrm>
+            <a:off x="411480" y="2285541"/>
+            <a:ext cx="4389120" cy="18288"/>
+          </a:xfrm>
+          <a:prstGeom prst="rect">
+            <a:avLst/>
+          </a:prstGeom>
+          <a:solidFill>
+            <a:srgbClr val="D5D5D5"/>
+          </a:solidFill>
+          <a:ln w="3175">
+            <a:noFill/>
+          </a:ln>
+          <a:effectLst/>
+        </p:spPr>
+        <p:style>
+          <a:lnRef idx="2">
+            <a:schemeClr val="accent1">
+              <a:shade val="50000"/>
+            </a:schemeClr>
+          </a:lnRef>
+          <a:fillRef idx="1">
+            <a:schemeClr val="accent1"/>
+          </a:fillRef>
+          <a:effectRef idx="0">
+            <a:schemeClr val="accent1"/>
+          </a:effectRef>
+          <a:fontRef idx="minor">
+            <a:schemeClr val="lt1"/>
+          </a:fontRef>
+        </p:style>
+        <p:txBody>
+          <a:bodyPr rtlCol="0" anchor="ctr"/>
+          <a:lstStyle/>
+          <a:p>
+            <a:pPr algn="ctr"/>
+            <a:endParaRPr lang="en-US">
+              <a:solidFill>
+                <a:prstClr val="white"/>
+              </a:solidFill>
+              <a:latin typeface="Calibri" panose="020F0502020204030204"/>
+            </a:endParaRPr>
+          </a:p>
+        </p:txBody>
+      </p:sp>
+      <p:sp>
+        <p:nvSpPr>
+          <p:cNvPr id="4" name="Content Placeholder 3">
+            <a:extLst>
+              <a:ext uri="{FF2B5EF4-FFF2-40B4-BE49-F238E27FC236}">
+                <a16:creationId xmlns:a16="http://schemas.microsoft.com/office/drawing/2014/main" id="{3E6947CB-E3DF-639B-C441-41AA59F425F9}"/>
+              </a:ext>
+            </a:extLst>
+          </p:cNvPr>
+          <p:cNvSpPr>
+            <a:spLocks noGrp="1"/>
+          </p:cNvSpPr>
+          <p:nvPr>
+            <p:ph sz="quarter" idx="14"/>
+          </p:nvPr>
+        </p:nvSpPr>
+        <p:spPr>
+          <a:xfrm>
+            <a:off x="411479" y="2510108"/>
+            <a:ext cx="4443154" cy="3950224"/>
+          </a:xfrm>
+        </p:spPr>
+        <p:txBody>
+          <a:bodyPr vert="horz" lIns="91440" tIns="45720" rIns="91440" bIns="45720" rtlCol="0">
+            <a:normAutofit/>
+          </a:bodyPr>
+          <a:lstStyle/>
+          <a:p>
+            <a:pPr marL="0" indent="0">
+              <a:buNone/>
+            </a:pPr>
+            <a:r>
+              <a:rPr lang="en-US" sz="2200" i="1" dirty="0"/>
+              <a:t>Comments</a:t>
+            </a:r>
+            <a:r>
+              <a:rPr lang="en-US" sz="2200" dirty="0"/>
+              <a:t>:</a:t>
+            </a:r>
+          </a:p>
+          <a:p>
+            <a:endParaRPr lang="en-US" sz="1800" dirty="0"/>
+          </a:p>
+          <a:p>
+            <a:r>
+              <a:rPr lang="en-US" sz="1800" dirty="0"/>
+              <a:t>Strong results based on the classification report per model</a:t>
+            </a:r>
+          </a:p>
+          <a:p>
+            <a:endParaRPr lang="en-US" sz="1800" dirty="0"/>
+          </a:p>
+          <a:p>
+            <a:r>
+              <a:rPr lang="en-US" sz="1800" dirty="0"/>
+              <a:t>Metrics achieve over 96% score on Average</a:t>
+            </a:r>
+          </a:p>
+          <a:p>
+            <a:pPr marL="0" indent="0">
+              <a:buNone/>
+            </a:pPr>
+            <a:endParaRPr lang="en-US" sz="1800" dirty="0"/>
+          </a:p>
+          <a:p>
+            <a:r>
+              <a:rPr lang="en-US" sz="1800" dirty="0"/>
+              <a:t>Metrics achieve over 96% score on Average Performance label distribution</a:t>
+            </a:r>
+          </a:p>
+        </p:txBody>
+      </p:sp>
+      <p:pic>
+        <p:nvPicPr>
+          <p:cNvPr id="13" name="Picture 12" descr="A blue rectangles with white text&#10;&#10;Description automatically generated">
+            <a:extLst>
+              <a:ext uri="{FF2B5EF4-FFF2-40B4-BE49-F238E27FC236}">
+                <a16:creationId xmlns:a16="http://schemas.microsoft.com/office/drawing/2014/main" id="{204B8C7F-095D-9957-F914-46AF960CA7CA}"/>
+              </a:ext>
+            </a:extLst>
+          </p:cNvPr>
+          <p:cNvPicPr>
+            <a:picLocks noChangeAspect="1"/>
+          </p:cNvPicPr>
+          <p:nvPr/>
+        </p:nvPicPr>
+        <p:blipFill>
+          <a:blip r:embed="rId2">
+            <a:clrChange>
+              <a:clrFrom>
+                <a:srgbClr val="FFFFFF"/>
+              </a:clrFrom>
+              <a:clrTo>
+                <a:srgbClr val="FFFFFF">
+                  <a:alpha val="0"/>
+                </a:srgbClr>
+              </a:clrTo>
+            </a:clrChange>
+            <a:extLst>
+              <a:ext uri="{28A0092B-C50C-407E-A947-70E740481C1C}">
+                <a14:useLocalDpi xmlns:a14="http://schemas.microsoft.com/office/drawing/2010/main" val="0"/>
+              </a:ext>
+            </a:extLst>
+          </a:blip>
+          <a:srcRect l="2926" t="6838" r="8434" b="3415"/>
+          <a:stretch/>
+        </p:blipFill>
+        <p:spPr>
+          <a:xfrm>
+            <a:off x="5787957" y="3943313"/>
+            <a:ext cx="6268887" cy="2861192"/>
+          </a:xfrm>
+          <a:prstGeom prst="rect">
+            <a:avLst/>
+          </a:prstGeom>
+        </p:spPr>
+      </p:pic>
+      <p:pic>
+        <p:nvPicPr>
+          <p:cNvPr id="15" name="Picture 14" descr="A blue squares with white text&#10;&#10;Description automatically generated">
+            <a:extLst>
+              <a:ext uri="{FF2B5EF4-FFF2-40B4-BE49-F238E27FC236}">
+                <a16:creationId xmlns:a16="http://schemas.microsoft.com/office/drawing/2014/main" id="{1A29DD2B-1F4B-8587-24B5-72A00D6E2C62}"/>
+              </a:ext>
+            </a:extLst>
+          </p:cNvPr>
+          <p:cNvPicPr>
+            <a:picLocks noChangeAspect="1"/>
+          </p:cNvPicPr>
+          <p:nvPr/>
+        </p:nvPicPr>
+        <p:blipFill>
+          <a:blip r:embed="rId3">
+            <a:clrChange>
+              <a:clrFrom>
+                <a:srgbClr val="F7FBFF"/>
+              </a:clrFrom>
+              <a:clrTo>
+                <a:srgbClr val="F7FBFF">
+                  <a:alpha val="0"/>
+                </a:srgbClr>
+              </a:clrTo>
+            </a:clrChange>
+            <a:extLst>
+              <a:ext uri="{28A0092B-C50C-407E-A947-70E740481C1C}">
+                <a14:useLocalDpi xmlns:a14="http://schemas.microsoft.com/office/drawing/2010/main" val="0"/>
+              </a:ext>
+            </a:extLst>
+          </a:blip>
+          <a:srcRect l="1108" t="6111" r="15266" b="4233"/>
+          <a:stretch/>
+        </p:blipFill>
+        <p:spPr>
+          <a:xfrm>
+            <a:off x="5903068" y="189776"/>
+            <a:ext cx="6038664" cy="3391681"/>
+          </a:xfrm>
+          <a:prstGeom prst="rect">
+            <a:avLst/>
+          </a:prstGeom>
+        </p:spPr>
+      </p:pic>
+    </p:spTree>
+    <p:extLst>
+      <p:ext uri="{BB962C8B-B14F-4D97-AF65-F5344CB8AC3E}">
+        <p14:creationId xmlns:p14="http://schemas.microsoft.com/office/powerpoint/2010/main" val="1754529503"/>
+      </p:ext>
+    </p:extLst>
+  </p:cSld>
+  <p:clrMapOvr>
+    <a:masterClrMapping/>
+  </p:clrMapOvr>
+  <p:transition spd="slow">
+    <p:wipe/>
+  </p:transition>
+</p:sld>
+</file>
+
+<file path=ppt/slides/slide14.xml><?xml version="1.0" encoding="utf-8"?>
+<p:sld xmlns:a="http://schemas.openxmlformats.org/drawingml/2006/main" xmlns:r="http://schemas.openxmlformats.org/officeDocument/2006/relationships" xmlns:p="http://schemas.openxmlformats.org/presentationml/2006/main">
+  <p:cSld>
+    <p:bg>
+      <p:bgPr>
+        <a:solidFill>
+          <a:schemeClr val="bg1"/>
+        </a:solidFill>
+        <a:effectLst/>
+      </p:bgPr>
+    </p:bg>
+    <p:spTree>
+      <p:nvGrpSpPr>
+        <p:cNvPr id="1" name="">
+          <a:extLst>
+            <a:ext uri="{FF2B5EF4-FFF2-40B4-BE49-F238E27FC236}">
+              <a16:creationId xmlns:a16="http://schemas.microsoft.com/office/drawing/2014/main" id="{8AAEA2B2-7B61-BFC0-1B52-FBA908A662B0}"/>
+            </a:ext>
+          </a:extLst>
+        </p:cNvPr>
+        <p:cNvGrpSpPr/>
+        <p:nvPr/>
+      </p:nvGrpSpPr>
+      <p:grpSpPr>
+        <a:xfrm>
+          <a:off x="0" y="0"/>
+          <a:ext cx="0" cy="0"/>
+          <a:chOff x="0" y="0"/>
+          <a:chExt cx="0" cy="0"/>
+        </a:xfrm>
+      </p:grpSpPr>
+      <p:sp useBgFill="1">
+        <p:nvSpPr>
+          <p:cNvPr id="30" name="Rectangle 29">
+            <a:extLst>
+              <a:ext uri="{FF2B5EF4-FFF2-40B4-BE49-F238E27FC236}">
+                <a16:creationId xmlns:a16="http://schemas.microsoft.com/office/drawing/2014/main" id="{3DDEA2E9-E231-5160-6400-D6FE900FD36E}"/>
+              </a:ext>
+              <a:ext uri="{C183D7F6-B498-43B3-948B-1728B52AA6E4}">
+                <adec:decorative xmlns:adec="http://schemas.microsoft.com/office/drawing/2017/decorative" val="1"/>
+              </a:ext>
+            </a:extLst>
+          </p:cNvPr>
+          <p:cNvSpPr>
+            <a:spLocks noGrp="1" noRot="1" noChangeAspect="1" noMove="1" noResize="1" noEditPoints="1" noAdjustHandles="1" noChangeArrowheads="1" noChangeShapeType="1" noTextEdit="1"/>
+          </p:cNvSpPr>
+          <p:nvPr>
+            <p:extLst>
+              <p:ext uri="{386F3935-93C4-4BCD-93E2-E3B085C9AB24}">
+                <p16:designElem xmlns:p16="http://schemas.microsoft.com/office/powerpoint/2015/main" val="1"/>
+              </p:ext>
+            </p:extLst>
+          </p:nvPr>
+        </p:nvSpPr>
+        <p:spPr>
+          <a:xfrm>
+            <a:off x="0" y="0"/>
+            <a:ext cx="12192000" cy="6858000"/>
+          </a:xfrm>
+          <a:prstGeom prst="rect">
+            <a:avLst/>
+          </a:prstGeom>
+          <a:ln>
+            <a:noFill/>
+          </a:ln>
+        </p:spPr>
+        <p:style>
+          <a:lnRef idx="2">
+            <a:schemeClr val="accent1">
+              <a:shade val="50000"/>
+            </a:schemeClr>
+          </a:lnRef>
+          <a:fillRef idx="1">
+            <a:schemeClr val="accent1"/>
+          </a:fillRef>
+          <a:effectRef idx="0">
+            <a:schemeClr val="accent1"/>
+          </a:effectRef>
+          <a:fontRef idx="minor">
+            <a:schemeClr val="lt1"/>
+          </a:fontRef>
+        </p:style>
+        <p:txBody>
+          <a:bodyPr rtlCol="0" anchor="ctr"/>
+          <a:lstStyle/>
+          <a:p>
+            <a:pPr algn="ctr"/>
+            <a:endParaRPr lang="en-US"/>
+          </a:p>
+        </p:txBody>
+      </p:sp>
+      <p:sp>
+        <p:nvSpPr>
+          <p:cNvPr id="3" name="Title 2">
+            <a:extLst>
+              <a:ext uri="{FF2B5EF4-FFF2-40B4-BE49-F238E27FC236}">
+                <a16:creationId xmlns:a16="http://schemas.microsoft.com/office/drawing/2014/main" id="{6EDBAC30-A489-97FE-5513-6210B2700D87}"/>
+              </a:ext>
+            </a:extLst>
+          </p:cNvPr>
+          <p:cNvSpPr>
+            <a:spLocks noGrp="1"/>
+          </p:cNvSpPr>
+          <p:nvPr>
+            <p:ph type="ctrTitle"/>
+          </p:nvPr>
+        </p:nvSpPr>
+        <p:spPr>
+          <a:xfrm>
+            <a:off x="411479" y="991443"/>
+            <a:ext cx="5191653" cy="1087819"/>
+          </a:xfrm>
+        </p:spPr>
+        <p:txBody>
+          <a:bodyPr vert="horz" lIns="91440" tIns="45720" rIns="91440" bIns="45720" rtlCol="0" anchor="b">
+            <a:normAutofit/>
+          </a:bodyPr>
+          <a:lstStyle/>
+          <a:p>
+            <a:r>
+              <a:rPr lang="en-US" sz="3400" kern="1200" dirty="0">
+                <a:solidFill>
+                  <a:schemeClr val="tx1"/>
+                </a:solidFill>
+                <a:latin typeface="+mj-lt"/>
+                <a:ea typeface="+mj-ea"/>
+                <a:cs typeface="+mj-cs"/>
+              </a:rPr>
+              <a:t>Model Evaluation, Metrics &amp; Confusion Matrix </a:t>
+            </a:r>
+            <a:r>
+              <a:rPr lang="en-US" sz="2000" b="0" kern="1200" dirty="0">
+                <a:solidFill>
+                  <a:schemeClr val="tx1"/>
+                </a:solidFill>
+                <a:latin typeface="+mj-lt"/>
+                <a:ea typeface="+mj-ea"/>
+                <a:cs typeface="+mj-cs"/>
+              </a:rPr>
+              <a:t>(Part II)</a:t>
+            </a:r>
+            <a:endParaRPr lang="en-US" sz="3400" b="0" kern="1200" dirty="0">
+              <a:solidFill>
+                <a:schemeClr val="tx1"/>
+              </a:solidFill>
+              <a:latin typeface="+mj-lt"/>
+              <a:ea typeface="+mj-ea"/>
+              <a:cs typeface="+mj-cs"/>
+            </a:endParaRPr>
+          </a:p>
+        </p:txBody>
+      </p:sp>
+      <p:sp>
+        <p:nvSpPr>
+          <p:cNvPr id="31" name="Rectangle 30">
+            <a:extLst>
+              <a:ext uri="{FF2B5EF4-FFF2-40B4-BE49-F238E27FC236}">
+                <a16:creationId xmlns:a16="http://schemas.microsoft.com/office/drawing/2014/main" id="{E9DBB909-8BC8-5EAA-DE11-AF2C85B02DBE}"/>
+              </a:ext>
+              <a:ext uri="{C183D7F6-B498-43B3-948B-1728B52AA6E4}">
+                <adec:decorative xmlns:adec="http://schemas.microsoft.com/office/drawing/2017/decorative" val="1"/>
+              </a:ext>
+            </a:extLst>
+          </p:cNvPr>
+          <p:cNvSpPr>
+            <a:spLocks noGrp="1" noRot="1" noChangeAspect="1" noMove="1" noResize="1" noEditPoints="1" noAdjustHandles="1" noChangeArrowheads="1" noChangeShapeType="1" noTextEdit="1"/>
+          </p:cNvSpPr>
+          <p:nvPr>
+            <p:extLst>
+              <p:ext uri="{386F3935-93C4-4BCD-93E2-E3B085C9AB24}">
+                <p16:designElem xmlns:p16="http://schemas.microsoft.com/office/powerpoint/2015/main" val="1"/>
+              </p:ext>
+            </p:extLst>
+          </p:nvPr>
+        </p:nvSpPr>
+        <p:spPr>
+          <a:xfrm rot="5400000">
+            <a:off x="649223" y="387939"/>
+            <a:ext cx="73152" cy="548640"/>
+          </a:xfrm>
+          <a:prstGeom prst="rect">
+            <a:avLst/>
+          </a:prstGeom>
+          <a:solidFill>
+            <a:schemeClr val="accent2"/>
+          </a:solidFill>
+          <a:ln>
+            <a:noFill/>
+          </a:ln>
+        </p:spPr>
+        <p:style>
+          <a:lnRef idx="2">
+            <a:schemeClr val="accent1">
+              <a:shade val="50000"/>
+            </a:schemeClr>
+          </a:lnRef>
+          <a:fillRef idx="1">
+            <a:schemeClr val="accent1"/>
+          </a:fillRef>
+          <a:effectRef idx="0">
+            <a:schemeClr val="accent1"/>
+          </a:effectRef>
+          <a:fontRef idx="minor">
+            <a:schemeClr val="lt1"/>
+          </a:fontRef>
+        </p:style>
+        <p:txBody>
+          <a:bodyPr rtlCol="0" anchor="ctr"/>
+          <a:lstStyle/>
+          <a:p>
+            <a:pPr algn="ctr"/>
+            <a:endParaRPr lang="en-US">
+              <a:solidFill>
+                <a:prstClr val="white"/>
+              </a:solidFill>
+              <a:latin typeface="Calibri" panose="020F0502020204030204"/>
+            </a:endParaRPr>
+          </a:p>
+        </p:txBody>
+      </p:sp>
+      <p:sp>
+        <p:nvSpPr>
+          <p:cNvPr id="32" name="Rectangle 31">
+            <a:extLst>
+              <a:ext uri="{FF2B5EF4-FFF2-40B4-BE49-F238E27FC236}">
+                <a16:creationId xmlns:a16="http://schemas.microsoft.com/office/drawing/2014/main" id="{9045FD5C-1DBF-2557-C863-866BEEE322ED}"/>
+              </a:ext>
+              <a:ext uri="{C183D7F6-B498-43B3-948B-1728B52AA6E4}">
+                <adec:decorative xmlns:adec="http://schemas.microsoft.com/office/drawing/2017/decorative" val="1"/>
+              </a:ext>
+            </a:extLst>
+          </p:cNvPr>
+          <p:cNvSpPr>
+            <a:spLocks noGrp="1" noRot="1" noChangeAspect="1" noMove="1" noResize="1" noEditPoints="1" noAdjustHandles="1" noChangeArrowheads="1" noChangeShapeType="1" noTextEdit="1"/>
+          </p:cNvSpPr>
+          <p:nvPr>
+            <p:extLst>
+              <p:ext uri="{386F3935-93C4-4BCD-93E2-E3B085C9AB24}">
+                <p16:designElem xmlns:p16="http://schemas.microsoft.com/office/powerpoint/2015/main" val="1"/>
+              </p:ext>
+            </p:extLst>
+          </p:nvPr>
+        </p:nvSpPr>
+        <p:spPr>
+          <a:xfrm>
+            <a:off x="411480" y="2285541"/>
+            <a:ext cx="4389120" cy="18288"/>
+          </a:xfrm>
+          <a:prstGeom prst="rect">
+            <a:avLst/>
+          </a:prstGeom>
+          <a:solidFill>
+            <a:srgbClr val="D5D5D5"/>
+          </a:solidFill>
+          <a:ln w="3175">
+            <a:noFill/>
+          </a:ln>
+          <a:effectLst/>
+        </p:spPr>
+        <p:style>
+          <a:lnRef idx="2">
+            <a:schemeClr val="accent1">
+              <a:shade val="50000"/>
+            </a:schemeClr>
+          </a:lnRef>
+          <a:fillRef idx="1">
+            <a:schemeClr val="accent1"/>
+          </a:fillRef>
+          <a:effectRef idx="0">
+            <a:schemeClr val="accent1"/>
+          </a:effectRef>
+          <a:fontRef idx="minor">
+            <a:schemeClr val="lt1"/>
+          </a:fontRef>
+        </p:style>
+        <p:txBody>
+          <a:bodyPr rtlCol="0" anchor="ctr"/>
+          <a:lstStyle/>
+          <a:p>
+            <a:pPr algn="ctr"/>
+            <a:endParaRPr lang="en-US">
+              <a:solidFill>
+                <a:prstClr val="white"/>
+              </a:solidFill>
+              <a:latin typeface="Calibri" panose="020F0502020204030204"/>
+            </a:endParaRPr>
+          </a:p>
+        </p:txBody>
+      </p:sp>
+      <p:sp>
+        <p:nvSpPr>
+          <p:cNvPr id="4" name="Content Placeholder 3">
+            <a:extLst>
+              <a:ext uri="{FF2B5EF4-FFF2-40B4-BE49-F238E27FC236}">
+                <a16:creationId xmlns:a16="http://schemas.microsoft.com/office/drawing/2014/main" id="{73F1F830-BEB3-CF1F-EE20-5DEBE777888E}"/>
+              </a:ext>
+            </a:extLst>
+          </p:cNvPr>
+          <p:cNvSpPr>
+            <a:spLocks noGrp="1"/>
+          </p:cNvSpPr>
+          <p:nvPr>
+            <p:ph sz="quarter" idx="14"/>
+          </p:nvPr>
+        </p:nvSpPr>
+        <p:spPr>
+          <a:xfrm>
+            <a:off x="411479" y="2510107"/>
+            <a:ext cx="4443154" cy="3978242"/>
+          </a:xfrm>
+        </p:spPr>
+        <p:txBody>
+          <a:bodyPr vert="horz" lIns="91440" tIns="45720" rIns="91440" bIns="45720" rtlCol="0">
+            <a:normAutofit/>
+          </a:bodyPr>
+          <a:lstStyle/>
+          <a:p>
+            <a:pPr marL="0" indent="0">
+              <a:buNone/>
+            </a:pPr>
+            <a:r>
+              <a:rPr lang="en-US" sz="2200" i="1" dirty="0"/>
+              <a:t>Comments</a:t>
+            </a:r>
+            <a:r>
+              <a:rPr lang="en-US" sz="2200" dirty="0"/>
+              <a:t>:</a:t>
+            </a:r>
+          </a:p>
+          <a:p>
+            <a:endParaRPr lang="en-US" sz="1800" dirty="0"/>
+          </a:p>
+          <a:p>
+            <a:r>
+              <a:rPr lang="en-US" sz="1800" dirty="0"/>
+              <a:t>Strong results based on the classification report per model</a:t>
+            </a:r>
+          </a:p>
+          <a:p>
+            <a:endParaRPr lang="en-US" sz="1800" dirty="0"/>
+          </a:p>
+          <a:p>
+            <a:r>
+              <a:rPr lang="en-US" sz="1800" dirty="0"/>
+              <a:t>Metrics achieve over 96% score on Average</a:t>
+            </a:r>
+          </a:p>
+          <a:p>
+            <a:pPr marL="0" indent="0">
+              <a:buNone/>
+            </a:pPr>
+            <a:endParaRPr lang="en-US" sz="1800" dirty="0"/>
+          </a:p>
+          <a:p>
+            <a:r>
+              <a:rPr lang="en-US" sz="1800" dirty="0"/>
+              <a:t>Metrics achieve over 96% score on Average Performance label distribution</a:t>
+            </a:r>
+          </a:p>
+          <a:p>
+            <a:endParaRPr lang="en-US" sz="1800" dirty="0"/>
+          </a:p>
+        </p:txBody>
+      </p:sp>
+      <p:pic>
+        <p:nvPicPr>
+          <p:cNvPr id="11" name="Picture 10">
+            <a:extLst>
+              <a:ext uri="{FF2B5EF4-FFF2-40B4-BE49-F238E27FC236}">
+                <a16:creationId xmlns:a16="http://schemas.microsoft.com/office/drawing/2014/main" id="{5CEC2271-3E99-ABE0-C119-40E3AD30D3E4}"/>
+              </a:ext>
+            </a:extLst>
+          </p:cNvPr>
+          <p:cNvPicPr>
+            <a:picLocks noChangeAspect="1"/>
+          </p:cNvPicPr>
+          <p:nvPr/>
+        </p:nvPicPr>
+        <p:blipFill>
+          <a:blip r:embed="rId2"/>
+          <a:srcRect r="7629" b="3453"/>
+          <a:stretch/>
+        </p:blipFill>
+        <p:spPr>
+          <a:xfrm>
+            <a:off x="7337370" y="247347"/>
+            <a:ext cx="3936988" cy="3194226"/>
+          </a:xfrm>
+          <a:prstGeom prst="rect">
+            <a:avLst/>
+          </a:prstGeom>
+        </p:spPr>
+      </p:pic>
+      <p:pic>
+        <p:nvPicPr>
+          <p:cNvPr id="5" name="Picture 4" descr="A group of graphs showing different colored shapes&#10;&#10;Description automatically generated with medium confidence">
+            <a:extLst>
+              <a:ext uri="{FF2B5EF4-FFF2-40B4-BE49-F238E27FC236}">
+                <a16:creationId xmlns:a16="http://schemas.microsoft.com/office/drawing/2014/main" id="{9A8BED54-58A1-48D0-C663-2B58DBAA4165}"/>
+              </a:ext>
+            </a:extLst>
+          </p:cNvPr>
+          <p:cNvPicPr>
+            <a:picLocks noChangeAspect="1"/>
+          </p:cNvPicPr>
+          <p:nvPr/>
+        </p:nvPicPr>
+        <p:blipFill>
+          <a:blip r:embed="rId3">
+            <a:clrChange>
+              <a:clrFrom>
+                <a:srgbClr val="FFFFFF"/>
+              </a:clrFrom>
+              <a:clrTo>
+                <a:srgbClr val="FFFFFF">
+                  <a:alpha val="0"/>
+                </a:srgbClr>
+              </a:clrTo>
+            </a:clrChange>
+            <a:extLst>
+              <a:ext uri="{28A0092B-C50C-407E-A947-70E740481C1C}">
+                <a14:useLocalDpi xmlns:a14="http://schemas.microsoft.com/office/drawing/2010/main" val="0"/>
+              </a:ext>
+            </a:extLst>
+          </a:blip>
+          <a:srcRect l="2393" t="1482" b="1645"/>
+          <a:stretch/>
+        </p:blipFill>
+        <p:spPr>
+          <a:xfrm>
+            <a:off x="5990741" y="3856455"/>
+            <a:ext cx="6118629" cy="2980956"/>
+          </a:xfrm>
+          <a:prstGeom prst="rect">
+            <a:avLst/>
+          </a:prstGeom>
+        </p:spPr>
+      </p:pic>
+    </p:spTree>
+    <p:extLst>
+      <p:ext uri="{BB962C8B-B14F-4D97-AF65-F5344CB8AC3E}">
+        <p14:creationId xmlns:p14="http://schemas.microsoft.com/office/powerpoint/2010/main" val="3489071023"/>
+      </p:ext>
+    </p:extLst>
+  </p:cSld>
+  <p:clrMapOvr>
+    <a:masterClrMapping/>
+  </p:clrMapOvr>
+  <p:transition spd="slow">
+    <p:wipe/>
+  </p:transition>
+</p:sld>
+</file>
+
+<file path=ppt/slides/slide15.xml><?xml version="1.0" encoding="utf-8"?>
+<p:sld xmlns:a="http://schemas.openxmlformats.org/drawingml/2006/main" xmlns:r="http://schemas.openxmlformats.org/officeDocument/2006/relationships" xmlns:p="http://schemas.openxmlformats.org/presentationml/2006/main">
+  <p:cSld>
+    <p:bg>
+      <p:bgPr>
+        <a:solidFill>
+          <a:schemeClr val="bg1"/>
+        </a:solidFill>
+        <a:effectLst/>
+      </p:bgPr>
+    </p:bg>
+    <p:spTree>
+      <p:nvGrpSpPr>
+        <p:cNvPr id="1" name="">
+          <a:extLst>
+            <a:ext uri="{FF2B5EF4-FFF2-40B4-BE49-F238E27FC236}">
+              <a16:creationId xmlns:a16="http://schemas.microsoft.com/office/drawing/2014/main" id="{AB076334-A112-B951-CF84-5FB144ED28EC}"/>
+            </a:ext>
+          </a:extLst>
+        </p:cNvPr>
+        <p:cNvGrpSpPr/>
+        <p:nvPr/>
+      </p:nvGrpSpPr>
+      <p:grpSpPr>
+        <a:xfrm>
+          <a:off x="0" y="0"/>
+          <a:ext cx="0" cy="0"/>
+          <a:chOff x="0" y="0"/>
+          <a:chExt cx="0" cy="0"/>
+        </a:xfrm>
+      </p:grpSpPr>
+      <p:sp useBgFill="1">
+        <p:nvSpPr>
+          <p:cNvPr id="29" name="Rectangle 28">
+            <a:extLst>
+              <a:ext uri="{FF2B5EF4-FFF2-40B4-BE49-F238E27FC236}">
+                <a16:creationId xmlns:a16="http://schemas.microsoft.com/office/drawing/2014/main" id="{DAF1966E-FD40-4A4A-B61B-C4DF7FA05F06}"/>
+              </a:ext>
+              <a:ext uri="{C183D7F6-B498-43B3-948B-1728B52AA6E4}">
+                <adec:decorative xmlns:adec="http://schemas.microsoft.com/office/drawing/2017/decorative" val="1"/>
+              </a:ext>
+            </a:extLst>
+          </p:cNvPr>
+          <p:cNvSpPr>
+            <a:spLocks noGrp="1" noRot="1" noChangeAspect="1" noMove="1" noResize="1" noEditPoints="1" noAdjustHandles="1" noChangeArrowheads="1" noChangeShapeType="1" noTextEdit="1"/>
+          </p:cNvSpPr>
+          <p:nvPr>
+            <p:extLst>
+              <p:ext uri="{386F3935-93C4-4BCD-93E2-E3B085C9AB24}">
+                <p16:designElem xmlns:p16="http://schemas.microsoft.com/office/powerpoint/2015/main" val="1"/>
+              </p:ext>
+            </p:extLst>
+          </p:nvPr>
+        </p:nvSpPr>
+        <p:spPr>
+          <a:xfrm>
+            <a:off x="0" y="0"/>
+            <a:ext cx="12192000" cy="6858000"/>
+          </a:xfrm>
+          <a:prstGeom prst="rect">
+            <a:avLst/>
+          </a:prstGeom>
+          <a:ln>
+            <a:noFill/>
+          </a:ln>
+        </p:spPr>
+        <p:style>
+          <a:lnRef idx="2">
+            <a:schemeClr val="accent1">
+              <a:shade val="50000"/>
+            </a:schemeClr>
+          </a:lnRef>
+          <a:fillRef idx="1">
+            <a:schemeClr val="accent1"/>
+          </a:fillRef>
+          <a:effectRef idx="0">
+            <a:schemeClr val="accent1"/>
+          </a:effectRef>
+          <a:fontRef idx="minor">
+            <a:schemeClr val="lt1"/>
+          </a:fontRef>
+        </p:style>
+        <p:txBody>
+          <a:bodyPr rtlCol="0" anchor="ctr"/>
+          <a:lstStyle/>
+          <a:p>
+            <a:pPr algn="ctr"/>
+            <a:endParaRPr lang="en-US"/>
+          </a:p>
+        </p:txBody>
+      </p:sp>
+      <p:sp useBgFill="1">
+        <p:nvSpPr>
+          <p:cNvPr id="31" name="Rectangle 30">
+            <a:extLst>
+              <a:ext uri="{FF2B5EF4-FFF2-40B4-BE49-F238E27FC236}">
+                <a16:creationId xmlns:a16="http://schemas.microsoft.com/office/drawing/2014/main" id="{047BFA19-D45E-416B-A404-7AF2F3F27017}"/>
               </a:ext>
               <a:ext uri="{C183D7F6-B498-43B3-948B-1728B52AA6E4}">
                 <adec:decorative xmlns:adec="http://schemas.microsoft.com/office/drawing/2017/decorative" val="1"/>
@@ -19002,10 +21265,10 @@
       </p:sp>
       <p:sp useBgFill="1">
         <p:nvSpPr>
-          <p:cNvPr id="23" name="Rectangle 22">
-            <a:extLst>
-              <a:ext uri="{FF2B5EF4-FFF2-40B4-BE49-F238E27FC236}">
-                <a16:creationId xmlns:a16="http://schemas.microsoft.com/office/drawing/2014/main" id="{713BFBCA-BE53-5125-F235-88E7642628FE}"/>
+          <p:cNvPr id="33" name="Rectangle 32">
+            <a:extLst>
+              <a:ext uri="{FF2B5EF4-FFF2-40B4-BE49-F238E27FC236}">
+                <a16:creationId xmlns:a16="http://schemas.microsoft.com/office/drawing/2014/main" id="{8E0105E7-23DB-4CF2-8258-FF47C7620F6E}"/>
               </a:ext>
               <a:ext uri="{C183D7F6-B498-43B3-948B-1728B52AA6E4}">
                 <adec:decorative xmlns:adec="http://schemas.microsoft.com/office/drawing/2017/decorative" val="1"/>
@@ -19095,7 +21358,7 @@
           <p:cNvPr id="3" name="Title 2">
             <a:extLst>
               <a:ext uri="{FF2B5EF4-FFF2-40B4-BE49-F238E27FC236}">
-                <a16:creationId xmlns:a16="http://schemas.microsoft.com/office/drawing/2014/main" id="{91601202-5C10-5838-DE95-334786873625}"/>
+                <a16:creationId xmlns:a16="http://schemas.microsoft.com/office/drawing/2014/main" id="{EFB276F7-9A50-AF2F-28B9-AC5C896EB7D0}"/>
               </a:ext>
             </a:extLst>
           </p:cNvPr>
@@ -19119,7 +21382,7 @@
           <a:lstStyle/>
           <a:p>
             <a:r>
-              <a:rPr lang="en-US" kern="1200" dirty="0" err="1">
+              <a:rPr lang="en-US" kern="1200">
                 <a:solidFill>
                   <a:schemeClr val="tx1"/>
                 </a:solidFill>
@@ -19127,28 +21390,17 @@
                 <a:ea typeface="+mj-ea"/>
                 <a:cs typeface="+mj-cs"/>
               </a:rPr>
-              <a:t>PowerBI</a:t>
-            </a:r>
-            <a:r>
-              <a:rPr lang="en-US" kern="1200" dirty="0">
-                <a:solidFill>
-                  <a:schemeClr val="tx1"/>
-                </a:solidFill>
-                <a:latin typeface="+mj-lt"/>
-                <a:ea typeface="+mj-ea"/>
-                <a:cs typeface="+mj-cs"/>
-              </a:rPr>
-              <a:t> Insights</a:t>
-            </a:r>
-          </a:p>
-        </p:txBody>
-      </p:sp>
-      <p:sp>
-        <p:nvSpPr>
-          <p:cNvPr id="20" name="Rectangle 19">
-            <a:extLst>
-              <a:ext uri="{FF2B5EF4-FFF2-40B4-BE49-F238E27FC236}">
-                <a16:creationId xmlns:a16="http://schemas.microsoft.com/office/drawing/2014/main" id="{ECB59F04-D10D-852E-26BA-BB0727B4052D}"/>
+              <a:t>Project Highlights </a:t>
+            </a:r>
+          </a:p>
+        </p:txBody>
+      </p:sp>
+      <p:sp>
+        <p:nvSpPr>
+          <p:cNvPr id="35" name="Rectangle 34">
+            <a:extLst>
+              <a:ext uri="{FF2B5EF4-FFF2-40B4-BE49-F238E27FC236}">
+                <a16:creationId xmlns:a16="http://schemas.microsoft.com/office/drawing/2014/main" id="{074B4F7D-14B2-478B-8BF5-01E4E0C5D263}"/>
               </a:ext>
               <a:ext uri="{C183D7F6-B498-43B3-948B-1728B52AA6E4}">
                 <adec:decorative xmlns:adec="http://schemas.microsoft.com/office/drawing/2017/decorative" val="1"/>
@@ -19211,58 +21463,330 @@
           </a:p>
         </p:txBody>
       </p:sp>
-      <p:pic>
-        <p:nvPicPr>
-          <p:cNvPr id="5" name="Picture 4" descr="A screenshot of a computer&#10;&#10;Description automatically generated">
-            <a:extLst>
-              <a:ext uri="{FF2B5EF4-FFF2-40B4-BE49-F238E27FC236}">
-                <a16:creationId xmlns:a16="http://schemas.microsoft.com/office/drawing/2014/main" id="{8C4033EC-D9A4-61B8-5D49-8498E951031D}"/>
-              </a:ext>
-            </a:extLst>
-          </p:cNvPr>
-          <p:cNvPicPr>
-            <a:picLocks noChangeAspect="1"/>
-          </p:cNvPicPr>
-          <p:nvPr/>
-        </p:nvPicPr>
-        <p:blipFill>
-          <a:blip r:embed="rId2">
-            <a:extLst>
-              <a:ext uri="{28A0092B-C50C-407E-A947-70E740481C1C}">
-                <a14:useLocalDpi xmlns:a14="http://schemas.microsoft.com/office/drawing/2010/main" val="0"/>
-              </a:ext>
-            </a:extLst>
-          </a:blip>
-          <a:stretch>
-            <a:fillRect/>
-          </a:stretch>
-        </p:blipFill>
+      <p:sp>
+        <p:nvSpPr>
+          <p:cNvPr id="4" name="Content Placeholder 3">
+            <a:extLst>
+              <a:ext uri="{FF2B5EF4-FFF2-40B4-BE49-F238E27FC236}">
+                <a16:creationId xmlns:a16="http://schemas.microsoft.com/office/drawing/2014/main" id="{6DCA2709-F7B5-4FDE-2F87-52F9EE21BCFE}"/>
+              </a:ext>
+            </a:extLst>
+          </p:cNvPr>
+          <p:cNvSpPr>
+            <a:spLocks noGrp="1"/>
+          </p:cNvSpPr>
+          <p:nvPr>
+            <p:ph sz="quarter" idx="14"/>
+          </p:nvPr>
+        </p:nvSpPr>
         <p:spPr>
           <a:xfrm>
-            <a:off x="3989341" y="2188924"/>
-            <a:ext cx="8202660" cy="4669076"/>
+            <a:off x="498834" y="2487168"/>
+            <a:ext cx="3407794" cy="3695020"/>
+          </a:xfrm>
+        </p:spPr>
+        <p:txBody>
+          <a:bodyPr vert="horz" lIns="91440" tIns="45720" rIns="91440" bIns="45720" rtlCol="0">
+            <a:normAutofit/>
+          </a:bodyPr>
+          <a:lstStyle/>
+          <a:p>
+            <a:pPr marL="0" indent="0">
+              <a:buNone/>
+            </a:pPr>
+            <a:r>
+              <a:rPr lang="en-US" sz="2200" i="1" u="sng" dirty="0"/>
+              <a:t>Learning Outcomes :</a:t>
+            </a:r>
+          </a:p>
+          <a:p>
+            <a:pPr marL="0"/>
+            <a:endParaRPr lang="en-US" sz="2200" dirty="0"/>
+          </a:p>
+          <a:p>
+            <a:pPr marL="514350"/>
+            <a:r>
+              <a:rPr lang="en-US" sz="1800" dirty="0"/>
+              <a:t>End-to-end process of transforming raw data into insights.</a:t>
+            </a:r>
+          </a:p>
+          <a:p>
+            <a:pPr marL="514350"/>
+            <a:r>
+              <a:rPr lang="en-US" sz="1800" dirty="0"/>
+              <a:t>Getting Familiar with the Tech Stack</a:t>
+            </a:r>
+          </a:p>
+          <a:p>
+            <a:pPr marL="514350"/>
+            <a:r>
+              <a:rPr lang="en-US" sz="1800" dirty="0"/>
+              <a:t>Implementing modern techniques to solve real problems</a:t>
+            </a:r>
+          </a:p>
+          <a:p>
+            <a:pPr marL="0"/>
+            <a:endParaRPr lang="en-US" sz="2200" dirty="0"/>
+          </a:p>
+        </p:txBody>
+      </p:sp>
+      <p:sp>
+        <p:nvSpPr>
+          <p:cNvPr id="2" name="Content Placeholder 3">
+            <a:extLst>
+              <a:ext uri="{FF2B5EF4-FFF2-40B4-BE49-F238E27FC236}">
+                <a16:creationId xmlns:a16="http://schemas.microsoft.com/office/drawing/2014/main" id="{C7E136D3-FB5C-2909-B8A9-D7CFB36DD74F}"/>
+              </a:ext>
+            </a:extLst>
+          </p:cNvPr>
+          <p:cNvSpPr txBox="1">
+            <a:spLocks/>
+          </p:cNvSpPr>
+          <p:nvPr/>
+        </p:nvSpPr>
+        <p:spPr>
+          <a:xfrm>
+            <a:off x="4563406" y="2487168"/>
+            <a:ext cx="2717586" cy="2824134"/>
           </a:xfrm>
           <a:prstGeom prst="rect">
             <a:avLst/>
           </a:prstGeom>
         </p:spPr>
-      </p:pic>
-      <p:sp>
-        <p:nvSpPr>
-          <p:cNvPr id="6" name="TextBox 5">
-            <a:extLst>
-              <a:ext uri="{FF2B5EF4-FFF2-40B4-BE49-F238E27FC236}">
-                <a16:creationId xmlns:a16="http://schemas.microsoft.com/office/drawing/2014/main" id="{DFA1DC9F-07E9-1580-18A6-4F1400E7DD62}"/>
-              </a:ext>
-            </a:extLst>
-          </p:cNvPr>
-          <p:cNvSpPr txBox="1"/>
+        <p:txBody>
+          <a:bodyPr vert="horz" lIns="91440" tIns="45720" rIns="91440" bIns="45720" rtlCol="0">
+            <a:normAutofit/>
+          </a:bodyPr>
+          <a:lstStyle>
+            <a:lvl1pPr marL="228600" indent="-228600" algn="l" defTabSz="914400" rtl="0" eaLnBrk="1" latinLnBrk="0" hangingPunct="1">
+              <a:lnSpc>
+                <a:spcPct val="90000"/>
+              </a:lnSpc>
+              <a:spcBef>
+                <a:spcPts val="1000"/>
+              </a:spcBef>
+              <a:buFont typeface="Arial" panose="020B0604020202020204" pitchFamily="34" charset="0"/>
+              <a:buChar char="•"/>
+              <a:defRPr sz="2800" kern="1200">
+                <a:solidFill>
+                  <a:schemeClr val="tx1"/>
+                </a:solidFill>
+                <a:latin typeface="+mn-lt"/>
+                <a:ea typeface="+mn-ea"/>
+                <a:cs typeface="+mn-cs"/>
+              </a:defRPr>
+            </a:lvl1pPr>
+            <a:lvl2pPr marL="685800" indent="-228600" algn="l" defTabSz="914400" rtl="0" eaLnBrk="1" latinLnBrk="0" hangingPunct="1">
+              <a:lnSpc>
+                <a:spcPct val="90000"/>
+              </a:lnSpc>
+              <a:spcBef>
+                <a:spcPts val="500"/>
+              </a:spcBef>
+              <a:buFont typeface="Arial" panose="020B0604020202020204" pitchFamily="34" charset="0"/>
+              <a:buChar char="•"/>
+              <a:defRPr sz="2400" kern="1200">
+                <a:solidFill>
+                  <a:schemeClr val="tx1"/>
+                </a:solidFill>
+                <a:latin typeface="+mn-lt"/>
+                <a:ea typeface="+mn-ea"/>
+                <a:cs typeface="+mn-cs"/>
+              </a:defRPr>
+            </a:lvl2pPr>
+            <a:lvl3pPr marL="1143000" indent="-228600" algn="l" defTabSz="914400" rtl="0" eaLnBrk="1" latinLnBrk="0" hangingPunct="1">
+              <a:lnSpc>
+                <a:spcPct val="90000"/>
+              </a:lnSpc>
+              <a:spcBef>
+                <a:spcPts val="500"/>
+              </a:spcBef>
+              <a:buFont typeface="Arial" panose="020B0604020202020204" pitchFamily="34" charset="0"/>
+              <a:buChar char="•"/>
+              <a:defRPr sz="2000" kern="1200">
+                <a:solidFill>
+                  <a:schemeClr val="tx1"/>
+                </a:solidFill>
+                <a:latin typeface="+mn-lt"/>
+                <a:ea typeface="+mn-ea"/>
+                <a:cs typeface="+mn-cs"/>
+              </a:defRPr>
+            </a:lvl3pPr>
+            <a:lvl4pPr marL="1600200" indent="-228600" algn="l" defTabSz="914400" rtl="0" eaLnBrk="1" latinLnBrk="0" hangingPunct="1">
+              <a:lnSpc>
+                <a:spcPct val="90000"/>
+              </a:lnSpc>
+              <a:spcBef>
+                <a:spcPts val="500"/>
+              </a:spcBef>
+              <a:buFont typeface="Arial" panose="020B0604020202020204" pitchFamily="34" charset="0"/>
+              <a:buChar char="•"/>
+              <a:defRPr sz="1800" kern="1200">
+                <a:solidFill>
+                  <a:schemeClr val="tx1"/>
+                </a:solidFill>
+                <a:latin typeface="+mn-lt"/>
+                <a:ea typeface="+mn-ea"/>
+                <a:cs typeface="+mn-cs"/>
+              </a:defRPr>
+            </a:lvl4pPr>
+            <a:lvl5pPr marL="2057400" indent="-228600" algn="l" defTabSz="914400" rtl="0" eaLnBrk="1" latinLnBrk="0" hangingPunct="1">
+              <a:lnSpc>
+                <a:spcPct val="90000"/>
+              </a:lnSpc>
+              <a:spcBef>
+                <a:spcPts val="500"/>
+              </a:spcBef>
+              <a:buFont typeface="Arial" panose="020B0604020202020204" pitchFamily="34" charset="0"/>
+              <a:buChar char="•"/>
+              <a:defRPr sz="1800" kern="1200">
+                <a:solidFill>
+                  <a:schemeClr val="tx1"/>
+                </a:solidFill>
+                <a:latin typeface="+mn-lt"/>
+                <a:ea typeface="+mn-ea"/>
+                <a:cs typeface="+mn-cs"/>
+              </a:defRPr>
+            </a:lvl5pPr>
+            <a:lvl6pPr marL="2514600" indent="-228600" algn="l" defTabSz="914400" rtl="0" eaLnBrk="1" latinLnBrk="0" hangingPunct="1">
+              <a:lnSpc>
+                <a:spcPct val="90000"/>
+              </a:lnSpc>
+              <a:spcBef>
+                <a:spcPts val="500"/>
+              </a:spcBef>
+              <a:buFont typeface="Arial" panose="020B0604020202020204" pitchFamily="34" charset="0"/>
+              <a:buChar char="•"/>
+              <a:defRPr sz="1800" kern="1200">
+                <a:solidFill>
+                  <a:schemeClr val="tx1"/>
+                </a:solidFill>
+                <a:latin typeface="+mn-lt"/>
+                <a:ea typeface="+mn-ea"/>
+                <a:cs typeface="+mn-cs"/>
+              </a:defRPr>
+            </a:lvl6pPr>
+            <a:lvl7pPr marL="2971800" indent="-228600" algn="l" defTabSz="914400" rtl="0" eaLnBrk="1" latinLnBrk="0" hangingPunct="1">
+              <a:lnSpc>
+                <a:spcPct val="90000"/>
+              </a:lnSpc>
+              <a:spcBef>
+                <a:spcPts val="500"/>
+              </a:spcBef>
+              <a:buFont typeface="Arial" panose="020B0604020202020204" pitchFamily="34" charset="0"/>
+              <a:buChar char="•"/>
+              <a:defRPr sz="1800" kern="1200">
+                <a:solidFill>
+                  <a:schemeClr val="tx1"/>
+                </a:solidFill>
+                <a:latin typeface="+mn-lt"/>
+                <a:ea typeface="+mn-ea"/>
+                <a:cs typeface="+mn-cs"/>
+              </a:defRPr>
+            </a:lvl7pPr>
+            <a:lvl8pPr marL="3429000" indent="-228600" algn="l" defTabSz="914400" rtl="0" eaLnBrk="1" latinLnBrk="0" hangingPunct="1">
+              <a:lnSpc>
+                <a:spcPct val="90000"/>
+              </a:lnSpc>
+              <a:spcBef>
+                <a:spcPts val="500"/>
+              </a:spcBef>
+              <a:buFont typeface="Arial" panose="020B0604020202020204" pitchFamily="34" charset="0"/>
+              <a:buChar char="•"/>
+              <a:defRPr sz="1800" kern="1200">
+                <a:solidFill>
+                  <a:schemeClr val="tx1"/>
+                </a:solidFill>
+                <a:latin typeface="+mn-lt"/>
+                <a:ea typeface="+mn-ea"/>
+                <a:cs typeface="+mn-cs"/>
+              </a:defRPr>
+            </a:lvl8pPr>
+            <a:lvl9pPr marL="3886200" indent="-228600" algn="l" defTabSz="914400" rtl="0" eaLnBrk="1" latinLnBrk="0" hangingPunct="1">
+              <a:lnSpc>
+                <a:spcPct val="90000"/>
+              </a:lnSpc>
+              <a:spcBef>
+                <a:spcPts val="500"/>
+              </a:spcBef>
+              <a:buFont typeface="Arial" panose="020B0604020202020204" pitchFamily="34" charset="0"/>
+              <a:buChar char="•"/>
+              <a:defRPr sz="1800" kern="1200">
+                <a:solidFill>
+                  <a:schemeClr val="tx1"/>
+                </a:solidFill>
+                <a:latin typeface="+mn-lt"/>
+                <a:ea typeface="+mn-ea"/>
+                <a:cs typeface="+mn-cs"/>
+              </a:defRPr>
+            </a:lvl9pPr>
+          </a:lstStyle>
+          <a:p>
+            <a:pPr marL="0" indent="0">
+              <a:buFont typeface="Arial" panose="020B0604020202020204" pitchFamily="34" charset="0"/>
+              <a:buNone/>
+            </a:pPr>
+            <a:r>
+              <a:rPr lang="en-US" sz="2200" i="1" u="sng" dirty="0"/>
+              <a:t>Tech Stack :</a:t>
+            </a:r>
+          </a:p>
+          <a:p>
+            <a:pPr marL="0"/>
+            <a:endParaRPr lang="en-US" sz="2200" dirty="0"/>
+          </a:p>
+          <a:p>
+            <a:pPr marL="514350"/>
+            <a:r>
+              <a:rPr lang="en-US" sz="1800" dirty="0"/>
+              <a:t>MS SQL Server</a:t>
+            </a:r>
+          </a:p>
+          <a:p>
+            <a:pPr marL="514350"/>
+            <a:r>
+              <a:rPr lang="en-US" sz="1800" dirty="0"/>
+              <a:t>PyCharm</a:t>
+            </a:r>
+          </a:p>
+          <a:p>
+            <a:pPr marL="514350"/>
+            <a:r>
+              <a:rPr lang="en-US" sz="1800" dirty="0"/>
+              <a:t>MS Power BI</a:t>
+            </a:r>
+          </a:p>
+          <a:p>
+            <a:pPr marL="514350"/>
+            <a:r>
+              <a:rPr lang="en-US" sz="1800" dirty="0"/>
+              <a:t>Github </a:t>
+            </a:r>
+          </a:p>
+          <a:p>
+            <a:pPr marL="0"/>
+            <a:endParaRPr lang="en-US" sz="2200" dirty="0"/>
+          </a:p>
+        </p:txBody>
+      </p:sp>
+      <p:sp>
+        <p:nvSpPr>
+          <p:cNvPr id="5" name="Content Placeholder 3">
+            <a:extLst>
+              <a:ext uri="{FF2B5EF4-FFF2-40B4-BE49-F238E27FC236}">
+                <a16:creationId xmlns:a16="http://schemas.microsoft.com/office/drawing/2014/main" id="{43BF0A56-8201-6ACA-B3FC-CE45FD21D52D}"/>
+              </a:ext>
+            </a:extLst>
+          </p:cNvPr>
+          <p:cNvSpPr txBox="1">
+            <a:spLocks/>
+          </p:cNvSpPr>
           <p:nvPr/>
         </p:nvSpPr>
         <p:spPr>
           <a:xfrm>
-            <a:off x="469392" y="2560320"/>
-            <a:ext cx="3050556" cy="3749040"/>
+            <a:off x="7597302" y="2487167"/>
+            <a:ext cx="4125307" cy="3543981"/>
           </a:xfrm>
           <a:prstGeom prst="rect">
             <a:avLst/>
@@ -19272,3033 +21796,232 @@
           <a:bodyPr vert="horz" lIns="91440" tIns="45720" rIns="91440" bIns="45720" rtlCol="0">
             <a:normAutofit/>
           </a:bodyPr>
-          <a:lstStyle/>
-          <a:p>
-            <a:pPr>
+          <a:lstStyle>
+            <a:lvl1pPr marL="228600" indent="-228600" algn="l" defTabSz="914400" rtl="0" eaLnBrk="1" latinLnBrk="0" hangingPunct="1">
               <a:lnSpc>
                 <a:spcPct val="90000"/>
               </a:lnSpc>
-              <a:spcAft>
-                <a:spcPts val="600"/>
-              </a:spcAft>
-            </a:pPr>
-            <a:r>
-              <a:rPr lang="en-US" sz="2200" i="1" dirty="0"/>
-              <a:t>Comments</a:t>
-            </a:r>
-            <a:r>
-              <a:rPr lang="en-US" sz="2200" dirty="0"/>
-              <a:t>:</a:t>
-            </a:r>
-          </a:p>
-          <a:p>
-            <a:pPr>
+              <a:spcBef>
+                <a:spcPts val="1000"/>
+              </a:spcBef>
+              <a:buFont typeface="Arial" panose="020B0604020202020204" pitchFamily="34" charset="0"/>
+              <a:buChar char="•"/>
+              <a:defRPr sz="2800" kern="1200">
+                <a:solidFill>
+                  <a:schemeClr val="tx1"/>
+                </a:solidFill>
+                <a:latin typeface="+mn-lt"/>
+                <a:ea typeface="+mn-ea"/>
+                <a:cs typeface="+mn-cs"/>
+              </a:defRPr>
+            </a:lvl1pPr>
+            <a:lvl2pPr marL="685800" indent="-228600" algn="l" defTabSz="914400" rtl="0" eaLnBrk="1" latinLnBrk="0" hangingPunct="1">
               <a:lnSpc>
                 <a:spcPct val="90000"/>
               </a:lnSpc>
-              <a:spcAft>
-                <a:spcPts val="600"/>
-              </a:spcAft>
-            </a:pPr>
-            <a:endParaRPr lang="en-US" sz="2200" dirty="0"/>
-          </a:p>
-          <a:p>
-            <a:pPr marL="342900" indent="-342900">
+              <a:spcBef>
+                <a:spcPts val="500"/>
+              </a:spcBef>
+              <a:buFont typeface="Arial" panose="020B0604020202020204" pitchFamily="34" charset="0"/>
+              <a:buChar char="•"/>
+              <a:defRPr sz="2400" kern="1200">
+                <a:solidFill>
+                  <a:schemeClr val="tx1"/>
+                </a:solidFill>
+                <a:latin typeface="+mn-lt"/>
+                <a:ea typeface="+mn-ea"/>
+                <a:cs typeface="+mn-cs"/>
+              </a:defRPr>
+            </a:lvl2pPr>
+            <a:lvl3pPr marL="1143000" indent="-228600" algn="l" defTabSz="914400" rtl="0" eaLnBrk="1" latinLnBrk="0" hangingPunct="1">
               <a:lnSpc>
                 <a:spcPct val="90000"/>
               </a:lnSpc>
-              <a:spcAft>
-                <a:spcPts val="600"/>
-              </a:spcAft>
+              <a:spcBef>
+                <a:spcPts val="500"/>
+              </a:spcBef>
               <a:buFont typeface="Arial" panose="020B0604020202020204" pitchFamily="34" charset="0"/>
               <a:buChar char="•"/>
-            </a:pPr>
-            <a:r>
-              <a:rPr lang="en-US" sz="2000" dirty="0"/>
-              <a:t>Dashboards for a comprehensive analysis</a:t>
-            </a:r>
-          </a:p>
-          <a:p>
-            <a:pPr marL="342900" indent="-342900">
+              <a:defRPr sz="2000" kern="1200">
+                <a:solidFill>
+                  <a:schemeClr val="tx1"/>
+                </a:solidFill>
+                <a:latin typeface="+mn-lt"/>
+                <a:ea typeface="+mn-ea"/>
+                <a:cs typeface="+mn-cs"/>
+              </a:defRPr>
+            </a:lvl3pPr>
+            <a:lvl4pPr marL="1600200" indent="-228600" algn="l" defTabSz="914400" rtl="0" eaLnBrk="1" latinLnBrk="0" hangingPunct="1">
               <a:lnSpc>
                 <a:spcPct val="90000"/>
               </a:lnSpc>
-              <a:spcAft>
-                <a:spcPts val="600"/>
-              </a:spcAft>
+              <a:spcBef>
+                <a:spcPts val="500"/>
+              </a:spcBef>
               <a:buFont typeface="Arial" panose="020B0604020202020204" pitchFamily="34" charset="0"/>
               <a:buChar char="•"/>
-            </a:pPr>
-            <a:r>
-              <a:rPr lang="en-US" sz="2000" dirty="0"/>
-              <a:t>Slicers usage for customized results</a:t>
-            </a:r>
-          </a:p>
-          <a:p>
-            <a:pPr marL="342900" indent="-342900">
+              <a:defRPr sz="1800" kern="1200">
+                <a:solidFill>
+                  <a:schemeClr val="tx1"/>
+                </a:solidFill>
+                <a:latin typeface="+mn-lt"/>
+                <a:ea typeface="+mn-ea"/>
+                <a:cs typeface="+mn-cs"/>
+              </a:defRPr>
+            </a:lvl4pPr>
+            <a:lvl5pPr marL="2057400" indent="-228600" algn="l" defTabSz="914400" rtl="0" eaLnBrk="1" latinLnBrk="0" hangingPunct="1">
               <a:lnSpc>
                 <a:spcPct val="90000"/>
               </a:lnSpc>
-              <a:spcAft>
-                <a:spcPts val="600"/>
-              </a:spcAft>
+              <a:spcBef>
+                <a:spcPts val="500"/>
+              </a:spcBef>
               <a:buFont typeface="Arial" panose="020B0604020202020204" pitchFamily="34" charset="0"/>
               <a:buChar char="•"/>
-            </a:pPr>
-            <a:r>
-              <a:rPr lang="en-US" sz="2000" dirty="0"/>
-              <a:t>Cards to portray key analytics </a:t>
-            </a:r>
-          </a:p>
-          <a:p>
-            <a:pPr marL="342900" indent="-342900">
+              <a:defRPr sz="1800" kern="1200">
+                <a:solidFill>
+                  <a:schemeClr val="tx1"/>
+                </a:solidFill>
+                <a:latin typeface="+mn-lt"/>
+                <a:ea typeface="+mn-ea"/>
+                <a:cs typeface="+mn-cs"/>
+              </a:defRPr>
+            </a:lvl5pPr>
+            <a:lvl6pPr marL="2514600" indent="-228600" algn="l" defTabSz="914400" rtl="0" eaLnBrk="1" latinLnBrk="0" hangingPunct="1">
               <a:lnSpc>
                 <a:spcPct val="90000"/>
               </a:lnSpc>
-              <a:spcAft>
-                <a:spcPts val="600"/>
-              </a:spcAft>
+              <a:spcBef>
+                <a:spcPts val="500"/>
+              </a:spcBef>
               <a:buFont typeface="Arial" panose="020B0604020202020204" pitchFamily="34" charset="0"/>
               <a:buChar char="•"/>
-            </a:pPr>
-            <a:r>
-              <a:rPr lang="en-US" sz="2000" dirty="0"/>
-              <a:t>Variety on Visual Reports</a:t>
-            </a:r>
-          </a:p>
-          <a:p>
-            <a:pPr marL="342900" indent="-342900">
+              <a:defRPr sz="1800" kern="1200">
+                <a:solidFill>
+                  <a:schemeClr val="tx1"/>
+                </a:solidFill>
+                <a:latin typeface="+mn-lt"/>
+                <a:ea typeface="+mn-ea"/>
+                <a:cs typeface="+mn-cs"/>
+              </a:defRPr>
+            </a:lvl6pPr>
+            <a:lvl7pPr marL="2971800" indent="-228600" algn="l" defTabSz="914400" rtl="0" eaLnBrk="1" latinLnBrk="0" hangingPunct="1">
               <a:lnSpc>
                 <a:spcPct val="90000"/>
               </a:lnSpc>
-              <a:spcAft>
-                <a:spcPts val="600"/>
-              </a:spcAft>
+              <a:spcBef>
+                <a:spcPts val="500"/>
+              </a:spcBef>
               <a:buFont typeface="Arial" panose="020B0604020202020204" pitchFamily="34" charset="0"/>
               <a:buChar char="•"/>
-            </a:pPr>
-            <a:endParaRPr lang="en-US" sz="2000" dirty="0"/>
-          </a:p>
-          <a:p>
-            <a:pPr marL="514350" indent="-228600">
+              <a:defRPr sz="1800" kern="1200">
+                <a:solidFill>
+                  <a:schemeClr val="tx1"/>
+                </a:solidFill>
+                <a:latin typeface="+mn-lt"/>
+                <a:ea typeface="+mn-ea"/>
+                <a:cs typeface="+mn-cs"/>
+              </a:defRPr>
+            </a:lvl7pPr>
+            <a:lvl8pPr marL="3429000" indent="-228600" algn="l" defTabSz="914400" rtl="0" eaLnBrk="1" latinLnBrk="0" hangingPunct="1">
               <a:lnSpc>
                 <a:spcPct val="90000"/>
               </a:lnSpc>
-              <a:spcAft>
-                <a:spcPts val="600"/>
-              </a:spcAft>
+              <a:spcBef>
+                <a:spcPts val="500"/>
+              </a:spcBef>
               <a:buFont typeface="Arial" panose="020B0604020202020204" pitchFamily="34" charset="0"/>
               <a:buChar char="•"/>
-            </a:pPr>
-            <a:endParaRPr lang="en-US" sz="2200" dirty="0"/>
-          </a:p>
-          <a:p>
-            <a:pPr indent="-228600">
+              <a:defRPr sz="1800" kern="1200">
+                <a:solidFill>
+                  <a:schemeClr val="tx1"/>
+                </a:solidFill>
+                <a:latin typeface="+mn-lt"/>
+                <a:ea typeface="+mn-ea"/>
+                <a:cs typeface="+mn-cs"/>
+              </a:defRPr>
+            </a:lvl8pPr>
+            <a:lvl9pPr marL="3886200" indent="-228600" algn="l" defTabSz="914400" rtl="0" eaLnBrk="1" latinLnBrk="0" hangingPunct="1">
               <a:lnSpc>
                 <a:spcPct val="90000"/>
               </a:lnSpc>
-              <a:spcAft>
-                <a:spcPts val="600"/>
-              </a:spcAft>
+              <a:spcBef>
+                <a:spcPts val="500"/>
+              </a:spcBef>
               <a:buFont typeface="Arial" panose="020B0604020202020204" pitchFamily="34" charset="0"/>
               <a:buChar char="•"/>
-            </a:pPr>
-            <a:endParaRPr lang="en-US" sz="2200" dirty="0"/>
-          </a:p>
-        </p:txBody>
-      </p:sp>
-    </p:spTree>
-    <p:extLst>
-      <p:ext uri="{BB962C8B-B14F-4D97-AF65-F5344CB8AC3E}">
-        <p14:creationId xmlns:p14="http://schemas.microsoft.com/office/powerpoint/2010/main" val="4130244948"/>
-      </p:ext>
-    </p:extLst>
-  </p:cSld>
-  <p:clrMapOvr>
-    <a:masterClrMapping/>
-  </p:clrMapOvr>
-  <p:transition spd="slow">
-    <p:wipe/>
-  </p:transition>
-</p:sld>
-</file>
-
-<file path=ppt/slides/slide11.xml><?xml version="1.0" encoding="utf-8"?>
-<p:sld xmlns:a="http://schemas.openxmlformats.org/drawingml/2006/main" xmlns:r="http://schemas.openxmlformats.org/officeDocument/2006/relationships" xmlns:p="http://schemas.openxmlformats.org/presentationml/2006/main">
-  <p:cSld>
-    <p:spTree>
-      <p:nvGrpSpPr>
-        <p:cNvPr id="1" name="">
-          <a:extLst>
-            <a:ext uri="{FF2B5EF4-FFF2-40B4-BE49-F238E27FC236}">
-              <a16:creationId xmlns:a16="http://schemas.microsoft.com/office/drawing/2014/main" id="{3DF59C08-CB37-C23D-291B-72E8E95271E0}"/>
-            </a:ext>
-          </a:extLst>
-        </p:cNvPr>
-        <p:cNvGrpSpPr/>
-        <p:nvPr/>
-      </p:nvGrpSpPr>
-      <p:grpSpPr>
-        <a:xfrm>
-          <a:off x="0" y="0"/>
-          <a:ext cx="0" cy="0"/>
-          <a:chOff x="0" y="0"/>
-          <a:chExt cx="0" cy="0"/>
-        </a:xfrm>
-      </p:grpSpPr>
-      <p:sp>
-        <p:nvSpPr>
-          <p:cNvPr id="2" name="Picture Placeholder 1">
-            <a:extLst>
-              <a:ext uri="{FF2B5EF4-FFF2-40B4-BE49-F238E27FC236}">
-                <a16:creationId xmlns:a16="http://schemas.microsoft.com/office/drawing/2014/main" id="{A63826C5-2438-9B11-841D-64DB4E3D7C3B}"/>
-              </a:ext>
-            </a:extLst>
-          </p:cNvPr>
-          <p:cNvSpPr>
-            <a:spLocks noGrp="1"/>
-          </p:cNvSpPr>
-          <p:nvPr>
-            <p:ph type="pic" sz="quarter" idx="13"/>
-          </p:nvPr>
-        </p:nvSpPr>
-        <p:spPr/>
-        <p:txBody>
-          <a:bodyPr/>
-          <a:lstStyle/>
-          <a:p>
-            <a:endParaRPr lang="en-GR"/>
-          </a:p>
-        </p:txBody>
-      </p:sp>
-      <p:sp>
-        <p:nvSpPr>
-          <p:cNvPr id="3" name="Title 2">
-            <a:extLst>
-              <a:ext uri="{FF2B5EF4-FFF2-40B4-BE49-F238E27FC236}">
-                <a16:creationId xmlns:a16="http://schemas.microsoft.com/office/drawing/2014/main" id="{61B0E419-6AC5-99B2-2675-EFBEB60A1FED}"/>
-              </a:ext>
-            </a:extLst>
-          </p:cNvPr>
-          <p:cNvSpPr>
-            <a:spLocks noGrp="1"/>
-          </p:cNvSpPr>
-          <p:nvPr>
-            <p:ph type="ctrTitle"/>
-          </p:nvPr>
-        </p:nvSpPr>
-        <p:spPr/>
-        <p:txBody>
-          <a:bodyPr/>
-          <a:lstStyle/>
-          <a:p>
-            <a:r>
-              <a:rPr lang="en-US" dirty="0"/>
-              <a:t>Employee Sales Performance</a:t>
-            </a:r>
-          </a:p>
-        </p:txBody>
-      </p:sp>
-      <p:sp>
-        <p:nvSpPr>
-          <p:cNvPr id="4" name="Content Placeholder 3">
-            <a:extLst>
-              <a:ext uri="{FF2B5EF4-FFF2-40B4-BE49-F238E27FC236}">
-                <a16:creationId xmlns:a16="http://schemas.microsoft.com/office/drawing/2014/main" id="{470E2E1A-7781-0173-3C19-1C476D434732}"/>
-              </a:ext>
-            </a:extLst>
-          </p:cNvPr>
-          <p:cNvSpPr>
-            <a:spLocks noGrp="1"/>
-          </p:cNvSpPr>
-          <p:nvPr>
-            <p:ph sz="quarter" idx="14"/>
-          </p:nvPr>
-        </p:nvSpPr>
-        <p:spPr/>
-        <p:txBody>
-          <a:bodyPr/>
-          <a:lstStyle/>
+              <a:defRPr sz="1800" kern="1200">
+                <a:solidFill>
+                  <a:schemeClr val="tx1"/>
+                </a:solidFill>
+                <a:latin typeface="+mn-lt"/>
+                <a:ea typeface="+mn-ea"/>
+                <a:cs typeface="+mn-cs"/>
+              </a:defRPr>
+            </a:lvl9pPr>
+          </a:lstStyle>
           <a:p>
             <a:pPr marL="0" indent="0">
+              <a:buFont typeface="Arial" panose="020B0604020202020204" pitchFamily="34" charset="0"/>
               <a:buNone/>
             </a:pPr>
             <a:r>
-              <a:rPr lang="en-US" dirty="0"/>
-              <a:t>Pre-Processing Procedure and comments</a:t>
-            </a:r>
-          </a:p>
-        </p:txBody>
-      </p:sp>
-    </p:spTree>
-    <p:extLst>
-      <p:ext uri="{BB962C8B-B14F-4D97-AF65-F5344CB8AC3E}">
-        <p14:creationId xmlns:p14="http://schemas.microsoft.com/office/powerpoint/2010/main" val="863411072"/>
-      </p:ext>
-    </p:extLst>
-  </p:cSld>
-  <p:clrMapOvr>
-    <a:masterClrMapping/>
-  </p:clrMapOvr>
-  <p:transition spd="slow">
-    <p:wipe/>
-  </p:transition>
-</p:sld>
-</file>
-
-<file path=ppt/slides/slide12.xml><?xml version="1.0" encoding="utf-8"?>
-<p:sld xmlns:a="http://schemas.openxmlformats.org/drawingml/2006/main" xmlns:r="http://schemas.openxmlformats.org/officeDocument/2006/relationships" xmlns:p="http://schemas.openxmlformats.org/presentationml/2006/main">
-  <p:cSld>
-    <p:bg>
-      <p:bgPr>
-        <a:solidFill>
-          <a:schemeClr val="bg1"/>
-        </a:solidFill>
-        <a:effectLst/>
-      </p:bgPr>
-    </p:bg>
-    <p:spTree>
-      <p:nvGrpSpPr>
-        <p:cNvPr id="1" name="">
-          <a:extLst>
-            <a:ext uri="{FF2B5EF4-FFF2-40B4-BE49-F238E27FC236}">
-              <a16:creationId xmlns:a16="http://schemas.microsoft.com/office/drawing/2014/main" id="{16F831C0-3127-B5ED-D9DC-71B6D85DCC03}"/>
-            </a:ext>
-          </a:extLst>
-        </p:cNvPr>
-        <p:cNvGrpSpPr/>
-        <p:nvPr/>
-      </p:nvGrpSpPr>
-      <p:grpSpPr>
-        <a:xfrm>
-          <a:off x="0" y="0"/>
-          <a:ext cx="0" cy="0"/>
-          <a:chOff x="0" y="0"/>
-          <a:chExt cx="0" cy="0"/>
-        </a:xfrm>
-      </p:grpSpPr>
-      <p:sp useBgFill="1">
-        <p:nvSpPr>
-          <p:cNvPr id="28" name="Rectangle 27">
-            <a:extLst>
-              <a:ext uri="{FF2B5EF4-FFF2-40B4-BE49-F238E27FC236}">
-                <a16:creationId xmlns:a16="http://schemas.microsoft.com/office/drawing/2014/main" id="{385E1BDC-A9B0-4A87-82E3-F3187F69A802}"/>
-              </a:ext>
-              <a:ext uri="{C183D7F6-B498-43B3-948B-1728B52AA6E4}">
-                <adec:decorative xmlns:adec="http://schemas.microsoft.com/office/drawing/2017/decorative" val="1"/>
-              </a:ext>
-            </a:extLst>
-          </p:cNvPr>
-          <p:cNvSpPr>
-            <a:spLocks noGrp="1" noRot="1" noChangeAspect="1" noMove="1" noResize="1" noEditPoints="1" noAdjustHandles="1" noChangeArrowheads="1" noChangeShapeType="1" noTextEdit="1"/>
-          </p:cNvSpPr>
-          <p:nvPr>
-            <p:extLst>
-              <p:ext uri="{386F3935-93C4-4BCD-93E2-E3B085C9AB24}">
-                <p16:designElem xmlns:p16="http://schemas.microsoft.com/office/powerpoint/2015/main" val="1"/>
-              </p:ext>
-            </p:extLst>
-          </p:nvPr>
-        </p:nvSpPr>
-        <p:spPr>
-          <a:xfrm>
-            <a:off x="0" y="0"/>
-            <a:ext cx="12192000" cy="6858000"/>
-          </a:xfrm>
-          <a:prstGeom prst="rect">
-            <a:avLst/>
-          </a:prstGeom>
-          <a:ln>
-            <a:noFill/>
-          </a:ln>
-        </p:spPr>
-        <p:style>
-          <a:lnRef idx="2">
-            <a:schemeClr val="accent1">
-              <a:shade val="50000"/>
-            </a:schemeClr>
-          </a:lnRef>
-          <a:fillRef idx="1">
-            <a:schemeClr val="accent1"/>
-          </a:fillRef>
-          <a:effectRef idx="0">
-            <a:schemeClr val="accent1"/>
-          </a:effectRef>
-          <a:fontRef idx="minor">
-            <a:schemeClr val="lt1"/>
-          </a:fontRef>
-        </p:style>
-        <p:txBody>
-          <a:bodyPr rtlCol="0" anchor="ctr"/>
-          <a:lstStyle/>
-          <a:p>
-            <a:pPr algn="ctr"/>
-            <a:endParaRPr lang="en-US"/>
-          </a:p>
-        </p:txBody>
-      </p:sp>
-      <p:sp useBgFill="1">
-        <p:nvSpPr>
-          <p:cNvPr id="30" name="Rectangle 29">
-            <a:extLst>
-              <a:ext uri="{FF2B5EF4-FFF2-40B4-BE49-F238E27FC236}">
-                <a16:creationId xmlns:a16="http://schemas.microsoft.com/office/drawing/2014/main" id="{0990C621-3B8B-4820-8328-D47EF7CE823C}"/>
-              </a:ext>
-              <a:ext uri="{C183D7F6-B498-43B3-948B-1728B52AA6E4}">
-                <adec:decorative xmlns:adec="http://schemas.microsoft.com/office/drawing/2017/decorative" val="1"/>
-              </a:ext>
-            </a:extLst>
-          </p:cNvPr>
-          <p:cNvSpPr>
-            <a:spLocks noGrp="1" noRot="1" noChangeAspect="1" noMove="1" noResize="1" noEditPoints="1" noAdjustHandles="1" noChangeArrowheads="1" noChangeShapeType="1" noTextEdit="1"/>
-          </p:cNvSpPr>
-          <p:nvPr>
-            <p:extLst>
-              <p:ext uri="{386F3935-93C4-4BCD-93E2-E3B085C9AB24}">
-                <p16:designElem xmlns:p16="http://schemas.microsoft.com/office/powerpoint/2015/main" val="1"/>
-              </p:ext>
-            </p:extLst>
-          </p:nvPr>
-        </p:nvSpPr>
-        <p:spPr>
-          <a:xfrm>
-            <a:off x="554416" y="365125"/>
-            <a:ext cx="11167447" cy="2089317"/>
-          </a:xfrm>
-          <a:prstGeom prst="rect">
-            <a:avLst/>
-          </a:prstGeom>
-          <a:ln w="12700">
-            <a:solidFill>
-              <a:srgbClr val="DEDEDE"/>
-            </a:solidFill>
-          </a:ln>
-          <a:effectLst>
-            <a:outerShdw blurRad="50800" dist="38100" dir="2700000" algn="tl" rotWithShape="0">
-              <a:schemeClr val="bg2">
-                <a:lumMod val="85000"/>
-                <a:alpha val="50000"/>
-              </a:schemeClr>
-            </a:outerShdw>
-          </a:effectLst>
-        </p:spPr>
-        <p:style>
-          <a:lnRef idx="2">
-            <a:schemeClr val="accent1">
-              <a:shade val="50000"/>
-            </a:schemeClr>
-          </a:lnRef>
-          <a:fillRef idx="1">
-            <a:schemeClr val="accent1"/>
-          </a:fillRef>
-          <a:effectRef idx="0">
-            <a:schemeClr val="accent1"/>
-          </a:effectRef>
-          <a:fontRef idx="minor">
-            <a:schemeClr val="lt1"/>
-          </a:fontRef>
-        </p:style>
-        <p:txBody>
-          <a:bodyPr rtlCol="0" anchor="ctr"/>
-          <a:lstStyle/>
-          <a:p>
-            <a:pPr marL="0" marR="0" lvl="0" indent="0" algn="ctr" defTabSz="914400" rtl="0" eaLnBrk="1" fontAlgn="auto" latinLnBrk="0" hangingPunct="1">
+              <a:rPr lang="en-US" sz="2200" i="1" u="sng" dirty="0"/>
+              <a:t>Challenges Faced:</a:t>
+            </a:r>
+          </a:p>
+          <a:p>
+            <a:pPr marL="0"/>
+            <a:endParaRPr lang="en-US" sz="2200" dirty="0"/>
+          </a:p>
+          <a:p>
+            <a:pPr marL="514350">
               <a:lnSpc>
                 <a:spcPct val="100000"/>
               </a:lnSpc>
-              <a:spcBef>
-                <a:spcPts val="0"/>
-              </a:spcBef>
-              <a:spcAft>
-                <a:spcPts val="0"/>
-              </a:spcAft>
-              <a:buClrTx/>
-              <a:buSzTx/>
-              <a:buFontTx/>
-              <a:buNone/>
-              <a:tabLst/>
-              <a:defRPr/>
             </a:pPr>
-            <a:endParaRPr kumimoji="0" lang="en-US" sz="1800" b="0" i="0" u="none" strike="noStrike" kern="1200" cap="none" spc="0" normalizeH="0" baseline="0" noProof="0">
-              <a:ln>
-                <a:noFill/>
-              </a:ln>
-              <a:solidFill>
-                <a:prstClr val="white"/>
-              </a:solidFill>
-              <a:effectLst/>
-              <a:uLnTx/>
-              <a:uFillTx/>
-              <a:latin typeface="Calibri" panose="020F0502020204030204"/>
-              <a:ea typeface="+mn-ea"/>
-              <a:cs typeface="+mn-cs"/>
-            </a:endParaRPr>
-          </a:p>
-        </p:txBody>
-      </p:sp>
-      <p:sp>
-        <p:nvSpPr>
-          <p:cNvPr id="3" name="Title 2">
-            <a:extLst>
-              <a:ext uri="{FF2B5EF4-FFF2-40B4-BE49-F238E27FC236}">
-                <a16:creationId xmlns:a16="http://schemas.microsoft.com/office/drawing/2014/main" id="{515467A6-834B-98C5-22AD-7456757BE2B4}"/>
-              </a:ext>
-            </a:extLst>
-          </p:cNvPr>
-          <p:cNvSpPr>
-            <a:spLocks noGrp="1"/>
-          </p:cNvSpPr>
-          <p:nvPr>
-            <p:ph type="ctrTitle"/>
-          </p:nvPr>
-        </p:nvSpPr>
-        <p:spPr>
-          <a:xfrm>
-            <a:off x="1051560" y="586822"/>
-            <a:ext cx="3657600" cy="1645920"/>
-          </a:xfrm>
-        </p:spPr>
-        <p:txBody>
-          <a:bodyPr vert="horz" lIns="91440" tIns="45720" rIns="91440" bIns="45720" rtlCol="0" anchor="ctr">
-            <a:normAutofit/>
-          </a:bodyPr>
-          <a:lstStyle/>
-          <a:p>
-            <a:endParaRPr lang="en-US" sz="3200" dirty="0">
-              <a:solidFill>
-                <a:schemeClr val="tx1"/>
-              </a:solidFill>
-            </a:endParaRPr>
-          </a:p>
-        </p:txBody>
-      </p:sp>
-      <p:sp>
-        <p:nvSpPr>
-          <p:cNvPr id="32" name="Rectangle 31">
-            <a:extLst>
-              <a:ext uri="{FF2B5EF4-FFF2-40B4-BE49-F238E27FC236}">
-                <a16:creationId xmlns:a16="http://schemas.microsoft.com/office/drawing/2014/main" id="{C1A2385B-1D2A-4E17-84FA-6CB7F0AAE473}"/>
-              </a:ext>
-              <a:ext uri="{C183D7F6-B498-43B3-948B-1728B52AA6E4}">
-                <adec:decorative xmlns:adec="http://schemas.microsoft.com/office/drawing/2017/decorative" val="1"/>
-              </a:ext>
-            </a:extLst>
-          </p:cNvPr>
-          <p:cNvSpPr>
-            <a:spLocks noGrp="1" noRot="1" noChangeAspect="1" noMove="1" noResize="1" noEditPoints="1" noAdjustHandles="1" noChangeArrowheads="1" noChangeShapeType="1" noTextEdit="1"/>
-          </p:cNvSpPr>
-          <p:nvPr>
-            <p:extLst>
-              <p:ext uri="{386F3935-93C4-4BCD-93E2-E3B085C9AB24}">
-                <p16:designElem xmlns:p16="http://schemas.microsoft.com/office/powerpoint/2015/main" val="1"/>
-              </p:ext>
-            </p:extLst>
-          </p:nvPr>
-        </p:nvSpPr>
-        <p:spPr>
-          <a:xfrm>
-            <a:off x="490408" y="1057739"/>
-            <a:ext cx="128016" cy="704088"/>
-          </a:xfrm>
-          <a:prstGeom prst="rect">
-            <a:avLst/>
-          </a:prstGeom>
-          <a:solidFill>
-            <a:schemeClr val="accent2"/>
-          </a:solidFill>
-          <a:ln>
-            <a:noFill/>
-          </a:ln>
-        </p:spPr>
-        <p:style>
-          <a:lnRef idx="2">
-            <a:schemeClr val="accent1">
-              <a:shade val="50000"/>
-            </a:schemeClr>
-          </a:lnRef>
-          <a:fillRef idx="1">
-            <a:schemeClr val="accent1"/>
-          </a:fillRef>
-          <a:effectRef idx="0">
-            <a:schemeClr val="accent1"/>
-          </a:effectRef>
-          <a:fontRef idx="minor">
-            <a:schemeClr val="lt1"/>
-          </a:fontRef>
-        </p:style>
-        <p:txBody>
-          <a:bodyPr rtlCol="0" anchor="ctr"/>
-          <a:lstStyle/>
-          <a:p>
-            <a:pPr algn="ctr"/>
-            <a:endParaRPr lang="en-US" dirty="0">
-              <a:solidFill>
-                <a:prstClr val="white"/>
-              </a:solidFill>
-              <a:latin typeface="Calibri" panose="020F0502020204030204"/>
-            </a:endParaRPr>
-          </a:p>
-        </p:txBody>
-      </p:sp>
-      <p:sp>
-        <p:nvSpPr>
-          <p:cNvPr id="34" name="Rectangle 33">
-            <a:extLst>
-              <a:ext uri="{FF2B5EF4-FFF2-40B4-BE49-F238E27FC236}">
-                <a16:creationId xmlns:a16="http://schemas.microsoft.com/office/drawing/2014/main" id="{5E791F2F-79DB-4CC0-9FA1-001E3E91E8B7}"/>
-              </a:ext>
-              <a:ext uri="{C183D7F6-B498-43B3-948B-1728B52AA6E4}">
-                <adec:decorative xmlns:adec="http://schemas.microsoft.com/office/drawing/2017/decorative" val="1"/>
-              </a:ext>
-            </a:extLst>
-          </p:cNvPr>
-          <p:cNvSpPr>
-            <a:spLocks noGrp="1" noRot="1" noChangeAspect="1" noMove="1" noResize="1" noEditPoints="1" noAdjustHandles="1" noChangeArrowheads="1" noChangeShapeType="1" noTextEdit="1"/>
-          </p:cNvSpPr>
-          <p:nvPr>
-            <p:extLst>
-              <p:ext uri="{386F3935-93C4-4BCD-93E2-E3B085C9AB24}">
-                <p16:designElem xmlns:p16="http://schemas.microsoft.com/office/powerpoint/2015/main" val="1"/>
-              </p:ext>
-            </p:extLst>
-          </p:nvPr>
-        </p:nvSpPr>
-        <p:spPr>
-          <a:xfrm rot="5400000">
-            <a:off x="4243541" y="1400638"/>
-            <a:ext cx="1463040" cy="18288"/>
-          </a:xfrm>
-          <a:prstGeom prst="rect">
-            <a:avLst/>
-          </a:prstGeom>
-          <a:solidFill>
-            <a:srgbClr val="D5D5D5"/>
-          </a:solidFill>
-          <a:ln w="3175">
-            <a:noFill/>
-          </a:ln>
-          <a:effectLst/>
-        </p:spPr>
-        <p:style>
-          <a:lnRef idx="2">
-            <a:schemeClr val="accent1">
-              <a:shade val="50000"/>
-            </a:schemeClr>
-          </a:lnRef>
-          <a:fillRef idx="1">
-            <a:schemeClr val="accent1"/>
-          </a:fillRef>
-          <a:effectRef idx="0">
-            <a:schemeClr val="accent1"/>
-          </a:effectRef>
-          <a:fontRef idx="minor">
-            <a:schemeClr val="lt1"/>
-          </a:fontRef>
-        </p:style>
-        <p:txBody>
-          <a:bodyPr rtlCol="0" anchor="ctr"/>
-          <a:lstStyle/>
-          <a:p>
-            <a:pPr marL="0" marR="0" lvl="0" indent="0" algn="ctr" defTabSz="914400" rtl="0" eaLnBrk="1" fontAlgn="auto" latinLnBrk="0" hangingPunct="1">
+            <a:r>
+              <a:rPr lang="en-US" sz="1800" dirty="0"/>
+              <a:t>Schema Set up for </a:t>
+            </a:r>
+            <a:r>
+              <a:rPr lang="en-US" sz="1800" dirty="0" err="1"/>
+              <a:t>DW</a:t>
+            </a:r>
+            <a:endParaRPr lang="en-US" sz="1800" dirty="0"/>
+          </a:p>
+          <a:p>
+            <a:pPr marL="514350">
               <a:lnSpc>
                 <a:spcPct val="100000"/>
               </a:lnSpc>
-              <a:spcBef>
-                <a:spcPts val="0"/>
-              </a:spcBef>
-              <a:spcAft>
-                <a:spcPts val="0"/>
-              </a:spcAft>
-              <a:buClrTx/>
-              <a:buSzTx/>
-              <a:buFontTx/>
-              <a:buNone/>
-              <a:tabLst/>
-              <a:defRPr/>
             </a:pPr>
-            <a:endParaRPr kumimoji="0" lang="en-US" sz="1800" b="0" i="0" u="none" strike="noStrike" kern="1200" cap="none" spc="0" normalizeH="0" baseline="0" noProof="0">
-              <a:ln>
-                <a:noFill/>
-              </a:ln>
-              <a:solidFill>
-                <a:prstClr val="white"/>
-              </a:solidFill>
-              <a:effectLst/>
-              <a:uLnTx/>
-              <a:uFillTx/>
-              <a:latin typeface="Calibri" panose="020F0502020204030204"/>
-              <a:ea typeface="+mn-ea"/>
-              <a:cs typeface="+mn-cs"/>
-            </a:endParaRPr>
-          </a:p>
-        </p:txBody>
-      </p:sp>
-      <p:sp>
-        <p:nvSpPr>
-          <p:cNvPr id="25" name="Content Placeholder 24">
-            <a:extLst>
-              <a:ext uri="{FF2B5EF4-FFF2-40B4-BE49-F238E27FC236}">
-                <a16:creationId xmlns:a16="http://schemas.microsoft.com/office/drawing/2014/main" id="{65FC0F62-A560-9EDA-2F02-4A6E31D9CB6C}"/>
-              </a:ext>
-            </a:extLst>
-          </p:cNvPr>
-          <p:cNvSpPr>
-            <a:spLocks noGrp="1"/>
-          </p:cNvSpPr>
-          <p:nvPr>
-            <p:ph sz="quarter" idx="14"/>
-          </p:nvPr>
-        </p:nvSpPr>
-        <p:spPr>
-          <a:xfrm>
-            <a:off x="5250106" y="586822"/>
-            <a:ext cx="6106742" cy="1645920"/>
-          </a:xfrm>
-        </p:spPr>
-        <p:txBody>
-          <a:bodyPr vert="horz" lIns="91440" tIns="45720" rIns="91440" bIns="45720" rtlCol="0" anchor="ctr">
-            <a:normAutofit/>
-          </a:bodyPr>
-          <a:lstStyle/>
-          <a:p>
-            <a:endParaRPr lang="en-US" sz="1800"/>
-          </a:p>
-        </p:txBody>
-      </p:sp>
-      <p:pic>
-        <p:nvPicPr>
-          <p:cNvPr id="21" name="Picture 20" descr="A diagram of a logistic regression&#10;&#10;AI-generated content may be incorrect.">
-            <a:extLst>
-              <a:ext uri="{FF2B5EF4-FFF2-40B4-BE49-F238E27FC236}">
-                <a16:creationId xmlns:a16="http://schemas.microsoft.com/office/drawing/2014/main" id="{7C3B8FAB-5A7C-C3C5-A4FA-69FC6C4219C8}"/>
-              </a:ext>
-            </a:extLst>
-          </p:cNvPr>
-          <p:cNvPicPr>
-            <a:picLocks noChangeAspect="1"/>
-          </p:cNvPicPr>
-          <p:nvPr/>
-        </p:nvPicPr>
-        <p:blipFill>
-          <a:blip r:embed="rId2">
-            <a:extLst>
-              <a:ext uri="{28A0092B-C50C-407E-A947-70E740481C1C}">
-                <a14:useLocalDpi xmlns:a14="http://schemas.microsoft.com/office/drawing/2010/main" val="0"/>
-              </a:ext>
-            </a:extLst>
-          </a:blip>
-          <a:stretch>
-            <a:fillRect/>
-          </a:stretch>
-        </p:blipFill>
-        <p:spPr>
-          <a:xfrm>
-            <a:off x="557783" y="2785765"/>
-            <a:ext cx="5481509" cy="3371127"/>
-          </a:xfrm>
-          <a:prstGeom prst="rect">
-            <a:avLst/>
-          </a:prstGeom>
-        </p:spPr>
-      </p:pic>
-      <p:pic>
-        <p:nvPicPr>
-          <p:cNvPr id="19" name="Content Placeholder 18" descr="A diagram of a graph&#10;&#10;AI-generated content may be incorrect.">
-            <a:extLst>
-              <a:ext uri="{FF2B5EF4-FFF2-40B4-BE49-F238E27FC236}">
-                <a16:creationId xmlns:a16="http://schemas.microsoft.com/office/drawing/2014/main" id="{48E7DB25-C884-B1CC-2F4E-EE16865CAE94}"/>
-              </a:ext>
-            </a:extLst>
-          </p:cNvPr>
-          <p:cNvPicPr>
-            <a:picLocks noChangeAspect="1"/>
-          </p:cNvPicPr>
-          <p:nvPr/>
-        </p:nvPicPr>
-        <p:blipFill>
-          <a:blip r:embed="rId3">
-            <a:extLst>
-              <a:ext uri="{28A0092B-C50C-407E-A947-70E740481C1C}">
-                <a14:useLocalDpi xmlns:a14="http://schemas.microsoft.com/office/drawing/2010/main" val="0"/>
-              </a:ext>
-            </a:extLst>
-          </a:blip>
-          <a:stretch>
-            <a:fillRect/>
-          </a:stretch>
-        </p:blipFill>
-        <p:spPr>
-          <a:xfrm>
-            <a:off x="6198781" y="2828212"/>
-            <a:ext cx="5523082" cy="3286233"/>
-          </a:xfrm>
-          <a:prstGeom prst="rect">
-            <a:avLst/>
-          </a:prstGeom>
-        </p:spPr>
-      </p:pic>
-    </p:spTree>
-    <p:extLst>
-      <p:ext uri="{BB962C8B-B14F-4D97-AF65-F5344CB8AC3E}">
-        <p14:creationId xmlns:p14="http://schemas.microsoft.com/office/powerpoint/2010/main" val="4093411706"/>
-      </p:ext>
-    </p:extLst>
-  </p:cSld>
-  <p:clrMapOvr>
-    <a:masterClrMapping/>
-  </p:clrMapOvr>
-  <p:transition spd="slow">
-    <p:wipe/>
-  </p:transition>
-</p:sld>
-</file>
-
-<file path=ppt/slides/slide13.xml><?xml version="1.0" encoding="utf-8"?>
-<p:sld xmlns:a="http://schemas.openxmlformats.org/drawingml/2006/main" xmlns:r="http://schemas.openxmlformats.org/officeDocument/2006/relationships" xmlns:p="http://schemas.openxmlformats.org/presentationml/2006/main">
-  <p:cSld>
-    <p:bg>
-      <p:bgPr>
-        <a:solidFill>
-          <a:schemeClr val="bg1"/>
-        </a:solidFill>
-        <a:effectLst/>
-      </p:bgPr>
-    </p:bg>
-    <p:spTree>
-      <p:nvGrpSpPr>
-        <p:cNvPr id="1" name="">
-          <a:extLst>
-            <a:ext uri="{FF2B5EF4-FFF2-40B4-BE49-F238E27FC236}">
-              <a16:creationId xmlns:a16="http://schemas.microsoft.com/office/drawing/2014/main" id="{335E279A-7941-B91B-540C-561BB9E4C819}"/>
-            </a:ext>
-          </a:extLst>
-        </p:cNvPr>
-        <p:cNvGrpSpPr/>
-        <p:nvPr/>
-      </p:nvGrpSpPr>
-      <p:grpSpPr>
-        <a:xfrm>
-          <a:off x="0" y="0"/>
-          <a:ext cx="0" cy="0"/>
-          <a:chOff x="0" y="0"/>
-          <a:chExt cx="0" cy="0"/>
-        </a:xfrm>
-      </p:grpSpPr>
-      <p:sp useBgFill="1">
-        <p:nvSpPr>
-          <p:cNvPr id="30" name="Rectangle 29">
-            <a:extLst>
-              <a:ext uri="{FF2B5EF4-FFF2-40B4-BE49-F238E27FC236}">
-                <a16:creationId xmlns:a16="http://schemas.microsoft.com/office/drawing/2014/main" id="{2B97F24A-32CE-4C1C-A50D-3016B394DCFB}"/>
-              </a:ext>
-              <a:ext uri="{C183D7F6-B498-43B3-948B-1728B52AA6E4}">
-                <adec:decorative xmlns:adec="http://schemas.microsoft.com/office/drawing/2017/decorative" val="1"/>
-              </a:ext>
-            </a:extLst>
-          </p:cNvPr>
-          <p:cNvSpPr>
-            <a:spLocks noGrp="1" noRot="1" noChangeAspect="1" noMove="1" noResize="1" noEditPoints="1" noAdjustHandles="1" noChangeArrowheads="1" noChangeShapeType="1" noTextEdit="1"/>
-          </p:cNvSpPr>
-          <p:nvPr>
-            <p:extLst>
-              <p:ext uri="{386F3935-93C4-4BCD-93E2-E3B085C9AB24}">
-                <p16:designElem xmlns:p16="http://schemas.microsoft.com/office/powerpoint/2015/main" val="1"/>
-              </p:ext>
-            </p:extLst>
-          </p:nvPr>
-        </p:nvSpPr>
-        <p:spPr>
-          <a:xfrm>
-            <a:off x="0" y="0"/>
-            <a:ext cx="12192000" cy="6858000"/>
-          </a:xfrm>
-          <a:prstGeom prst="rect">
-            <a:avLst/>
-          </a:prstGeom>
-          <a:ln>
-            <a:noFill/>
-          </a:ln>
-        </p:spPr>
-        <p:style>
-          <a:lnRef idx="2">
-            <a:schemeClr val="accent1">
-              <a:shade val="50000"/>
-            </a:schemeClr>
-          </a:lnRef>
-          <a:fillRef idx="1">
-            <a:schemeClr val="accent1"/>
-          </a:fillRef>
-          <a:effectRef idx="0">
-            <a:schemeClr val="accent1"/>
-          </a:effectRef>
-          <a:fontRef idx="minor">
-            <a:schemeClr val="lt1"/>
-          </a:fontRef>
-        </p:style>
-        <p:txBody>
-          <a:bodyPr rtlCol="0" anchor="ctr"/>
-          <a:lstStyle/>
-          <a:p>
-            <a:pPr algn="ctr"/>
-            <a:endParaRPr lang="en-US"/>
-          </a:p>
-        </p:txBody>
-      </p:sp>
-      <p:sp>
-        <p:nvSpPr>
-          <p:cNvPr id="3" name="Title 2">
-            <a:extLst>
-              <a:ext uri="{FF2B5EF4-FFF2-40B4-BE49-F238E27FC236}">
-                <a16:creationId xmlns:a16="http://schemas.microsoft.com/office/drawing/2014/main" id="{47EF97E6-1A26-B712-EA2D-F6137210414C}"/>
-              </a:ext>
-            </a:extLst>
-          </p:cNvPr>
-          <p:cNvSpPr>
-            <a:spLocks noGrp="1"/>
-          </p:cNvSpPr>
-          <p:nvPr>
-            <p:ph type="ctrTitle"/>
-          </p:nvPr>
-        </p:nvSpPr>
-        <p:spPr>
-          <a:xfrm>
-            <a:off x="630936" y="639520"/>
-            <a:ext cx="3429000" cy="1719072"/>
-          </a:xfrm>
-        </p:spPr>
-        <p:txBody>
-          <a:bodyPr vert="horz" lIns="91440" tIns="45720" rIns="91440" bIns="45720" rtlCol="0" anchor="b">
-            <a:normAutofit/>
-          </a:bodyPr>
-          <a:lstStyle/>
-          <a:p>
-            <a:endParaRPr lang="en-US" sz="3800" kern="1200" dirty="0">
-              <a:solidFill>
-                <a:schemeClr val="tx1"/>
-              </a:solidFill>
-              <a:latin typeface="+mj-lt"/>
-              <a:ea typeface="+mj-ea"/>
-              <a:cs typeface="+mj-cs"/>
-            </a:endParaRPr>
-          </a:p>
-        </p:txBody>
-      </p:sp>
-      <p:sp>
-        <p:nvSpPr>
-          <p:cNvPr id="32" name="sketch line">
-            <a:extLst>
-              <a:ext uri="{FF2B5EF4-FFF2-40B4-BE49-F238E27FC236}">
-                <a16:creationId xmlns:a16="http://schemas.microsoft.com/office/drawing/2014/main" id="{CD8B4F24-440B-49E9-B85D-733523DC064B}"/>
-              </a:ext>
-              <a:ext uri="{C183D7F6-B498-43B3-948B-1728B52AA6E4}">
-                <adec:decorative xmlns:adec="http://schemas.microsoft.com/office/drawing/2017/decorative" val="1"/>
-              </a:ext>
-            </a:extLst>
-          </p:cNvPr>
-          <p:cNvSpPr>
-            <a:spLocks noGrp="1" noRot="1" noChangeAspect="1" noMove="1" noResize="1" noEditPoints="1" noAdjustHandles="1" noChangeArrowheads="1" noChangeShapeType="1" noTextEdit="1"/>
-          </p:cNvSpPr>
-          <p:nvPr>
-            <p:extLst>
-              <p:ext uri="{386F3935-93C4-4BCD-93E2-E3B085C9AB24}">
-                <p16:designElem xmlns:p16="http://schemas.microsoft.com/office/powerpoint/2015/main" val="1"/>
-              </p:ext>
-            </p:extLst>
-          </p:nvPr>
-        </p:nvSpPr>
-        <p:spPr>
-          <a:xfrm>
-            <a:off x="643278" y="2573756"/>
-            <a:ext cx="3255095" cy="18288"/>
-          </a:xfrm>
-          <a:custGeom>
-            <a:avLst/>
-            <a:gdLst>
-              <a:gd name="connsiteX0" fmla="*/ 0 w 3255095"/>
-              <a:gd name="connsiteY0" fmla="*/ 0 h 18288"/>
-              <a:gd name="connsiteX1" fmla="*/ 618468 w 3255095"/>
-              <a:gd name="connsiteY1" fmla="*/ 0 h 18288"/>
-              <a:gd name="connsiteX2" fmla="*/ 1269487 w 3255095"/>
-              <a:gd name="connsiteY2" fmla="*/ 0 h 18288"/>
-              <a:gd name="connsiteX3" fmla="*/ 1953057 w 3255095"/>
-              <a:gd name="connsiteY3" fmla="*/ 0 h 18288"/>
-              <a:gd name="connsiteX4" fmla="*/ 2636627 w 3255095"/>
-              <a:gd name="connsiteY4" fmla="*/ 0 h 18288"/>
-              <a:gd name="connsiteX5" fmla="*/ 3255095 w 3255095"/>
-              <a:gd name="connsiteY5" fmla="*/ 0 h 18288"/>
-              <a:gd name="connsiteX6" fmla="*/ 3255095 w 3255095"/>
-              <a:gd name="connsiteY6" fmla="*/ 18288 h 18288"/>
-              <a:gd name="connsiteX7" fmla="*/ 2538974 w 3255095"/>
-              <a:gd name="connsiteY7" fmla="*/ 18288 h 18288"/>
-              <a:gd name="connsiteX8" fmla="*/ 1822853 w 3255095"/>
-              <a:gd name="connsiteY8" fmla="*/ 18288 h 18288"/>
-              <a:gd name="connsiteX9" fmla="*/ 1171834 w 3255095"/>
-              <a:gd name="connsiteY9" fmla="*/ 18288 h 18288"/>
-              <a:gd name="connsiteX10" fmla="*/ 0 w 3255095"/>
-              <a:gd name="connsiteY10" fmla="*/ 18288 h 18288"/>
-              <a:gd name="connsiteX11" fmla="*/ 0 w 3255095"/>
-              <a:gd name="connsiteY11" fmla="*/ 0 h 18288"/>
-            </a:gdLst>
-            <a:ahLst/>
-            <a:cxnLst>
-              <a:cxn ang="0">
-                <a:pos x="connsiteX0" y="connsiteY0"/>
-              </a:cxn>
-              <a:cxn ang="0">
-                <a:pos x="connsiteX1" y="connsiteY1"/>
-              </a:cxn>
-              <a:cxn ang="0">
-                <a:pos x="connsiteX2" y="connsiteY2"/>
-              </a:cxn>
-              <a:cxn ang="0">
-                <a:pos x="connsiteX3" y="connsiteY3"/>
-              </a:cxn>
-              <a:cxn ang="0">
-                <a:pos x="connsiteX4" y="connsiteY4"/>
-              </a:cxn>
-              <a:cxn ang="0">
-                <a:pos x="connsiteX5" y="connsiteY5"/>
-              </a:cxn>
-              <a:cxn ang="0">
-                <a:pos x="connsiteX6" y="connsiteY6"/>
-              </a:cxn>
-              <a:cxn ang="0">
-                <a:pos x="connsiteX7" y="connsiteY7"/>
-              </a:cxn>
-              <a:cxn ang="0">
-                <a:pos x="connsiteX8" y="connsiteY8"/>
-              </a:cxn>
-              <a:cxn ang="0">
-                <a:pos x="connsiteX9" y="connsiteY9"/>
-              </a:cxn>
-              <a:cxn ang="0">
-                <a:pos x="connsiteX10" y="connsiteY10"/>
-              </a:cxn>
-              <a:cxn ang="0">
-                <a:pos x="connsiteX11" y="connsiteY11"/>
-              </a:cxn>
-            </a:cxnLst>
-            <a:rect l="l" t="t" r="r" b="b"/>
-            <a:pathLst>
-              <a:path w="3255095" h="18288" fill="none" extrusionOk="0">
-                <a:moveTo>
-                  <a:pt x="0" y="0"/>
-                </a:moveTo>
-                <a:cubicBezTo>
-                  <a:pt x="240201" y="-22123"/>
-                  <a:pt x="462021" y="-19623"/>
-                  <a:pt x="618468" y="0"/>
-                </a:cubicBezTo>
-                <a:cubicBezTo>
-                  <a:pt x="774915" y="19623"/>
-                  <a:pt x="974734" y="2035"/>
-                  <a:pt x="1269487" y="0"/>
-                </a:cubicBezTo>
-                <a:cubicBezTo>
-                  <a:pt x="1564240" y="-2035"/>
-                  <a:pt x="1733579" y="10639"/>
-                  <a:pt x="1953057" y="0"/>
-                </a:cubicBezTo>
-                <a:cubicBezTo>
-                  <a:pt x="2172535" y="-10639"/>
-                  <a:pt x="2453962" y="14018"/>
-                  <a:pt x="2636627" y="0"/>
-                </a:cubicBezTo>
-                <a:cubicBezTo>
-                  <a:pt x="2819292" y="-14018"/>
-                  <a:pt x="3121375" y="5399"/>
-                  <a:pt x="3255095" y="0"/>
-                </a:cubicBezTo>
-                <a:cubicBezTo>
-                  <a:pt x="3254386" y="8157"/>
-                  <a:pt x="3254682" y="12125"/>
-                  <a:pt x="3255095" y="18288"/>
-                </a:cubicBezTo>
-                <a:cubicBezTo>
-                  <a:pt x="3088545" y="23203"/>
-                  <a:pt x="2687475" y="7419"/>
-                  <a:pt x="2538974" y="18288"/>
-                </a:cubicBezTo>
-                <a:cubicBezTo>
-                  <a:pt x="2390473" y="29157"/>
-                  <a:pt x="2137381" y="-8959"/>
-                  <a:pt x="1822853" y="18288"/>
-                </a:cubicBezTo>
-                <a:cubicBezTo>
-                  <a:pt x="1508325" y="45535"/>
-                  <a:pt x="1466437" y="20385"/>
-                  <a:pt x="1171834" y="18288"/>
-                </a:cubicBezTo>
-                <a:cubicBezTo>
-                  <a:pt x="877231" y="16191"/>
-                  <a:pt x="561097" y="37643"/>
-                  <a:pt x="0" y="18288"/>
-                </a:cubicBezTo>
-                <a:cubicBezTo>
-                  <a:pt x="-46" y="12483"/>
-                  <a:pt x="-203" y="6491"/>
-                  <a:pt x="0" y="0"/>
-                </a:cubicBezTo>
-                <a:close/>
-              </a:path>
-              <a:path w="3255095" h="18288" stroke="0" extrusionOk="0">
-                <a:moveTo>
-                  <a:pt x="0" y="0"/>
-                </a:moveTo>
-                <a:cubicBezTo>
-                  <a:pt x="291965" y="19429"/>
-                  <a:pt x="363155" y="8568"/>
-                  <a:pt x="618468" y="0"/>
-                </a:cubicBezTo>
-                <a:cubicBezTo>
-                  <a:pt x="873781" y="-8568"/>
-                  <a:pt x="904459" y="-19505"/>
-                  <a:pt x="1171834" y="0"/>
-                </a:cubicBezTo>
-                <a:cubicBezTo>
-                  <a:pt x="1439209" y="19505"/>
-                  <a:pt x="1744369" y="9790"/>
-                  <a:pt x="1887955" y="0"/>
-                </a:cubicBezTo>
-                <a:cubicBezTo>
-                  <a:pt x="2031541" y="-9790"/>
-                  <a:pt x="2346378" y="21240"/>
-                  <a:pt x="2506423" y="0"/>
-                </a:cubicBezTo>
-                <a:cubicBezTo>
-                  <a:pt x="2666468" y="-21240"/>
-                  <a:pt x="2990257" y="30414"/>
-                  <a:pt x="3255095" y="0"/>
-                </a:cubicBezTo>
-                <a:cubicBezTo>
-                  <a:pt x="3254831" y="4493"/>
-                  <a:pt x="3255479" y="9472"/>
-                  <a:pt x="3255095" y="18288"/>
-                </a:cubicBezTo>
-                <a:cubicBezTo>
-                  <a:pt x="3120743" y="16690"/>
-                  <a:pt x="2759628" y="42462"/>
-                  <a:pt x="2604076" y="18288"/>
-                </a:cubicBezTo>
-                <a:cubicBezTo>
-                  <a:pt x="2448524" y="-5886"/>
-                  <a:pt x="2184336" y="19599"/>
-                  <a:pt x="1887955" y="18288"/>
-                </a:cubicBezTo>
-                <a:cubicBezTo>
-                  <a:pt x="1591574" y="16977"/>
-                  <a:pt x="1548845" y="6870"/>
-                  <a:pt x="1334589" y="18288"/>
-                </a:cubicBezTo>
-                <a:cubicBezTo>
-                  <a:pt x="1120333" y="29706"/>
-                  <a:pt x="996014" y="9662"/>
-                  <a:pt x="683570" y="18288"/>
-                </a:cubicBezTo>
-                <a:cubicBezTo>
-                  <a:pt x="371126" y="26914"/>
-                  <a:pt x="198687" y="16167"/>
-                  <a:pt x="0" y="18288"/>
-                </a:cubicBezTo>
-                <a:cubicBezTo>
-                  <a:pt x="843" y="9577"/>
-                  <a:pt x="371" y="6900"/>
-                  <a:pt x="0" y="0"/>
-                </a:cubicBezTo>
-                <a:close/>
-              </a:path>
-            </a:pathLst>
-          </a:custGeom>
-          <a:solidFill>
-            <a:schemeClr val="accent2"/>
-          </a:solidFill>
-          <a:ln w="38100" cap="rnd">
-            <a:solidFill>
-              <a:schemeClr val="accent2"/>
-            </a:solidFill>
-            <a:round/>
-            <a:extLst>
-              <a:ext uri="{C807C97D-BFC1-408E-A445-0C87EB9F89A2}">
-                <ask:lineSketchStyleProps xmlns:ask="http://schemas.microsoft.com/office/drawing/2018/sketchyshapes" sd="1219033472">
-                  <a:prstGeom prst="rect">
-                    <a:avLst/>
-                  </a:prstGeom>
-                  <ask:type>
-                    <ask:lineSketchFreehand/>
-                  </ask:type>
-                </ask:lineSketchStyleProps>
-              </a:ext>
-            </a:extLst>
-          </a:ln>
-        </p:spPr>
-        <p:style>
-          <a:lnRef idx="2">
-            <a:schemeClr val="accent1">
-              <a:shade val="50000"/>
-            </a:schemeClr>
-          </a:lnRef>
-          <a:fillRef idx="1">
-            <a:schemeClr val="accent1"/>
-          </a:fillRef>
-          <a:effectRef idx="0">
-            <a:schemeClr val="accent1"/>
-          </a:effectRef>
-          <a:fontRef idx="minor">
-            <a:schemeClr val="lt1"/>
-          </a:fontRef>
-        </p:style>
-        <p:txBody>
-          <a:bodyPr rtlCol="0" anchor="ctr"/>
-          <a:lstStyle/>
-          <a:p>
-            <a:pPr algn="ctr"/>
-            <a:endParaRPr lang="en-US"/>
-          </a:p>
-        </p:txBody>
-      </p:sp>
-      <p:sp>
-        <p:nvSpPr>
-          <p:cNvPr id="25" name="Content Placeholder 3">
-            <a:extLst>
-              <a:ext uri="{FF2B5EF4-FFF2-40B4-BE49-F238E27FC236}">
-                <a16:creationId xmlns:a16="http://schemas.microsoft.com/office/drawing/2014/main" id="{FABABC53-F01F-59EA-44CC-764FFA49F755}"/>
-              </a:ext>
-            </a:extLst>
-          </p:cNvPr>
-          <p:cNvSpPr>
-            <a:spLocks noGrp="1"/>
-          </p:cNvSpPr>
-          <p:nvPr>
-            <p:ph sz="quarter" idx="14"/>
-          </p:nvPr>
-        </p:nvSpPr>
-        <p:spPr>
-          <a:xfrm>
-            <a:off x="630936" y="2807208"/>
-            <a:ext cx="3429000" cy="3410712"/>
-          </a:xfrm>
-        </p:spPr>
-        <p:txBody>
-          <a:bodyPr vert="horz" lIns="91440" tIns="45720" rIns="91440" bIns="45720" rtlCol="0" anchor="t">
-            <a:normAutofit/>
-          </a:bodyPr>
-          <a:lstStyle/>
-          <a:p>
-            <a:pPr marL="0"/>
-            <a:endParaRPr lang="en-US" sz="2200"/>
-          </a:p>
-        </p:txBody>
-      </p:sp>
-      <p:pic>
-        <p:nvPicPr>
-          <p:cNvPr id="10" name="Picture Placeholder 9" descr="A screenshot of a graph&#10;&#10;AI-generated content may be incorrect.">
-            <a:extLst>
-              <a:ext uri="{FF2B5EF4-FFF2-40B4-BE49-F238E27FC236}">
-                <a16:creationId xmlns:a16="http://schemas.microsoft.com/office/drawing/2014/main" id="{F24CF2DE-C633-031E-D96B-FCEF67E408FA}"/>
-              </a:ext>
-            </a:extLst>
-          </p:cNvPr>
-          <p:cNvPicPr preferRelativeResize="0">
-            <a:picLocks noGrp="1"/>
-          </p:cNvPicPr>
-          <p:nvPr>
-            <p:ph type="pic" sz="quarter" idx="13"/>
-          </p:nvPr>
-        </p:nvPicPr>
-        <p:blipFill>
-          <a:blip r:embed="rId2">
-            <a:extLst>
-              <a:ext uri="{28A0092B-C50C-407E-A947-70E740481C1C}">
-                <a14:useLocalDpi xmlns:a14="http://schemas.microsoft.com/office/drawing/2010/main" val="0"/>
-              </a:ext>
-            </a:extLst>
-          </a:blip>
-          <a:stretch>
-            <a:fillRect/>
-          </a:stretch>
-        </p:blipFill>
-        <p:spPr>
-          <a:xfrm>
-            <a:off x="4690872" y="639520"/>
-            <a:ext cx="7488786" cy="5486960"/>
-          </a:xfrm>
-          <a:prstGeom prst="rect">
-            <a:avLst/>
-          </a:prstGeom>
-        </p:spPr>
-      </p:pic>
-    </p:spTree>
-    <p:extLst>
-      <p:ext uri="{BB962C8B-B14F-4D97-AF65-F5344CB8AC3E}">
-        <p14:creationId xmlns:p14="http://schemas.microsoft.com/office/powerpoint/2010/main" val="3876590593"/>
-      </p:ext>
-    </p:extLst>
-  </p:cSld>
-  <p:clrMapOvr>
-    <a:masterClrMapping/>
-  </p:clrMapOvr>
-  <p:transition spd="slow">
-    <p:wipe/>
-  </p:transition>
-</p:sld>
-</file>
-
-<file path=ppt/slides/slide14.xml><?xml version="1.0" encoding="utf-8"?>
-<p:sld xmlns:a="http://schemas.openxmlformats.org/drawingml/2006/main" xmlns:r="http://schemas.openxmlformats.org/officeDocument/2006/relationships" xmlns:p="http://schemas.openxmlformats.org/presentationml/2006/main">
-  <p:cSld>
-    <p:bg>
-      <p:bgPr>
-        <a:solidFill>
-          <a:schemeClr val="bg1"/>
-        </a:solidFill>
-        <a:effectLst/>
-      </p:bgPr>
-    </p:bg>
-    <p:spTree>
-      <p:nvGrpSpPr>
-        <p:cNvPr id="1" name="">
-          <a:extLst>
-            <a:ext uri="{FF2B5EF4-FFF2-40B4-BE49-F238E27FC236}">
-              <a16:creationId xmlns:a16="http://schemas.microsoft.com/office/drawing/2014/main" id="{8E42D276-F6E0-79EB-A1BC-3AA1B74EA6D9}"/>
-            </a:ext>
-          </a:extLst>
-        </p:cNvPr>
-        <p:cNvGrpSpPr/>
-        <p:nvPr/>
-      </p:nvGrpSpPr>
-      <p:grpSpPr>
-        <a:xfrm>
-          <a:off x="0" y="0"/>
-          <a:ext cx="0" cy="0"/>
-          <a:chOff x="0" y="0"/>
-          <a:chExt cx="0" cy="0"/>
-        </a:xfrm>
-      </p:grpSpPr>
-      <p:sp useBgFill="1">
-        <p:nvSpPr>
-          <p:cNvPr id="22" name="Rectangle 21">
-            <a:extLst>
-              <a:ext uri="{FF2B5EF4-FFF2-40B4-BE49-F238E27FC236}">
-                <a16:creationId xmlns:a16="http://schemas.microsoft.com/office/drawing/2014/main" id="{69D47016-023F-44BD-981C-50E7A10A6609}"/>
-              </a:ext>
-              <a:ext uri="{C183D7F6-B498-43B3-948B-1728B52AA6E4}">
-                <adec:decorative xmlns:adec="http://schemas.microsoft.com/office/drawing/2017/decorative" val="1"/>
-              </a:ext>
-            </a:extLst>
-          </p:cNvPr>
-          <p:cNvSpPr>
-            <a:spLocks noGrp="1" noRot="1" noChangeAspect="1" noMove="1" noResize="1" noEditPoints="1" noAdjustHandles="1" noChangeArrowheads="1" noChangeShapeType="1" noTextEdit="1"/>
-          </p:cNvSpPr>
-          <p:nvPr>
-            <p:extLst>
-              <p:ext uri="{386F3935-93C4-4BCD-93E2-E3B085C9AB24}">
-                <p16:designElem xmlns:p16="http://schemas.microsoft.com/office/powerpoint/2015/main" val="1"/>
-              </p:ext>
-            </p:extLst>
-          </p:nvPr>
-        </p:nvSpPr>
-        <p:spPr>
-          <a:xfrm>
-            <a:off x="0" y="0"/>
-            <a:ext cx="12188952" cy="6858000"/>
-          </a:xfrm>
-          <a:prstGeom prst="rect">
-            <a:avLst/>
-          </a:prstGeom>
-          <a:ln>
-            <a:noFill/>
-          </a:ln>
-        </p:spPr>
-        <p:style>
-          <a:lnRef idx="2">
-            <a:schemeClr val="accent1">
-              <a:shade val="50000"/>
-            </a:schemeClr>
-          </a:lnRef>
-          <a:fillRef idx="1">
-            <a:schemeClr val="accent1"/>
-          </a:fillRef>
-          <a:effectRef idx="0">
-            <a:schemeClr val="accent1"/>
-          </a:effectRef>
-          <a:fontRef idx="minor">
-            <a:schemeClr val="lt1"/>
-          </a:fontRef>
-        </p:style>
-        <p:txBody>
-          <a:bodyPr rtlCol="0" anchor="ctr"/>
-          <a:lstStyle/>
-          <a:p>
-            <a:pPr algn="ctr"/>
-            <a:endParaRPr lang="en-US" dirty="0"/>
-          </a:p>
-        </p:txBody>
-      </p:sp>
-      <p:sp>
-        <p:nvSpPr>
-          <p:cNvPr id="3" name="Title 2">
-            <a:extLst>
-              <a:ext uri="{FF2B5EF4-FFF2-40B4-BE49-F238E27FC236}">
-                <a16:creationId xmlns:a16="http://schemas.microsoft.com/office/drawing/2014/main" id="{CF45ADFD-796F-199A-48D0-DF6D0E7199B3}"/>
-              </a:ext>
-            </a:extLst>
-          </p:cNvPr>
-          <p:cNvSpPr>
-            <a:spLocks noGrp="1"/>
-          </p:cNvSpPr>
-          <p:nvPr>
-            <p:ph type="ctrTitle"/>
-          </p:nvPr>
-        </p:nvSpPr>
-        <p:spPr>
-          <a:xfrm>
-            <a:off x="630936" y="457200"/>
-            <a:ext cx="4343400" cy="1929384"/>
-          </a:xfrm>
-        </p:spPr>
-        <p:txBody>
-          <a:bodyPr vert="horz" lIns="91440" tIns="45720" rIns="91440" bIns="45720" rtlCol="0" anchor="ctr">
-            <a:normAutofit/>
-          </a:bodyPr>
-          <a:lstStyle/>
-          <a:p>
-            <a:r>
-              <a:rPr lang="en-US" sz="4800" dirty="0">
-                <a:solidFill>
-                  <a:schemeClr val="tx1"/>
-                </a:solidFill>
-              </a:rPr>
-              <a:t>Decision Tree</a:t>
-            </a:r>
-          </a:p>
-        </p:txBody>
-      </p:sp>
-      <p:sp>
-        <p:nvSpPr>
-          <p:cNvPr id="24" name="sketchy line">
-            <a:extLst>
-              <a:ext uri="{FF2B5EF4-FFF2-40B4-BE49-F238E27FC236}">
-                <a16:creationId xmlns:a16="http://schemas.microsoft.com/office/drawing/2014/main" id="{6D8B37B0-0682-433E-BC8D-498C04ABD9A7}"/>
-              </a:ext>
-              <a:ext uri="{C183D7F6-B498-43B3-948B-1728B52AA6E4}">
-                <adec:decorative xmlns:adec="http://schemas.microsoft.com/office/drawing/2017/decorative" val="1"/>
-              </a:ext>
-            </a:extLst>
-          </p:cNvPr>
-          <p:cNvSpPr>
-            <a:spLocks noGrp="1" noRot="1" noChangeAspect="1" noMove="1" noResize="1" noEditPoints="1" noAdjustHandles="1" noChangeArrowheads="1" noChangeShapeType="1" noTextEdit="1"/>
-          </p:cNvSpPr>
-          <p:nvPr>
-            <p:extLst>
-              <p:ext uri="{386F3935-93C4-4BCD-93E2-E3B085C9AB24}">
-                <p16:designElem xmlns:p16="http://schemas.microsoft.com/office/powerpoint/2015/main" val="1"/>
-              </p:ext>
-            </p:extLst>
-          </p:nvPr>
-        </p:nvSpPr>
-        <p:spPr>
-          <a:xfrm rot="5400000">
-            <a:off x="4471415" y="1412748"/>
-            <a:ext cx="1554480" cy="18288"/>
-          </a:xfrm>
-          <a:custGeom>
-            <a:avLst/>
-            <a:gdLst>
-              <a:gd name="connsiteX0" fmla="*/ 0 w 1554480"/>
-              <a:gd name="connsiteY0" fmla="*/ 0 h 18288"/>
-              <a:gd name="connsiteX1" fmla="*/ 549250 w 1554480"/>
-              <a:gd name="connsiteY1" fmla="*/ 0 h 18288"/>
-              <a:gd name="connsiteX2" fmla="*/ 1082954 w 1554480"/>
-              <a:gd name="connsiteY2" fmla="*/ 0 h 18288"/>
-              <a:gd name="connsiteX3" fmla="*/ 1554480 w 1554480"/>
-              <a:gd name="connsiteY3" fmla="*/ 0 h 18288"/>
-              <a:gd name="connsiteX4" fmla="*/ 1554480 w 1554480"/>
-              <a:gd name="connsiteY4" fmla="*/ 18288 h 18288"/>
-              <a:gd name="connsiteX5" fmla="*/ 1067410 w 1554480"/>
-              <a:gd name="connsiteY5" fmla="*/ 18288 h 18288"/>
-              <a:gd name="connsiteX6" fmla="*/ 549250 w 1554480"/>
-              <a:gd name="connsiteY6" fmla="*/ 18288 h 18288"/>
-              <a:gd name="connsiteX7" fmla="*/ 0 w 1554480"/>
-              <a:gd name="connsiteY7" fmla="*/ 18288 h 18288"/>
-              <a:gd name="connsiteX8" fmla="*/ 0 w 1554480"/>
-              <a:gd name="connsiteY8" fmla="*/ 0 h 18288"/>
-            </a:gdLst>
-            <a:ahLst/>
-            <a:cxnLst>
-              <a:cxn ang="0">
-                <a:pos x="connsiteX0" y="connsiteY0"/>
-              </a:cxn>
-              <a:cxn ang="0">
-                <a:pos x="connsiteX1" y="connsiteY1"/>
-              </a:cxn>
-              <a:cxn ang="0">
-                <a:pos x="connsiteX2" y="connsiteY2"/>
-              </a:cxn>
-              <a:cxn ang="0">
-                <a:pos x="connsiteX3" y="connsiteY3"/>
-              </a:cxn>
-              <a:cxn ang="0">
-                <a:pos x="connsiteX4" y="connsiteY4"/>
-              </a:cxn>
-              <a:cxn ang="0">
-                <a:pos x="connsiteX5" y="connsiteY5"/>
-              </a:cxn>
-              <a:cxn ang="0">
-                <a:pos x="connsiteX6" y="connsiteY6"/>
-              </a:cxn>
-              <a:cxn ang="0">
-                <a:pos x="connsiteX7" y="connsiteY7"/>
-              </a:cxn>
-              <a:cxn ang="0">
-                <a:pos x="connsiteX8" y="connsiteY8"/>
-              </a:cxn>
-            </a:cxnLst>
-            <a:rect l="l" t="t" r="r" b="b"/>
-            <a:pathLst>
-              <a:path w="1554480" h="18288" fill="none" extrusionOk="0">
-                <a:moveTo>
-                  <a:pt x="0" y="0"/>
-                </a:moveTo>
-                <a:cubicBezTo>
-                  <a:pt x="114141" y="-19864"/>
-                  <a:pt x="345055" y="-1657"/>
-                  <a:pt x="549250" y="0"/>
-                </a:cubicBezTo>
-                <a:cubicBezTo>
-                  <a:pt x="753445" y="1657"/>
-                  <a:pt x="862292" y="-5674"/>
-                  <a:pt x="1082954" y="0"/>
-                </a:cubicBezTo>
-                <a:cubicBezTo>
-                  <a:pt x="1303616" y="5674"/>
-                  <a:pt x="1363530" y="4537"/>
-                  <a:pt x="1554480" y="0"/>
-                </a:cubicBezTo>
-                <a:cubicBezTo>
-                  <a:pt x="1554963" y="7176"/>
-                  <a:pt x="1553909" y="13682"/>
-                  <a:pt x="1554480" y="18288"/>
-                </a:cubicBezTo>
-                <a:cubicBezTo>
-                  <a:pt x="1338847" y="6127"/>
-                  <a:pt x="1215066" y="37851"/>
-                  <a:pt x="1067410" y="18288"/>
-                </a:cubicBezTo>
-                <a:cubicBezTo>
-                  <a:pt x="919754" y="-1275"/>
-                  <a:pt x="800465" y="3080"/>
-                  <a:pt x="549250" y="18288"/>
-                </a:cubicBezTo>
-                <a:cubicBezTo>
-                  <a:pt x="298035" y="33496"/>
-                  <a:pt x="158868" y="22769"/>
-                  <a:pt x="0" y="18288"/>
-                </a:cubicBezTo>
-                <a:cubicBezTo>
-                  <a:pt x="-655" y="13237"/>
-                  <a:pt x="709" y="4645"/>
-                  <a:pt x="0" y="0"/>
-                </a:cubicBezTo>
-                <a:close/>
-              </a:path>
-              <a:path w="1554480" h="18288" stroke="0" extrusionOk="0">
-                <a:moveTo>
-                  <a:pt x="0" y="0"/>
-                </a:moveTo>
-                <a:cubicBezTo>
-                  <a:pt x="249941" y="-58"/>
-                  <a:pt x="367334" y="23448"/>
-                  <a:pt x="502615" y="0"/>
-                </a:cubicBezTo>
-                <a:cubicBezTo>
-                  <a:pt x="637897" y="-23448"/>
-                  <a:pt x="813653" y="-20418"/>
-                  <a:pt x="974141" y="0"/>
-                </a:cubicBezTo>
-                <a:cubicBezTo>
-                  <a:pt x="1134629" y="20418"/>
-                  <a:pt x="1268772" y="6288"/>
-                  <a:pt x="1554480" y="0"/>
-                </a:cubicBezTo>
-                <a:cubicBezTo>
-                  <a:pt x="1554917" y="7222"/>
-                  <a:pt x="1555359" y="13299"/>
-                  <a:pt x="1554480" y="18288"/>
-                </a:cubicBezTo>
-                <a:cubicBezTo>
-                  <a:pt x="1336087" y="12172"/>
-                  <a:pt x="1310024" y="19759"/>
-                  <a:pt x="1067410" y="18288"/>
-                </a:cubicBezTo>
-                <a:cubicBezTo>
-                  <a:pt x="824796" y="16818"/>
-                  <a:pt x="787902" y="34647"/>
-                  <a:pt x="518160" y="18288"/>
-                </a:cubicBezTo>
-                <a:cubicBezTo>
-                  <a:pt x="248418" y="1930"/>
-                  <a:pt x="133160" y="9205"/>
-                  <a:pt x="0" y="18288"/>
-                </a:cubicBezTo>
-                <a:cubicBezTo>
-                  <a:pt x="-643" y="9451"/>
-                  <a:pt x="-340" y="7114"/>
-                  <a:pt x="0" y="0"/>
-                </a:cubicBezTo>
-                <a:close/>
-              </a:path>
-            </a:pathLst>
-          </a:custGeom>
-          <a:solidFill>
-            <a:schemeClr val="accent2"/>
-          </a:solidFill>
-          <a:ln w="41275" cap="rnd">
-            <a:solidFill>
-              <a:schemeClr val="accent2"/>
-            </a:solidFill>
-            <a:round/>
-            <a:extLst>
-              <a:ext uri="{C807C97D-BFC1-408E-A445-0C87EB9F89A2}">
-                <ask:lineSketchStyleProps xmlns:ask="http://schemas.microsoft.com/office/drawing/2018/sketchyshapes" sd="1219033472">
-                  <a:prstGeom prst="rect">
-                    <a:avLst/>
-                  </a:prstGeom>
-                  <ask:type>
-                    <ask:lineSketchFreehand/>
-                  </ask:type>
-                </ask:lineSketchStyleProps>
-              </a:ext>
-            </a:extLst>
-          </a:ln>
-        </p:spPr>
-        <p:style>
-          <a:lnRef idx="2">
-            <a:schemeClr val="accent1">
-              <a:shade val="50000"/>
-            </a:schemeClr>
-          </a:lnRef>
-          <a:fillRef idx="1">
-            <a:schemeClr val="accent1"/>
-          </a:fillRef>
-          <a:effectRef idx="0">
-            <a:schemeClr val="accent1"/>
-          </a:effectRef>
-          <a:fontRef idx="minor">
-            <a:schemeClr val="lt1"/>
-          </a:fontRef>
-        </p:style>
-        <p:txBody>
-          <a:bodyPr rtlCol="0" anchor="ctr"/>
-          <a:lstStyle/>
-          <a:p>
-            <a:pPr algn="ctr"/>
-            <a:endParaRPr lang="en-US"/>
-          </a:p>
-        </p:txBody>
-      </p:sp>
-      <p:sp>
-        <p:nvSpPr>
-          <p:cNvPr id="12" name="Content Placeholder 11">
-            <a:extLst>
-              <a:ext uri="{FF2B5EF4-FFF2-40B4-BE49-F238E27FC236}">
-                <a16:creationId xmlns:a16="http://schemas.microsoft.com/office/drawing/2014/main" id="{A087A34B-3D05-7826-FCDE-28D5FAF54E1E}"/>
-              </a:ext>
-            </a:extLst>
-          </p:cNvPr>
-          <p:cNvSpPr>
-            <a:spLocks noGrp="1"/>
-          </p:cNvSpPr>
-          <p:nvPr>
-            <p:ph sz="quarter" idx="14"/>
-          </p:nvPr>
-        </p:nvSpPr>
-        <p:spPr>
-          <a:xfrm>
-            <a:off x="5541263" y="457200"/>
-            <a:ext cx="6007608" cy="1929384"/>
-          </a:xfrm>
-        </p:spPr>
-        <p:txBody>
-          <a:bodyPr vert="horz" lIns="91440" tIns="45720" rIns="91440" bIns="45720" rtlCol="0" anchor="ctr">
-            <a:normAutofit/>
-          </a:bodyPr>
-          <a:lstStyle/>
-          <a:p>
-            <a:endParaRPr lang="en-US" sz="2200" dirty="0"/>
-          </a:p>
-        </p:txBody>
-      </p:sp>
-      <p:pic>
-        <p:nvPicPr>
-          <p:cNvPr id="6" name="Picture Placeholder 5" descr="A diagram of a decision tree&#10;&#10;AI-generated content may be incorrect.">
-            <a:extLst>
-              <a:ext uri="{FF2B5EF4-FFF2-40B4-BE49-F238E27FC236}">
-                <a16:creationId xmlns:a16="http://schemas.microsoft.com/office/drawing/2014/main" id="{3B412D9C-74CF-A04C-48FE-2D37FE8A27EB}"/>
-              </a:ext>
-            </a:extLst>
-          </p:cNvPr>
-          <p:cNvPicPr>
-            <a:picLocks noGrp="1" noChangeAspect="1"/>
-          </p:cNvPicPr>
-          <p:nvPr>
-            <p:ph type="pic" sz="quarter" idx="13"/>
-          </p:nvPr>
-        </p:nvPicPr>
-        <p:blipFill>
-          <a:blip r:embed="rId2">
-            <a:extLst>
-              <a:ext uri="{28A0092B-C50C-407E-A947-70E740481C1C}">
-                <a14:useLocalDpi xmlns:a14="http://schemas.microsoft.com/office/drawing/2010/main" val="0"/>
-              </a:ext>
-            </a:extLst>
-          </a:blip>
-          <a:stretch>
-            <a:fillRect/>
-          </a:stretch>
-        </p:blipFill>
-        <p:spPr>
-          <a:xfrm>
-            <a:off x="466344" y="2586228"/>
-            <a:ext cx="5468112" cy="3645407"/>
-          </a:xfrm>
-          <a:prstGeom prst="rect">
-            <a:avLst/>
-          </a:prstGeom>
-        </p:spPr>
-      </p:pic>
-      <p:pic>
-        <p:nvPicPr>
-          <p:cNvPr id="8" name="Content Placeholder 7" descr="A blue and white bar graph&#10;&#10;AI-generated content may be incorrect.">
-            <a:extLst>
-              <a:ext uri="{FF2B5EF4-FFF2-40B4-BE49-F238E27FC236}">
-                <a16:creationId xmlns:a16="http://schemas.microsoft.com/office/drawing/2014/main" id="{F19EC1F6-1004-97BC-59D3-B314F603BD3A}"/>
-              </a:ext>
-            </a:extLst>
-          </p:cNvPr>
-          <p:cNvPicPr>
-            <a:picLocks noChangeAspect="1"/>
-          </p:cNvPicPr>
-          <p:nvPr/>
-        </p:nvPicPr>
-        <p:blipFill>
-          <a:blip r:embed="rId3">
-            <a:extLst>
-              <a:ext uri="{28A0092B-C50C-407E-A947-70E740481C1C}">
-                <a14:useLocalDpi xmlns:a14="http://schemas.microsoft.com/office/drawing/2010/main" val="0"/>
-              </a:ext>
-            </a:extLst>
-          </a:blip>
-          <a:stretch>
-            <a:fillRect/>
-          </a:stretch>
-        </p:blipFill>
-        <p:spPr>
-          <a:xfrm>
-            <a:off x="5367018" y="2773680"/>
-            <a:ext cx="6821934" cy="3325694"/>
-          </a:xfrm>
-          <a:prstGeom prst="rect">
-            <a:avLst/>
-          </a:prstGeom>
-        </p:spPr>
-      </p:pic>
-    </p:spTree>
-    <p:extLst>
-      <p:ext uri="{BB962C8B-B14F-4D97-AF65-F5344CB8AC3E}">
-        <p14:creationId xmlns:p14="http://schemas.microsoft.com/office/powerpoint/2010/main" val="2123166288"/>
-      </p:ext>
-    </p:extLst>
-  </p:cSld>
-  <p:clrMapOvr>
-    <a:masterClrMapping/>
-  </p:clrMapOvr>
-  <p:transition spd="slow">
-    <p:wipe/>
-  </p:transition>
-</p:sld>
-</file>
-
-<file path=ppt/slides/slide15.xml><?xml version="1.0" encoding="utf-8"?>
-<p:sld xmlns:a="http://schemas.openxmlformats.org/drawingml/2006/main" xmlns:r="http://schemas.openxmlformats.org/officeDocument/2006/relationships" xmlns:p="http://schemas.openxmlformats.org/presentationml/2006/main">
-  <p:cSld>
-    <p:bg>
-      <p:bgPr>
-        <a:solidFill>
-          <a:schemeClr val="bg1"/>
-        </a:solidFill>
-        <a:effectLst/>
-      </p:bgPr>
-    </p:bg>
-    <p:spTree>
-      <p:nvGrpSpPr>
-        <p:cNvPr id="1" name=""/>
-        <p:cNvGrpSpPr/>
-        <p:nvPr/>
-      </p:nvGrpSpPr>
-      <p:grpSpPr>
-        <a:xfrm>
-          <a:off x="0" y="0"/>
-          <a:ext cx="0" cy="0"/>
-          <a:chOff x="0" y="0"/>
-          <a:chExt cx="0" cy="0"/>
-        </a:xfrm>
-      </p:grpSpPr>
-      <p:sp useBgFill="1">
-        <p:nvSpPr>
-          <p:cNvPr id="30" name="Rectangle 29">
-            <a:extLst>
-              <a:ext uri="{FF2B5EF4-FFF2-40B4-BE49-F238E27FC236}">
-                <a16:creationId xmlns:a16="http://schemas.microsoft.com/office/drawing/2014/main" id="{0B9EE3F3-89B7-43C3-8651-C4C96830993D}"/>
-              </a:ext>
-              <a:ext uri="{C183D7F6-B498-43B3-948B-1728B52AA6E4}">
-                <adec:decorative xmlns:adec="http://schemas.microsoft.com/office/drawing/2017/decorative" val="1"/>
-              </a:ext>
-            </a:extLst>
-          </p:cNvPr>
-          <p:cNvSpPr>
-            <a:spLocks noGrp="1" noRot="1" noChangeAspect="1" noMove="1" noResize="1" noEditPoints="1" noAdjustHandles="1" noChangeArrowheads="1" noChangeShapeType="1" noTextEdit="1"/>
-          </p:cNvSpPr>
-          <p:nvPr>
-            <p:extLst>
-              <p:ext uri="{386F3935-93C4-4BCD-93E2-E3B085C9AB24}">
-                <p16:designElem xmlns:p16="http://schemas.microsoft.com/office/powerpoint/2015/main" val="1"/>
-              </p:ext>
-            </p:extLst>
-          </p:nvPr>
-        </p:nvSpPr>
-        <p:spPr>
-          <a:xfrm>
-            <a:off x="0" y="0"/>
-            <a:ext cx="12192000" cy="6858000"/>
-          </a:xfrm>
-          <a:prstGeom prst="rect">
-            <a:avLst/>
-          </a:prstGeom>
-          <a:ln>
-            <a:noFill/>
-          </a:ln>
-        </p:spPr>
-        <p:style>
-          <a:lnRef idx="2">
-            <a:schemeClr val="accent1">
-              <a:shade val="50000"/>
-            </a:schemeClr>
-          </a:lnRef>
-          <a:fillRef idx="1">
-            <a:schemeClr val="accent1"/>
-          </a:fillRef>
-          <a:effectRef idx="0">
-            <a:schemeClr val="accent1"/>
-          </a:effectRef>
-          <a:fontRef idx="minor">
-            <a:schemeClr val="lt1"/>
-          </a:fontRef>
-        </p:style>
-        <p:txBody>
-          <a:bodyPr rtlCol="0" anchor="ctr"/>
-          <a:lstStyle/>
-          <a:p>
-            <a:pPr algn="ctr"/>
-            <a:endParaRPr lang="en-US"/>
-          </a:p>
-        </p:txBody>
-      </p:sp>
-      <p:sp>
-        <p:nvSpPr>
-          <p:cNvPr id="3" name="Title 2">
-            <a:extLst>
-              <a:ext uri="{FF2B5EF4-FFF2-40B4-BE49-F238E27FC236}">
-                <a16:creationId xmlns:a16="http://schemas.microsoft.com/office/drawing/2014/main" id="{9770651F-EB59-A472-4AF9-1683140C6B46}"/>
-              </a:ext>
-            </a:extLst>
-          </p:cNvPr>
-          <p:cNvSpPr>
-            <a:spLocks noGrp="1"/>
-          </p:cNvSpPr>
-          <p:nvPr>
-            <p:ph type="ctrTitle"/>
-          </p:nvPr>
-        </p:nvSpPr>
-        <p:spPr>
-          <a:xfrm>
-            <a:off x="411480" y="991443"/>
-            <a:ext cx="4443154" cy="1087819"/>
-          </a:xfrm>
-        </p:spPr>
-        <p:txBody>
-          <a:bodyPr vert="horz" lIns="91440" tIns="45720" rIns="91440" bIns="45720" rtlCol="0" anchor="b">
-            <a:normAutofit/>
-          </a:bodyPr>
-          <a:lstStyle/>
-          <a:p>
-            <a:endParaRPr lang="en-US" sz="3400" kern="1200" dirty="0">
-              <a:solidFill>
-                <a:schemeClr val="tx1"/>
-              </a:solidFill>
-              <a:latin typeface="+mj-lt"/>
-              <a:ea typeface="+mj-ea"/>
-              <a:cs typeface="+mj-cs"/>
-            </a:endParaRPr>
-          </a:p>
-        </p:txBody>
-      </p:sp>
-      <p:sp>
-        <p:nvSpPr>
-          <p:cNvPr id="31" name="Rectangle 30">
-            <a:extLst>
-              <a:ext uri="{FF2B5EF4-FFF2-40B4-BE49-F238E27FC236}">
-                <a16:creationId xmlns:a16="http://schemas.microsoft.com/office/drawing/2014/main" id="{33AE4636-AEEC-45D6-84D4-7AC2DA48ECF8}"/>
-              </a:ext>
-              <a:ext uri="{C183D7F6-B498-43B3-948B-1728B52AA6E4}">
-                <adec:decorative xmlns:adec="http://schemas.microsoft.com/office/drawing/2017/decorative" val="1"/>
-              </a:ext>
-            </a:extLst>
-          </p:cNvPr>
-          <p:cNvSpPr>
-            <a:spLocks noGrp="1" noRot="1" noChangeAspect="1" noMove="1" noResize="1" noEditPoints="1" noAdjustHandles="1" noChangeArrowheads="1" noChangeShapeType="1" noTextEdit="1"/>
-          </p:cNvSpPr>
-          <p:nvPr>
-            <p:extLst>
-              <p:ext uri="{386F3935-93C4-4BCD-93E2-E3B085C9AB24}">
-                <p16:designElem xmlns:p16="http://schemas.microsoft.com/office/powerpoint/2015/main" val="1"/>
-              </p:ext>
-            </p:extLst>
-          </p:nvPr>
-        </p:nvSpPr>
-        <p:spPr>
-          <a:xfrm rot="5400000">
-            <a:off x="649223" y="387939"/>
-            <a:ext cx="73152" cy="548640"/>
-          </a:xfrm>
-          <a:prstGeom prst="rect">
-            <a:avLst/>
-          </a:prstGeom>
-          <a:solidFill>
-            <a:schemeClr val="accent2"/>
-          </a:solidFill>
-          <a:ln>
-            <a:noFill/>
-          </a:ln>
-        </p:spPr>
-        <p:style>
-          <a:lnRef idx="2">
-            <a:schemeClr val="accent1">
-              <a:shade val="50000"/>
-            </a:schemeClr>
-          </a:lnRef>
-          <a:fillRef idx="1">
-            <a:schemeClr val="accent1"/>
-          </a:fillRef>
-          <a:effectRef idx="0">
-            <a:schemeClr val="accent1"/>
-          </a:effectRef>
-          <a:fontRef idx="minor">
-            <a:schemeClr val="lt1"/>
-          </a:fontRef>
-        </p:style>
-        <p:txBody>
-          <a:bodyPr rtlCol="0" anchor="ctr"/>
-          <a:lstStyle/>
-          <a:p>
-            <a:pPr algn="ctr"/>
-            <a:endParaRPr lang="en-US">
-              <a:solidFill>
-                <a:prstClr val="white"/>
-              </a:solidFill>
-              <a:latin typeface="Calibri" panose="020F0502020204030204"/>
-            </a:endParaRPr>
-          </a:p>
-        </p:txBody>
-      </p:sp>
-      <p:sp>
-        <p:nvSpPr>
-          <p:cNvPr id="32" name="Rectangle 31">
-            <a:extLst>
-              <a:ext uri="{FF2B5EF4-FFF2-40B4-BE49-F238E27FC236}">
-                <a16:creationId xmlns:a16="http://schemas.microsoft.com/office/drawing/2014/main" id="{8D9CE0F4-2EB2-4F1F-8AAC-DB3571D9FE10}"/>
-              </a:ext>
-              <a:ext uri="{C183D7F6-B498-43B3-948B-1728B52AA6E4}">
-                <adec:decorative xmlns:adec="http://schemas.microsoft.com/office/drawing/2017/decorative" val="1"/>
-              </a:ext>
-            </a:extLst>
-          </p:cNvPr>
-          <p:cNvSpPr>
-            <a:spLocks noGrp="1" noRot="1" noChangeAspect="1" noMove="1" noResize="1" noEditPoints="1" noAdjustHandles="1" noChangeArrowheads="1" noChangeShapeType="1" noTextEdit="1"/>
-          </p:cNvSpPr>
-          <p:nvPr>
-            <p:extLst>
-              <p:ext uri="{386F3935-93C4-4BCD-93E2-E3B085C9AB24}">
-                <p16:designElem xmlns:p16="http://schemas.microsoft.com/office/powerpoint/2015/main" val="1"/>
-              </p:ext>
-            </p:extLst>
-          </p:nvPr>
-        </p:nvSpPr>
-        <p:spPr>
-          <a:xfrm>
-            <a:off x="411480" y="2285541"/>
-            <a:ext cx="4389120" cy="18288"/>
-          </a:xfrm>
-          <a:prstGeom prst="rect">
-            <a:avLst/>
-          </a:prstGeom>
-          <a:solidFill>
-            <a:srgbClr val="D5D5D5"/>
-          </a:solidFill>
-          <a:ln w="3175">
-            <a:noFill/>
-          </a:ln>
-          <a:effectLst/>
-        </p:spPr>
-        <p:style>
-          <a:lnRef idx="2">
-            <a:schemeClr val="accent1">
-              <a:shade val="50000"/>
-            </a:schemeClr>
-          </a:lnRef>
-          <a:fillRef idx="1">
-            <a:schemeClr val="accent1"/>
-          </a:fillRef>
-          <a:effectRef idx="0">
-            <a:schemeClr val="accent1"/>
-          </a:effectRef>
-          <a:fontRef idx="minor">
-            <a:schemeClr val="lt1"/>
-          </a:fontRef>
-        </p:style>
-        <p:txBody>
-          <a:bodyPr rtlCol="0" anchor="ctr"/>
-          <a:lstStyle/>
-          <a:p>
-            <a:pPr algn="ctr"/>
-            <a:endParaRPr lang="en-US">
-              <a:solidFill>
-                <a:prstClr val="white"/>
-              </a:solidFill>
-              <a:latin typeface="Calibri" panose="020F0502020204030204"/>
-            </a:endParaRPr>
-          </a:p>
-        </p:txBody>
-      </p:sp>
-      <p:sp>
-        <p:nvSpPr>
-          <p:cNvPr id="4" name="Content Placeholder 3">
-            <a:extLst>
-              <a:ext uri="{FF2B5EF4-FFF2-40B4-BE49-F238E27FC236}">
-                <a16:creationId xmlns:a16="http://schemas.microsoft.com/office/drawing/2014/main" id="{DE3A8E7F-B9BE-15A5-3594-42F220C6F19B}"/>
-              </a:ext>
-            </a:extLst>
-          </p:cNvPr>
-          <p:cNvSpPr>
-            <a:spLocks noGrp="1"/>
-          </p:cNvSpPr>
-          <p:nvPr>
-            <p:ph sz="quarter" idx="14"/>
-          </p:nvPr>
-        </p:nvSpPr>
-        <p:spPr>
-          <a:xfrm>
-            <a:off x="411480" y="2684095"/>
-            <a:ext cx="4443154" cy="3492868"/>
-          </a:xfrm>
-        </p:spPr>
-        <p:txBody>
-          <a:bodyPr vert="horz" lIns="91440" tIns="45720" rIns="91440" bIns="45720" rtlCol="0">
-            <a:normAutofit/>
-          </a:bodyPr>
-          <a:lstStyle/>
-          <a:p>
-            <a:r>
-              <a:rPr lang="en-US" sz="1800"/>
-              <a:t>Results of Machine Learning model and comments</a:t>
-            </a:r>
-          </a:p>
-          <a:p>
-            <a:endParaRPr lang="en-US" sz="1800"/>
-          </a:p>
-        </p:txBody>
-      </p:sp>
-      <p:pic>
-        <p:nvPicPr>
-          <p:cNvPr id="6" name="Picture Placeholder 5" descr="A graph with a line&#10;&#10;AI-generated content may be incorrect.">
-            <a:extLst>
-              <a:ext uri="{FF2B5EF4-FFF2-40B4-BE49-F238E27FC236}">
-                <a16:creationId xmlns:a16="http://schemas.microsoft.com/office/drawing/2014/main" id="{924ADBAB-84B8-9DBC-6616-9C0BBE7E3A7C}"/>
-              </a:ext>
-            </a:extLst>
-          </p:cNvPr>
-          <p:cNvPicPr>
-            <a:picLocks noGrp="1" noChangeAspect="1"/>
-          </p:cNvPicPr>
-          <p:nvPr>
-            <p:ph type="pic" sz="quarter" idx="13"/>
-          </p:nvPr>
-        </p:nvPicPr>
-        <p:blipFill>
-          <a:blip r:embed="rId2">
-            <a:extLst>
-              <a:ext uri="{28A0092B-C50C-407E-A947-70E740481C1C}">
-                <a14:useLocalDpi xmlns:a14="http://schemas.microsoft.com/office/drawing/2010/main" val="0"/>
-              </a:ext>
-            </a:extLst>
-          </a:blip>
-          <a:stretch>
-            <a:fillRect/>
-          </a:stretch>
-        </p:blipFill>
-        <p:spPr>
-          <a:xfrm>
-            <a:off x="5385816" y="625683"/>
-            <a:ext cx="6806184" cy="5653951"/>
-          </a:xfrm>
-          <a:prstGeom prst="rect">
-            <a:avLst/>
-          </a:prstGeom>
-        </p:spPr>
-      </p:pic>
-    </p:spTree>
-    <p:extLst>
-      <p:ext uri="{BB962C8B-B14F-4D97-AF65-F5344CB8AC3E}">
-        <p14:creationId xmlns:p14="http://schemas.microsoft.com/office/powerpoint/2010/main" val="1840235258"/>
-      </p:ext>
-    </p:extLst>
-  </p:cSld>
-  <p:clrMapOvr>
-    <a:masterClrMapping/>
-  </p:clrMapOvr>
-  <p:transition spd="slow">
-    <p:wipe/>
-  </p:transition>
-</p:sld>
-</file>
-
-<file path=ppt/slides/slide16.xml><?xml version="1.0" encoding="utf-8"?>
-<p:sld xmlns:a="http://schemas.openxmlformats.org/drawingml/2006/main" xmlns:r="http://schemas.openxmlformats.org/officeDocument/2006/relationships" xmlns:p="http://schemas.openxmlformats.org/presentationml/2006/main">
-  <p:cSld>
-    <p:bg>
-      <p:bgPr>
-        <a:solidFill>
-          <a:schemeClr val="bg1"/>
-        </a:solidFill>
-        <a:effectLst/>
-      </p:bgPr>
-    </p:bg>
-    <p:spTree>
-      <p:nvGrpSpPr>
-        <p:cNvPr id="1" name="">
-          <a:extLst>
-            <a:ext uri="{FF2B5EF4-FFF2-40B4-BE49-F238E27FC236}">
-              <a16:creationId xmlns:a16="http://schemas.microsoft.com/office/drawing/2014/main" id="{3FD2A4D0-DBE6-1968-EEE8-539F32107BF6}"/>
-            </a:ext>
-          </a:extLst>
-        </p:cNvPr>
-        <p:cNvGrpSpPr/>
-        <p:nvPr/>
-      </p:nvGrpSpPr>
-      <p:grpSpPr>
-        <a:xfrm>
-          <a:off x="0" y="0"/>
-          <a:ext cx="0" cy="0"/>
-          <a:chOff x="0" y="0"/>
-          <a:chExt cx="0" cy="0"/>
-        </a:xfrm>
-      </p:grpSpPr>
-      <p:sp useBgFill="1">
-        <p:nvSpPr>
-          <p:cNvPr id="21" name="Rectangle 20">
-            <a:extLst>
-              <a:ext uri="{FF2B5EF4-FFF2-40B4-BE49-F238E27FC236}">
-                <a16:creationId xmlns:a16="http://schemas.microsoft.com/office/drawing/2014/main" id="{DAF1966E-FD40-4A4A-B61B-C4DF7FA05F06}"/>
-              </a:ext>
-              <a:ext uri="{C183D7F6-B498-43B3-948B-1728B52AA6E4}">
-                <adec:decorative xmlns:adec="http://schemas.microsoft.com/office/drawing/2017/decorative" val="1"/>
-              </a:ext>
-            </a:extLst>
-          </p:cNvPr>
-          <p:cNvSpPr>
-            <a:spLocks noGrp="1" noRot="1" noChangeAspect="1" noMove="1" noResize="1" noEditPoints="1" noAdjustHandles="1" noChangeArrowheads="1" noChangeShapeType="1" noTextEdit="1"/>
-          </p:cNvSpPr>
-          <p:nvPr>
-            <p:extLst>
-              <p:ext uri="{386F3935-93C4-4BCD-93E2-E3B085C9AB24}">
-                <p16:designElem xmlns:p16="http://schemas.microsoft.com/office/powerpoint/2015/main" val="1"/>
-              </p:ext>
-            </p:extLst>
-          </p:nvPr>
-        </p:nvSpPr>
-        <p:spPr>
-          <a:xfrm>
-            <a:off x="0" y="0"/>
-            <a:ext cx="12192000" cy="6858000"/>
-          </a:xfrm>
-          <a:prstGeom prst="rect">
-            <a:avLst/>
-          </a:prstGeom>
-          <a:ln>
-            <a:noFill/>
-          </a:ln>
-        </p:spPr>
-        <p:style>
-          <a:lnRef idx="2">
-            <a:schemeClr val="accent1">
-              <a:shade val="50000"/>
-            </a:schemeClr>
-          </a:lnRef>
-          <a:fillRef idx="1">
-            <a:schemeClr val="accent1"/>
-          </a:fillRef>
-          <a:effectRef idx="0">
-            <a:schemeClr val="accent1"/>
-          </a:effectRef>
-          <a:fontRef idx="minor">
-            <a:schemeClr val="lt1"/>
-          </a:fontRef>
-        </p:style>
-        <p:txBody>
-          <a:bodyPr rtlCol="0" anchor="ctr"/>
-          <a:lstStyle/>
-          <a:p>
-            <a:pPr algn="ctr"/>
-            <a:endParaRPr lang="en-US"/>
-          </a:p>
-        </p:txBody>
-      </p:sp>
-      <p:sp useBgFill="1">
-        <p:nvSpPr>
-          <p:cNvPr id="22" name="Rectangle 21">
-            <a:extLst>
-              <a:ext uri="{FF2B5EF4-FFF2-40B4-BE49-F238E27FC236}">
-                <a16:creationId xmlns:a16="http://schemas.microsoft.com/office/drawing/2014/main" id="{047BFA19-D45E-416B-A404-7AF2F3F27017}"/>
-              </a:ext>
-              <a:ext uri="{C183D7F6-B498-43B3-948B-1728B52AA6E4}">
-                <adec:decorative xmlns:adec="http://schemas.microsoft.com/office/drawing/2017/decorative" val="1"/>
-              </a:ext>
-            </a:extLst>
-          </p:cNvPr>
-          <p:cNvSpPr>
-            <a:spLocks noGrp="1" noRot="1" noChangeAspect="1" noMove="1" noResize="1" noEditPoints="1" noAdjustHandles="1" noChangeArrowheads="1" noChangeShapeType="1" noTextEdit="1"/>
-          </p:cNvSpPr>
-          <p:nvPr>
-            <p:extLst>
-              <p:ext uri="{386F3935-93C4-4BCD-93E2-E3B085C9AB24}">
-                <p16:designElem xmlns:p16="http://schemas.microsoft.com/office/powerpoint/2015/main" val="1"/>
-              </p:ext>
-            </p:extLst>
-          </p:nvPr>
-        </p:nvSpPr>
-        <p:spPr>
-          <a:xfrm>
-            <a:off x="558209" y="0"/>
-            <a:ext cx="11167447" cy="2018806"/>
-          </a:xfrm>
-          <a:prstGeom prst="rect">
-            <a:avLst/>
-          </a:prstGeom>
-          <a:ln w="9525">
-            <a:solidFill>
-              <a:srgbClr val="E1E1E1"/>
-            </a:solidFill>
-          </a:ln>
-          <a:effectLst>
-            <a:outerShdw blurRad="50800" dist="38100" dir="2700000" algn="tl" rotWithShape="0">
-              <a:schemeClr val="bg1">
-                <a:lumMod val="85000"/>
-                <a:alpha val="50000"/>
-              </a:schemeClr>
-            </a:outerShdw>
-          </a:effectLst>
-        </p:spPr>
-        <p:style>
-          <a:lnRef idx="2">
-            <a:schemeClr val="accent1">
-              <a:shade val="50000"/>
-            </a:schemeClr>
-          </a:lnRef>
-          <a:fillRef idx="1">
-            <a:schemeClr val="accent1"/>
-          </a:fillRef>
-          <a:effectRef idx="0">
-            <a:schemeClr val="accent1"/>
-          </a:effectRef>
-          <a:fontRef idx="minor">
-            <a:schemeClr val="lt1"/>
-          </a:fontRef>
-        </p:style>
-        <p:txBody>
-          <a:bodyPr rtlCol="0" anchor="ctr"/>
-          <a:lstStyle/>
-          <a:p>
-            <a:pPr marL="0" marR="0" lvl="0" indent="0" algn="ctr" defTabSz="914400" rtl="0" eaLnBrk="1" fontAlgn="auto" latinLnBrk="0" hangingPunct="1">
+            <a:r>
+              <a:rPr lang="en-US" sz="1800" dirty="0"/>
+              <a:t>Feature Engineering</a:t>
+            </a:r>
+          </a:p>
+          <a:p>
+            <a:pPr marL="514350">
               <a:lnSpc>
                 <a:spcPct val="100000"/>
               </a:lnSpc>
-              <a:spcBef>
-                <a:spcPts val="0"/>
-              </a:spcBef>
-              <a:spcAft>
-                <a:spcPts val="0"/>
-              </a:spcAft>
-              <a:buClrTx/>
-              <a:buSzTx/>
-              <a:buFontTx/>
-              <a:buNone/>
-              <a:tabLst/>
-              <a:defRPr/>
             </a:pPr>
-            <a:endParaRPr kumimoji="0" lang="en-US" sz="1800" b="0" i="0" u="none" strike="noStrike" kern="1200" cap="none" spc="0" normalizeH="0" baseline="0" noProof="0">
-              <a:ln>
-                <a:noFill/>
-              </a:ln>
-              <a:solidFill>
-                <a:prstClr val="white"/>
-              </a:solidFill>
-              <a:effectLst/>
-              <a:uLnTx/>
-              <a:uFillTx/>
-              <a:latin typeface="Calibri" panose="020F0502020204030204"/>
-              <a:ea typeface="+mn-ea"/>
-              <a:cs typeface="+mn-cs"/>
-            </a:endParaRPr>
-          </a:p>
-        </p:txBody>
-      </p:sp>
-      <p:sp useBgFill="1">
-        <p:nvSpPr>
-          <p:cNvPr id="23" name="Rectangle 22">
-            <a:extLst>
-              <a:ext uri="{FF2B5EF4-FFF2-40B4-BE49-F238E27FC236}">
-                <a16:creationId xmlns:a16="http://schemas.microsoft.com/office/drawing/2014/main" id="{8E0105E7-23DB-4CF2-8258-FF47C7620F6E}"/>
-              </a:ext>
-              <a:ext uri="{C183D7F6-B498-43B3-948B-1728B52AA6E4}">
-                <adec:decorative xmlns:adec="http://schemas.microsoft.com/office/drawing/2017/decorative" val="1"/>
-              </a:ext>
-            </a:extLst>
-          </p:cNvPr>
-          <p:cNvSpPr>
-            <a:spLocks noGrp="1" noRot="1" noChangeAspect="1" noMove="1" noResize="1" noEditPoints="1" noAdjustHandles="1" noChangeArrowheads="1" noChangeShapeType="1" noTextEdit="1"/>
-          </p:cNvSpPr>
-          <p:nvPr>
-            <p:extLst>
-              <p:ext uri="{386F3935-93C4-4BCD-93E2-E3B085C9AB24}">
-                <p16:designElem xmlns:p16="http://schemas.microsoft.com/office/powerpoint/2015/main" val="1"/>
-              </p:ext>
-            </p:extLst>
-          </p:nvPr>
-        </p:nvSpPr>
-        <p:spPr>
-          <a:xfrm>
-            <a:off x="566928" y="0"/>
-            <a:ext cx="11155680" cy="2011680"/>
-          </a:xfrm>
-          <a:prstGeom prst="rect">
-            <a:avLst/>
-          </a:prstGeom>
-          <a:ln w="9525">
-            <a:noFill/>
-          </a:ln>
-          <a:effectLst/>
-        </p:spPr>
-        <p:style>
-          <a:lnRef idx="2">
-            <a:schemeClr val="accent1">
-              <a:shade val="50000"/>
-            </a:schemeClr>
-          </a:lnRef>
-          <a:fillRef idx="1">
-            <a:schemeClr val="accent1"/>
-          </a:fillRef>
-          <a:effectRef idx="0">
-            <a:schemeClr val="accent1"/>
-          </a:effectRef>
-          <a:fontRef idx="minor">
-            <a:schemeClr val="lt1"/>
-          </a:fontRef>
-        </p:style>
-        <p:txBody>
-          <a:bodyPr rtlCol="0" anchor="ctr"/>
-          <a:lstStyle/>
-          <a:p>
-            <a:pPr marL="0" marR="0" lvl="0" indent="0" algn="ctr" defTabSz="914400" rtl="0" eaLnBrk="1" fontAlgn="auto" latinLnBrk="0" hangingPunct="1">
+            <a:r>
+              <a:rPr lang="en-US" sz="1800" dirty="0"/>
+              <a:t>Learning new a coding language   with its libraries</a:t>
+            </a:r>
+          </a:p>
+          <a:p>
+            <a:pPr marL="514350">
               <a:lnSpc>
                 <a:spcPct val="100000"/>
               </a:lnSpc>
-              <a:spcBef>
-                <a:spcPts val="0"/>
-              </a:spcBef>
-              <a:spcAft>
-                <a:spcPts val="0"/>
-              </a:spcAft>
-              <a:buClrTx/>
-              <a:buSzTx/>
-              <a:buFontTx/>
-              <a:buNone/>
-              <a:tabLst/>
-              <a:defRPr/>
             </a:pPr>
-            <a:endParaRPr kumimoji="0" lang="en-US" sz="1800" b="0" i="0" u="none" strike="noStrike" kern="1200" cap="none" spc="0" normalizeH="0" baseline="0" noProof="0">
-              <a:ln>
-                <a:noFill/>
-              </a:ln>
-              <a:solidFill>
-                <a:prstClr val="white"/>
-              </a:solidFill>
-              <a:effectLst/>
-              <a:uLnTx/>
-              <a:uFillTx/>
-              <a:latin typeface="Calibri" panose="020F0502020204030204"/>
-              <a:ea typeface="+mn-ea"/>
-              <a:cs typeface="+mn-cs"/>
-            </a:endParaRPr>
-          </a:p>
-        </p:txBody>
-      </p:sp>
-      <p:sp>
-        <p:nvSpPr>
-          <p:cNvPr id="3" name="Title 2">
-            <a:extLst>
-              <a:ext uri="{FF2B5EF4-FFF2-40B4-BE49-F238E27FC236}">
-                <a16:creationId xmlns:a16="http://schemas.microsoft.com/office/drawing/2014/main" id="{FEF2E426-9E9D-8EBD-E9E2-06896248B45D}"/>
-              </a:ext>
-            </a:extLst>
-          </p:cNvPr>
-          <p:cNvSpPr>
-            <a:spLocks noGrp="1"/>
-          </p:cNvSpPr>
-          <p:nvPr>
-            <p:ph type="ctrTitle"/>
-          </p:nvPr>
-        </p:nvSpPr>
-        <p:spPr>
-          <a:xfrm>
-            <a:off x="1115568" y="548640"/>
-            <a:ext cx="10168128" cy="1179576"/>
-          </a:xfrm>
-        </p:spPr>
-        <p:txBody>
-          <a:bodyPr vert="horz" lIns="91440" tIns="45720" rIns="91440" bIns="45720" rtlCol="0" anchor="ctr">
-            <a:normAutofit/>
-          </a:bodyPr>
-          <a:lstStyle/>
-          <a:p>
-            <a:r>
-              <a:rPr lang="en-US" kern="1200">
-                <a:solidFill>
-                  <a:schemeClr val="tx1"/>
-                </a:solidFill>
-                <a:latin typeface="+mj-lt"/>
-                <a:ea typeface="+mj-ea"/>
-                <a:cs typeface="+mj-cs"/>
-              </a:rPr>
-              <a:t>Project Highlights </a:t>
-            </a:r>
-          </a:p>
-        </p:txBody>
-      </p:sp>
-      <p:sp>
-        <p:nvSpPr>
-          <p:cNvPr id="20" name="Rectangle 19">
-            <a:extLst>
-              <a:ext uri="{FF2B5EF4-FFF2-40B4-BE49-F238E27FC236}">
-                <a16:creationId xmlns:a16="http://schemas.microsoft.com/office/drawing/2014/main" id="{074B4F7D-14B2-478B-8BF5-01E4E0C5D263}"/>
-              </a:ext>
-              <a:ext uri="{C183D7F6-B498-43B3-948B-1728B52AA6E4}">
-                <adec:decorative xmlns:adec="http://schemas.microsoft.com/office/drawing/2017/decorative" val="1"/>
-              </a:ext>
-            </a:extLst>
-          </p:cNvPr>
-          <p:cNvSpPr>
-            <a:spLocks noGrp="1" noRot="1" noChangeAspect="1" noMove="1" noResize="1" noEditPoints="1" noAdjustHandles="1" noChangeArrowheads="1" noChangeShapeType="1" noTextEdit="1"/>
-          </p:cNvSpPr>
-          <p:nvPr>
-            <p:extLst>
-              <p:ext uri="{386F3935-93C4-4BCD-93E2-E3B085C9AB24}">
-                <p16:designElem xmlns:p16="http://schemas.microsoft.com/office/powerpoint/2015/main" val="1"/>
-              </p:ext>
-            </p:extLst>
-          </p:nvPr>
-        </p:nvSpPr>
-        <p:spPr>
-          <a:xfrm>
-            <a:off x="498834" y="758952"/>
-            <a:ext cx="128016" cy="704088"/>
-          </a:xfrm>
-          <a:prstGeom prst="rect">
-            <a:avLst/>
-          </a:prstGeom>
-          <a:solidFill>
-            <a:schemeClr val="accent2"/>
-          </a:solidFill>
-          <a:ln>
-            <a:noFill/>
-          </a:ln>
-        </p:spPr>
-        <p:style>
-          <a:lnRef idx="2">
-            <a:schemeClr val="accent1">
-              <a:shade val="50000"/>
-            </a:schemeClr>
-          </a:lnRef>
-          <a:fillRef idx="1">
-            <a:schemeClr val="accent1"/>
-          </a:fillRef>
-          <a:effectRef idx="0">
-            <a:schemeClr val="accent1"/>
-          </a:effectRef>
-          <a:fontRef idx="minor">
-            <a:schemeClr val="lt1"/>
-          </a:fontRef>
-        </p:style>
-        <p:txBody>
-          <a:bodyPr rtlCol="0" anchor="ctr"/>
-          <a:lstStyle/>
-          <a:p>
-            <a:pPr algn="ctr"/>
-            <a:endParaRPr lang="en-US">
-              <a:solidFill>
-                <a:prstClr val="white"/>
-              </a:solidFill>
-              <a:latin typeface="Calibri" panose="020F0502020204030204"/>
-            </a:endParaRPr>
-          </a:p>
-        </p:txBody>
-      </p:sp>
-      <p:sp>
-        <p:nvSpPr>
-          <p:cNvPr id="9" name="TextBox 8">
-            <a:extLst>
-              <a:ext uri="{FF2B5EF4-FFF2-40B4-BE49-F238E27FC236}">
-                <a16:creationId xmlns:a16="http://schemas.microsoft.com/office/drawing/2014/main" id="{0FBA2712-5037-41D8-BE28-B592D2B270CA}"/>
-              </a:ext>
-            </a:extLst>
-          </p:cNvPr>
-          <p:cNvSpPr txBox="1"/>
-          <p:nvPr/>
-        </p:nvSpPr>
-        <p:spPr>
-          <a:xfrm>
-            <a:off x="1115568" y="2481943"/>
-            <a:ext cx="10168128" cy="3695020"/>
-          </a:xfrm>
-          <a:prstGeom prst="rect">
-            <a:avLst/>
-          </a:prstGeom>
-        </p:spPr>
-        <p:txBody>
-          <a:bodyPr vert="horz" lIns="91440" tIns="45720" rIns="91440" bIns="45720" rtlCol="0">
-            <a:normAutofit/>
-          </a:bodyPr>
-          <a:lstStyle/>
-          <a:p>
-            <a:pPr indent="-228600">
-              <a:lnSpc>
-                <a:spcPct val="90000"/>
-              </a:lnSpc>
-              <a:spcAft>
-                <a:spcPts val="600"/>
-              </a:spcAft>
-              <a:buFont typeface="Arial" panose="020B0604020202020204" pitchFamily="34" charset="0"/>
-              <a:buChar char="•"/>
-            </a:pPr>
-            <a:r>
-              <a:rPr lang="en-US" sz="2200"/>
-              <a:t>Solutions:</a:t>
-            </a:r>
-          </a:p>
-          <a:p>
-            <a:pPr marL="514350" indent="-228600">
-              <a:lnSpc>
-                <a:spcPct val="90000"/>
-              </a:lnSpc>
-              <a:spcAft>
-                <a:spcPts val="600"/>
-              </a:spcAft>
-              <a:buFont typeface="Arial" panose="020B0604020202020204" pitchFamily="34" charset="0"/>
-              <a:buChar char="•"/>
-            </a:pPr>
-            <a:endParaRPr lang="en-US" sz="2200"/>
-          </a:p>
-          <a:p>
-            <a:pPr indent="-228600">
-              <a:lnSpc>
-                <a:spcPct val="90000"/>
-              </a:lnSpc>
-              <a:spcAft>
-                <a:spcPts val="600"/>
-              </a:spcAft>
-              <a:buFont typeface="Arial" panose="020B0604020202020204" pitchFamily="34" charset="0"/>
-              <a:buChar char="•"/>
-            </a:pPr>
-            <a:endParaRPr lang="en-US" sz="2200"/>
-          </a:p>
-        </p:txBody>
-      </p:sp>
-    </p:spTree>
-    <p:extLst>
-      <p:ext uri="{BB962C8B-B14F-4D97-AF65-F5344CB8AC3E}">
-        <p14:creationId xmlns:p14="http://schemas.microsoft.com/office/powerpoint/2010/main" val="3323359389"/>
-      </p:ext>
-    </p:extLst>
-  </p:cSld>
-  <p:clrMapOvr>
-    <a:masterClrMapping/>
-  </p:clrMapOvr>
-  <p:transition spd="slow">
-    <p:wipe/>
-  </p:transition>
-</p:sld>
-</file>
-
-<file path=ppt/slides/slide17.xml><?xml version="1.0" encoding="utf-8"?>
-<p:sld xmlns:a="http://schemas.openxmlformats.org/drawingml/2006/main" xmlns:r="http://schemas.openxmlformats.org/officeDocument/2006/relationships" xmlns:p="http://schemas.openxmlformats.org/presentationml/2006/main">
-  <p:cSld>
-    <p:bg>
-      <p:bgPr>
-        <a:solidFill>
-          <a:schemeClr val="bg1"/>
-        </a:solidFill>
-        <a:effectLst/>
-      </p:bgPr>
-    </p:bg>
-    <p:spTree>
-      <p:nvGrpSpPr>
-        <p:cNvPr id="1" name="">
-          <a:extLst>
-            <a:ext uri="{FF2B5EF4-FFF2-40B4-BE49-F238E27FC236}">
-              <a16:creationId xmlns:a16="http://schemas.microsoft.com/office/drawing/2014/main" id="{AB076334-A112-B951-CF84-5FB144ED28EC}"/>
-            </a:ext>
-          </a:extLst>
-        </p:cNvPr>
-        <p:cNvGrpSpPr/>
-        <p:nvPr/>
-      </p:nvGrpSpPr>
-      <p:grpSpPr>
-        <a:xfrm>
-          <a:off x="0" y="0"/>
-          <a:ext cx="0" cy="0"/>
-          <a:chOff x="0" y="0"/>
-          <a:chExt cx="0" cy="0"/>
-        </a:xfrm>
-      </p:grpSpPr>
-      <p:sp useBgFill="1">
-        <p:nvSpPr>
-          <p:cNvPr id="29" name="Rectangle 28">
-            <a:extLst>
-              <a:ext uri="{FF2B5EF4-FFF2-40B4-BE49-F238E27FC236}">
-                <a16:creationId xmlns:a16="http://schemas.microsoft.com/office/drawing/2014/main" id="{DAF1966E-FD40-4A4A-B61B-C4DF7FA05F06}"/>
-              </a:ext>
-              <a:ext uri="{C183D7F6-B498-43B3-948B-1728B52AA6E4}">
-                <adec:decorative xmlns:adec="http://schemas.microsoft.com/office/drawing/2017/decorative" val="1"/>
-              </a:ext>
-            </a:extLst>
-          </p:cNvPr>
-          <p:cNvSpPr>
-            <a:spLocks noGrp="1" noRot="1" noChangeAspect="1" noMove="1" noResize="1" noEditPoints="1" noAdjustHandles="1" noChangeArrowheads="1" noChangeShapeType="1" noTextEdit="1"/>
-          </p:cNvSpPr>
-          <p:nvPr>
-            <p:extLst>
-              <p:ext uri="{386F3935-93C4-4BCD-93E2-E3B085C9AB24}">
-                <p16:designElem xmlns:p16="http://schemas.microsoft.com/office/powerpoint/2015/main" val="1"/>
-              </p:ext>
-            </p:extLst>
-          </p:nvPr>
-        </p:nvSpPr>
-        <p:spPr>
-          <a:xfrm>
-            <a:off x="0" y="0"/>
-            <a:ext cx="12192000" cy="6858000"/>
-          </a:xfrm>
-          <a:prstGeom prst="rect">
-            <a:avLst/>
-          </a:prstGeom>
-          <a:ln>
-            <a:noFill/>
-          </a:ln>
-        </p:spPr>
-        <p:style>
-          <a:lnRef idx="2">
-            <a:schemeClr val="accent1">
-              <a:shade val="50000"/>
-            </a:schemeClr>
-          </a:lnRef>
-          <a:fillRef idx="1">
-            <a:schemeClr val="accent1"/>
-          </a:fillRef>
-          <a:effectRef idx="0">
-            <a:schemeClr val="accent1"/>
-          </a:effectRef>
-          <a:fontRef idx="minor">
-            <a:schemeClr val="lt1"/>
-          </a:fontRef>
-        </p:style>
-        <p:txBody>
-          <a:bodyPr rtlCol="0" anchor="ctr"/>
-          <a:lstStyle/>
-          <a:p>
-            <a:pPr algn="ctr"/>
-            <a:endParaRPr lang="en-US"/>
-          </a:p>
-        </p:txBody>
-      </p:sp>
-      <p:sp useBgFill="1">
-        <p:nvSpPr>
-          <p:cNvPr id="31" name="Rectangle 30">
-            <a:extLst>
-              <a:ext uri="{FF2B5EF4-FFF2-40B4-BE49-F238E27FC236}">
-                <a16:creationId xmlns:a16="http://schemas.microsoft.com/office/drawing/2014/main" id="{047BFA19-D45E-416B-A404-7AF2F3F27017}"/>
-              </a:ext>
-              <a:ext uri="{C183D7F6-B498-43B3-948B-1728B52AA6E4}">
-                <adec:decorative xmlns:adec="http://schemas.microsoft.com/office/drawing/2017/decorative" val="1"/>
-              </a:ext>
-            </a:extLst>
-          </p:cNvPr>
-          <p:cNvSpPr>
-            <a:spLocks noGrp="1" noRot="1" noChangeAspect="1" noMove="1" noResize="1" noEditPoints="1" noAdjustHandles="1" noChangeArrowheads="1" noChangeShapeType="1" noTextEdit="1"/>
-          </p:cNvSpPr>
-          <p:nvPr>
-            <p:extLst>
-              <p:ext uri="{386F3935-93C4-4BCD-93E2-E3B085C9AB24}">
-                <p16:designElem xmlns:p16="http://schemas.microsoft.com/office/powerpoint/2015/main" val="1"/>
-              </p:ext>
-            </p:extLst>
-          </p:nvPr>
-        </p:nvSpPr>
-        <p:spPr>
-          <a:xfrm>
-            <a:off x="558209" y="0"/>
-            <a:ext cx="11167447" cy="2018806"/>
-          </a:xfrm>
-          <a:prstGeom prst="rect">
-            <a:avLst/>
-          </a:prstGeom>
-          <a:ln w="9525">
-            <a:solidFill>
-              <a:srgbClr val="E1E1E1"/>
-            </a:solidFill>
-          </a:ln>
-          <a:effectLst>
-            <a:outerShdw blurRad="50800" dist="38100" dir="2700000" algn="tl" rotWithShape="0">
-              <a:schemeClr val="bg1">
-                <a:lumMod val="85000"/>
-                <a:alpha val="50000"/>
-              </a:schemeClr>
-            </a:outerShdw>
-          </a:effectLst>
-        </p:spPr>
-        <p:style>
-          <a:lnRef idx="2">
-            <a:schemeClr val="accent1">
-              <a:shade val="50000"/>
-            </a:schemeClr>
-          </a:lnRef>
-          <a:fillRef idx="1">
-            <a:schemeClr val="accent1"/>
-          </a:fillRef>
-          <a:effectRef idx="0">
-            <a:schemeClr val="accent1"/>
-          </a:effectRef>
-          <a:fontRef idx="minor">
-            <a:schemeClr val="lt1"/>
-          </a:fontRef>
-        </p:style>
-        <p:txBody>
-          <a:bodyPr rtlCol="0" anchor="ctr"/>
-          <a:lstStyle/>
-          <a:p>
-            <a:pPr marL="0" marR="0" lvl="0" indent="0" algn="ctr" defTabSz="914400" rtl="0" eaLnBrk="1" fontAlgn="auto" latinLnBrk="0" hangingPunct="1">
-              <a:lnSpc>
-                <a:spcPct val="100000"/>
-              </a:lnSpc>
-              <a:spcBef>
-                <a:spcPts val="0"/>
-              </a:spcBef>
-              <a:spcAft>
-                <a:spcPts val="0"/>
-              </a:spcAft>
-              <a:buClrTx/>
-              <a:buSzTx/>
-              <a:buFontTx/>
-              <a:buNone/>
-              <a:tabLst/>
-              <a:defRPr/>
-            </a:pPr>
-            <a:endParaRPr kumimoji="0" lang="en-US" sz="1800" b="0" i="0" u="none" strike="noStrike" kern="1200" cap="none" spc="0" normalizeH="0" baseline="0" noProof="0">
-              <a:ln>
-                <a:noFill/>
-              </a:ln>
-              <a:solidFill>
-                <a:prstClr val="white"/>
-              </a:solidFill>
-              <a:effectLst/>
-              <a:uLnTx/>
-              <a:uFillTx/>
-              <a:latin typeface="Calibri" panose="020F0502020204030204"/>
-              <a:ea typeface="+mn-ea"/>
-              <a:cs typeface="+mn-cs"/>
-            </a:endParaRPr>
-          </a:p>
-        </p:txBody>
-      </p:sp>
-      <p:sp useBgFill="1">
-        <p:nvSpPr>
-          <p:cNvPr id="33" name="Rectangle 32">
-            <a:extLst>
-              <a:ext uri="{FF2B5EF4-FFF2-40B4-BE49-F238E27FC236}">
-                <a16:creationId xmlns:a16="http://schemas.microsoft.com/office/drawing/2014/main" id="{8E0105E7-23DB-4CF2-8258-FF47C7620F6E}"/>
-              </a:ext>
-              <a:ext uri="{C183D7F6-B498-43B3-948B-1728B52AA6E4}">
-                <adec:decorative xmlns:adec="http://schemas.microsoft.com/office/drawing/2017/decorative" val="1"/>
-              </a:ext>
-            </a:extLst>
-          </p:cNvPr>
-          <p:cNvSpPr>
-            <a:spLocks noGrp="1" noRot="1" noChangeAspect="1" noMove="1" noResize="1" noEditPoints="1" noAdjustHandles="1" noChangeArrowheads="1" noChangeShapeType="1" noTextEdit="1"/>
-          </p:cNvSpPr>
-          <p:nvPr>
-            <p:extLst>
-              <p:ext uri="{386F3935-93C4-4BCD-93E2-E3B085C9AB24}">
-                <p16:designElem xmlns:p16="http://schemas.microsoft.com/office/powerpoint/2015/main" val="1"/>
-              </p:ext>
-            </p:extLst>
-          </p:nvPr>
-        </p:nvSpPr>
-        <p:spPr>
-          <a:xfrm>
-            <a:off x="566928" y="0"/>
-            <a:ext cx="11155680" cy="2011680"/>
-          </a:xfrm>
-          <a:prstGeom prst="rect">
-            <a:avLst/>
-          </a:prstGeom>
-          <a:ln w="9525">
-            <a:noFill/>
-          </a:ln>
-          <a:effectLst/>
-        </p:spPr>
-        <p:style>
-          <a:lnRef idx="2">
-            <a:schemeClr val="accent1">
-              <a:shade val="50000"/>
-            </a:schemeClr>
-          </a:lnRef>
-          <a:fillRef idx="1">
-            <a:schemeClr val="accent1"/>
-          </a:fillRef>
-          <a:effectRef idx="0">
-            <a:schemeClr val="accent1"/>
-          </a:effectRef>
-          <a:fontRef idx="minor">
-            <a:schemeClr val="lt1"/>
-          </a:fontRef>
-        </p:style>
-        <p:txBody>
-          <a:bodyPr rtlCol="0" anchor="ctr"/>
-          <a:lstStyle/>
-          <a:p>
-            <a:pPr marL="0" marR="0" lvl="0" indent="0" algn="ctr" defTabSz="914400" rtl="0" eaLnBrk="1" fontAlgn="auto" latinLnBrk="0" hangingPunct="1">
-              <a:lnSpc>
-                <a:spcPct val="100000"/>
-              </a:lnSpc>
-              <a:spcBef>
-                <a:spcPts val="0"/>
-              </a:spcBef>
-              <a:spcAft>
-                <a:spcPts val="0"/>
-              </a:spcAft>
-              <a:buClrTx/>
-              <a:buSzTx/>
-              <a:buFontTx/>
-              <a:buNone/>
-              <a:tabLst/>
-              <a:defRPr/>
-            </a:pPr>
-            <a:endParaRPr kumimoji="0" lang="en-US" sz="1800" b="0" i="0" u="none" strike="noStrike" kern="1200" cap="none" spc="0" normalizeH="0" baseline="0" noProof="0">
-              <a:ln>
-                <a:noFill/>
-              </a:ln>
-              <a:solidFill>
-                <a:prstClr val="white"/>
-              </a:solidFill>
-              <a:effectLst/>
-              <a:uLnTx/>
-              <a:uFillTx/>
-              <a:latin typeface="Calibri" panose="020F0502020204030204"/>
-              <a:ea typeface="+mn-ea"/>
-              <a:cs typeface="+mn-cs"/>
-            </a:endParaRPr>
-          </a:p>
-        </p:txBody>
-      </p:sp>
-      <p:sp>
-        <p:nvSpPr>
-          <p:cNvPr id="3" name="Title 2">
-            <a:extLst>
-              <a:ext uri="{FF2B5EF4-FFF2-40B4-BE49-F238E27FC236}">
-                <a16:creationId xmlns:a16="http://schemas.microsoft.com/office/drawing/2014/main" id="{EFB276F7-9A50-AF2F-28B9-AC5C896EB7D0}"/>
-              </a:ext>
-            </a:extLst>
-          </p:cNvPr>
-          <p:cNvSpPr>
-            <a:spLocks noGrp="1"/>
-          </p:cNvSpPr>
-          <p:nvPr>
-            <p:ph type="ctrTitle"/>
-          </p:nvPr>
-        </p:nvSpPr>
-        <p:spPr>
-          <a:xfrm>
-            <a:off x="1115568" y="548640"/>
-            <a:ext cx="10168128" cy="1179576"/>
-          </a:xfrm>
-        </p:spPr>
-        <p:txBody>
-          <a:bodyPr vert="horz" lIns="91440" tIns="45720" rIns="91440" bIns="45720" rtlCol="0" anchor="ctr">
-            <a:normAutofit/>
-          </a:bodyPr>
-          <a:lstStyle/>
-          <a:p>
-            <a:r>
-              <a:rPr lang="en-US" kern="1200">
-                <a:solidFill>
-                  <a:schemeClr val="tx1"/>
-                </a:solidFill>
-                <a:latin typeface="+mj-lt"/>
-                <a:ea typeface="+mj-ea"/>
-                <a:cs typeface="+mj-cs"/>
-              </a:rPr>
-              <a:t>Project Highlights </a:t>
-            </a:r>
-          </a:p>
-        </p:txBody>
-      </p:sp>
-      <p:sp>
-        <p:nvSpPr>
-          <p:cNvPr id="35" name="Rectangle 34">
-            <a:extLst>
-              <a:ext uri="{FF2B5EF4-FFF2-40B4-BE49-F238E27FC236}">
-                <a16:creationId xmlns:a16="http://schemas.microsoft.com/office/drawing/2014/main" id="{074B4F7D-14B2-478B-8BF5-01E4E0C5D263}"/>
-              </a:ext>
-              <a:ext uri="{C183D7F6-B498-43B3-948B-1728B52AA6E4}">
-                <adec:decorative xmlns:adec="http://schemas.microsoft.com/office/drawing/2017/decorative" val="1"/>
-              </a:ext>
-            </a:extLst>
-          </p:cNvPr>
-          <p:cNvSpPr>
-            <a:spLocks noGrp="1" noRot="1" noChangeAspect="1" noMove="1" noResize="1" noEditPoints="1" noAdjustHandles="1" noChangeArrowheads="1" noChangeShapeType="1" noTextEdit="1"/>
-          </p:cNvSpPr>
-          <p:nvPr>
-            <p:extLst>
-              <p:ext uri="{386F3935-93C4-4BCD-93E2-E3B085C9AB24}">
-                <p16:designElem xmlns:p16="http://schemas.microsoft.com/office/powerpoint/2015/main" val="1"/>
-              </p:ext>
-            </p:extLst>
-          </p:nvPr>
-        </p:nvSpPr>
-        <p:spPr>
-          <a:xfrm>
-            <a:off x="498834" y="758952"/>
-            <a:ext cx="128016" cy="704088"/>
-          </a:xfrm>
-          <a:prstGeom prst="rect">
-            <a:avLst/>
-          </a:prstGeom>
-          <a:solidFill>
-            <a:schemeClr val="accent2"/>
-          </a:solidFill>
-          <a:ln>
-            <a:noFill/>
-          </a:ln>
-        </p:spPr>
-        <p:style>
-          <a:lnRef idx="2">
-            <a:schemeClr val="accent1">
-              <a:shade val="50000"/>
-            </a:schemeClr>
-          </a:lnRef>
-          <a:fillRef idx="1">
-            <a:schemeClr val="accent1"/>
-          </a:fillRef>
-          <a:effectRef idx="0">
-            <a:schemeClr val="accent1"/>
-          </a:effectRef>
-          <a:fontRef idx="minor">
-            <a:schemeClr val="lt1"/>
-          </a:fontRef>
-        </p:style>
-        <p:txBody>
-          <a:bodyPr rtlCol="0" anchor="ctr"/>
-          <a:lstStyle/>
-          <a:p>
-            <a:pPr algn="ctr"/>
-            <a:endParaRPr lang="en-US">
-              <a:solidFill>
-                <a:prstClr val="white"/>
-              </a:solidFill>
-              <a:latin typeface="Calibri" panose="020F0502020204030204"/>
-            </a:endParaRPr>
-          </a:p>
-        </p:txBody>
-      </p:sp>
-      <p:sp>
-        <p:nvSpPr>
-          <p:cNvPr id="4" name="Content Placeholder 3">
-            <a:extLst>
-              <a:ext uri="{FF2B5EF4-FFF2-40B4-BE49-F238E27FC236}">
-                <a16:creationId xmlns:a16="http://schemas.microsoft.com/office/drawing/2014/main" id="{6DCA2709-F7B5-4FDE-2F87-52F9EE21BCFE}"/>
-              </a:ext>
-            </a:extLst>
-          </p:cNvPr>
-          <p:cNvSpPr>
-            <a:spLocks noGrp="1"/>
-          </p:cNvSpPr>
-          <p:nvPr>
-            <p:ph sz="quarter" idx="14"/>
-          </p:nvPr>
-        </p:nvSpPr>
-        <p:spPr>
-          <a:xfrm>
-            <a:off x="1115568" y="2481943"/>
-            <a:ext cx="10168128" cy="3695020"/>
-          </a:xfrm>
-        </p:spPr>
-        <p:txBody>
-          <a:bodyPr vert="horz" lIns="91440" tIns="45720" rIns="91440" bIns="45720" rtlCol="0">
-            <a:normAutofit/>
-          </a:bodyPr>
-          <a:lstStyle/>
-          <a:p>
-            <a:pPr marL="0"/>
-            <a:r>
-              <a:rPr lang="en-US" sz="2200"/>
-              <a:t>Learning Outcomes :</a:t>
-            </a:r>
-          </a:p>
-          <a:p>
-            <a:pPr marL="0"/>
-            <a:endParaRPr lang="en-US" sz="2200"/>
-          </a:p>
-          <a:p>
-            <a:pPr marL="514350"/>
-            <a:r>
-              <a:rPr lang="en-US" sz="2200"/>
-              <a:t>SQL, Python, Power BI, Github.</a:t>
-            </a:r>
-          </a:p>
-          <a:p>
-            <a:pPr marL="514350"/>
-            <a:r>
-              <a:rPr lang="en-US" sz="2200"/>
-              <a:t>End-to-end process of transforming raw data into insights.</a:t>
-            </a:r>
-          </a:p>
-          <a:p>
-            <a:pPr marL="514350"/>
-            <a:r>
-              <a:rPr lang="en-US" sz="2200"/>
-              <a:t> </a:t>
-            </a:r>
-          </a:p>
-          <a:p>
-            <a:pPr marL="0"/>
-            <a:endParaRPr lang="en-US" sz="2200"/>
+            <a:r>
+              <a:rPr lang="en-US" sz="1800" dirty="0"/>
+              <a:t>Understanding the correct order of the steps for a complete Machine learning project</a:t>
+            </a:r>
           </a:p>
         </p:txBody>
       </p:sp>
@@ -22318,7 +22041,7 @@
 </p:sld>
 </file>
 
-<file path=ppt/slides/slide18.xml><?xml version="1.0" encoding="utf-8"?>
+<file path=ppt/slides/slide16.xml><?xml version="1.0" encoding="utf-8"?>
 <p:sld xmlns:a="http://schemas.openxmlformats.org/drawingml/2006/main" xmlns:r="http://schemas.openxmlformats.org/officeDocument/2006/relationships" xmlns:p="http://schemas.openxmlformats.org/presentationml/2006/main">
   <p:cSld>
     <p:bg>
@@ -22598,7 +22321,7 @@
           <a:p>
             <a:pPr algn="l"/>
             <a:r>
-              <a:rPr lang="en-US">
+              <a:rPr lang="en-US" dirty="0">
                 <a:ln w="22225">
                   <a:solidFill>
                     <a:srgbClr val="FFFFFF"/>
@@ -23685,12 +23408,8 @@
           </a:p>
           <a:p>
             <a:r>
-              <a:rPr lang="en-US" sz="2000"/>
-              <a:t>To Ensure </a:t>
-            </a:r>
-            <a:r>
               <a:rPr lang="en-US" sz="2000" dirty="0"/>
-              <a:t>efficient data transfer and query performance through optimized SQL operations.</a:t>
+              <a:t>To Ensure efficient data transfer and query performance through optimized SQL operations.</a:t>
             </a:r>
           </a:p>
           <a:p>
@@ -28124,7 +27843,7 @@
           <a:p>
             <a:r>
               <a:rPr lang="en-US" sz="2000" dirty="0"/>
-              <a:t>Ensured efficient data transfer and query performance through optimized SQL operations.</a:t>
+              <a:t>To Train Models, Evaluate Metrics &amp; Predictions and Generate insightful plots</a:t>
             </a:r>
           </a:p>
           <a:p>

--- a/Chinook_Presentation/Project_Future_Chinook_Presentation.pptx
+++ b/Chinook_Presentation/Project_Future_Chinook_Presentation.pptx
@@ -15,9 +15,9 @@
     <p:sldId id="273" r:id="rId6"/>
     <p:sldId id="280" r:id="rId7"/>
     <p:sldId id="264" r:id="rId8"/>
-    <p:sldId id="283" r:id="rId9"/>
-    <p:sldId id="285" r:id="rId10"/>
-    <p:sldId id="286" r:id="rId11"/>
+    <p:sldId id="295" r:id="rId9"/>
+    <p:sldId id="297" r:id="rId10"/>
+    <p:sldId id="296" r:id="rId11"/>
     <p:sldId id="277" r:id="rId12"/>
     <p:sldId id="287" r:id="rId13"/>
     <p:sldId id="281" r:id="rId14"/>
@@ -1093,12 +1093,8 @@
             <a:defRPr cap="all"/>
           </a:pPr>
           <a:r>
-            <a:rPr lang="en-US" dirty="0" err="1"/>
-            <a:t>OLTP</a:t>
-          </a:r>
-          <a:r>
-            <a:rPr lang="en-US" dirty="0"/>
-            <a:t> DATABASE MIGRATION</a:t>
+            <a:rPr lang="en-US" noProof="0" dirty="0"/>
+            <a:t>OLTP DATABASE MIGRATION.</a:t>
           </a:r>
         </a:p>
       </dgm:t>
@@ -1139,7 +1135,7 @@
             <a:defRPr cap="all"/>
           </a:pPr>
           <a:r>
-            <a:rPr lang="en-US" dirty="0"/>
+            <a:rPr lang="en-US" noProof="0" dirty="0"/>
             <a:t>Data warehouse design.</a:t>
           </a:r>
         </a:p>
@@ -1181,7 +1177,7 @@
             <a:defRPr cap="all"/>
           </a:pPr>
           <a:r>
-            <a:rPr lang="en-US"/>
+            <a:rPr lang="en-US" noProof="0" dirty="0"/>
             <a:t>ETL Process Implementation.</a:t>
           </a:r>
         </a:p>
@@ -1223,7 +1219,7 @@
             <a:defRPr cap="all"/>
           </a:pPr>
           <a:r>
-            <a:rPr lang="en-US" dirty="0"/>
+            <a:rPr lang="en-US" noProof="0" dirty="0"/>
             <a:t>Power BI Insights. </a:t>
           </a:r>
         </a:p>
@@ -1507,7 +1503,7 @@
   <dgm:whole/>
   <dgm:extLst>
     <a:ext uri="http://schemas.microsoft.com/office/drawing/2008/diagram">
-      <dsp:dataModelExt xmlns:dsp="http://schemas.microsoft.com/office/drawing/2008/diagram" relId="rId6" minVer="http://schemas.openxmlformats.org/drawingml/2006/diagram"/>
+      <dsp:dataModelExt xmlns:dsp="http://schemas.microsoft.com/office/drawing/2008/diagram" relId="rId7" minVer="http://schemas.openxmlformats.org/drawingml/2006/diagram"/>
     </a:ext>
   </dgm:extLst>
 </dgm:dataModel>
@@ -1661,12 +1657,8 @@
             <a:defRPr cap="all"/>
           </a:pPr>
           <a:r>
-            <a:rPr lang="en-US" sz="1900" kern="1200" dirty="0" err="1"/>
-            <a:t>OLTP</a:t>
-          </a:r>
-          <a:r>
-            <a:rPr lang="en-US" sz="1900" kern="1200" dirty="0"/>
-            <a:t> DATABASE MIGRATION</a:t>
+            <a:rPr lang="en-US" sz="1900" kern="1200" noProof="0" dirty="0"/>
+            <a:t>OLTP DATABASE MIGRATION.</a:t>
           </a:r>
         </a:p>
       </dsp:txBody>
@@ -1815,7 +1807,7 @@
             <a:defRPr cap="all"/>
           </a:pPr>
           <a:r>
-            <a:rPr lang="en-US" sz="1900" kern="1200" dirty="0"/>
+            <a:rPr lang="en-US" sz="1900" kern="1200" noProof="0" dirty="0"/>
             <a:t>Data warehouse design.</a:t>
           </a:r>
         </a:p>
@@ -1965,7 +1957,7 @@
             <a:defRPr cap="all"/>
           </a:pPr>
           <a:r>
-            <a:rPr lang="en-US" sz="1900" kern="1200"/>
+            <a:rPr lang="en-US" sz="1900" kern="1200" noProof="0" dirty="0"/>
             <a:t>ETL Process Implementation.</a:t>
           </a:r>
         </a:p>
@@ -2115,7 +2107,7 @@
             <a:defRPr cap="all"/>
           </a:pPr>
           <a:r>
-            <a:rPr lang="en-US" sz="1900" kern="1200" dirty="0"/>
+            <a:rPr lang="en-US" sz="1900" kern="1200" noProof="0" dirty="0"/>
             <a:t>Power BI Insights. </a:t>
           </a:r>
         </a:p>
@@ -3460,7 +3452,7 @@
           <a:p>
             <a:fld id="{C979F42B-8ED5-4DFD-BB43-C98FFCE84338}" type="datetimeFigureOut">
               <a:rPr lang="en-US" smtClean="0"/>
-              <a:t>1/26/2025</a:t>
+              <a:t>1/27/2025</a:t>
             </a:fld>
             <a:endParaRPr lang="en-US"/>
           </a:p>
@@ -3771,7 +3763,1059 @@
           <a:bodyPr/>
           <a:lstStyle/>
           <a:p>
+            <a:r>
+              <a:rPr lang="en-US" dirty="0"/>
+              <a:t>Alexia</a:t>
+            </a:r>
+          </a:p>
+        </p:txBody>
+      </p:sp>
+      <p:sp>
+        <p:nvSpPr>
+          <p:cNvPr id="4" name="Slide Number Placeholder 3"/>
+          <p:cNvSpPr>
+            <a:spLocks noGrp="1"/>
+          </p:cNvSpPr>
+          <p:nvPr>
+            <p:ph type="sldNum" sz="quarter" idx="5"/>
+          </p:nvPr>
+        </p:nvSpPr>
+        <p:spPr/>
+        <p:txBody>
+          <a:bodyPr/>
+          <a:lstStyle/>
+          <a:p>
+            <a:fld id="{23E63491-AE0B-41C0-8B99-58EBAEC6807D}" type="slidenum">
+              <a:rPr lang="en-US" smtClean="0"/>
+              <a:t>1</a:t>
+            </a:fld>
+            <a:endParaRPr lang="en-US"/>
+          </a:p>
+        </p:txBody>
+      </p:sp>
+    </p:spTree>
+    <p:extLst>
+      <p:ext uri="{BB962C8B-B14F-4D97-AF65-F5344CB8AC3E}">
+        <p14:creationId xmlns:p14="http://schemas.microsoft.com/office/powerpoint/2010/main" val="2452257346"/>
+      </p:ext>
+    </p:extLst>
+  </p:cSld>
+  <p:clrMapOvr>
+    <a:masterClrMapping/>
+  </p:clrMapOvr>
+</p:notes>
+</file>
+
+<file path=ppt/notesSlides/notesSlide10.xml><?xml version="1.0" encoding="utf-8"?>
+<p:notes xmlns:a="http://schemas.openxmlformats.org/drawingml/2006/main" xmlns:r="http://schemas.openxmlformats.org/officeDocument/2006/relationships" xmlns:p="http://schemas.openxmlformats.org/presentationml/2006/main">
+  <p:cSld>
+    <p:spTree>
+      <p:nvGrpSpPr>
+        <p:cNvPr id="1" name=""/>
+        <p:cNvGrpSpPr/>
+        <p:nvPr/>
+      </p:nvGrpSpPr>
+      <p:grpSpPr>
+        <a:xfrm>
+          <a:off x="0" y="0"/>
+          <a:ext cx="0" cy="0"/>
+          <a:chOff x="0" y="0"/>
+          <a:chExt cx="0" cy="0"/>
+        </a:xfrm>
+      </p:grpSpPr>
+      <p:sp>
+        <p:nvSpPr>
+          <p:cNvPr id="2" name="Slide Image Placeholder 1"/>
+          <p:cNvSpPr>
+            <a:spLocks noGrp="1" noRot="1" noChangeAspect="1"/>
+          </p:cNvSpPr>
+          <p:nvPr>
+            <p:ph type="sldImg"/>
+          </p:nvPr>
+        </p:nvSpPr>
+        <p:spPr/>
+      </p:sp>
+      <p:sp>
+        <p:nvSpPr>
+          <p:cNvPr id="3" name="Notes Placeholder 2"/>
+          <p:cNvSpPr>
+            <a:spLocks noGrp="1"/>
+          </p:cNvSpPr>
+          <p:nvPr>
+            <p:ph type="body" idx="1"/>
+          </p:nvPr>
+        </p:nvSpPr>
+        <p:spPr/>
+        <p:txBody>
+          <a:bodyPr/>
+          <a:lstStyle/>
+          <a:p>
+            <a:r>
+              <a:rPr lang="en-US" dirty="0"/>
+              <a:t>Giorgos</a:t>
+            </a:r>
+          </a:p>
+        </p:txBody>
+      </p:sp>
+      <p:sp>
+        <p:nvSpPr>
+          <p:cNvPr id="4" name="Slide Number Placeholder 3"/>
+          <p:cNvSpPr>
+            <a:spLocks noGrp="1"/>
+          </p:cNvSpPr>
+          <p:nvPr>
+            <p:ph type="sldNum" sz="quarter" idx="5"/>
+          </p:nvPr>
+        </p:nvSpPr>
+        <p:spPr/>
+        <p:txBody>
+          <a:bodyPr/>
+          <a:lstStyle/>
+          <a:p>
+            <a:fld id="{23E63491-AE0B-41C0-8B99-58EBAEC6807D}" type="slidenum">
+              <a:rPr lang="en-US" smtClean="0"/>
+              <a:t>10</a:t>
+            </a:fld>
+            <a:endParaRPr lang="en-US"/>
+          </a:p>
+        </p:txBody>
+      </p:sp>
+    </p:spTree>
+    <p:extLst>
+      <p:ext uri="{BB962C8B-B14F-4D97-AF65-F5344CB8AC3E}">
+        <p14:creationId xmlns:p14="http://schemas.microsoft.com/office/powerpoint/2010/main" val="3823665985"/>
+      </p:ext>
+    </p:extLst>
+  </p:cSld>
+  <p:clrMapOvr>
+    <a:masterClrMapping/>
+  </p:clrMapOvr>
+</p:notes>
+</file>
+
+<file path=ppt/notesSlides/notesSlide11.xml><?xml version="1.0" encoding="utf-8"?>
+<p:notes xmlns:a="http://schemas.openxmlformats.org/drawingml/2006/main" xmlns:r="http://schemas.openxmlformats.org/officeDocument/2006/relationships" xmlns:p="http://schemas.openxmlformats.org/presentationml/2006/main">
+  <p:cSld>
+    <p:spTree>
+      <p:nvGrpSpPr>
+        <p:cNvPr id="1" name=""/>
+        <p:cNvGrpSpPr/>
+        <p:nvPr/>
+      </p:nvGrpSpPr>
+      <p:grpSpPr>
+        <a:xfrm>
+          <a:off x="0" y="0"/>
+          <a:ext cx="0" cy="0"/>
+          <a:chOff x="0" y="0"/>
+          <a:chExt cx="0" cy="0"/>
+        </a:xfrm>
+      </p:grpSpPr>
+      <p:sp>
+        <p:nvSpPr>
+          <p:cNvPr id="2" name="Slide Image Placeholder 1"/>
+          <p:cNvSpPr>
+            <a:spLocks noGrp="1" noRot="1" noChangeAspect="1"/>
+          </p:cNvSpPr>
+          <p:nvPr>
+            <p:ph type="sldImg"/>
+          </p:nvPr>
+        </p:nvSpPr>
+        <p:spPr/>
+      </p:sp>
+      <p:sp>
+        <p:nvSpPr>
+          <p:cNvPr id="3" name="Notes Placeholder 2"/>
+          <p:cNvSpPr>
+            <a:spLocks noGrp="1"/>
+          </p:cNvSpPr>
+          <p:nvPr>
+            <p:ph type="body" idx="1"/>
+          </p:nvPr>
+        </p:nvSpPr>
+        <p:spPr/>
+        <p:txBody>
+          <a:bodyPr/>
+          <a:lstStyle/>
+          <a:p>
+            <a:r>
+              <a:rPr lang="en-US" dirty="0"/>
+              <a:t>Giorgos</a:t>
+            </a:r>
+          </a:p>
+        </p:txBody>
+      </p:sp>
+      <p:sp>
+        <p:nvSpPr>
+          <p:cNvPr id="4" name="Slide Number Placeholder 3"/>
+          <p:cNvSpPr>
+            <a:spLocks noGrp="1"/>
+          </p:cNvSpPr>
+          <p:nvPr>
+            <p:ph type="sldNum" sz="quarter" idx="5"/>
+          </p:nvPr>
+        </p:nvSpPr>
+        <p:spPr/>
+        <p:txBody>
+          <a:bodyPr/>
+          <a:lstStyle/>
+          <a:p>
+            <a:fld id="{23E63491-AE0B-41C0-8B99-58EBAEC6807D}" type="slidenum">
+              <a:rPr lang="en-US" smtClean="0"/>
+              <a:t>11</a:t>
+            </a:fld>
+            <a:endParaRPr lang="en-US"/>
+          </a:p>
+        </p:txBody>
+      </p:sp>
+    </p:spTree>
+    <p:extLst>
+      <p:ext uri="{BB962C8B-B14F-4D97-AF65-F5344CB8AC3E}">
+        <p14:creationId xmlns:p14="http://schemas.microsoft.com/office/powerpoint/2010/main" val="3292338758"/>
+      </p:ext>
+    </p:extLst>
+  </p:cSld>
+  <p:clrMapOvr>
+    <a:masterClrMapping/>
+  </p:clrMapOvr>
+</p:notes>
+</file>
+
+<file path=ppt/notesSlides/notesSlide12.xml><?xml version="1.0" encoding="utf-8"?>
+<p:notes xmlns:a="http://schemas.openxmlformats.org/drawingml/2006/main" xmlns:r="http://schemas.openxmlformats.org/officeDocument/2006/relationships" xmlns:p="http://schemas.openxmlformats.org/presentationml/2006/main">
+  <p:cSld>
+    <p:spTree>
+      <p:nvGrpSpPr>
+        <p:cNvPr id="1" name=""/>
+        <p:cNvGrpSpPr/>
+        <p:nvPr/>
+      </p:nvGrpSpPr>
+      <p:grpSpPr>
+        <a:xfrm>
+          <a:off x="0" y="0"/>
+          <a:ext cx="0" cy="0"/>
+          <a:chOff x="0" y="0"/>
+          <a:chExt cx="0" cy="0"/>
+        </a:xfrm>
+      </p:grpSpPr>
+      <p:sp>
+        <p:nvSpPr>
+          <p:cNvPr id="2" name="Slide Image Placeholder 1"/>
+          <p:cNvSpPr>
+            <a:spLocks noGrp="1" noRot="1" noChangeAspect="1"/>
+          </p:cNvSpPr>
+          <p:nvPr>
+            <p:ph type="sldImg"/>
+          </p:nvPr>
+        </p:nvSpPr>
+        <p:spPr/>
+      </p:sp>
+      <p:sp>
+        <p:nvSpPr>
+          <p:cNvPr id="3" name="Notes Placeholder 2"/>
+          <p:cNvSpPr>
+            <a:spLocks noGrp="1"/>
+          </p:cNvSpPr>
+          <p:nvPr>
+            <p:ph type="body" idx="1"/>
+          </p:nvPr>
+        </p:nvSpPr>
+        <p:spPr/>
+        <p:txBody>
+          <a:bodyPr/>
+          <a:lstStyle/>
+          <a:p>
+            <a:r>
+              <a:rPr lang="en-US" dirty="0" err="1"/>
+              <a:t>Kons</a:t>
+            </a:r>
             <a:endParaRPr lang="en-US" dirty="0"/>
+          </a:p>
+        </p:txBody>
+      </p:sp>
+      <p:sp>
+        <p:nvSpPr>
+          <p:cNvPr id="4" name="Slide Number Placeholder 3"/>
+          <p:cNvSpPr>
+            <a:spLocks noGrp="1"/>
+          </p:cNvSpPr>
+          <p:nvPr>
+            <p:ph type="sldNum" sz="quarter" idx="5"/>
+          </p:nvPr>
+        </p:nvSpPr>
+        <p:spPr/>
+        <p:txBody>
+          <a:bodyPr/>
+          <a:lstStyle/>
+          <a:p>
+            <a:fld id="{23E63491-AE0B-41C0-8B99-58EBAEC6807D}" type="slidenum">
+              <a:rPr lang="en-US" smtClean="0"/>
+              <a:t>12</a:t>
+            </a:fld>
+            <a:endParaRPr lang="en-US"/>
+          </a:p>
+        </p:txBody>
+      </p:sp>
+    </p:spTree>
+    <p:extLst>
+      <p:ext uri="{BB962C8B-B14F-4D97-AF65-F5344CB8AC3E}">
+        <p14:creationId xmlns:p14="http://schemas.microsoft.com/office/powerpoint/2010/main" val="2490557081"/>
+      </p:ext>
+    </p:extLst>
+  </p:cSld>
+  <p:clrMapOvr>
+    <a:masterClrMapping/>
+  </p:clrMapOvr>
+</p:notes>
+</file>
+
+<file path=ppt/notesSlides/notesSlide13.xml><?xml version="1.0" encoding="utf-8"?>
+<p:notes xmlns:a="http://schemas.openxmlformats.org/drawingml/2006/main" xmlns:r="http://schemas.openxmlformats.org/officeDocument/2006/relationships" xmlns:p="http://schemas.openxmlformats.org/presentationml/2006/main">
+  <p:cSld>
+    <p:spTree>
+      <p:nvGrpSpPr>
+        <p:cNvPr id="1" name=""/>
+        <p:cNvGrpSpPr/>
+        <p:nvPr/>
+      </p:nvGrpSpPr>
+      <p:grpSpPr>
+        <a:xfrm>
+          <a:off x="0" y="0"/>
+          <a:ext cx="0" cy="0"/>
+          <a:chOff x="0" y="0"/>
+          <a:chExt cx="0" cy="0"/>
+        </a:xfrm>
+      </p:grpSpPr>
+      <p:sp>
+        <p:nvSpPr>
+          <p:cNvPr id="2" name="Slide Image Placeholder 1"/>
+          <p:cNvSpPr>
+            <a:spLocks noGrp="1" noRot="1" noChangeAspect="1"/>
+          </p:cNvSpPr>
+          <p:nvPr>
+            <p:ph type="sldImg"/>
+          </p:nvPr>
+        </p:nvSpPr>
+        <p:spPr/>
+      </p:sp>
+      <p:sp>
+        <p:nvSpPr>
+          <p:cNvPr id="3" name="Notes Placeholder 2"/>
+          <p:cNvSpPr>
+            <a:spLocks noGrp="1"/>
+          </p:cNvSpPr>
+          <p:nvPr>
+            <p:ph type="body" idx="1"/>
+          </p:nvPr>
+        </p:nvSpPr>
+        <p:spPr/>
+        <p:txBody>
+          <a:bodyPr/>
+          <a:lstStyle/>
+          <a:p>
+            <a:r>
+              <a:rPr lang="en-US" dirty="0" err="1"/>
+              <a:t>Kons</a:t>
+            </a:r>
+            <a:endParaRPr lang="en-US" dirty="0"/>
+          </a:p>
+        </p:txBody>
+      </p:sp>
+      <p:sp>
+        <p:nvSpPr>
+          <p:cNvPr id="4" name="Slide Number Placeholder 3"/>
+          <p:cNvSpPr>
+            <a:spLocks noGrp="1"/>
+          </p:cNvSpPr>
+          <p:nvPr>
+            <p:ph type="sldNum" sz="quarter" idx="5"/>
+          </p:nvPr>
+        </p:nvSpPr>
+        <p:spPr/>
+        <p:txBody>
+          <a:bodyPr/>
+          <a:lstStyle/>
+          <a:p>
+            <a:fld id="{23E63491-AE0B-41C0-8B99-58EBAEC6807D}" type="slidenum">
+              <a:rPr lang="en-US" smtClean="0"/>
+              <a:t>13</a:t>
+            </a:fld>
+            <a:endParaRPr lang="en-US"/>
+          </a:p>
+        </p:txBody>
+      </p:sp>
+    </p:spTree>
+    <p:extLst>
+      <p:ext uri="{BB962C8B-B14F-4D97-AF65-F5344CB8AC3E}">
+        <p14:creationId xmlns:p14="http://schemas.microsoft.com/office/powerpoint/2010/main" val="3716689765"/>
+      </p:ext>
+    </p:extLst>
+  </p:cSld>
+  <p:clrMapOvr>
+    <a:masterClrMapping/>
+  </p:clrMapOvr>
+</p:notes>
+</file>
+
+<file path=ppt/notesSlides/notesSlide14.xml><?xml version="1.0" encoding="utf-8"?>
+<p:notes xmlns:a="http://schemas.openxmlformats.org/drawingml/2006/main" xmlns:r="http://schemas.openxmlformats.org/officeDocument/2006/relationships" xmlns:p="http://schemas.openxmlformats.org/presentationml/2006/main">
+  <p:cSld>
+    <p:spTree>
+      <p:nvGrpSpPr>
+        <p:cNvPr id="1" name=""/>
+        <p:cNvGrpSpPr/>
+        <p:nvPr/>
+      </p:nvGrpSpPr>
+      <p:grpSpPr>
+        <a:xfrm>
+          <a:off x="0" y="0"/>
+          <a:ext cx="0" cy="0"/>
+          <a:chOff x="0" y="0"/>
+          <a:chExt cx="0" cy="0"/>
+        </a:xfrm>
+      </p:grpSpPr>
+      <p:sp>
+        <p:nvSpPr>
+          <p:cNvPr id="2" name="Slide Image Placeholder 1"/>
+          <p:cNvSpPr>
+            <a:spLocks noGrp="1" noRot="1" noChangeAspect="1"/>
+          </p:cNvSpPr>
+          <p:nvPr>
+            <p:ph type="sldImg"/>
+          </p:nvPr>
+        </p:nvSpPr>
+        <p:spPr/>
+      </p:sp>
+      <p:sp>
+        <p:nvSpPr>
+          <p:cNvPr id="3" name="Notes Placeholder 2"/>
+          <p:cNvSpPr>
+            <a:spLocks noGrp="1"/>
+          </p:cNvSpPr>
+          <p:nvPr>
+            <p:ph type="body" idx="1"/>
+          </p:nvPr>
+        </p:nvSpPr>
+        <p:spPr/>
+        <p:txBody>
+          <a:bodyPr/>
+          <a:lstStyle/>
+          <a:p>
+            <a:r>
+              <a:rPr lang="en-US" dirty="0" err="1"/>
+              <a:t>Kons</a:t>
+            </a:r>
+            <a:endParaRPr lang="en-US" dirty="0"/>
+          </a:p>
+        </p:txBody>
+      </p:sp>
+      <p:sp>
+        <p:nvSpPr>
+          <p:cNvPr id="4" name="Slide Number Placeholder 3"/>
+          <p:cNvSpPr>
+            <a:spLocks noGrp="1"/>
+          </p:cNvSpPr>
+          <p:nvPr>
+            <p:ph type="sldNum" sz="quarter" idx="5"/>
+          </p:nvPr>
+        </p:nvSpPr>
+        <p:spPr/>
+        <p:txBody>
+          <a:bodyPr/>
+          <a:lstStyle/>
+          <a:p>
+            <a:fld id="{23E63491-AE0B-41C0-8B99-58EBAEC6807D}" type="slidenum">
+              <a:rPr lang="en-US" smtClean="0"/>
+              <a:t>14</a:t>
+            </a:fld>
+            <a:endParaRPr lang="en-US"/>
+          </a:p>
+        </p:txBody>
+      </p:sp>
+    </p:spTree>
+    <p:extLst>
+      <p:ext uri="{BB962C8B-B14F-4D97-AF65-F5344CB8AC3E}">
+        <p14:creationId xmlns:p14="http://schemas.microsoft.com/office/powerpoint/2010/main" val="3389230888"/>
+      </p:ext>
+    </p:extLst>
+  </p:cSld>
+  <p:clrMapOvr>
+    <a:masterClrMapping/>
+  </p:clrMapOvr>
+</p:notes>
+</file>
+
+<file path=ppt/notesSlides/notesSlide15.xml><?xml version="1.0" encoding="utf-8"?>
+<p:notes xmlns:a="http://schemas.openxmlformats.org/drawingml/2006/main" xmlns:r="http://schemas.openxmlformats.org/officeDocument/2006/relationships" xmlns:p="http://schemas.openxmlformats.org/presentationml/2006/main">
+  <p:cSld>
+    <p:spTree>
+      <p:nvGrpSpPr>
+        <p:cNvPr id="1" name=""/>
+        <p:cNvGrpSpPr/>
+        <p:nvPr/>
+      </p:nvGrpSpPr>
+      <p:grpSpPr>
+        <a:xfrm>
+          <a:off x="0" y="0"/>
+          <a:ext cx="0" cy="0"/>
+          <a:chOff x="0" y="0"/>
+          <a:chExt cx="0" cy="0"/>
+        </a:xfrm>
+      </p:grpSpPr>
+      <p:sp>
+        <p:nvSpPr>
+          <p:cNvPr id="2" name="Slide Image Placeholder 1"/>
+          <p:cNvSpPr>
+            <a:spLocks noGrp="1" noRot="1" noChangeAspect="1"/>
+          </p:cNvSpPr>
+          <p:nvPr>
+            <p:ph type="sldImg"/>
+          </p:nvPr>
+        </p:nvSpPr>
+        <p:spPr/>
+      </p:sp>
+      <p:sp>
+        <p:nvSpPr>
+          <p:cNvPr id="3" name="Notes Placeholder 2"/>
+          <p:cNvSpPr>
+            <a:spLocks noGrp="1"/>
+          </p:cNvSpPr>
+          <p:nvPr>
+            <p:ph type="body" idx="1"/>
+          </p:nvPr>
+        </p:nvSpPr>
+        <p:spPr/>
+        <p:txBody>
+          <a:bodyPr/>
+          <a:lstStyle/>
+          <a:p>
+            <a:r>
+              <a:rPr lang="en-US" dirty="0" err="1"/>
+              <a:t>Kons</a:t>
+            </a:r>
+            <a:endParaRPr lang="en-US" dirty="0"/>
+          </a:p>
+        </p:txBody>
+      </p:sp>
+      <p:sp>
+        <p:nvSpPr>
+          <p:cNvPr id="4" name="Slide Number Placeholder 3"/>
+          <p:cNvSpPr>
+            <a:spLocks noGrp="1"/>
+          </p:cNvSpPr>
+          <p:nvPr>
+            <p:ph type="sldNum" sz="quarter" idx="5"/>
+          </p:nvPr>
+        </p:nvSpPr>
+        <p:spPr/>
+        <p:txBody>
+          <a:bodyPr/>
+          <a:lstStyle/>
+          <a:p>
+            <a:fld id="{23E63491-AE0B-41C0-8B99-58EBAEC6807D}" type="slidenum">
+              <a:rPr lang="en-US" smtClean="0"/>
+              <a:t>15</a:t>
+            </a:fld>
+            <a:endParaRPr lang="en-US"/>
+          </a:p>
+        </p:txBody>
+      </p:sp>
+    </p:spTree>
+    <p:extLst>
+      <p:ext uri="{BB962C8B-B14F-4D97-AF65-F5344CB8AC3E}">
+        <p14:creationId xmlns:p14="http://schemas.microsoft.com/office/powerpoint/2010/main" val="114711564"/>
+      </p:ext>
+    </p:extLst>
+  </p:cSld>
+  <p:clrMapOvr>
+    <a:masterClrMapping/>
+  </p:clrMapOvr>
+</p:notes>
+</file>
+
+<file path=ppt/notesSlides/notesSlide16.xml><?xml version="1.0" encoding="utf-8"?>
+<p:notes xmlns:a="http://schemas.openxmlformats.org/drawingml/2006/main" xmlns:r="http://schemas.openxmlformats.org/officeDocument/2006/relationships" xmlns:p="http://schemas.openxmlformats.org/presentationml/2006/main">
+  <p:cSld>
+    <p:spTree>
+      <p:nvGrpSpPr>
+        <p:cNvPr id="1" name=""/>
+        <p:cNvGrpSpPr/>
+        <p:nvPr/>
+      </p:nvGrpSpPr>
+      <p:grpSpPr>
+        <a:xfrm>
+          <a:off x="0" y="0"/>
+          <a:ext cx="0" cy="0"/>
+          <a:chOff x="0" y="0"/>
+          <a:chExt cx="0" cy="0"/>
+        </a:xfrm>
+      </p:grpSpPr>
+      <p:sp>
+        <p:nvSpPr>
+          <p:cNvPr id="2" name="Slide Image Placeholder 1"/>
+          <p:cNvSpPr>
+            <a:spLocks noGrp="1" noRot="1" noChangeAspect="1"/>
+          </p:cNvSpPr>
+          <p:nvPr>
+            <p:ph type="sldImg"/>
+          </p:nvPr>
+        </p:nvSpPr>
+        <p:spPr/>
+      </p:sp>
+      <p:sp>
+        <p:nvSpPr>
+          <p:cNvPr id="3" name="Notes Placeholder 2"/>
+          <p:cNvSpPr>
+            <a:spLocks noGrp="1"/>
+          </p:cNvSpPr>
+          <p:nvPr>
+            <p:ph type="body" idx="1"/>
+          </p:nvPr>
+        </p:nvSpPr>
+        <p:spPr/>
+        <p:txBody>
+          <a:bodyPr/>
+          <a:lstStyle/>
+          <a:p>
+            <a:r>
+              <a:rPr lang="en-US" dirty="0" err="1"/>
+              <a:t>Kons</a:t>
+            </a:r>
+            <a:endParaRPr lang="en-US" dirty="0"/>
+          </a:p>
+        </p:txBody>
+      </p:sp>
+      <p:sp>
+        <p:nvSpPr>
+          <p:cNvPr id="4" name="Slide Number Placeholder 3"/>
+          <p:cNvSpPr>
+            <a:spLocks noGrp="1"/>
+          </p:cNvSpPr>
+          <p:nvPr>
+            <p:ph type="sldNum" sz="quarter" idx="5"/>
+          </p:nvPr>
+        </p:nvSpPr>
+        <p:spPr/>
+        <p:txBody>
+          <a:bodyPr/>
+          <a:lstStyle/>
+          <a:p>
+            <a:fld id="{23E63491-AE0B-41C0-8B99-58EBAEC6807D}" type="slidenum">
+              <a:rPr lang="en-US" smtClean="0"/>
+              <a:t>16</a:t>
+            </a:fld>
+            <a:endParaRPr lang="en-US"/>
+          </a:p>
+        </p:txBody>
+      </p:sp>
+    </p:spTree>
+    <p:extLst>
+      <p:ext uri="{BB962C8B-B14F-4D97-AF65-F5344CB8AC3E}">
+        <p14:creationId xmlns:p14="http://schemas.microsoft.com/office/powerpoint/2010/main" val="1245413164"/>
+      </p:ext>
+    </p:extLst>
+  </p:cSld>
+  <p:clrMapOvr>
+    <a:masterClrMapping/>
+  </p:clrMapOvr>
+</p:notes>
+</file>
+
+<file path=ppt/notesSlides/notesSlide2.xml><?xml version="1.0" encoding="utf-8"?>
+<p:notes xmlns:a="http://schemas.openxmlformats.org/drawingml/2006/main" xmlns:r="http://schemas.openxmlformats.org/officeDocument/2006/relationships" xmlns:p="http://schemas.openxmlformats.org/presentationml/2006/main">
+  <p:cSld>
+    <p:spTree>
+      <p:nvGrpSpPr>
+        <p:cNvPr id="1" name=""/>
+        <p:cNvGrpSpPr/>
+        <p:nvPr/>
+      </p:nvGrpSpPr>
+      <p:grpSpPr>
+        <a:xfrm>
+          <a:off x="0" y="0"/>
+          <a:ext cx="0" cy="0"/>
+          <a:chOff x="0" y="0"/>
+          <a:chExt cx="0" cy="0"/>
+        </a:xfrm>
+      </p:grpSpPr>
+      <p:sp>
+        <p:nvSpPr>
+          <p:cNvPr id="2" name="Slide Image Placeholder 1"/>
+          <p:cNvSpPr>
+            <a:spLocks noGrp="1" noRot="1" noChangeAspect="1"/>
+          </p:cNvSpPr>
+          <p:nvPr>
+            <p:ph type="sldImg"/>
+          </p:nvPr>
+        </p:nvSpPr>
+        <p:spPr/>
+      </p:sp>
+      <p:sp>
+        <p:nvSpPr>
+          <p:cNvPr id="3" name="Notes Placeholder 2"/>
+          <p:cNvSpPr>
+            <a:spLocks noGrp="1"/>
+          </p:cNvSpPr>
+          <p:nvPr>
+            <p:ph type="body" idx="1"/>
+          </p:nvPr>
+        </p:nvSpPr>
+        <p:spPr/>
+        <p:txBody>
+          <a:bodyPr/>
+          <a:lstStyle/>
+          <a:p>
+            <a:r>
+              <a:rPr lang="en-US" dirty="0"/>
+              <a:t>Alexia</a:t>
+            </a:r>
+          </a:p>
+        </p:txBody>
+      </p:sp>
+      <p:sp>
+        <p:nvSpPr>
+          <p:cNvPr id="4" name="Slide Number Placeholder 3"/>
+          <p:cNvSpPr>
+            <a:spLocks noGrp="1"/>
+          </p:cNvSpPr>
+          <p:nvPr>
+            <p:ph type="sldNum" sz="quarter" idx="5"/>
+          </p:nvPr>
+        </p:nvSpPr>
+        <p:spPr/>
+        <p:txBody>
+          <a:bodyPr/>
+          <a:lstStyle/>
+          <a:p>
+            <a:fld id="{23E63491-AE0B-41C0-8B99-58EBAEC6807D}" type="slidenum">
+              <a:rPr lang="en-US" smtClean="0"/>
+              <a:t>2</a:t>
+            </a:fld>
+            <a:endParaRPr lang="en-US"/>
+          </a:p>
+        </p:txBody>
+      </p:sp>
+    </p:spTree>
+    <p:extLst>
+      <p:ext uri="{BB962C8B-B14F-4D97-AF65-F5344CB8AC3E}">
+        <p14:creationId xmlns:p14="http://schemas.microsoft.com/office/powerpoint/2010/main" val="2986070505"/>
+      </p:ext>
+    </p:extLst>
+  </p:cSld>
+  <p:clrMapOvr>
+    <a:masterClrMapping/>
+  </p:clrMapOvr>
+</p:notes>
+</file>
+
+<file path=ppt/notesSlides/notesSlide3.xml><?xml version="1.0" encoding="utf-8"?>
+<p:notes xmlns:a="http://schemas.openxmlformats.org/drawingml/2006/main" xmlns:r="http://schemas.openxmlformats.org/officeDocument/2006/relationships" xmlns:p="http://schemas.openxmlformats.org/presentationml/2006/main">
+  <p:cSld>
+    <p:spTree>
+      <p:nvGrpSpPr>
+        <p:cNvPr id="1" name=""/>
+        <p:cNvGrpSpPr/>
+        <p:nvPr/>
+      </p:nvGrpSpPr>
+      <p:grpSpPr>
+        <a:xfrm>
+          <a:off x="0" y="0"/>
+          <a:ext cx="0" cy="0"/>
+          <a:chOff x="0" y="0"/>
+          <a:chExt cx="0" cy="0"/>
+        </a:xfrm>
+      </p:grpSpPr>
+      <p:sp>
+        <p:nvSpPr>
+          <p:cNvPr id="2" name="Slide Image Placeholder 1"/>
+          <p:cNvSpPr>
+            <a:spLocks noGrp="1" noRot="1" noChangeAspect="1"/>
+          </p:cNvSpPr>
+          <p:nvPr>
+            <p:ph type="sldImg"/>
+          </p:nvPr>
+        </p:nvSpPr>
+        <p:spPr/>
+      </p:sp>
+      <p:sp>
+        <p:nvSpPr>
+          <p:cNvPr id="3" name="Notes Placeholder 2"/>
+          <p:cNvSpPr>
+            <a:spLocks noGrp="1"/>
+          </p:cNvSpPr>
+          <p:nvPr>
+            <p:ph type="body" idx="1"/>
+          </p:nvPr>
+        </p:nvSpPr>
+        <p:spPr/>
+        <p:txBody>
+          <a:bodyPr/>
+          <a:lstStyle/>
+          <a:p>
+            <a:r>
+              <a:rPr lang="en-US" dirty="0"/>
+              <a:t>Alexia</a:t>
+            </a:r>
+          </a:p>
+        </p:txBody>
+      </p:sp>
+      <p:sp>
+        <p:nvSpPr>
+          <p:cNvPr id="4" name="Slide Number Placeholder 3"/>
+          <p:cNvSpPr>
+            <a:spLocks noGrp="1"/>
+          </p:cNvSpPr>
+          <p:nvPr>
+            <p:ph type="sldNum" sz="quarter" idx="5"/>
+          </p:nvPr>
+        </p:nvSpPr>
+        <p:spPr/>
+        <p:txBody>
+          <a:bodyPr/>
+          <a:lstStyle/>
+          <a:p>
+            <a:fld id="{23E63491-AE0B-41C0-8B99-58EBAEC6807D}" type="slidenum">
+              <a:rPr lang="en-US" smtClean="0"/>
+              <a:t>3</a:t>
+            </a:fld>
+            <a:endParaRPr lang="en-US"/>
+          </a:p>
+        </p:txBody>
+      </p:sp>
+    </p:spTree>
+    <p:extLst>
+      <p:ext uri="{BB962C8B-B14F-4D97-AF65-F5344CB8AC3E}">
+        <p14:creationId xmlns:p14="http://schemas.microsoft.com/office/powerpoint/2010/main" val="355635588"/>
+      </p:ext>
+    </p:extLst>
+  </p:cSld>
+  <p:clrMapOvr>
+    <a:masterClrMapping/>
+  </p:clrMapOvr>
+</p:notes>
+</file>
+
+<file path=ppt/notesSlides/notesSlide4.xml><?xml version="1.0" encoding="utf-8"?>
+<p:notes xmlns:a="http://schemas.openxmlformats.org/drawingml/2006/main" xmlns:r="http://schemas.openxmlformats.org/officeDocument/2006/relationships" xmlns:p="http://schemas.openxmlformats.org/presentationml/2006/main">
+  <p:cSld>
+    <p:spTree>
+      <p:nvGrpSpPr>
+        <p:cNvPr id="1" name=""/>
+        <p:cNvGrpSpPr/>
+        <p:nvPr/>
+      </p:nvGrpSpPr>
+      <p:grpSpPr>
+        <a:xfrm>
+          <a:off x="0" y="0"/>
+          <a:ext cx="0" cy="0"/>
+          <a:chOff x="0" y="0"/>
+          <a:chExt cx="0" cy="0"/>
+        </a:xfrm>
+      </p:grpSpPr>
+      <p:sp>
+        <p:nvSpPr>
+          <p:cNvPr id="2" name="Slide Image Placeholder 1"/>
+          <p:cNvSpPr>
+            <a:spLocks noGrp="1" noRot="1" noChangeAspect="1"/>
+          </p:cNvSpPr>
+          <p:nvPr>
+            <p:ph type="sldImg"/>
+          </p:nvPr>
+        </p:nvSpPr>
+        <p:spPr/>
+      </p:sp>
+      <p:sp>
+        <p:nvSpPr>
+          <p:cNvPr id="3" name="Notes Placeholder 2"/>
+          <p:cNvSpPr>
+            <a:spLocks noGrp="1"/>
+          </p:cNvSpPr>
+          <p:nvPr>
+            <p:ph type="body" idx="1"/>
+          </p:nvPr>
+        </p:nvSpPr>
+        <p:spPr/>
+        <p:txBody>
+          <a:bodyPr/>
+          <a:lstStyle/>
+          <a:p>
+            <a:r>
+              <a:rPr lang="en-US" dirty="0"/>
+              <a:t>Alexia</a:t>
+            </a:r>
+          </a:p>
+        </p:txBody>
+      </p:sp>
+      <p:sp>
+        <p:nvSpPr>
+          <p:cNvPr id="4" name="Slide Number Placeholder 3"/>
+          <p:cNvSpPr>
+            <a:spLocks noGrp="1"/>
+          </p:cNvSpPr>
+          <p:nvPr>
+            <p:ph type="sldNum" sz="quarter" idx="5"/>
+          </p:nvPr>
+        </p:nvSpPr>
+        <p:spPr/>
+        <p:txBody>
+          <a:bodyPr/>
+          <a:lstStyle/>
+          <a:p>
+            <a:fld id="{23E63491-AE0B-41C0-8B99-58EBAEC6807D}" type="slidenum">
+              <a:rPr lang="en-US" smtClean="0"/>
+              <a:t>4</a:t>
+            </a:fld>
+            <a:endParaRPr lang="en-US"/>
+          </a:p>
+        </p:txBody>
+      </p:sp>
+    </p:spTree>
+    <p:extLst>
+      <p:ext uri="{BB962C8B-B14F-4D97-AF65-F5344CB8AC3E}">
+        <p14:creationId xmlns:p14="http://schemas.microsoft.com/office/powerpoint/2010/main" val="3615659275"/>
+      </p:ext>
+    </p:extLst>
+  </p:cSld>
+  <p:clrMapOvr>
+    <a:masterClrMapping/>
+  </p:clrMapOvr>
+</p:notes>
+</file>
+
+<file path=ppt/notesSlides/notesSlide5.xml><?xml version="1.0" encoding="utf-8"?>
+<p:notes xmlns:a="http://schemas.openxmlformats.org/drawingml/2006/main" xmlns:r="http://schemas.openxmlformats.org/officeDocument/2006/relationships" xmlns:p="http://schemas.openxmlformats.org/presentationml/2006/main">
+  <p:cSld>
+    <p:spTree>
+      <p:nvGrpSpPr>
+        <p:cNvPr id="1" name=""/>
+        <p:cNvGrpSpPr/>
+        <p:nvPr/>
+      </p:nvGrpSpPr>
+      <p:grpSpPr>
+        <a:xfrm>
+          <a:off x="0" y="0"/>
+          <a:ext cx="0" cy="0"/>
+          <a:chOff x="0" y="0"/>
+          <a:chExt cx="0" cy="0"/>
+        </a:xfrm>
+      </p:grpSpPr>
+      <p:sp>
+        <p:nvSpPr>
+          <p:cNvPr id="2" name="Slide Image Placeholder 1"/>
+          <p:cNvSpPr>
+            <a:spLocks noGrp="1" noRot="1" noChangeAspect="1"/>
+          </p:cNvSpPr>
+          <p:nvPr>
+            <p:ph type="sldImg"/>
+          </p:nvPr>
+        </p:nvSpPr>
+        <p:spPr/>
+      </p:sp>
+      <p:sp>
+        <p:nvSpPr>
+          <p:cNvPr id="3" name="Notes Placeholder 2"/>
+          <p:cNvSpPr>
+            <a:spLocks noGrp="1"/>
+          </p:cNvSpPr>
+          <p:nvPr>
+            <p:ph type="body" idx="1"/>
+          </p:nvPr>
+        </p:nvSpPr>
+        <p:spPr/>
+        <p:txBody>
+          <a:bodyPr/>
+          <a:lstStyle/>
+          <a:p>
+            <a:r>
+              <a:rPr lang="en-US" dirty="0"/>
+              <a:t>Nikos</a:t>
+            </a:r>
+          </a:p>
+        </p:txBody>
+      </p:sp>
+      <p:sp>
+        <p:nvSpPr>
+          <p:cNvPr id="4" name="Slide Number Placeholder 3"/>
+          <p:cNvSpPr>
+            <a:spLocks noGrp="1"/>
+          </p:cNvSpPr>
+          <p:nvPr>
+            <p:ph type="sldNum" sz="quarter" idx="5"/>
+          </p:nvPr>
+        </p:nvSpPr>
+        <p:spPr/>
+        <p:txBody>
+          <a:bodyPr/>
+          <a:lstStyle/>
+          <a:p>
+            <a:fld id="{23E63491-AE0B-41C0-8B99-58EBAEC6807D}" type="slidenum">
+              <a:rPr lang="en-US" smtClean="0"/>
+              <a:t>5</a:t>
+            </a:fld>
+            <a:endParaRPr lang="en-US"/>
+          </a:p>
+        </p:txBody>
+      </p:sp>
+    </p:spTree>
+    <p:extLst>
+      <p:ext uri="{BB962C8B-B14F-4D97-AF65-F5344CB8AC3E}">
+        <p14:creationId xmlns:p14="http://schemas.microsoft.com/office/powerpoint/2010/main" val="3645072846"/>
+      </p:ext>
+    </p:extLst>
+  </p:cSld>
+  <p:clrMapOvr>
+    <a:masterClrMapping/>
+  </p:clrMapOvr>
+</p:notes>
+</file>
+
+<file path=ppt/notesSlides/notesSlide6.xml><?xml version="1.0" encoding="utf-8"?>
+<p:notes xmlns:a="http://schemas.openxmlformats.org/drawingml/2006/main" xmlns:r="http://schemas.openxmlformats.org/officeDocument/2006/relationships" xmlns:p="http://schemas.openxmlformats.org/presentationml/2006/main">
+  <p:cSld>
+    <p:spTree>
+      <p:nvGrpSpPr>
+        <p:cNvPr id="1" name=""/>
+        <p:cNvGrpSpPr/>
+        <p:nvPr/>
+      </p:nvGrpSpPr>
+      <p:grpSpPr>
+        <a:xfrm>
+          <a:off x="0" y="0"/>
+          <a:ext cx="0" cy="0"/>
+          <a:chOff x="0" y="0"/>
+          <a:chExt cx="0" cy="0"/>
+        </a:xfrm>
+      </p:grpSpPr>
+      <p:sp>
+        <p:nvSpPr>
+          <p:cNvPr id="2" name="Slide Image Placeholder 1"/>
+          <p:cNvSpPr>
+            <a:spLocks noGrp="1" noRot="1" noChangeAspect="1"/>
+          </p:cNvSpPr>
+          <p:nvPr>
+            <p:ph type="sldImg"/>
+          </p:nvPr>
+        </p:nvSpPr>
+        <p:spPr/>
+      </p:sp>
+      <p:sp>
+        <p:nvSpPr>
+          <p:cNvPr id="3" name="Notes Placeholder 2"/>
+          <p:cNvSpPr>
+            <a:spLocks noGrp="1"/>
+          </p:cNvSpPr>
+          <p:nvPr>
+            <p:ph type="body" idx="1"/>
+          </p:nvPr>
+        </p:nvSpPr>
+        <p:spPr/>
+        <p:txBody>
+          <a:bodyPr/>
+          <a:lstStyle/>
+          <a:p>
+            <a:r>
+              <a:rPr lang="en-US" dirty="0"/>
+              <a:t>Nikos</a:t>
+            </a:r>
           </a:p>
         </p:txBody>
       </p:sp>
@@ -3801,7 +4845,268 @@
     </p:spTree>
     <p:extLst>
       <p:ext uri="{BB962C8B-B14F-4D97-AF65-F5344CB8AC3E}">
-        <p14:creationId xmlns:p14="http://schemas.microsoft.com/office/powerpoint/2010/main" val="3289668798"/>
+        <p14:creationId xmlns:p14="http://schemas.microsoft.com/office/powerpoint/2010/main" val="4027201769"/>
+      </p:ext>
+    </p:extLst>
+  </p:cSld>
+  <p:clrMapOvr>
+    <a:masterClrMapping/>
+  </p:clrMapOvr>
+</p:notes>
+</file>
+
+<file path=ppt/notesSlides/notesSlide7.xml><?xml version="1.0" encoding="utf-8"?>
+<p:notes xmlns:a="http://schemas.openxmlformats.org/drawingml/2006/main" xmlns:r="http://schemas.openxmlformats.org/officeDocument/2006/relationships" xmlns:p="http://schemas.openxmlformats.org/presentationml/2006/main">
+  <p:cSld>
+    <p:spTree>
+      <p:nvGrpSpPr>
+        <p:cNvPr id="1" name=""/>
+        <p:cNvGrpSpPr/>
+        <p:nvPr/>
+      </p:nvGrpSpPr>
+      <p:grpSpPr>
+        <a:xfrm>
+          <a:off x="0" y="0"/>
+          <a:ext cx="0" cy="0"/>
+          <a:chOff x="0" y="0"/>
+          <a:chExt cx="0" cy="0"/>
+        </a:xfrm>
+      </p:grpSpPr>
+      <p:sp>
+        <p:nvSpPr>
+          <p:cNvPr id="2" name="Slide Image Placeholder 1"/>
+          <p:cNvSpPr>
+            <a:spLocks noGrp="1" noRot="1" noChangeAspect="1"/>
+          </p:cNvSpPr>
+          <p:nvPr>
+            <p:ph type="sldImg"/>
+          </p:nvPr>
+        </p:nvSpPr>
+        <p:spPr/>
+      </p:sp>
+      <p:sp>
+        <p:nvSpPr>
+          <p:cNvPr id="3" name="Notes Placeholder 2"/>
+          <p:cNvSpPr>
+            <a:spLocks noGrp="1"/>
+          </p:cNvSpPr>
+          <p:nvPr>
+            <p:ph type="body" idx="1"/>
+          </p:nvPr>
+        </p:nvSpPr>
+        <p:spPr/>
+        <p:txBody>
+          <a:bodyPr/>
+          <a:lstStyle/>
+          <a:p>
+            <a:r>
+              <a:rPr lang="en-US" dirty="0"/>
+              <a:t>Nikos</a:t>
+            </a:r>
+          </a:p>
+        </p:txBody>
+      </p:sp>
+      <p:sp>
+        <p:nvSpPr>
+          <p:cNvPr id="4" name="Slide Number Placeholder 3"/>
+          <p:cNvSpPr>
+            <a:spLocks noGrp="1"/>
+          </p:cNvSpPr>
+          <p:nvPr>
+            <p:ph type="sldNum" sz="quarter" idx="5"/>
+          </p:nvPr>
+        </p:nvSpPr>
+        <p:spPr/>
+        <p:txBody>
+          <a:bodyPr/>
+          <a:lstStyle/>
+          <a:p>
+            <a:fld id="{23E63491-AE0B-41C0-8B99-58EBAEC6807D}" type="slidenum">
+              <a:rPr lang="en-US" smtClean="0"/>
+              <a:t>7</a:t>
+            </a:fld>
+            <a:endParaRPr lang="en-US"/>
+          </a:p>
+        </p:txBody>
+      </p:sp>
+    </p:spTree>
+    <p:extLst>
+      <p:ext uri="{BB962C8B-B14F-4D97-AF65-F5344CB8AC3E}">
+        <p14:creationId xmlns:p14="http://schemas.microsoft.com/office/powerpoint/2010/main" val="2359234433"/>
+      </p:ext>
+    </p:extLst>
+  </p:cSld>
+  <p:clrMapOvr>
+    <a:masterClrMapping/>
+  </p:clrMapOvr>
+</p:notes>
+</file>
+
+<file path=ppt/notesSlides/notesSlide8.xml><?xml version="1.0" encoding="utf-8"?>
+<p:notes xmlns:a="http://schemas.openxmlformats.org/drawingml/2006/main" xmlns:r="http://schemas.openxmlformats.org/officeDocument/2006/relationships" xmlns:p="http://schemas.openxmlformats.org/presentationml/2006/main">
+  <p:cSld>
+    <p:spTree>
+      <p:nvGrpSpPr>
+        <p:cNvPr id="1" name=""/>
+        <p:cNvGrpSpPr/>
+        <p:nvPr/>
+      </p:nvGrpSpPr>
+      <p:grpSpPr>
+        <a:xfrm>
+          <a:off x="0" y="0"/>
+          <a:ext cx="0" cy="0"/>
+          <a:chOff x="0" y="0"/>
+          <a:chExt cx="0" cy="0"/>
+        </a:xfrm>
+      </p:grpSpPr>
+      <p:sp>
+        <p:nvSpPr>
+          <p:cNvPr id="2" name="Slide Image Placeholder 1"/>
+          <p:cNvSpPr>
+            <a:spLocks noGrp="1" noRot="1" noChangeAspect="1"/>
+          </p:cNvSpPr>
+          <p:nvPr>
+            <p:ph type="sldImg"/>
+          </p:nvPr>
+        </p:nvSpPr>
+        <p:spPr/>
+      </p:sp>
+      <p:sp>
+        <p:nvSpPr>
+          <p:cNvPr id="3" name="Notes Placeholder 2"/>
+          <p:cNvSpPr>
+            <a:spLocks noGrp="1"/>
+          </p:cNvSpPr>
+          <p:nvPr>
+            <p:ph type="body" idx="1"/>
+          </p:nvPr>
+        </p:nvSpPr>
+        <p:spPr/>
+        <p:txBody>
+          <a:bodyPr/>
+          <a:lstStyle/>
+          <a:p>
+            <a:r>
+              <a:rPr lang="en-US" dirty="0"/>
+              <a:t>Giorgos</a:t>
+            </a:r>
+          </a:p>
+        </p:txBody>
+      </p:sp>
+      <p:sp>
+        <p:nvSpPr>
+          <p:cNvPr id="4" name="Slide Number Placeholder 3"/>
+          <p:cNvSpPr>
+            <a:spLocks noGrp="1"/>
+          </p:cNvSpPr>
+          <p:nvPr>
+            <p:ph type="sldNum" sz="quarter" idx="5"/>
+          </p:nvPr>
+        </p:nvSpPr>
+        <p:spPr/>
+        <p:txBody>
+          <a:bodyPr/>
+          <a:lstStyle/>
+          <a:p>
+            <a:fld id="{23E63491-AE0B-41C0-8B99-58EBAEC6807D}" type="slidenum">
+              <a:rPr lang="en-US" smtClean="0"/>
+              <a:t>8</a:t>
+            </a:fld>
+            <a:endParaRPr lang="en-US"/>
+          </a:p>
+        </p:txBody>
+      </p:sp>
+    </p:spTree>
+    <p:extLst>
+      <p:ext uri="{BB962C8B-B14F-4D97-AF65-F5344CB8AC3E}">
+        <p14:creationId xmlns:p14="http://schemas.microsoft.com/office/powerpoint/2010/main" val="2796155769"/>
+      </p:ext>
+    </p:extLst>
+  </p:cSld>
+  <p:clrMapOvr>
+    <a:masterClrMapping/>
+  </p:clrMapOvr>
+</p:notes>
+</file>
+
+<file path=ppt/notesSlides/notesSlide9.xml><?xml version="1.0" encoding="utf-8"?>
+<p:notes xmlns:a="http://schemas.openxmlformats.org/drawingml/2006/main" xmlns:r="http://schemas.openxmlformats.org/officeDocument/2006/relationships" xmlns:p="http://schemas.openxmlformats.org/presentationml/2006/main">
+  <p:cSld>
+    <p:spTree>
+      <p:nvGrpSpPr>
+        <p:cNvPr id="1" name=""/>
+        <p:cNvGrpSpPr/>
+        <p:nvPr/>
+      </p:nvGrpSpPr>
+      <p:grpSpPr>
+        <a:xfrm>
+          <a:off x="0" y="0"/>
+          <a:ext cx="0" cy="0"/>
+          <a:chOff x="0" y="0"/>
+          <a:chExt cx="0" cy="0"/>
+        </a:xfrm>
+      </p:grpSpPr>
+      <p:sp>
+        <p:nvSpPr>
+          <p:cNvPr id="2" name="Slide Image Placeholder 1"/>
+          <p:cNvSpPr>
+            <a:spLocks noGrp="1" noRot="1" noChangeAspect="1"/>
+          </p:cNvSpPr>
+          <p:nvPr>
+            <p:ph type="sldImg"/>
+          </p:nvPr>
+        </p:nvSpPr>
+        <p:spPr/>
+      </p:sp>
+      <p:sp>
+        <p:nvSpPr>
+          <p:cNvPr id="3" name="Notes Placeholder 2"/>
+          <p:cNvSpPr>
+            <a:spLocks noGrp="1"/>
+          </p:cNvSpPr>
+          <p:nvPr>
+            <p:ph type="body" idx="1"/>
+          </p:nvPr>
+        </p:nvSpPr>
+        <p:spPr/>
+        <p:txBody>
+          <a:bodyPr/>
+          <a:lstStyle/>
+          <a:p>
+            <a:r>
+              <a:rPr lang="en-US" dirty="0"/>
+              <a:t>Giorgos</a:t>
+            </a:r>
+          </a:p>
+        </p:txBody>
+      </p:sp>
+      <p:sp>
+        <p:nvSpPr>
+          <p:cNvPr id="4" name="Slide Number Placeholder 3"/>
+          <p:cNvSpPr>
+            <a:spLocks noGrp="1"/>
+          </p:cNvSpPr>
+          <p:nvPr>
+            <p:ph type="sldNum" sz="quarter" idx="5"/>
+          </p:nvPr>
+        </p:nvSpPr>
+        <p:spPr/>
+        <p:txBody>
+          <a:bodyPr/>
+          <a:lstStyle/>
+          <a:p>
+            <a:fld id="{23E63491-AE0B-41C0-8B99-58EBAEC6807D}" type="slidenum">
+              <a:rPr lang="en-US" smtClean="0"/>
+              <a:t>9</a:t>
+            </a:fld>
+            <a:endParaRPr lang="en-US"/>
+          </a:p>
+        </p:txBody>
+      </p:sp>
+    </p:spTree>
+    <p:extLst>
+      <p:ext uri="{BB962C8B-B14F-4D97-AF65-F5344CB8AC3E}">
+        <p14:creationId xmlns:p14="http://schemas.microsoft.com/office/powerpoint/2010/main" val="1575649139"/>
       </p:ext>
     </p:extLst>
   </p:cSld>
@@ -4167,7 +5472,7 @@
           <a:p>
             <a:fld id="{6D3CD741-2E3C-46BC-BD4F-513FEA5EC99E}" type="datetimeFigureOut">
               <a:rPr lang="en-US" smtClean="0"/>
-              <a:t>1/26/2025</a:t>
+              <a:t>1/27/2025</a:t>
             </a:fld>
             <a:endParaRPr lang="en-US"/>
           </a:p>
@@ -4381,7 +5686,7 @@
           <a:p>
             <a:fld id="{6D3CD741-2E3C-46BC-BD4F-513FEA5EC99E}" type="datetimeFigureOut">
               <a:rPr lang="en-US" smtClean="0"/>
-              <a:t>1/26/2025</a:t>
+              <a:t>1/27/2025</a:t>
             </a:fld>
             <a:endParaRPr lang="en-US"/>
           </a:p>
@@ -4601,7 +5906,7 @@
           <a:p>
             <a:fld id="{0897D7FB-8BED-4034-AF5C-6E1B4BE46DFA}" type="datetimeFigureOut">
               <a:rPr lang="en-US" smtClean="0"/>
-              <a:t>1/26/2025</a:t>
+              <a:t>1/27/2025</a:t>
             </a:fld>
             <a:endParaRPr lang="en-US"/>
           </a:p>
@@ -4799,7 +6104,7 @@
           <a:p>
             <a:fld id="{0897D7FB-8BED-4034-AF5C-6E1B4BE46DFA}" type="datetimeFigureOut">
               <a:rPr lang="en-US" smtClean="0"/>
-              <a:t>1/26/2025</a:t>
+              <a:t>1/27/2025</a:t>
             </a:fld>
             <a:endParaRPr lang="en-US"/>
           </a:p>
@@ -5074,7 +6379,7 @@
           <a:p>
             <a:fld id="{0897D7FB-8BED-4034-AF5C-6E1B4BE46DFA}" type="datetimeFigureOut">
               <a:rPr lang="en-US" smtClean="0"/>
-              <a:t>1/26/2025</a:t>
+              <a:t>1/27/2025</a:t>
             </a:fld>
             <a:endParaRPr lang="en-US"/>
           </a:p>
@@ -5339,7 +6644,7 @@
           <a:p>
             <a:fld id="{0897D7FB-8BED-4034-AF5C-6E1B4BE46DFA}" type="datetimeFigureOut">
               <a:rPr lang="en-US" smtClean="0"/>
-              <a:t>1/26/2025</a:t>
+              <a:t>1/27/2025</a:t>
             </a:fld>
             <a:endParaRPr lang="en-US"/>
           </a:p>
@@ -5751,7 +7056,7 @@
           <a:p>
             <a:fld id="{0897D7FB-8BED-4034-AF5C-6E1B4BE46DFA}" type="datetimeFigureOut">
               <a:rPr lang="en-US" smtClean="0"/>
-              <a:t>1/26/2025</a:t>
+              <a:t>1/27/2025</a:t>
             </a:fld>
             <a:endParaRPr lang="en-US"/>
           </a:p>
@@ -5892,7 +7197,7 @@
           <a:p>
             <a:fld id="{0897D7FB-8BED-4034-AF5C-6E1B4BE46DFA}" type="datetimeFigureOut">
               <a:rPr lang="en-US" smtClean="0"/>
-              <a:t>1/26/2025</a:t>
+              <a:t>1/27/2025</a:t>
             </a:fld>
             <a:endParaRPr lang="en-US"/>
           </a:p>
@@ -6005,7 +7310,7 @@
           <a:p>
             <a:fld id="{0897D7FB-8BED-4034-AF5C-6E1B4BE46DFA}" type="datetimeFigureOut">
               <a:rPr lang="en-US" smtClean="0"/>
-              <a:t>1/26/2025</a:t>
+              <a:t>1/27/2025</a:t>
             </a:fld>
             <a:endParaRPr lang="en-US"/>
           </a:p>
@@ -6316,7 +7621,7 @@
           <a:p>
             <a:fld id="{0897D7FB-8BED-4034-AF5C-6E1B4BE46DFA}" type="datetimeFigureOut">
               <a:rPr lang="en-US" smtClean="0"/>
-              <a:t>1/26/2025</a:t>
+              <a:t>1/27/2025</a:t>
             </a:fld>
             <a:endParaRPr lang="en-US"/>
           </a:p>
@@ -6530,7 +7835,7 @@
           <a:p>
             <a:fld id="{6D3CD741-2E3C-46BC-BD4F-513FEA5EC99E}" type="datetimeFigureOut">
               <a:rPr lang="en-US" smtClean="0"/>
-              <a:t>1/26/2025</a:t>
+              <a:t>1/27/2025</a:t>
             </a:fld>
             <a:endParaRPr lang="en-US"/>
           </a:p>
@@ -6818,7 +8123,7 @@
           <a:p>
             <a:fld id="{0897D7FB-8BED-4034-AF5C-6E1B4BE46DFA}" type="datetimeFigureOut">
               <a:rPr lang="en-US" smtClean="0"/>
-              <a:t>1/26/2025</a:t>
+              <a:t>1/27/2025</a:t>
             </a:fld>
             <a:endParaRPr lang="en-US"/>
           </a:p>
@@ -7016,7 +8321,7 @@
           <a:p>
             <a:fld id="{0897D7FB-8BED-4034-AF5C-6E1B4BE46DFA}" type="datetimeFigureOut">
               <a:rPr lang="en-US" smtClean="0"/>
-              <a:t>1/26/2025</a:t>
+              <a:t>1/27/2025</a:t>
             </a:fld>
             <a:endParaRPr lang="en-US"/>
           </a:p>
@@ -7224,7 +8529,7 @@
           <a:p>
             <a:fld id="{0897D7FB-8BED-4034-AF5C-6E1B4BE46DFA}" type="datetimeFigureOut">
               <a:rPr lang="en-US" smtClean="0"/>
-              <a:t>1/26/2025</a:t>
+              <a:t>1/27/2025</a:t>
             </a:fld>
             <a:endParaRPr lang="en-US"/>
           </a:p>
@@ -7659,7 +8964,7 @@
           <a:p>
             <a:fld id="{16182CD4-7864-421F-8E1E-1827F21A79E8}" type="datetimeFigureOut">
               <a:rPr lang="en-US" smtClean="0"/>
-              <a:t>1/26/2025</a:t>
+              <a:t>1/27/2025</a:t>
             </a:fld>
             <a:endParaRPr lang="en-US"/>
           </a:p>
@@ -7857,7 +9162,7 @@
           <a:p>
             <a:fld id="{16182CD4-7864-421F-8E1E-1827F21A79E8}" type="datetimeFigureOut">
               <a:rPr lang="en-US" smtClean="0"/>
-              <a:t>1/26/2025</a:t>
+              <a:t>1/27/2025</a:t>
             </a:fld>
             <a:endParaRPr lang="en-US"/>
           </a:p>
@@ -8132,7 +9437,7 @@
           <a:p>
             <a:fld id="{16182CD4-7864-421F-8E1E-1827F21A79E8}" type="datetimeFigureOut">
               <a:rPr lang="en-US" smtClean="0"/>
-              <a:t>1/26/2025</a:t>
+              <a:t>1/27/2025</a:t>
             </a:fld>
             <a:endParaRPr lang="en-US"/>
           </a:p>
@@ -8397,7 +9702,7 @@
           <a:p>
             <a:fld id="{16182CD4-7864-421F-8E1E-1827F21A79E8}" type="datetimeFigureOut">
               <a:rPr lang="en-US" smtClean="0"/>
-              <a:t>1/26/2025</a:t>
+              <a:t>1/27/2025</a:t>
             </a:fld>
             <a:endParaRPr lang="en-US"/>
           </a:p>
@@ -8809,7 +10114,7 @@
           <a:p>
             <a:fld id="{16182CD4-7864-421F-8E1E-1827F21A79E8}" type="datetimeFigureOut">
               <a:rPr lang="en-US" smtClean="0"/>
-              <a:t>1/26/2025</a:t>
+              <a:t>1/27/2025</a:t>
             </a:fld>
             <a:endParaRPr lang="en-US"/>
           </a:p>
@@ -8950,7 +10255,7 @@
           <a:p>
             <a:fld id="{16182CD4-7864-421F-8E1E-1827F21A79E8}" type="datetimeFigureOut">
               <a:rPr lang="en-US" smtClean="0"/>
-              <a:t>1/26/2025</a:t>
+              <a:t>1/27/2025</a:t>
             </a:fld>
             <a:endParaRPr lang="en-US"/>
           </a:p>
@@ -9231,7 +10536,7 @@
           <a:p>
             <a:fld id="{6D3CD741-2E3C-46BC-BD4F-513FEA5EC99E}" type="datetimeFigureOut">
               <a:rPr lang="en-US" smtClean="0"/>
-              <a:t>1/26/2025</a:t>
+              <a:t>1/27/2025</a:t>
             </a:fld>
             <a:endParaRPr lang="en-US"/>
           </a:p>
@@ -9344,7 +10649,7 @@
           <a:p>
             <a:fld id="{16182CD4-7864-421F-8E1E-1827F21A79E8}" type="datetimeFigureOut">
               <a:rPr lang="en-US" smtClean="0"/>
-              <a:t>1/26/2025</a:t>
+              <a:t>1/27/2025</a:t>
             </a:fld>
             <a:endParaRPr lang="en-US"/>
           </a:p>
@@ -9655,7 +10960,7 @@
           <a:p>
             <a:fld id="{16182CD4-7864-421F-8E1E-1827F21A79E8}" type="datetimeFigureOut">
               <a:rPr lang="en-US" smtClean="0"/>
-              <a:t>1/26/2025</a:t>
+              <a:t>1/27/2025</a:t>
             </a:fld>
             <a:endParaRPr lang="en-US"/>
           </a:p>
@@ -9943,7 +11248,7 @@
           <a:p>
             <a:fld id="{16182CD4-7864-421F-8E1E-1827F21A79E8}" type="datetimeFigureOut">
               <a:rPr lang="en-US" smtClean="0"/>
-              <a:t>1/26/2025</a:t>
+              <a:t>1/27/2025</a:t>
             </a:fld>
             <a:endParaRPr lang="en-US"/>
           </a:p>
@@ -10141,7 +11446,7 @@
           <a:p>
             <a:fld id="{16182CD4-7864-421F-8E1E-1827F21A79E8}" type="datetimeFigureOut">
               <a:rPr lang="en-US" smtClean="0"/>
-              <a:t>1/26/2025</a:t>
+              <a:t>1/27/2025</a:t>
             </a:fld>
             <a:endParaRPr lang="en-US"/>
           </a:p>
@@ -10349,7 +11654,7 @@
           <a:p>
             <a:fld id="{16182CD4-7864-421F-8E1E-1827F21A79E8}" type="datetimeFigureOut">
               <a:rPr lang="en-US" smtClean="0"/>
-              <a:t>1/26/2025</a:t>
+              <a:t>1/27/2025</a:t>
             </a:fld>
             <a:endParaRPr lang="en-US"/>
           </a:p>
@@ -11143,7 +12448,7 @@
           <a:p>
             <a:fld id="{7B38173E-2647-4277-8394-8E7FAFA72EB8}" type="datetimeFigureOut">
               <a:rPr lang="en-US" smtClean="0"/>
-              <a:t>1/26/2025</a:t>
+              <a:t>1/27/2025</a:t>
             </a:fld>
             <a:endParaRPr lang="en-US"/>
           </a:p>
@@ -11653,7 +12958,7 @@
           <a:p>
             <a:fld id="{6D3CD741-2E3C-46BC-BD4F-513FEA5EC99E}" type="datetimeFigureOut">
               <a:rPr lang="en-US" smtClean="0"/>
-              <a:t>1/26/2025</a:t>
+              <a:t>1/27/2025</a:t>
             </a:fld>
             <a:endParaRPr lang="en-US"/>
           </a:p>
@@ -11857,7 +13162,7 @@
           <a:p>
             <a:fld id="{0897D7FB-8BED-4034-AF5C-6E1B4BE46DFA}" type="datetimeFigureOut">
               <a:rPr lang="en-US" smtClean="0"/>
-              <a:t>1/26/2025</a:t>
+              <a:t>1/27/2025</a:t>
             </a:fld>
             <a:endParaRPr lang="en-US"/>
           </a:p>
@@ -12027,7 +13332,7 @@
           <a:p>
             <a:fld id="{0897D7FB-8BED-4034-AF5C-6E1B4BE46DFA}" type="datetimeFigureOut">
               <a:rPr lang="en-US" smtClean="0"/>
-              <a:t>1/26/2025</a:t>
+              <a:t>1/27/2025</a:t>
             </a:fld>
             <a:endParaRPr lang="en-US"/>
           </a:p>
@@ -12273,7 +13578,7 @@
           <a:p>
             <a:fld id="{0897D7FB-8BED-4034-AF5C-6E1B4BE46DFA}" type="datetimeFigureOut">
               <a:rPr lang="en-US" smtClean="0"/>
-              <a:t>1/26/2025</a:t>
+              <a:t>1/27/2025</a:t>
             </a:fld>
             <a:endParaRPr lang="en-US"/>
           </a:p>
@@ -12505,7 +13810,7 @@
           <a:p>
             <a:fld id="{0897D7FB-8BED-4034-AF5C-6E1B4BE46DFA}" type="datetimeFigureOut">
               <a:rPr lang="en-US" smtClean="0"/>
-              <a:t>1/26/2025</a:t>
+              <a:t>1/27/2025</a:t>
             </a:fld>
             <a:endParaRPr lang="en-US"/>
           </a:p>
@@ -12872,7 +14177,7 @@
           <a:p>
             <a:fld id="{0897D7FB-8BED-4034-AF5C-6E1B4BE46DFA}" type="datetimeFigureOut">
               <a:rPr lang="en-US" smtClean="0"/>
-              <a:t>1/26/2025</a:t>
+              <a:t>1/27/2025</a:t>
             </a:fld>
             <a:endParaRPr lang="en-US"/>
           </a:p>
@@ -12990,7 +14295,7 @@
           <a:p>
             <a:fld id="{0897D7FB-8BED-4034-AF5C-6E1B4BE46DFA}" type="datetimeFigureOut">
               <a:rPr lang="en-US" smtClean="0"/>
-              <a:t>1/26/2025</a:t>
+              <a:t>1/27/2025</a:t>
             </a:fld>
             <a:endParaRPr lang="en-US"/>
           </a:p>
@@ -13085,7 +14390,7 @@
           <a:p>
             <a:fld id="{0897D7FB-8BED-4034-AF5C-6E1B4BE46DFA}" type="datetimeFigureOut">
               <a:rPr lang="en-US" smtClean="0"/>
-              <a:t>1/26/2025</a:t>
+              <a:t>1/27/2025</a:t>
             </a:fld>
             <a:endParaRPr lang="en-US"/>
           </a:p>
@@ -13362,7 +14667,7 @@
           <a:p>
             <a:fld id="{0897D7FB-8BED-4034-AF5C-6E1B4BE46DFA}" type="datetimeFigureOut">
               <a:rPr lang="en-US" smtClean="0"/>
-              <a:t>1/26/2025</a:t>
+              <a:t>1/27/2025</a:t>
             </a:fld>
             <a:endParaRPr lang="en-US"/>
           </a:p>
@@ -13619,7 +14924,7 @@
           <a:p>
             <a:fld id="{0897D7FB-8BED-4034-AF5C-6E1B4BE46DFA}" type="datetimeFigureOut">
               <a:rPr lang="en-US" smtClean="0"/>
-              <a:t>1/26/2025</a:t>
+              <a:t>1/27/2025</a:t>
             </a:fld>
             <a:endParaRPr lang="en-US"/>
           </a:p>
@@ -13789,7 +15094,7 @@
           <a:p>
             <a:fld id="{0897D7FB-8BED-4034-AF5C-6E1B4BE46DFA}" type="datetimeFigureOut">
               <a:rPr lang="en-US" smtClean="0"/>
-              <a:t>1/26/2025</a:t>
+              <a:t>1/27/2025</a:t>
             </a:fld>
             <a:endParaRPr lang="en-US"/>
           </a:p>
@@ -14204,7 +15509,7 @@
           <a:p>
             <a:fld id="{6D3CD741-2E3C-46BC-BD4F-513FEA5EC99E}" type="datetimeFigureOut">
               <a:rPr lang="en-US" smtClean="0"/>
-              <a:t>1/26/2025</a:t>
+              <a:t>1/27/2025</a:t>
             </a:fld>
             <a:endParaRPr lang="en-US"/>
           </a:p>
@@ -14396,7 +15701,7 @@
           <a:p>
             <a:fld id="{0897D7FB-8BED-4034-AF5C-6E1B4BE46DFA}" type="datetimeFigureOut">
               <a:rPr lang="en-US" smtClean="0"/>
-              <a:t>1/26/2025</a:t>
+              <a:t>1/27/2025</a:t>
             </a:fld>
             <a:endParaRPr lang="en-US"/>
           </a:p>
@@ -14748,7 +16053,7 @@
           <a:p>
             <a:fld id="{6D3CD741-2E3C-46BC-BD4F-513FEA5EC99E}" type="datetimeFigureOut">
               <a:rPr lang="en-US" smtClean="0"/>
-              <a:t>1/26/2025</a:t>
+              <a:t>1/27/2025</a:t>
             </a:fld>
             <a:endParaRPr lang="en-US"/>
           </a:p>
@@ -14861,7 +16166,7 @@
           <a:p>
             <a:fld id="{6D3CD741-2E3C-46BC-BD4F-513FEA5EC99E}" type="datetimeFigureOut">
               <a:rPr lang="en-US" smtClean="0"/>
-              <a:t>1/26/2025</a:t>
+              <a:t>1/27/2025</a:t>
             </a:fld>
             <a:endParaRPr lang="en-US"/>
           </a:p>
@@ -15181,7 +16486,7 @@
           <a:p>
             <a:fld id="{6D3CD741-2E3C-46BC-BD4F-513FEA5EC99E}" type="datetimeFigureOut">
               <a:rPr lang="en-US" smtClean="0"/>
-              <a:t>1/26/2025</a:t>
+              <a:t>1/27/2025</a:t>
             </a:fld>
             <a:endParaRPr lang="en-US"/>
           </a:p>
@@ -15478,7 +16783,7 @@
           <a:p>
             <a:fld id="{6D3CD741-2E3C-46BC-BD4F-513FEA5EC99E}" type="datetimeFigureOut">
               <a:rPr lang="en-US" smtClean="0"/>
-              <a:t>1/26/2025</a:t>
+              <a:t>1/27/2025</a:t>
             </a:fld>
             <a:endParaRPr lang="en-US"/>
           </a:p>
@@ -15671,7 +16976,7 @@
           <a:p>
             <a:fld id="{6D3CD741-2E3C-46BC-BD4F-513FEA5EC99E}" type="datetimeFigureOut">
               <a:rPr lang="en-US" smtClean="0"/>
-              <a:t>1/26/2025</a:t>
+              <a:t>1/27/2025</a:t>
             </a:fld>
             <a:endParaRPr lang="en-US"/>
           </a:p>
@@ -16662,7 +17967,7 @@
           <a:p>
             <a:fld id="{0897D7FB-8BED-4034-AF5C-6E1B4BE46DFA}" type="datetimeFigureOut">
               <a:rPr lang="en-US" smtClean="0"/>
-              <a:t>1/26/2025</a:t>
+              <a:t>1/27/2025</a:t>
             </a:fld>
             <a:endParaRPr lang="en-US"/>
           </a:p>
@@ -17231,7 +18536,7 @@
           <a:p>
             <a:fld id="{16182CD4-7864-421F-8E1E-1827F21A79E8}" type="datetimeFigureOut">
               <a:rPr lang="en-US" smtClean="0"/>
-              <a:t>1/26/2025</a:t>
+              <a:t>1/27/2025</a:t>
             </a:fld>
             <a:endParaRPr lang="en-US"/>
           </a:p>
@@ -17788,7 +19093,7 @@
           <a:p>
             <a:fld id="{6D3CD741-2E3C-46BC-BD4F-513FEA5EC99E}" type="datetimeFigureOut">
               <a:rPr lang="en-US" smtClean="0"/>
-              <a:t>1/26/2025</a:t>
+              <a:t>1/27/2025</a:t>
             </a:fld>
             <a:endParaRPr lang="en-US"/>
           </a:p>
@@ -18258,7 +19563,7 @@
           <a:lstStyle/>
           <a:p>
             <a:pPr algn="ctr"/>
-            <a:endParaRPr lang="en-US"/>
+            <a:endParaRPr lang="en-US" noProof="0" dirty="0"/>
           </a:p>
         </p:txBody>
       </p:sp>
@@ -18277,13 +19582,13 @@
           <p:nvPr/>
         </p:nvPicPr>
         <p:blipFill>
-          <a:blip r:embed="rId2">
+          <a:blip r:embed="rId3">
             <a:extLst>
               <a:ext uri="{28A0092B-C50C-407E-A947-70E740481C1C}">
                 <a14:useLocalDpi xmlns:a14="http://schemas.microsoft.com/office/drawing/2010/main" val="0"/>
               </a:ext>
               <a:ext uri="{837473B0-CC2E-450A-ABE3-18F120FF3D39}">
-                <a1611:picAttrSrcUrl xmlns:a1611="http://schemas.microsoft.com/office/drawing/2016/11/main" r:id="rId3"/>
+                <a1611:picAttrSrcUrl xmlns:a1611="http://schemas.microsoft.com/office/drawing/2016/11/main" r:id="rId4"/>
               </a:ext>
             </a:extLst>
           </a:blip>
@@ -18377,7 +19682,7 @@
           <a:lstStyle/>
           <a:p>
             <a:pPr algn="ctr"/>
-            <a:endParaRPr lang="en-US" dirty="0"/>
+            <a:endParaRPr lang="en-US" noProof="0" dirty="0"/>
           </a:p>
         </p:txBody>
       </p:sp>
@@ -18411,7 +19716,7 @@
           <a:p>
             <a:pPr algn="l"/>
             <a:r>
-              <a:rPr lang="en-US" sz="4800" dirty="0">
+              <a:rPr lang="en-US" sz="4800" noProof="0" dirty="0">
                 <a:solidFill>
                   <a:schemeClr val="bg1"/>
                 </a:solidFill>
@@ -18451,12 +19756,12 @@
           <a:p>
             <a:pPr algn="l"/>
             <a:r>
-              <a:rPr lang="en-US" sz="2000" dirty="0">
+              <a:rPr lang="en-US" sz="2000" noProof="0" dirty="0">
                 <a:solidFill>
                   <a:schemeClr val="bg1"/>
                 </a:solidFill>
               </a:rPr>
-              <a:t>By Regeneration &amp; Pireaus Bank</a:t>
+              <a:t>By Regeneration &amp; Piraeus Bank</a:t>
             </a:r>
           </a:p>
         </p:txBody>
@@ -18520,7 +19825,7 @@
           <a:lstStyle/>
           <a:p>
             <a:pPr algn="ctr"/>
-            <a:endParaRPr lang="en-US">
+            <a:endParaRPr lang="en-US" noProof="0" dirty="0">
               <a:solidFill>
                 <a:prstClr val="white"/>
               </a:solidFill>
@@ -18605,7 +19910,7 @@
               <a:tabLst/>
               <a:defRPr/>
             </a:pPr>
-            <a:endParaRPr kumimoji="0" lang="en-US" sz="1800" b="0" i="0" u="none" strike="noStrike" kern="1200" cap="none" spc="0" normalizeH="0" baseline="0" noProof="0">
+            <a:endParaRPr kumimoji="0" lang="en-US" sz="1800" b="0" i="0" u="none" strike="noStrike" kern="1200" cap="none" spc="0" normalizeH="0" baseline="0" noProof="0" dirty="0">
               <a:ln>
                 <a:noFill/>
               </a:ln>
@@ -18658,11 +19963,11 @@
               </a:spcAft>
             </a:pPr>
             <a:r>
-              <a:rPr lang="en-GR" sz="700">
+              <a:rPr lang="en-US" sz="700" noProof="0" dirty="0">
                 <a:solidFill>
                   <a:srgbClr val="FFFFFF"/>
                 </a:solidFill>
-                <a:hlinkClick r:id="rId3" tooltip="https://www.cato.org/blog/does-section-230-cover-generative-ai">
+                <a:hlinkClick r:id="rId4" tooltip="https://www.cato.org/blog/does-section-230-cover-generative-ai">
                   <a:extLst>
                     <a:ext uri="{A12FA001-AC4F-418D-AE19-62706E023703}">
                       <ahyp:hlinkClr xmlns:ahyp="http://schemas.microsoft.com/office/drawing/2018/hyperlinkcolor" val="tx"/>
@@ -18673,7 +19978,7 @@
               <a:t>This Photo</a:t>
             </a:r>
             <a:r>
-              <a:rPr lang="en-GR" sz="700">
+              <a:rPr lang="en-US" sz="700" noProof="0" dirty="0">
                 <a:solidFill>
                   <a:srgbClr val="FFFFFF"/>
                 </a:solidFill>
@@ -18681,11 +19986,11 @@
               <a:t> by Unknown Author is licensed under </a:t>
             </a:r>
             <a:r>
-              <a:rPr lang="en-GR" sz="700">
+              <a:rPr lang="en-US" sz="700" noProof="0" dirty="0">
                 <a:solidFill>
                   <a:srgbClr val="FFFFFF"/>
                 </a:solidFill>
-                <a:hlinkClick r:id="rId4" tooltip="https://creativecommons.org/licenses/by-nc-sa/3.0/">
+                <a:hlinkClick r:id="rId5" tooltip="https://creativecommons.org/licenses/by-nc-sa/3.0/">
                   <a:extLst>
                     <a:ext uri="{A12FA001-AC4F-418D-AE19-62706E023703}">
                       <ahyp:hlinkClr xmlns:ahyp="http://schemas.microsoft.com/office/drawing/2018/hyperlinkcolor" val="tx"/>
@@ -18695,7 +20000,7 @@
               </a:rPr>
               <a:t>CC BY-SA-NC</a:t>
             </a:r>
-            <a:endParaRPr lang="en-GR" sz="700">
+            <a:endParaRPr lang="en-US" sz="700" noProof="0" dirty="0">
               <a:solidFill>
                 <a:srgbClr val="FFFFFF"/>
               </a:solidFill>
@@ -18889,7 +20194,7 @@
           <a:lstStyle/>
           <a:p>
             <a:pPr algn="ctr"/>
-            <a:endParaRPr lang="en-US"/>
+            <a:endParaRPr lang="en-US" noProof="0" dirty="0"/>
           </a:p>
         </p:txBody>
       </p:sp>
@@ -18922,7 +20227,7 @@
           <a:lstStyle/>
           <a:p>
             <a:r>
-              <a:rPr lang="en-US" sz="3400" kern="1200" dirty="0">
+              <a:rPr lang="en-US" sz="3400" kern="1200" noProof="0" dirty="0">
                 <a:solidFill>
                   <a:schemeClr val="tx1"/>
                 </a:solidFill>
@@ -18994,7 +20299,7 @@
           <a:lstStyle/>
           <a:p>
             <a:pPr algn="ctr"/>
-            <a:endParaRPr lang="en-US">
+            <a:endParaRPr lang="en-US" noProof="0" dirty="0">
               <a:solidFill>
                 <a:prstClr val="white"/>
               </a:solidFill>
@@ -19063,7 +20368,7 @@
           <a:lstStyle/>
           <a:p>
             <a:pPr algn="ctr"/>
-            <a:endParaRPr lang="en-US">
+            <a:endParaRPr lang="en-US" noProof="0" dirty="0">
               <a:solidFill>
                 <a:prstClr val="white"/>
               </a:solidFill>
@@ -19104,20 +20409,20 @@
               <a:buNone/>
             </a:pPr>
             <a:r>
-              <a:rPr lang="en-US" sz="2200" i="1" dirty="0"/>
+              <a:rPr lang="en-US" sz="2200" i="1" noProof="0" dirty="0"/>
               <a:t>Comments</a:t>
             </a:r>
             <a:r>
-              <a:rPr lang="en-US" sz="2200" dirty="0"/>
+              <a:rPr lang="en-US" sz="2200" noProof="0" dirty="0"/>
               <a:t>:</a:t>
             </a:r>
           </a:p>
           <a:p>
-            <a:endParaRPr lang="en-US" sz="1800" dirty="0"/>
-          </a:p>
-          <a:p>
-            <a:r>
-              <a:rPr lang="en-US" sz="1800" dirty="0"/>
+            <a:endParaRPr lang="en-US" sz="1800" noProof="0" dirty="0"/>
+          </a:p>
+          <a:p>
+            <a:r>
+              <a:rPr lang="en-US" sz="1800" noProof="0" dirty="0"/>
               <a:t>Feature Selection based on High Correlation to the “Total Revenue” such as “Total Invoices”, “Annual Revenue”, “Average Revenue”</a:t>
             </a:r>
           </a:p>
@@ -19125,31 +20430,28 @@
             <a:pPr marL="0" indent="0">
               <a:buNone/>
             </a:pPr>
-            <a:endParaRPr lang="en-US" sz="1800" dirty="0"/>
-          </a:p>
-          <a:p>
-            <a:r>
-              <a:rPr lang="en-US" sz="1800" dirty="0"/>
-              <a:t>Outliers Removal such as salesmen with “Total Revenue” more then 600 and employees who are not salesmen</a:t>
-            </a:r>
-          </a:p>
-          <a:p>
-            <a:endParaRPr lang="en-US" sz="1800" dirty="0"/>
-          </a:p>
-          <a:p>
-            <a:r>
-              <a:rPr lang="en-US" sz="1800" dirty="0"/>
-              <a:t>Sample Cleanup with NA filling and “Tenure” as well as “Annual Revenue” Feature calculation</a:t>
-            </a:r>
-          </a:p>
-          <a:p>
-            <a:endParaRPr lang="en-US" sz="1800" dirty="0"/>
-          </a:p>
-          <a:p>
-            <a:endParaRPr lang="en-US" sz="1800" dirty="0"/>
-          </a:p>
-          <a:p>
-            <a:endParaRPr lang="en-US" sz="1800" dirty="0"/>
+            <a:endParaRPr lang="en-US" sz="1800" noProof="0" dirty="0"/>
+          </a:p>
+          <a:p>
+            <a:r>
+              <a:rPr lang="en-US" sz="1800" noProof="0" dirty="0"/>
+              <a:t>Outlier Removal such as salesmen with “Total Revenue” more than 600 and employees who are not salesmen</a:t>
+            </a:r>
+          </a:p>
+          <a:p>
+            <a:endParaRPr lang="en-US" sz="1800" noProof="0" dirty="0"/>
+          </a:p>
+          <a:p>
+            <a:r>
+              <a:rPr lang="en-US" sz="1800" noProof="0" dirty="0"/>
+              <a:t>Sample Cleanup with NA filling and Feature Calculation such as “Tenure” as well as “Annual Revenue”</a:t>
+            </a:r>
+          </a:p>
+          <a:p>
+            <a:endParaRPr lang="en-US" sz="1800" noProof="0" dirty="0"/>
+          </a:p>
+          <a:p>
+            <a:endParaRPr lang="en-US" sz="1800" noProof="0" dirty="0"/>
           </a:p>
         </p:txBody>
       </p:sp>
@@ -19168,7 +20470,7 @@
           <p:nvPr/>
         </p:nvPicPr>
         <p:blipFill>
-          <a:blip r:embed="rId2">
+          <a:blip r:embed="rId3">
             <a:clrChange>
               <a:clrFrom>
                 <a:srgbClr val="FFFFFF"/>
@@ -19213,7 +20515,7 @@
           <p:nvPr/>
         </p:nvPicPr>
         <p:blipFill>
-          <a:blip r:embed="rId3">
+          <a:blip r:embed="rId4">
             <a:extLst>
               <a:ext uri="{28A0092B-C50C-407E-A947-70E740481C1C}">
                 <a14:useLocalDpi xmlns:a14="http://schemas.microsoft.com/office/drawing/2010/main" val="0"/>
@@ -19337,7 +20639,7 @@
           <a:lstStyle/>
           <a:p>
             <a:pPr algn="ctr"/>
-            <a:endParaRPr lang="en-US"/>
+            <a:endParaRPr lang="en-US" noProof="0" dirty="0"/>
           </a:p>
         </p:txBody>
       </p:sp>
@@ -19370,7 +20672,7 @@
           <a:lstStyle/>
           <a:p>
             <a:r>
-              <a:rPr lang="en-US" sz="3400" kern="1200" dirty="0">
+              <a:rPr lang="en-US" sz="3400" kern="1200" noProof="0" dirty="0">
                 <a:solidFill>
                   <a:schemeClr val="tx1"/>
                 </a:solidFill>
@@ -19442,7 +20744,7 @@
           <a:lstStyle/>
           <a:p>
             <a:pPr algn="ctr"/>
-            <a:endParaRPr lang="en-US">
+            <a:endParaRPr lang="en-US" noProof="0" dirty="0">
               <a:solidFill>
                 <a:prstClr val="white"/>
               </a:solidFill>
@@ -19511,7 +20813,7 @@
           <a:lstStyle/>
           <a:p>
             <a:pPr algn="ctr"/>
-            <a:endParaRPr lang="en-US">
+            <a:endParaRPr lang="en-US" noProof="0" dirty="0">
               <a:solidFill>
                 <a:prstClr val="white"/>
               </a:solidFill>
@@ -19552,20 +20854,20 @@
               <a:buNone/>
             </a:pPr>
             <a:r>
-              <a:rPr lang="en-US" sz="2200" i="1" dirty="0"/>
+              <a:rPr lang="en-US" sz="2200" i="1" noProof="0" dirty="0"/>
               <a:t>Comments</a:t>
             </a:r>
             <a:r>
-              <a:rPr lang="en-US" sz="2200" dirty="0"/>
+              <a:rPr lang="en-US" sz="2200" noProof="0" dirty="0"/>
               <a:t>:</a:t>
             </a:r>
           </a:p>
           <a:p>
-            <a:endParaRPr lang="en-US" sz="1800" dirty="0"/>
-          </a:p>
-          <a:p>
-            <a:r>
-              <a:rPr lang="en-US" sz="1800" dirty="0"/>
+            <a:endParaRPr lang="en-US" sz="1800" noProof="0" dirty="0"/>
+          </a:p>
+          <a:p>
+            <a:r>
+              <a:rPr lang="en-US" sz="1800" noProof="0" dirty="0"/>
               <a:t>Labeling based on Performance using Quantiles (High, Average, Low )</a:t>
             </a:r>
           </a:p>
@@ -19573,16 +20875,16 @@
             <a:pPr marL="0" indent="0">
               <a:buNone/>
             </a:pPr>
-            <a:endParaRPr lang="en-US" sz="1800" dirty="0"/>
-          </a:p>
-          <a:p>
-            <a:r>
-              <a:rPr lang="en-US" sz="1800" dirty="0"/>
-              <a:t>Label Encoding manually with Pandas and label mapping</a:t>
-            </a:r>
-          </a:p>
-          <a:p>
-            <a:endParaRPr lang="en-US" sz="1800" dirty="0"/>
+            <a:endParaRPr lang="en-US" sz="1800" noProof="0" dirty="0"/>
+          </a:p>
+          <a:p>
+            <a:r>
+              <a:rPr lang="en-US" sz="1800" noProof="0" dirty="0"/>
+              <a:t>Label Encoding manually with Pandas and Label Mapping</a:t>
+            </a:r>
+          </a:p>
+          <a:p>
+            <a:endParaRPr lang="en-US" sz="1800" noProof="0" dirty="0"/>
           </a:p>
         </p:txBody>
       </p:sp>
@@ -19601,7 +20903,7 @@
           <p:nvPr/>
         </p:nvPicPr>
         <p:blipFill>
-          <a:blip r:embed="rId2">
+          <a:blip r:embed="rId3">
             <a:clrChange>
               <a:clrFrom>
                 <a:srgbClr val="FFFFFF"/>
@@ -19623,8 +20925,8 @@
         </p:blipFill>
         <p:spPr>
           <a:xfrm>
-            <a:off x="7226032" y="0"/>
-            <a:ext cx="4285871" cy="3397430"/>
+            <a:off x="6661334" y="-1"/>
+            <a:ext cx="4443154" cy="3522109"/>
           </a:xfrm>
           <a:prstGeom prst="rect">
             <a:avLst/>
@@ -19633,10 +20935,10 @@
       </p:pic>
       <p:pic>
         <p:nvPicPr>
-          <p:cNvPr id="10" name="Picture 9">
-            <a:extLst>
-              <a:ext uri="{FF2B5EF4-FFF2-40B4-BE49-F238E27FC236}">
-                <a16:creationId xmlns:a16="http://schemas.microsoft.com/office/drawing/2014/main" id="{5682820A-BEDB-6F6C-6BDB-D6E27317BB40}"/>
+          <p:cNvPr id="6" name="Picture 5" descr="A group of graphs showing different colored shapes&#10;&#10;Description automatically generated with medium confidence">
+            <a:extLst>
+              <a:ext uri="{FF2B5EF4-FFF2-40B4-BE49-F238E27FC236}">
+                <a16:creationId xmlns:a16="http://schemas.microsoft.com/office/drawing/2014/main" id="{9A8BED54-58A1-48D0-C663-2B58DBAA4165}"/>
               </a:ext>
             </a:extLst>
           </p:cNvPr>
@@ -19646,15 +20948,30 @@
           <p:nvPr/>
         </p:nvPicPr>
         <p:blipFill>
-          <a:blip r:embed="rId3"/>
-          <a:stretch>
-            <a:fillRect/>
-          </a:stretch>
+          <a:blip r:embed="rId4">
+            <a:clrChange>
+              <a:clrFrom>
+                <a:srgbClr val="FFFFFF"/>
+              </a:clrFrom>
+              <a:clrTo>
+                <a:srgbClr val="FFFFFF">
+                  <a:alpha val="0"/>
+                </a:srgbClr>
+              </a:clrTo>
+            </a:clrChange>
+            <a:extLst>
+              <a:ext uri="{28A0092B-C50C-407E-A947-70E740481C1C}">
+                <a14:useLocalDpi xmlns:a14="http://schemas.microsoft.com/office/drawing/2010/main" val="0"/>
+              </a:ext>
+            </a:extLst>
+          </a:blip>
+          <a:srcRect l="2393" t="1482" b="1645"/>
+          <a:stretch/>
         </p:blipFill>
         <p:spPr>
           <a:xfrm>
-            <a:off x="5739317" y="3648307"/>
-            <a:ext cx="6318383" cy="2958816"/>
+            <a:off x="5823597" y="3699576"/>
+            <a:ext cx="6118629" cy="2980956"/>
           </a:xfrm>
           <a:prstGeom prst="rect">
             <a:avLst/>
@@ -19764,7 +21081,7 @@
           <a:lstStyle/>
           <a:p>
             <a:pPr algn="ctr"/>
-            <a:endParaRPr lang="en-US"/>
+            <a:endParaRPr lang="en-US" noProof="0" dirty="0"/>
           </a:p>
         </p:txBody>
       </p:sp>
@@ -19797,7 +21114,7 @@
           <a:lstStyle/>
           <a:p>
             <a:r>
-              <a:rPr lang="en-US" sz="3400" kern="1200" dirty="0">
+              <a:rPr lang="en-US" sz="3400" kern="1200" noProof="0" dirty="0">
                 <a:solidFill>
                   <a:schemeClr val="tx1"/>
                 </a:solidFill>
@@ -19805,18 +21122,18 @@
                 <a:ea typeface="+mj-ea"/>
                 <a:cs typeface="+mj-cs"/>
               </a:rPr>
-              <a:t>Normalizati</a:t>
-            </a:r>
-            <a:r>
-              <a:rPr lang="en-US" sz="3400" dirty="0">
+              <a:t>Standardization</a:t>
+            </a:r>
+            <a:r>
+              <a:rPr lang="en-US" sz="3400" noProof="0" dirty="0">
                 <a:solidFill>
                   <a:schemeClr val="tx1"/>
                 </a:solidFill>
               </a:rPr>
-              <a:t>on, </a:t>
-            </a:r>
-            <a:r>
-              <a:rPr lang="en-US" sz="3400" kern="1200" dirty="0">
+              <a:t>, </a:t>
+            </a:r>
+            <a:r>
+              <a:rPr lang="en-US" sz="3400" kern="1200" noProof="0" dirty="0">
                 <a:solidFill>
                   <a:schemeClr val="tx1"/>
                 </a:solidFill>
@@ -19888,7 +21205,7 @@
           <a:lstStyle/>
           <a:p>
             <a:pPr algn="ctr"/>
-            <a:endParaRPr lang="en-US">
+            <a:endParaRPr lang="en-US" noProof="0" dirty="0">
               <a:solidFill>
                 <a:prstClr val="white"/>
               </a:solidFill>
@@ -19957,7 +21274,7 @@
           <a:lstStyle/>
           <a:p>
             <a:pPr algn="ctr"/>
-            <a:endParaRPr lang="en-US">
+            <a:endParaRPr lang="en-US" noProof="0" dirty="0">
               <a:solidFill>
                 <a:prstClr val="white"/>
               </a:solidFill>
@@ -19998,20 +21315,20 @@
               <a:buNone/>
             </a:pPr>
             <a:r>
-              <a:rPr lang="en-US" sz="2200" i="1" dirty="0"/>
+              <a:rPr lang="en-US" sz="2200" i="1" noProof="0" dirty="0"/>
               <a:t>Comments</a:t>
             </a:r>
             <a:r>
-              <a:rPr lang="en-US" sz="2200" dirty="0"/>
+              <a:rPr lang="en-US" sz="2200" noProof="0" dirty="0"/>
               <a:t>:</a:t>
             </a:r>
           </a:p>
           <a:p>
-            <a:endParaRPr lang="en-US" sz="1800" dirty="0"/>
-          </a:p>
-          <a:p>
-            <a:r>
-              <a:rPr lang="en-US" sz="1800" dirty="0"/>
+            <a:endParaRPr lang="en-US" sz="1800" noProof="0" dirty="0"/>
+          </a:p>
+          <a:p>
+            <a:r>
+              <a:rPr lang="en-US" sz="1800" noProof="0" dirty="0"/>
               <a:t>Feature Scaling of the Training Data with Standard Scaler</a:t>
             </a:r>
           </a:p>
@@ -20019,30 +21336,30 @@
             <a:pPr marL="0" indent="0">
               <a:buNone/>
             </a:pPr>
-            <a:endParaRPr lang="en-US" sz="1800" dirty="0"/>
-          </a:p>
-          <a:p>
-            <a:r>
-              <a:rPr lang="en-US" sz="1800" dirty="0"/>
-              <a:t>Classification Models Selection for the training</a:t>
-            </a:r>
-          </a:p>
-          <a:p>
-            <a:endParaRPr lang="en-US" sz="1800" dirty="0"/>
-          </a:p>
-          <a:p>
-            <a:r>
-              <a:rPr lang="en-US" sz="1800" dirty="0"/>
+            <a:endParaRPr lang="en-US" sz="1800" noProof="0" dirty="0"/>
+          </a:p>
+          <a:p>
+            <a:r>
+              <a:rPr lang="en-US" sz="1800" noProof="0" dirty="0"/>
+              <a:t>Classification Model Selection for the training</a:t>
+            </a:r>
+          </a:p>
+          <a:p>
+            <a:endParaRPr lang="en-US" sz="1800" noProof="0" dirty="0"/>
+          </a:p>
+          <a:p>
+            <a:r>
+              <a:rPr lang="en-US" sz="1800" noProof="0" dirty="0"/>
               <a:t>Set of Hyperparameters per Model using Stratified K-fold Cross Validation with </a:t>
             </a:r>
             <a:r>
-              <a:rPr lang="en-US" sz="1800" dirty="0" err="1"/>
+              <a:rPr lang="en-US" sz="1800" noProof="0" dirty="0" err="1"/>
               <a:t>GridSearch</a:t>
             </a:r>
-            <a:endParaRPr lang="en-US" sz="1800" dirty="0"/>
-          </a:p>
-          <a:p>
-            <a:endParaRPr lang="en-US" sz="1800" dirty="0"/>
+            <a:endParaRPr lang="en-US" sz="1800" noProof="0" dirty="0"/>
+          </a:p>
+          <a:p>
+            <a:endParaRPr lang="en-US" sz="1800" noProof="0" dirty="0"/>
           </a:p>
         </p:txBody>
       </p:sp>
@@ -20052,51 +21369,6 @@
             <a:extLst>
               <a:ext uri="{FF2B5EF4-FFF2-40B4-BE49-F238E27FC236}">
                 <a16:creationId xmlns:a16="http://schemas.microsoft.com/office/drawing/2014/main" id="{3C1D5079-577A-3F02-0455-0C5CB70CCEF8}"/>
-              </a:ext>
-            </a:extLst>
-          </p:cNvPr>
-          <p:cNvPicPr>
-            <a:picLocks noChangeAspect="1"/>
-          </p:cNvPicPr>
-          <p:nvPr/>
-        </p:nvPicPr>
-        <p:blipFill>
-          <a:blip r:embed="rId2">
-            <a:clrChange>
-              <a:clrFrom>
-                <a:srgbClr val="FFFFFF"/>
-              </a:clrFrom>
-              <a:clrTo>
-                <a:srgbClr val="FFFFFF">
-                  <a:alpha val="0"/>
-                </a:srgbClr>
-              </a:clrTo>
-            </a:clrChange>
-            <a:extLst>
-              <a:ext uri="{28A0092B-C50C-407E-A947-70E740481C1C}">
-                <a14:useLocalDpi xmlns:a14="http://schemas.microsoft.com/office/drawing/2010/main" val="0"/>
-              </a:ext>
-            </a:extLst>
-          </a:blip>
-          <a:srcRect r="6236"/>
-          <a:stretch/>
-        </p:blipFill>
-        <p:spPr>
-          <a:xfrm>
-            <a:off x="5836943" y="3524009"/>
-            <a:ext cx="6186768" cy="3238984"/>
-          </a:xfrm>
-          <a:prstGeom prst="rect">
-            <a:avLst/>
-          </a:prstGeom>
-        </p:spPr>
-      </p:pic>
-      <p:pic>
-        <p:nvPicPr>
-          <p:cNvPr id="8" name="Picture 7" descr="A blue rectangular object with black text&#10;&#10;Description automatically generated with medium confidence">
-            <a:extLst>
-              <a:ext uri="{FF2B5EF4-FFF2-40B4-BE49-F238E27FC236}">
-                <a16:creationId xmlns:a16="http://schemas.microsoft.com/office/drawing/2014/main" id="{D1795415-A576-46B9-C013-472867B01DCF}"/>
               </a:ext>
             </a:extLst>
           </p:cNvPr>
@@ -20128,8 +21400,44 @@
         </p:blipFill>
         <p:spPr>
           <a:xfrm>
-            <a:off x="5836943" y="95008"/>
-            <a:ext cx="6186768" cy="3238984"/>
+            <a:off x="5655467" y="3429000"/>
+            <a:ext cx="6368244" cy="3333993"/>
+          </a:xfrm>
+          <a:prstGeom prst="rect">
+            <a:avLst/>
+          </a:prstGeom>
+        </p:spPr>
+      </p:pic>
+      <p:pic>
+        <p:nvPicPr>
+          <p:cNvPr id="9" name="Picture 8" descr="A blue and white flag&#10;&#10;Description automatically generated">
+            <a:extLst>
+              <a:ext uri="{FF2B5EF4-FFF2-40B4-BE49-F238E27FC236}">
+                <a16:creationId xmlns:a16="http://schemas.microsoft.com/office/drawing/2014/main" id="{D53D6358-260C-CA6B-3E1F-F5EED33125F2}"/>
+              </a:ext>
+            </a:extLst>
+          </p:cNvPr>
+          <p:cNvPicPr>
+            <a:picLocks noChangeAspect="1"/>
+          </p:cNvPicPr>
+          <p:nvPr/>
+        </p:nvPicPr>
+        <p:blipFill>
+          <a:blip r:embed="rId4">
+            <a:extLst>
+              <a:ext uri="{28A0092B-C50C-407E-A947-70E740481C1C}">
+                <a14:useLocalDpi xmlns:a14="http://schemas.microsoft.com/office/drawing/2010/main" val="0"/>
+              </a:ext>
+            </a:extLst>
+          </a:blip>
+          <a:stretch>
+            <a:fillRect/>
+          </a:stretch>
+        </p:blipFill>
+        <p:spPr>
+          <a:xfrm>
+            <a:off x="6025602" y="349502"/>
+            <a:ext cx="5754918" cy="2825005"/>
           </a:xfrm>
           <a:prstGeom prst="rect">
             <a:avLst/>
@@ -20239,7 +21547,7 @@
           <a:lstStyle/>
           <a:p>
             <a:pPr algn="ctr"/>
-            <a:endParaRPr lang="en-US"/>
+            <a:endParaRPr lang="en-US" noProof="0" dirty="0"/>
           </a:p>
         </p:txBody>
       </p:sp>
@@ -20272,7 +21580,7 @@
           <a:lstStyle/>
           <a:p>
             <a:r>
-              <a:rPr lang="en-US" sz="3400" kern="1200" dirty="0">
+              <a:rPr lang="en-US" sz="3400" kern="1200" noProof="0" dirty="0">
                 <a:solidFill>
                   <a:schemeClr val="tx1"/>
                 </a:solidFill>
@@ -20283,7 +21591,7 @@
               <a:t>Model Evaluation, Metrics &amp; Confusion Matrix </a:t>
             </a:r>
             <a:r>
-              <a:rPr lang="en-US" sz="2000" b="0" kern="1200" dirty="0">
+              <a:rPr lang="en-US" sz="2000" b="0" kern="1200" noProof="0" dirty="0">
                 <a:solidFill>
                   <a:schemeClr val="tx1"/>
                 </a:solidFill>
@@ -20293,7 +21601,7 @@
               </a:rPr>
               <a:t>(Part I)</a:t>
             </a:r>
-            <a:endParaRPr lang="en-US" sz="3400" b="0" kern="1200" dirty="0">
+            <a:endParaRPr lang="en-US" sz="3400" b="0" kern="1200" noProof="0" dirty="0">
               <a:solidFill>
                 <a:schemeClr val="tx1"/>
               </a:solidFill>
@@ -20363,7 +21671,7 @@
           <a:lstStyle/>
           <a:p>
             <a:pPr algn="ctr"/>
-            <a:endParaRPr lang="en-US">
+            <a:endParaRPr lang="en-US" noProof="0" dirty="0">
               <a:solidFill>
                 <a:prstClr val="white"/>
               </a:solidFill>
@@ -20432,7 +21740,7 @@
           <a:lstStyle/>
           <a:p>
             <a:pPr algn="ctr"/>
-            <a:endParaRPr lang="en-US">
+            <a:endParaRPr lang="en-US" noProof="0" dirty="0">
               <a:solidFill>
                 <a:prstClr val="white"/>
               </a:solidFill>
@@ -20473,42 +21781,30 @@
               <a:buNone/>
             </a:pPr>
             <a:r>
-              <a:rPr lang="en-US" sz="2200" i="1" dirty="0"/>
+              <a:rPr lang="en-US" sz="2200" i="1" noProof="0" dirty="0"/>
               <a:t>Comments</a:t>
             </a:r>
             <a:r>
-              <a:rPr lang="en-US" sz="2200" dirty="0"/>
+              <a:rPr lang="en-US" sz="2200" noProof="0" dirty="0"/>
               <a:t>:</a:t>
             </a:r>
           </a:p>
           <a:p>
-            <a:endParaRPr lang="en-US" sz="1800" dirty="0"/>
-          </a:p>
-          <a:p>
-            <a:r>
-              <a:rPr lang="en-US" sz="1800" dirty="0"/>
-              <a:t>Strong results based on the classification report per model</a:t>
-            </a:r>
-          </a:p>
-          <a:p>
-            <a:endParaRPr lang="en-US" sz="1800" dirty="0"/>
-          </a:p>
-          <a:p>
-            <a:r>
-              <a:rPr lang="en-US" sz="1800" dirty="0"/>
+            <a:endParaRPr lang="en-US" sz="1800" noProof="0" dirty="0"/>
+          </a:p>
+          <a:p>
+            <a:r>
+              <a:rPr lang="en-US" sz="1800" noProof="0" dirty="0"/>
+              <a:t>Strong results based on the classification report per Model</a:t>
+            </a:r>
+          </a:p>
+          <a:p>
+            <a:endParaRPr lang="en-US" sz="1800" noProof="0" dirty="0"/>
+          </a:p>
+          <a:p>
+            <a:r>
+              <a:rPr lang="en-US" sz="1800" noProof="0" dirty="0"/>
               <a:t>Metrics achieve over 96% score on Average</a:t>
-            </a:r>
-          </a:p>
-          <a:p>
-            <a:pPr marL="0" indent="0">
-              <a:buNone/>
-            </a:pPr>
-            <a:endParaRPr lang="en-US" sz="1800" dirty="0"/>
-          </a:p>
-          <a:p>
-            <a:r>
-              <a:rPr lang="en-US" sz="1800" dirty="0"/>
-              <a:t>Metrics achieve over 96% score on Average Performance label distribution</a:t>
             </a:r>
           </a:p>
         </p:txBody>
@@ -20528,7 +21824,7 @@
           <p:nvPr/>
         </p:nvPicPr>
         <p:blipFill>
-          <a:blip r:embed="rId2">
+          <a:blip r:embed="rId3">
             <a:clrChange>
               <a:clrFrom>
                 <a:srgbClr val="FFFFFF"/>
@@ -20573,7 +21869,7 @@
           <p:nvPr/>
         </p:nvPicPr>
         <p:blipFill>
-          <a:blip r:embed="rId3">
+          <a:blip r:embed="rId4">
             <a:clrChange>
               <a:clrFrom>
                 <a:srgbClr val="F7FBFF"/>
@@ -20706,7 +22002,7 @@
           <a:lstStyle/>
           <a:p>
             <a:pPr algn="ctr"/>
-            <a:endParaRPr lang="en-US"/>
+            <a:endParaRPr lang="en-US" noProof="0" dirty="0"/>
           </a:p>
         </p:txBody>
       </p:sp>
@@ -20739,7 +22035,7 @@
           <a:lstStyle/>
           <a:p>
             <a:r>
-              <a:rPr lang="en-US" sz="3400" kern="1200" dirty="0">
+              <a:rPr lang="en-US" sz="3400" kern="1200" noProof="0" dirty="0">
                 <a:solidFill>
                   <a:schemeClr val="tx1"/>
                 </a:solidFill>
@@ -20750,7 +22046,7 @@
               <a:t>Model Evaluation, Metrics &amp; Confusion Matrix </a:t>
             </a:r>
             <a:r>
-              <a:rPr lang="en-US" sz="2000" b="0" kern="1200" dirty="0">
+              <a:rPr lang="en-US" sz="2000" b="0" kern="1200" noProof="0" dirty="0">
                 <a:solidFill>
                   <a:schemeClr val="tx1"/>
                 </a:solidFill>
@@ -20760,7 +22056,7 @@
               </a:rPr>
               <a:t>(Part II)</a:t>
             </a:r>
-            <a:endParaRPr lang="en-US" sz="3400" b="0" kern="1200" dirty="0">
+            <a:endParaRPr lang="en-US" sz="3400" b="0" kern="1200" noProof="0" dirty="0">
               <a:solidFill>
                 <a:schemeClr val="tx1"/>
               </a:solidFill>
@@ -20830,7 +22126,7 @@
           <a:lstStyle/>
           <a:p>
             <a:pPr algn="ctr"/>
-            <a:endParaRPr lang="en-US">
+            <a:endParaRPr lang="en-US" noProof="0" dirty="0">
               <a:solidFill>
                 <a:prstClr val="white"/>
               </a:solidFill>
@@ -20899,7 +22195,7 @@
           <a:lstStyle/>
           <a:p>
             <a:pPr algn="ctr"/>
-            <a:endParaRPr lang="en-US">
+            <a:endParaRPr lang="en-US" noProof="0" dirty="0">
               <a:solidFill>
                 <a:prstClr val="white"/>
               </a:solidFill>
@@ -20940,46 +22236,40 @@
               <a:buNone/>
             </a:pPr>
             <a:r>
-              <a:rPr lang="en-US" sz="2200" i="1" dirty="0"/>
+              <a:rPr lang="en-US" sz="2200" i="1" noProof="0" dirty="0"/>
               <a:t>Comments</a:t>
             </a:r>
             <a:r>
-              <a:rPr lang="en-US" sz="2200" dirty="0"/>
+              <a:rPr lang="en-US" sz="2200" noProof="0" dirty="0"/>
               <a:t>:</a:t>
             </a:r>
           </a:p>
           <a:p>
+            <a:endParaRPr lang="en-US" sz="1800" noProof="0" dirty="0"/>
+          </a:p>
+          <a:p>
+            <a:r>
+              <a:rPr lang="en-US" sz="1800" noProof="0" dirty="0"/>
+              <a:t>Strong results based on the classification report per Model</a:t>
+            </a:r>
+          </a:p>
+          <a:p>
+            <a:endParaRPr lang="en-US" sz="1800" noProof="0" dirty="0"/>
+          </a:p>
+          <a:p>
+            <a:r>
+              <a:rPr lang="en-US" sz="1800" noProof="0" dirty="0"/>
+              <a:t>Metrics achieve over 96% score on Average</a:t>
+            </a:r>
+          </a:p>
+          <a:p>
             <a:endParaRPr lang="en-US" sz="1800" dirty="0"/>
           </a:p>
           <a:p>
             <a:r>
-              <a:rPr lang="en-US" sz="1800" dirty="0"/>
-              <a:t>Strong results based on the classification report per model</a:t>
-            </a:r>
-          </a:p>
-          <a:p>
-            <a:endParaRPr lang="en-US" sz="1800" dirty="0"/>
-          </a:p>
-          <a:p>
-            <a:r>
-              <a:rPr lang="en-US" sz="1800" dirty="0"/>
-              <a:t>Metrics achieve over 96% score on Average</a:t>
-            </a:r>
-          </a:p>
-          <a:p>
-            <a:pPr marL="0" indent="0">
-              <a:buNone/>
-            </a:pPr>
-            <a:endParaRPr lang="en-US" sz="1800" dirty="0"/>
-          </a:p>
-          <a:p>
-            <a:r>
-              <a:rPr lang="en-US" sz="1800" dirty="0"/>
-              <a:t>Metrics achieve over 96% score on Average Performance label distribution</a:t>
-            </a:r>
-          </a:p>
-          <a:p>
-            <a:endParaRPr lang="en-US" sz="1800" dirty="0"/>
+              <a:rPr lang="en-US" sz="1800" noProof="0" dirty="0"/>
+              <a:t>Difference between Metrics when we removed all NA values reducing however the Data set size</a:t>
+            </a:r>
           </a:p>
         </p:txBody>
       </p:sp>
@@ -20998,14 +22288,14 @@
           <p:nvPr/>
         </p:nvPicPr>
         <p:blipFill>
-          <a:blip r:embed="rId2"/>
+          <a:blip r:embed="rId3"/>
           <a:srcRect r="7629" b="3453"/>
           <a:stretch/>
         </p:blipFill>
         <p:spPr>
           <a:xfrm>
-            <a:off x="7337370" y="247347"/>
-            <a:ext cx="3936988" cy="3194226"/>
+            <a:off x="5689287" y="528663"/>
+            <a:ext cx="2914446" cy="2364599"/>
           </a:xfrm>
           <a:prstGeom prst="rect">
             <a:avLst/>
@@ -21014,10 +22304,10 @@
       </p:pic>
       <p:pic>
         <p:nvPicPr>
-          <p:cNvPr id="5" name="Picture 4" descr="A group of graphs showing different colored shapes&#10;&#10;Description automatically generated with medium confidence">
-            <a:extLst>
-              <a:ext uri="{FF2B5EF4-FFF2-40B4-BE49-F238E27FC236}">
-                <a16:creationId xmlns:a16="http://schemas.microsoft.com/office/drawing/2014/main" id="{9A8BED54-58A1-48D0-C663-2B58DBAA4165}"/>
+          <p:cNvPr id="6" name="Picture 5" descr="A graph with a line&#10;&#10;Description automatically generated">
+            <a:extLst>
+              <a:ext uri="{FF2B5EF4-FFF2-40B4-BE49-F238E27FC236}">
+                <a16:creationId xmlns:a16="http://schemas.microsoft.com/office/drawing/2014/main" id="{B6181A24-A50C-2181-58E5-258DC0BED852}"/>
               </a:ext>
             </a:extLst>
           </p:cNvPr>
@@ -21027,7 +22317,7 @@
           <p:nvPr/>
         </p:nvPicPr>
         <p:blipFill>
-          <a:blip r:embed="rId3">
+          <a:blip r:embed="rId4">
             <a:clrChange>
               <a:clrFrom>
                 <a:srgbClr val="FFFFFF"/>
@@ -21044,19 +22334,85 @@
               </a:ext>
             </a:extLst>
           </a:blip>
-          <a:srcRect l="2393" t="1482" b="1645"/>
-          <a:stretch/>
+          <a:stretch>
+            <a:fillRect/>
+          </a:stretch>
         </p:blipFill>
         <p:spPr>
           <a:xfrm>
-            <a:off x="5990741" y="3856455"/>
-            <a:ext cx="6118629" cy="2980956"/>
+            <a:off x="6542115" y="3139774"/>
+            <a:ext cx="4860263" cy="3645197"/>
           </a:xfrm>
           <a:prstGeom prst="rect">
             <a:avLst/>
           </a:prstGeom>
         </p:spPr>
       </p:pic>
+      <p:pic>
+        <p:nvPicPr>
+          <p:cNvPr id="8" name="Picture 7">
+            <a:extLst>
+              <a:ext uri="{FF2B5EF4-FFF2-40B4-BE49-F238E27FC236}">
+                <a16:creationId xmlns:a16="http://schemas.microsoft.com/office/drawing/2014/main" id="{9DF1A170-B31E-8A5E-392B-5B7C5707D3C8}"/>
+              </a:ext>
+            </a:extLst>
+          </p:cNvPr>
+          <p:cNvPicPr>
+            <a:picLocks noChangeAspect="1"/>
+          </p:cNvPicPr>
+          <p:nvPr/>
+        </p:nvPicPr>
+        <p:blipFill>
+          <a:blip r:embed="rId5"/>
+          <a:stretch>
+            <a:fillRect/>
+          </a:stretch>
+        </p:blipFill>
+        <p:spPr>
+          <a:xfrm>
+            <a:off x="9124553" y="528663"/>
+            <a:ext cx="2838734" cy="2364599"/>
+          </a:xfrm>
+          <a:prstGeom prst="rect">
+            <a:avLst/>
+          </a:prstGeom>
+        </p:spPr>
+      </p:pic>
+      <p:sp>
+        <p:nvSpPr>
+          <p:cNvPr id="9" name="TextBox 8">
+            <a:extLst>
+              <a:ext uri="{FF2B5EF4-FFF2-40B4-BE49-F238E27FC236}">
+                <a16:creationId xmlns:a16="http://schemas.microsoft.com/office/drawing/2014/main" id="{C13485F9-7E03-1942-E70E-4BD0AECD84E6}"/>
+              </a:ext>
+            </a:extLst>
+          </p:cNvPr>
+          <p:cNvSpPr txBox="1"/>
+          <p:nvPr/>
+        </p:nvSpPr>
+        <p:spPr>
+          <a:xfrm>
+            <a:off x="8645550" y="1526296"/>
+            <a:ext cx="543708" cy="369332"/>
+          </a:xfrm>
+          <a:prstGeom prst="rect">
+            <a:avLst/>
+          </a:prstGeom>
+          <a:noFill/>
+        </p:spPr>
+        <p:txBody>
+          <a:bodyPr wrap="square" rtlCol="0">
+            <a:spAutoFit/>
+          </a:bodyPr>
+          <a:lstStyle/>
+          <a:p>
+            <a:r>
+              <a:rPr lang="en-US" dirty="0"/>
+              <a:t>vs</a:t>
+            </a:r>
+          </a:p>
+        </p:txBody>
+      </p:sp>
     </p:spTree>
     <p:extLst>
       <p:ext uri="{BB962C8B-B14F-4D97-AF65-F5344CB8AC3E}">
@@ -21160,7 +22516,7 @@
           <a:lstStyle/>
           <a:p>
             <a:pPr algn="ctr"/>
-            <a:endParaRPr lang="en-US"/>
+            <a:endParaRPr lang="en-US" noProof="0" dirty="0"/>
           </a:p>
         </p:txBody>
       </p:sp>
@@ -21246,7 +22602,7 @@
               <a:tabLst/>
               <a:defRPr/>
             </a:pPr>
-            <a:endParaRPr kumimoji="0" lang="en-US" sz="1800" b="0" i="0" u="none" strike="noStrike" kern="1200" cap="none" spc="0" normalizeH="0" baseline="0" noProof="0">
+            <a:endParaRPr kumimoji="0" lang="en-US" sz="1800" b="0" i="0" u="none" strike="noStrike" kern="1200" cap="none" spc="0" normalizeH="0" baseline="0" noProof="0" dirty="0">
               <a:ln>
                 <a:noFill/>
               </a:ln>
@@ -21336,7 +22692,7 @@
               <a:tabLst/>
               <a:defRPr/>
             </a:pPr>
-            <a:endParaRPr kumimoji="0" lang="en-US" sz="1800" b="0" i="0" u="none" strike="noStrike" kern="1200" cap="none" spc="0" normalizeH="0" baseline="0" noProof="0">
+            <a:endParaRPr kumimoji="0" lang="en-US" sz="1800" b="0" i="0" u="none" strike="noStrike" kern="1200" cap="none" spc="0" normalizeH="0" baseline="0" noProof="0" dirty="0">
               <a:ln>
                 <a:noFill/>
               </a:ln>
@@ -21382,7 +22738,7 @@
           <a:lstStyle/>
           <a:p>
             <a:r>
-              <a:rPr lang="en-US" kern="1200">
+              <a:rPr lang="en-US" kern="1200" noProof="0" dirty="0">
                 <a:solidFill>
                   <a:schemeClr val="tx1"/>
                 </a:solidFill>
@@ -21454,7 +22810,7 @@
           <a:lstStyle/>
           <a:p>
             <a:pPr algn="ctr"/>
-            <a:endParaRPr lang="en-US">
+            <a:endParaRPr lang="en-US" noProof="0" dirty="0">
               <a:solidFill>
                 <a:prstClr val="white"/>
               </a:solidFill>
@@ -21481,9 +22837,12 @@
         </p:nvSpPr>
         <p:spPr>
           <a:xfrm>
-            <a:off x="498834" y="2487168"/>
-            <a:ext cx="3407794" cy="3695020"/>
+            <a:off x="667937" y="2487167"/>
+            <a:ext cx="3556591" cy="3695020"/>
           </a:xfrm>
+          <a:solidFill>
+            <a:srgbClr val="EC834E"/>
+          </a:solidFill>
         </p:spPr>
         <p:txBody>
           <a:bodyPr vert="horz" lIns="91440" tIns="45720" rIns="91440" bIns="45720" rtlCol="0">
@@ -21491,42 +22850,71 @@
           </a:bodyPr>
           <a:lstStyle/>
           <a:p>
-            <a:pPr marL="0" indent="0">
+            <a:pPr marL="0" indent="0" algn="ctr">
               <a:buNone/>
             </a:pPr>
             <a:r>
-              <a:rPr lang="en-US" sz="2200" i="1" u="sng" dirty="0"/>
-              <a:t>Learning Outcomes :</a:t>
+              <a:rPr lang="en-US" sz="2200" i="1" u="sng" noProof="0" dirty="0">
+                <a:solidFill>
+                  <a:schemeClr val="bg1"/>
+                </a:solidFill>
+              </a:rPr>
+              <a:t>Learning Outcomes</a:t>
             </a:r>
           </a:p>
           <a:p>
             <a:pPr marL="0"/>
-            <a:endParaRPr lang="en-US" sz="2200" dirty="0"/>
-          </a:p>
-          <a:p>
-            <a:pPr marL="514350"/>
-            <a:r>
-              <a:rPr lang="en-US" sz="1800" dirty="0"/>
+            <a:endParaRPr lang="en-US" sz="2200" noProof="0" dirty="0">
+              <a:solidFill>
+                <a:schemeClr val="bg1"/>
+              </a:solidFill>
+            </a:endParaRPr>
+          </a:p>
+          <a:p>
+            <a:pPr marL="628650" indent="-342900">
+              <a:buFont typeface="Wingdings" panose="05000000000000000000" pitchFamily="2" charset="2"/>
+              <a:buChar char="q"/>
+            </a:pPr>
+            <a:r>
+              <a:rPr lang="en-US" sz="1800" noProof="0" dirty="0">
+                <a:solidFill>
+                  <a:schemeClr val="bg1"/>
+                </a:solidFill>
+              </a:rPr>
               <a:t>End-to-end process of transforming raw data into insights.</a:t>
             </a:r>
           </a:p>
           <a:p>
-            <a:pPr marL="514350"/>
-            <a:r>
-              <a:rPr lang="en-US" sz="1800" dirty="0"/>
+            <a:pPr marL="628650" indent="-342900">
+              <a:buFont typeface="Wingdings" panose="05000000000000000000" pitchFamily="2" charset="2"/>
+              <a:buChar char="q"/>
+            </a:pPr>
+            <a:r>
+              <a:rPr lang="en-US" sz="1800" noProof="0" dirty="0">
+                <a:solidFill>
+                  <a:schemeClr val="bg1"/>
+                </a:solidFill>
+              </a:rPr>
               <a:t>Getting Familiar with the Tech Stack</a:t>
             </a:r>
           </a:p>
           <a:p>
-            <a:pPr marL="514350"/>
-            <a:r>
-              <a:rPr lang="en-US" sz="1800" dirty="0"/>
+            <a:pPr marL="628650" indent="-342900">
+              <a:buFont typeface="Wingdings" panose="05000000000000000000" pitchFamily="2" charset="2"/>
+              <a:buChar char="q"/>
+            </a:pPr>
+            <a:r>
+              <a:rPr lang="en-US" sz="1800" noProof="0" dirty="0">
+                <a:solidFill>
+                  <a:schemeClr val="bg1"/>
+                </a:solidFill>
+              </a:rPr>
               <a:t>Implementing modern techniques to solve real problems</a:t>
             </a:r>
           </a:p>
           <a:p>
             <a:pPr marL="0"/>
-            <a:endParaRPr lang="en-US" sz="2200" dirty="0"/>
+            <a:endParaRPr lang="en-US" sz="2200" noProof="0" dirty="0"/>
           </a:p>
         </p:txBody>
       </p:sp>
@@ -21546,12 +22934,22 @@
         </p:nvSpPr>
         <p:spPr>
           <a:xfrm>
-            <a:off x="4563406" y="2487168"/>
-            <a:ext cx="2717586" cy="2824134"/>
+            <a:off x="4693920" y="2487168"/>
+            <a:ext cx="2433990" cy="3695020"/>
           </a:xfrm>
           <a:prstGeom prst="rect">
             <a:avLst/>
           </a:prstGeom>
+          <a:solidFill>
+            <a:srgbClr val="EC834E"/>
+          </a:solidFill>
+          <a:ln w="9525">
+            <a:solidFill>
+              <a:schemeClr val="bg2">
+                <a:lumMod val="75000"/>
+              </a:schemeClr>
+            </a:solidFill>
+          </a:ln>
         </p:spPr>
         <p:txBody>
           <a:bodyPr vert="horz" lIns="91440" tIns="45720" rIns="91440" bIns="45720" rtlCol="0">
@@ -21722,50 +23120,86 @@
             </a:lvl9pPr>
           </a:lstStyle>
           <a:p>
-            <a:pPr marL="0" indent="0">
+            <a:pPr marL="0" indent="0" algn="ctr">
               <a:buFont typeface="Arial" panose="020B0604020202020204" pitchFamily="34" charset="0"/>
               <a:buNone/>
             </a:pPr>
             <a:r>
-              <a:rPr lang="en-US" sz="2200" i="1" u="sng" dirty="0"/>
-              <a:t>Tech Stack :</a:t>
+              <a:rPr lang="en-US" sz="2200" i="1" u="sng" noProof="0" dirty="0">
+                <a:solidFill>
+                  <a:schemeClr val="bg1"/>
+                </a:solidFill>
+              </a:rPr>
+              <a:t>Tech Stack</a:t>
             </a:r>
           </a:p>
           <a:p>
             <a:pPr marL="0"/>
-            <a:endParaRPr lang="en-US" sz="2200" dirty="0"/>
-          </a:p>
-          <a:p>
-            <a:pPr marL="514350"/>
-            <a:r>
-              <a:rPr lang="en-US" sz="1800" dirty="0"/>
+            <a:endParaRPr lang="en-US" sz="2200" noProof="0" dirty="0">
+              <a:solidFill>
+                <a:schemeClr val="bg1"/>
+              </a:solidFill>
+            </a:endParaRPr>
+          </a:p>
+          <a:p>
+            <a:pPr marL="628650" indent="-342900">
+              <a:buFont typeface="Wingdings" panose="05000000000000000000" pitchFamily="2" charset="2"/>
+              <a:buChar char="q"/>
+            </a:pPr>
+            <a:r>
+              <a:rPr lang="en-US" sz="1800" noProof="0" dirty="0">
+                <a:solidFill>
+                  <a:schemeClr val="bg1"/>
+                </a:solidFill>
+              </a:rPr>
+              <a:t>GitHub</a:t>
+            </a:r>
+          </a:p>
+          <a:p>
+            <a:pPr marL="628650" indent="-342900">
+              <a:buFont typeface="Wingdings" panose="05000000000000000000" pitchFamily="2" charset="2"/>
+              <a:buChar char="q"/>
+            </a:pPr>
+            <a:r>
+              <a:rPr lang="en-US" sz="1800" noProof="0" dirty="0">
+                <a:solidFill>
+                  <a:schemeClr val="bg1"/>
+                </a:solidFill>
+              </a:rPr>
               <a:t>MS SQL Server</a:t>
             </a:r>
           </a:p>
           <a:p>
-            <a:pPr marL="514350"/>
-            <a:r>
-              <a:rPr lang="en-US" sz="1800" dirty="0"/>
-              <a:t>PyCharm</a:t>
-            </a:r>
-          </a:p>
-          <a:p>
-            <a:pPr marL="514350"/>
-            <a:r>
-              <a:rPr lang="en-US" sz="1800" dirty="0"/>
+            <a:pPr marL="628650" indent="-342900">
+              <a:buFont typeface="Wingdings" panose="05000000000000000000" pitchFamily="2" charset="2"/>
+              <a:buChar char="q"/>
+            </a:pPr>
+            <a:r>
+              <a:rPr lang="en-US" sz="1800" noProof="0" dirty="0">
+                <a:solidFill>
+                  <a:schemeClr val="bg1"/>
+                </a:solidFill>
+              </a:rPr>
               <a:t>MS Power BI</a:t>
             </a:r>
           </a:p>
           <a:p>
-            <a:pPr marL="514350"/>
-            <a:r>
-              <a:rPr lang="en-US" sz="1800" dirty="0"/>
-              <a:t>Github </a:t>
+            <a:pPr marL="628650" indent="-342900">
+              <a:buFont typeface="Wingdings" panose="05000000000000000000" pitchFamily="2" charset="2"/>
+              <a:buChar char="q"/>
+            </a:pPr>
+            <a:r>
+              <a:rPr lang="en-US" sz="1800" noProof="0" dirty="0">
+                <a:solidFill>
+                  <a:schemeClr val="bg1"/>
+                </a:solidFill>
+              </a:rPr>
+              <a:t>Python</a:t>
             </a:r>
           </a:p>
           <a:p>
             <a:pPr marL="0"/>
-            <a:endParaRPr lang="en-US" sz="2200" dirty="0"/>
+            <a:endParaRPr lang="en-US" sz="2200" noProof="0" dirty="0"/>
           </a:p>
         </p:txBody>
       </p:sp>
@@ -21786,11 +23220,14 @@
         <p:spPr>
           <a:xfrm>
             <a:off x="7597302" y="2487167"/>
-            <a:ext cx="4125307" cy="3543981"/>
+            <a:ext cx="4125307" cy="3695020"/>
           </a:xfrm>
           <a:prstGeom prst="rect">
             <a:avLst/>
           </a:prstGeom>
+          <a:solidFill>
+            <a:srgbClr val="EC834E"/>
+          </a:solidFill>
         </p:spPr>
         <p:txBody>
           <a:bodyPr vert="horz" lIns="91440" tIns="45720" rIns="91440" bIns="45720" rtlCol="0">
@@ -21961,66 +23398,106 @@
             </a:lvl9pPr>
           </a:lstStyle>
           <a:p>
-            <a:pPr marL="0" indent="0">
+            <a:pPr marL="0" indent="0" algn="ctr">
               <a:buFont typeface="Arial" panose="020B0604020202020204" pitchFamily="34" charset="0"/>
               <a:buNone/>
             </a:pPr>
             <a:r>
-              <a:rPr lang="en-US" sz="2200" i="1" u="sng" dirty="0"/>
-              <a:t>Challenges Faced:</a:t>
+              <a:rPr lang="en-US" sz="2200" i="1" u="sng" noProof="0" dirty="0">
+                <a:solidFill>
+                  <a:schemeClr val="bg1"/>
+                </a:solidFill>
+              </a:rPr>
+              <a:t>Challenges Faced</a:t>
             </a:r>
           </a:p>
           <a:p>
             <a:pPr marL="0"/>
-            <a:endParaRPr lang="en-US" sz="2200" dirty="0"/>
-          </a:p>
-          <a:p>
-            <a:pPr marL="514350">
+            <a:endParaRPr lang="en-US" sz="2200" noProof="0" dirty="0">
+              <a:solidFill>
+                <a:schemeClr val="bg1"/>
+              </a:solidFill>
+            </a:endParaRPr>
+          </a:p>
+          <a:p>
+            <a:pPr marL="571500" indent="-285750">
               <a:lnSpc>
                 <a:spcPct val="100000"/>
               </a:lnSpc>
+              <a:buFont typeface="Wingdings" panose="05000000000000000000" pitchFamily="2" charset="2"/>
+              <a:buChar char="q"/>
             </a:pPr>
             <a:r>
-              <a:rPr lang="en-US" sz="1800" dirty="0"/>
+              <a:rPr lang="en-US" sz="1800" noProof="0" dirty="0">
+                <a:solidFill>
+                  <a:schemeClr val="bg1"/>
+                </a:solidFill>
+              </a:rPr>
               <a:t>Schema Set up for </a:t>
             </a:r>
             <a:r>
-              <a:rPr lang="en-US" sz="1800" dirty="0" err="1"/>
+              <a:rPr lang="en-US" sz="1800" noProof="0" dirty="0" err="1">
+                <a:solidFill>
+                  <a:schemeClr val="bg1"/>
+                </a:solidFill>
+              </a:rPr>
               <a:t>DW</a:t>
             </a:r>
-            <a:endParaRPr lang="en-US" sz="1800" dirty="0"/>
-          </a:p>
-          <a:p>
-            <a:pPr marL="514350">
+            <a:endParaRPr lang="en-US" sz="1800" noProof="0" dirty="0">
+              <a:solidFill>
+                <a:schemeClr val="bg1"/>
+              </a:solidFill>
+            </a:endParaRPr>
+          </a:p>
+          <a:p>
+            <a:pPr marL="571500" indent="-285750">
               <a:lnSpc>
                 <a:spcPct val="100000"/>
               </a:lnSpc>
+              <a:buFont typeface="Wingdings" panose="05000000000000000000" pitchFamily="2" charset="2"/>
+              <a:buChar char="q"/>
             </a:pPr>
             <a:r>
-              <a:rPr lang="en-US" sz="1800" dirty="0"/>
+              <a:rPr lang="en-US" sz="1800" noProof="0" dirty="0">
+                <a:solidFill>
+                  <a:schemeClr val="bg1"/>
+                </a:solidFill>
+              </a:rPr>
               <a:t>Feature Engineering</a:t>
             </a:r>
           </a:p>
           <a:p>
-            <a:pPr marL="514350">
+            <a:pPr marL="571500" indent="-285750">
               <a:lnSpc>
                 <a:spcPct val="100000"/>
               </a:lnSpc>
+              <a:buFont typeface="Wingdings" panose="05000000000000000000" pitchFamily="2" charset="2"/>
+              <a:buChar char="q"/>
             </a:pPr>
             <a:r>
-              <a:rPr lang="en-US" sz="1800" dirty="0"/>
-              <a:t>Learning new a coding language   with its libraries</a:t>
-            </a:r>
-          </a:p>
-          <a:p>
-            <a:pPr marL="514350">
+              <a:rPr lang="en-US" sz="1800" noProof="0" dirty="0">
+                <a:solidFill>
+                  <a:schemeClr val="bg1"/>
+                </a:solidFill>
+              </a:rPr>
+              <a:t>Learning a new coding language   with its libraries</a:t>
+            </a:r>
+          </a:p>
+          <a:p>
+            <a:pPr marL="571500" indent="-285750">
               <a:lnSpc>
                 <a:spcPct val="100000"/>
               </a:lnSpc>
+              <a:buFont typeface="Wingdings" panose="05000000000000000000" pitchFamily="2" charset="2"/>
+              <a:buChar char="q"/>
             </a:pPr>
             <a:r>
-              <a:rPr lang="en-US" sz="1800" dirty="0"/>
-              <a:t>Understanding the correct order of the steps for a complete Machine learning project</a:t>
+              <a:rPr lang="en-US" sz="1800" noProof="0" dirty="0">
+                <a:solidFill>
+                  <a:schemeClr val="bg1"/>
+                </a:solidFill>
+              </a:rPr>
+              <a:t>Understanding the correct order of the steps for a complete Machine Learning project</a:t>
             </a:r>
           </a:p>
         </p:txBody>
@@ -22038,6 +23515,376 @@
   <p:transition spd="slow">
     <p:wipe/>
   </p:transition>
+  <p:timing>
+    <p:tnLst>
+      <p:par>
+        <p:cTn id="1" dur="indefinite" restart="never" nodeType="tmRoot">
+          <p:childTnLst>
+            <p:seq concurrent="1" nextAc="seek">
+              <p:cTn id="2" dur="indefinite" nodeType="mainSeq">
+                <p:childTnLst>
+                  <p:par>
+                    <p:cTn id="3" fill="hold">
+                      <p:stCondLst>
+                        <p:cond delay="indefinite"/>
+                      </p:stCondLst>
+                      <p:childTnLst>
+                        <p:par>
+                          <p:cTn id="4" fill="hold">
+                            <p:stCondLst>
+                              <p:cond delay="0"/>
+                            </p:stCondLst>
+                            <p:childTnLst>
+                              <p:par>
+                                <p:cTn id="5" presetID="10" presetClass="entr" presetSubtype="0" fill="hold" grpId="0" nodeType="clickEffect">
+                                  <p:stCondLst>
+                                    <p:cond delay="0"/>
+                                  </p:stCondLst>
+                                  <p:childTnLst>
+                                    <p:set>
+                                      <p:cBhvr>
+                                        <p:cTn id="6" dur="1" fill="hold">
+                                          <p:stCondLst>
+                                            <p:cond delay="0"/>
+                                          </p:stCondLst>
+                                        </p:cTn>
+                                        <p:tgtEl>
+                                          <p:spTgt spid="4">
+                                            <p:bg/>
+                                          </p:spTgt>
+                                        </p:tgtEl>
+                                        <p:attrNameLst>
+                                          <p:attrName>style.visibility</p:attrName>
+                                        </p:attrNameLst>
+                                      </p:cBhvr>
+                                      <p:to>
+                                        <p:strVal val="visible"/>
+                                      </p:to>
+                                    </p:set>
+                                    <p:animEffect transition="in" filter="fade">
+                                      <p:cBhvr>
+                                        <p:cTn id="7" dur="500"/>
+                                        <p:tgtEl>
+                                          <p:spTgt spid="4">
+                                            <p:bg/>
+                                          </p:spTgt>
+                                        </p:tgtEl>
+                                      </p:cBhvr>
+                                    </p:animEffect>
+                                  </p:childTnLst>
+                                </p:cTn>
+                              </p:par>
+                              <p:par>
+                                <p:cTn id="8" presetID="10" presetClass="entr" presetSubtype="0" fill="hold" grpId="0" nodeType="withEffect">
+                                  <p:stCondLst>
+                                    <p:cond delay="0"/>
+                                  </p:stCondLst>
+                                  <p:childTnLst>
+                                    <p:set>
+                                      <p:cBhvr>
+                                        <p:cTn id="9" dur="1" fill="hold">
+                                          <p:stCondLst>
+                                            <p:cond delay="0"/>
+                                          </p:stCondLst>
+                                        </p:cTn>
+                                        <p:tgtEl>
+                                          <p:spTgt spid="4">
+                                            <p:txEl>
+                                              <p:pRg st="0" end="0"/>
+                                            </p:txEl>
+                                          </p:spTgt>
+                                        </p:tgtEl>
+                                        <p:attrNameLst>
+                                          <p:attrName>style.visibility</p:attrName>
+                                        </p:attrNameLst>
+                                      </p:cBhvr>
+                                      <p:to>
+                                        <p:strVal val="visible"/>
+                                      </p:to>
+                                    </p:set>
+                                    <p:animEffect transition="in" filter="fade">
+                                      <p:cBhvr>
+                                        <p:cTn id="10" dur="500"/>
+                                        <p:tgtEl>
+                                          <p:spTgt spid="4">
+                                            <p:txEl>
+                                              <p:pRg st="0" end="0"/>
+                                            </p:txEl>
+                                          </p:spTgt>
+                                        </p:tgtEl>
+                                      </p:cBhvr>
+                                    </p:animEffect>
+                                  </p:childTnLst>
+                                </p:cTn>
+                              </p:par>
+                              <p:par>
+                                <p:cTn id="11" presetID="10" presetClass="entr" presetSubtype="0" fill="hold" grpId="0" nodeType="withEffect">
+                                  <p:stCondLst>
+                                    <p:cond delay="0"/>
+                                  </p:stCondLst>
+                                  <p:childTnLst>
+                                    <p:set>
+                                      <p:cBhvr>
+                                        <p:cTn id="12" dur="1" fill="hold">
+                                          <p:stCondLst>
+                                            <p:cond delay="0"/>
+                                          </p:stCondLst>
+                                        </p:cTn>
+                                        <p:tgtEl>
+                                          <p:spTgt spid="4">
+                                            <p:txEl>
+                                              <p:pRg st="2" end="2"/>
+                                            </p:txEl>
+                                          </p:spTgt>
+                                        </p:tgtEl>
+                                        <p:attrNameLst>
+                                          <p:attrName>style.visibility</p:attrName>
+                                        </p:attrNameLst>
+                                      </p:cBhvr>
+                                      <p:to>
+                                        <p:strVal val="visible"/>
+                                      </p:to>
+                                    </p:set>
+                                    <p:animEffect transition="in" filter="fade">
+                                      <p:cBhvr>
+                                        <p:cTn id="13" dur="500"/>
+                                        <p:tgtEl>
+                                          <p:spTgt spid="4">
+                                            <p:txEl>
+                                              <p:pRg st="2" end="2"/>
+                                            </p:txEl>
+                                          </p:spTgt>
+                                        </p:tgtEl>
+                                      </p:cBhvr>
+                                    </p:animEffect>
+                                  </p:childTnLst>
+                                </p:cTn>
+                              </p:par>
+                              <p:par>
+                                <p:cTn id="14" presetID="10" presetClass="entr" presetSubtype="0" fill="hold" grpId="0" nodeType="withEffect">
+                                  <p:stCondLst>
+                                    <p:cond delay="0"/>
+                                  </p:stCondLst>
+                                  <p:childTnLst>
+                                    <p:set>
+                                      <p:cBhvr>
+                                        <p:cTn id="15" dur="1" fill="hold">
+                                          <p:stCondLst>
+                                            <p:cond delay="0"/>
+                                          </p:stCondLst>
+                                        </p:cTn>
+                                        <p:tgtEl>
+                                          <p:spTgt spid="4">
+                                            <p:txEl>
+                                              <p:pRg st="3" end="3"/>
+                                            </p:txEl>
+                                          </p:spTgt>
+                                        </p:tgtEl>
+                                        <p:attrNameLst>
+                                          <p:attrName>style.visibility</p:attrName>
+                                        </p:attrNameLst>
+                                      </p:cBhvr>
+                                      <p:to>
+                                        <p:strVal val="visible"/>
+                                      </p:to>
+                                    </p:set>
+                                    <p:animEffect transition="in" filter="fade">
+                                      <p:cBhvr>
+                                        <p:cTn id="16" dur="500"/>
+                                        <p:tgtEl>
+                                          <p:spTgt spid="4">
+                                            <p:txEl>
+                                              <p:pRg st="3" end="3"/>
+                                            </p:txEl>
+                                          </p:spTgt>
+                                        </p:tgtEl>
+                                      </p:cBhvr>
+                                    </p:animEffect>
+                                  </p:childTnLst>
+                                </p:cTn>
+                              </p:par>
+                              <p:par>
+                                <p:cTn id="17" presetID="10" presetClass="entr" presetSubtype="0" fill="hold" grpId="0" nodeType="withEffect">
+                                  <p:stCondLst>
+                                    <p:cond delay="0"/>
+                                  </p:stCondLst>
+                                  <p:childTnLst>
+                                    <p:set>
+                                      <p:cBhvr>
+                                        <p:cTn id="18" dur="1" fill="hold">
+                                          <p:stCondLst>
+                                            <p:cond delay="0"/>
+                                          </p:stCondLst>
+                                        </p:cTn>
+                                        <p:tgtEl>
+                                          <p:spTgt spid="4">
+                                            <p:txEl>
+                                              <p:pRg st="4" end="4"/>
+                                            </p:txEl>
+                                          </p:spTgt>
+                                        </p:tgtEl>
+                                        <p:attrNameLst>
+                                          <p:attrName>style.visibility</p:attrName>
+                                        </p:attrNameLst>
+                                      </p:cBhvr>
+                                      <p:to>
+                                        <p:strVal val="visible"/>
+                                      </p:to>
+                                    </p:set>
+                                    <p:animEffect transition="in" filter="fade">
+                                      <p:cBhvr>
+                                        <p:cTn id="19" dur="500"/>
+                                        <p:tgtEl>
+                                          <p:spTgt spid="4">
+                                            <p:txEl>
+                                              <p:pRg st="4" end="4"/>
+                                            </p:txEl>
+                                          </p:spTgt>
+                                        </p:tgtEl>
+                                      </p:cBhvr>
+                                    </p:animEffect>
+                                  </p:childTnLst>
+                                </p:cTn>
+                              </p:par>
+                            </p:childTnLst>
+                          </p:cTn>
+                        </p:par>
+                      </p:childTnLst>
+                    </p:cTn>
+                  </p:par>
+                  <p:par>
+                    <p:cTn id="20" fill="hold">
+                      <p:stCondLst>
+                        <p:cond delay="indefinite"/>
+                      </p:stCondLst>
+                      <p:childTnLst>
+                        <p:par>
+                          <p:cTn id="21" fill="hold">
+                            <p:stCondLst>
+                              <p:cond delay="0"/>
+                            </p:stCondLst>
+                            <p:childTnLst>
+                              <p:par>
+                                <p:cTn id="22" presetID="10" presetClass="entr" presetSubtype="0" fill="hold" grpId="0" nodeType="clickEffect">
+                                  <p:stCondLst>
+                                    <p:cond delay="0"/>
+                                  </p:stCondLst>
+                                  <p:childTnLst>
+                                    <p:set>
+                                      <p:cBhvr>
+                                        <p:cTn id="23" dur="1" fill="hold">
+                                          <p:stCondLst>
+                                            <p:cond delay="0"/>
+                                          </p:stCondLst>
+                                        </p:cTn>
+                                        <p:tgtEl>
+                                          <p:spTgt spid="2"/>
+                                        </p:tgtEl>
+                                        <p:attrNameLst>
+                                          <p:attrName>style.visibility</p:attrName>
+                                        </p:attrNameLst>
+                                      </p:cBhvr>
+                                      <p:to>
+                                        <p:strVal val="visible"/>
+                                      </p:to>
+                                    </p:set>
+                                    <p:animEffect transition="in" filter="fade">
+                                      <p:cBhvr>
+                                        <p:cTn id="24" dur="500"/>
+                                        <p:tgtEl>
+                                          <p:spTgt spid="2"/>
+                                        </p:tgtEl>
+                                      </p:cBhvr>
+                                    </p:animEffect>
+                                  </p:childTnLst>
+                                </p:cTn>
+                              </p:par>
+                            </p:childTnLst>
+                          </p:cTn>
+                        </p:par>
+                      </p:childTnLst>
+                    </p:cTn>
+                  </p:par>
+                  <p:par>
+                    <p:cTn id="25" fill="hold">
+                      <p:stCondLst>
+                        <p:cond delay="indefinite"/>
+                      </p:stCondLst>
+                      <p:childTnLst>
+                        <p:par>
+                          <p:cTn id="26" fill="hold">
+                            <p:stCondLst>
+                              <p:cond delay="0"/>
+                            </p:stCondLst>
+                            <p:childTnLst>
+                              <p:par>
+                                <p:cTn id="27" presetID="10" presetClass="entr" presetSubtype="0" fill="hold" grpId="0" nodeType="clickEffect">
+                                  <p:stCondLst>
+                                    <p:cond delay="0"/>
+                                  </p:stCondLst>
+                                  <p:childTnLst>
+                                    <p:set>
+                                      <p:cBhvr>
+                                        <p:cTn id="28" dur="1" fill="hold">
+                                          <p:stCondLst>
+                                            <p:cond delay="0"/>
+                                          </p:stCondLst>
+                                        </p:cTn>
+                                        <p:tgtEl>
+                                          <p:spTgt spid="5"/>
+                                        </p:tgtEl>
+                                        <p:attrNameLst>
+                                          <p:attrName>style.visibility</p:attrName>
+                                        </p:attrNameLst>
+                                      </p:cBhvr>
+                                      <p:to>
+                                        <p:strVal val="visible"/>
+                                      </p:to>
+                                    </p:set>
+                                    <p:animEffect transition="in" filter="fade">
+                                      <p:cBhvr>
+                                        <p:cTn id="29" dur="500"/>
+                                        <p:tgtEl>
+                                          <p:spTgt spid="5"/>
+                                        </p:tgtEl>
+                                      </p:cBhvr>
+                                    </p:animEffect>
+                                  </p:childTnLst>
+                                </p:cTn>
+                              </p:par>
+                            </p:childTnLst>
+                          </p:cTn>
+                        </p:par>
+                      </p:childTnLst>
+                    </p:cTn>
+                  </p:par>
+                </p:childTnLst>
+              </p:cTn>
+              <p:prevCondLst>
+                <p:cond evt="onPrev" delay="0">
+                  <p:tgtEl>
+                    <p:sldTgt/>
+                  </p:tgtEl>
+                </p:cond>
+              </p:prevCondLst>
+              <p:nextCondLst>
+                <p:cond evt="onNext" delay="0">
+                  <p:tgtEl>
+                    <p:sldTgt/>
+                  </p:tgtEl>
+                </p:cond>
+              </p:nextCondLst>
+            </p:seq>
+          </p:childTnLst>
+        </p:cTn>
+      </p:par>
+    </p:tnLst>
+    <p:bldLst>
+      <p:bldP spid="4" grpId="0" uiExpand="1" build="p" animBg="1"/>
+      <p:bldP spid="2" grpId="0" animBg="1"/>
+      <p:bldP spid="5" grpId="0" animBg="1"/>
+    </p:bldLst>
+  </p:timing>
 </p:sld>
 </file>
 
@@ -22144,7 +23991,7 @@
           <a:lstStyle/>
           <a:p>
             <a:pPr algn="ctr"/>
-            <a:endParaRPr lang="en-US"/>
+            <a:endParaRPr lang="en-US" noProof="0" dirty="0"/>
           </a:p>
         </p:txBody>
       </p:sp>
@@ -22223,7 +24070,7 @@
               <a:tabLst/>
               <a:defRPr/>
             </a:pPr>
-            <a:endParaRPr kumimoji="0" lang="en-US" sz="1800" b="0" i="0" u="none" strike="noStrike" kern="1200" cap="none" spc="0" normalizeH="0" baseline="0" noProof="0">
+            <a:endParaRPr kumimoji="0" lang="en-US" sz="1800" b="0" i="0" u="none" strike="noStrike" kern="1200" cap="none" spc="0" normalizeH="0" baseline="0" noProof="0" dirty="0">
               <a:ln>
                 <a:noFill/>
               </a:ln>
@@ -22255,12 +24102,12 @@
           <p:nvPr/>
         </p:nvPicPr>
         <p:blipFill>
-          <a:blip r:embed="rId2">
+          <a:blip r:embed="rId3">
             <a:alphaModFix amt="35000"/>
             <a:extLst>
               <a:ext uri="{BEBA8EAE-BF5A-486C-A8C5-ECC9F3942E4B}">
                 <a14:imgProps xmlns:a14="http://schemas.microsoft.com/office/drawing/2010/main">
-                  <a14:imgLayer r:embed="rId3">
+                  <a14:imgLayer r:embed="rId4">
                     <a14:imgEffect>
                       <a14:sharpenSoften amount="8000"/>
                     </a14:imgEffect>
@@ -22274,7 +24121,7 @@
                 <a14:useLocalDpi xmlns:a14="http://schemas.microsoft.com/office/drawing/2010/main" val="0"/>
               </a:ext>
               <a:ext uri="{837473B0-CC2E-450A-ABE3-18F120FF3D39}">
-                <a1611:picAttrSrcUrl xmlns:a1611="http://schemas.microsoft.com/office/drawing/2016/11/main" r:id="rId4"/>
+                <a1611:picAttrSrcUrl xmlns:a1611="http://schemas.microsoft.com/office/drawing/2016/11/main" r:id="rId5"/>
               </a:ext>
             </a:extLst>
           </a:blip>
@@ -22321,7 +24168,7 @@
           <a:p>
             <a:pPr algn="l"/>
             <a:r>
-              <a:rPr lang="en-US" dirty="0">
+              <a:rPr lang="en-US" noProof="0" dirty="0">
                 <a:ln w="22225">
                   <a:solidFill>
                     <a:srgbClr val="FFFFFF"/>
@@ -22412,7 +24259,7 @@
               <a:tabLst/>
               <a:defRPr/>
             </a:pPr>
-            <a:endParaRPr kumimoji="0" lang="en-US" sz="1800" b="0" i="0" u="none" strike="noStrike" kern="1200" cap="none" spc="0" normalizeH="0" baseline="0" noProof="0">
+            <a:endParaRPr kumimoji="0" lang="en-US" sz="1800" b="0" i="0" u="none" strike="noStrike" kern="1200" cap="none" spc="0" normalizeH="0" baseline="0" noProof="0" dirty="0">
               <a:ln>
                 <a:noFill/>
               </a:ln>
@@ -22504,7 +24351,7 @@
               <a:tabLst/>
               <a:defRPr/>
             </a:pPr>
-            <a:endParaRPr kumimoji="0" lang="en-US" sz="1800" b="0" i="0" u="none" strike="noStrike" kern="1200" cap="none" spc="0" normalizeH="0" baseline="0" noProof="0">
+            <a:endParaRPr kumimoji="0" lang="en-US" sz="1800" b="0" i="0" u="none" strike="noStrike" kern="1200" cap="none" spc="0" normalizeH="0" baseline="0" noProof="0" dirty="0">
               <a:ln>
                 <a:noFill/>
               </a:ln>
@@ -22550,7 +24397,7 @@
           <a:lstStyle/>
           <a:p>
             <a:r>
-              <a:rPr lang="en-US" sz="2200" u="sng" dirty="0">
+              <a:rPr lang="en-US" sz="2200" u="sng" noProof="0" dirty="0">
                 <a:solidFill>
                   <a:srgbClr val="FFFFFF"/>
                 </a:solidFill>
@@ -22560,17 +24407,30 @@
           </a:p>
           <a:p>
             <a:r>
-              <a:rPr lang="en-US" sz="2200" dirty="0">
+              <a:rPr lang="en-US" sz="2200" noProof="0" dirty="0">
                 <a:solidFill>
                   <a:srgbClr val="FFFFFF"/>
                 </a:solidFill>
               </a:rPr>
-              <a:t>Alexia Kalliani</a:t>
-            </a:r>
-          </a:p>
-          <a:p>
-            <a:r>
-              <a:rPr lang="en-US" sz="2200" dirty="0">
+              <a:t>Alexia </a:t>
+            </a:r>
+            <a:r>
+              <a:rPr lang="en-US" sz="2200" noProof="0" dirty="0" err="1">
+                <a:solidFill>
+                  <a:srgbClr val="FFFFFF"/>
+                </a:solidFill>
+              </a:rPr>
+              <a:t>Kalliani</a:t>
+            </a:r>
+            <a:endParaRPr lang="en-US" sz="2200" noProof="0" dirty="0">
+              <a:solidFill>
+                <a:srgbClr val="FFFFFF"/>
+              </a:solidFill>
+            </a:endParaRPr>
+          </a:p>
+          <a:p>
+            <a:r>
+              <a:rPr lang="en-US" sz="2200" noProof="0" dirty="0">
                 <a:solidFill>
                   <a:srgbClr val="FFFFFF"/>
                 </a:solidFill>
@@ -22580,7 +24440,7 @@
           </a:p>
           <a:p>
             <a:r>
-              <a:rPr lang="en-US" sz="2200" dirty="0">
+              <a:rPr lang="en-US" sz="2200" noProof="0" dirty="0">
                 <a:solidFill>
                   <a:srgbClr val="FFFFFF"/>
                 </a:solidFill>
@@ -22590,7 +24450,7 @@
           </a:p>
           <a:p>
             <a:r>
-              <a:rPr lang="en-US" sz="2200" dirty="0">
+              <a:rPr lang="en-US" sz="2200" noProof="0" dirty="0">
                 <a:solidFill>
                   <a:srgbClr val="FFFFFF"/>
                 </a:solidFill>
@@ -22712,7 +24572,7 @@
           <a:lstStyle/>
           <a:p>
             <a:pPr algn="ctr"/>
-            <a:endParaRPr lang="en-US"/>
+            <a:endParaRPr lang="en-US" noProof="0" dirty="0"/>
           </a:p>
         </p:txBody>
       </p:sp>
@@ -22798,7 +24658,7 @@
               <a:tabLst/>
               <a:defRPr/>
             </a:pPr>
-            <a:endParaRPr kumimoji="0" lang="en-US" sz="1800" b="0" i="0" u="none" strike="noStrike" kern="1200" cap="none" spc="0" normalizeH="0" baseline="0" noProof="0">
+            <a:endParaRPr kumimoji="0" lang="en-US" sz="1800" b="0" i="0" u="none" strike="noStrike" kern="1200" cap="none" spc="0" normalizeH="0" baseline="0" noProof="0" dirty="0">
               <a:ln>
                 <a:noFill/>
               </a:ln>
@@ -22844,7 +24704,7 @@
           <a:lstStyle/>
           <a:p>
             <a:r>
-              <a:rPr lang="en-US" kern="1200" dirty="0">
+              <a:rPr lang="en-US" kern="1200" noProof="0" dirty="0">
                 <a:solidFill>
                   <a:schemeClr val="tx1"/>
                 </a:solidFill>
@@ -22916,7 +24776,7 @@
           <a:lstStyle/>
           <a:p>
             <a:pPr algn="ctr"/>
-            <a:endParaRPr lang="en-US">
+            <a:endParaRPr lang="en-US" noProof="0" dirty="0">
               <a:solidFill>
                 <a:prstClr val="white"/>
               </a:solidFill>
@@ -22941,7 +24801,7 @@
             <p:ph sz="quarter" idx="14"/>
             <p:extLst>
               <p:ext uri="{D42A27DB-BD31-4B8C-83A1-F6EECF244321}">
-                <p14:modId xmlns:p14="http://schemas.microsoft.com/office/powerpoint/2010/main" val="144652141"/>
+                <p14:modId xmlns:p14="http://schemas.microsoft.com/office/powerpoint/2010/main" val="3634980228"/>
               </p:ext>
             </p:extLst>
           </p:nvPr>
@@ -22952,7 +24812,7 @@
         </p:xfrm>
         <a:graphic>
           <a:graphicData uri="http://schemas.openxmlformats.org/drawingml/2006/diagram">
-            <dgm:relIds xmlns:dgm="http://schemas.openxmlformats.org/drawingml/2006/diagram" xmlns:r="http://schemas.openxmlformats.org/officeDocument/2006/relationships" r:dm="rId2" r:lo="rId3" r:qs="rId4" r:cs="rId5"/>
+            <dgm:relIds xmlns:dgm="http://schemas.openxmlformats.org/drawingml/2006/diagram" xmlns:r="http://schemas.openxmlformats.org/officeDocument/2006/relationships" r:dm="rId3" r:lo="rId4" r:qs="rId5" r:cs="rId6"/>
           </a:graphicData>
         </a:graphic>
       </p:graphicFrame>
@@ -23056,7 +24916,7 @@
           <a:lstStyle/>
           <a:p>
             <a:pPr algn="ctr"/>
-            <a:endParaRPr lang="en-US"/>
+            <a:endParaRPr lang="en-US" noProof="0" dirty="0"/>
           </a:p>
         </p:txBody>
       </p:sp>
@@ -23075,7 +24935,7 @@
           <p:nvPr/>
         </p:nvPicPr>
         <p:blipFill>
-          <a:blip r:embed="rId2">
+          <a:blip r:embed="rId3">
             <a:alphaModFix amt="40000"/>
             <a:extLst>
               <a:ext uri="{28A0092B-C50C-407E-A947-70E740481C1C}">
@@ -23130,14 +24990,14 @@
           <a:lstStyle/>
           <a:p>
             <a:r>
-              <a:rPr lang="en-US" sz="5400" dirty="0">
+              <a:rPr lang="en-US" sz="5400" noProof="0" dirty="0">
                 <a:solidFill>
                   <a:schemeClr val="tx1"/>
                 </a:solidFill>
               </a:rPr>
               <a:t>SQL Scripts</a:t>
             </a:r>
-            <a:endParaRPr lang="en-US" sz="5000" dirty="0">
+            <a:endParaRPr lang="en-US" sz="5000" noProof="0" dirty="0">
               <a:solidFill>
                 <a:schemeClr val="bg1"/>
               </a:solidFill>
@@ -23204,7 +25064,7 @@
           <a:lstStyle/>
           <a:p>
             <a:pPr algn="ctr"/>
-            <a:endParaRPr lang="en-US">
+            <a:endParaRPr lang="en-US" noProof="0" dirty="0">
               <a:solidFill>
                 <a:prstClr val="white"/>
               </a:solidFill>
@@ -23289,7 +25149,7 @@
               <a:tabLst/>
               <a:defRPr/>
             </a:pPr>
-            <a:endParaRPr kumimoji="0" lang="en-US" sz="1800" b="0" i="0" u="none" strike="noStrike" kern="1200" cap="none" spc="0" normalizeH="0" baseline="0" noProof="0">
+            <a:endParaRPr kumimoji="0" lang="en-US" sz="1800" b="0" i="0" u="none" strike="noStrike" kern="1200" cap="none" spc="0" normalizeH="0" baseline="0" noProof="0" dirty="0">
               <a:ln>
                 <a:noFill/>
               </a:ln>
@@ -23325,7 +25185,7 @@
         <p:spPr>
           <a:xfrm>
             <a:off x="841248" y="3502152"/>
-            <a:ext cx="10662494" cy="2426700"/>
+            <a:ext cx="10662494" cy="2159346"/>
           </a:xfrm>
           <a:solidFill>
             <a:schemeClr val="bg1">
@@ -23352,68 +25212,44 @@
           <a:lstStyle/>
           <a:p>
             <a:r>
-              <a:rPr lang="en-US" sz="2000" dirty="0"/>
-              <a:t>To Develop a Staging Area from the </a:t>
-            </a:r>
-            <a:r>
-              <a:rPr lang="en-US" sz="2000" dirty="0" err="1"/>
-              <a:t>OLTP</a:t>
-            </a:r>
-            <a:r>
-              <a:rPr lang="en-US" sz="2000" dirty="0"/>
-              <a:t> Database (“</a:t>
-            </a:r>
-            <a:r>
-              <a:rPr lang="en-US" sz="2000" dirty="0" err="1"/>
-              <a:t>ChinookStaging</a:t>
-            </a:r>
-            <a:r>
-              <a:rPr lang="en-US" sz="2000" dirty="0"/>
-              <a:t>”).</a:t>
-            </a:r>
-          </a:p>
-          <a:p>
-            <a:r>
-              <a:rPr lang="en-US" sz="2000" dirty="0"/>
+              <a:rPr lang="en-US" sz="2000" noProof="0" dirty="0"/>
+              <a:t>To Develop a Staging Area from the OLTP Database.</a:t>
+            </a:r>
+          </a:p>
+          <a:p>
+            <a:r>
+              <a:rPr lang="en-US" sz="2000" noProof="0" dirty="0"/>
               <a:t>To Design the </a:t>
             </a:r>
             <a:r>
-              <a:rPr lang="en-US" sz="2000" dirty="0" err="1"/>
+              <a:rPr lang="en-US" sz="2000" noProof="0" dirty="0" err="1"/>
               <a:t>ERD</a:t>
             </a:r>
             <a:r>
-              <a:rPr lang="en-US" sz="2000" dirty="0"/>
+              <a:rPr lang="en-US" sz="2000" noProof="0" dirty="0"/>
               <a:t> Schemas and define the final Star Schema of the Data Warehouse.</a:t>
             </a:r>
           </a:p>
           <a:p>
             <a:r>
-              <a:rPr lang="en-US" sz="2000" dirty="0"/>
-              <a:t>To Establish the connections to the main Fact Table “</a:t>
-            </a:r>
-            <a:r>
-              <a:rPr lang="en-US" sz="2000" dirty="0" err="1"/>
-              <a:t>Dim_Fact_Sales</a:t>
-            </a:r>
-            <a:r>
-              <a:rPr lang="en-US" sz="2000" dirty="0"/>
-              <a:t>”.</a:t>
-            </a:r>
-          </a:p>
-          <a:p>
-            <a:r>
-              <a:rPr lang="en-US" sz="2000" dirty="0"/>
+              <a:rPr lang="en-US" sz="2000" noProof="0" dirty="0"/>
+              <a:t>To Establish the connections to the main Fact Table.</a:t>
+            </a:r>
+          </a:p>
+          <a:p>
+            <a:r>
+              <a:rPr lang="en-US" sz="2000" noProof="0" dirty="0"/>
               <a:t>To Extract, Transform, Load data from the Staging Area into the Data Warehouse.</a:t>
             </a:r>
           </a:p>
           <a:p>
             <a:r>
-              <a:rPr lang="en-US" sz="2000" dirty="0"/>
-              <a:t>To Ensure efficient data transfer and query performance through optimized SQL operations.</a:t>
-            </a:r>
-          </a:p>
-          <a:p>
-            <a:endParaRPr lang="en-US" sz="2000" dirty="0">
+              <a:rPr lang="en-US" sz="2000" noProof="0" dirty="0"/>
+              <a:t>To Ensure efficient data transfer and query performance.</a:t>
+            </a:r>
+          </a:p>
+          <a:p>
+            <a:endParaRPr lang="en-US" sz="2000" noProof="0" dirty="0">
               <a:solidFill>
                 <a:schemeClr val="bg1"/>
               </a:solidFill>
@@ -23524,7 +25360,7 @@
           <a:lstStyle/>
           <a:p>
             <a:pPr algn="ctr"/>
-            <a:endParaRPr lang="en-US"/>
+            <a:endParaRPr lang="en-US" noProof="0" dirty="0"/>
           </a:p>
         </p:txBody>
       </p:sp>
@@ -23557,7 +25393,7 @@
           <a:lstStyle/>
           <a:p>
             <a:r>
-              <a:rPr lang="en-US" sz="3400">
+              <a:rPr lang="en-US" sz="3400" noProof="0" dirty="0">
                 <a:solidFill>
                   <a:schemeClr val="tx1"/>
                 </a:solidFill>
@@ -23626,7 +25462,7 @@
           <a:lstStyle/>
           <a:p>
             <a:pPr algn="ctr"/>
-            <a:endParaRPr lang="en-US">
+            <a:endParaRPr lang="en-US" noProof="0" dirty="0">
               <a:solidFill>
                 <a:prstClr val="white"/>
               </a:solidFill>
@@ -23695,7 +25531,7 @@
           <a:lstStyle/>
           <a:p>
             <a:pPr algn="ctr"/>
-            <a:endParaRPr lang="en-US">
+            <a:endParaRPr lang="en-US" noProof="0" dirty="0">
               <a:solidFill>
                 <a:prstClr val="white"/>
               </a:solidFill>
@@ -23734,7 +25570,7 @@
           <a:p>
             <a:pPr marL="0"/>
             <a:r>
-              <a:rPr lang="en-US" sz="1800" dirty="0"/>
+              <a:rPr lang="en-US" sz="1800" noProof="0" dirty="0"/>
               <a:t>Star Schema</a:t>
             </a:r>
           </a:p>
@@ -23742,40 +25578,46 @@
             <a:pPr marL="0" indent="0">
               <a:buNone/>
             </a:pPr>
-            <a:endParaRPr lang="en-US" sz="1800" dirty="0"/>
+            <a:endParaRPr lang="en-US" sz="1800" noProof="0" dirty="0"/>
           </a:p>
           <a:p>
             <a:pPr marL="0"/>
             <a:r>
-              <a:rPr lang="en-US" sz="1800" dirty="0"/>
+              <a:rPr lang="en-US" sz="1800" noProof="0" dirty="0"/>
               <a:t>5 Dimension Tables</a:t>
             </a:r>
           </a:p>
           <a:p>
             <a:pPr marL="0"/>
-            <a:endParaRPr lang="en-US" sz="1800" dirty="0"/>
+            <a:endParaRPr lang="en-US" sz="1800" noProof="0" dirty="0"/>
           </a:p>
           <a:p>
             <a:pPr marL="0"/>
             <a:r>
-              <a:rPr lang="en-US" sz="1800" dirty="0"/>
-              <a:t>Main Focus : </a:t>
-            </a:r>
-            <a:r>
-              <a:rPr lang="en-US" sz="1800" dirty="0" err="1"/>
-              <a:t>Fact_Sales</a:t>
-            </a:r>
-            <a:endParaRPr lang="en-US" sz="1800" dirty="0"/>
+              <a:rPr lang="en-US" sz="1800" noProof="0" dirty="0"/>
+              <a:t>Main Focus : Fact_Sales</a:t>
+            </a:r>
           </a:p>
           <a:p>
             <a:pPr marL="0"/>
-            <a:endParaRPr lang="en-US" sz="1800" dirty="0"/>
+            <a:endParaRPr lang="en-US" sz="1800" noProof="0" dirty="0"/>
           </a:p>
           <a:p>
             <a:pPr marL="0"/>
             <a:r>
-              <a:rPr lang="en-US" sz="1800" dirty="0"/>
+              <a:rPr lang="en-US" sz="1800" noProof="0" dirty="0"/>
               <a:t>Connections with primary keys</a:t>
+            </a:r>
+          </a:p>
+          <a:p>
+            <a:pPr marL="0"/>
+            <a:endParaRPr lang="en-US" sz="1800" noProof="0" dirty="0"/>
+          </a:p>
+          <a:p>
+            <a:pPr marL="0"/>
+            <a:r>
+              <a:rPr lang="en-US" sz="1800" noProof="0" dirty="0"/>
+              <a:t>1 to N Cardinality</a:t>
             </a:r>
           </a:p>
         </p:txBody>
@@ -23797,7 +25639,7 @@
           </p:nvPr>
         </p:nvPicPr>
         <p:blipFill>
-          <a:blip r:embed="rId2">
+          <a:blip r:embed="rId3">
             <a:extLst>
               <a:ext uri="{28A0092B-C50C-407E-A947-70E740481C1C}">
                 <a14:useLocalDpi xmlns:a14="http://schemas.microsoft.com/office/drawing/2010/main" val="0"/>
@@ -23891,7 +25733,7 @@
         <p:cNvPr id="1" name="">
           <a:extLst>
             <a:ext uri="{FF2B5EF4-FFF2-40B4-BE49-F238E27FC236}">
-              <a16:creationId xmlns:a16="http://schemas.microsoft.com/office/drawing/2014/main" id="{B24C40BE-CA6F-0148-EC40-151B61FBC1CB}"/>
+              <a16:creationId xmlns:a16="http://schemas.microsoft.com/office/drawing/2014/main" id="{4BF14E39-D1DF-7F91-6303-596D9B946DF2}"/>
             </a:ext>
           </a:extLst>
         </p:cNvPr>
@@ -23908,10 +25750,10 @@
       </p:grpSpPr>
       <p:sp useBgFill="1">
         <p:nvSpPr>
-          <p:cNvPr id="21" name="Rectangle 20">
-            <a:extLst>
-              <a:ext uri="{FF2B5EF4-FFF2-40B4-BE49-F238E27FC236}">
-                <a16:creationId xmlns:a16="http://schemas.microsoft.com/office/drawing/2014/main" id="{B460E6ED-A790-B1F2-3951-10AA4DBA5989}"/>
+          <p:cNvPr id="30" name="Rectangle 29">
+            <a:extLst>
+              <a:ext uri="{FF2B5EF4-FFF2-40B4-BE49-F238E27FC236}">
+                <a16:creationId xmlns:a16="http://schemas.microsoft.com/office/drawing/2014/main" id="{535F6D7D-0878-3A2A-71F2-98B250DDF484}"/>
               </a:ext>
               <a:ext uri="{C183D7F6-B498-43B3-948B-1728B52AA6E4}">
                 <adec:decorative xmlns:adec="http://schemas.microsoft.com/office/drawing/2017/decorative" val="1"/>
@@ -23962,229 +25804,40 @@
           <a:lstStyle/>
           <a:p>
             <a:pPr algn="ctr"/>
-            <a:endParaRPr lang="en-US"/>
-          </a:p>
-        </p:txBody>
-      </p:sp>
-      <p:sp useBgFill="1">
-        <p:nvSpPr>
-          <p:cNvPr id="22" name="Rectangle 21">
-            <a:extLst>
-              <a:ext uri="{FF2B5EF4-FFF2-40B4-BE49-F238E27FC236}">
-                <a16:creationId xmlns:a16="http://schemas.microsoft.com/office/drawing/2014/main" id="{E27D7C7C-80C1-52D7-7909-8AD67593ACEA}"/>
-              </a:ext>
-              <a:ext uri="{C183D7F6-B498-43B3-948B-1728B52AA6E4}">
-                <adec:decorative xmlns:adec="http://schemas.microsoft.com/office/drawing/2017/decorative" val="1"/>
-              </a:ext>
-            </a:extLst>
-          </p:cNvPr>
-          <p:cNvSpPr>
-            <a:spLocks noGrp="1" noRot="1" noChangeAspect="1" noMove="1" noResize="1" noEditPoints="1" noAdjustHandles="1" noChangeArrowheads="1" noChangeShapeType="1" noTextEdit="1"/>
-          </p:cNvSpPr>
-          <p:nvPr>
-            <p:extLst>
-              <p:ext uri="{386F3935-93C4-4BCD-93E2-E3B085C9AB24}">
-                <p16:designElem xmlns:p16="http://schemas.microsoft.com/office/powerpoint/2015/main" val="1"/>
-              </p:ext>
-            </p:extLst>
+            <a:endParaRPr lang="en-US" noProof="0" dirty="0"/>
+          </a:p>
+        </p:txBody>
+      </p:sp>
+      <p:sp>
+        <p:nvSpPr>
+          <p:cNvPr id="3" name="Title 2">
+            <a:extLst>
+              <a:ext uri="{FF2B5EF4-FFF2-40B4-BE49-F238E27FC236}">
+                <a16:creationId xmlns:a16="http://schemas.microsoft.com/office/drawing/2014/main" id="{45CCBD59-68D2-B6E0-1246-4974D34E9C7C}"/>
+              </a:ext>
+            </a:extLst>
+          </p:cNvPr>
+          <p:cNvSpPr>
+            <a:spLocks noGrp="1"/>
+          </p:cNvSpPr>
+          <p:nvPr>
+            <p:ph type="ctrTitle"/>
           </p:nvPr>
         </p:nvSpPr>
         <p:spPr>
           <a:xfrm>
-            <a:off x="558209" y="0"/>
-            <a:ext cx="11167447" cy="2018806"/>
-          </a:xfrm>
-          <a:prstGeom prst="rect">
-            <a:avLst/>
-          </a:prstGeom>
-          <a:ln w="9525">
-            <a:solidFill>
-              <a:srgbClr val="E1E1E1"/>
-            </a:solidFill>
-          </a:ln>
-          <a:effectLst>
-            <a:outerShdw blurRad="50800" dist="38100" dir="2700000" algn="tl" rotWithShape="0">
-              <a:schemeClr val="bg1">
-                <a:lumMod val="85000"/>
-                <a:alpha val="50000"/>
-              </a:schemeClr>
-            </a:outerShdw>
-          </a:effectLst>
-        </p:spPr>
-        <p:style>
-          <a:lnRef idx="2">
-            <a:schemeClr val="accent1">
-              <a:shade val="50000"/>
-            </a:schemeClr>
-          </a:lnRef>
-          <a:fillRef idx="1">
-            <a:schemeClr val="accent1"/>
-          </a:fillRef>
-          <a:effectRef idx="0">
-            <a:schemeClr val="accent1"/>
-          </a:effectRef>
-          <a:fontRef idx="minor">
-            <a:schemeClr val="lt1"/>
-          </a:fontRef>
-        </p:style>
-        <p:txBody>
-          <a:bodyPr rtlCol="0" anchor="ctr"/>
-          <a:lstStyle/>
-          <a:p>
-            <a:pPr marL="0" marR="0" lvl="0" indent="0" algn="ctr" defTabSz="914400" rtl="0" eaLnBrk="1" fontAlgn="auto" latinLnBrk="0" hangingPunct="1">
-              <a:lnSpc>
-                <a:spcPct val="100000"/>
-              </a:lnSpc>
-              <a:spcBef>
-                <a:spcPts val="0"/>
-              </a:spcBef>
-              <a:spcAft>
-                <a:spcPts val="0"/>
-              </a:spcAft>
-              <a:buClrTx/>
-              <a:buSzTx/>
-              <a:buFontTx/>
-              <a:buNone/>
-              <a:tabLst/>
-              <a:defRPr/>
-            </a:pPr>
-            <a:endParaRPr kumimoji="0" lang="en-US" sz="1800" b="0" i="0" u="none" strike="noStrike" kern="1200" cap="none" spc="0" normalizeH="0" baseline="0" noProof="0">
-              <a:ln>
-                <a:noFill/>
-              </a:ln>
-              <a:solidFill>
-                <a:prstClr val="white"/>
-              </a:solidFill>
-              <a:effectLst/>
-              <a:uLnTx/>
-              <a:uFillTx/>
-              <a:latin typeface="Calibri" panose="020F0502020204030204"/>
-              <a:ea typeface="+mn-ea"/>
-              <a:cs typeface="+mn-cs"/>
-            </a:endParaRPr>
-          </a:p>
-        </p:txBody>
-      </p:sp>
-      <p:sp useBgFill="1">
-        <p:nvSpPr>
-          <p:cNvPr id="23" name="Rectangle 22">
-            <a:extLst>
-              <a:ext uri="{FF2B5EF4-FFF2-40B4-BE49-F238E27FC236}">
-                <a16:creationId xmlns:a16="http://schemas.microsoft.com/office/drawing/2014/main" id="{DD745228-F58F-F3E1-B5AE-CDDAF4100F09}"/>
-              </a:ext>
-              <a:ext uri="{C183D7F6-B498-43B3-948B-1728B52AA6E4}">
-                <adec:decorative xmlns:adec="http://schemas.microsoft.com/office/drawing/2017/decorative" val="1"/>
-              </a:ext>
-            </a:extLst>
-          </p:cNvPr>
-          <p:cNvSpPr>
-            <a:spLocks noGrp="1" noRot="1" noChangeAspect="1" noMove="1" noResize="1" noEditPoints="1" noAdjustHandles="1" noChangeArrowheads="1" noChangeShapeType="1" noTextEdit="1"/>
-          </p:cNvSpPr>
-          <p:nvPr>
-            <p:extLst>
-              <p:ext uri="{386F3935-93C4-4BCD-93E2-E3B085C9AB24}">
-                <p16:designElem xmlns:p16="http://schemas.microsoft.com/office/powerpoint/2015/main" val="1"/>
-              </p:ext>
-            </p:extLst>
-          </p:nvPr>
-        </p:nvSpPr>
-        <p:spPr>
-          <a:xfrm>
-            <a:off x="566928" y="0"/>
-            <a:ext cx="11155680" cy="2011680"/>
-          </a:xfrm>
-          <a:prstGeom prst="rect">
-            <a:avLst/>
-          </a:prstGeom>
-          <a:ln w="9525">
-            <a:noFill/>
-          </a:ln>
-          <a:effectLst/>
-        </p:spPr>
-        <p:style>
-          <a:lnRef idx="2">
-            <a:schemeClr val="accent1">
-              <a:shade val="50000"/>
-            </a:schemeClr>
-          </a:lnRef>
-          <a:fillRef idx="1">
-            <a:schemeClr val="accent1"/>
-          </a:fillRef>
-          <a:effectRef idx="0">
-            <a:schemeClr val="accent1"/>
-          </a:effectRef>
-          <a:fontRef idx="minor">
-            <a:schemeClr val="lt1"/>
-          </a:fontRef>
-        </p:style>
-        <p:txBody>
-          <a:bodyPr rtlCol="0" anchor="ctr"/>
-          <a:lstStyle/>
-          <a:p>
-            <a:pPr marL="0" marR="0" lvl="0" indent="0" algn="ctr" defTabSz="914400" rtl="0" eaLnBrk="1" fontAlgn="auto" latinLnBrk="0" hangingPunct="1">
-              <a:lnSpc>
-                <a:spcPct val="100000"/>
-              </a:lnSpc>
-              <a:spcBef>
-                <a:spcPts val="0"/>
-              </a:spcBef>
-              <a:spcAft>
-                <a:spcPts val="0"/>
-              </a:spcAft>
-              <a:buClrTx/>
-              <a:buSzTx/>
-              <a:buFontTx/>
-              <a:buNone/>
-              <a:tabLst/>
-              <a:defRPr/>
-            </a:pPr>
-            <a:endParaRPr kumimoji="0" lang="en-US" sz="1800" b="0" i="0" u="none" strike="noStrike" kern="1200" cap="none" spc="0" normalizeH="0" baseline="0" noProof="0">
-              <a:ln>
-                <a:noFill/>
-              </a:ln>
-              <a:solidFill>
-                <a:prstClr val="white"/>
-              </a:solidFill>
-              <a:effectLst/>
-              <a:uLnTx/>
-              <a:uFillTx/>
-              <a:latin typeface="Calibri" panose="020F0502020204030204"/>
-              <a:ea typeface="+mn-ea"/>
-              <a:cs typeface="+mn-cs"/>
-            </a:endParaRPr>
-          </a:p>
-        </p:txBody>
-      </p:sp>
-      <p:sp>
-        <p:nvSpPr>
-          <p:cNvPr id="3" name="Title 2">
-            <a:extLst>
-              <a:ext uri="{FF2B5EF4-FFF2-40B4-BE49-F238E27FC236}">
-                <a16:creationId xmlns:a16="http://schemas.microsoft.com/office/drawing/2014/main" id="{AD66626C-9924-8C68-1ED1-5C14C370F3E6}"/>
-              </a:ext>
-            </a:extLst>
-          </p:cNvPr>
-          <p:cNvSpPr>
-            <a:spLocks noGrp="1"/>
-          </p:cNvSpPr>
-          <p:nvPr>
-            <p:ph type="ctrTitle"/>
-          </p:nvPr>
-        </p:nvSpPr>
-        <p:spPr>
-          <a:xfrm>
-            <a:off x="1115568" y="548640"/>
-            <a:ext cx="10168128" cy="1179576"/>
+            <a:off x="411480" y="991443"/>
+            <a:ext cx="4443154" cy="1087819"/>
           </a:xfrm>
         </p:spPr>
         <p:txBody>
-          <a:bodyPr vert="horz" lIns="91440" tIns="45720" rIns="91440" bIns="45720" rtlCol="0" anchor="ctr">
+          <a:bodyPr vert="horz" lIns="91440" tIns="45720" rIns="91440" bIns="45720" rtlCol="0" anchor="b">
             <a:normAutofit/>
           </a:bodyPr>
           <a:lstStyle/>
           <a:p>
             <a:r>
-              <a:rPr lang="en-US" kern="1200" dirty="0" err="1">
+              <a:rPr lang="en-US" sz="3400" kern="1200" noProof="0" dirty="0" err="1">
                 <a:solidFill>
                   <a:schemeClr val="tx1"/>
                 </a:solidFill>
@@ -24195,7 +25848,7 @@
               <a:t>PowerBI</a:t>
             </a:r>
             <a:r>
-              <a:rPr lang="en-US" kern="1200" dirty="0">
+              <a:rPr lang="en-US" sz="3400" kern="1200" noProof="0" dirty="0">
                 <a:solidFill>
                   <a:schemeClr val="tx1"/>
                 </a:solidFill>
@@ -24210,10 +25863,10 @@
       </p:sp>
       <p:sp>
         <p:nvSpPr>
-          <p:cNvPr id="20" name="Rectangle 19">
-            <a:extLst>
-              <a:ext uri="{FF2B5EF4-FFF2-40B4-BE49-F238E27FC236}">
-                <a16:creationId xmlns:a16="http://schemas.microsoft.com/office/drawing/2014/main" id="{C7906E12-097D-65B4-6D57-03DE42B70A96}"/>
+          <p:cNvPr id="31" name="Rectangle 30">
+            <a:extLst>
+              <a:ext uri="{FF2B5EF4-FFF2-40B4-BE49-F238E27FC236}">
+                <a16:creationId xmlns:a16="http://schemas.microsoft.com/office/drawing/2014/main" id="{E4244EAB-AA56-0776-AC50-45E4EA7E8530}"/>
               </a:ext>
               <a:ext uri="{C183D7F6-B498-43B3-948B-1728B52AA6E4}">
                 <adec:decorative xmlns:adec="http://schemas.microsoft.com/office/drawing/2017/decorative" val="1"/>
@@ -24232,9 +25885,9 @@
           </p:nvPr>
         </p:nvSpPr>
         <p:spPr>
-          <a:xfrm>
-            <a:off x="498834" y="758952"/>
-            <a:ext cx="128016" cy="704088"/>
+          <a:xfrm rot="5400000">
+            <a:off x="649223" y="387939"/>
+            <a:ext cx="73152" cy="548640"/>
           </a:xfrm>
           <a:prstGeom prst="rect">
             <a:avLst/>
@@ -24267,7 +25920,7 @@
           <a:lstStyle/>
           <a:p>
             <a:pPr algn="ctr"/>
-            <a:endParaRPr lang="en-US">
+            <a:endParaRPr lang="en-US" noProof="0" dirty="0">
               <a:solidFill>
                 <a:prstClr val="white"/>
               </a:solidFill>
@@ -24278,24 +25931,94 @@
       </p:sp>
       <p:sp>
         <p:nvSpPr>
-          <p:cNvPr id="9" name="TextBox 8">
-            <a:extLst>
-              <a:ext uri="{FF2B5EF4-FFF2-40B4-BE49-F238E27FC236}">
-                <a16:creationId xmlns:a16="http://schemas.microsoft.com/office/drawing/2014/main" id="{E8989892-381A-EF9B-7AB8-DF03AFC293A3}"/>
-              </a:ext>
-            </a:extLst>
-          </p:cNvPr>
-          <p:cNvSpPr txBox="1"/>
-          <p:nvPr/>
+          <p:cNvPr id="32" name="Rectangle 31">
+            <a:extLst>
+              <a:ext uri="{FF2B5EF4-FFF2-40B4-BE49-F238E27FC236}">
+                <a16:creationId xmlns:a16="http://schemas.microsoft.com/office/drawing/2014/main" id="{1B22D73E-BABC-9DA8-B5B3-5DE4E3F837B7}"/>
+              </a:ext>
+              <a:ext uri="{C183D7F6-B498-43B3-948B-1728B52AA6E4}">
+                <adec:decorative xmlns:adec="http://schemas.microsoft.com/office/drawing/2017/decorative" val="1"/>
+              </a:ext>
+            </a:extLst>
+          </p:cNvPr>
+          <p:cNvSpPr>
+            <a:spLocks noGrp="1" noRot="1" noChangeAspect="1" noMove="1" noResize="1" noEditPoints="1" noAdjustHandles="1" noChangeArrowheads="1" noChangeShapeType="1" noTextEdit="1"/>
+          </p:cNvSpPr>
+          <p:nvPr>
+            <p:extLst>
+              <p:ext uri="{386F3935-93C4-4BCD-93E2-E3B085C9AB24}">
+                <p16:designElem xmlns:p16="http://schemas.microsoft.com/office/powerpoint/2015/main" val="1"/>
+              </p:ext>
+            </p:extLst>
+          </p:nvPr>
         </p:nvSpPr>
         <p:spPr>
           <a:xfrm>
-            <a:off x="469392" y="2560320"/>
-            <a:ext cx="3050556" cy="3749040"/>
+            <a:off x="411480" y="2285541"/>
+            <a:ext cx="4389120" cy="18288"/>
           </a:xfrm>
           <a:prstGeom prst="rect">
             <a:avLst/>
           </a:prstGeom>
+          <a:solidFill>
+            <a:srgbClr val="D5D5D5"/>
+          </a:solidFill>
+          <a:ln w="3175">
+            <a:noFill/>
+          </a:ln>
+          <a:effectLst/>
+        </p:spPr>
+        <p:style>
+          <a:lnRef idx="2">
+            <a:schemeClr val="accent1">
+              <a:shade val="50000"/>
+            </a:schemeClr>
+          </a:lnRef>
+          <a:fillRef idx="1">
+            <a:schemeClr val="accent1"/>
+          </a:fillRef>
+          <a:effectRef idx="0">
+            <a:schemeClr val="accent1"/>
+          </a:effectRef>
+          <a:fontRef idx="minor">
+            <a:schemeClr val="lt1"/>
+          </a:fontRef>
+        </p:style>
+        <p:txBody>
+          <a:bodyPr rtlCol="0" anchor="ctr"/>
+          <a:lstStyle/>
+          <a:p>
+            <a:pPr algn="ctr"/>
+            <a:endParaRPr lang="en-US" noProof="0" dirty="0">
+              <a:solidFill>
+                <a:prstClr val="white"/>
+              </a:solidFill>
+              <a:latin typeface="Calibri" panose="020F0502020204030204"/>
+            </a:endParaRPr>
+          </a:p>
+        </p:txBody>
+      </p:sp>
+      <p:sp>
+        <p:nvSpPr>
+          <p:cNvPr id="4" name="Content Placeholder 3">
+            <a:extLst>
+              <a:ext uri="{FF2B5EF4-FFF2-40B4-BE49-F238E27FC236}">
+                <a16:creationId xmlns:a16="http://schemas.microsoft.com/office/drawing/2014/main" id="{521DFAA2-D29A-1C47-AD22-EB4A5FA4F61E}"/>
+              </a:ext>
+            </a:extLst>
+          </p:cNvPr>
+          <p:cNvSpPr>
+            <a:spLocks noGrp="1"/>
+          </p:cNvSpPr>
+          <p:nvPr>
+            <p:ph sz="quarter" idx="14"/>
+          </p:nvPr>
+        </p:nvSpPr>
+        <p:spPr>
+          <a:xfrm>
+            <a:off x="411479" y="2510107"/>
+            <a:ext cx="3824190" cy="4037885"/>
+          </a:xfrm>
         </p:spPr>
         <p:txBody>
           <a:bodyPr vert="horz" lIns="91440" tIns="45720" rIns="91440" bIns="45720" rtlCol="0">
@@ -24303,145 +26026,80 @@
           </a:bodyPr>
           <a:lstStyle/>
           <a:p>
-            <a:pPr>
-              <a:lnSpc>
-                <a:spcPct val="90000"/>
-              </a:lnSpc>
-              <a:spcAft>
-                <a:spcPts val="600"/>
-              </a:spcAft>
+            <a:pPr marL="0" indent="0">
+              <a:buNone/>
             </a:pPr>
             <a:r>
-              <a:rPr lang="en-US" sz="2200" i="1" dirty="0"/>
+              <a:rPr lang="en-US" sz="2200" i="1" noProof="0" dirty="0"/>
               <a:t>Comments</a:t>
             </a:r>
             <a:r>
-              <a:rPr lang="en-US" sz="2200" dirty="0"/>
+              <a:rPr lang="en-US" sz="2200" noProof="0" dirty="0"/>
               <a:t>:</a:t>
             </a:r>
           </a:p>
           <a:p>
-            <a:pPr>
-              <a:lnSpc>
-                <a:spcPct val="90000"/>
-              </a:lnSpc>
-              <a:spcAft>
-                <a:spcPts val="600"/>
-              </a:spcAft>
+            <a:endParaRPr lang="en-US" sz="1800" noProof="0" dirty="0"/>
+          </a:p>
+          <a:p>
+            <a:r>
+              <a:rPr lang="en-US" sz="1800" noProof="0" dirty="0"/>
+              <a:t>Dashboards for a comprehensive analysis</a:t>
+            </a:r>
+          </a:p>
+          <a:p>
+            <a:pPr marL="0" indent="0">
+              <a:buNone/>
             </a:pPr>
-            <a:endParaRPr lang="en-US" sz="2200" dirty="0"/>
-          </a:p>
-          <a:p>
-            <a:pPr marL="342900" indent="-342900">
-              <a:lnSpc>
-                <a:spcPct val="90000"/>
-              </a:lnSpc>
-              <a:spcAft>
-                <a:spcPts val="600"/>
-              </a:spcAft>
-              <a:buFont typeface="Arial" panose="020B0604020202020204" pitchFamily="34" charset="0"/>
-              <a:buChar char="•"/>
+            <a:endParaRPr lang="en-US" sz="1800" noProof="0" dirty="0"/>
+          </a:p>
+          <a:p>
+            <a:r>
+              <a:rPr lang="en-US" sz="1800" noProof="0" dirty="0"/>
+              <a:t>Slicer usage for customized results</a:t>
+            </a:r>
+          </a:p>
+          <a:p>
+            <a:pPr marL="0" indent="0">
+              <a:buNone/>
             </a:pPr>
-            <a:r>
-              <a:rPr lang="en-US" sz="2000" dirty="0"/>
-              <a:t>Dashboards for a comprehensive analysis</a:t>
-            </a:r>
-          </a:p>
-          <a:p>
-            <a:pPr marL="342900" indent="-342900">
-              <a:lnSpc>
-                <a:spcPct val="90000"/>
-              </a:lnSpc>
-              <a:spcAft>
-                <a:spcPts val="600"/>
-              </a:spcAft>
-              <a:buFont typeface="Arial" panose="020B0604020202020204" pitchFamily="34" charset="0"/>
-              <a:buChar char="•"/>
+            <a:endParaRPr lang="en-US" sz="1800" noProof="0" dirty="0"/>
+          </a:p>
+          <a:p>
+            <a:r>
+              <a:rPr lang="en-US" sz="1800" noProof="0" dirty="0"/>
+              <a:t>Cards to portray key analytics </a:t>
+            </a:r>
+          </a:p>
+          <a:p>
+            <a:pPr marL="0" indent="0">
+              <a:buNone/>
             </a:pPr>
-            <a:r>
-              <a:rPr lang="en-US" sz="2000" dirty="0"/>
-              <a:t>Slicers usage for customized results</a:t>
-            </a:r>
-          </a:p>
-          <a:p>
-            <a:pPr marL="342900" indent="-342900">
-              <a:lnSpc>
-                <a:spcPct val="90000"/>
-              </a:lnSpc>
-              <a:spcAft>
-                <a:spcPts val="600"/>
-              </a:spcAft>
-              <a:buFont typeface="Arial" panose="020B0604020202020204" pitchFamily="34" charset="0"/>
-              <a:buChar char="•"/>
-            </a:pPr>
-            <a:r>
-              <a:rPr lang="en-US" sz="2000" dirty="0"/>
-              <a:t>Cards to portray key analytics </a:t>
-            </a:r>
-          </a:p>
-          <a:p>
-            <a:pPr marL="342900" indent="-342900">
-              <a:lnSpc>
-                <a:spcPct val="90000"/>
-              </a:lnSpc>
-              <a:spcAft>
-                <a:spcPts val="600"/>
-              </a:spcAft>
-              <a:buFont typeface="Arial" panose="020B0604020202020204" pitchFamily="34" charset="0"/>
-              <a:buChar char="•"/>
-            </a:pPr>
-            <a:r>
-              <a:rPr lang="en-US" sz="2000" dirty="0"/>
+            <a:endParaRPr lang="en-US" sz="1800" noProof="0" dirty="0"/>
+          </a:p>
+          <a:p>
+            <a:r>
+              <a:rPr lang="en-US" sz="1800" noProof="0" dirty="0"/>
               <a:t>Variety on Visual Reports</a:t>
             </a:r>
           </a:p>
           <a:p>
-            <a:pPr marL="342900" indent="-342900">
-              <a:lnSpc>
-                <a:spcPct val="90000"/>
-              </a:lnSpc>
-              <a:spcAft>
-                <a:spcPts val="600"/>
-              </a:spcAft>
-              <a:buFont typeface="Arial" panose="020B0604020202020204" pitchFamily="34" charset="0"/>
-              <a:buChar char="•"/>
-            </a:pPr>
-            <a:endParaRPr lang="en-US" sz="2000" dirty="0"/>
-          </a:p>
-          <a:p>
-            <a:pPr marL="514350" indent="-228600">
-              <a:lnSpc>
-                <a:spcPct val="90000"/>
-              </a:lnSpc>
-              <a:spcAft>
-                <a:spcPts val="600"/>
-              </a:spcAft>
-              <a:buFont typeface="Arial" panose="020B0604020202020204" pitchFamily="34" charset="0"/>
-              <a:buChar char="•"/>
-            </a:pPr>
-            <a:endParaRPr lang="en-US" sz="2200" dirty="0"/>
-          </a:p>
-          <a:p>
-            <a:pPr indent="-228600">
-              <a:lnSpc>
-                <a:spcPct val="90000"/>
-              </a:lnSpc>
-              <a:spcAft>
-                <a:spcPts val="600"/>
-              </a:spcAft>
-              <a:buFont typeface="Arial" panose="020B0604020202020204" pitchFamily="34" charset="0"/>
-              <a:buChar char="•"/>
-            </a:pPr>
-            <a:endParaRPr lang="en-US" sz="2200" dirty="0"/>
+            <a:endParaRPr lang="en-US" sz="1800" noProof="0" dirty="0"/>
+          </a:p>
+          <a:p>
+            <a:endParaRPr lang="en-US" sz="1800" noProof="0" dirty="0"/>
+          </a:p>
+          <a:p>
+            <a:endParaRPr lang="en-US" sz="1800" noProof="0" dirty="0"/>
           </a:p>
         </p:txBody>
       </p:sp>
       <p:pic>
         <p:nvPicPr>
-          <p:cNvPr id="4" name="Picture 3" descr="A screenshot of a computer&#10;&#10;Description automatically generated">
-            <a:extLst>
-              <a:ext uri="{FF2B5EF4-FFF2-40B4-BE49-F238E27FC236}">
-                <a16:creationId xmlns:a16="http://schemas.microsoft.com/office/drawing/2014/main" id="{07015F71-217A-E334-6D2F-542C0AE3A387}"/>
+          <p:cNvPr id="7" name="Picture 6" descr="A screenshot of a computer&#10;&#10;Description automatically generated">
+            <a:extLst>
+              <a:ext uri="{FF2B5EF4-FFF2-40B4-BE49-F238E27FC236}">
+                <a16:creationId xmlns:a16="http://schemas.microsoft.com/office/drawing/2014/main" id="{B2258CEB-F6C2-96F5-BE8B-4A4D8FF37A70}"/>
               </a:ext>
             </a:extLst>
           </p:cNvPr>
@@ -24451,7 +26109,7 @@
           <p:nvPr/>
         </p:nvPicPr>
         <p:blipFill>
-          <a:blip r:embed="rId2">
+          <a:blip r:embed="rId3">
             <a:extLst>
               <a:ext uri="{28A0092B-C50C-407E-A947-70E740481C1C}">
                 <a14:useLocalDpi xmlns:a14="http://schemas.microsoft.com/office/drawing/2010/main" val="0"/>
@@ -24464,8 +26122,8 @@
         </p:blipFill>
         <p:spPr>
           <a:xfrm>
-            <a:off x="3890865" y="2154881"/>
-            <a:ext cx="8301135" cy="4703120"/>
+            <a:off x="4647148" y="2587708"/>
+            <a:ext cx="7544852" cy="4270292"/>
           </a:xfrm>
           <a:prstGeom prst="rect">
             <a:avLst/>
@@ -24475,7 +26133,7 @@
     </p:spTree>
     <p:extLst>
       <p:ext uri="{BB962C8B-B14F-4D97-AF65-F5344CB8AC3E}">
-        <p14:creationId xmlns:p14="http://schemas.microsoft.com/office/powerpoint/2010/main" val="2047170612"/>
+        <p14:creationId xmlns:p14="http://schemas.microsoft.com/office/powerpoint/2010/main" val="3403102980"/>
       </p:ext>
     </p:extLst>
   </p:cSld>
@@ -24504,7 +26162,7 @@
         <p:cNvPr id="1" name="">
           <a:extLst>
             <a:ext uri="{FF2B5EF4-FFF2-40B4-BE49-F238E27FC236}">
-              <a16:creationId xmlns:a16="http://schemas.microsoft.com/office/drawing/2014/main" id="{C8A749BC-3162-1374-CBE7-3BA3A182D33A}"/>
+              <a16:creationId xmlns:a16="http://schemas.microsoft.com/office/drawing/2014/main" id="{252C8950-2D71-039D-BBBD-103C710D7010}"/>
             </a:ext>
           </a:extLst>
         </p:cNvPr>
@@ -24521,10 +26179,10 @@
       </p:grpSpPr>
       <p:sp useBgFill="1">
         <p:nvSpPr>
-          <p:cNvPr id="21" name="Rectangle 20">
-            <a:extLst>
-              <a:ext uri="{FF2B5EF4-FFF2-40B4-BE49-F238E27FC236}">
-                <a16:creationId xmlns:a16="http://schemas.microsoft.com/office/drawing/2014/main" id="{24C01CB6-AF16-E58D-D24C-63CDF3B7EAC6}"/>
+          <p:cNvPr id="30" name="Rectangle 29">
+            <a:extLst>
+              <a:ext uri="{FF2B5EF4-FFF2-40B4-BE49-F238E27FC236}">
+                <a16:creationId xmlns:a16="http://schemas.microsoft.com/office/drawing/2014/main" id="{4C29AE33-CE08-1EF7-710A-5F554F044108}"/>
               </a:ext>
               <a:ext uri="{C183D7F6-B498-43B3-948B-1728B52AA6E4}">
                 <adec:decorative xmlns:adec="http://schemas.microsoft.com/office/drawing/2017/decorative" val="1"/>
@@ -24575,229 +26233,40 @@
           <a:lstStyle/>
           <a:p>
             <a:pPr algn="ctr"/>
-            <a:endParaRPr lang="en-US"/>
-          </a:p>
-        </p:txBody>
-      </p:sp>
-      <p:sp useBgFill="1">
-        <p:nvSpPr>
-          <p:cNvPr id="22" name="Rectangle 21">
-            <a:extLst>
-              <a:ext uri="{FF2B5EF4-FFF2-40B4-BE49-F238E27FC236}">
-                <a16:creationId xmlns:a16="http://schemas.microsoft.com/office/drawing/2014/main" id="{144AC5E2-FA1B-102C-2645-F56D341D99F7}"/>
-              </a:ext>
-              <a:ext uri="{C183D7F6-B498-43B3-948B-1728B52AA6E4}">
-                <adec:decorative xmlns:adec="http://schemas.microsoft.com/office/drawing/2017/decorative" val="1"/>
-              </a:ext>
-            </a:extLst>
-          </p:cNvPr>
-          <p:cNvSpPr>
-            <a:spLocks noGrp="1" noRot="1" noChangeAspect="1" noMove="1" noResize="1" noEditPoints="1" noAdjustHandles="1" noChangeArrowheads="1" noChangeShapeType="1" noTextEdit="1"/>
-          </p:cNvSpPr>
-          <p:nvPr>
-            <p:extLst>
-              <p:ext uri="{386F3935-93C4-4BCD-93E2-E3B085C9AB24}">
-                <p16:designElem xmlns:p16="http://schemas.microsoft.com/office/powerpoint/2015/main" val="1"/>
-              </p:ext>
-            </p:extLst>
+            <a:endParaRPr lang="en-US" noProof="0" dirty="0"/>
+          </a:p>
+        </p:txBody>
+      </p:sp>
+      <p:sp>
+        <p:nvSpPr>
+          <p:cNvPr id="3" name="Title 2">
+            <a:extLst>
+              <a:ext uri="{FF2B5EF4-FFF2-40B4-BE49-F238E27FC236}">
+                <a16:creationId xmlns:a16="http://schemas.microsoft.com/office/drawing/2014/main" id="{BEFB244C-BDAA-FCF1-AD92-FE06C1CEECA3}"/>
+              </a:ext>
+            </a:extLst>
+          </p:cNvPr>
+          <p:cNvSpPr>
+            <a:spLocks noGrp="1"/>
+          </p:cNvSpPr>
+          <p:nvPr>
+            <p:ph type="ctrTitle"/>
           </p:nvPr>
         </p:nvSpPr>
         <p:spPr>
           <a:xfrm>
-            <a:off x="558209" y="0"/>
-            <a:ext cx="11167447" cy="2018806"/>
-          </a:xfrm>
-          <a:prstGeom prst="rect">
-            <a:avLst/>
-          </a:prstGeom>
-          <a:ln w="9525">
-            <a:solidFill>
-              <a:srgbClr val="E1E1E1"/>
-            </a:solidFill>
-          </a:ln>
-          <a:effectLst>
-            <a:outerShdw blurRad="50800" dist="38100" dir="2700000" algn="tl" rotWithShape="0">
-              <a:schemeClr val="bg1">
-                <a:lumMod val="85000"/>
-                <a:alpha val="50000"/>
-              </a:schemeClr>
-            </a:outerShdw>
-          </a:effectLst>
-        </p:spPr>
-        <p:style>
-          <a:lnRef idx="2">
-            <a:schemeClr val="accent1">
-              <a:shade val="50000"/>
-            </a:schemeClr>
-          </a:lnRef>
-          <a:fillRef idx="1">
-            <a:schemeClr val="accent1"/>
-          </a:fillRef>
-          <a:effectRef idx="0">
-            <a:schemeClr val="accent1"/>
-          </a:effectRef>
-          <a:fontRef idx="minor">
-            <a:schemeClr val="lt1"/>
-          </a:fontRef>
-        </p:style>
-        <p:txBody>
-          <a:bodyPr rtlCol="0" anchor="ctr"/>
-          <a:lstStyle/>
-          <a:p>
-            <a:pPr marL="0" marR="0" lvl="0" indent="0" algn="ctr" defTabSz="914400" rtl="0" eaLnBrk="1" fontAlgn="auto" latinLnBrk="0" hangingPunct="1">
-              <a:lnSpc>
-                <a:spcPct val="100000"/>
-              </a:lnSpc>
-              <a:spcBef>
-                <a:spcPts val="0"/>
-              </a:spcBef>
-              <a:spcAft>
-                <a:spcPts val="0"/>
-              </a:spcAft>
-              <a:buClrTx/>
-              <a:buSzTx/>
-              <a:buFontTx/>
-              <a:buNone/>
-              <a:tabLst/>
-              <a:defRPr/>
-            </a:pPr>
-            <a:endParaRPr kumimoji="0" lang="en-US" sz="1800" b="0" i="0" u="none" strike="noStrike" kern="1200" cap="none" spc="0" normalizeH="0" baseline="0" noProof="0">
-              <a:ln>
-                <a:noFill/>
-              </a:ln>
-              <a:solidFill>
-                <a:prstClr val="white"/>
-              </a:solidFill>
-              <a:effectLst/>
-              <a:uLnTx/>
-              <a:uFillTx/>
-              <a:latin typeface="Calibri" panose="020F0502020204030204"/>
-              <a:ea typeface="+mn-ea"/>
-              <a:cs typeface="+mn-cs"/>
-            </a:endParaRPr>
-          </a:p>
-        </p:txBody>
-      </p:sp>
-      <p:sp useBgFill="1">
-        <p:nvSpPr>
-          <p:cNvPr id="23" name="Rectangle 22">
-            <a:extLst>
-              <a:ext uri="{FF2B5EF4-FFF2-40B4-BE49-F238E27FC236}">
-                <a16:creationId xmlns:a16="http://schemas.microsoft.com/office/drawing/2014/main" id="{D6FDAE4A-FCB8-53DB-DA2E-C21F95C6EDA0}"/>
-              </a:ext>
-              <a:ext uri="{C183D7F6-B498-43B3-948B-1728B52AA6E4}">
-                <adec:decorative xmlns:adec="http://schemas.microsoft.com/office/drawing/2017/decorative" val="1"/>
-              </a:ext>
-            </a:extLst>
-          </p:cNvPr>
-          <p:cNvSpPr>
-            <a:spLocks noGrp="1" noRot="1" noChangeAspect="1" noMove="1" noResize="1" noEditPoints="1" noAdjustHandles="1" noChangeArrowheads="1" noChangeShapeType="1" noTextEdit="1"/>
-          </p:cNvSpPr>
-          <p:nvPr>
-            <p:extLst>
-              <p:ext uri="{386F3935-93C4-4BCD-93E2-E3B085C9AB24}">
-                <p16:designElem xmlns:p16="http://schemas.microsoft.com/office/powerpoint/2015/main" val="1"/>
-              </p:ext>
-            </p:extLst>
-          </p:nvPr>
-        </p:nvSpPr>
-        <p:spPr>
-          <a:xfrm>
-            <a:off x="566928" y="0"/>
-            <a:ext cx="11155680" cy="2011680"/>
-          </a:xfrm>
-          <a:prstGeom prst="rect">
-            <a:avLst/>
-          </a:prstGeom>
-          <a:ln w="9525">
-            <a:noFill/>
-          </a:ln>
-          <a:effectLst/>
-        </p:spPr>
-        <p:style>
-          <a:lnRef idx="2">
-            <a:schemeClr val="accent1">
-              <a:shade val="50000"/>
-            </a:schemeClr>
-          </a:lnRef>
-          <a:fillRef idx="1">
-            <a:schemeClr val="accent1"/>
-          </a:fillRef>
-          <a:effectRef idx="0">
-            <a:schemeClr val="accent1"/>
-          </a:effectRef>
-          <a:fontRef idx="minor">
-            <a:schemeClr val="lt1"/>
-          </a:fontRef>
-        </p:style>
-        <p:txBody>
-          <a:bodyPr rtlCol="0" anchor="ctr"/>
-          <a:lstStyle/>
-          <a:p>
-            <a:pPr marL="0" marR="0" lvl="0" indent="0" algn="ctr" defTabSz="914400" rtl="0" eaLnBrk="1" fontAlgn="auto" latinLnBrk="0" hangingPunct="1">
-              <a:lnSpc>
-                <a:spcPct val="100000"/>
-              </a:lnSpc>
-              <a:spcBef>
-                <a:spcPts val="0"/>
-              </a:spcBef>
-              <a:spcAft>
-                <a:spcPts val="0"/>
-              </a:spcAft>
-              <a:buClrTx/>
-              <a:buSzTx/>
-              <a:buFontTx/>
-              <a:buNone/>
-              <a:tabLst/>
-              <a:defRPr/>
-            </a:pPr>
-            <a:endParaRPr kumimoji="0" lang="en-US" sz="1800" b="0" i="0" u="none" strike="noStrike" kern="1200" cap="none" spc="0" normalizeH="0" baseline="0" noProof="0">
-              <a:ln>
-                <a:noFill/>
-              </a:ln>
-              <a:solidFill>
-                <a:prstClr val="white"/>
-              </a:solidFill>
-              <a:effectLst/>
-              <a:uLnTx/>
-              <a:uFillTx/>
-              <a:latin typeface="Calibri" panose="020F0502020204030204"/>
-              <a:ea typeface="+mn-ea"/>
-              <a:cs typeface="+mn-cs"/>
-            </a:endParaRPr>
-          </a:p>
-        </p:txBody>
-      </p:sp>
-      <p:sp>
-        <p:nvSpPr>
-          <p:cNvPr id="3" name="Title 2">
-            <a:extLst>
-              <a:ext uri="{FF2B5EF4-FFF2-40B4-BE49-F238E27FC236}">
-                <a16:creationId xmlns:a16="http://schemas.microsoft.com/office/drawing/2014/main" id="{0DF57FAA-C4E0-EC8F-7656-9D6196926AE6}"/>
-              </a:ext>
-            </a:extLst>
-          </p:cNvPr>
-          <p:cNvSpPr>
-            <a:spLocks noGrp="1"/>
-          </p:cNvSpPr>
-          <p:nvPr>
-            <p:ph type="ctrTitle"/>
-          </p:nvPr>
-        </p:nvSpPr>
-        <p:spPr>
-          <a:xfrm>
-            <a:off x="1115568" y="548640"/>
-            <a:ext cx="10168128" cy="1179576"/>
+            <a:off x="411480" y="991443"/>
+            <a:ext cx="4443154" cy="1087819"/>
           </a:xfrm>
         </p:spPr>
         <p:txBody>
-          <a:bodyPr vert="horz" lIns="91440" tIns="45720" rIns="91440" bIns="45720" rtlCol="0" anchor="ctr">
+          <a:bodyPr vert="horz" lIns="91440" tIns="45720" rIns="91440" bIns="45720" rtlCol="0" anchor="b">
             <a:normAutofit/>
           </a:bodyPr>
           <a:lstStyle/>
           <a:p>
             <a:r>
-              <a:rPr lang="en-US" kern="1200" dirty="0" err="1">
+              <a:rPr lang="en-US" sz="3400" kern="1200" noProof="0" dirty="0" err="1">
                 <a:solidFill>
                   <a:schemeClr val="tx1"/>
                 </a:solidFill>
@@ -24808,7 +26277,7 @@
               <a:t>PowerBI</a:t>
             </a:r>
             <a:r>
-              <a:rPr lang="en-US" kern="1200" dirty="0">
+              <a:rPr lang="en-US" sz="3400" kern="1200" noProof="0" dirty="0">
                 <a:solidFill>
                   <a:schemeClr val="tx1"/>
                 </a:solidFill>
@@ -24823,10 +26292,10 @@
       </p:sp>
       <p:sp>
         <p:nvSpPr>
-          <p:cNvPr id="20" name="Rectangle 19">
-            <a:extLst>
-              <a:ext uri="{FF2B5EF4-FFF2-40B4-BE49-F238E27FC236}">
-                <a16:creationId xmlns:a16="http://schemas.microsoft.com/office/drawing/2014/main" id="{D083525F-07E3-FBCA-1C04-3D696CCAD399}"/>
+          <p:cNvPr id="31" name="Rectangle 30">
+            <a:extLst>
+              <a:ext uri="{FF2B5EF4-FFF2-40B4-BE49-F238E27FC236}">
+                <a16:creationId xmlns:a16="http://schemas.microsoft.com/office/drawing/2014/main" id="{ED9EFAB0-25E8-C827-CC89-E997BDEF6EFC}"/>
               </a:ext>
               <a:ext uri="{C183D7F6-B498-43B3-948B-1728B52AA6E4}">
                 <adec:decorative xmlns:adec="http://schemas.microsoft.com/office/drawing/2017/decorative" val="1"/>
@@ -24845,9 +26314,9 @@
           </p:nvPr>
         </p:nvSpPr>
         <p:spPr>
-          <a:xfrm>
-            <a:off x="498834" y="758952"/>
-            <a:ext cx="128016" cy="704088"/>
+          <a:xfrm rot="5400000">
+            <a:off x="649223" y="387939"/>
+            <a:ext cx="73152" cy="548640"/>
           </a:xfrm>
           <a:prstGeom prst="rect">
             <a:avLst/>
@@ -24880,7 +26349,7 @@
           <a:lstStyle/>
           <a:p>
             <a:pPr algn="ctr"/>
-            <a:endParaRPr lang="en-US">
+            <a:endParaRPr lang="en-US" noProof="0" dirty="0">
               <a:solidFill>
                 <a:prstClr val="white"/>
               </a:solidFill>
@@ -24889,12 +26358,177 @@
           </a:p>
         </p:txBody>
       </p:sp>
+      <p:sp>
+        <p:nvSpPr>
+          <p:cNvPr id="32" name="Rectangle 31">
+            <a:extLst>
+              <a:ext uri="{FF2B5EF4-FFF2-40B4-BE49-F238E27FC236}">
+                <a16:creationId xmlns:a16="http://schemas.microsoft.com/office/drawing/2014/main" id="{99409FA7-C0E7-52A4-3809-8DCB82301644}"/>
+              </a:ext>
+              <a:ext uri="{C183D7F6-B498-43B3-948B-1728B52AA6E4}">
+                <adec:decorative xmlns:adec="http://schemas.microsoft.com/office/drawing/2017/decorative" val="1"/>
+              </a:ext>
+            </a:extLst>
+          </p:cNvPr>
+          <p:cNvSpPr>
+            <a:spLocks noGrp="1" noRot="1" noChangeAspect="1" noMove="1" noResize="1" noEditPoints="1" noAdjustHandles="1" noChangeArrowheads="1" noChangeShapeType="1" noTextEdit="1"/>
+          </p:cNvSpPr>
+          <p:nvPr>
+            <p:extLst>
+              <p:ext uri="{386F3935-93C4-4BCD-93E2-E3B085C9AB24}">
+                <p16:designElem xmlns:p16="http://schemas.microsoft.com/office/powerpoint/2015/main" val="1"/>
+              </p:ext>
+            </p:extLst>
+          </p:nvPr>
+        </p:nvSpPr>
+        <p:spPr>
+          <a:xfrm>
+            <a:off x="411480" y="2285541"/>
+            <a:ext cx="4389120" cy="18288"/>
+          </a:xfrm>
+          <a:prstGeom prst="rect">
+            <a:avLst/>
+          </a:prstGeom>
+          <a:solidFill>
+            <a:srgbClr val="D5D5D5"/>
+          </a:solidFill>
+          <a:ln w="3175">
+            <a:noFill/>
+          </a:ln>
+          <a:effectLst/>
+        </p:spPr>
+        <p:style>
+          <a:lnRef idx="2">
+            <a:schemeClr val="accent1">
+              <a:shade val="50000"/>
+            </a:schemeClr>
+          </a:lnRef>
+          <a:fillRef idx="1">
+            <a:schemeClr val="accent1"/>
+          </a:fillRef>
+          <a:effectRef idx="0">
+            <a:schemeClr val="accent1"/>
+          </a:effectRef>
+          <a:fontRef idx="minor">
+            <a:schemeClr val="lt1"/>
+          </a:fontRef>
+        </p:style>
+        <p:txBody>
+          <a:bodyPr rtlCol="0" anchor="ctr"/>
+          <a:lstStyle/>
+          <a:p>
+            <a:pPr algn="ctr"/>
+            <a:endParaRPr lang="en-US" noProof="0" dirty="0">
+              <a:solidFill>
+                <a:prstClr val="white"/>
+              </a:solidFill>
+              <a:latin typeface="Calibri" panose="020F0502020204030204"/>
+            </a:endParaRPr>
+          </a:p>
+        </p:txBody>
+      </p:sp>
+      <p:sp>
+        <p:nvSpPr>
+          <p:cNvPr id="4" name="Content Placeholder 3">
+            <a:extLst>
+              <a:ext uri="{FF2B5EF4-FFF2-40B4-BE49-F238E27FC236}">
+                <a16:creationId xmlns:a16="http://schemas.microsoft.com/office/drawing/2014/main" id="{D857D581-EC3C-2028-CE79-66DC746D2C61}"/>
+              </a:ext>
+            </a:extLst>
+          </p:cNvPr>
+          <p:cNvSpPr>
+            <a:spLocks noGrp="1"/>
+          </p:cNvSpPr>
+          <p:nvPr>
+            <p:ph sz="quarter" idx="14"/>
+          </p:nvPr>
+        </p:nvSpPr>
+        <p:spPr>
+          <a:xfrm>
+            <a:off x="411479" y="2510107"/>
+            <a:ext cx="3824190" cy="4037885"/>
+          </a:xfrm>
+        </p:spPr>
+        <p:txBody>
+          <a:bodyPr vert="horz" lIns="91440" tIns="45720" rIns="91440" bIns="45720" rtlCol="0">
+            <a:normAutofit/>
+          </a:bodyPr>
+          <a:lstStyle/>
+          <a:p>
+            <a:pPr marL="0" indent="0">
+              <a:buNone/>
+            </a:pPr>
+            <a:r>
+              <a:rPr lang="en-US" sz="2200" i="1" noProof="0" dirty="0"/>
+              <a:t>Comments</a:t>
+            </a:r>
+            <a:r>
+              <a:rPr lang="en-US" sz="2200" noProof="0" dirty="0"/>
+              <a:t>:</a:t>
+            </a:r>
+          </a:p>
+          <a:p>
+            <a:endParaRPr lang="en-US" sz="1800" noProof="0" dirty="0"/>
+          </a:p>
+          <a:p>
+            <a:r>
+              <a:rPr lang="en-US" sz="1800" noProof="0" dirty="0"/>
+              <a:t>Dashboards for a comprehensive analysis</a:t>
+            </a:r>
+          </a:p>
+          <a:p>
+            <a:pPr marL="0" indent="0">
+              <a:buNone/>
+            </a:pPr>
+            <a:endParaRPr lang="en-US" sz="1800" noProof="0" dirty="0"/>
+          </a:p>
+          <a:p>
+            <a:r>
+              <a:rPr lang="en-US" sz="1800" noProof="0" dirty="0"/>
+              <a:t>Slicer usage for customized results</a:t>
+            </a:r>
+          </a:p>
+          <a:p>
+            <a:pPr marL="0" indent="0">
+              <a:buNone/>
+            </a:pPr>
+            <a:endParaRPr lang="en-US" sz="1800" noProof="0" dirty="0"/>
+          </a:p>
+          <a:p>
+            <a:r>
+              <a:rPr lang="en-US" sz="1800" noProof="0" dirty="0"/>
+              <a:t>Cards to portray key analytics </a:t>
+            </a:r>
+          </a:p>
+          <a:p>
+            <a:pPr marL="0" indent="0">
+              <a:buNone/>
+            </a:pPr>
+            <a:endParaRPr lang="en-US" sz="1800" noProof="0" dirty="0"/>
+          </a:p>
+          <a:p>
+            <a:r>
+              <a:rPr lang="en-US" sz="1800" noProof="0" dirty="0"/>
+              <a:t>Variety on Visual Reports</a:t>
+            </a:r>
+          </a:p>
+          <a:p>
+            <a:endParaRPr lang="en-US" sz="1800" noProof="0" dirty="0"/>
+          </a:p>
+          <a:p>
+            <a:endParaRPr lang="en-US" sz="1800" noProof="0" dirty="0"/>
+          </a:p>
+          <a:p>
+            <a:endParaRPr lang="en-US" sz="1800" noProof="0" dirty="0"/>
+          </a:p>
+        </p:txBody>
+      </p:sp>
       <p:pic>
         <p:nvPicPr>
-          <p:cNvPr id="4" name="Picture 3" descr="A screenshot of a computer&#10;&#10;Description automatically generated">
-            <a:extLst>
-              <a:ext uri="{FF2B5EF4-FFF2-40B4-BE49-F238E27FC236}">
-                <a16:creationId xmlns:a16="http://schemas.microsoft.com/office/drawing/2014/main" id="{82E0B98A-5DB1-CAE1-018F-5C831BA37ACB}"/>
+          <p:cNvPr id="10" name="Picture 9" descr="A screenshot of a computer&#10;&#10;Description automatically generated">
+            <a:extLst>
+              <a:ext uri="{FF2B5EF4-FFF2-40B4-BE49-F238E27FC236}">
+                <a16:creationId xmlns:a16="http://schemas.microsoft.com/office/drawing/2014/main" id="{755784D8-A8F2-8C27-04C9-615F65651832}"/>
               </a:ext>
             </a:extLst>
           </p:cNvPr>
@@ -24917,178 +26551,18 @@
         </p:blipFill>
         <p:spPr>
           <a:xfrm>
-            <a:off x="3862873" y="2118127"/>
-            <a:ext cx="8329127" cy="4739874"/>
+            <a:off x="4647148" y="2591486"/>
+            <a:ext cx="7544851" cy="4266513"/>
           </a:xfrm>
           <a:prstGeom prst="rect">
             <a:avLst/>
           </a:prstGeom>
         </p:spPr>
       </p:pic>
-      <p:sp>
-        <p:nvSpPr>
-          <p:cNvPr id="5" name="TextBox 4">
-            <a:extLst>
-              <a:ext uri="{FF2B5EF4-FFF2-40B4-BE49-F238E27FC236}">
-                <a16:creationId xmlns:a16="http://schemas.microsoft.com/office/drawing/2014/main" id="{E5FD51F2-1FDD-99DF-CB45-3543A3C1A6DF}"/>
-              </a:ext>
-            </a:extLst>
-          </p:cNvPr>
-          <p:cNvSpPr txBox="1"/>
-          <p:nvPr/>
-        </p:nvSpPr>
-        <p:spPr>
-          <a:xfrm>
-            <a:off x="469392" y="2560320"/>
-            <a:ext cx="3050556" cy="3749040"/>
-          </a:xfrm>
-          <a:prstGeom prst="rect">
-            <a:avLst/>
-          </a:prstGeom>
-        </p:spPr>
-        <p:txBody>
-          <a:bodyPr vert="horz" lIns="91440" tIns="45720" rIns="91440" bIns="45720" rtlCol="0">
-            <a:normAutofit/>
-          </a:bodyPr>
-          <a:lstStyle/>
-          <a:p>
-            <a:pPr>
-              <a:lnSpc>
-                <a:spcPct val="90000"/>
-              </a:lnSpc>
-              <a:spcAft>
-                <a:spcPts val="600"/>
-              </a:spcAft>
-            </a:pPr>
-            <a:r>
-              <a:rPr lang="en-US" sz="2200" i="1" dirty="0"/>
-              <a:t>Comments</a:t>
-            </a:r>
-            <a:r>
-              <a:rPr lang="en-US" sz="2200" dirty="0"/>
-              <a:t>:</a:t>
-            </a:r>
-          </a:p>
-          <a:p>
-            <a:pPr>
-              <a:lnSpc>
-                <a:spcPct val="90000"/>
-              </a:lnSpc>
-              <a:spcAft>
-                <a:spcPts val="600"/>
-              </a:spcAft>
-            </a:pPr>
-            <a:endParaRPr lang="en-US" sz="2200" dirty="0"/>
-          </a:p>
-          <a:p>
-            <a:pPr marL="342900" indent="-342900">
-              <a:lnSpc>
-                <a:spcPct val="90000"/>
-              </a:lnSpc>
-              <a:spcAft>
-                <a:spcPts val="600"/>
-              </a:spcAft>
-              <a:buFont typeface="Arial" panose="020B0604020202020204" pitchFamily="34" charset="0"/>
-              <a:buChar char="•"/>
-            </a:pPr>
-            <a:r>
-              <a:rPr lang="en-US" sz="2000" dirty="0"/>
-              <a:t>Dashboards for a comprehensive analysis</a:t>
-            </a:r>
-          </a:p>
-          <a:p>
-            <a:pPr marL="342900" indent="-342900">
-              <a:lnSpc>
-                <a:spcPct val="90000"/>
-              </a:lnSpc>
-              <a:spcAft>
-                <a:spcPts val="600"/>
-              </a:spcAft>
-              <a:buFont typeface="Arial" panose="020B0604020202020204" pitchFamily="34" charset="0"/>
-              <a:buChar char="•"/>
-            </a:pPr>
-            <a:r>
-              <a:rPr lang="en-US" sz="2000" dirty="0"/>
-              <a:t>Slicers usage for customized results</a:t>
-            </a:r>
-          </a:p>
-          <a:p>
-            <a:pPr marL="342900" indent="-342900">
-              <a:lnSpc>
-                <a:spcPct val="90000"/>
-              </a:lnSpc>
-              <a:spcAft>
-                <a:spcPts val="600"/>
-              </a:spcAft>
-              <a:buFont typeface="Arial" panose="020B0604020202020204" pitchFamily="34" charset="0"/>
-              <a:buChar char="•"/>
-            </a:pPr>
-            <a:r>
-              <a:rPr lang="en-US" sz="2000" dirty="0"/>
-              <a:t>Cards to portray key analytics </a:t>
-            </a:r>
-          </a:p>
-          <a:p>
-            <a:pPr marL="342900" indent="-342900">
-              <a:lnSpc>
-                <a:spcPct val="90000"/>
-              </a:lnSpc>
-              <a:spcAft>
-                <a:spcPts val="600"/>
-              </a:spcAft>
-              <a:buFont typeface="Arial" panose="020B0604020202020204" pitchFamily="34" charset="0"/>
-              <a:buChar char="•"/>
-            </a:pPr>
-            <a:r>
-              <a:rPr lang="en-US" sz="2000" dirty="0"/>
-              <a:t>Variety on Visual Reports</a:t>
-            </a:r>
-          </a:p>
-          <a:p>
-            <a:pPr marL="342900" indent="-342900">
-              <a:lnSpc>
-                <a:spcPct val="90000"/>
-              </a:lnSpc>
-              <a:spcAft>
-                <a:spcPts val="600"/>
-              </a:spcAft>
-              <a:buFont typeface="Arial" panose="020B0604020202020204" pitchFamily="34" charset="0"/>
-              <a:buChar char="•"/>
-            </a:pPr>
-            <a:endParaRPr lang="en-US" sz="2000" dirty="0"/>
-          </a:p>
-          <a:p>
-            <a:pPr marL="514350" indent="-228600">
-              <a:lnSpc>
-                <a:spcPct val="90000"/>
-              </a:lnSpc>
-              <a:spcAft>
-                <a:spcPts val="600"/>
-              </a:spcAft>
-              <a:buFont typeface="Arial" panose="020B0604020202020204" pitchFamily="34" charset="0"/>
-              <a:buChar char="•"/>
-            </a:pPr>
-            <a:endParaRPr lang="en-US" sz="2200" dirty="0"/>
-          </a:p>
-          <a:p>
-            <a:pPr indent="-228600">
-              <a:lnSpc>
-                <a:spcPct val="90000"/>
-              </a:lnSpc>
-              <a:spcAft>
-                <a:spcPts val="600"/>
-              </a:spcAft>
-              <a:buFont typeface="Arial" panose="020B0604020202020204" pitchFamily="34" charset="0"/>
-              <a:buChar char="•"/>
-            </a:pPr>
-            <a:endParaRPr lang="en-US" sz="2200" dirty="0"/>
-          </a:p>
-        </p:txBody>
-      </p:sp>
     </p:spTree>
     <p:extLst>
       <p:ext uri="{BB962C8B-B14F-4D97-AF65-F5344CB8AC3E}">
-        <p14:creationId xmlns:p14="http://schemas.microsoft.com/office/powerpoint/2010/main" val="3504525918"/>
+        <p14:creationId xmlns:p14="http://schemas.microsoft.com/office/powerpoint/2010/main" val="4269457658"/>
       </p:ext>
     </p:extLst>
   </p:cSld>
@@ -25117,7 +26591,7 @@
         <p:cNvPr id="1" name="">
           <a:extLst>
             <a:ext uri="{FF2B5EF4-FFF2-40B4-BE49-F238E27FC236}">
-              <a16:creationId xmlns:a16="http://schemas.microsoft.com/office/drawing/2014/main" id="{1649AE68-BF97-7812-B658-58894045E0B4}"/>
+              <a16:creationId xmlns:a16="http://schemas.microsoft.com/office/drawing/2014/main" id="{88F21C43-BF64-9D91-A03C-28019C9457CF}"/>
             </a:ext>
           </a:extLst>
         </p:cNvPr>
@@ -25134,10 +26608,10 @@
       </p:grpSpPr>
       <p:sp useBgFill="1">
         <p:nvSpPr>
-          <p:cNvPr id="21" name="Rectangle 20">
-            <a:extLst>
-              <a:ext uri="{FF2B5EF4-FFF2-40B4-BE49-F238E27FC236}">
-                <a16:creationId xmlns:a16="http://schemas.microsoft.com/office/drawing/2014/main" id="{A6E1FA9E-A093-D96C-D32F-420318C95039}"/>
+          <p:cNvPr id="30" name="Rectangle 29">
+            <a:extLst>
+              <a:ext uri="{FF2B5EF4-FFF2-40B4-BE49-F238E27FC236}">
+                <a16:creationId xmlns:a16="http://schemas.microsoft.com/office/drawing/2014/main" id="{EFB80DA1-128F-7CAF-9284-27B5E27B8FB7}"/>
               </a:ext>
               <a:ext uri="{C183D7F6-B498-43B3-948B-1728B52AA6E4}">
                 <adec:decorative xmlns:adec="http://schemas.microsoft.com/office/drawing/2017/decorative" val="1"/>
@@ -25188,229 +26662,40 @@
           <a:lstStyle/>
           <a:p>
             <a:pPr algn="ctr"/>
-            <a:endParaRPr lang="en-US"/>
-          </a:p>
-        </p:txBody>
-      </p:sp>
-      <p:sp useBgFill="1">
-        <p:nvSpPr>
-          <p:cNvPr id="22" name="Rectangle 21">
-            <a:extLst>
-              <a:ext uri="{FF2B5EF4-FFF2-40B4-BE49-F238E27FC236}">
-                <a16:creationId xmlns:a16="http://schemas.microsoft.com/office/drawing/2014/main" id="{FF9C37E9-D5E1-7800-0D01-41B50B49B4DA}"/>
-              </a:ext>
-              <a:ext uri="{C183D7F6-B498-43B3-948B-1728B52AA6E4}">
-                <adec:decorative xmlns:adec="http://schemas.microsoft.com/office/drawing/2017/decorative" val="1"/>
-              </a:ext>
-            </a:extLst>
-          </p:cNvPr>
-          <p:cNvSpPr>
-            <a:spLocks noGrp="1" noRot="1" noChangeAspect="1" noMove="1" noResize="1" noEditPoints="1" noAdjustHandles="1" noChangeArrowheads="1" noChangeShapeType="1" noTextEdit="1"/>
-          </p:cNvSpPr>
-          <p:nvPr>
-            <p:extLst>
-              <p:ext uri="{386F3935-93C4-4BCD-93E2-E3B085C9AB24}">
-                <p16:designElem xmlns:p16="http://schemas.microsoft.com/office/powerpoint/2015/main" val="1"/>
-              </p:ext>
-            </p:extLst>
+            <a:endParaRPr lang="en-US" noProof="0" dirty="0"/>
+          </a:p>
+        </p:txBody>
+      </p:sp>
+      <p:sp>
+        <p:nvSpPr>
+          <p:cNvPr id="3" name="Title 2">
+            <a:extLst>
+              <a:ext uri="{FF2B5EF4-FFF2-40B4-BE49-F238E27FC236}">
+                <a16:creationId xmlns:a16="http://schemas.microsoft.com/office/drawing/2014/main" id="{5556306B-8BD1-3F90-94DA-7A32B6F82703}"/>
+              </a:ext>
+            </a:extLst>
+          </p:cNvPr>
+          <p:cNvSpPr>
+            <a:spLocks noGrp="1"/>
+          </p:cNvSpPr>
+          <p:nvPr>
+            <p:ph type="ctrTitle"/>
           </p:nvPr>
         </p:nvSpPr>
         <p:spPr>
           <a:xfrm>
-            <a:off x="558209" y="0"/>
-            <a:ext cx="11167447" cy="2018806"/>
-          </a:xfrm>
-          <a:prstGeom prst="rect">
-            <a:avLst/>
-          </a:prstGeom>
-          <a:ln w="9525">
-            <a:solidFill>
-              <a:srgbClr val="E1E1E1"/>
-            </a:solidFill>
-          </a:ln>
-          <a:effectLst>
-            <a:outerShdw blurRad="50800" dist="38100" dir="2700000" algn="tl" rotWithShape="0">
-              <a:schemeClr val="bg1">
-                <a:lumMod val="85000"/>
-                <a:alpha val="50000"/>
-              </a:schemeClr>
-            </a:outerShdw>
-          </a:effectLst>
-        </p:spPr>
-        <p:style>
-          <a:lnRef idx="2">
-            <a:schemeClr val="accent1">
-              <a:shade val="50000"/>
-            </a:schemeClr>
-          </a:lnRef>
-          <a:fillRef idx="1">
-            <a:schemeClr val="accent1"/>
-          </a:fillRef>
-          <a:effectRef idx="0">
-            <a:schemeClr val="accent1"/>
-          </a:effectRef>
-          <a:fontRef idx="minor">
-            <a:schemeClr val="lt1"/>
-          </a:fontRef>
-        </p:style>
-        <p:txBody>
-          <a:bodyPr rtlCol="0" anchor="ctr"/>
-          <a:lstStyle/>
-          <a:p>
-            <a:pPr marL="0" marR="0" lvl="0" indent="0" algn="ctr" defTabSz="914400" rtl="0" eaLnBrk="1" fontAlgn="auto" latinLnBrk="0" hangingPunct="1">
-              <a:lnSpc>
-                <a:spcPct val="100000"/>
-              </a:lnSpc>
-              <a:spcBef>
-                <a:spcPts val="0"/>
-              </a:spcBef>
-              <a:spcAft>
-                <a:spcPts val="0"/>
-              </a:spcAft>
-              <a:buClrTx/>
-              <a:buSzTx/>
-              <a:buFontTx/>
-              <a:buNone/>
-              <a:tabLst/>
-              <a:defRPr/>
-            </a:pPr>
-            <a:endParaRPr kumimoji="0" lang="en-US" sz="1800" b="0" i="0" u="none" strike="noStrike" kern="1200" cap="none" spc="0" normalizeH="0" baseline="0" noProof="0">
-              <a:ln>
-                <a:noFill/>
-              </a:ln>
-              <a:solidFill>
-                <a:prstClr val="white"/>
-              </a:solidFill>
-              <a:effectLst/>
-              <a:uLnTx/>
-              <a:uFillTx/>
-              <a:latin typeface="Calibri" panose="020F0502020204030204"/>
-              <a:ea typeface="+mn-ea"/>
-              <a:cs typeface="+mn-cs"/>
-            </a:endParaRPr>
-          </a:p>
-        </p:txBody>
-      </p:sp>
-      <p:sp useBgFill="1">
-        <p:nvSpPr>
-          <p:cNvPr id="23" name="Rectangle 22">
-            <a:extLst>
-              <a:ext uri="{FF2B5EF4-FFF2-40B4-BE49-F238E27FC236}">
-                <a16:creationId xmlns:a16="http://schemas.microsoft.com/office/drawing/2014/main" id="{84945DE9-6AF8-F466-E37B-74789F429A88}"/>
-              </a:ext>
-              <a:ext uri="{C183D7F6-B498-43B3-948B-1728B52AA6E4}">
-                <adec:decorative xmlns:adec="http://schemas.microsoft.com/office/drawing/2017/decorative" val="1"/>
-              </a:ext>
-            </a:extLst>
-          </p:cNvPr>
-          <p:cNvSpPr>
-            <a:spLocks noGrp="1" noRot="1" noChangeAspect="1" noMove="1" noResize="1" noEditPoints="1" noAdjustHandles="1" noChangeArrowheads="1" noChangeShapeType="1" noTextEdit="1"/>
-          </p:cNvSpPr>
-          <p:nvPr>
-            <p:extLst>
-              <p:ext uri="{386F3935-93C4-4BCD-93E2-E3B085C9AB24}">
-                <p16:designElem xmlns:p16="http://schemas.microsoft.com/office/powerpoint/2015/main" val="1"/>
-              </p:ext>
-            </p:extLst>
-          </p:nvPr>
-        </p:nvSpPr>
-        <p:spPr>
-          <a:xfrm>
-            <a:off x="566928" y="0"/>
-            <a:ext cx="11155680" cy="2011680"/>
-          </a:xfrm>
-          <a:prstGeom prst="rect">
-            <a:avLst/>
-          </a:prstGeom>
-          <a:ln w="9525">
-            <a:noFill/>
-          </a:ln>
-          <a:effectLst/>
-        </p:spPr>
-        <p:style>
-          <a:lnRef idx="2">
-            <a:schemeClr val="accent1">
-              <a:shade val="50000"/>
-            </a:schemeClr>
-          </a:lnRef>
-          <a:fillRef idx="1">
-            <a:schemeClr val="accent1"/>
-          </a:fillRef>
-          <a:effectRef idx="0">
-            <a:schemeClr val="accent1"/>
-          </a:effectRef>
-          <a:fontRef idx="minor">
-            <a:schemeClr val="lt1"/>
-          </a:fontRef>
-        </p:style>
-        <p:txBody>
-          <a:bodyPr rtlCol="0" anchor="ctr"/>
-          <a:lstStyle/>
-          <a:p>
-            <a:pPr marL="0" marR="0" lvl="0" indent="0" algn="ctr" defTabSz="914400" rtl="0" eaLnBrk="1" fontAlgn="auto" latinLnBrk="0" hangingPunct="1">
-              <a:lnSpc>
-                <a:spcPct val="100000"/>
-              </a:lnSpc>
-              <a:spcBef>
-                <a:spcPts val="0"/>
-              </a:spcBef>
-              <a:spcAft>
-                <a:spcPts val="0"/>
-              </a:spcAft>
-              <a:buClrTx/>
-              <a:buSzTx/>
-              <a:buFontTx/>
-              <a:buNone/>
-              <a:tabLst/>
-              <a:defRPr/>
-            </a:pPr>
-            <a:endParaRPr kumimoji="0" lang="en-US" sz="1800" b="0" i="0" u="none" strike="noStrike" kern="1200" cap="none" spc="0" normalizeH="0" baseline="0" noProof="0">
-              <a:ln>
-                <a:noFill/>
-              </a:ln>
-              <a:solidFill>
-                <a:prstClr val="white"/>
-              </a:solidFill>
-              <a:effectLst/>
-              <a:uLnTx/>
-              <a:uFillTx/>
-              <a:latin typeface="Calibri" panose="020F0502020204030204"/>
-              <a:ea typeface="+mn-ea"/>
-              <a:cs typeface="+mn-cs"/>
-            </a:endParaRPr>
-          </a:p>
-        </p:txBody>
-      </p:sp>
-      <p:sp>
-        <p:nvSpPr>
-          <p:cNvPr id="3" name="Title 2">
-            <a:extLst>
-              <a:ext uri="{FF2B5EF4-FFF2-40B4-BE49-F238E27FC236}">
-                <a16:creationId xmlns:a16="http://schemas.microsoft.com/office/drawing/2014/main" id="{E6867675-4389-B256-A34F-488A20EABA3C}"/>
-              </a:ext>
-            </a:extLst>
-          </p:cNvPr>
-          <p:cNvSpPr>
-            <a:spLocks noGrp="1"/>
-          </p:cNvSpPr>
-          <p:nvPr>
-            <p:ph type="ctrTitle"/>
-          </p:nvPr>
-        </p:nvSpPr>
-        <p:spPr>
-          <a:xfrm>
-            <a:off x="1115568" y="548640"/>
-            <a:ext cx="10168128" cy="1179576"/>
+            <a:off x="411480" y="991443"/>
+            <a:ext cx="4443154" cy="1087819"/>
           </a:xfrm>
         </p:spPr>
         <p:txBody>
-          <a:bodyPr vert="horz" lIns="91440" tIns="45720" rIns="91440" bIns="45720" rtlCol="0" anchor="ctr">
+          <a:bodyPr vert="horz" lIns="91440" tIns="45720" rIns="91440" bIns="45720" rtlCol="0" anchor="b">
             <a:normAutofit/>
           </a:bodyPr>
           <a:lstStyle/>
           <a:p>
             <a:r>
-              <a:rPr lang="en-US" kern="1200" dirty="0" err="1">
+              <a:rPr lang="en-US" sz="3400" kern="1200" noProof="0" dirty="0" err="1">
                 <a:solidFill>
                   <a:schemeClr val="tx1"/>
                 </a:solidFill>
@@ -25421,7 +26706,7 @@
               <a:t>PowerBI</a:t>
             </a:r>
             <a:r>
-              <a:rPr lang="en-US" kern="1200" dirty="0">
+              <a:rPr lang="en-US" sz="3400" kern="1200" noProof="0" dirty="0">
                 <a:solidFill>
                   <a:schemeClr val="tx1"/>
                 </a:solidFill>
@@ -25436,10 +26721,10 @@
       </p:sp>
       <p:sp>
         <p:nvSpPr>
-          <p:cNvPr id="20" name="Rectangle 19">
-            <a:extLst>
-              <a:ext uri="{FF2B5EF4-FFF2-40B4-BE49-F238E27FC236}">
-                <a16:creationId xmlns:a16="http://schemas.microsoft.com/office/drawing/2014/main" id="{ECBFD89E-663E-EA11-B119-10D7063F016E}"/>
+          <p:cNvPr id="31" name="Rectangle 30">
+            <a:extLst>
+              <a:ext uri="{FF2B5EF4-FFF2-40B4-BE49-F238E27FC236}">
+                <a16:creationId xmlns:a16="http://schemas.microsoft.com/office/drawing/2014/main" id="{5CE37087-0603-82F0-F22C-CA150C0E1B9C}"/>
               </a:ext>
               <a:ext uri="{C183D7F6-B498-43B3-948B-1728B52AA6E4}">
                 <adec:decorative xmlns:adec="http://schemas.microsoft.com/office/drawing/2017/decorative" val="1"/>
@@ -25458,9 +26743,9 @@
           </p:nvPr>
         </p:nvSpPr>
         <p:spPr>
-          <a:xfrm>
-            <a:off x="498834" y="758952"/>
-            <a:ext cx="128016" cy="704088"/>
+          <a:xfrm rot="5400000">
+            <a:off x="649223" y="387939"/>
+            <a:ext cx="73152" cy="548640"/>
           </a:xfrm>
           <a:prstGeom prst="rect">
             <a:avLst/>
@@ -25493,7 +26778,7 @@
           <a:lstStyle/>
           <a:p>
             <a:pPr algn="ctr"/>
-            <a:endParaRPr lang="en-US">
+            <a:endParaRPr lang="en-US" noProof="0" dirty="0">
               <a:solidFill>
                 <a:prstClr val="white"/>
               </a:solidFill>
@@ -25502,12 +26787,177 @@
           </a:p>
         </p:txBody>
       </p:sp>
+      <p:sp>
+        <p:nvSpPr>
+          <p:cNvPr id="32" name="Rectangle 31">
+            <a:extLst>
+              <a:ext uri="{FF2B5EF4-FFF2-40B4-BE49-F238E27FC236}">
+                <a16:creationId xmlns:a16="http://schemas.microsoft.com/office/drawing/2014/main" id="{22712C47-12B0-A69E-8AF4-ACB0ABD4F7A1}"/>
+              </a:ext>
+              <a:ext uri="{C183D7F6-B498-43B3-948B-1728B52AA6E4}">
+                <adec:decorative xmlns:adec="http://schemas.microsoft.com/office/drawing/2017/decorative" val="1"/>
+              </a:ext>
+            </a:extLst>
+          </p:cNvPr>
+          <p:cNvSpPr>
+            <a:spLocks noGrp="1" noRot="1" noChangeAspect="1" noMove="1" noResize="1" noEditPoints="1" noAdjustHandles="1" noChangeArrowheads="1" noChangeShapeType="1" noTextEdit="1"/>
+          </p:cNvSpPr>
+          <p:nvPr>
+            <p:extLst>
+              <p:ext uri="{386F3935-93C4-4BCD-93E2-E3B085C9AB24}">
+                <p16:designElem xmlns:p16="http://schemas.microsoft.com/office/powerpoint/2015/main" val="1"/>
+              </p:ext>
+            </p:extLst>
+          </p:nvPr>
+        </p:nvSpPr>
+        <p:spPr>
+          <a:xfrm>
+            <a:off x="411480" y="2285541"/>
+            <a:ext cx="4389120" cy="18288"/>
+          </a:xfrm>
+          <a:prstGeom prst="rect">
+            <a:avLst/>
+          </a:prstGeom>
+          <a:solidFill>
+            <a:srgbClr val="D5D5D5"/>
+          </a:solidFill>
+          <a:ln w="3175">
+            <a:noFill/>
+          </a:ln>
+          <a:effectLst/>
+        </p:spPr>
+        <p:style>
+          <a:lnRef idx="2">
+            <a:schemeClr val="accent1">
+              <a:shade val="50000"/>
+            </a:schemeClr>
+          </a:lnRef>
+          <a:fillRef idx="1">
+            <a:schemeClr val="accent1"/>
+          </a:fillRef>
+          <a:effectRef idx="0">
+            <a:schemeClr val="accent1"/>
+          </a:effectRef>
+          <a:fontRef idx="minor">
+            <a:schemeClr val="lt1"/>
+          </a:fontRef>
+        </p:style>
+        <p:txBody>
+          <a:bodyPr rtlCol="0" anchor="ctr"/>
+          <a:lstStyle/>
+          <a:p>
+            <a:pPr algn="ctr"/>
+            <a:endParaRPr lang="en-US" noProof="0" dirty="0">
+              <a:solidFill>
+                <a:prstClr val="white"/>
+              </a:solidFill>
+              <a:latin typeface="Calibri" panose="020F0502020204030204"/>
+            </a:endParaRPr>
+          </a:p>
+        </p:txBody>
+      </p:sp>
+      <p:sp>
+        <p:nvSpPr>
+          <p:cNvPr id="4" name="Content Placeholder 3">
+            <a:extLst>
+              <a:ext uri="{FF2B5EF4-FFF2-40B4-BE49-F238E27FC236}">
+                <a16:creationId xmlns:a16="http://schemas.microsoft.com/office/drawing/2014/main" id="{FADE1BAB-F23C-1D45-3D13-93FDCCB26F5E}"/>
+              </a:ext>
+            </a:extLst>
+          </p:cNvPr>
+          <p:cNvSpPr>
+            <a:spLocks noGrp="1"/>
+          </p:cNvSpPr>
+          <p:nvPr>
+            <p:ph sz="quarter" idx="14"/>
+          </p:nvPr>
+        </p:nvSpPr>
+        <p:spPr>
+          <a:xfrm>
+            <a:off x="411479" y="2510107"/>
+            <a:ext cx="3824190" cy="4037885"/>
+          </a:xfrm>
+        </p:spPr>
+        <p:txBody>
+          <a:bodyPr vert="horz" lIns="91440" tIns="45720" rIns="91440" bIns="45720" rtlCol="0">
+            <a:normAutofit/>
+          </a:bodyPr>
+          <a:lstStyle/>
+          <a:p>
+            <a:pPr marL="0" indent="0">
+              <a:buNone/>
+            </a:pPr>
+            <a:r>
+              <a:rPr lang="en-US" sz="2200" i="1" noProof="0" dirty="0"/>
+              <a:t>Comments</a:t>
+            </a:r>
+            <a:r>
+              <a:rPr lang="en-US" sz="2200" noProof="0" dirty="0"/>
+              <a:t>:</a:t>
+            </a:r>
+          </a:p>
+          <a:p>
+            <a:endParaRPr lang="en-US" sz="1800" noProof="0" dirty="0"/>
+          </a:p>
+          <a:p>
+            <a:r>
+              <a:rPr lang="en-US" sz="1800" noProof="0" dirty="0"/>
+              <a:t>Dashboards for a comprehensive analysis</a:t>
+            </a:r>
+          </a:p>
+          <a:p>
+            <a:pPr marL="0" indent="0">
+              <a:buNone/>
+            </a:pPr>
+            <a:endParaRPr lang="en-US" sz="1800" noProof="0" dirty="0"/>
+          </a:p>
+          <a:p>
+            <a:r>
+              <a:rPr lang="en-US" sz="1800" noProof="0" dirty="0"/>
+              <a:t>Slicer usage for customized results</a:t>
+            </a:r>
+          </a:p>
+          <a:p>
+            <a:pPr marL="0" indent="0">
+              <a:buNone/>
+            </a:pPr>
+            <a:endParaRPr lang="en-US" sz="1800" noProof="0" dirty="0"/>
+          </a:p>
+          <a:p>
+            <a:r>
+              <a:rPr lang="en-US" sz="1800" noProof="0" dirty="0"/>
+              <a:t>Cards to portray key analytics </a:t>
+            </a:r>
+          </a:p>
+          <a:p>
+            <a:pPr marL="0" indent="0">
+              <a:buNone/>
+            </a:pPr>
+            <a:endParaRPr lang="en-US" sz="1800" noProof="0" dirty="0"/>
+          </a:p>
+          <a:p>
+            <a:r>
+              <a:rPr lang="en-US" sz="1800" noProof="0" dirty="0"/>
+              <a:t>Variety on Visual Reports</a:t>
+            </a:r>
+          </a:p>
+          <a:p>
+            <a:endParaRPr lang="en-US" sz="1800" noProof="0" dirty="0"/>
+          </a:p>
+          <a:p>
+            <a:endParaRPr lang="en-US" sz="1800" noProof="0" dirty="0"/>
+          </a:p>
+          <a:p>
+            <a:endParaRPr lang="en-US" sz="1800" noProof="0" dirty="0"/>
+          </a:p>
+        </p:txBody>
+      </p:sp>
       <p:pic>
         <p:nvPicPr>
-          <p:cNvPr id="5" name="Picture 4" descr="A screenshot of a computer&#10;&#10;Description automatically generated">
-            <a:extLst>
-              <a:ext uri="{FF2B5EF4-FFF2-40B4-BE49-F238E27FC236}">
-                <a16:creationId xmlns:a16="http://schemas.microsoft.com/office/drawing/2014/main" id="{F5EA1F4B-2DB3-C7F3-7D69-D63C0AF420E1}"/>
+          <p:cNvPr id="10" name="Picture 9" descr="A screenshot of a computer&#10;&#10;Description automatically generated">
+            <a:extLst>
+              <a:ext uri="{FF2B5EF4-FFF2-40B4-BE49-F238E27FC236}">
+                <a16:creationId xmlns:a16="http://schemas.microsoft.com/office/drawing/2014/main" id="{29B7277E-196E-7A8C-F135-BA568989F794}"/>
               </a:ext>
             </a:extLst>
           </p:cNvPr>
@@ -25517,7 +26967,7 @@
           <p:nvPr/>
         </p:nvPicPr>
         <p:blipFill>
-          <a:blip r:embed="rId2">
+          <a:blip r:embed="rId3">
             <a:extLst>
               <a:ext uri="{28A0092B-C50C-407E-A947-70E740481C1C}">
                 <a14:useLocalDpi xmlns:a14="http://schemas.microsoft.com/office/drawing/2010/main" val="0"/>
@@ -25530,178 +26980,18 @@
         </p:blipFill>
         <p:spPr>
           <a:xfrm>
-            <a:off x="3989341" y="2188924"/>
-            <a:ext cx="8202660" cy="4669076"/>
+            <a:off x="4672530" y="2601547"/>
+            <a:ext cx="7497249" cy="4256453"/>
           </a:xfrm>
           <a:prstGeom prst="rect">
             <a:avLst/>
           </a:prstGeom>
         </p:spPr>
       </p:pic>
-      <p:sp>
-        <p:nvSpPr>
-          <p:cNvPr id="6" name="TextBox 5">
-            <a:extLst>
-              <a:ext uri="{FF2B5EF4-FFF2-40B4-BE49-F238E27FC236}">
-                <a16:creationId xmlns:a16="http://schemas.microsoft.com/office/drawing/2014/main" id="{35066BB1-9BA4-FAA5-546B-072208D65DEB}"/>
-              </a:ext>
-            </a:extLst>
-          </p:cNvPr>
-          <p:cNvSpPr txBox="1"/>
-          <p:nvPr/>
-        </p:nvSpPr>
-        <p:spPr>
-          <a:xfrm>
-            <a:off x="469392" y="2560320"/>
-            <a:ext cx="3050556" cy="3749040"/>
-          </a:xfrm>
-          <a:prstGeom prst="rect">
-            <a:avLst/>
-          </a:prstGeom>
-        </p:spPr>
-        <p:txBody>
-          <a:bodyPr vert="horz" lIns="91440" tIns="45720" rIns="91440" bIns="45720" rtlCol="0">
-            <a:normAutofit/>
-          </a:bodyPr>
-          <a:lstStyle/>
-          <a:p>
-            <a:pPr>
-              <a:lnSpc>
-                <a:spcPct val="90000"/>
-              </a:lnSpc>
-              <a:spcAft>
-                <a:spcPts val="600"/>
-              </a:spcAft>
-            </a:pPr>
-            <a:r>
-              <a:rPr lang="en-US" sz="2200" i="1" dirty="0"/>
-              <a:t>Comments</a:t>
-            </a:r>
-            <a:r>
-              <a:rPr lang="en-US" sz="2200" dirty="0"/>
-              <a:t>:</a:t>
-            </a:r>
-          </a:p>
-          <a:p>
-            <a:pPr>
-              <a:lnSpc>
-                <a:spcPct val="90000"/>
-              </a:lnSpc>
-              <a:spcAft>
-                <a:spcPts val="600"/>
-              </a:spcAft>
-            </a:pPr>
-            <a:endParaRPr lang="en-US" sz="2200" dirty="0"/>
-          </a:p>
-          <a:p>
-            <a:pPr marL="342900" indent="-342900">
-              <a:lnSpc>
-                <a:spcPct val="90000"/>
-              </a:lnSpc>
-              <a:spcAft>
-                <a:spcPts val="600"/>
-              </a:spcAft>
-              <a:buFont typeface="Arial" panose="020B0604020202020204" pitchFamily="34" charset="0"/>
-              <a:buChar char="•"/>
-            </a:pPr>
-            <a:r>
-              <a:rPr lang="en-US" sz="2000" dirty="0"/>
-              <a:t>Dashboards for a comprehensive analysis</a:t>
-            </a:r>
-          </a:p>
-          <a:p>
-            <a:pPr marL="342900" indent="-342900">
-              <a:lnSpc>
-                <a:spcPct val="90000"/>
-              </a:lnSpc>
-              <a:spcAft>
-                <a:spcPts val="600"/>
-              </a:spcAft>
-              <a:buFont typeface="Arial" panose="020B0604020202020204" pitchFamily="34" charset="0"/>
-              <a:buChar char="•"/>
-            </a:pPr>
-            <a:r>
-              <a:rPr lang="en-US" sz="2000" dirty="0"/>
-              <a:t>Slicers usage for customized results</a:t>
-            </a:r>
-          </a:p>
-          <a:p>
-            <a:pPr marL="342900" indent="-342900">
-              <a:lnSpc>
-                <a:spcPct val="90000"/>
-              </a:lnSpc>
-              <a:spcAft>
-                <a:spcPts val="600"/>
-              </a:spcAft>
-              <a:buFont typeface="Arial" panose="020B0604020202020204" pitchFamily="34" charset="0"/>
-              <a:buChar char="•"/>
-            </a:pPr>
-            <a:r>
-              <a:rPr lang="en-US" sz="2000" dirty="0"/>
-              <a:t>Cards to portray key analytics </a:t>
-            </a:r>
-          </a:p>
-          <a:p>
-            <a:pPr marL="342900" indent="-342900">
-              <a:lnSpc>
-                <a:spcPct val="90000"/>
-              </a:lnSpc>
-              <a:spcAft>
-                <a:spcPts val="600"/>
-              </a:spcAft>
-              <a:buFont typeface="Arial" panose="020B0604020202020204" pitchFamily="34" charset="0"/>
-              <a:buChar char="•"/>
-            </a:pPr>
-            <a:r>
-              <a:rPr lang="en-US" sz="2000" dirty="0"/>
-              <a:t>Variety on Visual Reports</a:t>
-            </a:r>
-          </a:p>
-          <a:p>
-            <a:pPr marL="342900" indent="-342900">
-              <a:lnSpc>
-                <a:spcPct val="90000"/>
-              </a:lnSpc>
-              <a:spcAft>
-                <a:spcPts val="600"/>
-              </a:spcAft>
-              <a:buFont typeface="Arial" panose="020B0604020202020204" pitchFamily="34" charset="0"/>
-              <a:buChar char="•"/>
-            </a:pPr>
-            <a:endParaRPr lang="en-US" sz="2000" dirty="0"/>
-          </a:p>
-          <a:p>
-            <a:pPr marL="514350" indent="-228600">
-              <a:lnSpc>
-                <a:spcPct val="90000"/>
-              </a:lnSpc>
-              <a:spcAft>
-                <a:spcPts val="600"/>
-              </a:spcAft>
-              <a:buFont typeface="Arial" panose="020B0604020202020204" pitchFamily="34" charset="0"/>
-              <a:buChar char="•"/>
-            </a:pPr>
-            <a:endParaRPr lang="en-US" sz="2200" dirty="0"/>
-          </a:p>
-          <a:p>
-            <a:pPr indent="-228600">
-              <a:lnSpc>
-                <a:spcPct val="90000"/>
-              </a:lnSpc>
-              <a:spcAft>
-                <a:spcPts val="600"/>
-              </a:spcAft>
-              <a:buFont typeface="Arial" panose="020B0604020202020204" pitchFamily="34" charset="0"/>
-              <a:buChar char="•"/>
-            </a:pPr>
-            <a:endParaRPr lang="en-US" sz="2200" dirty="0"/>
-          </a:p>
-        </p:txBody>
-      </p:sp>
     </p:spTree>
     <p:extLst>
       <p:ext uri="{BB962C8B-B14F-4D97-AF65-F5344CB8AC3E}">
-        <p14:creationId xmlns:p14="http://schemas.microsoft.com/office/powerpoint/2010/main" val="3482666337"/>
+        <p14:creationId xmlns:p14="http://schemas.microsoft.com/office/powerpoint/2010/main" val="3249610671"/>
       </p:ext>
     </p:extLst>
   </p:cSld>
@@ -25896,7 +27186,7 @@
           </a:lstStyle>
           <a:p>
             <a:pPr algn="ctr"/>
-            <a:endParaRPr lang="en-US"/>
+            <a:endParaRPr lang="en-US" noProof="0" dirty="0"/>
           </a:p>
         </p:txBody>
       </p:sp>
@@ -25928,7 +27218,7 @@
           </a:bodyPr>
           <a:lstStyle/>
           <a:p>
-            <a:endParaRPr lang="en-GR" dirty="0"/>
+            <a:endParaRPr lang="en-US" noProof="0" dirty="0"/>
           </a:p>
         </p:txBody>
       </p:sp>
@@ -25961,7 +27251,7 @@
           <a:lstStyle/>
           <a:p>
             <a:r>
-              <a:rPr lang="en-US" kern="1200" dirty="0">
+              <a:rPr lang="en-US" kern="1200" noProof="0" dirty="0">
                 <a:solidFill>
                   <a:schemeClr val="tx1"/>
                 </a:solidFill>
@@ -26058,7 +27348,7 @@
             <a:bodyPr/>
             <a:lstStyle/>
             <a:p>
-              <a:endParaRPr lang="en-US"/>
+              <a:endParaRPr lang="en-US" noProof="0" dirty="0"/>
             </a:p>
           </p:txBody>
         </p:sp>
@@ -26126,7 +27416,7 @@
             <a:bodyPr/>
             <a:lstStyle/>
             <a:p>
-              <a:endParaRPr lang="en-US"/>
+              <a:endParaRPr lang="en-US" noProof="0" dirty="0"/>
             </a:p>
           </p:txBody>
         </p:sp>
@@ -26194,7 +27484,7 @@
             <a:bodyPr/>
             <a:lstStyle/>
             <a:p>
-              <a:endParaRPr lang="en-US"/>
+              <a:endParaRPr lang="en-US" noProof="0" dirty="0"/>
             </a:p>
           </p:txBody>
         </p:sp>
@@ -26219,13 +27509,13 @@
               <a:avLst/>
             </a:prstGeom>
             <a:blipFill>
-              <a:blip r:embed="rId2">
+              <a:blip r:embed="rId3">
                 <a:extLst>
                   <a:ext uri="{28A0092B-C50C-407E-A947-70E740481C1C}">
                     <a14:useLocalDpi xmlns:a14="http://schemas.microsoft.com/office/drawing/2010/main" val="0"/>
                   </a:ext>
                   <a:ext uri="{96DAC541-7B7A-43D3-8B79-37D633B846F1}">
-                    <asvg:svgBlip xmlns:asvg="http://schemas.microsoft.com/office/drawing/2016/SVG/main" r:embed="rId3"/>
+                    <asvg:svgBlip xmlns:asvg="http://schemas.microsoft.com/office/drawing/2016/SVG/main" r:embed="rId4"/>
                   </a:ext>
                 </a:extLst>
               </a:blip>
@@ -26260,7 +27550,7 @@
             <a:bodyPr/>
             <a:lstStyle/>
             <a:p>
-              <a:endParaRPr lang="en-US"/>
+              <a:endParaRPr lang="en-US" noProof="0" dirty="0"/>
             </a:p>
           </p:txBody>
         </p:sp>
@@ -26393,10 +27683,10 @@
                 <a:defRPr cap="all"/>
               </a:pPr>
               <a:r>
-                <a:rPr lang="en-US" sz="1600" b="1" kern="1200" dirty="0"/>
+                <a:rPr lang="en-US" sz="1600" b="1" kern="1200" noProof="0" dirty="0"/>
                 <a:t>Employee sales Performance classification</a:t>
               </a:r>
-              <a:endParaRPr lang="en-US" sz="1600" kern="1200" dirty="0"/>
+              <a:endParaRPr lang="en-US" sz="1600" kern="1200" noProof="0" dirty="0"/>
             </a:p>
           </p:txBody>
         </p:sp>
@@ -26464,7 +27754,7 @@
             <a:bodyPr/>
             <a:lstStyle/>
             <a:p>
-              <a:endParaRPr lang="en-US"/>
+              <a:endParaRPr lang="en-US" noProof="0" dirty="0"/>
             </a:p>
           </p:txBody>
         </p:sp>
@@ -26489,13 +27779,13 @@
               <a:avLst/>
             </a:prstGeom>
             <a:blipFill>
-              <a:blip r:embed="rId4">
+              <a:blip r:embed="rId5">
                 <a:extLst>
                   <a:ext uri="{28A0092B-C50C-407E-A947-70E740481C1C}">
                     <a14:useLocalDpi xmlns:a14="http://schemas.microsoft.com/office/drawing/2010/main" val="0"/>
                   </a:ext>
                   <a:ext uri="{96DAC541-7B7A-43D3-8B79-37D633B846F1}">
-                    <asvg:svgBlip xmlns:asvg="http://schemas.microsoft.com/office/drawing/2016/SVG/main" r:embed="rId5"/>
+                    <asvg:svgBlip xmlns:asvg="http://schemas.microsoft.com/office/drawing/2016/SVG/main" r:embed="rId6"/>
                   </a:ext>
                 </a:extLst>
               </a:blip>
@@ -26530,7 +27820,7 @@
             <a:bodyPr/>
             <a:lstStyle/>
             <a:p>
-              <a:endParaRPr lang="en-US"/>
+              <a:endParaRPr lang="en-US" noProof="0" dirty="0"/>
             </a:p>
           </p:txBody>
         </p:sp>
@@ -26663,10 +27953,10 @@
                 <a:defRPr cap="all"/>
               </a:pPr>
               <a:r>
-                <a:rPr lang="en-US" sz="1600" b="1" kern="1200" dirty="0"/>
+                <a:rPr lang="en-US" sz="1600" b="1" kern="1200" noProof="0" dirty="0"/>
                 <a:t>Preprocessing and Feature Engineering </a:t>
               </a:r>
-              <a:endParaRPr lang="en-US" sz="1600" kern="1200" dirty="0"/>
+              <a:endParaRPr lang="en-US" sz="1600" kern="1200" noProof="0" dirty="0"/>
             </a:p>
           </p:txBody>
         </p:sp>
@@ -26734,7 +28024,7 @@
             <a:bodyPr/>
             <a:lstStyle/>
             <a:p>
-              <a:endParaRPr lang="en-US"/>
+              <a:endParaRPr lang="en-US" noProof="0" dirty="0"/>
             </a:p>
           </p:txBody>
         </p:sp>
@@ -26759,13 +28049,13 @@
               <a:avLst/>
             </a:prstGeom>
             <a:blipFill>
-              <a:blip r:embed="rId6">
+              <a:blip r:embed="rId7">
                 <a:extLst>
                   <a:ext uri="{28A0092B-C50C-407E-A947-70E740481C1C}">
                     <a14:useLocalDpi xmlns:a14="http://schemas.microsoft.com/office/drawing/2010/main" val="0"/>
                   </a:ext>
                   <a:ext uri="{96DAC541-7B7A-43D3-8B79-37D633B846F1}">
-                    <asvg:svgBlip xmlns:asvg="http://schemas.microsoft.com/office/drawing/2016/SVG/main" r:embed="rId7"/>
+                    <asvg:svgBlip xmlns:asvg="http://schemas.microsoft.com/office/drawing/2016/SVG/main" r:embed="rId8"/>
                   </a:ext>
                 </a:extLst>
               </a:blip>
@@ -26800,7 +28090,7 @@
             <a:bodyPr/>
             <a:lstStyle/>
             <a:p>
-              <a:endParaRPr lang="en-US"/>
+              <a:endParaRPr lang="en-US" noProof="0" dirty="0"/>
             </a:p>
           </p:txBody>
         </p:sp>
@@ -26933,10 +28223,10 @@
                 <a:defRPr cap="all"/>
               </a:pPr>
               <a:r>
-                <a:rPr lang="en-US" sz="1600" b="1" kern="1200" dirty="0"/>
+                <a:rPr lang="en-US" sz="1600" b="1" kern="1200" noProof="0" dirty="0"/>
                 <a:t>PERFORMANCE LABELING &amp; ENCODING</a:t>
               </a:r>
-              <a:endParaRPr lang="en-US" sz="1600" kern="1200" dirty="0"/>
+              <a:endParaRPr lang="en-US" sz="1600" kern="1200" noProof="0" dirty="0"/>
             </a:p>
           </p:txBody>
         </p:sp>
@@ -26961,13 +28251,13 @@
               <a:avLst/>
             </a:prstGeom>
             <a:blipFill>
-              <a:blip r:embed="rId8">
+              <a:blip r:embed="rId9">
                 <a:extLst>
                   <a:ext uri="{28A0092B-C50C-407E-A947-70E740481C1C}">
                     <a14:useLocalDpi xmlns:a14="http://schemas.microsoft.com/office/drawing/2010/main" val="0"/>
                   </a:ext>
                   <a:ext uri="{96DAC541-7B7A-43D3-8B79-37D633B846F1}">
-                    <asvg:svgBlip xmlns:asvg="http://schemas.microsoft.com/office/drawing/2016/SVG/main" r:embed="rId9"/>
+                    <asvg:svgBlip xmlns:asvg="http://schemas.microsoft.com/office/drawing/2016/SVG/main" r:embed="rId10"/>
                   </a:ext>
                 </a:extLst>
               </a:blip>
@@ -27002,7 +28292,7 @@
             <a:bodyPr/>
             <a:lstStyle/>
             <a:p>
-              <a:endParaRPr lang="en-US" dirty="0"/>
+              <a:endParaRPr lang="en-US" noProof="0" dirty="0"/>
             </a:p>
           </p:txBody>
         </p:sp>
@@ -27135,10 +28425,10 @@
                 <a:defRPr cap="all"/>
               </a:pPr>
               <a:r>
-                <a:rPr lang="en-US" sz="1600" b="1" kern="1200" dirty="0"/>
+                <a:rPr lang="en-US" sz="1600" b="1" kern="1200" noProof="0" dirty="0"/>
                 <a:t>Machine Learning Model PIPELINE</a:t>
               </a:r>
-              <a:endParaRPr lang="en-US" sz="1600" kern="1200" dirty="0"/>
+              <a:endParaRPr lang="en-US" sz="1600" kern="1200" noProof="0" dirty="0"/>
             </a:p>
           </p:txBody>
         </p:sp>
@@ -27163,13 +28453,13 @@
               <a:avLst/>
             </a:prstGeom>
             <a:blipFill>
-              <a:blip r:embed="rId10">
+              <a:blip r:embed="rId11">
                 <a:extLst>
                   <a:ext uri="{28A0092B-C50C-407E-A947-70E740481C1C}">
                     <a14:useLocalDpi xmlns:a14="http://schemas.microsoft.com/office/drawing/2010/main" val="0"/>
                   </a:ext>
                   <a:ext uri="{96DAC541-7B7A-43D3-8B79-37D633B846F1}">
-                    <asvg:svgBlip xmlns:asvg="http://schemas.microsoft.com/office/drawing/2016/SVG/main" r:embed="rId11"/>
+                    <asvg:svgBlip xmlns:asvg="http://schemas.microsoft.com/office/drawing/2016/SVG/main" r:embed="rId12"/>
                   </a:ext>
                 </a:extLst>
               </a:blip>
@@ -27204,7 +28494,7 @@
             <a:bodyPr/>
             <a:lstStyle/>
             <a:p>
-              <a:endParaRPr lang="en-US" dirty="0"/>
+              <a:endParaRPr lang="en-US" noProof="0" dirty="0"/>
             </a:p>
           </p:txBody>
         </p:sp>
@@ -27337,10 +28627,10 @@
                 <a:defRPr cap="all"/>
               </a:pPr>
               <a:r>
-                <a:rPr lang="en-US" sz="1600" b="1" kern="1200" dirty="0"/>
+                <a:rPr lang="en-US" sz="1600" b="1" kern="1200" noProof="0" dirty="0"/>
                 <a:t>EVALUATION Insights and Analysis</a:t>
               </a:r>
-              <a:endParaRPr lang="en-US" sz="1600" kern="1200" dirty="0"/>
+              <a:endParaRPr lang="en-US" sz="1600" kern="1200" noProof="0" dirty="0"/>
             </a:p>
           </p:txBody>
         </p:sp>
@@ -27460,7 +28750,7 @@
           <a:lstStyle/>
           <a:p>
             <a:pPr algn="ctr"/>
-            <a:endParaRPr lang="en-US"/>
+            <a:endParaRPr lang="en-US" noProof="0" dirty="0"/>
           </a:p>
         </p:txBody>
       </p:sp>
@@ -27479,7 +28769,7 @@
           <p:nvPr/>
         </p:nvPicPr>
         <p:blipFill>
-          <a:blip r:embed="rId2">
+          <a:blip r:embed="rId3">
             <a:extLst>
               <a:ext uri="{28A0092B-C50C-407E-A947-70E740481C1C}">
                 <a14:useLocalDpi xmlns:a14="http://schemas.microsoft.com/office/drawing/2010/main" val="0"/>
@@ -27551,7 +28841,7 @@
           <a:lstStyle/>
           <a:p>
             <a:pPr algn="ctr"/>
-            <a:endParaRPr lang="en-US" dirty="0">
+            <a:endParaRPr lang="en-US" noProof="0" dirty="0">
               <a:solidFill>
                 <a:schemeClr val="accent1">
                   <a:lumMod val="60000"/>
@@ -27596,14 +28886,14 @@
           <a:lstStyle/>
           <a:p>
             <a:r>
-              <a:rPr lang="en-US" sz="5400" dirty="0">
+              <a:rPr lang="en-US" sz="5400" noProof="0" dirty="0">
                 <a:solidFill>
                   <a:schemeClr val="tx1"/>
                 </a:solidFill>
               </a:rPr>
               <a:t>Python Scripts</a:t>
             </a:r>
-            <a:endParaRPr lang="en-US" sz="5000" dirty="0">
+            <a:endParaRPr lang="en-US" sz="5000" noProof="0" dirty="0">
               <a:solidFill>
                 <a:schemeClr val="bg1"/>
               </a:solidFill>
@@ -27670,7 +28960,7 @@
           <a:lstStyle/>
           <a:p>
             <a:pPr algn="ctr"/>
-            <a:endParaRPr lang="en-US">
+            <a:endParaRPr lang="en-US" noProof="0" dirty="0">
               <a:solidFill>
                 <a:prstClr val="white"/>
               </a:solidFill>
@@ -27755,7 +29045,7 @@
               <a:tabLst/>
               <a:defRPr/>
             </a:pPr>
-            <a:endParaRPr kumimoji="0" lang="en-US" sz="1800" b="0" i="0" u="none" strike="noStrike" kern="1200" cap="none" spc="0" normalizeH="0" baseline="0" noProof="0">
+            <a:endParaRPr kumimoji="0" lang="en-US" sz="1800" b="0" i="0" u="none" strike="noStrike" kern="1200" cap="none" spc="0" normalizeH="0" baseline="0" noProof="0" dirty="0">
               <a:ln>
                 <a:noFill/>
               </a:ln>
@@ -27790,8 +29080,8 @@
         </p:nvSpPr>
         <p:spPr>
           <a:xfrm>
-            <a:off x="763229" y="3598511"/>
-            <a:ext cx="10662494" cy="2426700"/>
+            <a:off x="763229" y="3598512"/>
+            <a:ext cx="10662494" cy="2130194"/>
           </a:xfrm>
           <a:solidFill>
             <a:schemeClr val="bg1">
@@ -27818,36 +29108,36 @@
           <a:lstStyle/>
           <a:p>
             <a:r>
-              <a:rPr lang="en-US" sz="2000" dirty="0"/>
-              <a:t>To Calculate Employee Tenure, clean Nulls and remove Outliers.</a:t>
-            </a:r>
-          </a:p>
-          <a:p>
-            <a:r>
-              <a:rPr lang="en-US" sz="2000" dirty="0"/>
+              <a:rPr lang="en-US" sz="2000" noProof="0" dirty="0"/>
+              <a:t>To Calculate Employee Tenure, Clean Nulls and Remove Outliers.</a:t>
+            </a:r>
+          </a:p>
+          <a:p>
+            <a:r>
+              <a:rPr lang="en-US" sz="2000" noProof="0" dirty="0"/>
               <a:t>To Create Correlation Plots and define the final features.</a:t>
             </a:r>
           </a:p>
           <a:p>
             <a:r>
-              <a:rPr lang="en-US" sz="2000" dirty="0"/>
+              <a:rPr lang="en-US" sz="2000" noProof="0" dirty="0"/>
               <a:t>To Establish Performance Labels and Encode them.</a:t>
             </a:r>
           </a:p>
           <a:p>
             <a:r>
-              <a:rPr lang="en-US" sz="2000" dirty="0"/>
-              <a:t>To Set Hyperparameters for Optimization, Normalize features  and Split the Data Set.</a:t>
-            </a:r>
-          </a:p>
-          <a:p>
-            <a:r>
-              <a:rPr lang="en-US" sz="2000" dirty="0"/>
+              <a:rPr lang="en-US" sz="2000" noProof="0" dirty="0"/>
+              <a:t>To Set Hyperparameters for Optimization, Standardize features and Split the Data Set.</a:t>
+            </a:r>
+          </a:p>
+          <a:p>
+            <a:r>
+              <a:rPr lang="en-US" sz="2000" noProof="0" dirty="0"/>
               <a:t>To Train Models, Evaluate Metrics &amp; Predictions and Generate insightful plots</a:t>
             </a:r>
           </a:p>
           <a:p>
-            <a:endParaRPr lang="en-US" sz="2000" dirty="0">
+            <a:endParaRPr lang="en-US" sz="2000" noProof="0" dirty="0">
               <a:solidFill>
                 <a:schemeClr val="bg1"/>
               </a:solidFill>

--- a/Chinook_Presentation/Project_Future_Chinook_Presentation.pptx
+++ b/Chinook_Presentation/Project_Future_Chinook_Presentation.pptx
@@ -19923,87 +19923,6 @@
               <a:latin typeface="Calibri" panose="020F0502020204030204"/>
               <a:ea typeface="+mn-ea"/>
               <a:cs typeface="+mn-cs"/>
-            </a:endParaRPr>
-          </a:p>
-        </p:txBody>
-      </p:sp>
-      <p:sp>
-        <p:nvSpPr>
-          <p:cNvPr id="6" name="TextBox 5">
-            <a:extLst>
-              <a:ext uri="{FF2B5EF4-FFF2-40B4-BE49-F238E27FC236}">
-                <a16:creationId xmlns:a16="http://schemas.microsoft.com/office/drawing/2014/main" id="{606E5027-91F7-D72C-77AC-BF4BD3A58A47}"/>
-              </a:ext>
-            </a:extLst>
-          </p:cNvPr>
-          <p:cNvSpPr txBox="1"/>
-          <p:nvPr/>
-        </p:nvSpPr>
-        <p:spPr>
-          <a:xfrm>
-            <a:off x="9602830" y="6657945"/>
-            <a:ext cx="2589170" cy="200055"/>
-          </a:xfrm>
-          <a:prstGeom prst="rect">
-            <a:avLst/>
-          </a:prstGeom>
-          <a:solidFill>
-            <a:srgbClr val="000000"/>
-          </a:solidFill>
-        </p:spPr>
-        <p:txBody>
-          <a:bodyPr wrap="none" rtlCol="0">
-            <a:spAutoFit/>
-          </a:bodyPr>
-          <a:lstStyle/>
-          <a:p>
-            <a:pPr algn="r">
-              <a:spcAft>
-                <a:spcPts val="600"/>
-              </a:spcAft>
-            </a:pPr>
-            <a:r>
-              <a:rPr lang="en-US" sz="700" noProof="0" dirty="0">
-                <a:solidFill>
-                  <a:srgbClr val="FFFFFF"/>
-                </a:solidFill>
-                <a:hlinkClick r:id="rId4" tooltip="https://www.cato.org/blog/does-section-230-cover-generative-ai">
-                  <a:extLst>
-                    <a:ext uri="{A12FA001-AC4F-418D-AE19-62706E023703}">
-                      <ahyp:hlinkClr xmlns:ahyp="http://schemas.microsoft.com/office/drawing/2018/hyperlinkcolor" val="tx"/>
-                    </a:ext>
-                  </a:extLst>
-                </a:hlinkClick>
-              </a:rPr>
-              <a:t>This Photo</a:t>
-            </a:r>
-            <a:r>
-              <a:rPr lang="en-US" sz="700" noProof="0" dirty="0">
-                <a:solidFill>
-                  <a:srgbClr val="FFFFFF"/>
-                </a:solidFill>
-              </a:rPr>
-              <a:t> by Unknown Author is licensed under </a:t>
-            </a:r>
-            <a:r>
-              <a:rPr lang="en-US" sz="700" noProof="0" dirty="0">
-                <a:solidFill>
-                  <a:srgbClr val="FFFFFF"/>
-                </a:solidFill>
-                <a:hlinkClick r:id="rId5" tooltip="https://creativecommons.org/licenses/by-nc-sa/3.0/">
-                  <a:extLst>
-                    <a:ext uri="{A12FA001-AC4F-418D-AE19-62706E023703}">
-                      <ahyp:hlinkClr xmlns:ahyp="http://schemas.microsoft.com/office/drawing/2018/hyperlinkcolor" val="tx"/>
-                    </a:ext>
-                  </a:extLst>
-                </a:hlinkClick>
-              </a:rPr>
-              <a:t>CC BY-SA-NC</a:t>
-            </a:r>
-            <a:endParaRPr lang="en-US" sz="700" noProof="0" dirty="0">
-              <a:solidFill>
-                <a:srgbClr val="FFFFFF"/>
-              </a:solidFill>
             </a:endParaRPr>
           </a:p>
         </p:txBody>

--- a/Chinook_Presentation/Project_Future_Chinook_Presentation.pptx
+++ b/Chinook_Presentation/Project_Future_Chinook_Presentation.pptx
@@ -3452,7 +3452,7 @@
           <a:p>
             <a:fld id="{C979F42B-8ED5-4DFD-BB43-C98FFCE84338}" type="datetimeFigureOut">
               <a:rPr lang="en-US" smtClean="0"/>
-              <a:t>1/27/2025</a:t>
+              <a:t>1/28/2025</a:t>
             </a:fld>
             <a:endParaRPr lang="en-US"/>
           </a:p>
@@ -3763,10 +3763,7 @@
           <a:bodyPr/>
           <a:lstStyle/>
           <a:p>
-            <a:r>
-              <a:rPr lang="en-US" dirty="0"/>
-              <a:t>Alexia</a:t>
-            </a:r>
+            <a:endParaRPr lang="en-US" dirty="0"/>
           </a:p>
         </p:txBody>
       </p:sp>
@@ -3850,10 +3847,7 @@
           <a:bodyPr/>
           <a:lstStyle/>
           <a:p>
-            <a:r>
-              <a:rPr lang="en-US" dirty="0"/>
-              <a:t>Giorgos</a:t>
-            </a:r>
+            <a:endParaRPr lang="en-US" dirty="0"/>
           </a:p>
         </p:txBody>
       </p:sp>
@@ -3937,10 +3931,7 @@
           <a:bodyPr/>
           <a:lstStyle/>
           <a:p>
-            <a:r>
-              <a:rPr lang="en-US" dirty="0"/>
-              <a:t>Giorgos</a:t>
-            </a:r>
+            <a:endParaRPr lang="en-US" dirty="0"/>
           </a:p>
         </p:txBody>
       </p:sp>
@@ -4024,10 +4015,6 @@
           <a:bodyPr/>
           <a:lstStyle/>
           <a:p>
-            <a:r>
-              <a:rPr lang="en-US" dirty="0" err="1"/>
-              <a:t>Kons</a:t>
-            </a:r>
             <a:endParaRPr lang="en-US" dirty="0"/>
           </a:p>
         </p:txBody>
@@ -4112,10 +4099,6 @@
           <a:bodyPr/>
           <a:lstStyle/>
           <a:p>
-            <a:r>
-              <a:rPr lang="en-US" dirty="0" err="1"/>
-              <a:t>Kons</a:t>
-            </a:r>
             <a:endParaRPr lang="en-US" dirty="0"/>
           </a:p>
         </p:txBody>
@@ -4200,10 +4183,6 @@
           <a:bodyPr/>
           <a:lstStyle/>
           <a:p>
-            <a:r>
-              <a:rPr lang="en-US" dirty="0" err="1"/>
-              <a:t>Kons</a:t>
-            </a:r>
             <a:endParaRPr lang="en-US" dirty="0"/>
           </a:p>
         </p:txBody>
@@ -4288,10 +4267,6 @@
           <a:bodyPr/>
           <a:lstStyle/>
           <a:p>
-            <a:r>
-              <a:rPr lang="en-US" dirty="0" err="1"/>
-              <a:t>Kons</a:t>
-            </a:r>
             <a:endParaRPr lang="en-US" dirty="0"/>
           </a:p>
         </p:txBody>
@@ -4376,10 +4351,6 @@
           <a:bodyPr/>
           <a:lstStyle/>
           <a:p>
-            <a:r>
-              <a:rPr lang="en-US" dirty="0" err="1"/>
-              <a:t>Kons</a:t>
-            </a:r>
             <a:endParaRPr lang="en-US" dirty="0"/>
           </a:p>
         </p:txBody>
@@ -4464,10 +4435,7 @@
           <a:bodyPr/>
           <a:lstStyle/>
           <a:p>
-            <a:r>
-              <a:rPr lang="en-US" dirty="0"/>
-              <a:t>Alexia</a:t>
-            </a:r>
+            <a:endParaRPr lang="en-US" dirty="0"/>
           </a:p>
         </p:txBody>
       </p:sp>
@@ -4551,10 +4519,7 @@
           <a:bodyPr/>
           <a:lstStyle/>
           <a:p>
-            <a:r>
-              <a:rPr lang="en-US" dirty="0"/>
-              <a:t>Alexia</a:t>
-            </a:r>
+            <a:endParaRPr lang="en-US" dirty="0"/>
           </a:p>
         </p:txBody>
       </p:sp>
@@ -4638,10 +4603,7 @@
           <a:bodyPr/>
           <a:lstStyle/>
           <a:p>
-            <a:r>
-              <a:rPr lang="en-US" dirty="0"/>
-              <a:t>Alexia</a:t>
-            </a:r>
+            <a:endParaRPr lang="en-US" dirty="0"/>
           </a:p>
         </p:txBody>
       </p:sp>
@@ -4725,10 +4687,7 @@
           <a:bodyPr/>
           <a:lstStyle/>
           <a:p>
-            <a:r>
-              <a:rPr lang="en-US" dirty="0"/>
-              <a:t>Nikos</a:t>
-            </a:r>
+            <a:endParaRPr lang="en-US" dirty="0"/>
           </a:p>
         </p:txBody>
       </p:sp>
@@ -4812,10 +4771,7 @@
           <a:bodyPr/>
           <a:lstStyle/>
           <a:p>
-            <a:r>
-              <a:rPr lang="en-US" dirty="0"/>
-              <a:t>Nikos</a:t>
-            </a:r>
+            <a:endParaRPr lang="en-US" dirty="0"/>
           </a:p>
         </p:txBody>
       </p:sp>
@@ -4899,10 +4855,7 @@
           <a:bodyPr/>
           <a:lstStyle/>
           <a:p>
-            <a:r>
-              <a:rPr lang="en-US" dirty="0"/>
-              <a:t>Nikos</a:t>
-            </a:r>
+            <a:endParaRPr lang="en-US" dirty="0"/>
           </a:p>
         </p:txBody>
       </p:sp>
@@ -4986,10 +4939,7 @@
           <a:bodyPr/>
           <a:lstStyle/>
           <a:p>
-            <a:r>
-              <a:rPr lang="en-US" dirty="0"/>
-              <a:t>Giorgos</a:t>
-            </a:r>
+            <a:endParaRPr lang="en-US" dirty="0"/>
           </a:p>
         </p:txBody>
       </p:sp>
@@ -5073,10 +5023,7 @@
           <a:bodyPr/>
           <a:lstStyle/>
           <a:p>
-            <a:r>
-              <a:rPr lang="en-US" dirty="0"/>
-              <a:t>Giorgos</a:t>
-            </a:r>
+            <a:endParaRPr lang="en-US" dirty="0"/>
           </a:p>
         </p:txBody>
       </p:sp>
@@ -5472,7 +5419,7 @@
           <a:p>
             <a:fld id="{6D3CD741-2E3C-46BC-BD4F-513FEA5EC99E}" type="datetimeFigureOut">
               <a:rPr lang="en-US" smtClean="0"/>
-              <a:t>1/27/2025</a:t>
+              <a:t>1/28/2025</a:t>
             </a:fld>
             <a:endParaRPr lang="en-US"/>
           </a:p>
@@ -5686,7 +5633,7 @@
           <a:p>
             <a:fld id="{6D3CD741-2E3C-46BC-BD4F-513FEA5EC99E}" type="datetimeFigureOut">
               <a:rPr lang="en-US" smtClean="0"/>
-              <a:t>1/27/2025</a:t>
+              <a:t>1/28/2025</a:t>
             </a:fld>
             <a:endParaRPr lang="en-US"/>
           </a:p>
@@ -5906,7 +5853,7 @@
           <a:p>
             <a:fld id="{0897D7FB-8BED-4034-AF5C-6E1B4BE46DFA}" type="datetimeFigureOut">
               <a:rPr lang="en-US" smtClean="0"/>
-              <a:t>1/27/2025</a:t>
+              <a:t>1/28/2025</a:t>
             </a:fld>
             <a:endParaRPr lang="en-US"/>
           </a:p>
@@ -6104,7 +6051,7 @@
           <a:p>
             <a:fld id="{0897D7FB-8BED-4034-AF5C-6E1B4BE46DFA}" type="datetimeFigureOut">
               <a:rPr lang="en-US" smtClean="0"/>
-              <a:t>1/27/2025</a:t>
+              <a:t>1/28/2025</a:t>
             </a:fld>
             <a:endParaRPr lang="en-US"/>
           </a:p>
@@ -6379,7 +6326,7 @@
           <a:p>
             <a:fld id="{0897D7FB-8BED-4034-AF5C-6E1B4BE46DFA}" type="datetimeFigureOut">
               <a:rPr lang="en-US" smtClean="0"/>
-              <a:t>1/27/2025</a:t>
+              <a:t>1/28/2025</a:t>
             </a:fld>
             <a:endParaRPr lang="en-US"/>
           </a:p>
@@ -6644,7 +6591,7 @@
           <a:p>
             <a:fld id="{0897D7FB-8BED-4034-AF5C-6E1B4BE46DFA}" type="datetimeFigureOut">
               <a:rPr lang="en-US" smtClean="0"/>
-              <a:t>1/27/2025</a:t>
+              <a:t>1/28/2025</a:t>
             </a:fld>
             <a:endParaRPr lang="en-US"/>
           </a:p>
@@ -7056,7 +7003,7 @@
           <a:p>
             <a:fld id="{0897D7FB-8BED-4034-AF5C-6E1B4BE46DFA}" type="datetimeFigureOut">
               <a:rPr lang="en-US" smtClean="0"/>
-              <a:t>1/27/2025</a:t>
+              <a:t>1/28/2025</a:t>
             </a:fld>
             <a:endParaRPr lang="en-US"/>
           </a:p>
@@ -7197,7 +7144,7 @@
           <a:p>
             <a:fld id="{0897D7FB-8BED-4034-AF5C-6E1B4BE46DFA}" type="datetimeFigureOut">
               <a:rPr lang="en-US" smtClean="0"/>
-              <a:t>1/27/2025</a:t>
+              <a:t>1/28/2025</a:t>
             </a:fld>
             <a:endParaRPr lang="en-US"/>
           </a:p>
@@ -7310,7 +7257,7 @@
           <a:p>
             <a:fld id="{0897D7FB-8BED-4034-AF5C-6E1B4BE46DFA}" type="datetimeFigureOut">
               <a:rPr lang="en-US" smtClean="0"/>
-              <a:t>1/27/2025</a:t>
+              <a:t>1/28/2025</a:t>
             </a:fld>
             <a:endParaRPr lang="en-US"/>
           </a:p>
@@ -7621,7 +7568,7 @@
           <a:p>
             <a:fld id="{0897D7FB-8BED-4034-AF5C-6E1B4BE46DFA}" type="datetimeFigureOut">
               <a:rPr lang="en-US" smtClean="0"/>
-              <a:t>1/27/2025</a:t>
+              <a:t>1/28/2025</a:t>
             </a:fld>
             <a:endParaRPr lang="en-US"/>
           </a:p>
@@ -7835,7 +7782,7 @@
           <a:p>
             <a:fld id="{6D3CD741-2E3C-46BC-BD4F-513FEA5EC99E}" type="datetimeFigureOut">
               <a:rPr lang="en-US" smtClean="0"/>
-              <a:t>1/27/2025</a:t>
+              <a:t>1/28/2025</a:t>
             </a:fld>
             <a:endParaRPr lang="en-US"/>
           </a:p>
@@ -8123,7 +8070,7 @@
           <a:p>
             <a:fld id="{0897D7FB-8BED-4034-AF5C-6E1B4BE46DFA}" type="datetimeFigureOut">
               <a:rPr lang="en-US" smtClean="0"/>
-              <a:t>1/27/2025</a:t>
+              <a:t>1/28/2025</a:t>
             </a:fld>
             <a:endParaRPr lang="en-US"/>
           </a:p>
@@ -8321,7 +8268,7 @@
           <a:p>
             <a:fld id="{0897D7FB-8BED-4034-AF5C-6E1B4BE46DFA}" type="datetimeFigureOut">
               <a:rPr lang="en-US" smtClean="0"/>
-              <a:t>1/27/2025</a:t>
+              <a:t>1/28/2025</a:t>
             </a:fld>
             <a:endParaRPr lang="en-US"/>
           </a:p>
@@ -8529,7 +8476,7 @@
           <a:p>
             <a:fld id="{0897D7FB-8BED-4034-AF5C-6E1B4BE46DFA}" type="datetimeFigureOut">
               <a:rPr lang="en-US" smtClean="0"/>
-              <a:t>1/27/2025</a:t>
+              <a:t>1/28/2025</a:t>
             </a:fld>
             <a:endParaRPr lang="en-US"/>
           </a:p>
@@ -8964,7 +8911,7 @@
           <a:p>
             <a:fld id="{16182CD4-7864-421F-8E1E-1827F21A79E8}" type="datetimeFigureOut">
               <a:rPr lang="en-US" smtClean="0"/>
-              <a:t>1/27/2025</a:t>
+              <a:t>1/28/2025</a:t>
             </a:fld>
             <a:endParaRPr lang="en-US"/>
           </a:p>
@@ -9162,7 +9109,7 @@
           <a:p>
             <a:fld id="{16182CD4-7864-421F-8E1E-1827F21A79E8}" type="datetimeFigureOut">
               <a:rPr lang="en-US" smtClean="0"/>
-              <a:t>1/27/2025</a:t>
+              <a:t>1/28/2025</a:t>
             </a:fld>
             <a:endParaRPr lang="en-US"/>
           </a:p>
@@ -9437,7 +9384,7 @@
           <a:p>
             <a:fld id="{16182CD4-7864-421F-8E1E-1827F21A79E8}" type="datetimeFigureOut">
               <a:rPr lang="en-US" smtClean="0"/>
-              <a:t>1/27/2025</a:t>
+              <a:t>1/28/2025</a:t>
             </a:fld>
             <a:endParaRPr lang="en-US"/>
           </a:p>
@@ -9702,7 +9649,7 @@
           <a:p>
             <a:fld id="{16182CD4-7864-421F-8E1E-1827F21A79E8}" type="datetimeFigureOut">
               <a:rPr lang="en-US" smtClean="0"/>
-              <a:t>1/27/2025</a:t>
+              <a:t>1/28/2025</a:t>
             </a:fld>
             <a:endParaRPr lang="en-US"/>
           </a:p>
@@ -10114,7 +10061,7 @@
           <a:p>
             <a:fld id="{16182CD4-7864-421F-8E1E-1827F21A79E8}" type="datetimeFigureOut">
               <a:rPr lang="en-US" smtClean="0"/>
-              <a:t>1/27/2025</a:t>
+              <a:t>1/28/2025</a:t>
             </a:fld>
             <a:endParaRPr lang="en-US"/>
           </a:p>
@@ -10255,7 +10202,7 @@
           <a:p>
             <a:fld id="{16182CD4-7864-421F-8E1E-1827F21A79E8}" type="datetimeFigureOut">
               <a:rPr lang="en-US" smtClean="0"/>
-              <a:t>1/27/2025</a:t>
+              <a:t>1/28/2025</a:t>
             </a:fld>
             <a:endParaRPr lang="en-US"/>
           </a:p>
@@ -10536,7 +10483,7 @@
           <a:p>
             <a:fld id="{6D3CD741-2E3C-46BC-BD4F-513FEA5EC99E}" type="datetimeFigureOut">
               <a:rPr lang="en-US" smtClean="0"/>
-              <a:t>1/27/2025</a:t>
+              <a:t>1/28/2025</a:t>
             </a:fld>
             <a:endParaRPr lang="en-US"/>
           </a:p>
@@ -10649,7 +10596,7 @@
           <a:p>
             <a:fld id="{16182CD4-7864-421F-8E1E-1827F21A79E8}" type="datetimeFigureOut">
               <a:rPr lang="en-US" smtClean="0"/>
-              <a:t>1/27/2025</a:t>
+              <a:t>1/28/2025</a:t>
             </a:fld>
             <a:endParaRPr lang="en-US"/>
           </a:p>
@@ -10960,7 +10907,7 @@
           <a:p>
             <a:fld id="{16182CD4-7864-421F-8E1E-1827F21A79E8}" type="datetimeFigureOut">
               <a:rPr lang="en-US" smtClean="0"/>
-              <a:t>1/27/2025</a:t>
+              <a:t>1/28/2025</a:t>
             </a:fld>
             <a:endParaRPr lang="en-US"/>
           </a:p>
@@ -11248,7 +11195,7 @@
           <a:p>
             <a:fld id="{16182CD4-7864-421F-8E1E-1827F21A79E8}" type="datetimeFigureOut">
               <a:rPr lang="en-US" smtClean="0"/>
-              <a:t>1/27/2025</a:t>
+              <a:t>1/28/2025</a:t>
             </a:fld>
             <a:endParaRPr lang="en-US"/>
           </a:p>
@@ -11446,7 +11393,7 @@
           <a:p>
             <a:fld id="{16182CD4-7864-421F-8E1E-1827F21A79E8}" type="datetimeFigureOut">
               <a:rPr lang="en-US" smtClean="0"/>
-              <a:t>1/27/2025</a:t>
+              <a:t>1/28/2025</a:t>
             </a:fld>
             <a:endParaRPr lang="en-US"/>
           </a:p>
@@ -11654,7 +11601,7 @@
           <a:p>
             <a:fld id="{16182CD4-7864-421F-8E1E-1827F21A79E8}" type="datetimeFigureOut">
               <a:rPr lang="en-US" smtClean="0"/>
-              <a:t>1/27/2025</a:t>
+              <a:t>1/28/2025</a:t>
             </a:fld>
             <a:endParaRPr lang="en-US"/>
           </a:p>
@@ -12448,7 +12395,7 @@
           <a:p>
             <a:fld id="{7B38173E-2647-4277-8394-8E7FAFA72EB8}" type="datetimeFigureOut">
               <a:rPr lang="en-US" smtClean="0"/>
-              <a:t>1/27/2025</a:t>
+              <a:t>1/28/2025</a:t>
             </a:fld>
             <a:endParaRPr lang="en-US"/>
           </a:p>
@@ -12958,7 +12905,7 @@
           <a:p>
             <a:fld id="{6D3CD741-2E3C-46BC-BD4F-513FEA5EC99E}" type="datetimeFigureOut">
               <a:rPr lang="en-US" smtClean="0"/>
-              <a:t>1/27/2025</a:t>
+              <a:t>1/28/2025</a:t>
             </a:fld>
             <a:endParaRPr lang="en-US"/>
           </a:p>
@@ -13162,7 +13109,7 @@
           <a:p>
             <a:fld id="{0897D7FB-8BED-4034-AF5C-6E1B4BE46DFA}" type="datetimeFigureOut">
               <a:rPr lang="en-US" smtClean="0"/>
-              <a:t>1/27/2025</a:t>
+              <a:t>1/28/2025</a:t>
             </a:fld>
             <a:endParaRPr lang="en-US"/>
           </a:p>
@@ -13332,7 +13279,7 @@
           <a:p>
             <a:fld id="{0897D7FB-8BED-4034-AF5C-6E1B4BE46DFA}" type="datetimeFigureOut">
               <a:rPr lang="en-US" smtClean="0"/>
-              <a:t>1/27/2025</a:t>
+              <a:t>1/28/2025</a:t>
             </a:fld>
             <a:endParaRPr lang="en-US"/>
           </a:p>
@@ -13578,7 +13525,7 @@
           <a:p>
             <a:fld id="{0897D7FB-8BED-4034-AF5C-6E1B4BE46DFA}" type="datetimeFigureOut">
               <a:rPr lang="en-US" smtClean="0"/>
-              <a:t>1/27/2025</a:t>
+              <a:t>1/28/2025</a:t>
             </a:fld>
             <a:endParaRPr lang="en-US"/>
           </a:p>
@@ -13810,7 +13757,7 @@
           <a:p>
             <a:fld id="{0897D7FB-8BED-4034-AF5C-6E1B4BE46DFA}" type="datetimeFigureOut">
               <a:rPr lang="en-US" smtClean="0"/>
-              <a:t>1/27/2025</a:t>
+              <a:t>1/28/2025</a:t>
             </a:fld>
             <a:endParaRPr lang="en-US"/>
           </a:p>
@@ -14177,7 +14124,7 @@
           <a:p>
             <a:fld id="{0897D7FB-8BED-4034-AF5C-6E1B4BE46DFA}" type="datetimeFigureOut">
               <a:rPr lang="en-US" smtClean="0"/>
-              <a:t>1/27/2025</a:t>
+              <a:t>1/28/2025</a:t>
             </a:fld>
             <a:endParaRPr lang="en-US"/>
           </a:p>
@@ -14295,7 +14242,7 @@
           <a:p>
             <a:fld id="{0897D7FB-8BED-4034-AF5C-6E1B4BE46DFA}" type="datetimeFigureOut">
               <a:rPr lang="en-US" smtClean="0"/>
-              <a:t>1/27/2025</a:t>
+              <a:t>1/28/2025</a:t>
             </a:fld>
             <a:endParaRPr lang="en-US"/>
           </a:p>
@@ -14390,7 +14337,7 @@
           <a:p>
             <a:fld id="{0897D7FB-8BED-4034-AF5C-6E1B4BE46DFA}" type="datetimeFigureOut">
               <a:rPr lang="en-US" smtClean="0"/>
-              <a:t>1/27/2025</a:t>
+              <a:t>1/28/2025</a:t>
             </a:fld>
             <a:endParaRPr lang="en-US"/>
           </a:p>
@@ -14667,7 +14614,7 @@
           <a:p>
             <a:fld id="{0897D7FB-8BED-4034-AF5C-6E1B4BE46DFA}" type="datetimeFigureOut">
               <a:rPr lang="en-US" smtClean="0"/>
-              <a:t>1/27/2025</a:t>
+              <a:t>1/28/2025</a:t>
             </a:fld>
             <a:endParaRPr lang="en-US"/>
           </a:p>
@@ -14924,7 +14871,7 @@
           <a:p>
             <a:fld id="{0897D7FB-8BED-4034-AF5C-6E1B4BE46DFA}" type="datetimeFigureOut">
               <a:rPr lang="en-US" smtClean="0"/>
-              <a:t>1/27/2025</a:t>
+              <a:t>1/28/2025</a:t>
             </a:fld>
             <a:endParaRPr lang="en-US"/>
           </a:p>
@@ -15094,7 +15041,7 @@
           <a:p>
             <a:fld id="{0897D7FB-8BED-4034-AF5C-6E1B4BE46DFA}" type="datetimeFigureOut">
               <a:rPr lang="en-US" smtClean="0"/>
-              <a:t>1/27/2025</a:t>
+              <a:t>1/28/2025</a:t>
             </a:fld>
             <a:endParaRPr lang="en-US"/>
           </a:p>
@@ -15509,7 +15456,7 @@
           <a:p>
             <a:fld id="{6D3CD741-2E3C-46BC-BD4F-513FEA5EC99E}" type="datetimeFigureOut">
               <a:rPr lang="en-US" smtClean="0"/>
-              <a:t>1/27/2025</a:t>
+              <a:t>1/28/2025</a:t>
             </a:fld>
             <a:endParaRPr lang="en-US"/>
           </a:p>
@@ -15701,7 +15648,7 @@
           <a:p>
             <a:fld id="{0897D7FB-8BED-4034-AF5C-6E1B4BE46DFA}" type="datetimeFigureOut">
               <a:rPr lang="en-US" smtClean="0"/>
-              <a:t>1/27/2025</a:t>
+              <a:t>1/28/2025</a:t>
             </a:fld>
             <a:endParaRPr lang="en-US"/>
           </a:p>
@@ -16053,7 +16000,7 @@
           <a:p>
             <a:fld id="{6D3CD741-2E3C-46BC-BD4F-513FEA5EC99E}" type="datetimeFigureOut">
               <a:rPr lang="en-US" smtClean="0"/>
-              <a:t>1/27/2025</a:t>
+              <a:t>1/28/2025</a:t>
             </a:fld>
             <a:endParaRPr lang="en-US"/>
           </a:p>
@@ -16166,7 +16113,7 @@
           <a:p>
             <a:fld id="{6D3CD741-2E3C-46BC-BD4F-513FEA5EC99E}" type="datetimeFigureOut">
               <a:rPr lang="en-US" smtClean="0"/>
-              <a:t>1/27/2025</a:t>
+              <a:t>1/28/2025</a:t>
             </a:fld>
             <a:endParaRPr lang="en-US"/>
           </a:p>
@@ -16486,7 +16433,7 @@
           <a:p>
             <a:fld id="{6D3CD741-2E3C-46BC-BD4F-513FEA5EC99E}" type="datetimeFigureOut">
               <a:rPr lang="en-US" smtClean="0"/>
-              <a:t>1/27/2025</a:t>
+              <a:t>1/28/2025</a:t>
             </a:fld>
             <a:endParaRPr lang="en-US"/>
           </a:p>
@@ -16783,7 +16730,7 @@
           <a:p>
             <a:fld id="{6D3CD741-2E3C-46BC-BD4F-513FEA5EC99E}" type="datetimeFigureOut">
               <a:rPr lang="en-US" smtClean="0"/>
-              <a:t>1/27/2025</a:t>
+              <a:t>1/28/2025</a:t>
             </a:fld>
             <a:endParaRPr lang="en-US"/>
           </a:p>
@@ -16976,7 +16923,7 @@
           <a:p>
             <a:fld id="{6D3CD741-2E3C-46BC-BD4F-513FEA5EC99E}" type="datetimeFigureOut">
               <a:rPr lang="en-US" smtClean="0"/>
-              <a:t>1/27/2025</a:t>
+              <a:t>1/28/2025</a:t>
             </a:fld>
             <a:endParaRPr lang="en-US"/>
           </a:p>
@@ -17967,7 +17914,7 @@
           <a:p>
             <a:fld id="{0897D7FB-8BED-4034-AF5C-6E1B4BE46DFA}" type="datetimeFigureOut">
               <a:rPr lang="en-US" smtClean="0"/>
-              <a:t>1/27/2025</a:t>
+              <a:t>1/28/2025</a:t>
             </a:fld>
             <a:endParaRPr lang="en-US"/>
           </a:p>
@@ -18536,7 +18483,7 @@
           <a:p>
             <a:fld id="{16182CD4-7864-421F-8E1E-1827F21A79E8}" type="datetimeFigureOut">
               <a:rPr lang="en-US" smtClean="0"/>
-              <a:t>1/27/2025</a:t>
+              <a:t>1/28/2025</a:t>
             </a:fld>
             <a:endParaRPr lang="en-US"/>
           </a:p>
@@ -19093,7 +19040,7 @@
           <a:p>
             <a:fld id="{6D3CD741-2E3C-46BC-BD4F-513FEA5EC99E}" type="datetimeFigureOut">
               <a:rPr lang="en-US" smtClean="0"/>
-              <a:t>1/27/2025</a:t>
+              <a:t>1/28/2025</a:t>
             </a:fld>
             <a:endParaRPr lang="en-US"/>
           </a:p>
@@ -20342,7 +20289,7 @@
           <a:p>
             <a:r>
               <a:rPr lang="en-US" sz="1800" noProof="0" dirty="0"/>
-              <a:t>Feature Selection based on High Correlation to the “Total Revenue” such as “Total Invoices”, “Annual Revenue”, “Average Revenue”</a:t>
+              <a:t>Sample Cleanup with NA filling and Feature Calculation such as “Tenure” as well as “Annual Revenue”</a:t>
             </a:r>
           </a:p>
           <a:p>
@@ -20363,7 +20310,7 @@
           <a:p>
             <a:r>
               <a:rPr lang="en-US" sz="1800" noProof="0" dirty="0"/>
-              <a:t>Sample Cleanup with NA filling and Feature Calculation such as “Tenure” as well as “Annual Revenue”</a:t>
+              <a:t>Feature Selection based on High Correlation to the “Total Revenue” such as “Total Invoices”, “Annual Revenue”, “Average Revenue”</a:t>
             </a:r>
           </a:p>
           <a:p>
@@ -20376,10 +20323,10 @@
       </p:sp>
       <p:pic>
         <p:nvPicPr>
-          <p:cNvPr id="8" name="Picture 7" descr="A screenshot of a graph&#10;&#10;Description automatically generated">
-            <a:extLst>
-              <a:ext uri="{FF2B5EF4-FFF2-40B4-BE49-F238E27FC236}">
-                <a16:creationId xmlns:a16="http://schemas.microsoft.com/office/drawing/2014/main" id="{9FF4DC3F-1414-0DE8-6A62-7206AF413241}"/>
+          <p:cNvPr id="12" name="Picture 11" descr="A graph with a bar chart&#10;&#10;Description automatically generated with medium confidence">
+            <a:extLst>
+              <a:ext uri="{FF2B5EF4-FFF2-40B4-BE49-F238E27FC236}">
+                <a16:creationId xmlns:a16="http://schemas.microsoft.com/office/drawing/2014/main" id="{A5D71502-43B7-2C7F-C6A3-32C4F2894DD1}"/>
               </a:ext>
             </a:extLst>
           </p:cNvPr>
@@ -20390,6 +20337,42 @@
         </p:nvPicPr>
         <p:blipFill>
           <a:blip r:embed="rId3">
+            <a:extLst>
+              <a:ext uri="{28A0092B-C50C-407E-A947-70E740481C1C}">
+                <a14:useLocalDpi xmlns:a14="http://schemas.microsoft.com/office/drawing/2010/main" val="0"/>
+              </a:ext>
+            </a:extLst>
+          </a:blip>
+          <a:stretch>
+            <a:fillRect/>
+          </a:stretch>
+        </p:blipFill>
+        <p:spPr>
+          <a:xfrm>
+            <a:off x="6568104" y="0"/>
+            <a:ext cx="5212415" cy="3127449"/>
+          </a:xfrm>
+          <a:prstGeom prst="rect">
+            <a:avLst/>
+          </a:prstGeom>
+        </p:spPr>
+      </p:pic>
+      <p:pic>
+        <p:nvPicPr>
+          <p:cNvPr id="7" name="Picture 6" descr="A chart with red and blue squares&#10;&#10;Description automatically generated">
+            <a:extLst>
+              <a:ext uri="{FF2B5EF4-FFF2-40B4-BE49-F238E27FC236}">
+                <a16:creationId xmlns:a16="http://schemas.microsoft.com/office/drawing/2014/main" id="{331ADDA7-9D77-E532-14EF-A3880F0B7812}"/>
+              </a:ext>
+            </a:extLst>
+          </p:cNvPr>
+          <p:cNvPicPr>
+            <a:picLocks noChangeAspect="1"/>
+          </p:cNvPicPr>
+          <p:nvPr/>
+        </p:nvPicPr>
+        <p:blipFill>
+          <a:blip r:embed="rId4">
             <a:clrChange>
               <a:clrFrom>
                 <a:srgbClr val="FFFFFF"/>
@@ -20406,49 +20389,14 @@
               </a:ext>
             </a:extLst>
           </a:blip>
-          <a:srcRect r="10015"/>
-          <a:stretch/>
-        </p:blipFill>
-        <p:spPr>
-          <a:xfrm>
-            <a:off x="6852370" y="3067791"/>
-            <a:ext cx="4928149" cy="3641982"/>
-          </a:xfrm>
-          <a:prstGeom prst="rect">
-            <a:avLst/>
-          </a:prstGeom>
-        </p:spPr>
-      </p:pic>
-      <p:pic>
-        <p:nvPicPr>
-          <p:cNvPr id="12" name="Picture 11" descr="A graph with a bar chart&#10;&#10;Description automatically generated with medium confidence">
-            <a:extLst>
-              <a:ext uri="{FF2B5EF4-FFF2-40B4-BE49-F238E27FC236}">
-                <a16:creationId xmlns:a16="http://schemas.microsoft.com/office/drawing/2014/main" id="{A5D71502-43B7-2C7F-C6A3-32C4F2894DD1}"/>
-              </a:ext>
-            </a:extLst>
-          </p:cNvPr>
-          <p:cNvPicPr>
-            <a:picLocks noChangeAspect="1"/>
-          </p:cNvPicPr>
-          <p:nvPr/>
-        </p:nvPicPr>
-        <p:blipFill>
-          <a:blip r:embed="rId4">
-            <a:extLst>
-              <a:ext uri="{28A0092B-C50C-407E-A947-70E740481C1C}">
-                <a14:useLocalDpi xmlns:a14="http://schemas.microsoft.com/office/drawing/2010/main" val="0"/>
-              </a:ext>
-            </a:extLst>
-          </a:blip>
           <a:stretch>
             <a:fillRect/>
           </a:stretch>
         </p:blipFill>
         <p:spPr>
           <a:xfrm>
-            <a:off x="6568104" y="0"/>
-            <a:ext cx="5212415" cy="3127449"/>
+            <a:off x="7238327" y="3249070"/>
+            <a:ext cx="4145291" cy="3487309"/>
           </a:xfrm>
           <a:prstGeom prst="rect">
             <a:avLst/>
@@ -20787,7 +20735,15 @@
           <a:p>
             <a:r>
               <a:rPr lang="en-US" sz="1800" noProof="0" dirty="0"/>
-              <a:t>Labeling based on Performance using Quantiles (High, Average, Low )</a:t>
+              <a:t>Labeling based on Performance using Quantiles (</a:t>
+            </a:r>
+            <a:r>
+              <a:rPr lang="en-US" sz="1800" dirty="0"/>
+              <a:t>Low</a:t>
+            </a:r>
+            <a:r>
+              <a:rPr lang="en-US" sz="1800" noProof="0" dirty="0"/>
+              <a:t>, Average, High)</a:t>
             </a:r>
           </a:p>
           <a:p>
@@ -20889,7 +20845,7 @@
         </p:blipFill>
         <p:spPr>
           <a:xfrm>
-            <a:off x="5823597" y="3699576"/>
+            <a:off x="5860173" y="3699576"/>
             <a:ext cx="6118629" cy="2980956"/>
           </a:xfrm>
           <a:prstGeom prst="rect">
@@ -22187,7 +22143,7 @@
           <a:p>
             <a:r>
               <a:rPr lang="en-US" sz="1800" noProof="0" dirty="0"/>
-              <a:t>Difference between Metrics when we removed all NA values reducing however the Data set size</a:t>
+              <a:t>Difference between Metrics when we removed all NA values reducing however the Data Set size</a:t>
             </a:r>
           </a:p>
         </p:txBody>
@@ -22213,7 +22169,7 @@
         </p:blipFill>
         <p:spPr>
           <a:xfrm>
-            <a:off x="5689287" y="528663"/>
+            <a:off x="5649886" y="3843363"/>
             <a:ext cx="2914446" cy="2364599"/>
           </a:xfrm>
           <a:prstGeom prst="rect">
@@ -22259,7 +22215,7 @@
         </p:blipFill>
         <p:spPr>
           <a:xfrm>
-            <a:off x="6542115" y="3139774"/>
+            <a:off x="6358809" y="99083"/>
             <a:ext cx="4860263" cy="3645197"/>
           </a:xfrm>
           <a:prstGeom prst="rect">
@@ -22289,7 +22245,7 @@
         </p:blipFill>
         <p:spPr>
           <a:xfrm>
-            <a:off x="9124553" y="528663"/>
+            <a:off x="9085152" y="3843363"/>
             <a:ext cx="2838734" cy="2364599"/>
           </a:xfrm>
           <a:prstGeom prst="rect">
@@ -22311,7 +22267,7 @@
         </p:nvSpPr>
         <p:spPr>
           <a:xfrm>
-            <a:off x="8645550" y="1526296"/>
+            <a:off x="8606149" y="4840996"/>
             <a:ext cx="543708" cy="369332"/>
           </a:xfrm>
           <a:prstGeom prst="rect">
@@ -22814,7 +22770,7 @@
                   <a:schemeClr val="bg1"/>
                 </a:solidFill>
               </a:rPr>
-              <a:t>Getting Familiar with the Tech Stack</a:t>
+              <a:t>Implementing modern techniques to solve real problems</a:t>
             </a:r>
           </a:p>
           <a:p>
@@ -22823,13 +22779,18 @@
               <a:buChar char="q"/>
             </a:pPr>
             <a:r>
-              <a:rPr lang="en-US" sz="1800" noProof="0" dirty="0">
+              <a:rPr lang="en-US" sz="1800" dirty="0">
                 <a:solidFill>
                   <a:schemeClr val="bg1"/>
                 </a:solidFill>
               </a:rPr>
-              <a:t>Implementing modern techniques to solve real problems</a:t>
-            </a:r>
+              <a:t>Getting Familiar with the Tech Stack</a:t>
+            </a:r>
+            <a:endParaRPr lang="en-US" sz="1800" noProof="0" dirty="0">
+              <a:solidFill>
+                <a:schemeClr val="bg1"/>
+              </a:solidFill>
+            </a:endParaRPr>
           </a:p>
           <a:p>
             <a:pPr marL="0"/>
@@ -23399,7 +23360,7 @@
                   <a:schemeClr val="bg1"/>
                 </a:solidFill>
               </a:rPr>
-              <a:t>Learning a new coding language   with its libraries</a:t>
+              <a:t>Learning a new coding language</a:t>
             </a:r>
           </a:p>
           <a:p>
@@ -23416,7 +23377,7 @@
                   <a:schemeClr val="bg1"/>
                 </a:solidFill>
               </a:rPr>
-              <a:t>Understanding the correct order of the steps for a complete Machine Learning project</a:t>
+              <a:t>The correct order of steps for a ML project</a:t>
             </a:r>
           </a:p>
         </p:txBody>
@@ -23622,15 +23583,33 @@
                                   </p:childTnLst>
                                 </p:cTn>
                               </p:par>
+                            </p:childTnLst>
+                          </p:cTn>
+                        </p:par>
+                      </p:childTnLst>
+                    </p:cTn>
+                  </p:par>
+                  <p:par>
+                    <p:cTn id="17" fill="hold">
+                      <p:stCondLst>
+                        <p:cond delay="indefinite"/>
+                      </p:stCondLst>
+                      <p:childTnLst>
+                        <p:par>
+                          <p:cTn id="18" fill="hold">
+                            <p:stCondLst>
+                              <p:cond delay="0"/>
+                            </p:stCondLst>
+                            <p:childTnLst>
                               <p:par>
-                                <p:cTn id="17" presetID="10" presetClass="entr" presetSubtype="0" fill="hold" grpId="0" nodeType="withEffect">
+                                <p:cTn id="19" presetID="10" presetClass="entr" presetSubtype="0" fill="hold" grpId="0" nodeType="clickEffect">
                                   <p:stCondLst>
                                     <p:cond delay="0"/>
                                   </p:stCondLst>
                                   <p:childTnLst>
                                     <p:set>
                                       <p:cBhvr>
-                                        <p:cTn id="18" dur="1" fill="hold">
+                                        <p:cTn id="20" dur="1" fill="hold">
                                           <p:stCondLst>
                                             <p:cond delay="0"/>
                                           </p:stCondLst>
@@ -23652,7 +23631,7 @@
                                     </p:set>
                                     <p:animEffect transition="in" filter="fade">
                                       <p:cBhvr>
-                                        <p:cTn id="19" dur="500"/>
+                                        <p:cTn id="21" dur="500"/>
                                         <p:tgtEl>
                                           <p:spTgt spid="4">
                                             <p:txEl>
@@ -23672,26 +23651,26 @@
                     </p:cTn>
                   </p:par>
                   <p:par>
-                    <p:cTn id="20" fill="hold">
+                    <p:cTn id="22" fill="hold">
                       <p:stCondLst>
                         <p:cond delay="indefinite"/>
                       </p:stCondLst>
                       <p:childTnLst>
                         <p:par>
-                          <p:cTn id="21" fill="hold">
+                          <p:cTn id="23" fill="hold">
                             <p:stCondLst>
                               <p:cond delay="0"/>
                             </p:stCondLst>
                             <p:childTnLst>
                               <p:par>
-                                <p:cTn id="22" presetID="10" presetClass="entr" presetSubtype="0" fill="hold" grpId="0" nodeType="clickEffect">
+                                <p:cTn id="24" presetID="10" presetClass="entr" presetSubtype="0" fill="hold" grpId="0" nodeType="clickEffect">
                                   <p:stCondLst>
                                     <p:cond delay="0"/>
                                   </p:stCondLst>
                                   <p:childTnLst>
                                     <p:set>
                                       <p:cBhvr>
-                                        <p:cTn id="23" dur="1" fill="hold">
+                                        <p:cTn id="25" dur="1" fill="hold">
                                           <p:stCondLst>
                                             <p:cond delay="0"/>
                                           </p:stCondLst>
@@ -23709,7 +23688,7 @@
                                     </p:set>
                                     <p:animEffect transition="in" filter="fade">
                                       <p:cBhvr>
-                                        <p:cTn id="24" dur="500"/>
+                                        <p:cTn id="26" dur="500"/>
                                         <p:tgtEl>
                                           <p:spTgt spid="2"/>
                                         </p:tgtEl>
@@ -23725,26 +23704,26 @@
                     </p:cTn>
                   </p:par>
                   <p:par>
-                    <p:cTn id="25" fill="hold">
+                    <p:cTn id="27" fill="hold">
                       <p:stCondLst>
                         <p:cond delay="indefinite"/>
                       </p:stCondLst>
                       <p:childTnLst>
                         <p:par>
-                          <p:cTn id="26" fill="hold">
+                          <p:cTn id="28" fill="hold">
                             <p:stCondLst>
                               <p:cond delay="0"/>
                             </p:stCondLst>
                             <p:childTnLst>
                               <p:par>
-                                <p:cTn id="27" presetID="10" presetClass="entr" presetSubtype="0" fill="hold" grpId="0" nodeType="clickEffect">
+                                <p:cTn id="29" presetID="10" presetClass="entr" presetSubtype="0" fill="hold" grpId="0" nodeType="clickEffect">
                                   <p:stCondLst>
                                     <p:cond delay="0"/>
                                   </p:stCondLst>
                                   <p:childTnLst>
                                     <p:set>
                                       <p:cBhvr>
-                                        <p:cTn id="28" dur="1" fill="hold">
+                                        <p:cTn id="30" dur="1" fill="hold">
                                           <p:stCondLst>
                                             <p:cond delay="0"/>
                                           </p:stCondLst>
@@ -23762,7 +23741,7 @@
                                     </p:set>
                                     <p:animEffect transition="in" filter="fade">
                                       <p:cBhvr>
-                                        <p:cTn id="29" dur="500"/>
+                                        <p:cTn id="31" dur="500"/>
                                         <p:tgtEl>
                                           <p:spTgt spid="5"/>
                                         </p:tgtEl>
@@ -25138,15 +25117,7 @@
           <a:p>
             <a:r>
               <a:rPr lang="en-US" sz="2000" noProof="0" dirty="0"/>
-              <a:t>To Design the </a:t>
-            </a:r>
-            <a:r>
-              <a:rPr lang="en-US" sz="2000" noProof="0" dirty="0" err="1"/>
-              <a:t>ERD</a:t>
-            </a:r>
-            <a:r>
-              <a:rPr lang="en-US" sz="2000" noProof="0" dirty="0"/>
-              <a:t> Schemas and define the final Star Schema of the Data Warehouse.</a:t>
+              <a:t>To Design the ERD Schemas and define the final Star Schema of the Data Warehouse.</a:t>
             </a:r>
           </a:p>
           <a:p>
